--- a/Praesentation/Praesentation_Fachpraktikum_MedExtractor_Gruppe5.pptx
+++ b/Praesentation/Praesentation_Fachpraktikum_MedExtractor_Gruppe5.pptx
@@ -11,7 +11,7 @@
     <p:sldMasterId id="2147483726" r:id="rId7"/>
   </p:sldMasterIdLst>
   <p:notesMasterIdLst>
-    <p:notesMasterId r:id="rId20"/>
+    <p:notesMasterId r:id="rId21"/>
   </p:notesMasterIdLst>
   <p:sldIdLst>
     <p:sldId id="256" r:id="rId8"/>
@@ -19,13 +19,14 @@
     <p:sldId id="258" r:id="rId10"/>
     <p:sldId id="259" r:id="rId11"/>
     <p:sldId id="260" r:id="rId12"/>
-    <p:sldId id="261" r:id="rId13"/>
-    <p:sldId id="262" r:id="rId14"/>
-    <p:sldId id="263" r:id="rId15"/>
-    <p:sldId id="264" r:id="rId16"/>
-    <p:sldId id="265" r:id="rId17"/>
-    <p:sldId id="266" r:id="rId18"/>
-    <p:sldId id="267" r:id="rId19"/>
+    <p:sldId id="268" r:id="rId13"/>
+    <p:sldId id="261" r:id="rId14"/>
+    <p:sldId id="262" r:id="rId15"/>
+    <p:sldId id="263" r:id="rId16"/>
+    <p:sldId id="264" r:id="rId17"/>
+    <p:sldId id="265" r:id="rId18"/>
+    <p:sldId id="266" r:id="rId19"/>
+    <p:sldId id="267" r:id="rId20"/>
   </p:sldIdLst>
   <p:sldSz cx="12192000" cy="6858000"/>
   <p:notesSz cx="6858000" cy="9144000"/>
@@ -124,6 +125,11 @@
       </a:defRPr>
     </a:lvl9pPr>
   </p:defaultTextStyle>
+  <p:extLst>
+    <p:ext uri="{EFAFB233-063F-42B5-8137-9DF3F51BA10A}">
+      <p15:sldGuideLst xmlns:p15="http://schemas.microsoft.com/office/powerpoint/2012/main"/>
+    </p:ext>
+  </p:extLst>
 </p:presentation>
 </file>
 
@@ -17765,7 +17771,7 @@
       </p:grpSpPr>
       <p:sp>
         <p:nvSpPr>
-          <p:cNvPr id="376" name="TextShape 1"/>
+          <p:cNvPr id="365" name="TextShape 1"/>
           <p:cNvSpPr txBox="1"/>
           <p:nvPr/>
         </p:nvSpPr>
@@ -17788,18 +17794,32 @@
           </a:bodyPr>
           <a:lstStyle/>
           <a:p>
-            <a:endParaRPr lang="de-DE" sz="1800" b="0" strike="noStrike" spc="-1">
-              <a:solidFill>
-                <a:srgbClr val="000000"/>
-              </a:solidFill>
-              <a:latin typeface="Frutiger LT Com 45 Light"/>
-            </a:endParaRPr>
-          </a:p>
-        </p:txBody>
-      </p:sp>
-      <p:sp>
-        <p:nvSpPr>
-          <p:cNvPr id="377" name="TextShape 2"/>
+            <a:pPr>
+              <a:lnSpc>
+                <a:spcPct val="100000"/>
+              </a:lnSpc>
+            </a:pPr>
+            <a:r>
+              <a:rPr lang="de-DE" sz="2200" b="1" strike="noStrike" spc="-1">
+                <a:solidFill>
+                  <a:srgbClr val="5073A5"/>
+                </a:solidFill>
+                <a:latin typeface="Frutiger LT Com 45 Light"/>
+              </a:rPr>
+              <a:t>Folie mit Agenda</a:t>
+            </a:r>
+            <a:endParaRPr lang="de-DE" sz="2200" b="0" strike="noStrike" spc="-1">
+              <a:solidFill>
+                <a:srgbClr val="000000"/>
+              </a:solidFill>
+              <a:latin typeface="Frutiger LT Com 45 Light"/>
+            </a:endParaRPr>
+          </a:p>
+        </p:txBody>
+      </p:sp>
+      <p:sp>
+        <p:nvSpPr>
+          <p:cNvPr id="366" name="TextShape 2"/>
           <p:cNvSpPr txBox="1"/>
           <p:nvPr/>
         </p:nvSpPr>
@@ -17833,7 +17853,7 @@
       </p:sp>
       <p:sp>
         <p:nvSpPr>
-          <p:cNvPr id="378" name="TextShape 3"/>
+          <p:cNvPr id="367" name="TextShape 3"/>
           <p:cNvSpPr txBox="1"/>
           <p:nvPr/>
         </p:nvSpPr>
@@ -17878,6 +17898,549 @@
       </p:sp>
       <p:sp>
         <p:nvSpPr>
+          <p:cNvPr id="368" name="TextShape 4"/>
+          <p:cNvSpPr txBox="1"/>
+          <p:nvPr/>
+        </p:nvSpPr>
+        <p:spPr>
+          <a:xfrm>
+            <a:off x="1055520" y="6426000"/>
+            <a:ext cx="553320" cy="240480"/>
+          </a:xfrm>
+          <a:prstGeom prst="rect">
+            <a:avLst/>
+          </a:prstGeom>
+          <a:noFill/>
+          <a:ln w="0">
+            <a:noFill/>
+          </a:ln>
+        </p:spPr>
+        <p:txBody>
+          <a:bodyPr lIns="0" tIns="0" rIns="0" bIns="0">
+            <a:noAutofit/>
+          </a:bodyPr>
+          <a:lstStyle/>
+          <a:p>
+            <a:pPr>
+              <a:lnSpc>
+                <a:spcPct val="100000"/>
+              </a:lnSpc>
+            </a:pPr>
+            <a:fld id="{564F56BD-C8EE-4DE2-BD40-0964940A191E}" type="slidenum">
+              <a:rPr lang="de-DE" sz="900" b="1" strike="noStrike" spc="-1">
+                <a:solidFill>
+                  <a:srgbClr val="5073A5"/>
+                </a:solidFill>
+                <a:latin typeface="Frutiger LT Com 45 Light"/>
+              </a:rPr>
+              <a:t>10</a:t>
+            </a:fld>
+            <a:endParaRPr lang="de-DE" sz="900" b="0" strike="noStrike" spc="-1">
+              <a:latin typeface="Times New Roman"/>
+            </a:endParaRPr>
+          </a:p>
+        </p:txBody>
+      </p:sp>
+      <p:sp>
+        <p:nvSpPr>
+          <p:cNvPr id="369" name="CustomShape 5"/>
+          <p:cNvSpPr/>
+          <p:nvPr/>
+        </p:nvSpPr>
+        <p:spPr>
+          <a:xfrm>
+            <a:off x="1032480" y="1087560"/>
+            <a:ext cx="2495520" cy="272880"/>
+          </a:xfrm>
+          <a:prstGeom prst="rect">
+            <a:avLst/>
+          </a:prstGeom>
+          <a:noFill/>
+          <a:ln w="0">
+            <a:noFill/>
+          </a:ln>
+        </p:spPr>
+        <p:style>
+          <a:lnRef idx="0">
+            <a:scrgbClr r="0" g="0" b="0"/>
+          </a:lnRef>
+          <a:fillRef idx="0">
+            <a:scrgbClr r="0" g="0" b="0"/>
+          </a:fillRef>
+          <a:effectRef idx="0">
+            <a:scrgbClr r="0" g="0" b="0"/>
+          </a:effectRef>
+          <a:fontRef idx="minor"/>
+        </p:style>
+        <p:txBody>
+          <a:bodyPr lIns="90000" tIns="45000" rIns="90000" bIns="45000">
+            <a:spAutoFit/>
+          </a:bodyPr>
+          <a:lstStyle/>
+          <a:p>
+            <a:pPr algn="ctr">
+              <a:lnSpc>
+                <a:spcPct val="100000"/>
+              </a:lnSpc>
+            </a:pPr>
+            <a:r>
+              <a:rPr lang="de-DE" sz="1200" b="0" strike="noStrike" spc="-1">
+                <a:solidFill>
+                  <a:srgbClr val="000000"/>
+                </a:solidFill>
+                <a:latin typeface="Frutiger LT Com 45 Light"/>
+              </a:rPr>
+              <a:t>Thema 1</a:t>
+            </a:r>
+            <a:endParaRPr lang="de-DE" sz="1200" b="0" strike="noStrike" spc="-1">
+              <a:latin typeface="Arial"/>
+            </a:endParaRPr>
+          </a:p>
+        </p:txBody>
+      </p:sp>
+      <p:sp>
+        <p:nvSpPr>
+          <p:cNvPr id="370" name="CustomShape 6"/>
+          <p:cNvSpPr/>
+          <p:nvPr/>
+        </p:nvSpPr>
+        <p:spPr>
+          <a:xfrm>
+            <a:off x="3529080" y="1072080"/>
+            <a:ext cx="1631160" cy="272880"/>
+          </a:xfrm>
+          <a:prstGeom prst="rect">
+            <a:avLst/>
+          </a:prstGeom>
+          <a:noFill/>
+          <a:ln w="0">
+            <a:noFill/>
+          </a:ln>
+        </p:spPr>
+        <p:style>
+          <a:lnRef idx="0">
+            <a:scrgbClr r="0" g="0" b="0"/>
+          </a:lnRef>
+          <a:fillRef idx="0">
+            <a:scrgbClr r="0" g="0" b="0"/>
+          </a:fillRef>
+          <a:effectRef idx="0">
+            <a:scrgbClr r="0" g="0" b="0"/>
+          </a:effectRef>
+          <a:fontRef idx="minor"/>
+        </p:style>
+        <p:txBody>
+          <a:bodyPr lIns="90000" tIns="45000" rIns="90000" bIns="45000">
+            <a:spAutoFit/>
+          </a:bodyPr>
+          <a:lstStyle/>
+          <a:p>
+            <a:pPr algn="ctr">
+              <a:lnSpc>
+                <a:spcPct val="100000"/>
+              </a:lnSpc>
+            </a:pPr>
+            <a:r>
+              <a:rPr lang="de-DE" sz="1200" b="0" strike="noStrike" spc="-1">
+                <a:solidFill>
+                  <a:srgbClr val="B1B3B3"/>
+                </a:solidFill>
+                <a:latin typeface="Frutiger LT Com 45 Light"/>
+              </a:rPr>
+              <a:t>Aspekt 1</a:t>
+            </a:r>
+            <a:endParaRPr lang="de-DE" sz="1200" b="0" strike="noStrike" spc="-1">
+              <a:latin typeface="Arial"/>
+            </a:endParaRPr>
+          </a:p>
+        </p:txBody>
+      </p:sp>
+      <p:sp>
+        <p:nvSpPr>
+          <p:cNvPr id="371" name="CustomShape 7"/>
+          <p:cNvSpPr/>
+          <p:nvPr/>
+        </p:nvSpPr>
+        <p:spPr>
+          <a:xfrm>
+            <a:off x="5313240" y="1087560"/>
+            <a:ext cx="1383840" cy="272880"/>
+          </a:xfrm>
+          <a:prstGeom prst="rect">
+            <a:avLst/>
+          </a:prstGeom>
+          <a:noFill/>
+          <a:ln w="0">
+            <a:noFill/>
+          </a:ln>
+        </p:spPr>
+        <p:style>
+          <a:lnRef idx="0">
+            <a:scrgbClr r="0" g="0" b="0"/>
+          </a:lnRef>
+          <a:fillRef idx="0">
+            <a:scrgbClr r="0" g="0" b="0"/>
+          </a:fillRef>
+          <a:effectRef idx="0">
+            <a:scrgbClr r="0" g="0" b="0"/>
+          </a:effectRef>
+          <a:fontRef idx="minor"/>
+        </p:style>
+        <p:txBody>
+          <a:bodyPr lIns="90000" tIns="45000" rIns="90000" bIns="45000">
+            <a:spAutoFit/>
+          </a:bodyPr>
+          <a:lstStyle/>
+          <a:p>
+            <a:pPr>
+              <a:lnSpc>
+                <a:spcPct val="100000"/>
+              </a:lnSpc>
+            </a:pPr>
+            <a:r>
+              <a:rPr lang="de-DE" sz="1200" b="0" strike="noStrike" spc="-1">
+                <a:solidFill>
+                  <a:srgbClr val="B1B3B3"/>
+                </a:solidFill>
+                <a:latin typeface="Frutiger LT Com 45 Light"/>
+              </a:rPr>
+              <a:t>Aspekt 2</a:t>
+            </a:r>
+            <a:endParaRPr lang="de-DE" sz="1200" b="0" strike="noStrike" spc="-1">
+              <a:latin typeface="Arial"/>
+            </a:endParaRPr>
+          </a:p>
+        </p:txBody>
+      </p:sp>
+      <p:sp>
+        <p:nvSpPr>
+          <p:cNvPr id="372" name="CustomShape 8"/>
+          <p:cNvSpPr/>
+          <p:nvPr/>
+        </p:nvSpPr>
+        <p:spPr>
+          <a:xfrm>
+            <a:off x="8460000" y="1082880"/>
+            <a:ext cx="2172240" cy="272880"/>
+          </a:xfrm>
+          <a:prstGeom prst="rect">
+            <a:avLst/>
+          </a:prstGeom>
+          <a:noFill/>
+          <a:ln w="0">
+            <a:noFill/>
+          </a:ln>
+        </p:spPr>
+        <p:style>
+          <a:lnRef idx="0">
+            <a:scrgbClr r="0" g="0" b="0"/>
+          </a:lnRef>
+          <a:fillRef idx="0">
+            <a:scrgbClr r="0" g="0" b="0"/>
+          </a:fillRef>
+          <a:effectRef idx="0">
+            <a:scrgbClr r="0" g="0" b="0"/>
+          </a:effectRef>
+          <a:fontRef idx="minor"/>
+        </p:style>
+        <p:txBody>
+          <a:bodyPr lIns="90000" tIns="45000" rIns="90000" bIns="45000">
+            <a:spAutoFit/>
+          </a:bodyPr>
+          <a:lstStyle/>
+          <a:p>
+            <a:pPr algn="ctr">
+              <a:lnSpc>
+                <a:spcPct val="100000"/>
+              </a:lnSpc>
+            </a:pPr>
+            <a:r>
+              <a:rPr lang="de-DE" sz="1200" b="0" strike="noStrike" spc="-1">
+                <a:solidFill>
+                  <a:srgbClr val="B1B3B3"/>
+                </a:solidFill>
+                <a:latin typeface="Frutiger LT Com 45 Light"/>
+              </a:rPr>
+              <a:t>Thema 3</a:t>
+            </a:r>
+            <a:endParaRPr lang="de-DE" sz="1200" b="0" strike="noStrike" spc="-1">
+              <a:latin typeface="Arial"/>
+            </a:endParaRPr>
+          </a:p>
+        </p:txBody>
+      </p:sp>
+      <p:sp>
+        <p:nvSpPr>
+          <p:cNvPr id="373" name="Line 9"/>
+          <p:cNvSpPr/>
+          <p:nvPr/>
+        </p:nvSpPr>
+        <p:spPr>
+          <a:xfrm>
+            <a:off x="1079640" y="1395000"/>
+            <a:ext cx="9840600" cy="0"/>
+          </a:xfrm>
+          <a:prstGeom prst="line">
+            <a:avLst/>
+          </a:prstGeom>
+          <a:ln>
+            <a:solidFill>
+              <a:srgbClr val="000000"/>
+            </a:solidFill>
+            <a:round/>
+          </a:ln>
+        </p:spPr>
+        <p:style>
+          <a:lnRef idx="1">
+            <a:schemeClr val="dk1"/>
+          </a:lnRef>
+          <a:fillRef idx="0">
+            <a:schemeClr val="dk1"/>
+          </a:fillRef>
+          <a:effectRef idx="0">
+            <a:schemeClr val="dk1"/>
+          </a:effectRef>
+          <a:fontRef idx="minor"/>
+        </p:style>
+      </p:sp>
+      <p:sp>
+        <p:nvSpPr>
+          <p:cNvPr id="374" name="CustomShape 10"/>
+          <p:cNvSpPr/>
+          <p:nvPr/>
+        </p:nvSpPr>
+        <p:spPr>
+          <a:xfrm>
+            <a:off x="6876360" y="1072080"/>
+            <a:ext cx="1383840" cy="272880"/>
+          </a:xfrm>
+          <a:prstGeom prst="rect">
+            <a:avLst/>
+          </a:prstGeom>
+          <a:noFill/>
+          <a:ln w="0">
+            <a:noFill/>
+          </a:ln>
+        </p:spPr>
+        <p:style>
+          <a:lnRef idx="0">
+            <a:scrgbClr r="0" g="0" b="0"/>
+          </a:lnRef>
+          <a:fillRef idx="0">
+            <a:scrgbClr r="0" g="0" b="0"/>
+          </a:fillRef>
+          <a:effectRef idx="0">
+            <a:scrgbClr r="0" g="0" b="0"/>
+          </a:effectRef>
+          <a:fontRef idx="minor"/>
+        </p:style>
+        <p:txBody>
+          <a:bodyPr lIns="90000" tIns="45000" rIns="90000" bIns="45000">
+            <a:spAutoFit/>
+          </a:bodyPr>
+          <a:lstStyle/>
+          <a:p>
+            <a:pPr>
+              <a:lnSpc>
+                <a:spcPct val="100000"/>
+              </a:lnSpc>
+            </a:pPr>
+            <a:r>
+              <a:rPr lang="de-DE" sz="1200" b="0" strike="noStrike" spc="-1">
+                <a:solidFill>
+                  <a:srgbClr val="B1B3B3"/>
+                </a:solidFill>
+                <a:latin typeface="Frutiger LT Com 45 Light"/>
+              </a:rPr>
+              <a:t>Aspekt 3</a:t>
+            </a:r>
+            <a:endParaRPr lang="de-DE" sz="1200" b="0" strike="noStrike" spc="-1">
+              <a:latin typeface="Arial"/>
+            </a:endParaRPr>
+          </a:p>
+        </p:txBody>
+      </p:sp>
+      <p:sp>
+        <p:nvSpPr>
+          <p:cNvPr id="375" name="CustomShape 11"/>
+          <p:cNvSpPr/>
+          <p:nvPr/>
+        </p:nvSpPr>
+        <p:spPr>
+          <a:xfrm>
+            <a:off x="1944000" y="1316520"/>
+            <a:ext cx="143640" cy="126000"/>
+          </a:xfrm>
+          <a:prstGeom prst="triangle">
+            <a:avLst>
+              <a:gd name="adj" fmla="val 50000"/>
+            </a:avLst>
+          </a:prstGeom>
+          <a:solidFill>
+            <a:srgbClr val="000000"/>
+          </a:solidFill>
+          <a:ln>
+            <a:noFill/>
+          </a:ln>
+        </p:spPr>
+        <p:style>
+          <a:lnRef idx="2">
+            <a:schemeClr val="dk1">
+              <a:shade val="50000"/>
+            </a:schemeClr>
+          </a:lnRef>
+          <a:fillRef idx="1">
+            <a:schemeClr val="dk1"/>
+          </a:fillRef>
+          <a:effectRef idx="0">
+            <a:schemeClr val="dk1"/>
+          </a:effectRef>
+          <a:fontRef idx="minor"/>
+        </p:style>
+      </p:sp>
+    </p:spTree>
+  </p:cSld>
+  <p:clrMapOvr>
+    <a:masterClrMapping/>
+  </p:clrMapOvr>
+  <p:transition spd="slow">
+    <p:fade/>
+  </p:transition>
+</p:sld>
+</file>
+
+<file path=ppt/slides/slide11.xml><?xml version="1.0" encoding="utf-8"?>
+<p:sld xmlns:a="http://schemas.openxmlformats.org/drawingml/2006/main" xmlns:r="http://schemas.openxmlformats.org/officeDocument/2006/relationships" xmlns:p="http://schemas.openxmlformats.org/presentationml/2006/main">
+  <p:cSld>
+    <p:spTree>
+      <p:nvGrpSpPr>
+        <p:cNvPr id="1" name=""/>
+        <p:cNvGrpSpPr/>
+        <p:nvPr/>
+      </p:nvGrpSpPr>
+      <p:grpSpPr>
+        <a:xfrm>
+          <a:off x="0" y="0"/>
+          <a:ext cx="0" cy="0"/>
+          <a:chOff x="0" y="0"/>
+          <a:chExt cx="0" cy="0"/>
+        </a:xfrm>
+      </p:grpSpPr>
+      <p:sp>
+        <p:nvSpPr>
+          <p:cNvPr id="376" name="TextShape 1"/>
+          <p:cNvSpPr txBox="1"/>
+          <p:nvPr/>
+        </p:nvSpPr>
+        <p:spPr>
+          <a:xfrm>
+            <a:off x="720000" y="260640"/>
+            <a:ext cx="8183880" cy="661680"/>
+          </a:xfrm>
+          <a:prstGeom prst="rect">
+            <a:avLst/>
+          </a:prstGeom>
+          <a:noFill/>
+          <a:ln w="0">
+            <a:noFill/>
+          </a:ln>
+        </p:spPr>
+        <p:txBody>
+          <a:bodyPr lIns="0" tIns="0" rIns="0" bIns="0" anchor="b">
+            <a:noAutofit/>
+          </a:bodyPr>
+          <a:lstStyle/>
+          <a:p>
+            <a:endParaRPr lang="de-DE" sz="1800" b="0" strike="noStrike" spc="-1">
+              <a:solidFill>
+                <a:srgbClr val="000000"/>
+              </a:solidFill>
+              <a:latin typeface="Frutiger LT Com 45 Light"/>
+            </a:endParaRPr>
+          </a:p>
+        </p:txBody>
+      </p:sp>
+      <p:sp>
+        <p:nvSpPr>
+          <p:cNvPr id="377" name="TextShape 2"/>
+          <p:cNvSpPr txBox="1"/>
+          <p:nvPr/>
+        </p:nvSpPr>
+        <p:spPr>
+          <a:xfrm>
+            <a:off x="715680" y="1700640"/>
+            <a:ext cx="10803960" cy="4320000"/>
+          </a:xfrm>
+          <a:prstGeom prst="rect">
+            <a:avLst/>
+          </a:prstGeom>
+          <a:noFill/>
+          <a:ln w="0">
+            <a:noFill/>
+          </a:ln>
+        </p:spPr>
+        <p:txBody>
+          <a:bodyPr lIns="0" tIns="0" rIns="0" bIns="0">
+            <a:noAutofit/>
+          </a:bodyPr>
+          <a:lstStyle/>
+          <a:p>
+            <a:endParaRPr lang="de-DE" sz="1700" b="0" strike="noStrike" spc="-1">
+              <a:solidFill>
+                <a:srgbClr val="000000"/>
+              </a:solidFill>
+              <a:latin typeface="Frutiger LT Com 45 Light"/>
+            </a:endParaRPr>
+          </a:p>
+        </p:txBody>
+      </p:sp>
+      <p:sp>
+        <p:nvSpPr>
+          <p:cNvPr id="378" name="TextShape 3"/>
+          <p:cNvSpPr txBox="1"/>
+          <p:nvPr/>
+        </p:nvSpPr>
+        <p:spPr>
+          <a:xfrm>
+            <a:off x="1631520" y="6426000"/>
+            <a:ext cx="7272360" cy="240480"/>
+          </a:xfrm>
+          <a:prstGeom prst="rect">
+            <a:avLst/>
+          </a:prstGeom>
+          <a:noFill/>
+          <a:ln w="0">
+            <a:noFill/>
+          </a:ln>
+        </p:spPr>
+        <p:txBody>
+          <a:bodyPr lIns="0" tIns="0" rIns="0" bIns="0">
+            <a:noAutofit/>
+          </a:bodyPr>
+          <a:lstStyle/>
+          <a:p>
+            <a:pPr>
+              <a:lnSpc>
+                <a:spcPct val="100000"/>
+              </a:lnSpc>
+            </a:pPr>
+            <a:r>
+              <a:rPr lang="en-US" sz="900" b="0" strike="noStrike" spc="-1">
+                <a:solidFill>
+                  <a:srgbClr val="5073A5"/>
+                </a:solidFill>
+                <a:latin typeface="Frutiger LT Com 45 Light"/>
+              </a:rPr>
+              <a:t>Fußzeile</a:t>
+            </a:r>
+            <a:endParaRPr lang="de-DE" sz="900" b="0" strike="noStrike" spc="-1">
+              <a:latin typeface="Times New Roman"/>
+            </a:endParaRPr>
+          </a:p>
+        </p:txBody>
+      </p:sp>
+      <p:sp>
+        <p:nvSpPr>
           <p:cNvPr id="379" name="TextShape 4"/>
           <p:cNvSpPr txBox="1"/>
           <p:nvPr/>
@@ -17913,7 +18476,7 @@
                 </a:solidFill>
                 <a:latin typeface="Frutiger LT Com 45 Light"/>
               </a:rPr>
-              <a:t>10</a:t>
+              <a:t>11</a:t>
             </a:fld>
             <a:endParaRPr lang="de-DE" sz="900" b="0" strike="noStrike" spc="-1">
               <a:latin typeface="Times New Roman"/>
@@ -17929,7 +18492,7 @@
 </p:sld>
 </file>
 
-<file path=ppt/slides/slide11.xml><?xml version="1.0" encoding="utf-8"?>
+<file path=ppt/slides/slide12.xml><?xml version="1.0" encoding="utf-8"?>
 <p:sld xmlns:a="http://schemas.openxmlformats.org/drawingml/2006/main" xmlns:r="http://schemas.openxmlformats.org/officeDocument/2006/relationships" xmlns:p="http://schemas.openxmlformats.org/presentationml/2006/main">
   <p:cSld>
     <p:spTree>
@@ -18443,7 +19006,7 @@
 </p:sld>
 </file>
 
-<file path=ppt/slides/slide12.xml><?xml version="1.0" encoding="utf-8"?>
+<file path=ppt/slides/slide13.xml><?xml version="1.0" encoding="utf-8"?>
 <p:sld xmlns:a="http://schemas.openxmlformats.org/drawingml/2006/main" xmlns:r="http://schemas.openxmlformats.org/officeDocument/2006/relationships" xmlns:p="http://schemas.openxmlformats.org/presentationml/2006/main">
   <p:cSld>
     <p:spTree>
@@ -19745,7 +20308,7 @@
               </a:lnSpc>
             </a:pPr>
             <a:r>
-              <a:rPr lang="de-DE" sz="2200" b="1" strike="noStrike" spc="-1">
+              <a:rPr lang="de-DE" sz="2200" b="1" strike="noStrike" spc="-1" dirty="0">
                 <a:solidFill>
                   <a:srgbClr val="5073A5"/>
                 </a:solidFill>
@@ -19753,7 +20316,7 @@
               </a:rPr>
               <a:t>Lösungsansatz</a:t>
             </a:r>
-            <a:endParaRPr lang="de-DE" sz="2200" b="0" strike="noStrike" spc="-1">
+            <a:endParaRPr lang="de-DE" sz="2200" b="0" strike="noStrike" spc="-1" dirty="0">
               <a:solidFill>
                 <a:srgbClr val="000000"/>
               </a:solidFill>
@@ -20237,6 +20800,143 @@
       </p:grpSpPr>
       <p:sp>
         <p:nvSpPr>
+          <p:cNvPr id="2" name="Titel 1">
+            <a:extLst>
+              <a:ext uri="{FF2B5EF4-FFF2-40B4-BE49-F238E27FC236}">
+                <a16:creationId xmlns:a16="http://schemas.microsoft.com/office/drawing/2014/main" id="{8CF02375-252A-474D-5D8C-B488BB93DC2F}"/>
+              </a:ext>
+            </a:extLst>
+          </p:cNvPr>
+          <p:cNvSpPr>
+            <a:spLocks noGrp="1"/>
+          </p:cNvSpPr>
+          <p:nvPr>
+            <p:ph type="title"/>
+          </p:nvPr>
+        </p:nvSpPr>
+        <p:spPr>
+          <a:noFill/>
+          <a:ln w="0">
+            <a:noFill/>
+          </a:ln>
+        </p:spPr>
+        <p:txBody>
+          <a:bodyPr lIns="0" tIns="0" rIns="0" bIns="0" anchor="b">
+            <a:noAutofit/>
+          </a:bodyPr>
+          <a:lstStyle/>
+          <a:p>
+            <a:pPr>
+              <a:lnSpc>
+                <a:spcPct val="100000"/>
+              </a:lnSpc>
+            </a:pPr>
+            <a:r>
+              <a:rPr lang="de-DE" sz="2200" b="1" spc="-1" dirty="0" err="1">
+                <a:solidFill>
+                  <a:srgbClr val="5073A5"/>
+                </a:solidFill>
+                <a:latin typeface="Frutiger LT Com 45 Light"/>
+                <a:ea typeface="+mn-ea"/>
+                <a:cs typeface="+mn-cs"/>
+              </a:rPr>
+              <a:t>SpaCy‘s</a:t>
+            </a:r>
+            <a:r>
+              <a:rPr lang="de-DE" sz="2200" b="1" spc="-1" dirty="0">
+                <a:solidFill>
+                  <a:srgbClr val="5073A5"/>
+                </a:solidFill>
+                <a:latin typeface="Frutiger LT Com 45 Light"/>
+                <a:ea typeface="+mn-ea"/>
+                <a:cs typeface="+mn-cs"/>
+              </a:rPr>
+              <a:t> Entity </a:t>
+            </a:r>
+            <a:r>
+              <a:rPr lang="de-DE" sz="2200" b="1" spc="-1" dirty="0" err="1">
+                <a:solidFill>
+                  <a:srgbClr val="5073A5"/>
+                </a:solidFill>
+                <a:latin typeface="Frutiger LT Com 45 Light"/>
+                <a:ea typeface="+mn-ea"/>
+                <a:cs typeface="+mn-cs"/>
+              </a:rPr>
+              <a:t>Ruler</a:t>
+            </a:r>
+            <a:endParaRPr lang="de-DE" sz="2200" b="1" spc="-1" dirty="0">
+              <a:solidFill>
+                <a:srgbClr val="5073A5"/>
+              </a:solidFill>
+              <a:latin typeface="Frutiger LT Com 45 Light"/>
+              <a:ea typeface="+mn-ea"/>
+              <a:cs typeface="+mn-cs"/>
+            </a:endParaRPr>
+          </a:p>
+        </p:txBody>
+      </p:sp>
+      <p:pic>
+        <p:nvPicPr>
+          <p:cNvPr id="9" name="Grafik 8">
+            <a:extLst>
+              <a:ext uri="{FF2B5EF4-FFF2-40B4-BE49-F238E27FC236}">
+                <a16:creationId xmlns:a16="http://schemas.microsoft.com/office/drawing/2014/main" id="{6E70C3E0-E250-BC0E-AA4E-2B892EC74546}"/>
+              </a:ext>
+            </a:extLst>
+          </p:cNvPr>
+          <p:cNvPicPr>
+            <a:picLocks noChangeAspect="1"/>
+          </p:cNvPicPr>
+          <p:nvPr/>
+        </p:nvPicPr>
+        <p:blipFill>
+          <a:blip r:embed="rId2"/>
+          <a:stretch>
+            <a:fillRect/>
+          </a:stretch>
+        </p:blipFill>
+        <p:spPr>
+          <a:xfrm>
+            <a:off x="731280" y="1463599"/>
+            <a:ext cx="10729439" cy="4320751"/>
+          </a:xfrm>
+          <a:prstGeom prst="rect">
+            <a:avLst/>
+          </a:prstGeom>
+        </p:spPr>
+      </p:pic>
+    </p:spTree>
+    <p:extLst>
+      <p:ext uri="{BB962C8B-B14F-4D97-AF65-F5344CB8AC3E}">
+        <p14:creationId xmlns:p14="http://schemas.microsoft.com/office/powerpoint/2010/main" val="668240872"/>
+      </p:ext>
+    </p:extLst>
+  </p:cSld>
+  <p:clrMapOvr>
+    <a:masterClrMapping/>
+  </p:clrMapOvr>
+</p:sld>
+</file>
+
+<file path=ppt/slides/slide7.xml><?xml version="1.0" encoding="utf-8"?>
+<p:sld xmlns:a="http://schemas.openxmlformats.org/drawingml/2006/main" xmlns:r="http://schemas.openxmlformats.org/officeDocument/2006/relationships" xmlns:p="http://schemas.openxmlformats.org/presentationml/2006/main">
+  <p:cSld>
+    <p:spTree>
+      <p:nvGrpSpPr>
+        <p:cNvPr id="1" name=""/>
+        <p:cNvGrpSpPr/>
+        <p:nvPr/>
+      </p:nvGrpSpPr>
+      <p:grpSpPr>
+        <a:xfrm>
+          <a:off x="0" y="0"/>
+          <a:ext cx="0" cy="0"/>
+          <a:chOff x="0" y="0"/>
+          <a:chExt cx="0" cy="0"/>
+        </a:xfrm>
+      </p:grpSpPr>
+      <p:sp>
+        <p:nvSpPr>
           <p:cNvPr id="356" name="TextShape 1"/>
           <p:cNvSpPr txBox="1"/>
           <p:nvPr/>
@@ -20317,7 +21017,7 @@
                 </a:solidFill>
                 <a:latin typeface="Frutiger LT Com 45 Light"/>
               </a:rPr>
-              <a:t>6</a:t>
+              <a:t>7</a:t>
             </a:fld>
             <a:endParaRPr lang="de-DE" sz="900" b="0" strike="noStrike" spc="-1">
               <a:latin typeface="Times New Roman"/>
@@ -20417,169 +21117,6 @@
 </p:sld>
 </file>
 
-<file path=ppt/slides/slide7.xml><?xml version="1.0" encoding="utf-8"?>
-<p:sld xmlns:a="http://schemas.openxmlformats.org/drawingml/2006/main" xmlns:r="http://schemas.openxmlformats.org/officeDocument/2006/relationships" xmlns:p="http://schemas.openxmlformats.org/presentationml/2006/main">
-  <p:cSld>
-    <p:spTree>
-      <p:nvGrpSpPr>
-        <p:cNvPr id="1" name=""/>
-        <p:cNvGrpSpPr/>
-        <p:nvPr/>
-      </p:nvGrpSpPr>
-      <p:grpSpPr>
-        <a:xfrm>
-          <a:off x="0" y="0"/>
-          <a:ext cx="0" cy="0"/>
-          <a:chOff x="0" y="0"/>
-          <a:chExt cx="0" cy="0"/>
-        </a:xfrm>
-      </p:grpSpPr>
-      <p:sp>
-        <p:nvSpPr>
-          <p:cNvPr id="359" name="TextShape 1"/>
-          <p:cNvSpPr txBox="1"/>
-          <p:nvPr/>
-        </p:nvSpPr>
-        <p:spPr>
-          <a:xfrm>
-            <a:off x="1631520" y="6426000"/>
-            <a:ext cx="7272360" cy="240480"/>
-          </a:xfrm>
-          <a:prstGeom prst="rect">
-            <a:avLst/>
-          </a:prstGeom>
-          <a:noFill/>
-          <a:ln w="0">
-            <a:noFill/>
-          </a:ln>
-        </p:spPr>
-        <p:txBody>
-          <a:bodyPr lIns="0" tIns="0" rIns="0" bIns="0">
-            <a:noAutofit/>
-          </a:bodyPr>
-          <a:lstStyle/>
-          <a:p>
-            <a:pPr>
-              <a:lnSpc>
-                <a:spcPct val="100000"/>
-              </a:lnSpc>
-            </a:pPr>
-            <a:r>
-              <a:rPr lang="en-US" sz="900" b="0" strike="noStrike" spc="-1">
-                <a:solidFill>
-                  <a:srgbClr val="5073A5"/>
-                </a:solidFill>
-                <a:latin typeface="Frutiger LT Com 45 Light"/>
-              </a:rPr>
-              <a:t>Fußzeile</a:t>
-            </a:r>
-            <a:endParaRPr lang="de-DE" sz="900" b="0" strike="noStrike" spc="-1">
-              <a:latin typeface="Times New Roman"/>
-            </a:endParaRPr>
-          </a:p>
-        </p:txBody>
-      </p:sp>
-      <p:sp>
-        <p:nvSpPr>
-          <p:cNvPr id="360" name="TextShape 2"/>
-          <p:cNvSpPr txBox="1"/>
-          <p:nvPr/>
-        </p:nvSpPr>
-        <p:spPr>
-          <a:xfrm>
-            <a:off x="1055520" y="6426000"/>
-            <a:ext cx="553320" cy="240480"/>
-          </a:xfrm>
-          <a:prstGeom prst="rect">
-            <a:avLst/>
-          </a:prstGeom>
-          <a:noFill/>
-          <a:ln w="0">
-            <a:noFill/>
-          </a:ln>
-        </p:spPr>
-        <p:txBody>
-          <a:bodyPr lIns="0" tIns="0" rIns="0" bIns="0">
-            <a:noAutofit/>
-          </a:bodyPr>
-          <a:lstStyle/>
-          <a:p>
-            <a:pPr>
-              <a:lnSpc>
-                <a:spcPct val="100000"/>
-              </a:lnSpc>
-            </a:pPr>
-            <a:fld id="{810E913F-87BD-4844-914F-489A9B4C1696}" type="slidenum">
-              <a:rPr lang="de-DE" sz="900" b="1" strike="noStrike" spc="-1">
-                <a:solidFill>
-                  <a:srgbClr val="5073A5"/>
-                </a:solidFill>
-                <a:latin typeface="Frutiger LT Com 45 Light"/>
-              </a:rPr>
-              <a:t>7</a:t>
-            </a:fld>
-            <a:endParaRPr lang="de-DE" sz="900" b="0" strike="noStrike" spc="-1">
-              <a:latin typeface="Times New Roman"/>
-            </a:endParaRPr>
-          </a:p>
-        </p:txBody>
-      </p:sp>
-      <p:sp>
-        <p:nvSpPr>
-          <p:cNvPr id="361" name="TextShape 3"/>
-          <p:cNvSpPr txBox="1"/>
-          <p:nvPr/>
-        </p:nvSpPr>
-        <p:spPr>
-          <a:xfrm>
-            <a:off x="720000" y="260640"/>
-            <a:ext cx="8183880" cy="661680"/>
-          </a:xfrm>
-          <a:prstGeom prst="rect">
-            <a:avLst/>
-          </a:prstGeom>
-          <a:noFill/>
-          <a:ln w="0">
-            <a:noFill/>
-          </a:ln>
-        </p:spPr>
-        <p:txBody>
-          <a:bodyPr lIns="0" tIns="0" rIns="0" bIns="0" anchor="b">
-            <a:noAutofit/>
-          </a:bodyPr>
-          <a:lstStyle/>
-          <a:p>
-            <a:pPr>
-              <a:lnSpc>
-                <a:spcPct val="100000"/>
-              </a:lnSpc>
-            </a:pPr>
-            <a:r>
-              <a:rPr lang="de-DE" sz="2200" b="1" strike="noStrike" spc="-1">
-                <a:solidFill>
-                  <a:srgbClr val="5073A5"/>
-                </a:solidFill>
-                <a:latin typeface="Frutiger LT Com 45 Light"/>
-              </a:rPr>
-              <a:t>Evaluation</a:t>
-            </a:r>
-            <a:endParaRPr lang="de-DE" sz="2200" b="0" strike="noStrike" spc="-1">
-              <a:solidFill>
-                <a:srgbClr val="000000"/>
-              </a:solidFill>
-              <a:latin typeface="Frutiger LT Com 45 Light"/>
-            </a:endParaRPr>
-          </a:p>
-        </p:txBody>
-      </p:sp>
-    </p:spTree>
-  </p:cSld>
-  <p:clrMapOvr>
-    <a:masterClrMapping/>
-  </p:clrMapOvr>
-</p:sld>
-</file>
-
 <file path=ppt/slides/slide8.xml><?xml version="1.0" encoding="utf-8"?>
 <p:sld xmlns:a="http://schemas.openxmlformats.org/drawingml/2006/main" xmlns:r="http://schemas.openxmlformats.org/officeDocument/2006/relationships" xmlns:p="http://schemas.openxmlformats.org/presentationml/2006/main">
   <p:cSld>
@@ -20599,7 +21136,7 @@
       </p:grpSpPr>
       <p:sp>
         <p:nvSpPr>
-          <p:cNvPr id="362" name="TextShape 1"/>
+          <p:cNvPr id="359" name="TextShape 1"/>
           <p:cNvSpPr txBox="1"/>
           <p:nvPr/>
         </p:nvSpPr>
@@ -20644,7 +21181,7 @@
       </p:sp>
       <p:sp>
         <p:nvSpPr>
-          <p:cNvPr id="363" name="TextShape 2"/>
+          <p:cNvPr id="360" name="TextShape 2"/>
           <p:cNvSpPr txBox="1"/>
           <p:nvPr/>
         </p:nvSpPr>
@@ -20672,7 +21209,7 @@
                 <a:spcPct val="100000"/>
               </a:lnSpc>
             </a:pPr>
-            <a:fld id="{B3AA2393-6CAD-47F5-B2B4-97C89E117396}" type="slidenum">
+            <a:fld id="{810E913F-87BD-4844-914F-489A9B4C1696}" type="slidenum">
               <a:rPr lang="de-DE" sz="900" b="1" strike="noStrike" spc="-1">
                 <a:solidFill>
                   <a:srgbClr val="5073A5"/>
@@ -20689,7 +21226,7 @@
       </p:sp>
       <p:sp>
         <p:nvSpPr>
-          <p:cNvPr id="364" name="TextShape 3"/>
+          <p:cNvPr id="361" name="TextShape 3"/>
           <p:cNvSpPr txBox="1"/>
           <p:nvPr/>
         </p:nvSpPr>
@@ -20724,7 +21261,7 @@
                 </a:solidFill>
                 <a:latin typeface="Frutiger LT Com 45 Light"/>
               </a:rPr>
-              <a:t>Zusammenfassung</a:t>
+              <a:t>Evaluation</a:t>
             </a:r>
             <a:endParaRPr lang="de-DE" sz="2200" b="0" strike="noStrike" spc="-1">
               <a:solidFill>
@@ -20762,89 +21299,7 @@
       </p:grpSpPr>
       <p:sp>
         <p:nvSpPr>
-          <p:cNvPr id="365" name="TextShape 1"/>
-          <p:cNvSpPr txBox="1"/>
-          <p:nvPr/>
-        </p:nvSpPr>
-        <p:spPr>
-          <a:xfrm>
-            <a:off x="720000" y="260640"/>
-            <a:ext cx="8183880" cy="661680"/>
-          </a:xfrm>
-          <a:prstGeom prst="rect">
-            <a:avLst/>
-          </a:prstGeom>
-          <a:noFill/>
-          <a:ln w="0">
-            <a:noFill/>
-          </a:ln>
-        </p:spPr>
-        <p:txBody>
-          <a:bodyPr lIns="0" tIns="0" rIns="0" bIns="0" anchor="b">
-            <a:noAutofit/>
-          </a:bodyPr>
-          <a:lstStyle/>
-          <a:p>
-            <a:pPr>
-              <a:lnSpc>
-                <a:spcPct val="100000"/>
-              </a:lnSpc>
-            </a:pPr>
-            <a:r>
-              <a:rPr lang="de-DE" sz="2200" b="1" strike="noStrike" spc="-1">
-                <a:solidFill>
-                  <a:srgbClr val="5073A5"/>
-                </a:solidFill>
-                <a:latin typeface="Frutiger LT Com 45 Light"/>
-              </a:rPr>
-              <a:t>Folie mit Agenda</a:t>
-            </a:r>
-            <a:endParaRPr lang="de-DE" sz="2200" b="0" strike="noStrike" spc="-1">
-              <a:solidFill>
-                <a:srgbClr val="000000"/>
-              </a:solidFill>
-              <a:latin typeface="Frutiger LT Com 45 Light"/>
-            </a:endParaRPr>
-          </a:p>
-        </p:txBody>
-      </p:sp>
-      <p:sp>
-        <p:nvSpPr>
-          <p:cNvPr id="366" name="TextShape 2"/>
-          <p:cNvSpPr txBox="1"/>
-          <p:nvPr/>
-        </p:nvSpPr>
-        <p:spPr>
-          <a:xfrm>
-            <a:off x="715680" y="1700640"/>
-            <a:ext cx="10803960" cy="4320000"/>
-          </a:xfrm>
-          <a:prstGeom prst="rect">
-            <a:avLst/>
-          </a:prstGeom>
-          <a:noFill/>
-          <a:ln w="0">
-            <a:noFill/>
-          </a:ln>
-        </p:spPr>
-        <p:txBody>
-          <a:bodyPr lIns="0" tIns="0" rIns="0" bIns="0">
-            <a:noAutofit/>
-          </a:bodyPr>
-          <a:lstStyle/>
-          <a:p>
-            <a:endParaRPr lang="de-DE" sz="1700" b="0" strike="noStrike" spc="-1">
-              <a:solidFill>
-                <a:srgbClr val="000000"/>
-              </a:solidFill>
-              <a:latin typeface="Frutiger LT Com 45 Light"/>
-            </a:endParaRPr>
-          </a:p>
-        </p:txBody>
-      </p:sp>
-      <p:sp>
-        <p:nvSpPr>
-          <p:cNvPr id="367" name="TextShape 3"/>
+          <p:cNvPr id="362" name="TextShape 1"/>
           <p:cNvSpPr txBox="1"/>
           <p:nvPr/>
         </p:nvSpPr>
@@ -20889,7 +21344,7 @@
       </p:sp>
       <p:sp>
         <p:nvSpPr>
-          <p:cNvPr id="368" name="TextShape 4"/>
+          <p:cNvPr id="363" name="TextShape 2"/>
           <p:cNvSpPr txBox="1"/>
           <p:nvPr/>
         </p:nvSpPr>
@@ -20917,7 +21372,7 @@
                 <a:spcPct val="100000"/>
               </a:lnSpc>
             </a:pPr>
-            <a:fld id="{564F56BD-C8EE-4DE2-BD40-0964940A191E}" type="slidenum">
+            <a:fld id="{B3AA2393-6CAD-47F5-B2B4-97C89E117396}" type="slidenum">
               <a:rPr lang="de-DE" sz="900" b="1" strike="noStrike" spc="-1">
                 <a:solidFill>
                   <a:srgbClr val="5073A5"/>
@@ -20934,14 +21389,14 @@
       </p:sp>
       <p:sp>
         <p:nvSpPr>
-          <p:cNvPr id="369" name="CustomShape 5"/>
-          <p:cNvSpPr/>
+          <p:cNvPr id="364" name="TextShape 3"/>
+          <p:cNvSpPr txBox="1"/>
           <p:nvPr/>
         </p:nvSpPr>
         <p:spPr>
           <a:xfrm>
-            <a:off x="1032480" y="1087560"/>
-            <a:ext cx="2495520" cy="272880"/>
+            <a:off x="720000" y="260640"/>
+            <a:ext cx="8183880" cy="661680"/>
           </a:xfrm>
           <a:prstGeom prst="rect">
             <a:avLst/>
@@ -20951,135 +21406,9 @@
             <a:noFill/>
           </a:ln>
         </p:spPr>
-        <p:style>
-          <a:lnRef idx="0">
-            <a:scrgbClr r="0" g="0" b="0"/>
-          </a:lnRef>
-          <a:fillRef idx="0">
-            <a:scrgbClr r="0" g="0" b="0"/>
-          </a:fillRef>
-          <a:effectRef idx="0">
-            <a:scrgbClr r="0" g="0" b="0"/>
-          </a:effectRef>
-          <a:fontRef idx="minor"/>
-        </p:style>
-        <p:txBody>
-          <a:bodyPr lIns="90000" tIns="45000" rIns="90000" bIns="45000">
-            <a:spAutoFit/>
-          </a:bodyPr>
-          <a:lstStyle/>
-          <a:p>
-            <a:pPr algn="ctr">
-              <a:lnSpc>
-                <a:spcPct val="100000"/>
-              </a:lnSpc>
-            </a:pPr>
-            <a:r>
-              <a:rPr lang="de-DE" sz="1200" b="0" strike="noStrike" spc="-1">
-                <a:solidFill>
-                  <a:srgbClr val="000000"/>
-                </a:solidFill>
-                <a:latin typeface="Frutiger LT Com 45 Light"/>
-              </a:rPr>
-              <a:t>Thema 1</a:t>
-            </a:r>
-            <a:endParaRPr lang="de-DE" sz="1200" b="0" strike="noStrike" spc="-1">
-              <a:latin typeface="Arial"/>
-            </a:endParaRPr>
-          </a:p>
-        </p:txBody>
-      </p:sp>
-      <p:sp>
-        <p:nvSpPr>
-          <p:cNvPr id="370" name="CustomShape 6"/>
-          <p:cNvSpPr/>
-          <p:nvPr/>
-        </p:nvSpPr>
-        <p:spPr>
-          <a:xfrm>
-            <a:off x="3529080" y="1072080"/>
-            <a:ext cx="1631160" cy="272880"/>
-          </a:xfrm>
-          <a:prstGeom prst="rect">
-            <a:avLst/>
-          </a:prstGeom>
-          <a:noFill/>
-          <a:ln w="0">
-            <a:noFill/>
-          </a:ln>
-        </p:spPr>
-        <p:style>
-          <a:lnRef idx="0">
-            <a:scrgbClr r="0" g="0" b="0"/>
-          </a:lnRef>
-          <a:fillRef idx="0">
-            <a:scrgbClr r="0" g="0" b="0"/>
-          </a:fillRef>
-          <a:effectRef idx="0">
-            <a:scrgbClr r="0" g="0" b="0"/>
-          </a:effectRef>
-          <a:fontRef idx="minor"/>
-        </p:style>
-        <p:txBody>
-          <a:bodyPr lIns="90000" tIns="45000" rIns="90000" bIns="45000">
-            <a:spAutoFit/>
-          </a:bodyPr>
-          <a:lstStyle/>
-          <a:p>
-            <a:pPr algn="ctr">
-              <a:lnSpc>
-                <a:spcPct val="100000"/>
-              </a:lnSpc>
-            </a:pPr>
-            <a:r>
-              <a:rPr lang="de-DE" sz="1200" b="0" strike="noStrike" spc="-1">
-                <a:solidFill>
-                  <a:srgbClr val="B1B3B3"/>
-                </a:solidFill>
-                <a:latin typeface="Frutiger LT Com 45 Light"/>
-              </a:rPr>
-              <a:t>Aspekt 1</a:t>
-            </a:r>
-            <a:endParaRPr lang="de-DE" sz="1200" b="0" strike="noStrike" spc="-1">
-              <a:latin typeface="Arial"/>
-            </a:endParaRPr>
-          </a:p>
-        </p:txBody>
-      </p:sp>
-      <p:sp>
-        <p:nvSpPr>
-          <p:cNvPr id="371" name="CustomShape 7"/>
-          <p:cNvSpPr/>
-          <p:nvPr/>
-        </p:nvSpPr>
-        <p:spPr>
-          <a:xfrm>
-            <a:off x="5313240" y="1087560"/>
-            <a:ext cx="1383840" cy="272880"/>
-          </a:xfrm>
-          <a:prstGeom prst="rect">
-            <a:avLst/>
-          </a:prstGeom>
-          <a:noFill/>
-          <a:ln w="0">
-            <a:noFill/>
-          </a:ln>
-        </p:spPr>
-        <p:style>
-          <a:lnRef idx="0">
-            <a:scrgbClr r="0" g="0" b="0"/>
-          </a:lnRef>
-          <a:fillRef idx="0">
-            <a:scrgbClr r="0" g="0" b="0"/>
-          </a:fillRef>
-          <a:effectRef idx="0">
-            <a:scrgbClr r="0" g="0" b="0"/>
-          </a:effectRef>
-          <a:fontRef idx="minor"/>
-        </p:style>
-        <p:txBody>
-          <a:bodyPr lIns="90000" tIns="45000" rIns="90000" bIns="45000">
-            <a:spAutoFit/>
+        <p:txBody>
+          <a:bodyPr lIns="0" tIns="0" rIns="0" bIns="0" anchor="b">
+            <a:noAutofit/>
           </a:bodyPr>
           <a:lstStyle/>
           <a:p>
@@ -21089,214 +21418,28 @@
               </a:lnSpc>
             </a:pPr>
             <a:r>
-              <a:rPr lang="de-DE" sz="1200" b="0" strike="noStrike" spc="-1">
+              <a:rPr lang="de-DE" sz="2200" b="1" strike="noStrike" spc="-1">
                 <a:solidFill>
-                  <a:srgbClr val="B1B3B3"/>
+                  <a:srgbClr val="5073A5"/>
                 </a:solidFill>
                 <a:latin typeface="Frutiger LT Com 45 Light"/>
               </a:rPr>
-              <a:t>Aspekt 2</a:t>
+              <a:t>Zusammenfassung</a:t>
             </a:r>
-            <a:endParaRPr lang="de-DE" sz="1200" b="0" strike="noStrike" spc="-1">
-              <a:latin typeface="Arial"/>
-            </a:endParaRPr>
-          </a:p>
-        </p:txBody>
-      </p:sp>
-      <p:sp>
-        <p:nvSpPr>
-          <p:cNvPr id="372" name="CustomShape 8"/>
-          <p:cNvSpPr/>
-          <p:nvPr/>
-        </p:nvSpPr>
-        <p:spPr>
-          <a:xfrm>
-            <a:off x="8460000" y="1082880"/>
-            <a:ext cx="2172240" cy="272880"/>
-          </a:xfrm>
-          <a:prstGeom prst="rect">
-            <a:avLst/>
-          </a:prstGeom>
-          <a:noFill/>
-          <a:ln w="0">
-            <a:noFill/>
-          </a:ln>
-        </p:spPr>
-        <p:style>
-          <a:lnRef idx="0">
-            <a:scrgbClr r="0" g="0" b="0"/>
-          </a:lnRef>
-          <a:fillRef idx="0">
-            <a:scrgbClr r="0" g="0" b="0"/>
-          </a:fillRef>
-          <a:effectRef idx="0">
-            <a:scrgbClr r="0" g="0" b="0"/>
-          </a:effectRef>
-          <a:fontRef idx="minor"/>
-        </p:style>
-        <p:txBody>
-          <a:bodyPr lIns="90000" tIns="45000" rIns="90000" bIns="45000">
-            <a:spAutoFit/>
-          </a:bodyPr>
-          <a:lstStyle/>
-          <a:p>
-            <a:pPr algn="ctr">
-              <a:lnSpc>
-                <a:spcPct val="100000"/>
-              </a:lnSpc>
-            </a:pPr>
-            <a:r>
-              <a:rPr lang="de-DE" sz="1200" b="0" strike="noStrike" spc="-1">
-                <a:solidFill>
-                  <a:srgbClr val="B1B3B3"/>
-                </a:solidFill>
-                <a:latin typeface="Frutiger LT Com 45 Light"/>
-              </a:rPr>
-              <a:t>Thema 3</a:t>
-            </a:r>
-            <a:endParaRPr lang="de-DE" sz="1200" b="0" strike="noStrike" spc="-1">
-              <a:latin typeface="Arial"/>
-            </a:endParaRPr>
-          </a:p>
-        </p:txBody>
-      </p:sp>
-      <p:sp>
-        <p:nvSpPr>
-          <p:cNvPr id="373" name="Line 9"/>
-          <p:cNvSpPr/>
-          <p:nvPr/>
-        </p:nvSpPr>
-        <p:spPr>
-          <a:xfrm>
-            <a:off x="1079640" y="1395000"/>
-            <a:ext cx="9840600" cy="0"/>
-          </a:xfrm>
-          <a:prstGeom prst="line">
-            <a:avLst/>
-          </a:prstGeom>
-          <a:ln>
-            <a:solidFill>
-              <a:srgbClr val="000000"/>
-            </a:solidFill>
-            <a:round/>
-          </a:ln>
-        </p:spPr>
-        <p:style>
-          <a:lnRef idx="1">
-            <a:schemeClr val="dk1"/>
-          </a:lnRef>
-          <a:fillRef idx="0">
-            <a:schemeClr val="dk1"/>
-          </a:fillRef>
-          <a:effectRef idx="0">
-            <a:schemeClr val="dk1"/>
-          </a:effectRef>
-          <a:fontRef idx="minor"/>
-        </p:style>
-      </p:sp>
-      <p:sp>
-        <p:nvSpPr>
-          <p:cNvPr id="374" name="CustomShape 10"/>
-          <p:cNvSpPr/>
-          <p:nvPr/>
-        </p:nvSpPr>
-        <p:spPr>
-          <a:xfrm>
-            <a:off x="6876360" y="1072080"/>
-            <a:ext cx="1383840" cy="272880"/>
-          </a:xfrm>
-          <a:prstGeom prst="rect">
-            <a:avLst/>
-          </a:prstGeom>
-          <a:noFill/>
-          <a:ln w="0">
-            <a:noFill/>
-          </a:ln>
-        </p:spPr>
-        <p:style>
-          <a:lnRef idx="0">
-            <a:scrgbClr r="0" g="0" b="0"/>
-          </a:lnRef>
-          <a:fillRef idx="0">
-            <a:scrgbClr r="0" g="0" b="0"/>
-          </a:fillRef>
-          <a:effectRef idx="0">
-            <a:scrgbClr r="0" g="0" b="0"/>
-          </a:effectRef>
-          <a:fontRef idx="minor"/>
-        </p:style>
-        <p:txBody>
-          <a:bodyPr lIns="90000" tIns="45000" rIns="90000" bIns="45000">
-            <a:spAutoFit/>
-          </a:bodyPr>
-          <a:lstStyle/>
-          <a:p>
-            <a:pPr>
-              <a:lnSpc>
-                <a:spcPct val="100000"/>
-              </a:lnSpc>
-            </a:pPr>
-            <a:r>
-              <a:rPr lang="de-DE" sz="1200" b="0" strike="noStrike" spc="-1">
-                <a:solidFill>
-                  <a:srgbClr val="B1B3B3"/>
-                </a:solidFill>
-                <a:latin typeface="Frutiger LT Com 45 Light"/>
-              </a:rPr>
-              <a:t>Aspekt 3</a:t>
-            </a:r>
-            <a:endParaRPr lang="de-DE" sz="1200" b="0" strike="noStrike" spc="-1">
-              <a:latin typeface="Arial"/>
-            </a:endParaRPr>
-          </a:p>
-        </p:txBody>
-      </p:sp>
-      <p:sp>
-        <p:nvSpPr>
-          <p:cNvPr id="375" name="CustomShape 11"/>
-          <p:cNvSpPr/>
-          <p:nvPr/>
-        </p:nvSpPr>
-        <p:spPr>
-          <a:xfrm>
-            <a:off x="1944000" y="1316520"/>
-            <a:ext cx="143640" cy="126000"/>
-          </a:xfrm>
-          <a:prstGeom prst="triangle">
-            <a:avLst>
-              <a:gd name="adj" fmla="val 50000"/>
-            </a:avLst>
-          </a:prstGeom>
-          <a:solidFill>
-            <a:srgbClr val="000000"/>
-          </a:solidFill>
-          <a:ln>
-            <a:noFill/>
-          </a:ln>
-        </p:spPr>
-        <p:style>
-          <a:lnRef idx="2">
-            <a:schemeClr val="dk1">
-              <a:shade val="50000"/>
-            </a:schemeClr>
-          </a:lnRef>
-          <a:fillRef idx="1">
-            <a:schemeClr val="dk1"/>
-          </a:fillRef>
-          <a:effectRef idx="0">
-            <a:schemeClr val="dk1"/>
-          </a:effectRef>
-          <a:fontRef idx="minor"/>
-        </p:style>
+            <a:endParaRPr lang="de-DE" sz="2200" b="0" strike="noStrike" spc="-1">
+              <a:solidFill>
+                <a:srgbClr val="000000"/>
+              </a:solidFill>
+              <a:latin typeface="Frutiger LT Com 45 Light"/>
+            </a:endParaRPr>
+          </a:p>
+        </p:txBody>
       </p:sp>
     </p:spTree>
   </p:cSld>
   <p:clrMapOvr>
     <a:masterClrMapping/>
   </p:clrMapOvr>
-  <p:transition spd="slow">
-    <p:fade/>
-  </p:transition>
 </p:sld>
 </file>
 

--- a/Praesentation/Praesentation_Fachpraktikum_MedExtractor_Gruppe5.pptx
+++ b/Praesentation/Praesentation_Fachpraktikum_MedExtractor_Gruppe5.pptx
@@ -11,22 +11,27 @@
     <p:sldMasterId id="2147483726" r:id="rId7"/>
   </p:sldMasterIdLst>
   <p:notesMasterIdLst>
-    <p:notesMasterId r:id="rId21"/>
+    <p:notesMasterId r:id="rId26"/>
   </p:notesMasterIdLst>
   <p:sldIdLst>
     <p:sldId id="256" r:id="rId8"/>
     <p:sldId id="257" r:id="rId9"/>
     <p:sldId id="258" r:id="rId10"/>
-    <p:sldId id="259" r:id="rId11"/>
-    <p:sldId id="260" r:id="rId12"/>
-    <p:sldId id="268" r:id="rId13"/>
-    <p:sldId id="261" r:id="rId14"/>
-    <p:sldId id="262" r:id="rId15"/>
-    <p:sldId id="263" r:id="rId16"/>
-    <p:sldId id="264" r:id="rId17"/>
-    <p:sldId id="265" r:id="rId18"/>
-    <p:sldId id="266" r:id="rId19"/>
-    <p:sldId id="267" r:id="rId20"/>
+    <p:sldId id="273" r:id="rId11"/>
+    <p:sldId id="272" r:id="rId12"/>
+    <p:sldId id="259" r:id="rId13"/>
+    <p:sldId id="260" r:id="rId14"/>
+    <p:sldId id="270" r:id="rId15"/>
+    <p:sldId id="271" r:id="rId16"/>
+    <p:sldId id="261" r:id="rId17"/>
+    <p:sldId id="262" r:id="rId18"/>
+    <p:sldId id="274" r:id="rId19"/>
+    <p:sldId id="275" r:id="rId20"/>
+    <p:sldId id="263" r:id="rId21"/>
+    <p:sldId id="264" r:id="rId22"/>
+    <p:sldId id="265" r:id="rId23"/>
+    <p:sldId id="266" r:id="rId24"/>
+    <p:sldId id="267" r:id="rId25"/>
   </p:sldIdLst>
   <p:sldSz cx="12192000" cy="6858000"/>
   <p:notesSz cx="6858000" cy="9144000"/>
@@ -12021,6 +12026,7 @@
     <p:sldLayoutId id="2147483659" r:id="rId11"/>
     <p:sldLayoutId id="2147483660" r:id="rId12"/>
   </p:sldLayoutIdLst>
+  <p:hf hdr="0" ftr="0" dt="0"/>
   <p:txStyles>
     <p:titleStyle>
       <a:lvl1pPr algn="l" defTabSz="914400" rtl="0" eaLnBrk="1" latinLnBrk="0" hangingPunct="1">
@@ -12697,15 +12703,6 @@
                 <a:spcPct val="100000"/>
               </a:lnSpc>
             </a:pPr>
-            <a:r>
-              <a:rPr lang="en-US" sz="900" b="0" strike="noStrike" spc="-1">
-                <a:solidFill>
-                  <a:srgbClr val="406D9B"/>
-                </a:solidFill>
-                <a:latin typeface="Frutiger LT Com 45 Light"/>
-              </a:rPr>
-              <a:t>Fußzeile</a:t>
-            </a:r>
             <a:endParaRPr lang="de-DE" sz="900" b="0" strike="noStrike" spc="-1">
               <a:latin typeface="Times New Roman"/>
             </a:endParaRPr>
@@ -12909,6 +12906,7 @@
     <p:sldLayoutId id="2147483672" r:id="rId11"/>
     <p:sldLayoutId id="2147483673" r:id="rId12"/>
   </p:sldLayoutIdLst>
+  <p:hf hdr="0" ftr="0" dt="0"/>
   <p:txStyles>
     <p:titleStyle>
       <a:lvl1pPr algn="l" defTabSz="914400" rtl="0" eaLnBrk="1" latinLnBrk="0" hangingPunct="1">
@@ -13492,15 +13490,6 @@
                 <a:spcPct val="100000"/>
               </a:lnSpc>
             </a:pPr>
-            <a:r>
-              <a:rPr lang="en-US" sz="900" b="0" strike="noStrike" spc="-1">
-                <a:solidFill>
-                  <a:srgbClr val="5073A5"/>
-                </a:solidFill>
-                <a:latin typeface="Frutiger LT Com 45 Light"/>
-              </a:rPr>
-              <a:t>Fußzeile</a:t>
-            </a:r>
             <a:endParaRPr lang="de-DE" sz="900" b="0" strike="noStrike" spc="-1">
               <a:latin typeface="Times New Roman"/>
             </a:endParaRPr>
@@ -13583,7 +13572,7 @@
               </a:lnSpc>
             </a:pPr>
             <a:r>
-              <a:rPr lang="de-DE" sz="2200" b="1" strike="noStrike" spc="-1">
+              <a:rPr lang="de-DE" sz="2200" b="1" strike="noStrike" spc="-1" dirty="0">
                 <a:solidFill>
                   <a:srgbClr val="5073A5"/>
                 </a:solidFill>
@@ -13591,7 +13580,7 @@
               </a:rPr>
               <a:t>Titelmasterformat durch Klicken bearbeiten</a:t>
             </a:r>
-            <a:endParaRPr lang="de-DE" sz="2200" b="0" strike="noStrike" spc="-1">
+            <a:endParaRPr lang="de-DE" sz="2200" b="0" strike="noStrike" spc="-1" dirty="0">
               <a:solidFill>
                 <a:srgbClr val="000000"/>
               </a:solidFill>
@@ -13797,6 +13786,7 @@
     <p:sldLayoutId id="2147483685" r:id="rId11"/>
     <p:sldLayoutId id="2147483686" r:id="rId12"/>
   </p:sldLayoutIdLst>
+  <p:hf hdr="0" ftr="0" dt="0"/>
   <p:txStyles>
     <p:titleStyle>
       <a:lvl1pPr algn="l" defTabSz="914400" rtl="0" eaLnBrk="1" latinLnBrk="0" hangingPunct="1">
@@ -14564,15 +14554,6 @@
                 <a:spcPct val="100000"/>
               </a:lnSpc>
             </a:pPr>
-            <a:r>
-              <a:rPr lang="en-US" sz="900" b="0" strike="noStrike" spc="-1">
-                <a:solidFill>
-                  <a:srgbClr val="5073A5"/>
-                </a:solidFill>
-                <a:latin typeface="Frutiger LT Com 45 Light"/>
-              </a:rPr>
-              <a:t>Fußzeile</a:t>
-            </a:r>
             <a:endParaRPr lang="de-DE" sz="900" b="0" strike="noStrike" spc="-1">
               <a:latin typeface="Times New Roman"/>
             </a:endParaRPr>
@@ -14641,6 +14622,7 @@
     <p:sldLayoutId id="2147483698" r:id="rId11"/>
     <p:sldLayoutId id="2147483699" r:id="rId12"/>
   </p:sldLayoutIdLst>
+  <p:hf hdr="0" ftr="0" dt="0"/>
   <p:txStyles>
     <p:titleStyle>
       <a:lvl1pPr algn="l" defTabSz="914400" rtl="0" eaLnBrk="1" latinLnBrk="0" hangingPunct="1">
@@ -15394,15 +15376,6 @@
                 <a:spcPct val="100000"/>
               </a:lnSpc>
             </a:pPr>
-            <a:r>
-              <a:rPr lang="en-US" sz="900" b="0" strike="noStrike" spc="-1">
-                <a:solidFill>
-                  <a:srgbClr val="5073A5"/>
-                </a:solidFill>
-                <a:latin typeface="Frutiger LT Com 45 Light"/>
-              </a:rPr>
-              <a:t>Fußzeile</a:t>
-            </a:r>
             <a:endParaRPr lang="de-DE" sz="900" b="0" strike="noStrike" spc="-1">
               <a:latin typeface="Times New Roman"/>
             </a:endParaRPr>
@@ -15471,6 +15444,7 @@
     <p:sldLayoutId id="2147483711" r:id="rId11"/>
     <p:sldLayoutId id="2147483712" r:id="rId12"/>
   </p:sldLayoutIdLst>
+  <p:hf hdr="0" ftr="0" dt="0"/>
   <p:txStyles>
     <p:titleStyle>
       <a:lvl1pPr algn="l" defTabSz="914400" rtl="0" eaLnBrk="1" latinLnBrk="0" hangingPunct="1">
@@ -16397,6 +16371,7 @@
     <p:sldLayoutId id="2147483724" r:id="rId11"/>
     <p:sldLayoutId id="2147483725" r:id="rId12"/>
   </p:sldLayoutIdLst>
+  <p:hf hdr="0" ftr="0" dt="0"/>
   <p:txStyles>
     <p:titleStyle>
       <a:lvl1pPr algn="l" defTabSz="914400" rtl="0" eaLnBrk="1" latinLnBrk="0" hangingPunct="1">
@@ -17171,15 +17146,6 @@
                 <a:spcPct val="100000"/>
               </a:lnSpc>
             </a:pPr>
-            <a:r>
-              <a:rPr lang="en-US" sz="900" b="0" strike="noStrike" spc="-1">
-                <a:solidFill>
-                  <a:srgbClr val="406D9B"/>
-                </a:solidFill>
-                <a:latin typeface="Frutiger LT Com 45 Light"/>
-              </a:rPr>
-              <a:t>Fußzeile</a:t>
-            </a:r>
             <a:endParaRPr lang="de-DE" sz="900" b="0" strike="noStrike" spc="-1">
               <a:latin typeface="Times New Roman"/>
             </a:endParaRPr>
@@ -17251,6 +17217,7 @@
     <p:sldLayoutId id="2147483737" r:id="rId11"/>
     <p:sldLayoutId id="2147483738" r:id="rId12"/>
   </p:sldLayoutIdLst>
+  <p:hf hdr="0" ftr="0" dt="0"/>
   <p:txStyles>
     <p:titleStyle>
       <a:lvl1pPr algn="l" defTabSz="914400" rtl="0" eaLnBrk="1" latinLnBrk="0" hangingPunct="1">
@@ -17771,14 +17738,14 @@
       </p:grpSpPr>
       <p:sp>
         <p:nvSpPr>
-          <p:cNvPr id="365" name="TextShape 1"/>
+          <p:cNvPr id="356" name="TextShape 1"/>
           <p:cNvSpPr txBox="1"/>
           <p:nvPr/>
         </p:nvSpPr>
         <p:spPr>
           <a:xfrm>
-            <a:off x="720000" y="260640"/>
-            <a:ext cx="8183880" cy="661680"/>
+            <a:off x="1631520" y="6426000"/>
+            <a:ext cx="7272360" cy="240480"/>
           </a:xfrm>
           <a:prstGeom prst="rect">
             <a:avLst/>
@@ -17789,7 +17756,7 @@
           </a:ln>
         </p:spPr>
         <p:txBody>
-          <a:bodyPr lIns="0" tIns="0" rIns="0" bIns="0" anchor="b">
+          <a:bodyPr lIns="0" tIns="0" rIns="0" bIns="0">
             <a:noAutofit/>
           </a:bodyPr>
           <a:lstStyle/>
@@ -17800,67 +17767,30 @@
               </a:lnSpc>
             </a:pPr>
             <a:r>
-              <a:rPr lang="de-DE" sz="2200" b="1" strike="noStrike" spc="-1">
+              <a:rPr lang="en-US" sz="900" b="0" strike="noStrike" spc="-1">
                 <a:solidFill>
                   <a:srgbClr val="5073A5"/>
                 </a:solidFill>
                 <a:latin typeface="Frutiger LT Com 45 Light"/>
               </a:rPr>
-              <a:t>Folie mit Agenda</a:t>
-            </a:r>
-            <a:endParaRPr lang="de-DE" sz="2200" b="0" strike="noStrike" spc="-1">
-              <a:solidFill>
-                <a:srgbClr val="000000"/>
-              </a:solidFill>
-              <a:latin typeface="Frutiger LT Com 45 Light"/>
-            </a:endParaRPr>
-          </a:p>
-        </p:txBody>
-      </p:sp>
-      <p:sp>
-        <p:nvSpPr>
-          <p:cNvPr id="366" name="TextShape 2"/>
+              <a:t>Fußzeile</a:t>
+            </a:r>
+            <a:endParaRPr lang="de-DE" sz="900" b="0" strike="noStrike" spc="-1">
+              <a:latin typeface="Times New Roman"/>
+            </a:endParaRPr>
+          </a:p>
+        </p:txBody>
+      </p:sp>
+      <p:sp>
+        <p:nvSpPr>
+          <p:cNvPr id="357" name="TextShape 2"/>
           <p:cNvSpPr txBox="1"/>
           <p:nvPr/>
         </p:nvSpPr>
         <p:spPr>
           <a:xfrm>
-            <a:off x="715680" y="1700640"/>
-            <a:ext cx="10803960" cy="4320000"/>
-          </a:xfrm>
-          <a:prstGeom prst="rect">
-            <a:avLst/>
-          </a:prstGeom>
-          <a:noFill/>
-          <a:ln w="0">
-            <a:noFill/>
-          </a:ln>
-        </p:spPr>
-        <p:txBody>
-          <a:bodyPr lIns="0" tIns="0" rIns="0" bIns="0">
-            <a:noAutofit/>
-          </a:bodyPr>
-          <a:lstStyle/>
-          <a:p>
-            <a:endParaRPr lang="de-DE" sz="1700" b="0" strike="noStrike" spc="-1">
-              <a:solidFill>
-                <a:srgbClr val="000000"/>
-              </a:solidFill>
-              <a:latin typeface="Frutiger LT Com 45 Light"/>
-            </a:endParaRPr>
-          </a:p>
-        </p:txBody>
-      </p:sp>
-      <p:sp>
-        <p:nvSpPr>
-          <p:cNvPr id="367" name="TextShape 3"/>
-          <p:cNvSpPr txBox="1"/>
-          <p:nvPr/>
-        </p:nvSpPr>
-        <p:spPr>
-          <a:xfrm>
-            <a:off x="1631520" y="6426000"/>
-            <a:ext cx="7272360" cy="240480"/>
+            <a:off x="1055520" y="6426000"/>
+            <a:ext cx="553320" cy="240480"/>
           </a:xfrm>
           <a:prstGeom prst="rect">
             <a:avLst/>
@@ -17881,15 +17811,15 @@
                 <a:spcPct val="100000"/>
               </a:lnSpc>
             </a:pPr>
-            <a:r>
-              <a:rPr lang="en-US" sz="900" b="0" strike="noStrike" spc="-1">
+            <a:fld id="{C5573799-0A31-401F-92C4-6705CCA6B543}" type="slidenum">
+              <a:rPr lang="de-DE" sz="900" b="1" strike="noStrike" spc="-1">
                 <a:solidFill>
                   <a:srgbClr val="5073A5"/>
                 </a:solidFill>
                 <a:latin typeface="Frutiger LT Com 45 Light"/>
               </a:rPr>
-              <a:t>Fußzeile</a:t>
-            </a:r>
+              <a:t>10</a:t>
+            </a:fld>
             <a:endParaRPr lang="de-DE" sz="900" b="0" strike="noStrike" spc="-1">
               <a:latin typeface="Times New Roman"/>
             </a:endParaRPr>
@@ -17898,14 +17828,14 @@
       </p:sp>
       <p:sp>
         <p:nvSpPr>
-          <p:cNvPr id="368" name="TextShape 4"/>
+          <p:cNvPr id="358" name="TextShape 3"/>
           <p:cNvSpPr txBox="1"/>
           <p:nvPr/>
         </p:nvSpPr>
         <p:spPr>
           <a:xfrm>
-            <a:off x="1055520" y="6426000"/>
-            <a:ext cx="553320" cy="240480"/>
+            <a:off x="720000" y="260640"/>
+            <a:ext cx="8183880" cy="661680"/>
           </a:xfrm>
           <a:prstGeom prst="rect">
             <a:avLst/>
@@ -17916,7 +17846,7 @@
           </a:ln>
         </p:spPr>
         <p:txBody>
-          <a:bodyPr lIns="0" tIns="0" rIns="0" bIns="0">
+          <a:bodyPr lIns="0" tIns="0" rIns="0" bIns="0" anchor="b">
             <a:noAutofit/>
           </a:bodyPr>
           <a:lstStyle/>
@@ -17926,386 +17856,64 @@
                 <a:spcPct val="100000"/>
               </a:lnSpc>
             </a:pPr>
-            <a:fld id="{564F56BD-C8EE-4DE2-BD40-0964940A191E}" type="slidenum">
-              <a:rPr lang="de-DE" sz="900" b="1" strike="noStrike" spc="-1">
+            <a:r>
+              <a:rPr lang="de-DE" sz="2200" b="1" strike="noStrike" spc="-1" dirty="0">
                 <a:solidFill>
                   <a:srgbClr val="5073A5"/>
                 </a:solidFill>
                 <a:latin typeface="Frutiger LT Com 45 Light"/>
               </a:rPr>
-              <a:t>10</a:t>
-            </a:fld>
-            <a:endParaRPr lang="de-DE" sz="900" b="0" strike="noStrike" spc="-1">
-              <a:latin typeface="Times New Roman"/>
-            </a:endParaRPr>
-          </a:p>
-        </p:txBody>
-      </p:sp>
-      <p:sp>
-        <p:nvSpPr>
-          <p:cNvPr id="369" name="CustomShape 5"/>
-          <p:cNvSpPr/>
+              <a:t>Implementierung / Klassendiagramm</a:t>
+            </a:r>
+            <a:endParaRPr lang="de-DE" sz="2200" b="0" strike="noStrike" spc="-1" dirty="0">
+              <a:solidFill>
+                <a:srgbClr val="000000"/>
+              </a:solidFill>
+              <a:latin typeface="Frutiger LT Com 45 Light"/>
+            </a:endParaRPr>
+          </a:p>
+        </p:txBody>
+      </p:sp>
+      <p:pic>
+        <p:nvPicPr>
+          <p:cNvPr id="5" name="Grafik 4">
+            <a:extLst>
+              <a:ext uri="{FF2B5EF4-FFF2-40B4-BE49-F238E27FC236}">
+                <a16:creationId xmlns:a16="http://schemas.microsoft.com/office/drawing/2014/main" id="{84BD4970-8F2D-B60F-BCF3-6835ADAA9B68}"/>
+              </a:ext>
+            </a:extLst>
+          </p:cNvPr>
+          <p:cNvPicPr>
+            <a:picLocks noChangeAspect="1"/>
+          </p:cNvPicPr>
           <p:nvPr/>
-        </p:nvSpPr>
-        <p:spPr>
-          <a:xfrm>
-            <a:off x="1032480" y="1087560"/>
-            <a:ext cx="2495520" cy="272880"/>
-          </a:xfrm>
-          <a:prstGeom prst="rect">
-            <a:avLst/>
-          </a:prstGeom>
-          <a:noFill/>
-          <a:ln w="0">
-            <a:noFill/>
-          </a:ln>
-        </p:spPr>
-        <p:style>
-          <a:lnRef idx="0">
-            <a:scrgbClr r="0" g="0" b="0"/>
-          </a:lnRef>
-          <a:fillRef idx="0">
-            <a:scrgbClr r="0" g="0" b="0"/>
-          </a:fillRef>
-          <a:effectRef idx="0">
-            <a:scrgbClr r="0" g="0" b="0"/>
-          </a:effectRef>
-          <a:fontRef idx="minor"/>
-        </p:style>
-        <p:txBody>
-          <a:bodyPr lIns="90000" tIns="45000" rIns="90000" bIns="45000">
-            <a:spAutoFit/>
-          </a:bodyPr>
-          <a:lstStyle/>
-          <a:p>
-            <a:pPr algn="ctr">
-              <a:lnSpc>
-                <a:spcPct val="100000"/>
-              </a:lnSpc>
-            </a:pPr>
-            <a:r>
-              <a:rPr lang="de-DE" sz="1200" b="0" strike="noStrike" spc="-1">
-                <a:solidFill>
-                  <a:srgbClr val="000000"/>
-                </a:solidFill>
-                <a:latin typeface="Frutiger LT Com 45 Light"/>
-              </a:rPr>
-              <a:t>Thema 1</a:t>
-            </a:r>
-            <a:endParaRPr lang="de-DE" sz="1200" b="0" strike="noStrike" spc="-1">
-              <a:latin typeface="Arial"/>
-            </a:endParaRPr>
-          </a:p>
-        </p:txBody>
-      </p:sp>
-      <p:sp>
-        <p:nvSpPr>
-          <p:cNvPr id="370" name="CustomShape 6"/>
-          <p:cNvSpPr/>
-          <p:nvPr/>
-        </p:nvSpPr>
-        <p:spPr>
-          <a:xfrm>
-            <a:off x="3529080" y="1072080"/>
-            <a:ext cx="1631160" cy="272880"/>
-          </a:xfrm>
-          <a:prstGeom prst="rect">
-            <a:avLst/>
-          </a:prstGeom>
-          <a:noFill/>
-          <a:ln w="0">
-            <a:noFill/>
-          </a:ln>
-        </p:spPr>
-        <p:style>
-          <a:lnRef idx="0">
-            <a:scrgbClr r="0" g="0" b="0"/>
-          </a:lnRef>
-          <a:fillRef idx="0">
-            <a:scrgbClr r="0" g="0" b="0"/>
-          </a:fillRef>
-          <a:effectRef idx="0">
-            <a:scrgbClr r="0" g="0" b="0"/>
-          </a:effectRef>
-          <a:fontRef idx="minor"/>
-        </p:style>
-        <p:txBody>
-          <a:bodyPr lIns="90000" tIns="45000" rIns="90000" bIns="45000">
-            <a:spAutoFit/>
-          </a:bodyPr>
-          <a:lstStyle/>
-          <a:p>
-            <a:pPr algn="ctr">
-              <a:lnSpc>
-                <a:spcPct val="100000"/>
-              </a:lnSpc>
-            </a:pPr>
-            <a:r>
-              <a:rPr lang="de-DE" sz="1200" b="0" strike="noStrike" spc="-1">
-                <a:solidFill>
-                  <a:srgbClr val="B1B3B3"/>
-                </a:solidFill>
-                <a:latin typeface="Frutiger LT Com 45 Light"/>
-              </a:rPr>
-              <a:t>Aspekt 1</a:t>
-            </a:r>
-            <a:endParaRPr lang="de-DE" sz="1200" b="0" strike="noStrike" spc="-1">
-              <a:latin typeface="Arial"/>
-            </a:endParaRPr>
-          </a:p>
-        </p:txBody>
-      </p:sp>
-      <p:sp>
-        <p:nvSpPr>
-          <p:cNvPr id="371" name="CustomShape 7"/>
-          <p:cNvSpPr/>
-          <p:nvPr/>
-        </p:nvSpPr>
-        <p:spPr>
-          <a:xfrm>
-            <a:off x="5313240" y="1087560"/>
-            <a:ext cx="1383840" cy="272880"/>
-          </a:xfrm>
-          <a:prstGeom prst="rect">
-            <a:avLst/>
-          </a:prstGeom>
-          <a:noFill/>
-          <a:ln w="0">
-            <a:noFill/>
-          </a:ln>
-        </p:spPr>
-        <p:style>
-          <a:lnRef idx="0">
-            <a:scrgbClr r="0" g="0" b="0"/>
-          </a:lnRef>
-          <a:fillRef idx="0">
-            <a:scrgbClr r="0" g="0" b="0"/>
-          </a:fillRef>
-          <a:effectRef idx="0">
-            <a:scrgbClr r="0" g="0" b="0"/>
-          </a:effectRef>
-          <a:fontRef idx="minor"/>
-        </p:style>
-        <p:txBody>
-          <a:bodyPr lIns="90000" tIns="45000" rIns="90000" bIns="45000">
-            <a:spAutoFit/>
-          </a:bodyPr>
-          <a:lstStyle/>
-          <a:p>
-            <a:pPr>
-              <a:lnSpc>
-                <a:spcPct val="100000"/>
-              </a:lnSpc>
-            </a:pPr>
-            <a:r>
-              <a:rPr lang="de-DE" sz="1200" b="0" strike="noStrike" spc="-1">
-                <a:solidFill>
-                  <a:srgbClr val="B1B3B3"/>
-                </a:solidFill>
-                <a:latin typeface="Frutiger LT Com 45 Light"/>
-              </a:rPr>
-              <a:t>Aspekt 2</a:t>
-            </a:r>
-            <a:endParaRPr lang="de-DE" sz="1200" b="0" strike="noStrike" spc="-1">
-              <a:latin typeface="Arial"/>
-            </a:endParaRPr>
-          </a:p>
-        </p:txBody>
-      </p:sp>
-      <p:sp>
-        <p:nvSpPr>
-          <p:cNvPr id="372" name="CustomShape 8"/>
-          <p:cNvSpPr/>
-          <p:nvPr/>
-        </p:nvSpPr>
-        <p:spPr>
-          <a:xfrm>
-            <a:off x="8460000" y="1082880"/>
-            <a:ext cx="2172240" cy="272880"/>
-          </a:xfrm>
-          <a:prstGeom prst="rect">
-            <a:avLst/>
-          </a:prstGeom>
-          <a:noFill/>
-          <a:ln w="0">
-            <a:noFill/>
-          </a:ln>
-        </p:spPr>
-        <p:style>
-          <a:lnRef idx="0">
-            <a:scrgbClr r="0" g="0" b="0"/>
-          </a:lnRef>
-          <a:fillRef idx="0">
-            <a:scrgbClr r="0" g="0" b="0"/>
-          </a:fillRef>
-          <a:effectRef idx="0">
-            <a:scrgbClr r="0" g="0" b="0"/>
-          </a:effectRef>
-          <a:fontRef idx="minor"/>
-        </p:style>
-        <p:txBody>
-          <a:bodyPr lIns="90000" tIns="45000" rIns="90000" bIns="45000">
-            <a:spAutoFit/>
-          </a:bodyPr>
-          <a:lstStyle/>
-          <a:p>
-            <a:pPr algn="ctr">
-              <a:lnSpc>
-                <a:spcPct val="100000"/>
-              </a:lnSpc>
-            </a:pPr>
-            <a:r>
-              <a:rPr lang="de-DE" sz="1200" b="0" strike="noStrike" spc="-1">
-                <a:solidFill>
-                  <a:srgbClr val="B1B3B3"/>
-                </a:solidFill>
-                <a:latin typeface="Frutiger LT Com 45 Light"/>
-              </a:rPr>
-              <a:t>Thema 3</a:t>
-            </a:r>
-            <a:endParaRPr lang="de-DE" sz="1200" b="0" strike="noStrike" spc="-1">
-              <a:latin typeface="Arial"/>
-            </a:endParaRPr>
-          </a:p>
-        </p:txBody>
-      </p:sp>
-      <p:sp>
-        <p:nvSpPr>
-          <p:cNvPr id="373" name="Line 9"/>
-          <p:cNvSpPr/>
-          <p:nvPr/>
-        </p:nvSpPr>
-        <p:spPr>
-          <a:xfrm>
-            <a:off x="1079640" y="1395000"/>
-            <a:ext cx="9840600" cy="0"/>
-          </a:xfrm>
-          <a:prstGeom prst="line">
-            <a:avLst/>
-          </a:prstGeom>
-          <a:ln>
-            <a:solidFill>
-              <a:srgbClr val="000000"/>
-            </a:solidFill>
-            <a:round/>
-          </a:ln>
-        </p:spPr>
-        <p:style>
-          <a:lnRef idx="1">
-            <a:schemeClr val="dk1"/>
-          </a:lnRef>
-          <a:fillRef idx="0">
-            <a:schemeClr val="dk1"/>
-          </a:fillRef>
-          <a:effectRef idx="0">
-            <a:schemeClr val="dk1"/>
-          </a:effectRef>
-          <a:fontRef idx="minor"/>
-        </p:style>
-      </p:sp>
-      <p:sp>
-        <p:nvSpPr>
-          <p:cNvPr id="374" name="CustomShape 10"/>
-          <p:cNvSpPr/>
-          <p:nvPr/>
-        </p:nvSpPr>
-        <p:spPr>
-          <a:xfrm>
-            <a:off x="6876360" y="1072080"/>
-            <a:ext cx="1383840" cy="272880"/>
-          </a:xfrm>
-          <a:prstGeom prst="rect">
-            <a:avLst/>
-          </a:prstGeom>
-          <a:noFill/>
-          <a:ln w="0">
-            <a:noFill/>
-          </a:ln>
-        </p:spPr>
-        <p:style>
-          <a:lnRef idx="0">
-            <a:scrgbClr r="0" g="0" b="0"/>
-          </a:lnRef>
-          <a:fillRef idx="0">
-            <a:scrgbClr r="0" g="0" b="0"/>
-          </a:fillRef>
-          <a:effectRef idx="0">
-            <a:scrgbClr r="0" g="0" b="0"/>
-          </a:effectRef>
-          <a:fontRef idx="minor"/>
-        </p:style>
-        <p:txBody>
-          <a:bodyPr lIns="90000" tIns="45000" rIns="90000" bIns="45000">
-            <a:spAutoFit/>
-          </a:bodyPr>
-          <a:lstStyle/>
-          <a:p>
-            <a:pPr>
-              <a:lnSpc>
-                <a:spcPct val="100000"/>
-              </a:lnSpc>
-            </a:pPr>
-            <a:r>
-              <a:rPr lang="de-DE" sz="1200" b="0" strike="noStrike" spc="-1">
-                <a:solidFill>
-                  <a:srgbClr val="B1B3B3"/>
-                </a:solidFill>
-                <a:latin typeface="Frutiger LT Com 45 Light"/>
-              </a:rPr>
-              <a:t>Aspekt 3</a:t>
-            </a:r>
-            <a:endParaRPr lang="de-DE" sz="1200" b="0" strike="noStrike" spc="-1">
-              <a:latin typeface="Arial"/>
-            </a:endParaRPr>
-          </a:p>
-        </p:txBody>
-      </p:sp>
-      <p:sp>
-        <p:nvSpPr>
-          <p:cNvPr id="375" name="CustomShape 11"/>
-          <p:cNvSpPr/>
-          <p:nvPr/>
-        </p:nvSpPr>
-        <p:spPr>
-          <a:xfrm>
-            <a:off x="1944000" y="1316520"/>
-            <a:ext cx="143640" cy="126000"/>
-          </a:xfrm>
-          <a:prstGeom prst="triangle">
-            <a:avLst>
-              <a:gd name="adj" fmla="val 50000"/>
-            </a:avLst>
-          </a:prstGeom>
-          <a:solidFill>
-            <a:srgbClr val="000000"/>
-          </a:solidFill>
-          <a:ln>
-            <a:noFill/>
-          </a:ln>
-        </p:spPr>
-        <p:style>
-          <a:lnRef idx="2">
-            <a:schemeClr val="dk1">
-              <a:shade val="50000"/>
-            </a:schemeClr>
-          </a:lnRef>
-          <a:fillRef idx="1">
-            <a:schemeClr val="dk1"/>
-          </a:fillRef>
-          <a:effectRef idx="0">
-            <a:schemeClr val="dk1"/>
-          </a:effectRef>
-          <a:fontRef idx="minor"/>
-        </p:style>
-      </p:sp>
+        </p:nvPicPr>
+        <p:blipFill rotWithShape="1">
+          <a:blip r:embed="rId2">
+            <a:extLst>
+              <a:ext uri="{28A0092B-C50C-407E-A947-70E740481C1C}">
+                <a14:useLocalDpi xmlns:a14="http://schemas.microsoft.com/office/drawing/2010/main" val="0"/>
+              </a:ext>
+            </a:extLst>
+          </a:blip>
+          <a:srcRect t="6239" b="3591"/>
+          <a:stretch/>
+        </p:blipFill>
+        <p:spPr>
+          <a:xfrm>
+            <a:off x="720000" y="1181528"/>
+            <a:ext cx="10787296" cy="4859677"/>
+          </a:xfrm>
+          <a:prstGeom prst="rect">
+            <a:avLst/>
+          </a:prstGeom>
+        </p:spPr>
+      </p:pic>
     </p:spTree>
   </p:cSld>
   <p:clrMapOvr>
     <a:masterClrMapping/>
   </p:clrMapOvr>
-  <p:transition spd="slow">
-    <p:fade/>
-  </p:transition>
 </p:sld>
 </file>
 
@@ -18328,75 +17936,7 @@
       </p:grpSpPr>
       <p:sp>
         <p:nvSpPr>
-          <p:cNvPr id="376" name="TextShape 1"/>
-          <p:cNvSpPr txBox="1"/>
-          <p:nvPr/>
-        </p:nvSpPr>
-        <p:spPr>
-          <a:xfrm>
-            <a:off x="720000" y="260640"/>
-            <a:ext cx="8183880" cy="661680"/>
-          </a:xfrm>
-          <a:prstGeom prst="rect">
-            <a:avLst/>
-          </a:prstGeom>
-          <a:noFill/>
-          <a:ln w="0">
-            <a:noFill/>
-          </a:ln>
-        </p:spPr>
-        <p:txBody>
-          <a:bodyPr lIns="0" tIns="0" rIns="0" bIns="0" anchor="b">
-            <a:noAutofit/>
-          </a:bodyPr>
-          <a:lstStyle/>
-          <a:p>
-            <a:endParaRPr lang="de-DE" sz="1800" b="0" strike="noStrike" spc="-1">
-              <a:solidFill>
-                <a:srgbClr val="000000"/>
-              </a:solidFill>
-              <a:latin typeface="Frutiger LT Com 45 Light"/>
-            </a:endParaRPr>
-          </a:p>
-        </p:txBody>
-      </p:sp>
-      <p:sp>
-        <p:nvSpPr>
-          <p:cNvPr id="377" name="TextShape 2"/>
-          <p:cNvSpPr txBox="1"/>
-          <p:nvPr/>
-        </p:nvSpPr>
-        <p:spPr>
-          <a:xfrm>
-            <a:off x="715680" y="1700640"/>
-            <a:ext cx="10803960" cy="4320000"/>
-          </a:xfrm>
-          <a:prstGeom prst="rect">
-            <a:avLst/>
-          </a:prstGeom>
-          <a:noFill/>
-          <a:ln w="0">
-            <a:noFill/>
-          </a:ln>
-        </p:spPr>
-        <p:txBody>
-          <a:bodyPr lIns="0" tIns="0" rIns="0" bIns="0">
-            <a:noAutofit/>
-          </a:bodyPr>
-          <a:lstStyle/>
-          <a:p>
-            <a:endParaRPr lang="de-DE" sz="1700" b="0" strike="noStrike" spc="-1">
-              <a:solidFill>
-                <a:srgbClr val="000000"/>
-              </a:solidFill>
-              <a:latin typeface="Frutiger LT Com 45 Light"/>
-            </a:endParaRPr>
-          </a:p>
-        </p:txBody>
-      </p:sp>
-      <p:sp>
-        <p:nvSpPr>
-          <p:cNvPr id="378" name="TextShape 3"/>
+          <p:cNvPr id="359" name="TextShape 1"/>
           <p:cNvSpPr txBox="1"/>
           <p:nvPr/>
         </p:nvSpPr>
@@ -18441,7 +17981,7 @@
       </p:sp>
       <p:sp>
         <p:nvSpPr>
-          <p:cNvPr id="379" name="TextShape 4"/>
+          <p:cNvPr id="360" name="TextShape 2"/>
           <p:cNvSpPr txBox="1"/>
           <p:nvPr/>
         </p:nvSpPr>
@@ -18469,7 +18009,7 @@
                 <a:spcPct val="100000"/>
               </a:lnSpc>
             </a:pPr>
-            <a:fld id="{A166BCBF-12C0-4AD0-A267-CFCE4CA92B89}" type="slidenum">
+            <a:fld id="{810E913F-87BD-4844-914F-489A9B4C1696}" type="slidenum">
               <a:rPr lang="de-DE" sz="900" b="1" strike="noStrike" spc="-1">
                 <a:solidFill>
                   <a:srgbClr val="5073A5"/>
@@ -18480,6 +18020,54 @@
             </a:fld>
             <a:endParaRPr lang="de-DE" sz="900" b="0" strike="noStrike" spc="-1">
               <a:latin typeface="Times New Roman"/>
+            </a:endParaRPr>
+          </a:p>
+        </p:txBody>
+      </p:sp>
+      <p:sp>
+        <p:nvSpPr>
+          <p:cNvPr id="361" name="TextShape 3"/>
+          <p:cNvSpPr txBox="1"/>
+          <p:nvPr/>
+        </p:nvSpPr>
+        <p:spPr>
+          <a:xfrm>
+            <a:off x="720000" y="260640"/>
+            <a:ext cx="8183880" cy="661680"/>
+          </a:xfrm>
+          <a:prstGeom prst="rect">
+            <a:avLst/>
+          </a:prstGeom>
+          <a:noFill/>
+          <a:ln w="0">
+            <a:noFill/>
+          </a:ln>
+        </p:spPr>
+        <p:txBody>
+          <a:bodyPr lIns="0" tIns="0" rIns="0" bIns="0" anchor="b">
+            <a:noAutofit/>
+          </a:bodyPr>
+          <a:lstStyle/>
+          <a:p>
+            <a:pPr>
+              <a:lnSpc>
+                <a:spcPct val="100000"/>
+              </a:lnSpc>
+            </a:pPr>
+            <a:r>
+              <a:rPr lang="de-DE" sz="2200" b="1" strike="noStrike" spc="-1">
+                <a:solidFill>
+                  <a:srgbClr val="5073A5"/>
+                </a:solidFill>
+                <a:latin typeface="Frutiger LT Com 45 Light"/>
+              </a:rPr>
+              <a:t>Evaluation</a:t>
+            </a:r>
+            <a:endParaRPr lang="de-DE" sz="2200" b="0" strike="noStrike" spc="-1">
+              <a:solidFill>
+                <a:srgbClr val="000000"/>
+              </a:solidFill>
+              <a:latin typeface="Frutiger LT Com 45 Light"/>
             </a:endParaRPr>
           </a:p>
         </p:txBody>
@@ -18511,25 +18099,28 @@
       </p:grpSpPr>
       <p:sp>
         <p:nvSpPr>
-          <p:cNvPr id="380" name="TextShape 1"/>
-          <p:cNvSpPr txBox="1"/>
-          <p:nvPr/>
-        </p:nvSpPr>
-        <p:spPr>
-          <a:xfrm>
-            <a:off x="8859240" y="2148480"/>
-            <a:ext cx="3213000" cy="2132280"/>
-          </a:xfrm>
-          <a:prstGeom prst="rect">
-            <a:avLst/>
-          </a:prstGeom>
+          <p:cNvPr id="3" name="Titel 2">
+            <a:extLst>
+              <a:ext uri="{FF2B5EF4-FFF2-40B4-BE49-F238E27FC236}">
+                <a16:creationId xmlns:a16="http://schemas.microsoft.com/office/drawing/2014/main" id="{28960A62-B9CA-795A-1F38-120DB5286327}"/>
+              </a:ext>
+            </a:extLst>
+          </p:cNvPr>
+          <p:cNvSpPr>
+            <a:spLocks noGrp="1"/>
+          </p:cNvSpPr>
+          <p:nvPr>
+            <p:ph type="title"/>
+          </p:nvPr>
+        </p:nvSpPr>
+        <p:spPr>
           <a:noFill/>
           <a:ln w="0">
             <a:noFill/>
           </a:ln>
         </p:spPr>
         <p:txBody>
-          <a:bodyPr lIns="0" tIns="0" rIns="0" bIns="0">
+          <a:bodyPr lIns="0" tIns="0" rIns="0" bIns="0" anchor="b">
             <a:noAutofit/>
           </a:bodyPr>
           <a:lstStyle/>
@@ -18538,97 +18129,1636 @@
               <a:lnSpc>
                 <a:spcPct val="100000"/>
               </a:lnSpc>
-              <a:spcBef>
-                <a:spcPts val="561"/>
-              </a:spcBef>
-              <a:tabLst>
-                <a:tab pos="0" algn="l"/>
-              </a:tabLst>
             </a:pPr>
             <a:r>
-              <a:rPr lang="de-DE" sz="2800" b="0" strike="noStrike" spc="-1">
-                <a:solidFill>
-                  <a:srgbClr val="FFFFFF"/>
-                </a:solidFill>
-                <a:latin typeface="Frutiger LT Com 45 Light"/>
-              </a:rPr>
-              <a:t>Anne Koch</a:t>
-            </a:r>
-            <a:endParaRPr lang="de-DE" sz="2800" b="0" strike="noStrike" spc="-1">
-              <a:solidFill>
-                <a:srgbClr val="000000"/>
-              </a:solidFill>
-              <a:latin typeface="Frutiger LT Com 45 Light"/>
-            </a:endParaRPr>
-          </a:p>
+              <a:rPr lang="de-DE" sz="2200" b="1" spc="-1" dirty="0">
+                <a:solidFill>
+                  <a:srgbClr val="5073A5"/>
+                </a:solidFill>
+                <a:latin typeface="Frutiger LT Com 45 Light"/>
+              </a:rPr>
+              <a:t>Warum macht der </a:t>
+            </a:r>
+            <a:r>
+              <a:rPr lang="de-DE" sz="2200" b="1" spc="-1" dirty="0" err="1">
+                <a:solidFill>
+                  <a:srgbClr val="5073A5"/>
+                </a:solidFill>
+                <a:latin typeface="Frutiger LT Com 45 Light"/>
+              </a:rPr>
+              <a:t>MedExtractor</a:t>
+            </a:r>
+            <a:r>
+              <a:rPr lang="de-DE" sz="2200" b="1" spc="-1" dirty="0">
+                <a:solidFill>
+                  <a:srgbClr val="5073A5"/>
+                </a:solidFill>
+                <a:latin typeface="Frutiger LT Com 45 Light"/>
+              </a:rPr>
+              <a:t> Fehler?</a:t>
+            </a:r>
+            <a:endParaRPr lang="de-DE" sz="2200" b="1" spc="-1" dirty="0">
+              <a:solidFill>
+                <a:srgbClr val="5073A5"/>
+              </a:solidFill>
+              <a:latin typeface="Frutiger LT Com 45 Light"/>
+              <a:ea typeface="+mn-ea"/>
+              <a:cs typeface="+mn-cs"/>
+            </a:endParaRPr>
+          </a:p>
+        </p:txBody>
+      </p:sp>
+      <p:sp>
+        <p:nvSpPr>
+          <p:cNvPr id="359" name="TextShape 1"/>
+          <p:cNvSpPr txBox="1"/>
+          <p:nvPr/>
+        </p:nvSpPr>
+        <p:spPr>
+          <a:xfrm>
+            <a:off x="1631520" y="6426000"/>
+            <a:ext cx="7272360" cy="240480"/>
+          </a:xfrm>
+          <a:prstGeom prst="rect">
+            <a:avLst/>
+          </a:prstGeom>
+          <a:noFill/>
+          <a:ln w="0">
+            <a:noFill/>
+          </a:ln>
+        </p:spPr>
+        <p:txBody>
+          <a:bodyPr lIns="0" tIns="0" rIns="0" bIns="0">
+            <a:noAutofit/>
+          </a:bodyPr>
+          <a:lstStyle/>
           <a:p>
             <a:pPr>
               <a:lnSpc>
                 <a:spcPct val="100000"/>
               </a:lnSpc>
-              <a:spcBef>
-                <a:spcPts val="561"/>
-              </a:spcBef>
-              <a:tabLst>
-                <a:tab pos="0" algn="l"/>
-              </a:tabLst>
             </a:pPr>
             <a:r>
-              <a:rPr lang="de-DE" sz="2800" b="0" strike="noStrike" spc="-1">
-                <a:solidFill>
-                  <a:srgbClr val="FFFFFF"/>
-                </a:solidFill>
-                <a:latin typeface="Frutiger LT Com 45 Light"/>
-              </a:rPr>
-              <a:t>Clara Jansen</a:t>
-            </a:r>
-            <a:endParaRPr lang="de-DE" sz="2800" b="0" strike="noStrike" spc="-1">
-              <a:solidFill>
-                <a:srgbClr val="000000"/>
-              </a:solidFill>
-              <a:latin typeface="Frutiger LT Com 45 Light"/>
-            </a:endParaRPr>
-          </a:p>
+              <a:rPr lang="en-US" sz="900" b="0" strike="noStrike" spc="-1">
+                <a:solidFill>
+                  <a:srgbClr val="5073A5"/>
+                </a:solidFill>
+                <a:latin typeface="Frutiger LT Com 45 Light"/>
+              </a:rPr>
+              <a:t>Fußzeile</a:t>
+            </a:r>
+            <a:endParaRPr lang="de-DE" sz="900" b="0" strike="noStrike" spc="-1">
+              <a:latin typeface="Times New Roman"/>
+            </a:endParaRPr>
+          </a:p>
+        </p:txBody>
+      </p:sp>
+      <p:sp>
+        <p:nvSpPr>
+          <p:cNvPr id="360" name="TextShape 2"/>
+          <p:cNvSpPr txBox="1"/>
+          <p:nvPr/>
+        </p:nvSpPr>
+        <p:spPr>
+          <a:xfrm>
+            <a:off x="1055520" y="6426000"/>
+            <a:ext cx="553320" cy="240480"/>
+          </a:xfrm>
+          <a:prstGeom prst="rect">
+            <a:avLst/>
+          </a:prstGeom>
+          <a:noFill/>
+          <a:ln w="0">
+            <a:noFill/>
+          </a:ln>
+        </p:spPr>
+        <p:txBody>
+          <a:bodyPr lIns="0" tIns="0" rIns="0" bIns="0">
+            <a:noAutofit/>
+          </a:bodyPr>
+          <a:lstStyle/>
           <a:p>
             <a:pPr>
               <a:lnSpc>
                 <a:spcPct val="100000"/>
               </a:lnSpc>
+            </a:pPr>
+            <a:fld id="{810E913F-87BD-4844-914F-489A9B4C1696}" type="slidenum">
+              <a:rPr lang="de-DE" sz="900" b="1" strike="noStrike" spc="-1">
+                <a:solidFill>
+                  <a:srgbClr val="5073A5"/>
+                </a:solidFill>
+                <a:latin typeface="Frutiger LT Com 45 Light"/>
+              </a:rPr>
+              <a:t>12</a:t>
+            </a:fld>
+            <a:endParaRPr lang="de-DE" sz="900" b="0" strike="noStrike" spc="-1">
+              <a:latin typeface="Times New Roman"/>
+            </a:endParaRPr>
+          </a:p>
+        </p:txBody>
+      </p:sp>
+      <p:sp>
+        <p:nvSpPr>
+          <p:cNvPr id="4" name="Untertitel 3">
+            <a:extLst>
+              <a:ext uri="{FF2B5EF4-FFF2-40B4-BE49-F238E27FC236}">
+                <a16:creationId xmlns:a16="http://schemas.microsoft.com/office/drawing/2014/main" id="{FF9FB218-6742-F661-FEC2-3D002FA83BFD}"/>
+              </a:ext>
+            </a:extLst>
+          </p:cNvPr>
+          <p:cNvSpPr>
+            <a:spLocks noGrp="1"/>
+          </p:cNvSpPr>
+          <p:nvPr>
+            <p:ph type="subTitle"/>
+          </p:nvPr>
+        </p:nvSpPr>
+        <p:spPr>
+          <a:xfrm>
+            <a:off x="1279456" y="1151119"/>
+            <a:ext cx="9348675" cy="5046082"/>
+          </a:xfrm>
+          <a:noFill/>
+          <a:ln w="0">
+            <a:noFill/>
+          </a:ln>
+        </p:spPr>
+        <p:style>
+          <a:lnRef idx="0">
+            <a:scrgbClr r="0" g="0" b="0"/>
+          </a:lnRef>
+          <a:fillRef idx="0">
+            <a:scrgbClr r="0" g="0" b="0"/>
+          </a:fillRef>
+          <a:effectRef idx="0">
+            <a:scrgbClr r="0" g="0" b="0"/>
+          </a:effectRef>
+          <a:fontRef idx="minor"/>
+        </p:style>
+        <p:txBody>
+          <a:bodyPr wrap="square" lIns="90000" tIns="45000" rIns="90000" bIns="45000" anchor="t">
+            <a:spAutoFit/>
+          </a:bodyPr>
+          <a:lstStyle/>
+          <a:p>
+            <a:pPr marL="285750" indent="-285750">
+              <a:lnSpc>
+                <a:spcPct val="100000"/>
+              </a:lnSpc>
               <a:spcBef>
-                <a:spcPts val="561"/>
+                <a:spcPts val="1800"/>
               </a:spcBef>
-              <a:tabLst>
-                <a:tab pos="0" algn="l"/>
-              </a:tabLst>
             </a:pPr>
             <a:r>
-              <a:rPr lang="de-DE" sz="2800" b="0" strike="noStrike" spc="-1">
-                <a:solidFill>
-                  <a:srgbClr val="FFFFFF"/>
-                </a:solidFill>
-                <a:latin typeface="Frutiger LT Com 45 Light"/>
-              </a:rPr>
-              <a:t>Dietrich Tönnies</a:t>
-            </a:r>
-            <a:endParaRPr lang="de-DE" sz="2800" b="0" strike="noStrike" spc="-1">
-              <a:solidFill>
-                <a:srgbClr val="000000"/>
-              </a:solidFill>
-              <a:latin typeface="Frutiger LT Com 45 Light"/>
-            </a:endParaRPr>
-          </a:p>
-        </p:txBody>
-      </p:sp>
-      <p:sp>
-        <p:nvSpPr>
-          <p:cNvPr id="381" name="Line 2"/>
+              <a:rPr lang="de-DE" sz="2000" spc="-1" dirty="0">
+                <a:solidFill>
+                  <a:srgbClr val="000000"/>
+                </a:solidFill>
+                <a:latin typeface="Frutiger LT Com 45 Light"/>
+              </a:rPr>
+              <a:t>Trainingsvokabular enthält ungeeignete Begriffe, z.B. Verben wie ‚</a:t>
+            </a:r>
+            <a:r>
+              <a:rPr lang="de-DE" sz="2000" spc="-1" dirty="0" err="1">
+                <a:solidFill>
+                  <a:srgbClr val="000000"/>
+                </a:solidFill>
+                <a:latin typeface="Frutiger LT Com 45 Light"/>
+              </a:rPr>
+              <a:t>aggravate</a:t>
+            </a:r>
+            <a:r>
+              <a:rPr lang="de-DE" sz="2000" spc="-1" dirty="0">
+                <a:solidFill>
+                  <a:srgbClr val="000000"/>
+                </a:solidFill>
+                <a:latin typeface="Frutiger LT Com 45 Light"/>
+              </a:rPr>
+              <a:t>‘ oder generische Überbegriffe wie ‚</a:t>
+            </a:r>
+            <a:r>
+              <a:rPr lang="de-DE" sz="2000" spc="-1" dirty="0" err="1">
+                <a:solidFill>
+                  <a:srgbClr val="000000"/>
+                </a:solidFill>
+                <a:latin typeface="Frutiger LT Com 45 Light"/>
+              </a:rPr>
+              <a:t>impairment</a:t>
+            </a:r>
+            <a:r>
+              <a:rPr lang="de-DE" sz="2000" spc="-1" dirty="0">
+                <a:solidFill>
+                  <a:srgbClr val="000000"/>
+                </a:solidFill>
+                <a:latin typeface="Frutiger LT Com 45 Light"/>
+              </a:rPr>
+              <a:t>‘.</a:t>
+            </a:r>
+          </a:p>
+          <a:p>
+            <a:pPr marL="285750" indent="-285750">
+              <a:lnSpc>
+                <a:spcPct val="100000"/>
+              </a:lnSpc>
+              <a:spcBef>
+                <a:spcPts val="1800"/>
+              </a:spcBef>
+            </a:pPr>
+            <a:r>
+              <a:rPr lang="de-DE" sz="2000" spc="-1" dirty="0">
+                <a:solidFill>
+                  <a:srgbClr val="000000"/>
+                </a:solidFill>
+                <a:latin typeface="Frutiger LT Com 45 Light"/>
+              </a:rPr>
+              <a:t>Trainingsvokabular enthält doppeldeutige Begriffe, z.B. die Substantive ‚</a:t>
+            </a:r>
+            <a:r>
+              <a:rPr lang="de-DE" sz="2000" spc="-1" dirty="0" err="1">
+                <a:solidFill>
+                  <a:srgbClr val="000000"/>
+                </a:solidFill>
+                <a:latin typeface="Frutiger LT Com 45 Light"/>
+              </a:rPr>
+              <a:t>cut</a:t>
+            </a:r>
+            <a:r>
+              <a:rPr lang="de-DE" sz="2000" spc="-1" dirty="0">
+                <a:solidFill>
+                  <a:srgbClr val="000000"/>
+                </a:solidFill>
+                <a:latin typeface="Frutiger LT Com 45 Light"/>
+              </a:rPr>
+              <a:t>‘ oder ‚</a:t>
+            </a:r>
+            <a:r>
+              <a:rPr lang="de-DE" sz="2000" spc="-1" dirty="0" err="1">
+                <a:solidFill>
+                  <a:srgbClr val="000000"/>
+                </a:solidFill>
+                <a:latin typeface="Frutiger LT Com 45 Light"/>
+              </a:rPr>
+              <a:t>cold</a:t>
+            </a:r>
+            <a:r>
+              <a:rPr lang="de-DE" sz="2000" spc="-1" dirty="0">
+                <a:solidFill>
+                  <a:srgbClr val="000000"/>
+                </a:solidFill>
+                <a:latin typeface="Frutiger LT Com 45 Light"/>
+              </a:rPr>
+              <a:t>‘, die als Krankheiten interpretiert werden, auch wenn sie im Text eigentlich Verben oder Adjektive sind.</a:t>
+            </a:r>
+          </a:p>
+          <a:p>
+            <a:pPr>
+              <a:spcBef>
+                <a:spcPts val="1800"/>
+              </a:spcBef>
+            </a:pPr>
+            <a:r>
+              <a:rPr lang="de-DE" sz="2000" spc="-1" dirty="0">
+                <a:solidFill>
+                  <a:srgbClr val="000000"/>
+                </a:solidFill>
+                <a:latin typeface="Frutiger LT Com 45 Light"/>
+              </a:rPr>
+              <a:t>Negationen werden nicht richtig aus dem Kontext heraus erkannt, z.B. „</a:t>
+            </a:r>
+            <a:r>
+              <a:rPr lang="en-US" sz="2000" spc="-1" dirty="0">
+                <a:solidFill>
+                  <a:srgbClr val="000000"/>
+                </a:solidFill>
+                <a:latin typeface="Frutiger LT Com 45 Light"/>
+              </a:rPr>
+              <a:t>The psychological symptoms of depression include having no motivation or interest </a:t>
+            </a:r>
+            <a:r>
+              <a:rPr lang="de-DE" sz="2000" spc="-1" dirty="0">
+                <a:solidFill>
+                  <a:srgbClr val="000000"/>
+                </a:solidFill>
+                <a:latin typeface="Frutiger LT Com 45 Light"/>
+              </a:rPr>
+              <a:t>in </a:t>
+            </a:r>
+            <a:r>
+              <a:rPr lang="de-DE" sz="2000" spc="-1" dirty="0" err="1">
+                <a:solidFill>
+                  <a:srgbClr val="000000"/>
+                </a:solidFill>
+                <a:latin typeface="Frutiger LT Com 45 Light"/>
+              </a:rPr>
+              <a:t>things</a:t>
+            </a:r>
+            <a:r>
+              <a:rPr lang="de-DE" sz="2000" spc="-1" dirty="0">
+                <a:solidFill>
+                  <a:srgbClr val="000000"/>
+                </a:solidFill>
+                <a:latin typeface="Frutiger LT Com 45 Light"/>
+              </a:rPr>
+              <a:t>. “ Interest (anstelle von ‚</a:t>
+            </a:r>
+            <a:r>
+              <a:rPr lang="de-DE" sz="2000" spc="-1" dirty="0" err="1">
+                <a:solidFill>
+                  <a:srgbClr val="000000"/>
+                </a:solidFill>
+                <a:latin typeface="Frutiger LT Com 45 Light"/>
+              </a:rPr>
+              <a:t>no</a:t>
+            </a:r>
+            <a:r>
+              <a:rPr lang="de-DE" sz="2000" spc="-1" dirty="0">
+                <a:solidFill>
+                  <a:srgbClr val="000000"/>
+                </a:solidFill>
+                <a:latin typeface="Frutiger LT Com 45 Light"/>
+              </a:rPr>
+              <a:t> </a:t>
+            </a:r>
+            <a:r>
+              <a:rPr lang="de-DE" sz="2000" spc="-1" dirty="0" err="1">
+                <a:solidFill>
+                  <a:srgbClr val="000000"/>
+                </a:solidFill>
+                <a:latin typeface="Frutiger LT Com 45 Light"/>
+              </a:rPr>
+              <a:t>interest</a:t>
+            </a:r>
+            <a:r>
+              <a:rPr lang="de-DE" sz="2000" spc="-1" dirty="0">
+                <a:solidFill>
+                  <a:srgbClr val="000000"/>
+                </a:solidFill>
+                <a:latin typeface="Frutiger LT Com 45 Light"/>
+              </a:rPr>
+              <a:t>‘) wird als Symptom einer Depression gedeutet.</a:t>
+            </a:r>
+          </a:p>
+          <a:p>
+            <a:pPr>
+              <a:spcBef>
+                <a:spcPts val="1800"/>
+              </a:spcBef>
+            </a:pPr>
+            <a:r>
+              <a:rPr lang="de-DE" sz="2000" spc="-1" dirty="0">
+                <a:solidFill>
+                  <a:srgbClr val="000000"/>
+                </a:solidFill>
+                <a:latin typeface="Frutiger LT Com 45 Light"/>
+              </a:rPr>
+              <a:t>Bedeutung / Semantik eines Textes wird nicht erkannt: „</a:t>
+            </a:r>
+            <a:r>
+              <a:rPr lang="en-US" sz="2000" spc="-1" dirty="0">
+                <a:solidFill>
+                  <a:srgbClr val="000000"/>
+                </a:solidFill>
+                <a:latin typeface="Frutiger LT Com 45 Light"/>
+              </a:rPr>
+              <a:t>These challenges came ... from gay rights activists who </a:t>
+            </a:r>
+            <a:r>
+              <a:rPr lang="en-US" sz="2000" spc="-1" dirty="0" err="1">
+                <a:solidFill>
+                  <a:srgbClr val="000000"/>
+                </a:solidFill>
+                <a:latin typeface="Frutiger LT Com 45 Light"/>
+              </a:rPr>
+              <a:t>criticised</a:t>
+            </a:r>
+            <a:r>
+              <a:rPr lang="en-US" sz="2000" spc="-1" dirty="0">
+                <a:solidFill>
+                  <a:srgbClr val="000000"/>
+                </a:solidFill>
+                <a:latin typeface="Frutiger LT Com 45 Light"/>
+              </a:rPr>
+              <a:t> the APA’s listing of homosexuality as a mental disorder”</a:t>
+            </a:r>
+          </a:p>
+          <a:p>
+            <a:pPr>
+              <a:spcBef>
+                <a:spcPts val="1800"/>
+              </a:spcBef>
+            </a:pPr>
+            <a:r>
+              <a:rPr lang="de-DE" sz="2000" spc="-1" dirty="0">
+                <a:solidFill>
+                  <a:srgbClr val="000000"/>
+                </a:solidFill>
+                <a:latin typeface="Frutiger LT Com 45 Light"/>
+              </a:rPr>
+              <a:t>Es werden nur Zusammenhänge gefunden, wenn die Schlüsselbegriffe exakt im Trainingsvokabular enthalten ist.</a:t>
+            </a:r>
+          </a:p>
+        </p:txBody>
+      </p:sp>
+    </p:spTree>
+    <p:extLst>
+      <p:ext uri="{BB962C8B-B14F-4D97-AF65-F5344CB8AC3E}">
+        <p14:creationId xmlns:p14="http://schemas.microsoft.com/office/powerpoint/2010/main" val="1611029862"/>
+      </p:ext>
+    </p:extLst>
+  </p:cSld>
+  <p:clrMapOvr>
+    <a:masterClrMapping/>
+  </p:clrMapOvr>
+</p:sld>
+</file>
+
+<file path=ppt/slides/slide13.xml><?xml version="1.0" encoding="utf-8"?>
+<p:sld xmlns:a="http://schemas.openxmlformats.org/drawingml/2006/main" xmlns:r="http://schemas.openxmlformats.org/officeDocument/2006/relationships" xmlns:p="http://schemas.openxmlformats.org/presentationml/2006/main">
+  <p:cSld>
+    <p:spTree>
+      <p:nvGrpSpPr>
+        <p:cNvPr id="1" name=""/>
+        <p:cNvGrpSpPr/>
+        <p:nvPr/>
+      </p:nvGrpSpPr>
+      <p:grpSpPr>
+        <a:xfrm>
+          <a:off x="0" y="0"/>
+          <a:ext cx="0" cy="0"/>
+          <a:chOff x="0" y="0"/>
+          <a:chExt cx="0" cy="0"/>
+        </a:xfrm>
+      </p:grpSpPr>
+      <p:sp>
+        <p:nvSpPr>
+          <p:cNvPr id="3" name="Titel 2">
+            <a:extLst>
+              <a:ext uri="{FF2B5EF4-FFF2-40B4-BE49-F238E27FC236}">
+                <a16:creationId xmlns:a16="http://schemas.microsoft.com/office/drawing/2014/main" id="{28960A62-B9CA-795A-1F38-120DB5286327}"/>
+              </a:ext>
+            </a:extLst>
+          </p:cNvPr>
+          <p:cNvSpPr>
+            <a:spLocks noGrp="1"/>
+          </p:cNvSpPr>
+          <p:nvPr>
+            <p:ph type="title"/>
+          </p:nvPr>
+        </p:nvSpPr>
+        <p:spPr>
+          <a:noFill/>
+          <a:ln w="0">
+            <a:noFill/>
+          </a:ln>
+        </p:spPr>
+        <p:txBody>
+          <a:bodyPr lIns="0" tIns="0" rIns="0" bIns="0" anchor="b">
+            <a:noAutofit/>
+          </a:bodyPr>
+          <a:lstStyle/>
+          <a:p>
+            <a:pPr>
+              <a:lnSpc>
+                <a:spcPct val="100000"/>
+              </a:lnSpc>
+            </a:pPr>
+            <a:r>
+              <a:rPr lang="de-DE" sz="2200" b="1" spc="-1" dirty="0">
+                <a:solidFill>
+                  <a:srgbClr val="5073A5"/>
+                </a:solidFill>
+                <a:latin typeface="Frutiger LT Com 45 Light"/>
+              </a:rPr>
+              <a:t>Wie kann der </a:t>
+            </a:r>
+            <a:r>
+              <a:rPr lang="de-DE" sz="2200" b="1" spc="-1" dirty="0" err="1">
+                <a:solidFill>
+                  <a:srgbClr val="5073A5"/>
+                </a:solidFill>
+                <a:latin typeface="Frutiger LT Com 45 Light"/>
+              </a:rPr>
+              <a:t>MedExtractor</a:t>
+            </a:r>
+            <a:r>
+              <a:rPr lang="de-DE" sz="2200" b="1" spc="-1" dirty="0">
+                <a:solidFill>
+                  <a:srgbClr val="5073A5"/>
+                </a:solidFill>
+                <a:latin typeface="Frutiger LT Com 45 Light"/>
+              </a:rPr>
+              <a:t> verbessert werden?</a:t>
+            </a:r>
+            <a:endParaRPr lang="de-DE" sz="2200" b="1" spc="-1" dirty="0">
+              <a:solidFill>
+                <a:srgbClr val="5073A5"/>
+              </a:solidFill>
+              <a:latin typeface="Frutiger LT Com 45 Light"/>
+              <a:ea typeface="+mn-ea"/>
+              <a:cs typeface="+mn-cs"/>
+            </a:endParaRPr>
+          </a:p>
+        </p:txBody>
+      </p:sp>
+      <p:sp>
+        <p:nvSpPr>
+          <p:cNvPr id="359" name="TextShape 1"/>
+          <p:cNvSpPr txBox="1"/>
+          <p:nvPr/>
+        </p:nvSpPr>
+        <p:spPr>
+          <a:xfrm>
+            <a:off x="1631520" y="6426000"/>
+            <a:ext cx="7272360" cy="240480"/>
+          </a:xfrm>
+          <a:prstGeom prst="rect">
+            <a:avLst/>
+          </a:prstGeom>
+          <a:noFill/>
+          <a:ln w="0">
+            <a:noFill/>
+          </a:ln>
+        </p:spPr>
+        <p:txBody>
+          <a:bodyPr lIns="0" tIns="0" rIns="0" bIns="0">
+            <a:noAutofit/>
+          </a:bodyPr>
+          <a:lstStyle/>
+          <a:p>
+            <a:pPr>
+              <a:lnSpc>
+                <a:spcPct val="100000"/>
+              </a:lnSpc>
+            </a:pPr>
+            <a:r>
+              <a:rPr lang="en-US" sz="900" b="0" strike="noStrike" spc="-1">
+                <a:solidFill>
+                  <a:srgbClr val="5073A5"/>
+                </a:solidFill>
+                <a:latin typeface="Frutiger LT Com 45 Light"/>
+              </a:rPr>
+              <a:t>Fußzeile</a:t>
+            </a:r>
+            <a:endParaRPr lang="de-DE" sz="900" b="0" strike="noStrike" spc="-1">
+              <a:latin typeface="Times New Roman"/>
+            </a:endParaRPr>
+          </a:p>
+        </p:txBody>
+      </p:sp>
+      <p:sp>
+        <p:nvSpPr>
+          <p:cNvPr id="360" name="TextShape 2"/>
+          <p:cNvSpPr txBox="1"/>
+          <p:nvPr/>
+        </p:nvSpPr>
+        <p:spPr>
+          <a:xfrm>
+            <a:off x="1055520" y="6426000"/>
+            <a:ext cx="553320" cy="240480"/>
+          </a:xfrm>
+          <a:prstGeom prst="rect">
+            <a:avLst/>
+          </a:prstGeom>
+          <a:noFill/>
+          <a:ln w="0">
+            <a:noFill/>
+          </a:ln>
+        </p:spPr>
+        <p:txBody>
+          <a:bodyPr lIns="0" tIns="0" rIns="0" bIns="0">
+            <a:noAutofit/>
+          </a:bodyPr>
+          <a:lstStyle/>
+          <a:p>
+            <a:pPr>
+              <a:lnSpc>
+                <a:spcPct val="100000"/>
+              </a:lnSpc>
+            </a:pPr>
+            <a:fld id="{810E913F-87BD-4844-914F-489A9B4C1696}" type="slidenum">
+              <a:rPr lang="de-DE" sz="900" b="1" strike="noStrike" spc="-1">
+                <a:solidFill>
+                  <a:srgbClr val="5073A5"/>
+                </a:solidFill>
+                <a:latin typeface="Frutiger LT Com 45 Light"/>
+              </a:rPr>
+              <a:t>13</a:t>
+            </a:fld>
+            <a:endParaRPr lang="de-DE" sz="900" b="0" strike="noStrike" spc="-1">
+              <a:latin typeface="Times New Roman"/>
+            </a:endParaRPr>
+          </a:p>
+        </p:txBody>
+      </p:sp>
+      <p:sp>
+        <p:nvSpPr>
+          <p:cNvPr id="4" name="Untertitel 3">
+            <a:extLst>
+              <a:ext uri="{FF2B5EF4-FFF2-40B4-BE49-F238E27FC236}">
+                <a16:creationId xmlns:a16="http://schemas.microsoft.com/office/drawing/2014/main" id="{FF9FB218-6742-F661-FEC2-3D002FA83BFD}"/>
+              </a:ext>
+            </a:extLst>
+          </p:cNvPr>
+          <p:cNvSpPr>
+            <a:spLocks noGrp="1"/>
+          </p:cNvSpPr>
+          <p:nvPr>
+            <p:ph type="subTitle"/>
+          </p:nvPr>
+        </p:nvSpPr>
+        <p:spPr>
+          <a:xfrm>
+            <a:off x="1018836" y="1204980"/>
+            <a:ext cx="10154328" cy="4938360"/>
+          </a:xfrm>
+          <a:noFill/>
+          <a:ln w="0">
+            <a:noFill/>
+          </a:ln>
+        </p:spPr>
+        <p:style>
+          <a:lnRef idx="0">
+            <a:scrgbClr r="0" g="0" b="0"/>
+          </a:lnRef>
+          <a:fillRef idx="0">
+            <a:scrgbClr r="0" g="0" b="0"/>
+          </a:fillRef>
+          <a:effectRef idx="0">
+            <a:scrgbClr r="0" g="0" b="0"/>
+          </a:effectRef>
+          <a:fontRef idx="minor"/>
+        </p:style>
+        <p:txBody>
+          <a:bodyPr wrap="square" lIns="90000" tIns="45000" rIns="90000" bIns="45000" anchor="t">
+            <a:spAutoFit/>
+          </a:bodyPr>
+          <a:lstStyle/>
+          <a:p>
+            <a:pPr marL="342900" indent="-342900">
+              <a:lnSpc>
+                <a:spcPct val="100000"/>
+              </a:lnSpc>
+              <a:spcBef>
+                <a:spcPts val="1800"/>
+              </a:spcBef>
+              <a:buFont typeface="Arial" panose="020B0604020202020204" pitchFamily="34" charset="0"/>
+              <a:buChar char="•"/>
+            </a:pPr>
+            <a:r>
+              <a:rPr lang="de-DE" sz="2000" spc="-1" dirty="0">
+                <a:solidFill>
+                  <a:srgbClr val="000000"/>
+                </a:solidFill>
+                <a:latin typeface="Frutiger LT Com 45 Light"/>
+              </a:rPr>
+              <a:t>Zusätzlich zur </a:t>
+            </a:r>
+            <a:r>
+              <a:rPr lang="de-DE" sz="2000" spc="-1" dirty="0" err="1">
+                <a:solidFill>
+                  <a:srgbClr val="000000"/>
+                </a:solidFill>
+                <a:latin typeface="Frutiger LT Com 45 Light"/>
+              </a:rPr>
+              <a:t>Named</a:t>
+            </a:r>
+            <a:r>
+              <a:rPr lang="de-DE" sz="2000" spc="-1" dirty="0">
+                <a:solidFill>
+                  <a:srgbClr val="000000"/>
+                </a:solidFill>
+                <a:latin typeface="Frutiger LT Com 45 Light"/>
+              </a:rPr>
+              <a:t> Entity Recognition kann die grammatikalische Analyse der </a:t>
+            </a:r>
+            <a:r>
+              <a:rPr lang="de-DE" sz="2000" i="1" spc="-1" dirty="0" err="1">
+                <a:solidFill>
+                  <a:srgbClr val="000000"/>
+                </a:solidFill>
+                <a:latin typeface="Frutiger LT Com 45 Light"/>
+              </a:rPr>
+              <a:t>spaCy</a:t>
+            </a:r>
+            <a:r>
+              <a:rPr lang="de-DE" sz="2000" spc="-1" dirty="0">
+                <a:solidFill>
+                  <a:srgbClr val="000000"/>
+                </a:solidFill>
+                <a:latin typeface="Frutiger LT Com 45 Light"/>
+              </a:rPr>
+              <a:t>-Pipeline genutzt werden</a:t>
+            </a:r>
+          </a:p>
+          <a:p>
+            <a:pPr marL="342900" indent="-342900">
+              <a:lnSpc>
+                <a:spcPct val="100000"/>
+              </a:lnSpc>
+              <a:spcBef>
+                <a:spcPts val="1800"/>
+              </a:spcBef>
+              <a:buFont typeface="Arial" panose="020B0604020202020204" pitchFamily="34" charset="0"/>
+              <a:buChar char="•"/>
+            </a:pPr>
+            <a:r>
+              <a:rPr lang="de-DE" sz="2000" spc="-1" dirty="0">
+                <a:solidFill>
+                  <a:srgbClr val="000000"/>
+                </a:solidFill>
+                <a:latin typeface="Frutiger LT Com 45 Light"/>
+              </a:rPr>
+              <a:t>Alleinstehende </a:t>
+            </a:r>
+            <a:r>
+              <a:rPr lang="de-DE" sz="2000" spc="-1" dirty="0" err="1">
+                <a:solidFill>
+                  <a:srgbClr val="000000"/>
+                </a:solidFill>
+                <a:latin typeface="Frutiger LT Com 45 Light"/>
+              </a:rPr>
+              <a:t>Named</a:t>
+            </a:r>
+            <a:r>
+              <a:rPr lang="de-DE" sz="2000" spc="-1" dirty="0">
+                <a:solidFill>
+                  <a:srgbClr val="000000"/>
+                </a:solidFill>
+                <a:latin typeface="Frutiger LT Com 45 Light"/>
+              </a:rPr>
+              <a:t> </a:t>
+            </a:r>
+            <a:r>
+              <a:rPr lang="de-DE" sz="2000" spc="-1" dirty="0" err="1">
+                <a:solidFill>
+                  <a:srgbClr val="000000"/>
+                </a:solidFill>
+                <a:latin typeface="Frutiger LT Com 45 Light"/>
+              </a:rPr>
+              <a:t>Entities</a:t>
+            </a:r>
+            <a:r>
+              <a:rPr lang="de-DE" sz="2000" spc="-1" dirty="0">
+                <a:solidFill>
+                  <a:srgbClr val="000000"/>
+                </a:solidFill>
+                <a:latin typeface="Frutiger LT Com 45 Light"/>
+              </a:rPr>
+              <a:t>, die in einem Satz als Verb fungieren (z.B. ‚</a:t>
+            </a:r>
+            <a:r>
+              <a:rPr lang="de-DE" sz="2000" spc="-1" dirty="0" err="1">
+                <a:solidFill>
+                  <a:srgbClr val="000000"/>
+                </a:solidFill>
+                <a:latin typeface="Frutiger LT Com 45 Light"/>
+              </a:rPr>
+              <a:t>aggravate</a:t>
+            </a:r>
+            <a:r>
+              <a:rPr lang="de-DE" sz="2000" spc="-1" dirty="0">
+                <a:solidFill>
+                  <a:srgbClr val="000000"/>
+                </a:solidFill>
+                <a:latin typeface="Frutiger LT Com 45 Light"/>
+              </a:rPr>
+              <a:t>‘), können sowohl als Krankheit und Symptom verworfen werden.</a:t>
+            </a:r>
+          </a:p>
+          <a:p>
+            <a:pPr marL="342900" indent="-342900">
+              <a:lnSpc>
+                <a:spcPct val="100000"/>
+              </a:lnSpc>
+              <a:spcBef>
+                <a:spcPts val="1800"/>
+              </a:spcBef>
+              <a:buFont typeface="Arial" panose="020B0604020202020204" pitchFamily="34" charset="0"/>
+              <a:buChar char="•"/>
+            </a:pPr>
+            <a:r>
+              <a:rPr lang="de-DE" sz="2000" spc="-1" dirty="0">
+                <a:solidFill>
+                  <a:srgbClr val="000000"/>
+                </a:solidFill>
+                <a:latin typeface="Frutiger LT Com 45 Light"/>
+              </a:rPr>
+              <a:t>Alleinstehende </a:t>
+            </a:r>
+            <a:r>
+              <a:rPr lang="de-DE" sz="2000" spc="-1" dirty="0" err="1">
+                <a:solidFill>
+                  <a:srgbClr val="000000"/>
+                </a:solidFill>
+                <a:latin typeface="Frutiger LT Com 45 Light"/>
+              </a:rPr>
+              <a:t>Named</a:t>
+            </a:r>
+            <a:r>
+              <a:rPr lang="de-DE" sz="2000" spc="-1" dirty="0">
+                <a:solidFill>
+                  <a:srgbClr val="000000"/>
+                </a:solidFill>
+                <a:latin typeface="Frutiger LT Com 45 Light"/>
+              </a:rPr>
+              <a:t> </a:t>
+            </a:r>
+            <a:r>
+              <a:rPr lang="de-DE" sz="2000" spc="-1" dirty="0" err="1">
+                <a:solidFill>
+                  <a:srgbClr val="000000"/>
+                </a:solidFill>
+                <a:latin typeface="Frutiger LT Com 45 Light"/>
+              </a:rPr>
+              <a:t>Entities</a:t>
+            </a:r>
+            <a:r>
+              <a:rPr lang="de-DE" sz="2000" spc="-1" dirty="0">
+                <a:solidFill>
+                  <a:srgbClr val="000000"/>
+                </a:solidFill>
+                <a:latin typeface="Frutiger LT Com 45 Light"/>
+              </a:rPr>
+              <a:t>, die in einem Satz als Adjektiv ‚</a:t>
+            </a:r>
+            <a:r>
+              <a:rPr lang="de-DE" sz="2000" spc="-1" dirty="0" err="1">
+                <a:solidFill>
+                  <a:srgbClr val="000000"/>
+                </a:solidFill>
+                <a:latin typeface="Frutiger LT Com 45 Light"/>
+              </a:rPr>
+              <a:t>cold</a:t>
+            </a:r>
+            <a:r>
+              <a:rPr lang="de-DE" sz="2000" spc="-1" dirty="0">
+                <a:solidFill>
+                  <a:srgbClr val="000000"/>
+                </a:solidFill>
+                <a:latin typeface="Frutiger LT Com 45 Light"/>
+              </a:rPr>
+              <a:t>‘ fungieren, können als Krankheit verworfen werden.</a:t>
+            </a:r>
+          </a:p>
+          <a:p>
+            <a:pPr marL="342900" indent="-342900">
+              <a:lnSpc>
+                <a:spcPct val="100000"/>
+              </a:lnSpc>
+              <a:spcBef>
+                <a:spcPts val="1800"/>
+              </a:spcBef>
+              <a:buFont typeface="Arial" panose="020B0604020202020204" pitchFamily="34" charset="0"/>
+              <a:buChar char="•"/>
+            </a:pPr>
+            <a:r>
+              <a:rPr lang="de-DE" sz="2000" spc="-1" dirty="0">
+                <a:solidFill>
+                  <a:srgbClr val="000000"/>
+                </a:solidFill>
+                <a:latin typeface="Frutiger LT Com 45 Light"/>
+              </a:rPr>
+              <a:t>Text and Trainingsvokabular kann mit dem </a:t>
+            </a:r>
+            <a:r>
+              <a:rPr lang="de-DE" sz="2000" spc="-1" dirty="0" err="1">
+                <a:solidFill>
+                  <a:srgbClr val="000000"/>
+                </a:solidFill>
+                <a:latin typeface="Frutiger LT Com 45 Light"/>
+              </a:rPr>
+              <a:t>Lemmatizer</a:t>
+            </a:r>
+            <a:r>
+              <a:rPr lang="de-DE" sz="2000" spc="-1" dirty="0">
+                <a:solidFill>
+                  <a:srgbClr val="000000"/>
+                </a:solidFill>
+                <a:latin typeface="Frutiger LT Com 45 Light"/>
+              </a:rPr>
+              <a:t> normiert werden.</a:t>
+            </a:r>
+          </a:p>
+          <a:p>
+            <a:pPr marL="342900" indent="-342900">
+              <a:lnSpc>
+                <a:spcPct val="100000"/>
+              </a:lnSpc>
+              <a:spcBef>
+                <a:spcPts val="1800"/>
+              </a:spcBef>
+              <a:buFont typeface="Arial" panose="020B0604020202020204" pitchFamily="34" charset="0"/>
+              <a:buChar char="•"/>
+            </a:pPr>
+            <a:r>
+              <a:rPr lang="de-DE" sz="2000" spc="-1" dirty="0">
+                <a:solidFill>
+                  <a:srgbClr val="000000"/>
+                </a:solidFill>
+                <a:latin typeface="Frutiger LT Com 45 Light"/>
+              </a:rPr>
+              <a:t>Ausdrücke wie ‚</a:t>
+            </a:r>
+            <a:r>
+              <a:rPr lang="de-DE" sz="2000" spc="-1" dirty="0" err="1">
+                <a:solidFill>
+                  <a:srgbClr val="000000"/>
+                </a:solidFill>
+                <a:latin typeface="Frutiger LT Com 45 Light"/>
+              </a:rPr>
+              <a:t>feeling</a:t>
+            </a:r>
+            <a:r>
+              <a:rPr lang="de-DE" sz="2000" spc="-1" dirty="0">
+                <a:solidFill>
+                  <a:srgbClr val="000000"/>
+                </a:solidFill>
+                <a:latin typeface="Frutiger LT Com 45 Light"/>
+              </a:rPr>
+              <a:t> +  Adjektive‘   können auch ohne Entity Recognition als Symptom gedeutet werden.</a:t>
+            </a:r>
+          </a:p>
+          <a:p>
+            <a:pPr marL="342900" indent="-342900">
+              <a:lnSpc>
+                <a:spcPct val="100000"/>
+              </a:lnSpc>
+              <a:spcBef>
+                <a:spcPts val="1800"/>
+              </a:spcBef>
+              <a:buFont typeface="Arial" panose="020B0604020202020204" pitchFamily="34" charset="0"/>
+              <a:buChar char="•"/>
+            </a:pPr>
+            <a:r>
+              <a:rPr lang="de-DE" sz="2000" spc="-1" dirty="0">
+                <a:solidFill>
+                  <a:srgbClr val="000000"/>
+                </a:solidFill>
+                <a:latin typeface="Frutiger LT Com 45 Light"/>
+              </a:rPr>
+              <a:t>Über die grammatikalische Analyse können Standard-Formulierungen wie „The </a:t>
+            </a:r>
+            <a:r>
+              <a:rPr lang="de-DE" sz="2000" spc="-1" dirty="0" err="1">
+                <a:solidFill>
+                  <a:srgbClr val="000000"/>
+                </a:solidFill>
+                <a:latin typeface="Frutiger LT Com 45 Light"/>
+              </a:rPr>
+              <a:t>symptoms</a:t>
+            </a:r>
+            <a:r>
+              <a:rPr lang="de-DE" sz="2000" spc="-1" dirty="0">
+                <a:solidFill>
+                  <a:srgbClr val="000000"/>
+                </a:solidFill>
+                <a:latin typeface="Frutiger LT Com 45 Light"/>
+              </a:rPr>
+              <a:t> of ... </a:t>
+            </a:r>
+            <a:r>
+              <a:rPr lang="de-DE" sz="2000" spc="-1" dirty="0" err="1">
+                <a:solidFill>
+                  <a:srgbClr val="000000"/>
+                </a:solidFill>
+                <a:latin typeface="Frutiger LT Com 45 Light"/>
+              </a:rPr>
+              <a:t>include</a:t>
+            </a:r>
+            <a:r>
+              <a:rPr lang="de-DE" sz="2000" spc="-1" dirty="0">
+                <a:solidFill>
+                  <a:srgbClr val="000000"/>
+                </a:solidFill>
+                <a:latin typeface="Frutiger LT Com 45 Light"/>
+              </a:rPr>
+              <a:t> ...“ suchen und daraus auch ohne </a:t>
+            </a:r>
+            <a:r>
+              <a:rPr lang="de-DE" sz="2000" spc="-1" dirty="0" err="1">
+                <a:solidFill>
+                  <a:srgbClr val="000000"/>
+                </a:solidFill>
+                <a:latin typeface="Frutiger LT Com 45 Light"/>
+              </a:rPr>
+              <a:t>Named</a:t>
+            </a:r>
+            <a:r>
+              <a:rPr lang="de-DE" sz="2000" spc="-1" dirty="0">
+                <a:solidFill>
+                  <a:srgbClr val="000000"/>
+                </a:solidFill>
+                <a:latin typeface="Frutiger LT Com 45 Light"/>
+              </a:rPr>
+              <a:t> Entity Recognition Krankheiten und ihre Symptome identifizieren.</a:t>
+            </a:r>
+          </a:p>
+        </p:txBody>
+      </p:sp>
+    </p:spTree>
+    <p:extLst>
+      <p:ext uri="{BB962C8B-B14F-4D97-AF65-F5344CB8AC3E}">
+        <p14:creationId xmlns:p14="http://schemas.microsoft.com/office/powerpoint/2010/main" val="3612312214"/>
+      </p:ext>
+    </p:extLst>
+  </p:cSld>
+  <p:clrMapOvr>
+    <a:masterClrMapping/>
+  </p:clrMapOvr>
+</p:sld>
+</file>
+
+<file path=ppt/slides/slide14.xml><?xml version="1.0" encoding="utf-8"?>
+<p:sld xmlns:a="http://schemas.openxmlformats.org/drawingml/2006/main" xmlns:r="http://schemas.openxmlformats.org/officeDocument/2006/relationships" xmlns:p="http://schemas.openxmlformats.org/presentationml/2006/main">
+  <p:cSld>
+    <p:spTree>
+      <p:nvGrpSpPr>
+        <p:cNvPr id="1" name=""/>
+        <p:cNvGrpSpPr/>
+        <p:nvPr/>
+      </p:nvGrpSpPr>
+      <p:grpSpPr>
+        <a:xfrm>
+          <a:off x="0" y="0"/>
+          <a:ext cx="0" cy="0"/>
+          <a:chOff x="0" y="0"/>
+          <a:chExt cx="0" cy="0"/>
+        </a:xfrm>
+      </p:grpSpPr>
+      <p:sp>
+        <p:nvSpPr>
+          <p:cNvPr id="362" name="TextShape 1"/>
+          <p:cNvSpPr txBox="1"/>
+          <p:nvPr/>
+        </p:nvSpPr>
+        <p:spPr>
+          <a:xfrm>
+            <a:off x="1631520" y="6426000"/>
+            <a:ext cx="7272360" cy="240480"/>
+          </a:xfrm>
+          <a:prstGeom prst="rect">
+            <a:avLst/>
+          </a:prstGeom>
+          <a:noFill/>
+          <a:ln w="0">
+            <a:noFill/>
+          </a:ln>
+        </p:spPr>
+        <p:txBody>
+          <a:bodyPr lIns="0" tIns="0" rIns="0" bIns="0">
+            <a:noAutofit/>
+          </a:bodyPr>
+          <a:lstStyle/>
+          <a:p>
+            <a:pPr>
+              <a:lnSpc>
+                <a:spcPct val="100000"/>
+              </a:lnSpc>
+            </a:pPr>
+            <a:r>
+              <a:rPr lang="en-US" sz="900" b="0" strike="noStrike" spc="-1">
+                <a:solidFill>
+                  <a:srgbClr val="5073A5"/>
+                </a:solidFill>
+                <a:latin typeface="Frutiger LT Com 45 Light"/>
+              </a:rPr>
+              <a:t>Fußzeile</a:t>
+            </a:r>
+            <a:endParaRPr lang="de-DE" sz="900" b="0" strike="noStrike" spc="-1">
+              <a:latin typeface="Times New Roman"/>
+            </a:endParaRPr>
+          </a:p>
+        </p:txBody>
+      </p:sp>
+      <p:sp>
+        <p:nvSpPr>
+          <p:cNvPr id="363" name="TextShape 2"/>
+          <p:cNvSpPr txBox="1"/>
+          <p:nvPr/>
+        </p:nvSpPr>
+        <p:spPr>
+          <a:xfrm>
+            <a:off x="1055520" y="6426000"/>
+            <a:ext cx="553320" cy="240480"/>
+          </a:xfrm>
+          <a:prstGeom prst="rect">
+            <a:avLst/>
+          </a:prstGeom>
+          <a:noFill/>
+          <a:ln w="0">
+            <a:noFill/>
+          </a:ln>
+        </p:spPr>
+        <p:txBody>
+          <a:bodyPr lIns="0" tIns="0" rIns="0" bIns="0">
+            <a:noAutofit/>
+          </a:bodyPr>
+          <a:lstStyle/>
+          <a:p>
+            <a:pPr>
+              <a:lnSpc>
+                <a:spcPct val="100000"/>
+              </a:lnSpc>
+            </a:pPr>
+            <a:fld id="{B3AA2393-6CAD-47F5-B2B4-97C89E117396}" type="slidenum">
+              <a:rPr lang="de-DE" sz="900" b="1" strike="noStrike" spc="-1">
+                <a:solidFill>
+                  <a:srgbClr val="5073A5"/>
+                </a:solidFill>
+                <a:latin typeface="Frutiger LT Com 45 Light"/>
+              </a:rPr>
+              <a:t>14</a:t>
+            </a:fld>
+            <a:endParaRPr lang="de-DE" sz="900" b="0" strike="noStrike" spc="-1">
+              <a:latin typeface="Times New Roman"/>
+            </a:endParaRPr>
+          </a:p>
+        </p:txBody>
+      </p:sp>
+      <p:sp>
+        <p:nvSpPr>
+          <p:cNvPr id="364" name="TextShape 3"/>
+          <p:cNvSpPr txBox="1"/>
+          <p:nvPr/>
+        </p:nvSpPr>
+        <p:spPr>
+          <a:xfrm>
+            <a:off x="720000" y="260640"/>
+            <a:ext cx="8183880" cy="661680"/>
+          </a:xfrm>
+          <a:prstGeom prst="rect">
+            <a:avLst/>
+          </a:prstGeom>
+          <a:noFill/>
+          <a:ln w="0">
+            <a:noFill/>
+          </a:ln>
+        </p:spPr>
+        <p:txBody>
+          <a:bodyPr lIns="0" tIns="0" rIns="0" bIns="0" anchor="b">
+            <a:noAutofit/>
+          </a:bodyPr>
+          <a:lstStyle/>
+          <a:p>
+            <a:pPr>
+              <a:lnSpc>
+                <a:spcPct val="100000"/>
+              </a:lnSpc>
+            </a:pPr>
+            <a:r>
+              <a:rPr lang="de-DE" sz="2200" b="1" strike="noStrike" spc="-1">
+                <a:solidFill>
+                  <a:srgbClr val="5073A5"/>
+                </a:solidFill>
+                <a:latin typeface="Frutiger LT Com 45 Light"/>
+              </a:rPr>
+              <a:t>Zusammenfassung</a:t>
+            </a:r>
+            <a:endParaRPr lang="de-DE" sz="2200" b="0" strike="noStrike" spc="-1">
+              <a:solidFill>
+                <a:srgbClr val="000000"/>
+              </a:solidFill>
+              <a:latin typeface="Frutiger LT Com 45 Light"/>
+            </a:endParaRPr>
+          </a:p>
+        </p:txBody>
+      </p:sp>
+    </p:spTree>
+  </p:cSld>
+  <p:clrMapOvr>
+    <a:masterClrMapping/>
+  </p:clrMapOvr>
+</p:sld>
+</file>
+
+<file path=ppt/slides/slide15.xml><?xml version="1.0" encoding="utf-8"?>
+<p:sld xmlns:a="http://schemas.openxmlformats.org/drawingml/2006/main" xmlns:r="http://schemas.openxmlformats.org/officeDocument/2006/relationships" xmlns:p="http://schemas.openxmlformats.org/presentationml/2006/main">
+  <p:cSld>
+    <p:spTree>
+      <p:nvGrpSpPr>
+        <p:cNvPr id="1" name=""/>
+        <p:cNvGrpSpPr/>
+        <p:nvPr/>
+      </p:nvGrpSpPr>
+      <p:grpSpPr>
+        <a:xfrm>
+          <a:off x="0" y="0"/>
+          <a:ext cx="0" cy="0"/>
+          <a:chOff x="0" y="0"/>
+          <a:chExt cx="0" cy="0"/>
+        </a:xfrm>
+      </p:grpSpPr>
+      <p:sp>
+        <p:nvSpPr>
+          <p:cNvPr id="365" name="TextShape 1"/>
+          <p:cNvSpPr txBox="1"/>
+          <p:nvPr/>
+        </p:nvSpPr>
+        <p:spPr>
+          <a:xfrm>
+            <a:off x="720000" y="260640"/>
+            <a:ext cx="8183880" cy="661680"/>
+          </a:xfrm>
+          <a:prstGeom prst="rect">
+            <a:avLst/>
+          </a:prstGeom>
+          <a:noFill/>
+          <a:ln w="0">
+            <a:noFill/>
+          </a:ln>
+        </p:spPr>
+        <p:txBody>
+          <a:bodyPr lIns="0" tIns="0" rIns="0" bIns="0" anchor="b">
+            <a:noAutofit/>
+          </a:bodyPr>
+          <a:lstStyle/>
+          <a:p>
+            <a:pPr>
+              <a:lnSpc>
+                <a:spcPct val="100000"/>
+              </a:lnSpc>
+            </a:pPr>
+            <a:r>
+              <a:rPr lang="de-DE" sz="2200" b="1" strike="noStrike" spc="-1">
+                <a:solidFill>
+                  <a:srgbClr val="5073A5"/>
+                </a:solidFill>
+                <a:latin typeface="Frutiger LT Com 45 Light"/>
+              </a:rPr>
+              <a:t>Folie mit Agenda</a:t>
+            </a:r>
+            <a:endParaRPr lang="de-DE" sz="2200" b="0" strike="noStrike" spc="-1">
+              <a:solidFill>
+                <a:srgbClr val="000000"/>
+              </a:solidFill>
+              <a:latin typeface="Frutiger LT Com 45 Light"/>
+            </a:endParaRPr>
+          </a:p>
+        </p:txBody>
+      </p:sp>
+      <p:sp>
+        <p:nvSpPr>
+          <p:cNvPr id="366" name="TextShape 2"/>
+          <p:cNvSpPr txBox="1"/>
+          <p:nvPr/>
+        </p:nvSpPr>
+        <p:spPr>
+          <a:xfrm>
+            <a:off x="715680" y="1700640"/>
+            <a:ext cx="10803960" cy="4320000"/>
+          </a:xfrm>
+          <a:prstGeom prst="rect">
+            <a:avLst/>
+          </a:prstGeom>
+          <a:noFill/>
+          <a:ln w="0">
+            <a:noFill/>
+          </a:ln>
+        </p:spPr>
+        <p:txBody>
+          <a:bodyPr lIns="0" tIns="0" rIns="0" bIns="0">
+            <a:noAutofit/>
+          </a:bodyPr>
+          <a:lstStyle/>
+          <a:p>
+            <a:endParaRPr lang="de-DE" sz="1700" b="0" strike="noStrike" spc="-1">
+              <a:solidFill>
+                <a:srgbClr val="000000"/>
+              </a:solidFill>
+              <a:latin typeface="Frutiger LT Com 45 Light"/>
+            </a:endParaRPr>
+          </a:p>
+        </p:txBody>
+      </p:sp>
+      <p:sp>
+        <p:nvSpPr>
+          <p:cNvPr id="367" name="TextShape 3"/>
+          <p:cNvSpPr txBox="1"/>
+          <p:nvPr/>
+        </p:nvSpPr>
+        <p:spPr>
+          <a:xfrm>
+            <a:off x="1631520" y="6426000"/>
+            <a:ext cx="7272360" cy="240480"/>
+          </a:xfrm>
+          <a:prstGeom prst="rect">
+            <a:avLst/>
+          </a:prstGeom>
+          <a:noFill/>
+          <a:ln w="0">
+            <a:noFill/>
+          </a:ln>
+        </p:spPr>
+        <p:txBody>
+          <a:bodyPr lIns="0" tIns="0" rIns="0" bIns="0">
+            <a:noAutofit/>
+          </a:bodyPr>
+          <a:lstStyle/>
+          <a:p>
+            <a:pPr>
+              <a:lnSpc>
+                <a:spcPct val="100000"/>
+              </a:lnSpc>
+            </a:pPr>
+            <a:r>
+              <a:rPr lang="en-US" sz="900" b="0" strike="noStrike" spc="-1">
+                <a:solidFill>
+                  <a:srgbClr val="5073A5"/>
+                </a:solidFill>
+                <a:latin typeface="Frutiger LT Com 45 Light"/>
+              </a:rPr>
+              <a:t>Fußzeile</a:t>
+            </a:r>
+            <a:endParaRPr lang="de-DE" sz="900" b="0" strike="noStrike" spc="-1">
+              <a:latin typeface="Times New Roman"/>
+            </a:endParaRPr>
+          </a:p>
+        </p:txBody>
+      </p:sp>
+      <p:sp>
+        <p:nvSpPr>
+          <p:cNvPr id="368" name="TextShape 4"/>
+          <p:cNvSpPr txBox="1"/>
+          <p:nvPr/>
+        </p:nvSpPr>
+        <p:spPr>
+          <a:xfrm>
+            <a:off x="1055520" y="6426000"/>
+            <a:ext cx="553320" cy="240480"/>
+          </a:xfrm>
+          <a:prstGeom prst="rect">
+            <a:avLst/>
+          </a:prstGeom>
+          <a:noFill/>
+          <a:ln w="0">
+            <a:noFill/>
+          </a:ln>
+        </p:spPr>
+        <p:txBody>
+          <a:bodyPr lIns="0" tIns="0" rIns="0" bIns="0">
+            <a:noAutofit/>
+          </a:bodyPr>
+          <a:lstStyle/>
+          <a:p>
+            <a:pPr>
+              <a:lnSpc>
+                <a:spcPct val="100000"/>
+              </a:lnSpc>
+            </a:pPr>
+            <a:fld id="{564F56BD-C8EE-4DE2-BD40-0964940A191E}" type="slidenum">
+              <a:rPr lang="de-DE" sz="900" b="1" strike="noStrike" spc="-1">
+                <a:solidFill>
+                  <a:srgbClr val="5073A5"/>
+                </a:solidFill>
+                <a:latin typeface="Frutiger LT Com 45 Light"/>
+              </a:rPr>
+              <a:t>15</a:t>
+            </a:fld>
+            <a:endParaRPr lang="de-DE" sz="900" b="0" strike="noStrike" spc="-1">
+              <a:latin typeface="Times New Roman"/>
+            </a:endParaRPr>
+          </a:p>
+        </p:txBody>
+      </p:sp>
+      <p:sp>
+        <p:nvSpPr>
+          <p:cNvPr id="369" name="CustomShape 5"/>
           <p:cNvSpPr/>
           <p:nvPr/>
         </p:nvSpPr>
         <p:spPr>
           <a:xfrm>
-            <a:off x="1037520" y="1520640"/>
-            <a:ext cx="17640" cy="3816360"/>
+            <a:off x="1032480" y="1087560"/>
+            <a:ext cx="2495520" cy="272880"/>
+          </a:xfrm>
+          <a:prstGeom prst="rect">
+            <a:avLst/>
+          </a:prstGeom>
+          <a:noFill/>
+          <a:ln w="0">
+            <a:noFill/>
+          </a:ln>
+        </p:spPr>
+        <p:style>
+          <a:lnRef idx="0">
+            <a:scrgbClr r="0" g="0" b="0"/>
+          </a:lnRef>
+          <a:fillRef idx="0">
+            <a:scrgbClr r="0" g="0" b="0"/>
+          </a:fillRef>
+          <a:effectRef idx="0">
+            <a:scrgbClr r="0" g="0" b="0"/>
+          </a:effectRef>
+          <a:fontRef idx="minor"/>
+        </p:style>
+        <p:txBody>
+          <a:bodyPr lIns="90000" tIns="45000" rIns="90000" bIns="45000">
+            <a:spAutoFit/>
+          </a:bodyPr>
+          <a:lstStyle/>
+          <a:p>
+            <a:pPr algn="ctr">
+              <a:lnSpc>
+                <a:spcPct val="100000"/>
+              </a:lnSpc>
+            </a:pPr>
+            <a:r>
+              <a:rPr lang="de-DE" sz="1200" b="0" strike="noStrike" spc="-1">
+                <a:solidFill>
+                  <a:srgbClr val="000000"/>
+                </a:solidFill>
+                <a:latin typeface="Frutiger LT Com 45 Light"/>
+              </a:rPr>
+              <a:t>Thema 1</a:t>
+            </a:r>
+            <a:endParaRPr lang="de-DE" sz="1200" b="0" strike="noStrike" spc="-1">
+              <a:latin typeface="Arial"/>
+            </a:endParaRPr>
+          </a:p>
+        </p:txBody>
+      </p:sp>
+      <p:sp>
+        <p:nvSpPr>
+          <p:cNvPr id="370" name="CustomShape 6"/>
+          <p:cNvSpPr/>
+          <p:nvPr/>
+        </p:nvSpPr>
+        <p:spPr>
+          <a:xfrm>
+            <a:off x="3529080" y="1072080"/>
+            <a:ext cx="1631160" cy="272880"/>
+          </a:xfrm>
+          <a:prstGeom prst="rect">
+            <a:avLst/>
+          </a:prstGeom>
+          <a:noFill/>
+          <a:ln w="0">
+            <a:noFill/>
+          </a:ln>
+        </p:spPr>
+        <p:style>
+          <a:lnRef idx="0">
+            <a:scrgbClr r="0" g="0" b="0"/>
+          </a:lnRef>
+          <a:fillRef idx="0">
+            <a:scrgbClr r="0" g="0" b="0"/>
+          </a:fillRef>
+          <a:effectRef idx="0">
+            <a:scrgbClr r="0" g="0" b="0"/>
+          </a:effectRef>
+          <a:fontRef idx="minor"/>
+        </p:style>
+        <p:txBody>
+          <a:bodyPr lIns="90000" tIns="45000" rIns="90000" bIns="45000">
+            <a:spAutoFit/>
+          </a:bodyPr>
+          <a:lstStyle/>
+          <a:p>
+            <a:pPr algn="ctr">
+              <a:lnSpc>
+                <a:spcPct val="100000"/>
+              </a:lnSpc>
+            </a:pPr>
+            <a:r>
+              <a:rPr lang="de-DE" sz="1200" b="0" strike="noStrike" spc="-1">
+                <a:solidFill>
+                  <a:srgbClr val="B1B3B3"/>
+                </a:solidFill>
+                <a:latin typeface="Frutiger LT Com 45 Light"/>
+              </a:rPr>
+              <a:t>Aspekt 1</a:t>
+            </a:r>
+            <a:endParaRPr lang="de-DE" sz="1200" b="0" strike="noStrike" spc="-1">
+              <a:latin typeface="Arial"/>
+            </a:endParaRPr>
+          </a:p>
+        </p:txBody>
+      </p:sp>
+      <p:sp>
+        <p:nvSpPr>
+          <p:cNvPr id="371" name="CustomShape 7"/>
+          <p:cNvSpPr/>
+          <p:nvPr/>
+        </p:nvSpPr>
+        <p:spPr>
+          <a:xfrm>
+            <a:off x="5313240" y="1087560"/>
+            <a:ext cx="1383840" cy="272880"/>
+          </a:xfrm>
+          <a:prstGeom prst="rect">
+            <a:avLst/>
+          </a:prstGeom>
+          <a:noFill/>
+          <a:ln w="0">
+            <a:noFill/>
+          </a:ln>
+        </p:spPr>
+        <p:style>
+          <a:lnRef idx="0">
+            <a:scrgbClr r="0" g="0" b="0"/>
+          </a:lnRef>
+          <a:fillRef idx="0">
+            <a:scrgbClr r="0" g="0" b="0"/>
+          </a:fillRef>
+          <a:effectRef idx="0">
+            <a:scrgbClr r="0" g="0" b="0"/>
+          </a:effectRef>
+          <a:fontRef idx="minor"/>
+        </p:style>
+        <p:txBody>
+          <a:bodyPr lIns="90000" tIns="45000" rIns="90000" bIns="45000">
+            <a:spAutoFit/>
+          </a:bodyPr>
+          <a:lstStyle/>
+          <a:p>
+            <a:pPr>
+              <a:lnSpc>
+                <a:spcPct val="100000"/>
+              </a:lnSpc>
+            </a:pPr>
+            <a:r>
+              <a:rPr lang="de-DE" sz="1200" b="0" strike="noStrike" spc="-1">
+                <a:solidFill>
+                  <a:srgbClr val="B1B3B3"/>
+                </a:solidFill>
+                <a:latin typeface="Frutiger LT Com 45 Light"/>
+              </a:rPr>
+              <a:t>Aspekt 2</a:t>
+            </a:r>
+            <a:endParaRPr lang="de-DE" sz="1200" b="0" strike="noStrike" spc="-1">
+              <a:latin typeface="Arial"/>
+            </a:endParaRPr>
+          </a:p>
+        </p:txBody>
+      </p:sp>
+      <p:sp>
+        <p:nvSpPr>
+          <p:cNvPr id="372" name="CustomShape 8"/>
+          <p:cNvSpPr/>
+          <p:nvPr/>
+        </p:nvSpPr>
+        <p:spPr>
+          <a:xfrm>
+            <a:off x="8460000" y="1082880"/>
+            <a:ext cx="2172240" cy="272880"/>
+          </a:xfrm>
+          <a:prstGeom prst="rect">
+            <a:avLst/>
+          </a:prstGeom>
+          <a:noFill/>
+          <a:ln w="0">
+            <a:noFill/>
+          </a:ln>
+        </p:spPr>
+        <p:style>
+          <a:lnRef idx="0">
+            <a:scrgbClr r="0" g="0" b="0"/>
+          </a:lnRef>
+          <a:fillRef idx="0">
+            <a:scrgbClr r="0" g="0" b="0"/>
+          </a:fillRef>
+          <a:effectRef idx="0">
+            <a:scrgbClr r="0" g="0" b="0"/>
+          </a:effectRef>
+          <a:fontRef idx="minor"/>
+        </p:style>
+        <p:txBody>
+          <a:bodyPr lIns="90000" tIns="45000" rIns="90000" bIns="45000">
+            <a:spAutoFit/>
+          </a:bodyPr>
+          <a:lstStyle/>
+          <a:p>
+            <a:pPr algn="ctr">
+              <a:lnSpc>
+                <a:spcPct val="100000"/>
+              </a:lnSpc>
+            </a:pPr>
+            <a:r>
+              <a:rPr lang="de-DE" sz="1200" b="0" strike="noStrike" spc="-1">
+                <a:solidFill>
+                  <a:srgbClr val="B1B3B3"/>
+                </a:solidFill>
+                <a:latin typeface="Frutiger LT Com 45 Light"/>
+              </a:rPr>
+              <a:t>Thema 3</a:t>
+            </a:r>
+            <a:endParaRPr lang="de-DE" sz="1200" b="0" strike="noStrike" spc="-1">
+              <a:latin typeface="Arial"/>
+            </a:endParaRPr>
+          </a:p>
+        </p:txBody>
+      </p:sp>
+      <p:sp>
+        <p:nvSpPr>
+          <p:cNvPr id="373" name="Line 9"/>
+          <p:cNvSpPr/>
+          <p:nvPr/>
+        </p:nvSpPr>
+        <p:spPr>
+          <a:xfrm>
+            <a:off x="1079640" y="1395000"/>
+            <a:ext cx="9840600" cy="0"/>
           </a:xfrm>
           <a:prstGeom prst="line">
             <a:avLst/>
@@ -18655,14 +19785,14 @@
       </p:sp>
       <p:sp>
         <p:nvSpPr>
-          <p:cNvPr id="382" name="CustomShape 3"/>
+          <p:cNvPr id="374" name="CustomShape 10"/>
           <p:cNvSpPr/>
           <p:nvPr/>
         </p:nvSpPr>
         <p:spPr>
           <a:xfrm>
-            <a:off x="1145160" y="1746720"/>
-            <a:ext cx="4014360" cy="364680"/>
+            <a:off x="6876360" y="1072080"/>
+            <a:ext cx="1383840" cy="272880"/>
           </a:xfrm>
           <a:prstGeom prst="rect">
             <a:avLst/>
@@ -18696,15 +19826,15 @@
               </a:lnSpc>
             </a:pPr>
             <a:r>
-              <a:rPr lang="de-DE" sz="1800" b="0" strike="noStrike" spc="-1">
-                <a:solidFill>
-                  <a:srgbClr val="000000"/>
-                </a:solidFill>
-                <a:latin typeface="Frutiger LT Com 45 Light"/>
-              </a:rPr>
-              <a:t>Thema 1</a:t>
-            </a:r>
-            <a:endParaRPr lang="de-DE" sz="1800" b="0" strike="noStrike" spc="-1">
+              <a:rPr lang="de-DE" sz="1200" b="0" strike="noStrike" spc="-1">
+                <a:solidFill>
+                  <a:srgbClr val="B1B3B3"/>
+                </a:solidFill>
+                <a:latin typeface="Frutiger LT Com 45 Light"/>
+              </a:rPr>
+              <a:t>Aspekt 3</a:t>
+            </a:r>
+            <a:endParaRPr lang="de-DE" sz="1200" b="0" strike="noStrike" spc="-1">
               <a:latin typeface="Arial"/>
             </a:endParaRPr>
           </a:p>
@@ -18712,14 +19842,407 @@
       </p:sp>
       <p:sp>
         <p:nvSpPr>
-          <p:cNvPr id="383" name="CustomShape 4"/>
+          <p:cNvPr id="375" name="CustomShape 11"/>
           <p:cNvSpPr/>
           <p:nvPr/>
         </p:nvSpPr>
         <p:spPr>
           <a:xfrm>
-            <a:off x="1145160" y="2445120"/>
-            <a:ext cx="2286000" cy="364680"/>
+            <a:off x="1944000" y="1316520"/>
+            <a:ext cx="143640" cy="126000"/>
+          </a:xfrm>
+          <a:prstGeom prst="triangle">
+            <a:avLst>
+              <a:gd name="adj" fmla="val 50000"/>
+            </a:avLst>
+          </a:prstGeom>
+          <a:solidFill>
+            <a:srgbClr val="000000"/>
+          </a:solidFill>
+          <a:ln>
+            <a:noFill/>
+          </a:ln>
+        </p:spPr>
+        <p:style>
+          <a:lnRef idx="2">
+            <a:schemeClr val="dk1">
+              <a:shade val="50000"/>
+            </a:schemeClr>
+          </a:lnRef>
+          <a:fillRef idx="1">
+            <a:schemeClr val="dk1"/>
+          </a:fillRef>
+          <a:effectRef idx="0">
+            <a:schemeClr val="dk1"/>
+          </a:effectRef>
+          <a:fontRef idx="minor"/>
+        </p:style>
+      </p:sp>
+    </p:spTree>
+  </p:cSld>
+  <p:clrMapOvr>
+    <a:masterClrMapping/>
+  </p:clrMapOvr>
+  <p:transition spd="slow">
+    <p:fade/>
+  </p:transition>
+</p:sld>
+</file>
+
+<file path=ppt/slides/slide16.xml><?xml version="1.0" encoding="utf-8"?>
+<p:sld xmlns:a="http://schemas.openxmlformats.org/drawingml/2006/main" xmlns:r="http://schemas.openxmlformats.org/officeDocument/2006/relationships" xmlns:p="http://schemas.openxmlformats.org/presentationml/2006/main">
+  <p:cSld>
+    <p:spTree>
+      <p:nvGrpSpPr>
+        <p:cNvPr id="1" name=""/>
+        <p:cNvGrpSpPr/>
+        <p:nvPr/>
+      </p:nvGrpSpPr>
+      <p:grpSpPr>
+        <a:xfrm>
+          <a:off x="0" y="0"/>
+          <a:ext cx="0" cy="0"/>
+          <a:chOff x="0" y="0"/>
+          <a:chExt cx="0" cy="0"/>
+        </a:xfrm>
+      </p:grpSpPr>
+      <p:sp>
+        <p:nvSpPr>
+          <p:cNvPr id="376" name="TextShape 1"/>
+          <p:cNvSpPr txBox="1"/>
+          <p:nvPr/>
+        </p:nvSpPr>
+        <p:spPr>
+          <a:xfrm>
+            <a:off x="720000" y="260640"/>
+            <a:ext cx="8183880" cy="661680"/>
+          </a:xfrm>
+          <a:prstGeom prst="rect">
+            <a:avLst/>
+          </a:prstGeom>
+          <a:noFill/>
+          <a:ln w="0">
+            <a:noFill/>
+          </a:ln>
+        </p:spPr>
+        <p:txBody>
+          <a:bodyPr lIns="0" tIns="0" rIns="0" bIns="0" anchor="b">
+            <a:noAutofit/>
+          </a:bodyPr>
+          <a:lstStyle/>
+          <a:p>
+            <a:endParaRPr lang="de-DE" sz="1800" b="0" strike="noStrike" spc="-1">
+              <a:solidFill>
+                <a:srgbClr val="000000"/>
+              </a:solidFill>
+              <a:latin typeface="Frutiger LT Com 45 Light"/>
+            </a:endParaRPr>
+          </a:p>
+        </p:txBody>
+      </p:sp>
+      <p:sp>
+        <p:nvSpPr>
+          <p:cNvPr id="377" name="TextShape 2"/>
+          <p:cNvSpPr txBox="1"/>
+          <p:nvPr/>
+        </p:nvSpPr>
+        <p:spPr>
+          <a:xfrm>
+            <a:off x="715680" y="1700640"/>
+            <a:ext cx="10803960" cy="4320000"/>
+          </a:xfrm>
+          <a:prstGeom prst="rect">
+            <a:avLst/>
+          </a:prstGeom>
+          <a:noFill/>
+          <a:ln w="0">
+            <a:noFill/>
+          </a:ln>
+        </p:spPr>
+        <p:txBody>
+          <a:bodyPr lIns="0" tIns="0" rIns="0" bIns="0">
+            <a:noAutofit/>
+          </a:bodyPr>
+          <a:lstStyle/>
+          <a:p>
+            <a:endParaRPr lang="de-DE" sz="1700" b="0" strike="noStrike" spc="-1">
+              <a:solidFill>
+                <a:srgbClr val="000000"/>
+              </a:solidFill>
+              <a:latin typeface="Frutiger LT Com 45 Light"/>
+            </a:endParaRPr>
+          </a:p>
+        </p:txBody>
+      </p:sp>
+      <p:sp>
+        <p:nvSpPr>
+          <p:cNvPr id="378" name="TextShape 3"/>
+          <p:cNvSpPr txBox="1"/>
+          <p:nvPr/>
+        </p:nvSpPr>
+        <p:spPr>
+          <a:xfrm>
+            <a:off x="1631520" y="6426000"/>
+            <a:ext cx="7272360" cy="240480"/>
+          </a:xfrm>
+          <a:prstGeom prst="rect">
+            <a:avLst/>
+          </a:prstGeom>
+          <a:noFill/>
+          <a:ln w="0">
+            <a:noFill/>
+          </a:ln>
+        </p:spPr>
+        <p:txBody>
+          <a:bodyPr lIns="0" tIns="0" rIns="0" bIns="0">
+            <a:noAutofit/>
+          </a:bodyPr>
+          <a:lstStyle/>
+          <a:p>
+            <a:pPr>
+              <a:lnSpc>
+                <a:spcPct val="100000"/>
+              </a:lnSpc>
+            </a:pPr>
+            <a:r>
+              <a:rPr lang="en-US" sz="900" b="0" strike="noStrike" spc="-1">
+                <a:solidFill>
+                  <a:srgbClr val="5073A5"/>
+                </a:solidFill>
+                <a:latin typeface="Frutiger LT Com 45 Light"/>
+              </a:rPr>
+              <a:t>Fußzeile</a:t>
+            </a:r>
+            <a:endParaRPr lang="de-DE" sz="900" b="0" strike="noStrike" spc="-1">
+              <a:latin typeface="Times New Roman"/>
+            </a:endParaRPr>
+          </a:p>
+        </p:txBody>
+      </p:sp>
+      <p:sp>
+        <p:nvSpPr>
+          <p:cNvPr id="379" name="TextShape 4"/>
+          <p:cNvSpPr txBox="1"/>
+          <p:nvPr/>
+        </p:nvSpPr>
+        <p:spPr>
+          <a:xfrm>
+            <a:off x="1055520" y="6426000"/>
+            <a:ext cx="553320" cy="240480"/>
+          </a:xfrm>
+          <a:prstGeom prst="rect">
+            <a:avLst/>
+          </a:prstGeom>
+          <a:noFill/>
+          <a:ln w="0">
+            <a:noFill/>
+          </a:ln>
+        </p:spPr>
+        <p:txBody>
+          <a:bodyPr lIns="0" tIns="0" rIns="0" bIns="0">
+            <a:noAutofit/>
+          </a:bodyPr>
+          <a:lstStyle/>
+          <a:p>
+            <a:pPr>
+              <a:lnSpc>
+                <a:spcPct val="100000"/>
+              </a:lnSpc>
+            </a:pPr>
+            <a:fld id="{A166BCBF-12C0-4AD0-A267-CFCE4CA92B89}" type="slidenum">
+              <a:rPr lang="de-DE" sz="900" b="1" strike="noStrike" spc="-1">
+                <a:solidFill>
+                  <a:srgbClr val="5073A5"/>
+                </a:solidFill>
+                <a:latin typeface="Frutiger LT Com 45 Light"/>
+              </a:rPr>
+              <a:t>16</a:t>
+            </a:fld>
+            <a:endParaRPr lang="de-DE" sz="900" b="0" strike="noStrike" spc="-1">
+              <a:latin typeface="Times New Roman"/>
+            </a:endParaRPr>
+          </a:p>
+        </p:txBody>
+      </p:sp>
+    </p:spTree>
+  </p:cSld>
+  <p:clrMapOvr>
+    <a:masterClrMapping/>
+  </p:clrMapOvr>
+</p:sld>
+</file>
+
+<file path=ppt/slides/slide17.xml><?xml version="1.0" encoding="utf-8"?>
+<p:sld xmlns:a="http://schemas.openxmlformats.org/drawingml/2006/main" xmlns:r="http://schemas.openxmlformats.org/officeDocument/2006/relationships" xmlns:p="http://schemas.openxmlformats.org/presentationml/2006/main">
+  <p:cSld>
+    <p:spTree>
+      <p:nvGrpSpPr>
+        <p:cNvPr id="1" name=""/>
+        <p:cNvGrpSpPr/>
+        <p:nvPr/>
+      </p:nvGrpSpPr>
+      <p:grpSpPr>
+        <a:xfrm>
+          <a:off x="0" y="0"/>
+          <a:ext cx="0" cy="0"/>
+          <a:chOff x="0" y="0"/>
+          <a:chExt cx="0" cy="0"/>
+        </a:xfrm>
+      </p:grpSpPr>
+      <p:sp>
+        <p:nvSpPr>
+          <p:cNvPr id="380" name="TextShape 1"/>
+          <p:cNvSpPr txBox="1"/>
+          <p:nvPr/>
+        </p:nvSpPr>
+        <p:spPr>
+          <a:xfrm>
+            <a:off x="8859240" y="2148480"/>
+            <a:ext cx="3213000" cy="2132280"/>
+          </a:xfrm>
+          <a:prstGeom prst="rect">
+            <a:avLst/>
+          </a:prstGeom>
+          <a:noFill/>
+          <a:ln w="0">
+            <a:noFill/>
+          </a:ln>
+        </p:spPr>
+        <p:txBody>
+          <a:bodyPr lIns="0" tIns="0" rIns="0" bIns="0">
+            <a:noAutofit/>
+          </a:bodyPr>
+          <a:lstStyle/>
+          <a:p>
+            <a:pPr>
+              <a:lnSpc>
+                <a:spcPct val="100000"/>
+              </a:lnSpc>
+              <a:spcBef>
+                <a:spcPts val="561"/>
+              </a:spcBef>
+              <a:tabLst>
+                <a:tab pos="0" algn="l"/>
+              </a:tabLst>
+            </a:pPr>
+            <a:r>
+              <a:rPr lang="de-DE" sz="2800" b="0" strike="noStrike" spc="-1">
+                <a:solidFill>
+                  <a:srgbClr val="FFFFFF"/>
+                </a:solidFill>
+                <a:latin typeface="Frutiger LT Com 45 Light"/>
+              </a:rPr>
+              <a:t>Anne Koch</a:t>
+            </a:r>
+            <a:endParaRPr lang="de-DE" sz="2800" b="0" strike="noStrike" spc="-1">
+              <a:solidFill>
+                <a:srgbClr val="000000"/>
+              </a:solidFill>
+              <a:latin typeface="Frutiger LT Com 45 Light"/>
+            </a:endParaRPr>
+          </a:p>
+          <a:p>
+            <a:pPr>
+              <a:lnSpc>
+                <a:spcPct val="100000"/>
+              </a:lnSpc>
+              <a:spcBef>
+                <a:spcPts val="561"/>
+              </a:spcBef>
+              <a:tabLst>
+                <a:tab pos="0" algn="l"/>
+              </a:tabLst>
+            </a:pPr>
+            <a:r>
+              <a:rPr lang="de-DE" sz="2800" b="0" strike="noStrike" spc="-1">
+                <a:solidFill>
+                  <a:srgbClr val="FFFFFF"/>
+                </a:solidFill>
+                <a:latin typeface="Frutiger LT Com 45 Light"/>
+              </a:rPr>
+              <a:t>Clara Jansen</a:t>
+            </a:r>
+            <a:endParaRPr lang="de-DE" sz="2800" b="0" strike="noStrike" spc="-1">
+              <a:solidFill>
+                <a:srgbClr val="000000"/>
+              </a:solidFill>
+              <a:latin typeface="Frutiger LT Com 45 Light"/>
+            </a:endParaRPr>
+          </a:p>
+          <a:p>
+            <a:pPr>
+              <a:lnSpc>
+                <a:spcPct val="100000"/>
+              </a:lnSpc>
+              <a:spcBef>
+                <a:spcPts val="561"/>
+              </a:spcBef>
+              <a:tabLst>
+                <a:tab pos="0" algn="l"/>
+              </a:tabLst>
+            </a:pPr>
+            <a:r>
+              <a:rPr lang="de-DE" sz="2800" b="0" strike="noStrike" spc="-1">
+                <a:solidFill>
+                  <a:srgbClr val="FFFFFF"/>
+                </a:solidFill>
+                <a:latin typeface="Frutiger LT Com 45 Light"/>
+              </a:rPr>
+              <a:t>Dietrich Tönnies</a:t>
+            </a:r>
+            <a:endParaRPr lang="de-DE" sz="2800" b="0" strike="noStrike" spc="-1">
+              <a:solidFill>
+                <a:srgbClr val="000000"/>
+              </a:solidFill>
+              <a:latin typeface="Frutiger LT Com 45 Light"/>
+            </a:endParaRPr>
+          </a:p>
+        </p:txBody>
+      </p:sp>
+      <p:sp>
+        <p:nvSpPr>
+          <p:cNvPr id="381" name="Line 2"/>
+          <p:cNvSpPr/>
+          <p:nvPr/>
+        </p:nvSpPr>
+        <p:spPr>
+          <a:xfrm>
+            <a:off x="1037520" y="1520640"/>
+            <a:ext cx="17640" cy="3816360"/>
+          </a:xfrm>
+          <a:prstGeom prst="line">
+            <a:avLst/>
+          </a:prstGeom>
+          <a:ln>
+            <a:solidFill>
+              <a:srgbClr val="000000"/>
+            </a:solidFill>
+            <a:round/>
+          </a:ln>
+        </p:spPr>
+        <p:style>
+          <a:lnRef idx="1">
+            <a:schemeClr val="dk1"/>
+          </a:lnRef>
+          <a:fillRef idx="0">
+            <a:schemeClr val="dk1"/>
+          </a:fillRef>
+          <a:effectRef idx="0">
+            <a:schemeClr val="dk1"/>
+          </a:effectRef>
+          <a:fontRef idx="minor"/>
+        </p:style>
+      </p:sp>
+      <p:sp>
+        <p:nvSpPr>
+          <p:cNvPr id="382" name="CustomShape 3"/>
+          <p:cNvSpPr/>
+          <p:nvPr/>
+        </p:nvSpPr>
+        <p:spPr>
+          <a:xfrm>
+            <a:off x="1145160" y="1746720"/>
+            <a:ext cx="4014360" cy="364680"/>
           </a:xfrm>
           <a:prstGeom prst="rect">
             <a:avLst/>
@@ -18759,7 +20282,7 @@
                 </a:solidFill>
                 <a:latin typeface="Frutiger LT Com 45 Light"/>
               </a:rPr>
-              <a:t>Thema 2</a:t>
+              <a:t>Thema 1</a:t>
             </a:r>
             <a:endParaRPr lang="de-DE" sz="1800" b="0" strike="noStrike" spc="-1">
               <a:latin typeface="Arial"/>
@@ -18769,14 +20292,14 @@
       </p:sp>
       <p:sp>
         <p:nvSpPr>
-          <p:cNvPr id="384" name="CustomShape 5"/>
+          <p:cNvPr id="383" name="CustomShape 4"/>
           <p:cNvSpPr/>
           <p:nvPr/>
         </p:nvSpPr>
         <p:spPr>
           <a:xfrm>
-            <a:off x="1131480" y="4281120"/>
-            <a:ext cx="3654360" cy="364680"/>
+            <a:off x="1145160" y="2445120"/>
+            <a:ext cx="2286000" cy="364680"/>
           </a:xfrm>
           <a:prstGeom prst="rect">
             <a:avLst/>
@@ -18816,7 +20339,7 @@
                 </a:solidFill>
                 <a:latin typeface="Frutiger LT Com 45 Light"/>
               </a:rPr>
-              <a:t>Thema 3</a:t>
+              <a:t>Thema 2</a:t>
             </a:r>
             <a:endParaRPr lang="de-DE" sz="1800" b="0" strike="noStrike" spc="-1">
               <a:latin typeface="Arial"/>
@@ -18826,14 +20349,14 @@
       </p:sp>
       <p:sp>
         <p:nvSpPr>
-          <p:cNvPr id="385" name="CustomShape 6"/>
+          <p:cNvPr id="384" name="CustomShape 5"/>
           <p:cNvSpPr/>
           <p:nvPr/>
         </p:nvSpPr>
         <p:spPr>
           <a:xfrm>
-            <a:off x="1487520" y="3219840"/>
-            <a:ext cx="2286000" cy="364680"/>
+            <a:off x="1131480" y="4281120"/>
+            <a:ext cx="3654360" cy="364680"/>
           </a:xfrm>
           <a:prstGeom prst="rect">
             <a:avLst/>
@@ -18873,7 +20396,7 @@
                 </a:solidFill>
                 <a:latin typeface="Frutiger LT Com 45 Light"/>
               </a:rPr>
-              <a:t>Aspekt 2</a:t>
+              <a:t>Thema 3</a:t>
             </a:r>
             <a:endParaRPr lang="de-DE" sz="1800" b="0" strike="noStrike" spc="-1">
               <a:latin typeface="Arial"/>
@@ -18883,13 +20406,13 @@
       </p:sp>
       <p:sp>
         <p:nvSpPr>
-          <p:cNvPr id="386" name="CustomShape 7"/>
+          <p:cNvPr id="385" name="CustomShape 6"/>
           <p:cNvSpPr/>
           <p:nvPr/>
         </p:nvSpPr>
         <p:spPr>
           <a:xfrm>
-            <a:off x="1487520" y="2814120"/>
+            <a:off x="1487520" y="3219840"/>
             <a:ext cx="2286000" cy="364680"/>
           </a:xfrm>
           <a:prstGeom prst="rect">
@@ -18930,7 +20453,7 @@
                 </a:solidFill>
                 <a:latin typeface="Frutiger LT Com 45 Light"/>
               </a:rPr>
-              <a:t>Aspekt 1</a:t>
+              <a:t>Aspekt 2</a:t>
             </a:r>
             <a:endParaRPr lang="de-DE" sz="1800" b="0" strike="noStrike" spc="-1">
               <a:latin typeface="Arial"/>
@@ -18940,13 +20463,13 @@
       </p:sp>
       <p:sp>
         <p:nvSpPr>
-          <p:cNvPr id="387" name="CustomShape 8"/>
+          <p:cNvPr id="386" name="CustomShape 7"/>
           <p:cNvSpPr/>
           <p:nvPr/>
         </p:nvSpPr>
         <p:spPr>
           <a:xfrm>
-            <a:off x="1487520" y="3625560"/>
+            <a:off x="1487520" y="2814120"/>
             <a:ext cx="2286000" cy="364680"/>
           </a:xfrm>
           <a:prstGeom prst="rect">
@@ -18987,6 +20510,63 @@
                 </a:solidFill>
                 <a:latin typeface="Frutiger LT Com 45 Light"/>
               </a:rPr>
+              <a:t>Aspekt 1</a:t>
+            </a:r>
+            <a:endParaRPr lang="de-DE" sz="1800" b="0" strike="noStrike" spc="-1">
+              <a:latin typeface="Arial"/>
+            </a:endParaRPr>
+          </a:p>
+        </p:txBody>
+      </p:sp>
+      <p:sp>
+        <p:nvSpPr>
+          <p:cNvPr id="387" name="CustomShape 8"/>
+          <p:cNvSpPr/>
+          <p:nvPr/>
+        </p:nvSpPr>
+        <p:spPr>
+          <a:xfrm>
+            <a:off x="1487520" y="3625560"/>
+            <a:ext cx="2286000" cy="364680"/>
+          </a:xfrm>
+          <a:prstGeom prst="rect">
+            <a:avLst/>
+          </a:prstGeom>
+          <a:noFill/>
+          <a:ln w="0">
+            <a:noFill/>
+          </a:ln>
+        </p:spPr>
+        <p:style>
+          <a:lnRef idx="0">
+            <a:scrgbClr r="0" g="0" b="0"/>
+          </a:lnRef>
+          <a:fillRef idx="0">
+            <a:scrgbClr r="0" g="0" b="0"/>
+          </a:fillRef>
+          <a:effectRef idx="0">
+            <a:scrgbClr r="0" g="0" b="0"/>
+          </a:effectRef>
+          <a:fontRef idx="minor"/>
+        </p:style>
+        <p:txBody>
+          <a:bodyPr lIns="90000" tIns="45000" rIns="90000" bIns="45000">
+            <a:spAutoFit/>
+          </a:bodyPr>
+          <a:lstStyle/>
+          <a:p>
+            <a:pPr>
+              <a:lnSpc>
+                <a:spcPct val="100000"/>
+              </a:lnSpc>
+            </a:pPr>
+            <a:r>
+              <a:rPr lang="de-DE" sz="1800" b="0" strike="noStrike" spc="-1">
+                <a:solidFill>
+                  <a:srgbClr val="000000"/>
+                </a:solidFill>
+                <a:latin typeface="Frutiger LT Com 45 Light"/>
+              </a:rPr>
               <a:t>Aspekt 3</a:t>
             </a:r>
             <a:endParaRPr lang="de-DE" sz="1800" b="0" strike="noStrike" spc="-1">
@@ -19006,7 +20586,7 @@
 </p:sld>
 </file>
 
-<file path=ppt/slides/slide13.xml><?xml version="1.0" encoding="utf-8"?>
+<file path=ppt/slides/slide18.xml><?xml version="1.0" encoding="utf-8"?>
 <p:sld xmlns:a="http://schemas.openxmlformats.org/drawingml/2006/main" xmlns:r="http://schemas.openxmlformats.org/officeDocument/2006/relationships" xmlns:p="http://schemas.openxmlformats.org/presentationml/2006/main">
   <p:cSld>
     <p:spTree>
@@ -19950,8 +21530,8 @@
         </p:nvSpPr>
         <p:spPr>
           <a:xfrm>
-            <a:off x="720000" y="1196640"/>
-            <a:ext cx="10128240" cy="364680"/>
+            <a:off x="1608840" y="1898538"/>
+            <a:ext cx="9197442" cy="3060923"/>
           </a:xfrm>
           <a:prstGeom prst="rect">
             <a:avLst/>
@@ -19974,28 +21554,183 @@
           <a:fontRef idx="minor"/>
         </p:style>
         <p:txBody>
-          <a:bodyPr lIns="90000" tIns="45000" rIns="90000" bIns="45000">
+          <a:bodyPr wrap="square" lIns="90000" tIns="45000" rIns="90000" bIns="45000">
             <a:spAutoFit/>
           </a:bodyPr>
           <a:lstStyle/>
           <a:p>
-            <a:pPr>
+            <a:pPr marL="285750" indent="-285750">
               <a:lnSpc>
                 <a:spcPct val="100000"/>
               </a:lnSpc>
+              <a:spcBef>
+                <a:spcPts val="600"/>
+              </a:spcBef>
+              <a:buFont typeface="Arial" panose="020B0604020202020204" pitchFamily="34" charset="0"/>
+              <a:buChar char="•"/>
             </a:pPr>
             <a:r>
-              <a:rPr lang="de-DE" sz="1800" b="0" strike="noStrike" spc="-1">
+              <a:rPr lang="de-DE" sz="2400" b="0" strike="noStrike" spc="-1" dirty="0">
                 <a:solidFill>
                   <a:srgbClr val="000000"/>
                 </a:solidFill>
                 <a:latin typeface="Frutiger LT Com 45 Light"/>
               </a:rPr>
-              <a:t>Automatische Erstellung einer Wissensrepräsentation aus einem medizinischen Text</a:t>
-            </a:r>
-            <a:endParaRPr lang="de-DE" sz="1800" b="0" strike="noStrike" spc="-1">
-              <a:latin typeface="Arial"/>
-            </a:endParaRPr>
+              <a:t>Automatische Erstellung einer Wissensrepräsentation aus einem medizinischen Text (als Grundlage für einen Chatbot)</a:t>
+            </a:r>
+          </a:p>
+          <a:p>
+            <a:pPr marL="285750" indent="-285750">
+              <a:lnSpc>
+                <a:spcPct val="100000"/>
+              </a:lnSpc>
+              <a:spcBef>
+                <a:spcPts val="600"/>
+              </a:spcBef>
+              <a:buFont typeface="Arial" panose="020B0604020202020204" pitchFamily="34" charset="0"/>
+              <a:buChar char="•"/>
+            </a:pPr>
+            <a:r>
+              <a:rPr lang="de-DE" sz="2400" spc="-1" dirty="0">
+                <a:solidFill>
+                  <a:srgbClr val="000000"/>
+                </a:solidFill>
+                <a:latin typeface="Frutiger LT Com 45 Light"/>
+              </a:rPr>
+              <a:t>Wissensrepräsentation im RDF-Format</a:t>
+            </a:r>
+          </a:p>
+          <a:p>
+            <a:pPr marL="285750" indent="-285750">
+              <a:lnSpc>
+                <a:spcPct val="100000"/>
+              </a:lnSpc>
+              <a:spcBef>
+                <a:spcPts val="600"/>
+              </a:spcBef>
+              <a:buFont typeface="Arial" panose="020B0604020202020204" pitchFamily="34" charset="0"/>
+              <a:buChar char="•"/>
+            </a:pPr>
+            <a:r>
+              <a:rPr lang="de-DE" sz="2400" b="0" strike="noStrike" spc="-1" dirty="0">
+                <a:solidFill>
+                  <a:srgbClr val="000000"/>
+                </a:solidFill>
+                <a:latin typeface="Frutiger LT Com 45 Light"/>
+              </a:rPr>
+              <a:t>Konsolenapplikation in Python</a:t>
+            </a:r>
+          </a:p>
+          <a:p>
+            <a:pPr marL="285750" indent="-285750">
+              <a:lnSpc>
+                <a:spcPct val="100000"/>
+              </a:lnSpc>
+              <a:spcBef>
+                <a:spcPts val="600"/>
+              </a:spcBef>
+              <a:buFont typeface="Arial" panose="020B0604020202020204" pitchFamily="34" charset="0"/>
+              <a:buChar char="•"/>
+            </a:pPr>
+            <a:r>
+              <a:rPr lang="de-DE" sz="2400" b="0" strike="noStrike" spc="-1" dirty="0">
+                <a:solidFill>
+                  <a:srgbClr val="000000"/>
+                </a:solidFill>
+                <a:latin typeface="Frutiger LT Com 45 Light"/>
+              </a:rPr>
+              <a:t>Natural Language Processing (NLP)-Bibliothek </a:t>
+            </a:r>
+            <a:r>
+              <a:rPr lang="de-DE" sz="2400" b="0" i="1" strike="noStrike" spc="-1" dirty="0" err="1">
+                <a:solidFill>
+                  <a:srgbClr val="000000"/>
+                </a:solidFill>
+                <a:latin typeface="Frutiger LT Com 45 Light"/>
+              </a:rPr>
+              <a:t>spaCy</a:t>
+            </a:r>
+            <a:r>
+              <a:rPr lang="de-DE" sz="2400" b="0" i="1" strike="noStrike" spc="-1" dirty="0">
+                <a:solidFill>
+                  <a:srgbClr val="000000"/>
+                </a:solidFill>
+                <a:latin typeface="Frutiger LT Com 45 Light"/>
+              </a:rPr>
+              <a:t> </a:t>
+            </a:r>
+          </a:p>
+          <a:p>
+            <a:pPr marL="285750" indent="-285750">
+              <a:lnSpc>
+                <a:spcPct val="100000"/>
+              </a:lnSpc>
+              <a:spcBef>
+                <a:spcPts val="600"/>
+              </a:spcBef>
+              <a:buFont typeface="Arial" panose="020B0604020202020204" pitchFamily="34" charset="0"/>
+              <a:buChar char="•"/>
+            </a:pPr>
+            <a:r>
+              <a:rPr lang="de-DE" sz="2400" b="0" strike="noStrike" spc="-1" dirty="0">
+                <a:latin typeface="Frutiger LT Com 45 Light"/>
+              </a:rPr>
+              <a:t>Nutzung des </a:t>
+            </a:r>
+            <a:r>
+              <a:rPr lang="de-DE" sz="2400" b="0" i="1" strike="noStrike" spc="-1" dirty="0" err="1">
+                <a:latin typeface="Frutiger LT Com 45 Light"/>
+              </a:rPr>
+              <a:t>Named</a:t>
+            </a:r>
+            <a:r>
+              <a:rPr lang="de-DE" sz="2400" b="0" i="1" strike="noStrike" spc="-1" dirty="0">
+                <a:latin typeface="Frutiger LT Com 45 Light"/>
+              </a:rPr>
+              <a:t> Entity Recognition</a:t>
+            </a:r>
+            <a:r>
+              <a:rPr lang="de-DE" sz="2400" b="0" strike="noStrike" spc="-1" dirty="0">
+                <a:latin typeface="Frutiger LT Com 45 Light"/>
+              </a:rPr>
+              <a:t>-Verfahren</a:t>
+            </a:r>
+          </a:p>
+          <a:p>
+            <a:pPr marL="285750" indent="-285750">
+              <a:lnSpc>
+                <a:spcPct val="100000"/>
+              </a:lnSpc>
+              <a:spcBef>
+                <a:spcPts val="600"/>
+              </a:spcBef>
+              <a:buFont typeface="Arial" panose="020B0604020202020204" pitchFamily="34" charset="0"/>
+              <a:buChar char="•"/>
+            </a:pPr>
+            <a:r>
+              <a:rPr lang="de-DE" sz="2400" b="0" strike="noStrike" spc="-1" dirty="0">
+                <a:latin typeface="Frutiger LT Com 45 Light"/>
+              </a:rPr>
+              <a:t>Trainingsvokabular für </a:t>
+            </a:r>
+            <a:r>
+              <a:rPr lang="de-DE" sz="2400" b="0" i="1" strike="noStrike" spc="-1" dirty="0" err="1">
+                <a:latin typeface="Frutiger LT Com 45 Light"/>
+              </a:rPr>
+              <a:t>Named</a:t>
+            </a:r>
+            <a:r>
+              <a:rPr lang="de-DE" sz="2400" b="0" i="1" strike="noStrike" spc="-1" dirty="0">
+                <a:latin typeface="Frutiger LT Com 45 Light"/>
+              </a:rPr>
+              <a:t> Entity Recognition</a:t>
+            </a:r>
+            <a:r>
+              <a:rPr lang="de-DE" sz="2400" b="0" strike="noStrike" spc="-1" dirty="0">
+                <a:latin typeface="Frutiger LT Com 45 Light"/>
+              </a:rPr>
+              <a:t> finden / aufbereiten</a:t>
+            </a:r>
           </a:p>
         </p:txBody>
       </p:sp>
@@ -20026,7 +21761,7 @@
       </p:grpSpPr>
       <p:sp>
         <p:nvSpPr>
-          <p:cNvPr id="350" name="TextShape 1"/>
+          <p:cNvPr id="346" name="TextShape 1"/>
           <p:cNvSpPr txBox="1"/>
           <p:nvPr/>
         </p:nvSpPr>
@@ -20071,7 +21806,7 @@
       </p:sp>
       <p:sp>
         <p:nvSpPr>
-          <p:cNvPr id="351" name="TextShape 2"/>
+          <p:cNvPr id="347" name="TextShape 2"/>
           <p:cNvSpPr txBox="1"/>
           <p:nvPr/>
         </p:nvSpPr>
@@ -20099,7 +21834,7 @@
                 <a:spcPct val="100000"/>
               </a:lnSpc>
             </a:pPr>
-            <a:fld id="{4AAE7838-D0A7-41A9-880C-F3895D508CFD}" type="slidenum">
+            <a:fld id="{70F38376-4304-4895-A509-0FB3E27C3C74}" type="slidenum">
               <a:rPr lang="de-DE" sz="900" b="1" strike="noStrike" spc="-1">
                 <a:solidFill>
                   <a:srgbClr val="5073A5"/>
@@ -20116,7 +21851,7 @@
       </p:sp>
       <p:sp>
         <p:nvSpPr>
-          <p:cNvPr id="352" name="TextShape 3"/>
+          <p:cNvPr id="348" name="TextShape 3"/>
           <p:cNvSpPr txBox="1"/>
           <p:nvPr/>
         </p:nvSpPr>
@@ -20145,24 +21880,398 @@
               </a:lnSpc>
             </a:pPr>
             <a:r>
-              <a:rPr lang="de-DE" sz="2200" b="1" strike="noStrike" spc="-1">
+              <a:rPr lang="de-DE" sz="2200" b="1" strike="noStrike" spc="-1" dirty="0">
                 <a:solidFill>
                   <a:srgbClr val="5073A5"/>
                 </a:solidFill>
                 <a:latin typeface="Frutiger LT Com 45 Light"/>
               </a:rPr>
-              <a:t>Probleme</a:t>
-            </a:r>
-            <a:endParaRPr lang="de-DE" sz="2200" b="0" strike="noStrike" spc="-1">
-              <a:solidFill>
-                <a:srgbClr val="000000"/>
-              </a:solidFill>
-              <a:latin typeface="Frutiger LT Com 45 Light"/>
-            </a:endParaRPr>
+              <a:t>Konkrete Zielsetzung: Krankheiten und Symptome</a:t>
+            </a:r>
+            <a:endParaRPr lang="de-DE" sz="2200" b="0" strike="noStrike" spc="-1" dirty="0">
+              <a:solidFill>
+                <a:srgbClr val="000000"/>
+              </a:solidFill>
+              <a:latin typeface="Frutiger LT Com 45 Light"/>
+            </a:endParaRPr>
+          </a:p>
+        </p:txBody>
+      </p:sp>
+      <p:sp>
+        <p:nvSpPr>
+          <p:cNvPr id="2" name="Textfeld 1">
+            <a:extLst>
+              <a:ext uri="{FF2B5EF4-FFF2-40B4-BE49-F238E27FC236}">
+                <a16:creationId xmlns:a16="http://schemas.microsoft.com/office/drawing/2014/main" id="{14C939DB-B3F4-C9B4-24FA-BCA8B18C5A56}"/>
+              </a:ext>
+            </a:extLst>
+          </p:cNvPr>
+          <p:cNvSpPr txBox="1"/>
+          <p:nvPr/>
+        </p:nvSpPr>
+        <p:spPr>
+          <a:xfrm>
+            <a:off x="720000" y="1391692"/>
+            <a:ext cx="3656791" cy="4401205"/>
+          </a:xfrm>
+          <a:prstGeom prst="rect">
+            <a:avLst/>
+          </a:prstGeom>
+          <a:solidFill>
+            <a:schemeClr val="bg1"/>
+          </a:solidFill>
+          <a:ln>
+            <a:solidFill>
+              <a:schemeClr val="tx1"/>
+            </a:solidFill>
+            <a:prstDash val="sysDash"/>
+          </a:ln>
+          <a:effectLst>
+            <a:outerShdw blurRad="50800" dist="38100" dir="2700000" algn="tl" rotWithShape="0">
+              <a:prstClr val="black">
+                <a:alpha val="40000"/>
+              </a:prstClr>
+            </a:outerShdw>
+          </a:effectLst>
+        </p:spPr>
+        <p:txBody>
+          <a:bodyPr wrap="square" rtlCol="0">
+            <a:spAutoFit/>
+          </a:bodyPr>
+          <a:lstStyle/>
+          <a:p>
+            <a:r>
+              <a:rPr lang="en-US" sz="800" dirty="0"/>
+              <a:t>Symptoms - Clinical depression</a:t>
+            </a:r>
+          </a:p>
+          <a:p>
+            <a:endParaRPr lang="en-US" sz="800" dirty="0"/>
+          </a:p>
+          <a:p>
+            <a:r>
+              <a:rPr lang="en-US" sz="800" dirty="0"/>
+              <a:t>The symptoms of depression can be complex and vary widely between people. If you're depressed, you may feel sad, hopeless and lose interest in things you used to enjoy. The symptoms persist for weeks or months and are bad enough to interfere with your work, social life and family life. There are many other symptoms of this disease and you're unlikely to have all of those listed on this page.</a:t>
+            </a:r>
+          </a:p>
+          <a:p>
+            <a:endParaRPr lang="en-US" sz="800" dirty="0"/>
+          </a:p>
+          <a:p>
+            <a:r>
+              <a:rPr lang="en-US" sz="800" dirty="0"/>
+              <a:t>Psychological symptoms</a:t>
+            </a:r>
+          </a:p>
+          <a:p>
+            <a:endParaRPr lang="en-US" sz="800" dirty="0"/>
+          </a:p>
+          <a:p>
+            <a:r>
+              <a:rPr lang="en-US" sz="800" dirty="0"/>
+              <a:t>The psychological symptoms of depression include:</a:t>
+            </a:r>
+          </a:p>
+          <a:p>
+            <a:r>
+              <a:rPr lang="en-US" sz="800" dirty="0"/>
+              <a:t>- continuous low mood or sadness</a:t>
+            </a:r>
+          </a:p>
+          <a:p>
+            <a:r>
+              <a:rPr lang="en-US" sz="800" dirty="0"/>
+              <a:t>- feeling hopeless and helpless</a:t>
+            </a:r>
+          </a:p>
+          <a:p>
+            <a:r>
+              <a:rPr lang="en-US" sz="800" dirty="0"/>
+              <a:t>- having low self-esteem</a:t>
+            </a:r>
+          </a:p>
+          <a:p>
+            <a:r>
+              <a:rPr lang="en-US" sz="800" dirty="0"/>
+              <a:t>- feeling tearful</a:t>
+            </a:r>
+          </a:p>
+          <a:p>
+            <a:r>
+              <a:rPr lang="en-US" sz="800" dirty="0"/>
+              <a:t>- feeling guilt-ridden</a:t>
+            </a:r>
+          </a:p>
+          <a:p>
+            <a:r>
+              <a:rPr lang="en-US" sz="800" dirty="0"/>
+              <a:t>- feeling irritable and intolerant of others</a:t>
+            </a:r>
+          </a:p>
+          <a:p>
+            <a:r>
+              <a:rPr lang="en-US" sz="800" dirty="0"/>
+              <a:t>- having no motivation or interest in things</a:t>
+            </a:r>
+          </a:p>
+          <a:p>
+            <a:r>
+              <a:rPr lang="en-US" sz="800" dirty="0"/>
+              <a:t>- finding it difficult to make decisions</a:t>
+            </a:r>
+          </a:p>
+          <a:p>
+            <a:r>
+              <a:rPr lang="en-US" sz="800" dirty="0"/>
+              <a:t>- not getting any enjoyment out of life</a:t>
+            </a:r>
+          </a:p>
+          <a:p>
+            <a:r>
+              <a:rPr lang="en-US" sz="800" dirty="0"/>
+              <a:t>- feeling anxious or worried</a:t>
+            </a:r>
+          </a:p>
+          <a:p>
+            <a:r>
+              <a:rPr lang="en-US" sz="800" dirty="0"/>
+              <a:t>- having suicidal thoughts or thoughts of harming yourself</a:t>
+            </a:r>
+          </a:p>
+          <a:p>
+            <a:endParaRPr lang="en-US" sz="800" dirty="0"/>
+          </a:p>
+          <a:p>
+            <a:r>
+              <a:rPr lang="en-US" sz="800" dirty="0"/>
+              <a:t>Physical symptoms</a:t>
+            </a:r>
+          </a:p>
+          <a:p>
+            <a:endParaRPr lang="en-US" sz="800" dirty="0"/>
+          </a:p>
+          <a:p>
+            <a:r>
+              <a:rPr lang="en-US" sz="800" dirty="0"/>
+              <a:t>The physical symptoms of depression include:</a:t>
+            </a:r>
+          </a:p>
+          <a:p>
+            <a:r>
+              <a:rPr lang="en-US" sz="800" dirty="0"/>
+              <a:t>- moving or speaking more slowly than usual</a:t>
+            </a:r>
+          </a:p>
+          <a:p>
+            <a:r>
+              <a:rPr lang="en-US" sz="800" dirty="0"/>
+              <a:t>- changes in appetite or weight (usually decreased, but sometimes increased)</a:t>
+            </a:r>
+          </a:p>
+          <a:p>
+            <a:r>
+              <a:rPr lang="en-US" sz="800" dirty="0"/>
+              <a:t>- constipation</a:t>
+            </a:r>
+          </a:p>
+          <a:p>
+            <a:r>
+              <a:rPr lang="en-US" sz="800" dirty="0"/>
+              <a:t>- unexplained aches and pains</a:t>
+            </a:r>
+          </a:p>
+          <a:p>
+            <a:r>
+              <a:rPr lang="en-US" sz="800" dirty="0"/>
+              <a:t>- lack of energy</a:t>
+            </a:r>
+          </a:p>
+          <a:p>
+            <a:r>
+              <a:rPr lang="en-US" sz="800" dirty="0"/>
+              <a:t>- low sex drive (loss of libido)</a:t>
+            </a:r>
+          </a:p>
+          <a:p>
+            <a:r>
+              <a:rPr lang="en-US" sz="800" dirty="0"/>
+              <a:t>- changes to your menstrual cycle</a:t>
+            </a:r>
+          </a:p>
+        </p:txBody>
+      </p:sp>
+      <p:pic>
+        <p:nvPicPr>
+          <p:cNvPr id="4" name="Grafik 3">
+            <a:extLst>
+              <a:ext uri="{FF2B5EF4-FFF2-40B4-BE49-F238E27FC236}">
+                <a16:creationId xmlns:a16="http://schemas.microsoft.com/office/drawing/2014/main" id="{9C00D220-04B0-5FA3-AC07-B4723BC69AC9}"/>
+              </a:ext>
+            </a:extLst>
+          </p:cNvPr>
+          <p:cNvPicPr>
+            <a:picLocks noChangeAspect="1"/>
+          </p:cNvPicPr>
+          <p:nvPr/>
+        </p:nvPicPr>
+        <p:blipFill>
+          <a:blip r:embed="rId2"/>
+          <a:stretch>
+            <a:fillRect/>
+          </a:stretch>
+        </p:blipFill>
+        <p:spPr>
+          <a:xfrm>
+            <a:off x="4786546" y="1789052"/>
+            <a:ext cx="7151102" cy="3931063"/>
+          </a:xfrm>
+          <a:prstGeom prst="rect">
+            <a:avLst/>
+          </a:prstGeom>
+        </p:spPr>
+      </p:pic>
+      <p:sp>
+        <p:nvSpPr>
+          <p:cNvPr id="5" name="Pfeil: nach rechts 4">
+            <a:extLst>
+              <a:ext uri="{FF2B5EF4-FFF2-40B4-BE49-F238E27FC236}">
+                <a16:creationId xmlns:a16="http://schemas.microsoft.com/office/drawing/2014/main" id="{7F11D6EB-E501-5599-C7A2-AE0407B11589}"/>
+              </a:ext>
+            </a:extLst>
+          </p:cNvPr>
+          <p:cNvSpPr/>
+          <p:nvPr/>
+        </p:nvSpPr>
+        <p:spPr>
+          <a:xfrm>
+            <a:off x="4550240" y="3438181"/>
+            <a:ext cx="277402" cy="308225"/>
+          </a:xfrm>
+          <a:prstGeom prst="rightArrow">
+            <a:avLst/>
+          </a:prstGeom>
+        </p:spPr>
+        <p:style>
+          <a:lnRef idx="2">
+            <a:schemeClr val="accent4">
+              <a:shade val="50000"/>
+            </a:schemeClr>
+          </a:lnRef>
+          <a:fillRef idx="1">
+            <a:schemeClr val="accent4"/>
+          </a:fillRef>
+          <a:effectRef idx="0">
+            <a:schemeClr val="accent4"/>
+          </a:effectRef>
+          <a:fontRef idx="minor">
+            <a:schemeClr val="lt1"/>
+          </a:fontRef>
+        </p:style>
+        <p:txBody>
+          <a:bodyPr rtlCol="0" anchor="ctr"/>
+          <a:lstStyle/>
+          <a:p>
+            <a:pPr algn="ctr"/>
+            <a:endParaRPr lang="de-DE"/>
+          </a:p>
+        </p:txBody>
+      </p:sp>
+      <p:sp>
+        <p:nvSpPr>
+          <p:cNvPr id="6" name="Textfeld 5">
+            <a:extLst>
+              <a:ext uri="{FF2B5EF4-FFF2-40B4-BE49-F238E27FC236}">
+                <a16:creationId xmlns:a16="http://schemas.microsoft.com/office/drawing/2014/main" id="{9B443FF5-0105-8139-F899-AA83238DE961}"/>
+              </a:ext>
+            </a:extLst>
+          </p:cNvPr>
+          <p:cNvSpPr txBox="1"/>
+          <p:nvPr/>
+        </p:nvSpPr>
+        <p:spPr>
+          <a:xfrm>
+            <a:off x="3804200" y="1266424"/>
+            <a:ext cx="439544" cy="246221"/>
+          </a:xfrm>
+          <a:prstGeom prst="rect">
+            <a:avLst/>
+          </a:prstGeom>
+          <a:solidFill>
+            <a:schemeClr val="accent1">
+              <a:lumMod val="60000"/>
+              <a:lumOff val="40000"/>
+            </a:schemeClr>
+          </a:solidFill>
+        </p:spPr>
+        <p:txBody>
+          <a:bodyPr wrap="none" rtlCol="0">
+            <a:spAutoFit/>
+          </a:bodyPr>
+          <a:lstStyle/>
+          <a:p>
+            <a:r>
+              <a:rPr lang="de-DE" sz="1000" dirty="0">
+                <a:solidFill>
+                  <a:schemeClr val="bg1"/>
+                </a:solidFill>
+                <a:latin typeface="Frutiger LT Com 45 Light"/>
+              </a:rPr>
+              <a:t>TEXT</a:t>
+            </a:r>
+          </a:p>
+        </p:txBody>
+      </p:sp>
+      <p:sp>
+        <p:nvSpPr>
+          <p:cNvPr id="7" name="Textfeld 6">
+            <a:extLst>
+              <a:ext uri="{FF2B5EF4-FFF2-40B4-BE49-F238E27FC236}">
+                <a16:creationId xmlns:a16="http://schemas.microsoft.com/office/drawing/2014/main" id="{DA4CCBFB-8457-7E8F-69BD-45E1DB244E73}"/>
+              </a:ext>
+            </a:extLst>
+          </p:cNvPr>
+          <p:cNvSpPr txBox="1"/>
+          <p:nvPr/>
+        </p:nvSpPr>
+        <p:spPr>
+          <a:xfrm>
+            <a:off x="9032033" y="1391692"/>
+            <a:ext cx="2185214" cy="246221"/>
+          </a:xfrm>
+          <a:prstGeom prst="rect">
+            <a:avLst/>
+          </a:prstGeom>
+          <a:solidFill>
+            <a:schemeClr val="accent1">
+              <a:lumMod val="60000"/>
+              <a:lumOff val="40000"/>
+            </a:schemeClr>
+          </a:solidFill>
+        </p:spPr>
+        <p:txBody>
+          <a:bodyPr wrap="none" rtlCol="0">
+            <a:spAutoFit/>
+          </a:bodyPr>
+          <a:lstStyle/>
+          <a:p>
+            <a:r>
+              <a:rPr lang="de-DE" sz="1000" dirty="0">
+                <a:solidFill>
+                  <a:schemeClr val="bg1"/>
+                </a:solidFill>
+                <a:latin typeface="Frutiger LT Com 45 Light"/>
+              </a:rPr>
+              <a:t>Wissensrepräsentation im RDF Format</a:t>
+            </a:r>
           </a:p>
         </p:txBody>
       </p:sp>
     </p:spTree>
+    <p:extLst>
+      <p:ext uri="{BB962C8B-B14F-4D97-AF65-F5344CB8AC3E}">
+        <p14:creationId xmlns:p14="http://schemas.microsoft.com/office/powerpoint/2010/main" val="2420730923"/>
+      </p:ext>
+    </p:extLst>
   </p:cSld>
   <p:clrMapOvr>
     <a:masterClrMapping/>
@@ -20308,13 +22417,22 @@
               </a:lnSpc>
             </a:pPr>
             <a:r>
+              <a:rPr lang="de-DE" sz="2200" b="1" strike="noStrike" spc="-1" dirty="0" err="1">
+                <a:solidFill>
+                  <a:srgbClr val="5073A5"/>
+                </a:solidFill>
+                <a:latin typeface="Frutiger LT Com 45 Light"/>
+              </a:rPr>
+              <a:t>Named</a:t>
+            </a:r>
+            <a:r>
               <a:rPr lang="de-DE" sz="2200" b="1" strike="noStrike" spc="-1" dirty="0">
                 <a:solidFill>
                   <a:srgbClr val="5073A5"/>
                 </a:solidFill>
                 <a:latin typeface="Frutiger LT Com 45 Light"/>
               </a:rPr>
-              <a:t>Lösungsansatz</a:t>
+              <a:t> Entity Recognition</a:t>
             </a:r>
             <a:endParaRPr lang="de-DE" sz="2200" b="0" strike="noStrike" spc="-1" dirty="0">
               <a:solidFill>
@@ -20325,455 +22443,12 @@
           </a:p>
         </p:txBody>
       </p:sp>
-      <p:pic>
-        <p:nvPicPr>
-          <p:cNvPr id="3" name="Grafik 2">
-            <a:extLst>
-              <a:ext uri="{FF2B5EF4-FFF2-40B4-BE49-F238E27FC236}">
-                <a16:creationId xmlns:a16="http://schemas.microsoft.com/office/drawing/2014/main" id="{42D0AE9F-BFDB-86F2-E8D1-B1C1276F55F6}"/>
-              </a:ext>
-            </a:extLst>
-          </p:cNvPr>
-          <p:cNvPicPr>
-            <a:picLocks noChangeAspect="1"/>
-          </p:cNvPicPr>
-          <p:nvPr/>
-        </p:nvPicPr>
-        <p:blipFill>
-          <a:blip r:embed="rId2"/>
-          <a:stretch>
-            <a:fillRect/>
-          </a:stretch>
-        </p:blipFill>
-        <p:spPr>
-          <a:xfrm>
-            <a:off x="7239784" y="1269464"/>
-            <a:ext cx="4212505" cy="4809391"/>
-          </a:xfrm>
-          <a:prstGeom prst="rect">
-            <a:avLst/>
-          </a:prstGeom>
-        </p:spPr>
-      </p:pic>
-      <p:sp>
-        <p:nvSpPr>
-          <p:cNvPr id="7" name="CustomShape 3">
-            <a:extLst>
-              <a:ext uri="{FF2B5EF4-FFF2-40B4-BE49-F238E27FC236}">
-                <a16:creationId xmlns:a16="http://schemas.microsoft.com/office/drawing/2014/main" id="{BD95B691-6302-F0A8-98C0-4C85043C3A01}"/>
-              </a:ext>
-            </a:extLst>
-          </p:cNvPr>
-          <p:cNvSpPr/>
-          <p:nvPr/>
-        </p:nvSpPr>
-        <p:spPr>
-          <a:xfrm>
-            <a:off x="720000" y="1269464"/>
-            <a:ext cx="6170994" cy="4507473"/>
-          </a:xfrm>
-          <a:prstGeom prst="rect">
-            <a:avLst/>
-          </a:prstGeom>
-          <a:noFill/>
-          <a:ln w="0">
-            <a:noFill/>
-          </a:ln>
-        </p:spPr>
-        <p:style>
-          <a:lnRef idx="0">
-            <a:scrgbClr r="0" g="0" b="0"/>
-          </a:lnRef>
-          <a:fillRef idx="0">
-            <a:scrgbClr r="0" g="0" b="0"/>
-          </a:fillRef>
-          <a:effectRef idx="0">
-            <a:scrgbClr r="0" g="0" b="0"/>
-          </a:effectRef>
-          <a:fontRef idx="minor"/>
-        </p:style>
-        <p:txBody>
-          <a:bodyPr wrap="square" lIns="90000" tIns="45000" rIns="90000" bIns="45000">
-            <a:spAutoFit/>
-          </a:bodyPr>
-          <a:lstStyle/>
-          <a:p>
-            <a:pPr marL="285750" indent="-285750">
-              <a:lnSpc>
-                <a:spcPct val="100000"/>
-              </a:lnSpc>
-              <a:spcBef>
-                <a:spcPts val="600"/>
-              </a:spcBef>
-              <a:buFont typeface="Arial" panose="020B0604020202020204" pitchFamily="34" charset="0"/>
-              <a:buChar char="•"/>
-            </a:pPr>
-            <a:r>
-              <a:rPr lang="de-DE" spc="-1" dirty="0">
-                <a:solidFill>
-                  <a:srgbClr val="000000"/>
-                </a:solidFill>
-                <a:latin typeface="Frutiger LT Com 45 Light"/>
-              </a:rPr>
-              <a:t>National Library of Medicine (NLM) stellt </a:t>
-            </a:r>
-            <a:r>
-              <a:rPr lang="de-DE" spc="-1" dirty="0" err="1">
-                <a:solidFill>
-                  <a:srgbClr val="000000"/>
-                </a:solidFill>
-                <a:latin typeface="Frutiger LT Com 45 Light"/>
-              </a:rPr>
-              <a:t>Named</a:t>
-            </a:r>
-            <a:r>
-              <a:rPr lang="de-DE" spc="-1" dirty="0">
-                <a:solidFill>
-                  <a:srgbClr val="000000"/>
-                </a:solidFill>
-                <a:latin typeface="Frutiger LT Com 45 Light"/>
-              </a:rPr>
-              <a:t> Entity Recognition Tools auf ihrer Webseite zu Verfügung *)</a:t>
-            </a:r>
-          </a:p>
-          <a:p>
-            <a:pPr marL="285750" indent="-285750">
-              <a:lnSpc>
-                <a:spcPct val="100000"/>
-              </a:lnSpc>
-              <a:spcBef>
-                <a:spcPts val="600"/>
-              </a:spcBef>
-              <a:buFont typeface="Arial" panose="020B0604020202020204" pitchFamily="34" charset="0"/>
-              <a:buChar char="•"/>
-            </a:pPr>
-            <a:r>
-              <a:rPr lang="de-DE" spc="-1" dirty="0">
-                <a:solidFill>
-                  <a:srgbClr val="000000"/>
-                </a:solidFill>
-                <a:latin typeface="Frutiger LT Com 45 Light"/>
-              </a:rPr>
-              <a:t>Vokabular: </a:t>
-            </a:r>
-            <a:r>
-              <a:rPr lang="de-DE" spc="-1" dirty="0" err="1">
-                <a:solidFill>
-                  <a:srgbClr val="000000"/>
-                </a:solidFill>
-                <a:latin typeface="Frutiger LT Com 45 Light"/>
-              </a:rPr>
-              <a:t>MetaMap</a:t>
-            </a:r>
-            <a:r>
-              <a:rPr lang="de-DE" spc="-1" dirty="0">
-                <a:solidFill>
-                  <a:srgbClr val="000000"/>
-                </a:solidFill>
-                <a:latin typeface="Frutiger LT Com 45 Light"/>
-              </a:rPr>
-              <a:t> bzw. </a:t>
-            </a:r>
-            <a:r>
-              <a:rPr lang="de-DE" spc="-1" dirty="0" err="1">
-                <a:solidFill>
-                  <a:srgbClr val="000000"/>
-                </a:solidFill>
-                <a:latin typeface="Frutiger LT Com 45 Light"/>
-              </a:rPr>
-              <a:t>MetaMapLite</a:t>
-            </a:r>
-            <a:endParaRPr lang="de-DE" spc="-1" dirty="0">
-              <a:solidFill>
-                <a:srgbClr val="000000"/>
-              </a:solidFill>
-              <a:latin typeface="Frutiger LT Com 45 Light"/>
-            </a:endParaRPr>
-          </a:p>
-          <a:p>
-            <a:pPr marL="285750" indent="-285750">
-              <a:lnSpc>
-                <a:spcPct val="100000"/>
-              </a:lnSpc>
-              <a:spcBef>
-                <a:spcPts val="600"/>
-              </a:spcBef>
-              <a:buFont typeface="Arial" panose="020B0604020202020204" pitchFamily="34" charset="0"/>
-              <a:buChar char="•"/>
-            </a:pPr>
-            <a:r>
-              <a:rPr lang="de-DE" spc="-1" dirty="0">
-                <a:solidFill>
-                  <a:srgbClr val="000000"/>
-                </a:solidFill>
-                <a:latin typeface="Frutiger LT Com 45 Light"/>
-              </a:rPr>
-              <a:t>Für das Training des </a:t>
-            </a:r>
-            <a:r>
-              <a:rPr lang="de-DE" spc="-1" dirty="0" err="1">
-                <a:solidFill>
-                  <a:srgbClr val="000000"/>
-                </a:solidFill>
-                <a:latin typeface="Frutiger LT Com 45 Light"/>
-              </a:rPr>
-              <a:t>spaCy</a:t>
-            </a:r>
-            <a:r>
-              <a:rPr lang="de-DE" spc="-1" dirty="0">
-                <a:solidFill>
-                  <a:srgbClr val="000000"/>
-                </a:solidFill>
-                <a:latin typeface="Frutiger LT Com 45 Light"/>
-              </a:rPr>
-              <a:t> Entity </a:t>
-            </a:r>
-            <a:r>
-              <a:rPr lang="de-DE" spc="-1" dirty="0" err="1">
-                <a:solidFill>
-                  <a:srgbClr val="000000"/>
-                </a:solidFill>
-                <a:latin typeface="Frutiger LT Com 45 Light"/>
-              </a:rPr>
-              <a:t>Rulers</a:t>
-            </a:r>
-            <a:r>
-              <a:rPr lang="de-DE" spc="-1" dirty="0">
-                <a:solidFill>
-                  <a:srgbClr val="000000"/>
-                </a:solidFill>
-                <a:latin typeface="Frutiger LT Com 45 Light"/>
-              </a:rPr>
-              <a:t> wurde das Vokabular aus dem </a:t>
-            </a:r>
-            <a:r>
-              <a:rPr lang="de-DE" spc="-1" dirty="0" err="1">
-                <a:solidFill>
-                  <a:srgbClr val="000000"/>
-                </a:solidFill>
-                <a:latin typeface="Frutiger LT Com 45 Light"/>
-              </a:rPr>
-              <a:t>MetaMapLite</a:t>
-            </a:r>
-            <a:r>
-              <a:rPr lang="de-DE" spc="-1" dirty="0">
-                <a:solidFill>
-                  <a:srgbClr val="000000"/>
-                </a:solidFill>
-                <a:latin typeface="Frutiger LT Com 45 Light"/>
-              </a:rPr>
-              <a:t>-Projekt verwendet.</a:t>
-            </a:r>
-          </a:p>
-          <a:p>
-            <a:pPr marL="285750" indent="-285750">
-              <a:lnSpc>
-                <a:spcPct val="100000"/>
-              </a:lnSpc>
-              <a:spcBef>
-                <a:spcPts val="600"/>
-              </a:spcBef>
-              <a:buFont typeface="Arial" panose="020B0604020202020204" pitchFamily="34" charset="0"/>
-              <a:buChar char="•"/>
-            </a:pPr>
-            <a:r>
-              <a:rPr lang="de-DE" spc="-1" dirty="0">
-                <a:solidFill>
-                  <a:srgbClr val="000000"/>
-                </a:solidFill>
-                <a:latin typeface="Frutiger LT Com 45 Light"/>
-              </a:rPr>
-              <a:t>Der Concept Unified Identifier (CUI) ermöglicht die Suche nach Synonymen.</a:t>
-            </a:r>
-          </a:p>
-          <a:p>
-            <a:pPr marL="285750" indent="-285750">
-              <a:lnSpc>
-                <a:spcPct val="100000"/>
-              </a:lnSpc>
-              <a:spcBef>
-                <a:spcPts val="600"/>
-              </a:spcBef>
-              <a:buFont typeface="Arial" panose="020B0604020202020204" pitchFamily="34" charset="0"/>
-              <a:buChar char="•"/>
-            </a:pPr>
-            <a:r>
-              <a:rPr lang="de-DE" spc="-1" dirty="0">
-                <a:solidFill>
-                  <a:srgbClr val="000000"/>
-                </a:solidFill>
-                <a:latin typeface="Frutiger LT Com 45 Light"/>
-              </a:rPr>
-              <a:t>Viele Begriffe des Vokabulars enthalten eine Kategorisierung wie </a:t>
-            </a:r>
-            <a:r>
-              <a:rPr lang="de-DE" i="1" spc="-1" dirty="0" err="1">
-                <a:solidFill>
-                  <a:srgbClr val="000000"/>
-                </a:solidFill>
-                <a:latin typeface="Frutiger LT Com 45 Light"/>
-              </a:rPr>
-              <a:t>disease</a:t>
-            </a:r>
-            <a:r>
-              <a:rPr lang="de-DE" spc="-1" dirty="0">
-                <a:solidFill>
-                  <a:srgbClr val="000000"/>
-                </a:solidFill>
-                <a:latin typeface="Frutiger LT Com 45 Light"/>
-              </a:rPr>
-              <a:t>, </a:t>
-            </a:r>
-            <a:r>
-              <a:rPr lang="de-DE" i="1" spc="-1" dirty="0" err="1">
-                <a:solidFill>
-                  <a:srgbClr val="000000"/>
-                </a:solidFill>
-                <a:latin typeface="Frutiger LT Com 45 Light"/>
-              </a:rPr>
-              <a:t>disorder</a:t>
-            </a:r>
-            <a:r>
-              <a:rPr lang="de-DE" spc="-1" dirty="0">
-                <a:solidFill>
-                  <a:srgbClr val="000000"/>
-                </a:solidFill>
-                <a:latin typeface="Frutiger LT Com 45 Light"/>
-              </a:rPr>
-              <a:t>, </a:t>
-            </a:r>
-            <a:r>
-              <a:rPr lang="de-DE" i="1" spc="-1" dirty="0" err="1">
-                <a:solidFill>
-                  <a:srgbClr val="000000"/>
-                </a:solidFill>
-                <a:latin typeface="Frutiger LT Com 45 Light"/>
-              </a:rPr>
-              <a:t>finding</a:t>
-            </a:r>
-            <a:r>
-              <a:rPr lang="de-DE" spc="-1" dirty="0">
-                <a:solidFill>
-                  <a:srgbClr val="000000"/>
-                </a:solidFill>
-                <a:latin typeface="Frutiger LT Com 45 Light"/>
-              </a:rPr>
-              <a:t>, etc.</a:t>
-            </a:r>
-          </a:p>
-          <a:p>
-            <a:pPr marL="285750" indent="-285750">
-              <a:lnSpc>
-                <a:spcPct val="100000"/>
-              </a:lnSpc>
-              <a:spcBef>
-                <a:spcPts val="600"/>
-              </a:spcBef>
-              <a:buFont typeface="Arial" panose="020B0604020202020204" pitchFamily="34" charset="0"/>
-              <a:buChar char="•"/>
-            </a:pPr>
-            <a:r>
-              <a:rPr lang="de-DE" spc="-1" dirty="0">
-                <a:solidFill>
-                  <a:srgbClr val="000000"/>
-                </a:solidFill>
-                <a:latin typeface="Frutiger LT Com 45 Light"/>
-              </a:rPr>
-              <a:t>Fehlt eine Kategorisierung, kann über die Synonymen-Suche ein Begriff mit Kategorisierung gesucht werden.</a:t>
-            </a:r>
-          </a:p>
-          <a:p>
-            <a:pPr marL="285750" indent="-285750">
-              <a:lnSpc>
-                <a:spcPct val="100000"/>
-              </a:lnSpc>
-              <a:spcBef>
-                <a:spcPts val="600"/>
-              </a:spcBef>
-              <a:buFont typeface="Arial" panose="020B0604020202020204" pitchFamily="34" charset="0"/>
-              <a:buChar char="•"/>
-            </a:pPr>
-            <a:r>
-              <a:rPr lang="de-DE" spc="-1" dirty="0">
-                <a:solidFill>
-                  <a:srgbClr val="000000"/>
-                </a:solidFill>
-                <a:latin typeface="Frutiger LT Com 45 Light"/>
-              </a:rPr>
-              <a:t>Diese Kategorisierung wird auch für das Training des Entity </a:t>
-            </a:r>
-            <a:r>
-              <a:rPr lang="de-DE" spc="-1" dirty="0" err="1">
-                <a:solidFill>
-                  <a:srgbClr val="000000"/>
-                </a:solidFill>
-                <a:latin typeface="Frutiger LT Com 45 Light"/>
-              </a:rPr>
-              <a:t>Rulers</a:t>
-            </a:r>
-            <a:r>
-              <a:rPr lang="de-DE" spc="-1" dirty="0">
-                <a:solidFill>
-                  <a:srgbClr val="000000"/>
-                </a:solidFill>
-                <a:latin typeface="Frutiger LT Com 45 Light"/>
-              </a:rPr>
-              <a:t> übernommen.</a:t>
-            </a:r>
-          </a:p>
-          <a:p>
-            <a:pPr marL="285750" indent="-285750">
-              <a:lnSpc>
-                <a:spcPct val="100000"/>
-              </a:lnSpc>
-              <a:spcBef>
-                <a:spcPts val="600"/>
-              </a:spcBef>
-              <a:buFont typeface="Arial" panose="020B0604020202020204" pitchFamily="34" charset="0"/>
-              <a:buChar char="•"/>
-            </a:pPr>
-            <a:endParaRPr lang="de-DE" sz="1800" b="0" strike="noStrike" spc="-1" dirty="0">
-              <a:latin typeface="Arial"/>
-            </a:endParaRPr>
-          </a:p>
-        </p:txBody>
-      </p:sp>
-      <p:sp>
-        <p:nvSpPr>
-          <p:cNvPr id="8" name="Textfeld 7">
-            <a:extLst>
-              <a:ext uri="{FF2B5EF4-FFF2-40B4-BE49-F238E27FC236}">
-                <a16:creationId xmlns:a16="http://schemas.microsoft.com/office/drawing/2014/main" id="{2267F54D-8227-6A89-78DA-EE4F5B60AFC1}"/>
-              </a:ext>
-            </a:extLst>
-          </p:cNvPr>
-          <p:cNvSpPr txBox="1"/>
-          <p:nvPr/>
-        </p:nvSpPr>
-        <p:spPr>
-          <a:xfrm>
-            <a:off x="651827" y="5948050"/>
-            <a:ext cx="4160113" cy="261610"/>
-          </a:xfrm>
-          <a:prstGeom prst="rect">
-            <a:avLst/>
-          </a:prstGeom>
-          <a:noFill/>
-        </p:spPr>
-        <p:txBody>
-          <a:bodyPr wrap="none" rtlCol="0">
-            <a:spAutoFit/>
-          </a:bodyPr>
-          <a:lstStyle/>
-          <a:p>
-            <a:r>
-              <a:rPr lang="de-DE" sz="1100"/>
-              <a:t>*) https://ii.nlm.nih.gov/Interactive/UTS_Required/MetaMap.html</a:t>
-            </a:r>
-          </a:p>
-        </p:txBody>
-      </p:sp>
     </p:spTree>
+    <p:extLst>
+      <p:ext uri="{BB962C8B-B14F-4D97-AF65-F5344CB8AC3E}">
+        <p14:creationId xmlns:p14="http://schemas.microsoft.com/office/powerpoint/2010/main" val="2823999789"/>
+      </p:ext>
+    </p:extLst>
   </p:cSld>
   <p:clrMapOvr>
     <a:masterClrMapping/>
@@ -20800,28 +22475,25 @@
       </p:grpSpPr>
       <p:sp>
         <p:nvSpPr>
-          <p:cNvPr id="2" name="Titel 1">
-            <a:extLst>
-              <a:ext uri="{FF2B5EF4-FFF2-40B4-BE49-F238E27FC236}">
-                <a16:creationId xmlns:a16="http://schemas.microsoft.com/office/drawing/2014/main" id="{8CF02375-252A-474D-5D8C-B488BB93DC2F}"/>
-              </a:ext>
-            </a:extLst>
-          </p:cNvPr>
-          <p:cNvSpPr>
-            <a:spLocks noGrp="1"/>
-          </p:cNvSpPr>
-          <p:nvPr>
-            <p:ph type="title"/>
-          </p:nvPr>
-        </p:nvSpPr>
-        <p:spPr>
+          <p:cNvPr id="350" name="TextShape 1"/>
+          <p:cNvSpPr txBox="1"/>
+          <p:nvPr/>
+        </p:nvSpPr>
+        <p:spPr>
+          <a:xfrm>
+            <a:off x="1631520" y="6426000"/>
+            <a:ext cx="7272360" cy="240480"/>
+          </a:xfrm>
+          <a:prstGeom prst="rect">
+            <a:avLst/>
+          </a:prstGeom>
           <a:noFill/>
           <a:ln w="0">
             <a:noFill/>
           </a:ln>
         </p:spPr>
         <p:txBody>
-          <a:bodyPr lIns="0" tIns="0" rIns="0" bIns="0" anchor="b">
+          <a:bodyPr lIns="0" tIns="0" rIns="0" bIns="0">
             <a:noAutofit/>
           </a:bodyPr>
           <a:lstStyle/>
@@ -20832,85 +22504,359 @@
               </a:lnSpc>
             </a:pPr>
             <a:r>
-              <a:rPr lang="de-DE" sz="2200" b="1" spc="-1" dirty="0" err="1">
+              <a:rPr lang="en-US" sz="900" b="0" strike="noStrike" spc="-1">
                 <a:solidFill>
                   <a:srgbClr val="5073A5"/>
                 </a:solidFill>
                 <a:latin typeface="Frutiger LT Com 45 Light"/>
-                <a:ea typeface="+mn-ea"/>
-                <a:cs typeface="+mn-cs"/>
-              </a:rPr>
-              <a:t>SpaCy‘s</a:t>
-            </a:r>
-            <a:r>
-              <a:rPr lang="de-DE" sz="2200" b="1" spc="-1" dirty="0">
+              </a:rPr>
+              <a:t>Fußzeile</a:t>
+            </a:r>
+            <a:endParaRPr lang="de-DE" sz="900" b="0" strike="noStrike" spc="-1">
+              <a:latin typeface="Times New Roman"/>
+            </a:endParaRPr>
+          </a:p>
+        </p:txBody>
+      </p:sp>
+      <p:sp>
+        <p:nvSpPr>
+          <p:cNvPr id="351" name="TextShape 2"/>
+          <p:cNvSpPr txBox="1"/>
+          <p:nvPr/>
+        </p:nvSpPr>
+        <p:spPr>
+          <a:xfrm>
+            <a:off x="1055520" y="6426000"/>
+            <a:ext cx="553320" cy="240480"/>
+          </a:xfrm>
+          <a:prstGeom prst="rect">
+            <a:avLst/>
+          </a:prstGeom>
+          <a:noFill/>
+          <a:ln w="0">
+            <a:noFill/>
+          </a:ln>
+        </p:spPr>
+        <p:txBody>
+          <a:bodyPr lIns="0" tIns="0" rIns="0" bIns="0">
+            <a:noAutofit/>
+          </a:bodyPr>
+          <a:lstStyle/>
+          <a:p>
+            <a:pPr>
+              <a:lnSpc>
+                <a:spcPct val="100000"/>
+              </a:lnSpc>
+            </a:pPr>
+            <a:fld id="{4AAE7838-D0A7-41A9-880C-F3895D508CFD}" type="slidenum">
+              <a:rPr lang="de-DE" sz="900" b="1" strike="noStrike" spc="-1">
                 <a:solidFill>
                   <a:srgbClr val="5073A5"/>
                 </a:solidFill>
                 <a:latin typeface="Frutiger LT Com 45 Light"/>
-                <a:ea typeface="+mn-ea"/>
-                <a:cs typeface="+mn-cs"/>
-              </a:rPr>
-              <a:t> Entity </a:t>
-            </a:r>
-            <a:r>
-              <a:rPr lang="de-DE" sz="2200" b="1" spc="-1" dirty="0" err="1">
+              </a:rPr>
+              <a:t>6</a:t>
+            </a:fld>
+            <a:endParaRPr lang="de-DE" sz="900" b="0" strike="noStrike" spc="-1">
+              <a:latin typeface="Times New Roman"/>
+            </a:endParaRPr>
+          </a:p>
+        </p:txBody>
+      </p:sp>
+      <p:sp>
+        <p:nvSpPr>
+          <p:cNvPr id="352" name="TextShape 3"/>
+          <p:cNvSpPr txBox="1"/>
+          <p:nvPr/>
+        </p:nvSpPr>
+        <p:spPr>
+          <a:xfrm>
+            <a:off x="720000" y="260640"/>
+            <a:ext cx="8183880" cy="661680"/>
+          </a:xfrm>
+          <a:prstGeom prst="rect">
+            <a:avLst/>
+          </a:prstGeom>
+          <a:noFill/>
+          <a:ln w="0">
+            <a:noFill/>
+          </a:ln>
+        </p:spPr>
+        <p:txBody>
+          <a:bodyPr lIns="0" tIns="0" rIns="0" bIns="0" anchor="b">
+            <a:noAutofit/>
+          </a:bodyPr>
+          <a:lstStyle/>
+          <a:p>
+            <a:pPr>
+              <a:lnSpc>
+                <a:spcPct val="100000"/>
+              </a:lnSpc>
+            </a:pPr>
+            <a:r>
+              <a:rPr lang="de-DE" sz="2200" b="1" strike="noStrike" spc="-1">
                 <a:solidFill>
                   <a:srgbClr val="5073A5"/>
                 </a:solidFill>
                 <a:latin typeface="Frutiger LT Com 45 Light"/>
-                <a:ea typeface="+mn-ea"/>
-                <a:cs typeface="+mn-cs"/>
-              </a:rPr>
-              <a:t>Ruler</a:t>
-            </a:r>
-            <a:endParaRPr lang="de-DE" sz="2200" b="1" spc="-1" dirty="0">
-              <a:solidFill>
-                <a:srgbClr val="5073A5"/>
-              </a:solidFill>
-              <a:latin typeface="Frutiger LT Com 45 Light"/>
-              <a:ea typeface="+mn-ea"/>
-              <a:cs typeface="+mn-cs"/>
-            </a:endParaRPr>
-          </a:p>
-        </p:txBody>
-      </p:sp>
-      <p:pic>
-        <p:nvPicPr>
-          <p:cNvPr id="9" name="Grafik 8">
+              </a:rPr>
+              <a:t>Probleme</a:t>
+            </a:r>
+            <a:endParaRPr lang="de-DE" sz="2200" b="0" strike="noStrike" spc="-1">
+              <a:solidFill>
+                <a:srgbClr val="000000"/>
+              </a:solidFill>
+              <a:latin typeface="Frutiger LT Com 45 Light"/>
+            </a:endParaRPr>
+          </a:p>
+        </p:txBody>
+      </p:sp>
+      <p:sp>
+        <p:nvSpPr>
+          <p:cNvPr id="2" name="CustomShape 3">
             <a:extLst>
               <a:ext uri="{FF2B5EF4-FFF2-40B4-BE49-F238E27FC236}">
-                <a16:creationId xmlns:a16="http://schemas.microsoft.com/office/drawing/2014/main" id="{6E70C3E0-E250-BC0E-AA4E-2B892EC74546}"/>
+                <a16:creationId xmlns:a16="http://schemas.microsoft.com/office/drawing/2014/main" id="{299BA837-0F97-2FC5-E106-7B6F8FB450B5}"/>
               </a:ext>
             </a:extLst>
           </p:cNvPr>
-          <p:cNvPicPr>
-            <a:picLocks noChangeAspect="1"/>
-          </p:cNvPicPr>
+          <p:cNvSpPr/>
           <p:nvPr/>
-        </p:nvPicPr>
-        <p:blipFill>
-          <a:blip r:embed="rId2"/>
-          <a:stretch>
-            <a:fillRect/>
-          </a:stretch>
-        </p:blipFill>
-        <p:spPr>
-          <a:xfrm>
-            <a:off x="731280" y="1463599"/>
-            <a:ext cx="10729439" cy="4320751"/>
-          </a:xfrm>
-          <a:prstGeom prst="rect">
-            <a:avLst/>
-          </a:prstGeom>
-        </p:spPr>
-      </p:pic>
+        </p:nvSpPr>
+        <p:spPr>
+          <a:xfrm>
+            <a:off x="720000" y="1269464"/>
+            <a:ext cx="10252800" cy="2260704"/>
+          </a:xfrm>
+          <a:prstGeom prst="rect">
+            <a:avLst/>
+          </a:prstGeom>
+          <a:noFill/>
+          <a:ln w="0">
+            <a:noFill/>
+          </a:ln>
+        </p:spPr>
+        <p:style>
+          <a:lnRef idx="0">
+            <a:scrgbClr r="0" g="0" b="0"/>
+          </a:lnRef>
+          <a:fillRef idx="0">
+            <a:scrgbClr r="0" g="0" b="0"/>
+          </a:fillRef>
+          <a:effectRef idx="0">
+            <a:scrgbClr r="0" g="0" b="0"/>
+          </a:effectRef>
+          <a:fontRef idx="minor"/>
+        </p:style>
+        <p:txBody>
+          <a:bodyPr wrap="square" lIns="90000" tIns="45000" rIns="90000" bIns="45000">
+            <a:spAutoFit/>
+          </a:bodyPr>
+          <a:lstStyle/>
+          <a:p>
+            <a:pPr marL="285750" indent="-285750">
+              <a:lnSpc>
+                <a:spcPct val="100000"/>
+              </a:lnSpc>
+              <a:spcBef>
+                <a:spcPts val="600"/>
+              </a:spcBef>
+              <a:buFont typeface="Arial" panose="020B0604020202020204" pitchFamily="34" charset="0"/>
+              <a:buChar char="•"/>
+            </a:pPr>
+            <a:r>
+              <a:rPr lang="de-DE" spc="-1" dirty="0">
+                <a:solidFill>
+                  <a:srgbClr val="000000"/>
+                </a:solidFill>
+                <a:latin typeface="Frutiger LT Com 45 Light"/>
+              </a:rPr>
+              <a:t>Standard-</a:t>
+            </a:r>
+            <a:r>
+              <a:rPr lang="de-DE" i="1" spc="-1" dirty="0" err="1">
+                <a:solidFill>
+                  <a:srgbClr val="000000"/>
+                </a:solidFill>
+                <a:latin typeface="Frutiger LT Com 45 Light"/>
+              </a:rPr>
+              <a:t>spaCy</a:t>
+            </a:r>
+            <a:r>
+              <a:rPr lang="de-DE" spc="-1" dirty="0">
+                <a:solidFill>
+                  <a:srgbClr val="000000"/>
+                </a:solidFill>
+                <a:latin typeface="Frutiger LT Com 45 Light"/>
+              </a:rPr>
+              <a:t> bietet keine auf medizinisches Fachvokabular trainierte </a:t>
+            </a:r>
+            <a:r>
+              <a:rPr lang="de-DE" i="1" spc="-1" dirty="0" err="1">
+                <a:solidFill>
+                  <a:srgbClr val="000000"/>
+                </a:solidFill>
+                <a:latin typeface="Frutiger LT Com 45 Light"/>
+              </a:rPr>
+              <a:t>Named</a:t>
+            </a:r>
+            <a:r>
+              <a:rPr lang="de-DE" i="1" spc="-1" dirty="0">
+                <a:solidFill>
+                  <a:srgbClr val="000000"/>
+                </a:solidFill>
+                <a:latin typeface="Frutiger LT Com 45 Light"/>
+              </a:rPr>
+              <a:t>-Entity-Recognition</a:t>
+            </a:r>
+            <a:r>
+              <a:rPr lang="de-DE" spc="-1" dirty="0">
+                <a:solidFill>
+                  <a:srgbClr val="000000"/>
+                </a:solidFill>
+                <a:latin typeface="Frutiger LT Com 45 Light"/>
+              </a:rPr>
+              <a:t>-Komponente.</a:t>
+            </a:r>
+          </a:p>
+          <a:p>
+            <a:pPr marL="285750" indent="-285750">
+              <a:spcBef>
+                <a:spcPts val="600"/>
+              </a:spcBef>
+              <a:buFont typeface="Arial" panose="020B0604020202020204" pitchFamily="34" charset="0"/>
+              <a:buChar char="•"/>
+            </a:pPr>
+            <a:r>
+              <a:rPr lang="de-DE" spc="-1" dirty="0">
+                <a:solidFill>
+                  <a:srgbClr val="000000"/>
+                </a:solidFill>
+                <a:latin typeface="Frutiger LT Com 45 Light"/>
+              </a:rPr>
+              <a:t>Geeignete </a:t>
+            </a:r>
+            <a:r>
+              <a:rPr lang="de-DE" i="1" spc="-1" dirty="0" err="1">
+                <a:solidFill>
+                  <a:srgbClr val="000000"/>
+                </a:solidFill>
+                <a:latin typeface="Frutiger LT Com 45 Light"/>
+              </a:rPr>
+              <a:t>Named</a:t>
+            </a:r>
+            <a:r>
+              <a:rPr lang="de-DE" i="1" spc="-1" dirty="0">
+                <a:solidFill>
+                  <a:srgbClr val="000000"/>
+                </a:solidFill>
+                <a:latin typeface="Frutiger LT Com 45 Light"/>
+              </a:rPr>
+              <a:t>-Entity-Recognition-Komponente</a:t>
+            </a:r>
+            <a:r>
+              <a:rPr lang="de-DE" spc="-1" dirty="0">
+                <a:solidFill>
+                  <a:srgbClr val="000000"/>
+                </a:solidFill>
+                <a:latin typeface="Frutiger LT Com 45 Light"/>
+              </a:rPr>
+              <a:t> aus der </a:t>
+            </a:r>
+            <a:r>
+              <a:rPr lang="de-DE" i="1" spc="-1" dirty="0" err="1">
+                <a:solidFill>
+                  <a:srgbClr val="000000"/>
+                </a:solidFill>
+                <a:latin typeface="Frutiger LT Com 45 Light"/>
+              </a:rPr>
+              <a:t>spaCy</a:t>
+            </a:r>
+            <a:r>
+              <a:rPr lang="de-DE" spc="-1" dirty="0">
+                <a:solidFill>
+                  <a:srgbClr val="000000"/>
+                </a:solidFill>
+                <a:latin typeface="Frutiger LT Com 45 Light"/>
+              </a:rPr>
+              <a:t>-Pipeline identifizieren (Entity </a:t>
+            </a:r>
+            <a:r>
+              <a:rPr lang="de-DE" spc="-1" dirty="0" err="1">
+                <a:solidFill>
+                  <a:srgbClr val="000000"/>
+                </a:solidFill>
+                <a:latin typeface="Frutiger LT Com 45 Light"/>
+              </a:rPr>
+              <a:t>Ruler</a:t>
+            </a:r>
+            <a:r>
+              <a:rPr lang="de-DE" spc="-1" dirty="0">
+                <a:solidFill>
+                  <a:srgbClr val="000000"/>
+                </a:solidFill>
+                <a:latin typeface="Frutiger LT Com 45 Light"/>
+              </a:rPr>
+              <a:t>, Entity </a:t>
+            </a:r>
+            <a:r>
+              <a:rPr lang="de-DE" spc="-1" dirty="0" err="1">
+                <a:solidFill>
+                  <a:srgbClr val="000000"/>
+                </a:solidFill>
+                <a:latin typeface="Frutiger LT Com 45 Light"/>
+              </a:rPr>
+              <a:t>Recognizer</a:t>
+            </a:r>
+            <a:r>
+              <a:rPr lang="de-DE" spc="-1" dirty="0">
+                <a:solidFill>
+                  <a:srgbClr val="000000"/>
+                </a:solidFill>
+                <a:latin typeface="Frutiger LT Com 45 Light"/>
+              </a:rPr>
+              <a:t>, Entity Linker)</a:t>
+            </a:r>
+          </a:p>
+          <a:p>
+            <a:pPr marL="285750" indent="-285750">
+              <a:lnSpc>
+                <a:spcPct val="100000"/>
+              </a:lnSpc>
+              <a:spcBef>
+                <a:spcPts val="600"/>
+              </a:spcBef>
+              <a:buFont typeface="Arial" panose="020B0604020202020204" pitchFamily="34" charset="0"/>
+              <a:buChar char="•"/>
+            </a:pPr>
+            <a:r>
+              <a:rPr lang="de-DE" spc="-1" dirty="0">
+                <a:solidFill>
+                  <a:srgbClr val="000000"/>
+                </a:solidFill>
+                <a:latin typeface="Frutiger LT Com 45 Light"/>
+              </a:rPr>
+              <a:t>Aus welcher Quelle kann geeignetes medizinisches Fachvokabular bezogen werden, in dem Begriffe kategorisiert (Krankheit, Symptom, Therapie, Medikament, ...) sind.</a:t>
+            </a:r>
+          </a:p>
+          <a:p>
+            <a:pPr marL="285750" indent="-285750">
+              <a:lnSpc>
+                <a:spcPct val="100000"/>
+              </a:lnSpc>
+              <a:spcBef>
+                <a:spcPts val="600"/>
+              </a:spcBef>
+              <a:buFont typeface="Arial" panose="020B0604020202020204" pitchFamily="34" charset="0"/>
+              <a:buChar char="•"/>
+            </a:pPr>
+            <a:endParaRPr lang="de-DE" sz="1800" b="0" strike="noStrike" spc="-1" dirty="0">
+              <a:latin typeface="Arial"/>
+            </a:endParaRPr>
+          </a:p>
+        </p:txBody>
+      </p:sp>
     </p:spTree>
-    <p:extLst>
-      <p:ext uri="{BB962C8B-B14F-4D97-AF65-F5344CB8AC3E}">
-        <p14:creationId xmlns:p14="http://schemas.microsoft.com/office/powerpoint/2010/main" val="668240872"/>
-      </p:ext>
-    </p:extLst>
   </p:cSld>
   <p:clrMapOvr>
     <a:masterClrMapping/>
@@ -20937,7 +22883,7 @@
       </p:grpSpPr>
       <p:sp>
         <p:nvSpPr>
-          <p:cNvPr id="356" name="TextShape 1"/>
+          <p:cNvPr id="353" name="TextShape 1"/>
           <p:cNvSpPr txBox="1"/>
           <p:nvPr/>
         </p:nvSpPr>
@@ -20982,7 +22928,7 @@
       </p:sp>
       <p:sp>
         <p:nvSpPr>
-          <p:cNvPr id="357" name="TextShape 2"/>
+          <p:cNvPr id="354" name="TextShape 2"/>
           <p:cNvSpPr txBox="1"/>
           <p:nvPr/>
         </p:nvSpPr>
@@ -21010,7 +22956,7 @@
                 <a:spcPct val="100000"/>
               </a:lnSpc>
             </a:pPr>
-            <a:fld id="{C5573799-0A31-401F-92C4-6705CCA6B543}" type="slidenum">
+            <a:fld id="{C7F92E6A-7C08-4387-9A61-38A5C525E660}" type="slidenum">
               <a:rPr lang="de-DE" sz="900" b="1" strike="noStrike" spc="-1">
                 <a:solidFill>
                   <a:srgbClr val="5073A5"/>
@@ -21027,7 +22973,7 @@
       </p:sp>
       <p:sp>
         <p:nvSpPr>
-          <p:cNvPr id="358" name="TextShape 3"/>
+          <p:cNvPr id="355" name="TextShape 3"/>
           <p:cNvSpPr txBox="1"/>
           <p:nvPr/>
         </p:nvSpPr>
@@ -21062,7 +23008,7 @@
                 </a:solidFill>
                 <a:latin typeface="Frutiger LT Com 45 Light"/>
               </a:rPr>
-              <a:t>Implementierung / Klassendiagramm</a:t>
+              <a:t>Lösungsansatz</a:t>
             </a:r>
             <a:endParaRPr lang="de-DE" sz="2200" b="0" strike="noStrike" spc="-1" dirty="0">
               <a:solidFill>
@@ -21075,10 +23021,10 @@
       </p:sp>
       <p:pic>
         <p:nvPicPr>
-          <p:cNvPr id="5" name="Grafik 4">
+          <p:cNvPr id="3" name="Grafik 2">
             <a:extLst>
               <a:ext uri="{FF2B5EF4-FFF2-40B4-BE49-F238E27FC236}">
-                <a16:creationId xmlns:a16="http://schemas.microsoft.com/office/drawing/2014/main" id="{84BD4970-8F2D-B60F-BCF3-6835ADAA9B68}"/>
+                <a16:creationId xmlns:a16="http://schemas.microsoft.com/office/drawing/2014/main" id="{42D0AE9F-BFDB-86F2-E8D1-B1C1276F55F6}"/>
               </a:ext>
             </a:extLst>
           </p:cNvPr>
@@ -21088,27 +23034,511 @@
           <p:nvPr/>
         </p:nvPicPr>
         <p:blipFill>
-          <a:blip r:embed="rId2">
-            <a:extLst>
-              <a:ext uri="{28A0092B-C50C-407E-A947-70E740481C1C}">
-                <a14:useLocalDpi xmlns:a14="http://schemas.microsoft.com/office/drawing/2010/main" val="0"/>
-              </a:ext>
-            </a:extLst>
-          </a:blip>
+          <a:blip r:embed="rId2"/>
           <a:stretch>
             <a:fillRect/>
           </a:stretch>
         </p:blipFill>
         <p:spPr>
           <a:xfrm>
-            <a:off x="987428" y="1068512"/>
-            <a:ext cx="10217143" cy="5104639"/>
+            <a:off x="7239784" y="1269464"/>
+            <a:ext cx="4212505" cy="4809391"/>
           </a:xfrm>
           <a:prstGeom prst="rect">
             <a:avLst/>
           </a:prstGeom>
         </p:spPr>
       </p:pic>
+      <p:sp>
+        <p:nvSpPr>
+          <p:cNvPr id="7" name="CustomShape 3">
+            <a:extLst>
+              <a:ext uri="{FF2B5EF4-FFF2-40B4-BE49-F238E27FC236}">
+                <a16:creationId xmlns:a16="http://schemas.microsoft.com/office/drawing/2014/main" id="{BD95B691-6302-F0A8-98C0-4C85043C3A01}"/>
+              </a:ext>
+            </a:extLst>
+          </p:cNvPr>
+          <p:cNvSpPr/>
+          <p:nvPr/>
+        </p:nvSpPr>
+        <p:spPr>
+          <a:xfrm>
+            <a:off x="720000" y="1269464"/>
+            <a:ext cx="6170994" cy="4861416"/>
+          </a:xfrm>
+          <a:prstGeom prst="rect">
+            <a:avLst/>
+          </a:prstGeom>
+          <a:noFill/>
+          <a:ln w="0">
+            <a:noFill/>
+          </a:ln>
+        </p:spPr>
+        <p:style>
+          <a:lnRef idx="0">
+            <a:scrgbClr r="0" g="0" b="0"/>
+          </a:lnRef>
+          <a:fillRef idx="0">
+            <a:scrgbClr r="0" g="0" b="0"/>
+          </a:fillRef>
+          <a:effectRef idx="0">
+            <a:scrgbClr r="0" g="0" b="0"/>
+          </a:effectRef>
+          <a:fontRef idx="minor"/>
+        </p:style>
+        <p:txBody>
+          <a:bodyPr wrap="square" lIns="90000" tIns="45000" rIns="90000" bIns="45000">
+            <a:spAutoFit/>
+          </a:bodyPr>
+          <a:lstStyle/>
+          <a:p>
+            <a:pPr marL="285750" indent="-285750">
+              <a:lnSpc>
+                <a:spcPct val="100000"/>
+              </a:lnSpc>
+              <a:spcBef>
+                <a:spcPts val="600"/>
+              </a:spcBef>
+              <a:buFont typeface="Arial" panose="020B0604020202020204" pitchFamily="34" charset="0"/>
+              <a:buChar char="•"/>
+            </a:pPr>
+            <a:r>
+              <a:rPr lang="de-DE" spc="-1" dirty="0">
+                <a:solidFill>
+                  <a:srgbClr val="000000"/>
+                </a:solidFill>
+                <a:latin typeface="Frutiger LT Com 45 Light"/>
+              </a:rPr>
+              <a:t>National Library of Medicine (NLM) stellt </a:t>
+            </a:r>
+            <a:r>
+              <a:rPr lang="de-DE" spc="-1" dirty="0" err="1">
+                <a:solidFill>
+                  <a:srgbClr val="000000"/>
+                </a:solidFill>
+                <a:latin typeface="Frutiger LT Com 45 Light"/>
+              </a:rPr>
+              <a:t>Named</a:t>
+            </a:r>
+            <a:r>
+              <a:rPr lang="de-DE" spc="-1" dirty="0">
+                <a:solidFill>
+                  <a:srgbClr val="000000"/>
+                </a:solidFill>
+                <a:latin typeface="Frutiger LT Com 45 Light"/>
+              </a:rPr>
+              <a:t> Entity Recognition Tools auf ihrer Webseite zu Verfügung *)</a:t>
+            </a:r>
+          </a:p>
+          <a:p>
+            <a:pPr marL="285750" indent="-285750">
+              <a:lnSpc>
+                <a:spcPct val="100000"/>
+              </a:lnSpc>
+              <a:spcBef>
+                <a:spcPts val="600"/>
+              </a:spcBef>
+              <a:buFont typeface="Arial" panose="020B0604020202020204" pitchFamily="34" charset="0"/>
+              <a:buChar char="•"/>
+            </a:pPr>
+            <a:r>
+              <a:rPr lang="de-DE" spc="-1" dirty="0">
+                <a:solidFill>
+                  <a:srgbClr val="000000"/>
+                </a:solidFill>
+                <a:latin typeface="Frutiger LT Com 45 Light"/>
+              </a:rPr>
+              <a:t>Vokabular: </a:t>
+            </a:r>
+            <a:r>
+              <a:rPr lang="de-DE" spc="-1" dirty="0" err="1">
+                <a:solidFill>
+                  <a:srgbClr val="000000"/>
+                </a:solidFill>
+                <a:latin typeface="Frutiger LT Com 45 Light"/>
+              </a:rPr>
+              <a:t>MetaMap</a:t>
+            </a:r>
+            <a:r>
+              <a:rPr lang="de-DE" spc="-1" dirty="0">
+                <a:solidFill>
+                  <a:srgbClr val="000000"/>
+                </a:solidFill>
+                <a:latin typeface="Frutiger LT Com 45 Light"/>
+              </a:rPr>
+              <a:t> bzw. </a:t>
+            </a:r>
+            <a:r>
+              <a:rPr lang="de-DE" spc="-1" dirty="0" err="1">
+                <a:solidFill>
+                  <a:srgbClr val="000000"/>
+                </a:solidFill>
+                <a:latin typeface="Frutiger LT Com 45 Light"/>
+              </a:rPr>
+              <a:t>MetaMapLite</a:t>
+            </a:r>
+            <a:endParaRPr lang="de-DE" spc="-1" dirty="0">
+              <a:solidFill>
+                <a:srgbClr val="000000"/>
+              </a:solidFill>
+              <a:latin typeface="Frutiger LT Com 45 Light"/>
+            </a:endParaRPr>
+          </a:p>
+          <a:p>
+            <a:pPr marL="285750" indent="-285750">
+              <a:lnSpc>
+                <a:spcPct val="100000"/>
+              </a:lnSpc>
+              <a:spcBef>
+                <a:spcPts val="600"/>
+              </a:spcBef>
+              <a:buFont typeface="Arial" panose="020B0604020202020204" pitchFamily="34" charset="0"/>
+              <a:buChar char="•"/>
+            </a:pPr>
+            <a:r>
+              <a:rPr lang="de-DE" spc="-1" dirty="0">
+                <a:solidFill>
+                  <a:srgbClr val="000000"/>
+                </a:solidFill>
+                <a:latin typeface="Frutiger LT Com 45 Light"/>
+              </a:rPr>
+              <a:t>Für das Training des </a:t>
+            </a:r>
+            <a:r>
+              <a:rPr lang="de-DE" spc="-1" dirty="0" err="1">
+                <a:solidFill>
+                  <a:srgbClr val="000000"/>
+                </a:solidFill>
+                <a:latin typeface="Frutiger LT Com 45 Light"/>
+              </a:rPr>
+              <a:t>spaCy</a:t>
+            </a:r>
+            <a:r>
+              <a:rPr lang="de-DE" spc="-1" dirty="0">
+                <a:solidFill>
+                  <a:srgbClr val="000000"/>
+                </a:solidFill>
+                <a:latin typeface="Frutiger LT Com 45 Light"/>
+              </a:rPr>
+              <a:t> Entity </a:t>
+            </a:r>
+            <a:r>
+              <a:rPr lang="de-DE" spc="-1" dirty="0" err="1">
+                <a:solidFill>
+                  <a:srgbClr val="000000"/>
+                </a:solidFill>
+                <a:latin typeface="Frutiger LT Com 45 Light"/>
+              </a:rPr>
+              <a:t>Rulers</a:t>
+            </a:r>
+            <a:r>
+              <a:rPr lang="de-DE" spc="-1" dirty="0">
+                <a:solidFill>
+                  <a:srgbClr val="000000"/>
+                </a:solidFill>
+                <a:latin typeface="Frutiger LT Com 45 Light"/>
+              </a:rPr>
+              <a:t> wurde das Vokabular aus dem </a:t>
+            </a:r>
+            <a:r>
+              <a:rPr lang="de-DE" spc="-1" dirty="0" err="1">
+                <a:solidFill>
+                  <a:srgbClr val="000000"/>
+                </a:solidFill>
+                <a:latin typeface="Frutiger LT Com 45 Light"/>
+              </a:rPr>
+              <a:t>MetaMapLite</a:t>
+            </a:r>
+            <a:r>
+              <a:rPr lang="de-DE" spc="-1" dirty="0">
+                <a:solidFill>
+                  <a:srgbClr val="000000"/>
+                </a:solidFill>
+                <a:latin typeface="Frutiger LT Com 45 Light"/>
+              </a:rPr>
+              <a:t>-Projekt verwendet.</a:t>
+            </a:r>
+          </a:p>
+          <a:p>
+            <a:pPr marL="285750" indent="-285750">
+              <a:lnSpc>
+                <a:spcPct val="100000"/>
+              </a:lnSpc>
+              <a:spcBef>
+                <a:spcPts val="600"/>
+              </a:spcBef>
+              <a:buFont typeface="Arial" panose="020B0604020202020204" pitchFamily="34" charset="0"/>
+              <a:buChar char="•"/>
+            </a:pPr>
+            <a:r>
+              <a:rPr lang="de-DE" spc="-1" dirty="0">
+                <a:solidFill>
+                  <a:srgbClr val="000000"/>
+                </a:solidFill>
+                <a:latin typeface="Frutiger LT Com 45 Light"/>
+              </a:rPr>
+              <a:t>Der Concept Unified Identifier (CUI) ermöglicht die Suche nach Synonymen.</a:t>
+            </a:r>
+          </a:p>
+          <a:p>
+            <a:pPr marL="285750" indent="-285750">
+              <a:lnSpc>
+                <a:spcPct val="100000"/>
+              </a:lnSpc>
+              <a:spcBef>
+                <a:spcPts val="600"/>
+              </a:spcBef>
+              <a:buFont typeface="Arial" panose="020B0604020202020204" pitchFamily="34" charset="0"/>
+              <a:buChar char="•"/>
+            </a:pPr>
+            <a:r>
+              <a:rPr lang="de-DE" spc="-1" dirty="0">
+                <a:solidFill>
+                  <a:srgbClr val="000000"/>
+                </a:solidFill>
+                <a:latin typeface="Frutiger LT Com 45 Light"/>
+              </a:rPr>
+              <a:t>Viele Begriffe des Vokabulars enthalten eine Kategorisierung wie </a:t>
+            </a:r>
+            <a:r>
+              <a:rPr lang="de-DE" i="1" spc="-1" dirty="0" err="1">
+                <a:solidFill>
+                  <a:srgbClr val="000000"/>
+                </a:solidFill>
+                <a:latin typeface="Frutiger LT Com 45 Light"/>
+              </a:rPr>
+              <a:t>disease</a:t>
+            </a:r>
+            <a:r>
+              <a:rPr lang="de-DE" spc="-1" dirty="0">
+                <a:solidFill>
+                  <a:srgbClr val="000000"/>
+                </a:solidFill>
+                <a:latin typeface="Frutiger LT Com 45 Light"/>
+              </a:rPr>
+              <a:t>, </a:t>
+            </a:r>
+            <a:r>
+              <a:rPr lang="de-DE" i="1" spc="-1" dirty="0" err="1">
+                <a:solidFill>
+                  <a:srgbClr val="000000"/>
+                </a:solidFill>
+                <a:latin typeface="Frutiger LT Com 45 Light"/>
+              </a:rPr>
+              <a:t>disorder</a:t>
+            </a:r>
+            <a:r>
+              <a:rPr lang="de-DE" spc="-1" dirty="0">
+                <a:solidFill>
+                  <a:srgbClr val="000000"/>
+                </a:solidFill>
+                <a:latin typeface="Frutiger LT Com 45 Light"/>
+              </a:rPr>
+              <a:t>, </a:t>
+            </a:r>
+            <a:r>
+              <a:rPr lang="de-DE" i="1" spc="-1" dirty="0" err="1">
+                <a:solidFill>
+                  <a:srgbClr val="000000"/>
+                </a:solidFill>
+                <a:latin typeface="Frutiger LT Com 45 Light"/>
+              </a:rPr>
+              <a:t>finding</a:t>
+            </a:r>
+            <a:r>
+              <a:rPr lang="de-DE" spc="-1" dirty="0">
+                <a:solidFill>
+                  <a:srgbClr val="000000"/>
+                </a:solidFill>
+                <a:latin typeface="Frutiger LT Com 45 Light"/>
+              </a:rPr>
+              <a:t>, etc.</a:t>
+            </a:r>
+          </a:p>
+          <a:p>
+            <a:pPr marL="285750" indent="-285750">
+              <a:lnSpc>
+                <a:spcPct val="100000"/>
+              </a:lnSpc>
+              <a:spcBef>
+                <a:spcPts val="600"/>
+              </a:spcBef>
+              <a:buFont typeface="Arial" panose="020B0604020202020204" pitchFamily="34" charset="0"/>
+              <a:buChar char="•"/>
+            </a:pPr>
+            <a:r>
+              <a:rPr lang="de-DE" spc="-1" dirty="0">
+                <a:solidFill>
+                  <a:srgbClr val="000000"/>
+                </a:solidFill>
+                <a:latin typeface="Frutiger LT Com 45 Light"/>
+              </a:rPr>
+              <a:t>Fehlt eine Kategorisierung, kann über die Synonymen-Suche ein Begriff mit Kategorisierung gesucht werden.</a:t>
+            </a:r>
+          </a:p>
+          <a:p>
+            <a:pPr marL="285750" indent="-285750">
+              <a:lnSpc>
+                <a:spcPct val="100000"/>
+              </a:lnSpc>
+              <a:spcBef>
+                <a:spcPts val="600"/>
+              </a:spcBef>
+              <a:buFont typeface="Arial" panose="020B0604020202020204" pitchFamily="34" charset="0"/>
+              <a:buChar char="•"/>
+            </a:pPr>
+            <a:r>
+              <a:rPr lang="de-DE" spc="-1" dirty="0">
+                <a:solidFill>
+                  <a:srgbClr val="000000"/>
+                </a:solidFill>
+                <a:latin typeface="Frutiger LT Com 45 Light"/>
+              </a:rPr>
+              <a:t>Diese Kategorisierung wird für das Training des Entity </a:t>
+            </a:r>
+            <a:r>
+              <a:rPr lang="de-DE" spc="-1" dirty="0" err="1">
+                <a:solidFill>
+                  <a:srgbClr val="000000"/>
+                </a:solidFill>
+                <a:latin typeface="Frutiger LT Com 45 Light"/>
+              </a:rPr>
+              <a:t>Rulers</a:t>
+            </a:r>
+            <a:r>
+              <a:rPr lang="de-DE" spc="-1" dirty="0">
+                <a:solidFill>
+                  <a:srgbClr val="000000"/>
+                </a:solidFill>
+                <a:latin typeface="Frutiger LT Com 45 Light"/>
+              </a:rPr>
+              <a:t> übernommen.</a:t>
+            </a:r>
+          </a:p>
+          <a:p>
+            <a:pPr marL="285750" indent="-285750">
+              <a:lnSpc>
+                <a:spcPct val="100000"/>
+              </a:lnSpc>
+              <a:spcBef>
+                <a:spcPts val="600"/>
+              </a:spcBef>
+              <a:buFont typeface="Arial" panose="020B0604020202020204" pitchFamily="34" charset="0"/>
+              <a:buChar char="•"/>
+            </a:pPr>
+            <a:r>
+              <a:rPr lang="de-DE" spc="-1" dirty="0">
+                <a:solidFill>
+                  <a:srgbClr val="000000"/>
+                </a:solidFill>
+                <a:latin typeface="Frutiger LT Com 45 Light"/>
+              </a:rPr>
+              <a:t>126.485 </a:t>
+            </a:r>
+            <a:r>
+              <a:rPr lang="de-DE" i="1" spc="-1" dirty="0" err="1">
+                <a:solidFill>
+                  <a:srgbClr val="000000"/>
+                </a:solidFill>
+                <a:latin typeface="Frutiger LT Com 45 Light"/>
+              </a:rPr>
+              <a:t>diseases</a:t>
+            </a:r>
+            <a:r>
+              <a:rPr lang="de-DE" spc="-1" dirty="0">
+                <a:solidFill>
+                  <a:srgbClr val="000000"/>
+                </a:solidFill>
+                <a:latin typeface="Frutiger LT Com 45 Light"/>
+              </a:rPr>
+              <a:t> / </a:t>
+            </a:r>
+            <a:r>
+              <a:rPr lang="de-DE" i="1" spc="-1" dirty="0" err="1">
+                <a:solidFill>
+                  <a:srgbClr val="000000"/>
+                </a:solidFill>
+                <a:latin typeface="Frutiger LT Com 45 Light"/>
+              </a:rPr>
+              <a:t>disorders</a:t>
+            </a:r>
+            <a:r>
+              <a:rPr lang="de-DE" spc="-1" dirty="0">
+                <a:solidFill>
+                  <a:srgbClr val="000000"/>
+                </a:solidFill>
+                <a:latin typeface="Frutiger LT Com 45 Light"/>
+              </a:rPr>
+              <a:t>, 60.423 </a:t>
+            </a:r>
+            <a:r>
+              <a:rPr lang="de-DE" i="1" spc="-1" dirty="0" err="1">
+                <a:solidFill>
+                  <a:srgbClr val="000000"/>
+                </a:solidFill>
+                <a:latin typeface="Frutiger LT Com 45 Light"/>
+              </a:rPr>
+              <a:t>findings</a:t>
+            </a:r>
+            <a:endParaRPr lang="de-DE" i="1" spc="-1" dirty="0">
+              <a:solidFill>
+                <a:srgbClr val="000000"/>
+              </a:solidFill>
+              <a:latin typeface="Frutiger LT Com 45 Light"/>
+            </a:endParaRPr>
+          </a:p>
+          <a:p>
+            <a:pPr marL="285750" indent="-285750">
+              <a:lnSpc>
+                <a:spcPct val="100000"/>
+              </a:lnSpc>
+              <a:spcBef>
+                <a:spcPts val="600"/>
+              </a:spcBef>
+              <a:buFont typeface="Arial" panose="020B0604020202020204" pitchFamily="34" charset="0"/>
+              <a:buChar char="•"/>
+            </a:pPr>
+            <a:endParaRPr lang="de-DE" sz="1800" b="0" strike="noStrike" spc="-1" dirty="0">
+              <a:latin typeface="Arial"/>
+            </a:endParaRPr>
+          </a:p>
+        </p:txBody>
+      </p:sp>
+      <p:sp>
+        <p:nvSpPr>
+          <p:cNvPr id="8" name="Textfeld 7">
+            <a:extLst>
+              <a:ext uri="{FF2B5EF4-FFF2-40B4-BE49-F238E27FC236}">
+                <a16:creationId xmlns:a16="http://schemas.microsoft.com/office/drawing/2014/main" id="{2267F54D-8227-6A89-78DA-EE4F5B60AFC1}"/>
+              </a:ext>
+            </a:extLst>
+          </p:cNvPr>
+          <p:cNvSpPr txBox="1"/>
+          <p:nvPr/>
+        </p:nvSpPr>
+        <p:spPr>
+          <a:xfrm>
+            <a:off x="651827" y="5948050"/>
+            <a:ext cx="4160113" cy="261610"/>
+          </a:xfrm>
+          <a:prstGeom prst="rect">
+            <a:avLst/>
+          </a:prstGeom>
+          <a:noFill/>
+        </p:spPr>
+        <p:txBody>
+          <a:bodyPr wrap="none" rtlCol="0">
+            <a:spAutoFit/>
+          </a:bodyPr>
+          <a:lstStyle/>
+          <a:p>
+            <a:r>
+              <a:rPr lang="de-DE" sz="1100"/>
+              <a:t>*) https://ii.nlm.nih.gov/Interactive/UTS_Required/MetaMap.html</a:t>
+            </a:r>
+          </a:p>
+        </p:txBody>
+      </p:sp>
     </p:spTree>
   </p:cSld>
   <p:clrMapOvr>
@@ -21136,7 +23566,7 @@
       </p:grpSpPr>
       <p:sp>
         <p:nvSpPr>
-          <p:cNvPr id="359" name="TextShape 1"/>
+          <p:cNvPr id="353" name="TextShape 1"/>
           <p:cNvSpPr txBox="1"/>
           <p:nvPr/>
         </p:nvSpPr>
@@ -21181,7 +23611,7 @@
       </p:sp>
       <p:sp>
         <p:nvSpPr>
-          <p:cNvPr id="360" name="TextShape 2"/>
+          <p:cNvPr id="354" name="TextShape 2"/>
           <p:cNvSpPr txBox="1"/>
           <p:nvPr/>
         </p:nvSpPr>
@@ -21209,7 +23639,7 @@
                 <a:spcPct val="100000"/>
               </a:lnSpc>
             </a:pPr>
-            <a:fld id="{810E913F-87BD-4844-914F-489A9B4C1696}" type="slidenum">
+            <a:fld id="{C7F92E6A-7C08-4387-9A61-38A5C525E660}" type="slidenum">
               <a:rPr lang="de-DE" sz="900" b="1" strike="noStrike" spc="-1">
                 <a:solidFill>
                   <a:srgbClr val="5073A5"/>
@@ -21226,7 +23656,7 @@
       </p:sp>
       <p:sp>
         <p:nvSpPr>
-          <p:cNvPr id="361" name="TextShape 3"/>
+          <p:cNvPr id="355" name="TextShape 3"/>
           <p:cNvSpPr txBox="1"/>
           <p:nvPr/>
         </p:nvSpPr>
@@ -21255,24 +23685,83 @@
               </a:lnSpc>
             </a:pPr>
             <a:r>
-              <a:rPr lang="de-DE" sz="2200" b="1" strike="noStrike" spc="-1">
+              <a:rPr lang="de-DE" sz="2200" b="1" spc="-1" dirty="0" err="1">
                 <a:solidFill>
                   <a:srgbClr val="5073A5"/>
                 </a:solidFill>
                 <a:latin typeface="Frutiger LT Com 45 Light"/>
-              </a:rPr>
-              <a:t>Evaluation</a:t>
-            </a:r>
-            <a:endParaRPr lang="de-DE" sz="2200" b="0" strike="noStrike" spc="-1">
-              <a:solidFill>
-                <a:srgbClr val="000000"/>
-              </a:solidFill>
-              <a:latin typeface="Frutiger LT Com 45 Light"/>
-            </a:endParaRPr>
-          </a:p>
-        </p:txBody>
-      </p:sp>
+                <a:ea typeface="+mn-ea"/>
+                <a:cs typeface="+mn-cs"/>
+              </a:rPr>
+              <a:t>SpaCy‘s</a:t>
+            </a:r>
+            <a:r>
+              <a:rPr lang="de-DE" sz="2200" b="1" spc="-1" dirty="0">
+                <a:solidFill>
+                  <a:srgbClr val="5073A5"/>
+                </a:solidFill>
+                <a:latin typeface="Frutiger LT Com 45 Light"/>
+                <a:ea typeface="+mn-ea"/>
+                <a:cs typeface="+mn-cs"/>
+              </a:rPr>
+              <a:t> Entity </a:t>
+            </a:r>
+            <a:r>
+              <a:rPr lang="de-DE" sz="2200" b="1" spc="-1" dirty="0" err="1">
+                <a:solidFill>
+                  <a:srgbClr val="5073A5"/>
+                </a:solidFill>
+                <a:latin typeface="Frutiger LT Com 45 Light"/>
+                <a:ea typeface="+mn-ea"/>
+                <a:cs typeface="+mn-cs"/>
+              </a:rPr>
+              <a:t>Ruler</a:t>
+            </a:r>
+            <a:endParaRPr lang="de-DE" sz="2200" b="0" strike="noStrike" spc="-1" dirty="0">
+              <a:solidFill>
+                <a:srgbClr val="000000"/>
+              </a:solidFill>
+              <a:latin typeface="Frutiger LT Com 45 Light"/>
+            </a:endParaRPr>
+          </a:p>
+        </p:txBody>
+      </p:sp>
+      <p:pic>
+        <p:nvPicPr>
+          <p:cNvPr id="2" name="Grafik 1">
+            <a:extLst>
+              <a:ext uri="{FF2B5EF4-FFF2-40B4-BE49-F238E27FC236}">
+                <a16:creationId xmlns:a16="http://schemas.microsoft.com/office/drawing/2014/main" id="{EFA95D38-DC56-67D0-B8D4-A87DF9CB3BC1}"/>
+              </a:ext>
+            </a:extLst>
+          </p:cNvPr>
+          <p:cNvPicPr>
+            <a:picLocks noChangeAspect="1"/>
+          </p:cNvPicPr>
+          <p:nvPr/>
+        </p:nvPicPr>
+        <p:blipFill>
+          <a:blip r:embed="rId2"/>
+          <a:stretch>
+            <a:fillRect/>
+          </a:stretch>
+        </p:blipFill>
+        <p:spPr>
+          <a:xfrm>
+            <a:off x="647271" y="1099236"/>
+            <a:ext cx="10407721" cy="5042917"/>
+          </a:xfrm>
+          <a:prstGeom prst="rect">
+            <a:avLst/>
+          </a:prstGeom>
+        </p:spPr>
+      </p:pic>
     </p:spTree>
+    <p:extLst>
+      <p:ext uri="{BB962C8B-B14F-4D97-AF65-F5344CB8AC3E}">
+        <p14:creationId xmlns:p14="http://schemas.microsoft.com/office/powerpoint/2010/main" val="150755431"/>
+      </p:ext>
+    </p:extLst>
   </p:cSld>
   <p:clrMapOvr>
     <a:masterClrMapping/>
@@ -21299,7 +23788,7 @@
       </p:grpSpPr>
       <p:sp>
         <p:nvSpPr>
-          <p:cNvPr id="362" name="TextShape 1"/>
+          <p:cNvPr id="353" name="TextShape 1"/>
           <p:cNvSpPr txBox="1"/>
           <p:nvPr/>
         </p:nvSpPr>
@@ -21344,7 +23833,7 @@
       </p:sp>
       <p:sp>
         <p:nvSpPr>
-          <p:cNvPr id="363" name="TextShape 2"/>
+          <p:cNvPr id="354" name="TextShape 2"/>
           <p:cNvSpPr txBox="1"/>
           <p:nvPr/>
         </p:nvSpPr>
@@ -21372,7 +23861,7 @@
                 <a:spcPct val="100000"/>
               </a:lnSpc>
             </a:pPr>
-            <a:fld id="{B3AA2393-6CAD-47F5-B2B4-97C89E117396}" type="slidenum">
+            <a:fld id="{C7F92E6A-7C08-4387-9A61-38A5C525E660}" type="slidenum">
               <a:rPr lang="de-DE" sz="900" b="1" strike="noStrike" spc="-1">
                 <a:solidFill>
                   <a:srgbClr val="5073A5"/>
@@ -21389,7 +23878,7 @@
       </p:sp>
       <p:sp>
         <p:nvSpPr>
-          <p:cNvPr id="364" name="TextShape 3"/>
+          <p:cNvPr id="355" name="TextShape 3"/>
           <p:cNvSpPr txBox="1"/>
           <p:nvPr/>
         </p:nvSpPr>
@@ -21418,24 +23907,315 @@
               </a:lnSpc>
             </a:pPr>
             <a:r>
-              <a:rPr lang="de-DE" sz="2200" b="1" strike="noStrike" spc="-1">
+              <a:rPr lang="de-DE" sz="2200" b="1" spc="-1" dirty="0">
                 <a:solidFill>
                   <a:srgbClr val="5073A5"/>
                 </a:solidFill>
                 <a:latin typeface="Frutiger LT Com 45 Light"/>
-              </a:rPr>
-              <a:t>Zusammenfassung</a:t>
-            </a:r>
-            <a:endParaRPr lang="de-DE" sz="2200" b="0" strike="noStrike" spc="-1">
-              <a:solidFill>
-                <a:srgbClr val="000000"/>
-              </a:solidFill>
-              <a:latin typeface="Frutiger LT Com 45 Light"/>
-            </a:endParaRPr>
+                <a:ea typeface="+mn-ea"/>
+                <a:cs typeface="+mn-cs"/>
+              </a:rPr>
+              <a:t>Implementierung / Aktivitätsdiagramm</a:t>
+            </a:r>
+            <a:endParaRPr lang="de-DE" sz="2200" b="0" strike="noStrike" spc="-1" dirty="0">
+              <a:solidFill>
+                <a:srgbClr val="000000"/>
+              </a:solidFill>
+              <a:latin typeface="Frutiger LT Com 45 Light"/>
+            </a:endParaRPr>
+          </a:p>
+        </p:txBody>
+      </p:sp>
+      <p:pic>
+        <p:nvPicPr>
+          <p:cNvPr id="3" name="Grafik 2">
+            <a:extLst>
+              <a:ext uri="{FF2B5EF4-FFF2-40B4-BE49-F238E27FC236}">
+                <a16:creationId xmlns:a16="http://schemas.microsoft.com/office/drawing/2014/main" id="{610B6835-0A1E-7DAA-5A85-4954BAC25689}"/>
+              </a:ext>
+            </a:extLst>
+          </p:cNvPr>
+          <p:cNvPicPr>
+            <a:picLocks noChangeAspect="1"/>
+          </p:cNvPicPr>
+          <p:nvPr/>
+        </p:nvPicPr>
+        <p:blipFill>
+          <a:blip r:embed="rId2">
+            <a:extLst>
+              <a:ext uri="{28A0092B-C50C-407E-A947-70E740481C1C}">
+                <a14:useLocalDpi xmlns:a14="http://schemas.microsoft.com/office/drawing/2010/main" val="0"/>
+              </a:ext>
+            </a:extLst>
+          </a:blip>
+          <a:stretch>
+            <a:fillRect/>
+          </a:stretch>
+        </p:blipFill>
+        <p:spPr>
+          <a:xfrm>
+            <a:off x="4982967" y="1269464"/>
+            <a:ext cx="6563774" cy="4502626"/>
+          </a:xfrm>
+          <a:prstGeom prst="rect">
+            <a:avLst/>
+          </a:prstGeom>
+        </p:spPr>
+      </p:pic>
+      <p:sp>
+        <p:nvSpPr>
+          <p:cNvPr id="4" name="CustomShape 3">
+            <a:extLst>
+              <a:ext uri="{FF2B5EF4-FFF2-40B4-BE49-F238E27FC236}">
+                <a16:creationId xmlns:a16="http://schemas.microsoft.com/office/drawing/2014/main" id="{B05757FB-C9ED-AC22-355A-5A984B569EEA}"/>
+              </a:ext>
+            </a:extLst>
+          </p:cNvPr>
+          <p:cNvSpPr/>
+          <p:nvPr/>
+        </p:nvSpPr>
+        <p:spPr>
+          <a:xfrm>
+            <a:off x="645259" y="1269464"/>
+            <a:ext cx="4262967" cy="4784471"/>
+          </a:xfrm>
+          <a:prstGeom prst="rect">
+            <a:avLst/>
+          </a:prstGeom>
+          <a:noFill/>
+          <a:ln w="0">
+            <a:noFill/>
+          </a:ln>
+        </p:spPr>
+        <p:style>
+          <a:lnRef idx="0">
+            <a:scrgbClr r="0" g="0" b="0"/>
+          </a:lnRef>
+          <a:fillRef idx="0">
+            <a:scrgbClr r="0" g="0" b="0"/>
+          </a:fillRef>
+          <a:effectRef idx="0">
+            <a:scrgbClr r="0" g="0" b="0"/>
+          </a:effectRef>
+          <a:fontRef idx="minor"/>
+        </p:style>
+        <p:txBody>
+          <a:bodyPr wrap="square" lIns="90000" tIns="45000" rIns="90000" bIns="45000">
+            <a:spAutoFit/>
+          </a:bodyPr>
+          <a:lstStyle/>
+          <a:p>
+            <a:pPr marL="285750" indent="-285750">
+              <a:lnSpc>
+                <a:spcPct val="100000"/>
+              </a:lnSpc>
+              <a:spcBef>
+                <a:spcPts val="600"/>
+              </a:spcBef>
+              <a:buFont typeface="Arial" panose="020B0604020202020204" pitchFamily="34" charset="0"/>
+              <a:buChar char="•"/>
+            </a:pPr>
+            <a:r>
+              <a:rPr lang="de-DE" spc="-1" dirty="0">
+                <a:solidFill>
+                  <a:srgbClr val="000000"/>
+                </a:solidFill>
+                <a:latin typeface="Frutiger LT Com 45 Light"/>
+              </a:rPr>
+              <a:t>Konsolenapplikation</a:t>
+            </a:r>
+          </a:p>
+          <a:p>
+            <a:pPr marL="285750" indent="-285750">
+              <a:lnSpc>
+                <a:spcPct val="100000"/>
+              </a:lnSpc>
+              <a:spcBef>
+                <a:spcPts val="600"/>
+              </a:spcBef>
+              <a:buFont typeface="Arial" panose="020B0604020202020204" pitchFamily="34" charset="0"/>
+              <a:buChar char="•"/>
+            </a:pPr>
+            <a:r>
+              <a:rPr lang="de-DE" spc="-1" dirty="0">
+                <a:solidFill>
+                  <a:srgbClr val="000000"/>
+                </a:solidFill>
+                <a:latin typeface="Frutiger LT Com 45 Light"/>
+              </a:rPr>
+              <a:t>Order für beliebig viele zu analysierende Textdateien</a:t>
+            </a:r>
+          </a:p>
+          <a:p>
+            <a:pPr marL="285750" indent="-285750">
+              <a:lnSpc>
+                <a:spcPct val="100000"/>
+              </a:lnSpc>
+              <a:spcBef>
+                <a:spcPts val="600"/>
+              </a:spcBef>
+              <a:buFont typeface="Arial" panose="020B0604020202020204" pitchFamily="34" charset="0"/>
+              <a:buChar char="•"/>
+            </a:pPr>
+            <a:r>
+              <a:rPr lang="de-DE" spc="-1" dirty="0">
+                <a:solidFill>
+                  <a:srgbClr val="000000"/>
+                </a:solidFill>
+                <a:latin typeface="Frutiger LT Com 45 Light"/>
+              </a:rPr>
+              <a:t>Existierende Datenbank kann erweitert werden oder neu begonnen werden</a:t>
+            </a:r>
+          </a:p>
+          <a:p>
+            <a:pPr marL="285750" indent="-285750">
+              <a:lnSpc>
+                <a:spcPct val="100000"/>
+              </a:lnSpc>
+              <a:spcBef>
+                <a:spcPts val="600"/>
+              </a:spcBef>
+              <a:buFont typeface="Arial" panose="020B0604020202020204" pitchFamily="34" charset="0"/>
+              <a:buChar char="•"/>
+            </a:pPr>
+            <a:r>
+              <a:rPr lang="de-DE" spc="-1" dirty="0">
+                <a:solidFill>
+                  <a:srgbClr val="000000"/>
+                </a:solidFill>
+                <a:latin typeface="Frutiger LT Com 45 Light"/>
+              </a:rPr>
+              <a:t>Anweisungen für den </a:t>
+            </a:r>
+            <a:r>
+              <a:rPr lang="de-DE" spc="-1" dirty="0" err="1">
+                <a:solidFill>
+                  <a:srgbClr val="000000"/>
+                </a:solidFill>
+                <a:latin typeface="Frutiger LT Com 45 Light"/>
+              </a:rPr>
+              <a:t>Medextractor</a:t>
+            </a:r>
+            <a:r>
+              <a:rPr lang="de-DE" spc="-1" dirty="0">
+                <a:solidFill>
+                  <a:srgbClr val="000000"/>
+                </a:solidFill>
+                <a:latin typeface="Frutiger LT Com 45 Light"/>
+              </a:rPr>
+              <a:t> in </a:t>
+            </a:r>
+            <a:r>
+              <a:rPr lang="de-DE" spc="-1" dirty="0" err="1">
+                <a:solidFill>
+                  <a:srgbClr val="000000"/>
+                </a:solidFill>
+                <a:latin typeface="Frutiger LT Com 45 Light"/>
+              </a:rPr>
+              <a:t>config.json</a:t>
+            </a:r>
+            <a:r>
+              <a:rPr lang="de-DE" spc="-1" dirty="0">
+                <a:solidFill>
+                  <a:srgbClr val="000000"/>
+                </a:solidFill>
+                <a:latin typeface="Frutiger LT Com 45 Light"/>
+              </a:rPr>
+              <a:t> Datei</a:t>
+            </a:r>
+          </a:p>
+          <a:p>
+            <a:pPr marL="285750" indent="-285750">
+              <a:lnSpc>
+                <a:spcPct val="100000"/>
+              </a:lnSpc>
+              <a:spcBef>
+                <a:spcPts val="600"/>
+              </a:spcBef>
+              <a:buFont typeface="Arial" panose="020B0604020202020204" pitchFamily="34" charset="0"/>
+              <a:buChar char="•"/>
+            </a:pPr>
+            <a:r>
+              <a:rPr lang="de-DE" b="0" strike="noStrike" spc="-1" dirty="0">
+                <a:latin typeface="Frutiger LT Com 45 Light"/>
+              </a:rPr>
+              <a:t>Jede Textdatei wird zunächst aufbereitet</a:t>
+            </a:r>
+          </a:p>
+          <a:p>
+            <a:pPr marL="285750" indent="-285750">
+              <a:lnSpc>
+                <a:spcPct val="100000"/>
+              </a:lnSpc>
+              <a:spcBef>
+                <a:spcPts val="600"/>
+              </a:spcBef>
+              <a:buFont typeface="Arial" panose="020B0604020202020204" pitchFamily="34" charset="0"/>
+              <a:buChar char="•"/>
+            </a:pPr>
+            <a:r>
+              <a:rPr lang="de-DE" b="0" strike="noStrike" spc="-1" dirty="0">
+                <a:latin typeface="Frutiger LT Com 45 Light"/>
+              </a:rPr>
+              <a:t>In dem aufbereiteten Text wird nach Krankheiten un</a:t>
+            </a:r>
+            <a:r>
+              <a:rPr lang="de-DE" spc="-1" dirty="0">
+                <a:latin typeface="Frutiger LT Com 45 Light"/>
+              </a:rPr>
+              <a:t>d Symptomen gesucht.</a:t>
+            </a:r>
+          </a:p>
+          <a:p>
+            <a:pPr marL="285750" indent="-285750">
+              <a:lnSpc>
+                <a:spcPct val="100000"/>
+              </a:lnSpc>
+              <a:spcBef>
+                <a:spcPts val="600"/>
+              </a:spcBef>
+              <a:buFont typeface="Arial" panose="020B0604020202020204" pitchFamily="34" charset="0"/>
+              <a:buChar char="•"/>
+            </a:pPr>
+            <a:r>
+              <a:rPr lang="de-DE" b="0" strike="noStrike" spc="-1" dirty="0">
+                <a:latin typeface="Frutiger LT Com 45 Light"/>
+              </a:rPr>
+              <a:t>Ein Zusammenhang wird angenommen, wenn in einem Satz eine Kran</a:t>
+            </a:r>
+            <a:r>
+              <a:rPr lang="de-DE" spc="-1" dirty="0">
+                <a:latin typeface="Frutiger LT Com 45 Light"/>
+              </a:rPr>
+              <a:t>kheit und ein Symptom gefunden werden.</a:t>
+            </a:r>
+          </a:p>
+          <a:p>
+            <a:pPr marL="285750" indent="-285750">
+              <a:lnSpc>
+                <a:spcPct val="100000"/>
+              </a:lnSpc>
+              <a:spcBef>
+                <a:spcPts val="600"/>
+              </a:spcBef>
+              <a:buFont typeface="Arial" panose="020B0604020202020204" pitchFamily="34" charset="0"/>
+              <a:buChar char="•"/>
+            </a:pPr>
+            <a:r>
+              <a:rPr lang="de-DE" b="0" strike="noStrike" spc="-1" dirty="0">
+                <a:latin typeface="Frutiger LT Com 45 Light"/>
+              </a:rPr>
+              <a:t>Ausgabe: Wissensrepräsentation im RDF-Format + Ausgabe für Entity Linker</a:t>
+            </a:r>
           </a:p>
         </p:txBody>
       </p:sp>
     </p:spTree>
+    <p:extLst>
+      <p:ext uri="{BB962C8B-B14F-4D97-AF65-F5344CB8AC3E}">
+        <p14:creationId xmlns:p14="http://schemas.microsoft.com/office/powerpoint/2010/main" val="4167739487"/>
+      </p:ext>
+    </p:extLst>
   </p:cSld>
   <p:clrMapOvr>
     <a:masterClrMapping/>

--- a/Praesentation/Praesentation_Fachpraktikum_MedExtractor_Gruppe5.pptx
+++ b/Praesentation/Praesentation_Fachpraktikum_MedExtractor_Gruppe5.pptx
@@ -13,19 +13,19 @@
     <p:sldMasterId id="2147483752" r:id="rId9"/>
   </p:sldMasterIdLst>
   <p:notesMasterIdLst>
-    <p:notesMasterId r:id="rId33"/>
+    <p:notesMasterId r:id="rId35"/>
   </p:notesMasterIdLst>
   <p:sldIdLst>
     <p:sldId id="256" r:id="rId10"/>
     <p:sldId id="257" r:id="rId11"/>
     <p:sldId id="258" r:id="rId12"/>
-    <p:sldId id="259" r:id="rId13"/>
-    <p:sldId id="260" r:id="rId14"/>
-    <p:sldId id="261" r:id="rId15"/>
-    <p:sldId id="262" r:id="rId16"/>
-    <p:sldId id="263" r:id="rId17"/>
-    <p:sldId id="264" r:id="rId18"/>
-    <p:sldId id="265" r:id="rId19"/>
+    <p:sldId id="281" r:id="rId13"/>
+    <p:sldId id="259" r:id="rId14"/>
+    <p:sldId id="260" r:id="rId15"/>
+    <p:sldId id="265" r:id="rId16"/>
+    <p:sldId id="262" r:id="rId17"/>
+    <p:sldId id="263" r:id="rId18"/>
+    <p:sldId id="264" r:id="rId19"/>
     <p:sldId id="266" r:id="rId20"/>
     <p:sldId id="267" r:id="rId21"/>
     <p:sldId id="268" r:id="rId22"/>
@@ -33,12 +33,14 @@
     <p:sldId id="270" r:id="rId24"/>
     <p:sldId id="271" r:id="rId25"/>
     <p:sldId id="272" r:id="rId26"/>
-    <p:sldId id="273" r:id="rId27"/>
+    <p:sldId id="279" r:id="rId27"/>
     <p:sldId id="274" r:id="rId28"/>
     <p:sldId id="275" r:id="rId29"/>
     <p:sldId id="276" r:id="rId30"/>
     <p:sldId id="277" r:id="rId31"/>
-    <p:sldId id="278" r:id="rId32"/>
+    <p:sldId id="280" r:id="rId32"/>
+    <p:sldId id="273" r:id="rId33"/>
+    <p:sldId id="278" r:id="rId34"/>
   </p:sldIdLst>
   <p:sldSz cx="12192000" cy="6858000"/>
   <p:notesSz cx="6858000" cy="9144000"/>
@@ -137,6 +139,11 @@
       </a:defRPr>
     </a:lvl9pPr>
   </p:defaultTextStyle>
+  <p:extLst>
+    <p:ext uri="{EFAFB233-063F-42B5-8137-9DF3F51BA10A}">
+      <p15:sldGuideLst xmlns:p15="http://schemas.microsoft.com/office/powerpoint/2012/main"/>
+    </p:ext>
+  </p:extLst>
 </p:presentation>
 </file>
 
@@ -21128,7 +21135,7 @@
       </p:grpSpPr>
       <p:sp>
         <p:nvSpPr>
-          <p:cNvPr id="459" name="CustomShape 1"/>
+          <p:cNvPr id="454" name="CustomShape 1"/>
           <p:cNvSpPr/>
           <p:nvPr/>
         </p:nvSpPr>
@@ -21186,7 +21193,7 @@
       </p:sp>
       <p:sp>
         <p:nvSpPr>
-          <p:cNvPr id="460" name="CustomShape 2"/>
+          <p:cNvPr id="455" name="CustomShape 2"/>
           <p:cNvSpPr/>
           <p:nvPr/>
         </p:nvSpPr>
@@ -21226,7 +21233,7 @@
                 <a:spcPct val="100000"/>
               </a:lnSpc>
             </a:pPr>
-            <a:fld id="{4E2D9203-378D-4095-A2D6-67256DCC1683}" type="slidenum">
+            <a:fld id="{BF50B4DA-734D-402D-80B1-2450063A11FD}" type="slidenum">
               <a:rPr lang="de-DE" sz="900" b="1" strike="noStrike" spc="-1">
                 <a:solidFill>
                   <a:srgbClr val="5073A5"/>
@@ -21244,7 +21251,7 @@
       </p:sp>
       <p:sp>
         <p:nvSpPr>
-          <p:cNvPr id="461" name="CustomShape 3"/>
+          <p:cNvPr id="456" name="CustomShape 3"/>
           <p:cNvSpPr/>
           <p:nvPr/>
         </p:nvSpPr>
@@ -21292,7 +21299,7 @@
                 <a:latin typeface="Frutiger LT Com 45 Light"/>
                 <a:ea typeface="DejaVu Sans"/>
               </a:rPr>
-              <a:t>SpaCy‘s Entity Ruler</a:t>
+              <a:t>Datengrundlage</a:t>
             </a:r>
             <a:endParaRPr lang="de-DE" sz="2200" b="0" strike="noStrike" spc="-1">
               <a:latin typeface="Arial"/>
@@ -21300,29 +21307,236 @@
           </a:p>
         </p:txBody>
       </p:sp>
-      <p:pic>
-        <p:nvPicPr>
-          <p:cNvPr id="462" name="Grafik 1"/>
-          <p:cNvPicPr/>
+      <p:sp>
+        <p:nvSpPr>
+          <p:cNvPr id="457" name="CustomShape 4"/>
+          <p:cNvSpPr/>
           <p:nvPr/>
-        </p:nvPicPr>
-        <p:blipFill>
-          <a:blip r:embed="rId2"/>
-          <a:stretch/>
-        </p:blipFill>
-        <p:spPr>
-          <a:xfrm>
-            <a:off x="647280" y="1099080"/>
-            <a:ext cx="10406880" cy="5042160"/>
-          </a:xfrm>
-          <a:prstGeom prst="rect">
-            <a:avLst/>
-          </a:prstGeom>
+        </p:nvSpPr>
+        <p:spPr>
+          <a:xfrm>
+            <a:off x="883080" y="1440000"/>
+            <a:ext cx="9196560" cy="2650320"/>
+          </a:xfrm>
+          <a:prstGeom prst="rect">
+            <a:avLst/>
+          </a:prstGeom>
+          <a:noFill/>
           <a:ln w="0">
             <a:noFill/>
           </a:ln>
         </p:spPr>
-      </p:pic>
+        <p:style>
+          <a:lnRef idx="0">
+            <a:scrgbClr r="0" g="0" b="0"/>
+          </a:lnRef>
+          <a:fillRef idx="0">
+            <a:scrgbClr r="0" g="0" b="0"/>
+          </a:fillRef>
+          <a:effectRef idx="0">
+            <a:scrgbClr r="0" g="0" b="0"/>
+          </a:effectRef>
+          <a:fontRef idx="minor"/>
+        </p:style>
+      </p:sp>
+      <p:sp>
+        <p:nvSpPr>
+          <p:cNvPr id="458" name="CustomShape 5"/>
+          <p:cNvSpPr/>
+          <p:nvPr/>
+        </p:nvSpPr>
+        <p:spPr>
+          <a:xfrm>
+            <a:off x="1399621" y="1937010"/>
+            <a:ext cx="9196560" cy="2983979"/>
+          </a:xfrm>
+          <a:prstGeom prst="rect">
+            <a:avLst/>
+          </a:prstGeom>
+          <a:noFill/>
+          <a:ln w="0">
+            <a:noFill/>
+          </a:ln>
+        </p:spPr>
+        <p:style>
+          <a:lnRef idx="0">
+            <a:scrgbClr r="0" g="0" b="0"/>
+          </a:lnRef>
+          <a:fillRef idx="0">
+            <a:scrgbClr r="0" g="0" b="0"/>
+          </a:fillRef>
+          <a:effectRef idx="0">
+            <a:scrgbClr r="0" g="0" b="0"/>
+          </a:effectRef>
+          <a:fontRef idx="minor"/>
+        </p:style>
+        <p:txBody>
+          <a:bodyPr lIns="90000" tIns="45000" rIns="90000" bIns="45000">
+            <a:spAutoFit/>
+          </a:bodyPr>
+          <a:lstStyle/>
+          <a:p>
+            <a:pPr marL="457920" indent="-457200">
+              <a:lnSpc>
+                <a:spcPct val="100000"/>
+              </a:lnSpc>
+              <a:spcBef>
+                <a:spcPts val="601"/>
+              </a:spcBef>
+              <a:buClr>
+                <a:srgbClr val="000000"/>
+              </a:buClr>
+              <a:buFont typeface="+mj-lt"/>
+              <a:buAutoNum type="arabicPeriod"/>
+            </a:pPr>
+            <a:r>
+              <a:rPr lang="de-DE" sz="2400" b="0" strike="noStrike" spc="-1" dirty="0">
+                <a:solidFill>
+                  <a:srgbClr val="000000"/>
+                </a:solidFill>
+                <a:latin typeface="Frutiger LT Com 45 Light"/>
+                <a:ea typeface="DejaVu Sans"/>
+              </a:rPr>
+              <a:t>Webseiten des National Health Service UK (NHS) und der National Institutes of Health (NIH, U.S.) - 49 Texte zu mehreren psychischen Störungen (Agoraphobie, Alkoholmissbrauch, Depression, u. s. w.)</a:t>
+            </a:r>
+            <a:endParaRPr lang="de-DE" sz="2400" b="0" strike="noStrike" spc="-1" dirty="0">
+              <a:latin typeface="Arial"/>
+            </a:endParaRPr>
+          </a:p>
+          <a:p>
+            <a:pPr marL="457920" indent="-457200">
+              <a:lnSpc>
+                <a:spcPct val="100000"/>
+              </a:lnSpc>
+              <a:spcBef>
+                <a:spcPts val="601"/>
+              </a:spcBef>
+              <a:buClr>
+                <a:srgbClr val="000000"/>
+              </a:buClr>
+              <a:buFont typeface="+mj-lt"/>
+              <a:buAutoNum type="arabicPeriod"/>
+            </a:pPr>
+            <a:endParaRPr lang="de-DE" sz="2400" b="0" strike="noStrike" spc="-1" dirty="0">
+              <a:latin typeface="Arial"/>
+            </a:endParaRPr>
+          </a:p>
+          <a:p>
+            <a:pPr marL="457920" indent="-457200">
+              <a:lnSpc>
+                <a:spcPct val="100000"/>
+              </a:lnSpc>
+              <a:spcBef>
+                <a:spcPts val="601"/>
+              </a:spcBef>
+              <a:buClr>
+                <a:srgbClr val="000000"/>
+              </a:buClr>
+              <a:buFont typeface="+mj-lt"/>
+              <a:buAutoNum type="arabicPeriod"/>
+            </a:pPr>
+            <a:r>
+              <a:rPr lang="de-DE" sz="2400" b="0" strike="noStrike" spc="-1" dirty="0">
+                <a:solidFill>
+                  <a:srgbClr val="000000"/>
+                </a:solidFill>
+                <a:latin typeface="Frutiger LT Com 45 Light"/>
+                <a:ea typeface="DejaVu Sans"/>
+              </a:rPr>
+              <a:t>Ein Artikel zum Thema „Mental </a:t>
+            </a:r>
+            <a:r>
+              <a:rPr lang="de-DE" sz="2400" b="0" strike="noStrike" spc="-1" dirty="0" err="1">
+                <a:solidFill>
+                  <a:srgbClr val="000000"/>
+                </a:solidFill>
+                <a:latin typeface="Frutiger LT Com 45 Light"/>
+                <a:ea typeface="DejaVu Sans"/>
+              </a:rPr>
+              <a:t>Disorder</a:t>
+            </a:r>
+            <a:r>
+              <a:rPr lang="de-DE" sz="2400" b="0" strike="noStrike" spc="-1" dirty="0">
+                <a:solidFill>
+                  <a:srgbClr val="000000"/>
+                </a:solidFill>
+                <a:latin typeface="Frutiger LT Com 45 Light"/>
+                <a:ea typeface="DejaVu Sans"/>
+              </a:rPr>
+              <a:t>“ auf Wikipedia</a:t>
+            </a:r>
+            <a:endParaRPr lang="de-DE" sz="2400" b="0" strike="noStrike" spc="-1" dirty="0">
+              <a:latin typeface="Arial"/>
+            </a:endParaRPr>
+          </a:p>
+          <a:p>
+            <a:pPr marL="457920" indent="-457200">
+              <a:lnSpc>
+                <a:spcPct val="100000"/>
+              </a:lnSpc>
+              <a:spcBef>
+                <a:spcPts val="601"/>
+              </a:spcBef>
+              <a:buClr>
+                <a:srgbClr val="000000"/>
+              </a:buClr>
+              <a:buFont typeface="+mj-lt"/>
+              <a:buAutoNum type="arabicPeriod"/>
+            </a:pPr>
+            <a:endParaRPr lang="de-DE" sz="2400" spc="-1" dirty="0">
+              <a:latin typeface="Arial"/>
+            </a:endParaRPr>
+          </a:p>
+          <a:p>
+            <a:pPr marL="457920" indent="-457200">
+              <a:lnSpc>
+                <a:spcPct val="100000"/>
+              </a:lnSpc>
+              <a:spcBef>
+                <a:spcPts val="601"/>
+              </a:spcBef>
+              <a:buClr>
+                <a:srgbClr val="000000"/>
+              </a:buClr>
+              <a:buFont typeface="+mj-lt"/>
+              <a:buAutoNum type="arabicPeriod"/>
+            </a:pPr>
+            <a:r>
+              <a:rPr lang="de-DE" sz="2400" b="0" strike="noStrike" spc="-1" dirty="0">
+                <a:solidFill>
+                  <a:srgbClr val="000000"/>
+                </a:solidFill>
+                <a:latin typeface="Frutiger LT Com 45 Light"/>
+                <a:ea typeface="DejaVu Sans"/>
+              </a:rPr>
+              <a:t>„Clinical Handbook of Psychological </a:t>
+            </a:r>
+            <a:r>
+              <a:rPr lang="de-DE" sz="2400" b="0" strike="noStrike" spc="-1" dirty="0" err="1">
+                <a:solidFill>
+                  <a:srgbClr val="000000"/>
+                </a:solidFill>
+                <a:latin typeface="Frutiger LT Com 45 Light"/>
+                <a:ea typeface="DejaVu Sans"/>
+              </a:rPr>
+              <a:t>Disorders</a:t>
+            </a:r>
+            <a:r>
+              <a:rPr lang="de-DE" sz="2400" b="0" strike="noStrike" spc="-1" dirty="0">
+                <a:solidFill>
+                  <a:srgbClr val="000000"/>
+                </a:solidFill>
+                <a:latin typeface="Frutiger LT Com 45 Light"/>
+                <a:ea typeface="DejaVu Sans"/>
+              </a:rPr>
+              <a:t>“</a:t>
+            </a:r>
+            <a:endParaRPr lang="de-DE" sz="2400" b="0" strike="noStrike" spc="-1" dirty="0">
+              <a:latin typeface="Arial"/>
+            </a:endParaRPr>
+          </a:p>
+        </p:txBody>
+      </p:sp>
     </p:spTree>
   </p:cSld>
   <p:clrMapOvr>
@@ -21553,8 +21767,8 @@
         </p:nvSpPr>
         <p:spPr>
           <a:xfrm>
-            <a:off x="645120" y="1269360"/>
-            <a:ext cx="4417074" cy="4784471"/>
+            <a:off x="645720" y="1397328"/>
+            <a:ext cx="4417074" cy="4245863"/>
           </a:xfrm>
           <a:prstGeom prst="rect">
             <a:avLst/>
@@ -21587,7 +21801,7 @@
                 <a:spcPct val="100000"/>
               </a:lnSpc>
               <a:spcBef>
-                <a:spcPts val="601"/>
+                <a:spcPts val="1200"/>
               </a:spcBef>
               <a:buClr>
                 <a:srgbClr val="000000"/>
@@ -21596,7 +21810,7 @@
               <a:buChar char="•"/>
             </a:pPr>
             <a:r>
-              <a:rPr lang="de-DE" sz="1800" b="0" strike="noStrike" spc="-1" dirty="0">
+              <a:rPr lang="de-DE" sz="2400" b="0" strike="noStrike" spc="-1" dirty="0">
                 <a:solidFill>
                   <a:srgbClr val="000000"/>
                 </a:solidFill>
@@ -21605,7 +21819,7 @@
               </a:rPr>
               <a:t>Konsolenapplikation</a:t>
             </a:r>
-            <a:endParaRPr lang="de-DE" sz="1800" b="0" strike="noStrike" spc="-1" dirty="0">
+            <a:endParaRPr lang="de-DE" sz="2400" b="0" strike="noStrike" spc="-1" dirty="0">
               <a:latin typeface="Arial"/>
             </a:endParaRPr>
           </a:p>
@@ -21615,7 +21829,7 @@
                 <a:spcPct val="100000"/>
               </a:lnSpc>
               <a:spcBef>
-                <a:spcPts val="601"/>
+                <a:spcPts val="1200"/>
               </a:spcBef>
               <a:buClr>
                 <a:srgbClr val="000000"/>
@@ -21624,7 +21838,7 @@
               <a:buChar char="•"/>
             </a:pPr>
             <a:r>
-              <a:rPr lang="de-DE" sz="1800" b="0" strike="noStrike" spc="-1" dirty="0">
+              <a:rPr lang="de-DE" sz="2400" b="0" strike="noStrike" spc="-1" dirty="0">
                 <a:solidFill>
                   <a:srgbClr val="000000"/>
                 </a:solidFill>
@@ -21633,7 +21847,7 @@
               </a:rPr>
               <a:t>Ordner für beliebig viele zu analysierende Textdateien</a:t>
             </a:r>
-            <a:endParaRPr lang="de-DE" sz="1800" b="0" strike="noStrike" spc="-1" dirty="0">
+            <a:endParaRPr lang="de-DE" sz="2400" b="0" strike="noStrike" spc="-1" dirty="0">
               <a:latin typeface="Arial"/>
             </a:endParaRPr>
           </a:p>
@@ -21643,7 +21857,7 @@
                 <a:spcPct val="100000"/>
               </a:lnSpc>
               <a:spcBef>
-                <a:spcPts val="601"/>
+                <a:spcPts val="1200"/>
               </a:spcBef>
               <a:buClr>
                 <a:srgbClr val="000000"/>
@@ -21652,16 +21866,16 @@
               <a:buChar char="•"/>
             </a:pPr>
             <a:r>
-              <a:rPr lang="de-DE" sz="1800" b="0" strike="noStrike" spc="-1" dirty="0">
+              <a:rPr lang="de-DE" sz="2400" b="0" strike="noStrike" spc="-1" dirty="0">
                 <a:solidFill>
                   <a:srgbClr val="000000"/>
                 </a:solidFill>
                 <a:latin typeface="Frutiger LT Com 45 Light"/>
                 <a:ea typeface="DejaVu Sans"/>
               </a:rPr>
-              <a:t>Existierende Datenbank kann erweitert werden oder neu begonnen werden</a:t>
-            </a:r>
-            <a:endParaRPr lang="de-DE" sz="1800" b="0" strike="noStrike" spc="-1" dirty="0">
+              <a:t>In allen Texten wird nach Krankheiten und ihren Symptomen gesucht.</a:t>
+            </a:r>
+            <a:endParaRPr lang="de-DE" sz="2400" b="0" strike="noStrike" spc="-1" dirty="0">
               <a:latin typeface="Arial"/>
             </a:endParaRPr>
           </a:p>
@@ -21671,7 +21885,7 @@
                 <a:spcPct val="100000"/>
               </a:lnSpc>
               <a:spcBef>
-                <a:spcPts val="601"/>
+                <a:spcPts val="1200"/>
               </a:spcBef>
               <a:buClr>
                 <a:srgbClr val="000000"/>
@@ -21680,168 +21894,16 @@
               <a:buChar char="•"/>
             </a:pPr>
             <a:r>
-              <a:rPr lang="de-DE" sz="1800" b="0" strike="noStrike" spc="-1" dirty="0">
+              <a:rPr lang="de-DE" sz="2400" b="0" strike="noStrike" spc="-1" dirty="0">
                 <a:solidFill>
                   <a:srgbClr val="000000"/>
                 </a:solidFill>
                 <a:latin typeface="Frutiger LT Com 45 Light"/>
                 <a:ea typeface="DejaVu Sans"/>
               </a:rPr>
-              <a:t>Anweisungen für den </a:t>
-            </a:r>
-            <a:r>
-              <a:rPr lang="de-DE" sz="1800" b="0" strike="noStrike" spc="-1" dirty="0" err="1">
-                <a:solidFill>
-                  <a:srgbClr val="000000"/>
-                </a:solidFill>
-                <a:latin typeface="Frutiger LT Com 45 Light"/>
-                <a:ea typeface="DejaVu Sans"/>
-              </a:rPr>
-              <a:t>Medextractor</a:t>
-            </a:r>
-            <a:r>
-              <a:rPr lang="de-DE" sz="1800" b="0" strike="noStrike" spc="-1" dirty="0">
-                <a:solidFill>
-                  <a:srgbClr val="000000"/>
-                </a:solidFill>
-                <a:latin typeface="Frutiger LT Com 45 Light"/>
-                <a:ea typeface="DejaVu Sans"/>
-              </a:rPr>
-              <a:t> in </a:t>
-            </a:r>
-            <a:r>
-              <a:rPr lang="de-DE" sz="1800" b="0" strike="noStrike" spc="-1" dirty="0" err="1">
-                <a:solidFill>
-                  <a:srgbClr val="000000"/>
-                </a:solidFill>
-                <a:latin typeface="Frutiger LT Com 45 Light"/>
-                <a:ea typeface="DejaVu Sans"/>
-              </a:rPr>
-              <a:t>config.json</a:t>
-            </a:r>
-            <a:r>
-              <a:rPr lang="de-DE" sz="1800" b="0" strike="noStrike" spc="-1" dirty="0">
-                <a:solidFill>
-                  <a:srgbClr val="000000"/>
-                </a:solidFill>
-                <a:latin typeface="Frutiger LT Com 45 Light"/>
-                <a:ea typeface="DejaVu Sans"/>
-              </a:rPr>
-              <a:t> Datei</a:t>
-            </a:r>
-            <a:endParaRPr lang="de-DE" sz="1800" b="0" strike="noStrike" spc="-1" dirty="0">
-              <a:latin typeface="Arial"/>
-            </a:endParaRPr>
-          </a:p>
-          <a:p>
-            <a:pPr marL="285840" indent="-285120">
-              <a:lnSpc>
-                <a:spcPct val="100000"/>
-              </a:lnSpc>
-              <a:spcBef>
-                <a:spcPts val="601"/>
-              </a:spcBef>
-              <a:buClr>
-                <a:srgbClr val="000000"/>
-              </a:buClr>
-              <a:buFont typeface="Arial"/>
-              <a:buChar char="•"/>
-            </a:pPr>
-            <a:r>
-              <a:rPr lang="de-DE" sz="1800" b="0" strike="noStrike" spc="-1" dirty="0">
-                <a:solidFill>
-                  <a:srgbClr val="000000"/>
-                </a:solidFill>
-                <a:latin typeface="Frutiger LT Com 45 Light"/>
-                <a:ea typeface="DejaVu Sans"/>
-              </a:rPr>
-              <a:t>Jede Textdatei wird zunächst aufbereitet</a:t>
-            </a:r>
-            <a:endParaRPr lang="de-DE" sz="1800" b="0" strike="noStrike" spc="-1" dirty="0">
-              <a:latin typeface="Arial"/>
-            </a:endParaRPr>
-          </a:p>
-          <a:p>
-            <a:pPr marL="285840" indent="-285120">
-              <a:lnSpc>
-                <a:spcPct val="100000"/>
-              </a:lnSpc>
-              <a:spcBef>
-                <a:spcPts val="601"/>
-              </a:spcBef>
-              <a:buClr>
-                <a:srgbClr val="000000"/>
-              </a:buClr>
-              <a:buFont typeface="Arial"/>
-              <a:buChar char="•"/>
-            </a:pPr>
-            <a:r>
-              <a:rPr lang="de-DE" sz="1800" b="0" strike="noStrike" spc="-1" dirty="0">
-                <a:solidFill>
-                  <a:srgbClr val="000000"/>
-                </a:solidFill>
-                <a:latin typeface="Frutiger LT Com 45 Light"/>
-                <a:ea typeface="DejaVu Sans"/>
-              </a:rPr>
-              <a:t>In dem aufbereiteten Text wird nach Krankheiten und Symptomen gesucht.</a:t>
-            </a:r>
-            <a:endParaRPr lang="de-DE" sz="1800" b="0" strike="noStrike" spc="-1" dirty="0">
-              <a:latin typeface="Arial"/>
-            </a:endParaRPr>
-          </a:p>
-          <a:p>
-            <a:pPr marL="285840" indent="-285120">
-              <a:lnSpc>
-                <a:spcPct val="100000"/>
-              </a:lnSpc>
-              <a:spcBef>
-                <a:spcPts val="601"/>
-              </a:spcBef>
-              <a:buClr>
-                <a:srgbClr val="000000"/>
-              </a:buClr>
-              <a:buFont typeface="Arial"/>
-              <a:buChar char="•"/>
-            </a:pPr>
-            <a:r>
-              <a:rPr lang="de-DE" sz="1800" b="0" strike="noStrike" spc="-1" dirty="0">
-                <a:solidFill>
-                  <a:srgbClr val="000000"/>
-                </a:solidFill>
-                <a:latin typeface="Frutiger LT Com 45 Light"/>
-                <a:ea typeface="DejaVu Sans"/>
-              </a:rPr>
               <a:t>Ein Zusammenhang wird angenommen, wenn in einem Satz eine Krankheit und ein Symptom gefunden werden.</a:t>
             </a:r>
-            <a:endParaRPr lang="de-DE" sz="1800" b="0" strike="noStrike" spc="-1" dirty="0">
-              <a:latin typeface="Arial"/>
-            </a:endParaRPr>
-          </a:p>
-          <a:p>
-            <a:pPr marL="285840" indent="-285120">
-              <a:lnSpc>
-                <a:spcPct val="100000"/>
-              </a:lnSpc>
-              <a:spcBef>
-                <a:spcPts val="601"/>
-              </a:spcBef>
-              <a:buClr>
-                <a:srgbClr val="000000"/>
-              </a:buClr>
-              <a:buFont typeface="Arial"/>
-              <a:buChar char="•"/>
-            </a:pPr>
-            <a:r>
-              <a:rPr lang="de-DE" sz="1800" b="0" strike="noStrike" spc="-1" dirty="0">
-                <a:solidFill>
-                  <a:srgbClr val="000000"/>
-                </a:solidFill>
-                <a:latin typeface="Frutiger LT Com 45 Light"/>
-                <a:ea typeface="DejaVu Sans"/>
-              </a:rPr>
-              <a:t>Ausgabe: Wissensrepräsentation im RDF-Format + Ausgabe für Entity Linker</a:t>
-            </a:r>
-            <a:endParaRPr lang="de-DE" sz="1800" b="0" strike="noStrike" spc="-1" dirty="0">
+            <a:endParaRPr lang="de-DE" sz="2400" b="0" strike="noStrike" spc="-1" dirty="0">
               <a:latin typeface="Arial"/>
             </a:endParaRPr>
           </a:p>
@@ -23259,16 +23321,36 @@
               </a:lnSpc>
             </a:pPr>
             <a:r>
-              <a:rPr lang="de-DE" sz="2200" b="1" strike="noStrike" spc="-1">
+              <a:rPr lang="de-DE" sz="2200" b="1" strike="noStrike" spc="-1" dirty="0">
                 <a:solidFill>
                   <a:srgbClr val="5073A5"/>
                 </a:solidFill>
                 <a:latin typeface="Frutiger LT Com 45 Light"/>
                 <a:ea typeface="DejaVu Sans"/>
               </a:rPr>
-              <a:t>Warum macht der MedExtractor Fehler?</a:t>
-            </a:r>
-            <a:endParaRPr lang="de-DE" sz="2200" b="0" strike="noStrike" spc="-1">
+              <a:t>Warum macht der </a:t>
+            </a:r>
+            <a:r>
+              <a:rPr lang="de-DE" sz="2200" b="1" strike="noStrike" spc="-1" dirty="0" err="1">
+                <a:solidFill>
+                  <a:srgbClr val="5073A5"/>
+                </a:solidFill>
+                <a:latin typeface="Frutiger LT Com 45 Light"/>
+                <a:ea typeface="DejaVu Sans"/>
+              </a:rPr>
+              <a:t>MedExtractor</a:t>
+            </a:r>
+            <a:r>
+              <a:rPr lang="de-DE" sz="2200" b="1" strike="noStrike" spc="-1" dirty="0">
+                <a:solidFill>
+                  <a:srgbClr val="5073A5"/>
+                </a:solidFill>
+                <a:latin typeface="Frutiger LT Com 45 Light"/>
+                <a:ea typeface="DejaVu Sans"/>
+              </a:rPr>
+              <a:t> Fehler?</a:t>
+            </a:r>
+            <a:endParaRPr lang="de-DE" sz="2200" b="0" strike="noStrike" spc="-1" dirty="0">
               <a:latin typeface="Arial"/>
             </a:endParaRPr>
           </a:p>
@@ -23398,8 +23480,8 @@
         </p:nvSpPr>
         <p:spPr>
           <a:xfrm>
-            <a:off x="1279440" y="1151280"/>
-            <a:ext cx="9348120" cy="4997880"/>
+            <a:off x="602705" y="1239314"/>
+            <a:ext cx="11416470" cy="489985"/>
           </a:xfrm>
           <a:prstGeom prst="rect">
             <a:avLst/>
@@ -23427,7 +23509,7 @@
           </a:bodyPr>
           <a:lstStyle/>
           <a:p>
-            <a:pPr marL="285840" indent="-285120">
+            <a:pPr marL="990600" indent="-990600">
               <a:lnSpc>
                 <a:spcPct val="100000"/>
               </a:lnSpc>
@@ -23437,25 +23519,127 @@
               <a:buClr>
                 <a:srgbClr val="000000"/>
               </a:buClr>
-              <a:buFont typeface="Arial"/>
-              <a:buChar char="•"/>
             </a:pPr>
             <a:r>
-              <a:rPr lang="de-DE" sz="2000" b="0" strike="noStrike" spc="-1">
+              <a:rPr lang="de-DE" sz="2000" b="1" strike="noStrike" spc="-1" dirty="0">
                 <a:solidFill>
                   <a:srgbClr val="000000"/>
                 </a:solidFill>
                 <a:latin typeface="Frutiger LT Com 45 Light"/>
                 <a:ea typeface="DejaVu Sans"/>
               </a:rPr>
-              <a:t>Trainingsvokabular enthält ungeeignete Begriffe, z.B. Verben wie ‚aggravate‘ oder generische Überbegriffe wie ‚impairment‘.</a:t>
-            </a:r>
-            <a:endParaRPr lang="de-DE" sz="2000" b="0" strike="noStrike" spc="-1">
-              <a:latin typeface="Arial"/>
-            </a:endParaRPr>
-          </a:p>
-          <a:p>
-            <a:pPr marL="285840" indent="-285120">
+              <a:t>Beispiel</a:t>
+            </a:r>
+            <a:r>
+              <a:rPr lang="de-DE" sz="2000" b="0" strike="noStrike" spc="-1" dirty="0">
+                <a:solidFill>
+                  <a:srgbClr val="000000"/>
+                </a:solidFill>
+                <a:latin typeface="Frutiger LT Com 45 Light"/>
+                <a:ea typeface="DejaVu Sans"/>
+              </a:rPr>
+              <a:t>:	Verben (z.B. </a:t>
+            </a:r>
+            <a:r>
+              <a:rPr lang="de-DE" sz="2000" b="0" strike="noStrike" spc="-1" dirty="0" err="1">
+                <a:solidFill>
+                  <a:srgbClr val="000000"/>
+                </a:solidFill>
+                <a:latin typeface="Frutiger LT Com 45 Light"/>
+                <a:ea typeface="DejaVu Sans"/>
+              </a:rPr>
+              <a:t>aggravate</a:t>
+            </a:r>
+            <a:r>
+              <a:rPr lang="de-DE" sz="2000" b="0" strike="noStrike" spc="-1" dirty="0">
+                <a:solidFill>
+                  <a:srgbClr val="000000"/>
+                </a:solidFill>
+                <a:latin typeface="Frutiger LT Com 45 Light"/>
+                <a:ea typeface="DejaVu Sans"/>
+              </a:rPr>
+              <a:t>) werden als Symptom bewertet, da sie im Trainingsvokabular enthalten sind.</a:t>
+            </a:r>
+            <a:endParaRPr lang="de-DE" sz="2000" b="0" strike="noStrike" spc="-1" dirty="0">
+              <a:latin typeface="Arial"/>
+            </a:endParaRPr>
+          </a:p>
+        </p:txBody>
+      </p:sp>
+      <p:pic>
+        <p:nvPicPr>
+          <p:cNvPr id="3" name="Grafik 2">
+            <a:extLst>
+              <a:ext uri="{FF2B5EF4-FFF2-40B4-BE49-F238E27FC236}">
+                <a16:creationId xmlns:a16="http://schemas.microsoft.com/office/drawing/2014/main" id="{826FFB11-0E0E-61D9-7351-CC616A9403EE}"/>
+              </a:ext>
+            </a:extLst>
+          </p:cNvPr>
+          <p:cNvPicPr>
+            <a:picLocks noChangeAspect="1"/>
+          </p:cNvPicPr>
+          <p:nvPr/>
+        </p:nvPicPr>
+        <p:blipFill>
+          <a:blip r:embed="rId2"/>
+          <a:stretch>
+            <a:fillRect/>
+          </a:stretch>
+        </p:blipFill>
+        <p:spPr>
+          <a:xfrm>
+            <a:off x="720000" y="2070239"/>
+            <a:ext cx="4710358" cy="3548062"/>
+          </a:xfrm>
+          <a:prstGeom prst="rect">
+            <a:avLst/>
+          </a:prstGeom>
+        </p:spPr>
+      </p:pic>
+      <p:sp>
+        <p:nvSpPr>
+          <p:cNvPr id="4" name="CustomShape 4">
+            <a:extLst>
+              <a:ext uri="{FF2B5EF4-FFF2-40B4-BE49-F238E27FC236}">
+                <a16:creationId xmlns:a16="http://schemas.microsoft.com/office/drawing/2014/main" id="{E80DBC25-07DC-7D15-1C96-574375034F91}"/>
+              </a:ext>
+            </a:extLst>
+          </p:cNvPr>
+          <p:cNvSpPr/>
+          <p:nvPr/>
+        </p:nvSpPr>
+        <p:spPr>
+          <a:xfrm>
+            <a:off x="5627801" y="3076388"/>
+            <a:ext cx="6117997" cy="1114628"/>
+          </a:xfrm>
+          <a:prstGeom prst="rect">
+            <a:avLst/>
+          </a:prstGeom>
+          <a:noFill/>
+          <a:ln w="0">
+            <a:noFill/>
+          </a:ln>
+        </p:spPr>
+        <p:style>
+          <a:lnRef idx="0">
+            <a:scrgbClr r="0" g="0" b="0"/>
+          </a:lnRef>
+          <a:fillRef idx="0">
+            <a:scrgbClr r="0" g="0" b="0"/>
+          </a:fillRef>
+          <a:effectRef idx="0">
+            <a:scrgbClr r="0" g="0" b="0"/>
+          </a:effectRef>
+          <a:fontRef idx="minor"/>
+        </p:style>
+        <p:txBody>
+          <a:bodyPr lIns="90000" tIns="45000" rIns="90000" bIns="45000">
+            <a:noAutofit/>
+          </a:bodyPr>
+          <a:lstStyle/>
+          <a:p>
+            <a:pPr marL="990600" indent="-990600">
               <a:lnSpc>
                 <a:spcPct val="100000"/>
               </a:lnSpc>
@@ -23465,27 +23649,52 @@
               <a:buClr>
                 <a:srgbClr val="000000"/>
               </a:buClr>
-              <a:buFont typeface="Arial"/>
-              <a:buChar char="•"/>
             </a:pPr>
             <a:r>
-              <a:rPr lang="de-DE" sz="2000" b="0" strike="noStrike" spc="-1">
+              <a:rPr lang="de-DE" sz="2000" b="1" strike="noStrike" spc="-1" dirty="0">
+                <a:solidFill>
+                  <a:srgbClr val="FF0000"/>
+                </a:solidFill>
+                <a:latin typeface="Frutiger LT Com 45 Light"/>
+                <a:ea typeface="DejaVu Sans"/>
+              </a:rPr>
+              <a:t>Lösung</a:t>
+            </a:r>
+            <a:r>
+              <a:rPr lang="de-DE" sz="2000" b="0" strike="noStrike" spc="-1" dirty="0">
                 <a:solidFill>
                   <a:srgbClr val="000000"/>
                 </a:solidFill>
                 <a:latin typeface="Frutiger LT Com 45 Light"/>
                 <a:ea typeface="DejaVu Sans"/>
               </a:rPr>
-              <a:t>Trainingsvokabular enthält doppeldeutige Begriffe, z.B. die Substantive ‚cut‘ oder ‚cold‘, die als Krankheiten interpretiert werden, auch wenn sie im Text eigentlich Verben oder Adjektive sind.</a:t>
-            </a:r>
-            <a:endParaRPr lang="de-DE" sz="2000" b="0" strike="noStrike" spc="-1">
-              <a:latin typeface="Arial"/>
-            </a:endParaRPr>
-          </a:p>
-          <a:p>
-            <a:pPr marL="228600" indent="-227880">
+              <a:t>:	Grammatikanalyse durch </a:t>
+            </a:r>
+            <a:r>
+              <a:rPr lang="de-DE" sz="2000" b="0" i="1" strike="noStrike" spc="-1" dirty="0" err="1">
+                <a:solidFill>
+                  <a:srgbClr val="000000"/>
+                </a:solidFill>
+                <a:latin typeface="Frutiger LT Com 45 Light"/>
+                <a:ea typeface="DejaVu Sans"/>
+              </a:rPr>
+              <a:t>spaCy</a:t>
+            </a:r>
+            <a:r>
+              <a:rPr lang="de-DE" sz="2000" b="0" strike="noStrike" spc="-1" dirty="0">
+                <a:solidFill>
+                  <a:srgbClr val="000000"/>
+                </a:solidFill>
+                <a:latin typeface="Frutiger LT Com 45 Light"/>
+                <a:ea typeface="DejaVu Sans"/>
+              </a:rPr>
+              <a:t>.</a:t>
+            </a:r>
+          </a:p>
+          <a:p>
+            <a:pPr marL="990600" indent="-990600">
               <a:lnSpc>
-                <a:spcPct val="90000"/>
+                <a:spcPct val="100000"/>
               </a:lnSpc>
               <a:spcBef>
                 <a:spcPts val="1800"/>
@@ -23493,108 +23702,179 @@
               <a:buClr>
                 <a:srgbClr val="000000"/>
               </a:buClr>
-              <a:buFont typeface="Arial"/>
-              <a:buChar char="•"/>
             </a:pPr>
             <a:r>
-              <a:rPr lang="de-DE" sz="2000" b="0" strike="noStrike" spc="-1">
+              <a:rPr lang="de-DE" sz="2000" spc="-1" dirty="0">
                 <a:solidFill>
                   <a:srgbClr val="000000"/>
                 </a:solidFill>
                 <a:latin typeface="Frutiger LT Com 45 Light"/>
-                <a:ea typeface="DejaVu Sans"/>
-              </a:rPr>
-              <a:t>Negationen werden nicht richtig aus dem Kontext heraus erkannt, z.B. „</a:t>
-            </a:r>
-            <a:r>
-              <a:rPr lang="en-US" sz="2000" b="0" strike="noStrike" spc="-1">
-                <a:solidFill>
-                  <a:srgbClr val="000000"/>
-                </a:solidFill>
-                <a:latin typeface="Frutiger LT Com 45 Light"/>
-                <a:ea typeface="DejaVu Sans"/>
-              </a:rPr>
-              <a:t>The psychological symptoms of depression include having no motivation or interest </a:t>
-            </a:r>
-            <a:r>
-              <a:rPr lang="de-DE" sz="2000" b="0" strike="noStrike" spc="-1">
-                <a:solidFill>
-                  <a:srgbClr val="000000"/>
-                </a:solidFill>
-                <a:latin typeface="Frutiger LT Com 45 Light"/>
-                <a:ea typeface="DejaVu Sans"/>
-              </a:rPr>
-              <a:t>in things. “ Interest (anstelle von ‚no interest‘) wird als Symptom einer Depression gedeutet.</a:t>
-            </a:r>
-            <a:endParaRPr lang="de-DE" sz="2000" b="0" strike="noStrike" spc="-1">
-              <a:latin typeface="Arial"/>
-            </a:endParaRPr>
-          </a:p>
-          <a:p>
-            <a:pPr marL="228600" indent="-227880">
-              <a:lnSpc>
-                <a:spcPct val="90000"/>
-              </a:lnSpc>
-              <a:spcBef>
-                <a:spcPts val="1800"/>
-              </a:spcBef>
-              <a:buClr>
-                <a:srgbClr val="000000"/>
-              </a:buClr>
-              <a:buFont typeface="Arial"/>
-              <a:buChar char="•"/>
-            </a:pPr>
-            <a:r>
-              <a:rPr lang="de-DE" sz="2000" b="0" strike="noStrike" spc="-1">
-                <a:solidFill>
-                  <a:srgbClr val="000000"/>
-                </a:solidFill>
-                <a:latin typeface="Frutiger LT Com 45 Light"/>
-                <a:ea typeface="DejaVu Sans"/>
-              </a:rPr>
-              <a:t>Bedeutung / Semantik eines Textes wird nicht erkannt: „</a:t>
-            </a:r>
-            <a:r>
-              <a:rPr lang="en-US" sz="2000" b="0" strike="noStrike" spc="-1">
-                <a:solidFill>
-                  <a:srgbClr val="000000"/>
-                </a:solidFill>
-                <a:latin typeface="Frutiger LT Com 45 Light"/>
-                <a:ea typeface="DejaVu Sans"/>
-              </a:rPr>
-              <a:t>These challenges came ... from gay rights activists who criticised the APA’s listing of homosexuality as a mental disorder”</a:t>
-            </a:r>
-            <a:endParaRPr lang="de-DE" sz="2000" b="0" strike="noStrike" spc="-1">
-              <a:latin typeface="Arial"/>
-            </a:endParaRPr>
-          </a:p>
-          <a:p>
-            <a:pPr marL="228600" indent="-227880">
-              <a:lnSpc>
-                <a:spcPct val="90000"/>
-              </a:lnSpc>
-              <a:spcBef>
-                <a:spcPts val="1800"/>
-              </a:spcBef>
-              <a:buClr>
-                <a:srgbClr val="000000"/>
-              </a:buClr>
-              <a:buFont typeface="Arial"/>
-              <a:buChar char="•"/>
-            </a:pPr>
-            <a:r>
-              <a:rPr lang="de-DE" sz="2000" b="0" strike="noStrike" spc="-1">
-                <a:solidFill>
-                  <a:srgbClr val="000000"/>
-                </a:solidFill>
-                <a:latin typeface="Frutiger LT Com 45 Light"/>
-                <a:ea typeface="DejaVu Sans"/>
-              </a:rPr>
-              <a:t>Es werden nur Zusammenhänge gefunden, wenn die Schlüsselbegriffe exakt im Trainingsvokabular enthalten ist.</a:t>
-            </a:r>
-            <a:endParaRPr lang="de-DE" sz="2000" b="0" strike="noStrike" spc="-1">
-              <a:latin typeface="Arial"/>
-            </a:endParaRPr>
+              </a:rPr>
+              <a:t>	Verwerfen von Verben im Trainingsvokabular</a:t>
+            </a:r>
+            <a:endParaRPr lang="de-DE" sz="2000" b="0" strike="noStrike" spc="-1" dirty="0">
+              <a:latin typeface="Arial"/>
+            </a:endParaRPr>
+          </a:p>
+        </p:txBody>
+      </p:sp>
+      <p:sp>
+        <p:nvSpPr>
+          <p:cNvPr id="5" name="Rechteck: abgerundete Ecken 4">
+            <a:extLst>
+              <a:ext uri="{FF2B5EF4-FFF2-40B4-BE49-F238E27FC236}">
+                <a16:creationId xmlns:a16="http://schemas.microsoft.com/office/drawing/2014/main" id="{E6916C2C-D165-B1DF-8CCE-E8A530B73D5C}"/>
+              </a:ext>
+            </a:extLst>
+          </p:cNvPr>
+          <p:cNvSpPr/>
+          <p:nvPr/>
+        </p:nvSpPr>
+        <p:spPr>
+          <a:xfrm>
+            <a:off x="3091992" y="3280528"/>
+            <a:ext cx="1253765" cy="273377"/>
+          </a:xfrm>
+          <a:prstGeom prst="roundRect">
+            <a:avLst/>
+          </a:prstGeom>
+          <a:noFill/>
+          <a:ln>
+            <a:solidFill>
+              <a:srgbClr val="FF0000"/>
+            </a:solidFill>
+          </a:ln>
+        </p:spPr>
+        <p:style>
+          <a:lnRef idx="2">
+            <a:schemeClr val="accent1">
+              <a:shade val="50000"/>
+            </a:schemeClr>
+          </a:lnRef>
+          <a:fillRef idx="1">
+            <a:schemeClr val="accent1"/>
+          </a:fillRef>
+          <a:effectRef idx="0">
+            <a:schemeClr val="accent1"/>
+          </a:effectRef>
+          <a:fontRef idx="minor">
+            <a:schemeClr val="lt1"/>
+          </a:fontRef>
+        </p:style>
+        <p:txBody>
+          <a:bodyPr rtlCol="0" anchor="ctr"/>
+          <a:lstStyle/>
+          <a:p>
+            <a:pPr algn="ctr"/>
+            <a:endParaRPr lang="de-DE"/>
+          </a:p>
+        </p:txBody>
+      </p:sp>
+      <p:sp>
+        <p:nvSpPr>
+          <p:cNvPr id="6" name="Rechteck: abgerundete Ecken 5">
+            <a:extLst>
+              <a:ext uri="{FF2B5EF4-FFF2-40B4-BE49-F238E27FC236}">
+                <a16:creationId xmlns:a16="http://schemas.microsoft.com/office/drawing/2014/main" id="{E4579697-72DA-4014-B8D9-DEFA4B69DE34}"/>
+              </a:ext>
+            </a:extLst>
+          </p:cNvPr>
+          <p:cNvSpPr/>
+          <p:nvPr/>
+        </p:nvSpPr>
+        <p:spPr>
+          <a:xfrm>
+            <a:off x="605346" y="3301738"/>
+            <a:ext cx="1085563" cy="273377"/>
+          </a:xfrm>
+          <a:prstGeom prst="roundRect">
+            <a:avLst/>
+          </a:prstGeom>
+          <a:solidFill>
+            <a:srgbClr val="2894FF">
+              <a:alpha val="36863"/>
+            </a:srgbClr>
+          </a:solidFill>
+          <a:ln>
+            <a:noFill/>
+          </a:ln>
+        </p:spPr>
+        <p:style>
+          <a:lnRef idx="2">
+            <a:schemeClr val="accent1">
+              <a:shade val="50000"/>
+            </a:schemeClr>
+          </a:lnRef>
+          <a:fillRef idx="1">
+            <a:schemeClr val="accent1"/>
+          </a:fillRef>
+          <a:effectRef idx="0">
+            <a:schemeClr val="accent1"/>
+          </a:effectRef>
+          <a:fontRef idx="minor">
+            <a:schemeClr val="lt1"/>
+          </a:fontRef>
+        </p:style>
+        <p:txBody>
+          <a:bodyPr rtlCol="0" anchor="ctr"/>
+          <a:lstStyle/>
+          <a:p>
+            <a:pPr algn="ctr"/>
+            <a:endParaRPr lang="de-DE"/>
+          </a:p>
+        </p:txBody>
+      </p:sp>
+      <p:sp>
+        <p:nvSpPr>
+          <p:cNvPr id="7" name="Rechteck: abgerundete Ecken 6">
+            <a:extLst>
+              <a:ext uri="{FF2B5EF4-FFF2-40B4-BE49-F238E27FC236}">
+                <a16:creationId xmlns:a16="http://schemas.microsoft.com/office/drawing/2014/main" id="{DDA0D74C-804E-B8F9-E626-227C46A47806}"/>
+              </a:ext>
+            </a:extLst>
+          </p:cNvPr>
+          <p:cNvSpPr/>
+          <p:nvPr/>
+        </p:nvSpPr>
+        <p:spPr>
+          <a:xfrm>
+            <a:off x="602705" y="4054327"/>
+            <a:ext cx="1085563" cy="395125"/>
+          </a:xfrm>
+          <a:prstGeom prst="roundRect">
+            <a:avLst/>
+          </a:prstGeom>
+          <a:solidFill>
+            <a:srgbClr val="2894FF">
+              <a:alpha val="36863"/>
+            </a:srgbClr>
+          </a:solidFill>
+          <a:ln>
+            <a:noFill/>
+          </a:ln>
+        </p:spPr>
+        <p:style>
+          <a:lnRef idx="2">
+            <a:schemeClr val="accent1">
+              <a:shade val="50000"/>
+            </a:schemeClr>
+          </a:lnRef>
+          <a:fillRef idx="1">
+            <a:schemeClr val="accent1"/>
+          </a:fillRef>
+          <a:effectRef idx="0">
+            <a:schemeClr val="accent1"/>
+          </a:effectRef>
+          <a:fontRef idx="minor">
+            <a:schemeClr val="lt1"/>
+          </a:fontRef>
+        </p:style>
+        <p:txBody>
+          <a:bodyPr rtlCol="0" anchor="ctr"/>
+          <a:lstStyle/>
+          <a:p>
+            <a:pPr algn="ctr"/>
+            <a:endParaRPr lang="de-DE"/>
           </a:p>
         </p:txBody>
       </p:sp>
@@ -23625,65 +23905,7 @@
       </p:grpSpPr>
       <p:sp>
         <p:nvSpPr>
-          <p:cNvPr id="491" name="CustomShape 1"/>
-          <p:cNvSpPr/>
-          <p:nvPr/>
-        </p:nvSpPr>
-        <p:spPr>
-          <a:xfrm>
-            <a:off x="720000" y="260640"/>
-            <a:ext cx="8183160" cy="660960"/>
-          </a:xfrm>
-          <a:prstGeom prst="rect">
-            <a:avLst/>
-          </a:prstGeom>
-          <a:noFill/>
-          <a:ln w="0">
-            <a:noFill/>
-          </a:ln>
-        </p:spPr>
-        <p:style>
-          <a:lnRef idx="0">
-            <a:scrgbClr r="0" g="0" b="0"/>
-          </a:lnRef>
-          <a:fillRef idx="0">
-            <a:scrgbClr r="0" g="0" b="0"/>
-          </a:fillRef>
-          <a:effectRef idx="0">
-            <a:scrgbClr r="0" g="0" b="0"/>
-          </a:effectRef>
-          <a:fontRef idx="minor"/>
-        </p:style>
-        <p:txBody>
-          <a:bodyPr lIns="0" tIns="0" rIns="0" bIns="0" anchor="b">
-            <a:noAutofit/>
-          </a:bodyPr>
-          <a:lstStyle/>
-          <a:p>
-            <a:pPr>
-              <a:lnSpc>
-                <a:spcPct val="100000"/>
-              </a:lnSpc>
-            </a:pPr>
-            <a:r>
-              <a:rPr lang="de-DE" sz="2200" b="1" strike="noStrike" spc="-1">
-                <a:solidFill>
-                  <a:srgbClr val="5073A5"/>
-                </a:solidFill>
-                <a:latin typeface="Frutiger LT Com 45 Light"/>
-                <a:ea typeface="DejaVu Sans"/>
-              </a:rPr>
-              <a:t>Wie kann der MedExtractor verbessert werden?</a:t>
-            </a:r>
-            <a:endParaRPr lang="de-DE" sz="2200" b="0" strike="noStrike" spc="-1">
-              <a:latin typeface="Arial"/>
-            </a:endParaRPr>
-          </a:p>
-        </p:txBody>
-      </p:sp>
-      <p:sp>
-        <p:nvSpPr>
-          <p:cNvPr id="492" name="CustomShape 2"/>
+          <p:cNvPr id="484" name="CustomShape 1"/>
           <p:cNvSpPr/>
           <p:nvPr/>
         </p:nvSpPr>
@@ -23741,7 +23963,7 @@
       </p:sp>
       <p:sp>
         <p:nvSpPr>
-          <p:cNvPr id="493" name="CustomShape 3"/>
+          <p:cNvPr id="485" name="CustomShape 2"/>
           <p:cNvSpPr/>
           <p:nvPr/>
         </p:nvSpPr>
@@ -23781,7 +24003,7 @@
                 <a:spcPct val="100000"/>
               </a:lnSpc>
             </a:pPr>
-            <a:fld id="{D375A467-9DCD-4C14-BF81-6C64D697E9E4}" type="slidenum">
+            <a:fld id="{1326F724-8D27-452E-9454-661467954284}" type="slidenum">
               <a:rPr lang="de-DE" sz="900" b="1" strike="noStrike" spc="-1">
                 <a:solidFill>
                   <a:srgbClr val="5073A5"/>
@@ -23799,14 +24021,14 @@
       </p:sp>
       <p:sp>
         <p:nvSpPr>
-          <p:cNvPr id="494" name="CustomShape 4"/>
+          <p:cNvPr id="486" name="CustomShape 3"/>
           <p:cNvSpPr/>
           <p:nvPr/>
         </p:nvSpPr>
         <p:spPr>
           <a:xfrm>
-            <a:off x="1018800" y="1204920"/>
-            <a:ext cx="10153440" cy="4892040"/>
+            <a:off x="720000" y="260640"/>
+            <a:ext cx="8183160" cy="660960"/>
           </a:xfrm>
           <a:prstGeom prst="rect">
             <a:avLst/>
@@ -23829,12 +24051,135 @@
           <a:fontRef idx="minor"/>
         </p:style>
         <p:txBody>
+          <a:bodyPr lIns="0" tIns="0" rIns="0" bIns="0" anchor="b">
+            <a:noAutofit/>
+          </a:bodyPr>
+          <a:lstStyle/>
+          <a:p>
+            <a:pPr>
+              <a:lnSpc>
+                <a:spcPct val="100000"/>
+              </a:lnSpc>
+            </a:pPr>
+            <a:r>
+              <a:rPr lang="de-DE" sz="2200" b="1" spc="-1" dirty="0">
+                <a:solidFill>
+                  <a:srgbClr val="5073A5"/>
+                </a:solidFill>
+                <a:latin typeface="Frutiger LT Com 45 Light"/>
+              </a:rPr>
+              <a:t>Ausblick / Verbesserungspotential</a:t>
+            </a:r>
+            <a:endParaRPr lang="de-DE" sz="2200" b="0" strike="noStrike" spc="-1" dirty="0">
+              <a:latin typeface="Arial"/>
+            </a:endParaRPr>
+          </a:p>
+        </p:txBody>
+      </p:sp>
+      <p:pic>
+        <p:nvPicPr>
+          <p:cNvPr id="5" name="Grafik 4">
+            <a:extLst>
+              <a:ext uri="{FF2B5EF4-FFF2-40B4-BE49-F238E27FC236}">
+                <a16:creationId xmlns:a16="http://schemas.microsoft.com/office/drawing/2014/main" id="{1773B254-705C-2C3C-351E-EA7F0154E5A6}"/>
+              </a:ext>
+            </a:extLst>
+          </p:cNvPr>
+          <p:cNvPicPr>
+            <a:picLocks noChangeAspect="1"/>
+          </p:cNvPicPr>
+          <p:nvPr/>
+        </p:nvPicPr>
+        <p:blipFill>
+          <a:blip r:embed="rId2"/>
+          <a:stretch>
+            <a:fillRect/>
+          </a:stretch>
+        </p:blipFill>
+        <p:spPr>
+          <a:xfrm>
+            <a:off x="720000" y="3583855"/>
+            <a:ext cx="5206640" cy="2464585"/>
+          </a:xfrm>
+          <a:prstGeom prst="rect">
+            <a:avLst/>
+          </a:prstGeom>
+        </p:spPr>
+      </p:pic>
+      <p:pic>
+        <p:nvPicPr>
+          <p:cNvPr id="7" name="Grafik 6">
+            <a:extLst>
+              <a:ext uri="{FF2B5EF4-FFF2-40B4-BE49-F238E27FC236}">
+                <a16:creationId xmlns:a16="http://schemas.microsoft.com/office/drawing/2014/main" id="{6E8D5217-CC9E-07C8-7967-38C41CB5CFA6}"/>
+              </a:ext>
+            </a:extLst>
+          </p:cNvPr>
+          <p:cNvPicPr>
+            <a:picLocks noChangeAspect="1"/>
+          </p:cNvPicPr>
+          <p:nvPr/>
+        </p:nvPicPr>
+        <p:blipFill>
+          <a:blip r:embed="rId3"/>
+          <a:stretch>
+            <a:fillRect/>
+          </a:stretch>
+        </p:blipFill>
+        <p:spPr>
+          <a:xfrm>
+            <a:off x="720000" y="1299160"/>
+            <a:ext cx="10938892" cy="1974985"/>
+          </a:xfrm>
+          <a:prstGeom prst="rect">
+            <a:avLst/>
+          </a:prstGeom>
+        </p:spPr>
+      </p:pic>
+      <p:sp>
+        <p:nvSpPr>
+          <p:cNvPr id="8" name="CustomShape 4">
+            <a:extLst>
+              <a:ext uri="{FF2B5EF4-FFF2-40B4-BE49-F238E27FC236}">
+                <a16:creationId xmlns:a16="http://schemas.microsoft.com/office/drawing/2014/main" id="{E917D8CE-E050-F688-27F0-979AF0BD4B54}"/>
+              </a:ext>
+            </a:extLst>
+          </p:cNvPr>
+          <p:cNvSpPr/>
+          <p:nvPr/>
+        </p:nvSpPr>
+        <p:spPr>
+          <a:xfrm>
+            <a:off x="6452254" y="3943945"/>
+            <a:ext cx="5206638" cy="1744403"/>
+          </a:xfrm>
+          <a:prstGeom prst="rect">
+            <a:avLst/>
+          </a:prstGeom>
+          <a:noFill/>
+          <a:ln w="0">
+            <a:noFill/>
+          </a:ln>
+        </p:spPr>
+        <p:style>
+          <a:lnRef idx="0">
+            <a:scrgbClr r="0" g="0" b="0"/>
+          </a:lnRef>
+          <a:fillRef idx="0">
+            <a:scrgbClr r="0" g="0" b="0"/>
+          </a:fillRef>
+          <a:effectRef idx="0">
+            <a:scrgbClr r="0" g="0" b="0"/>
+          </a:effectRef>
+          <a:fontRef idx="minor"/>
+        </p:style>
+        <p:txBody>
           <a:bodyPr lIns="90000" tIns="45000" rIns="90000" bIns="45000">
             <a:noAutofit/>
           </a:bodyPr>
           <a:lstStyle/>
           <a:p>
-            <a:pPr marL="343080" indent="-342360">
+            <a:pPr marL="285840" indent="-285120">
               <a:lnSpc>
                 <a:spcPct val="100000"/>
               </a:lnSpc>
@@ -23848,41 +24193,26 @@
               <a:buChar char="•"/>
             </a:pPr>
             <a:r>
-              <a:rPr lang="de-DE" sz="2000" b="0" strike="noStrike" spc="-1">
+              <a:rPr lang="de-DE" sz="2000" b="1" spc="-1" dirty="0">
                 <a:solidFill>
                   <a:srgbClr val="000000"/>
                 </a:solidFill>
                 <a:latin typeface="Frutiger LT Com 45 Light"/>
-                <a:ea typeface="DejaVu Sans"/>
-              </a:rPr>
-              <a:t>Zusätzlich zur Named Entity Recognition kann die grammatikalische Analyse der </a:t>
-            </a:r>
-            <a:r>
-              <a:rPr lang="de-DE" sz="2000" b="0" i="1" strike="noStrike" spc="-1">
+              </a:rPr>
+              <a:t>Problem:</a:t>
+            </a:r>
+            <a:r>
+              <a:rPr lang="de-DE" sz="2000" spc="-1" dirty="0">
                 <a:solidFill>
                   <a:srgbClr val="000000"/>
                 </a:solidFill>
                 <a:latin typeface="Frutiger LT Com 45 Light"/>
-                <a:ea typeface="DejaVu Sans"/>
-              </a:rPr>
-              <a:t>spaCy</a:t>
-            </a:r>
-            <a:r>
-              <a:rPr lang="de-DE" sz="2000" b="0" strike="noStrike" spc="-1">
-                <a:solidFill>
-                  <a:srgbClr val="000000"/>
-                </a:solidFill>
-                <a:latin typeface="Frutiger LT Com 45 Light"/>
-                <a:ea typeface="DejaVu Sans"/>
-              </a:rPr>
-              <a:t>-Pipeline genutzt werden</a:t>
-            </a:r>
-            <a:endParaRPr lang="de-DE" sz="2000" b="0" strike="noStrike" spc="-1">
-              <a:latin typeface="Arial"/>
-            </a:endParaRPr>
-          </a:p>
-          <a:p>
-            <a:pPr marL="343080" indent="-342360">
+              </a:rPr>
+              <a:t> Bedeutung von Sätzen wird nicht erkannt.</a:t>
+            </a:r>
+          </a:p>
+          <a:p>
+            <a:pPr marL="285840" indent="-285120">
               <a:lnSpc>
                 <a:spcPct val="100000"/>
               </a:lnSpc>
@@ -23896,21 +24226,62 @@
               <a:buChar char="•"/>
             </a:pPr>
             <a:r>
-              <a:rPr lang="de-DE" sz="2000" b="0" strike="noStrike" spc="-1">
+              <a:rPr lang="de-DE" sz="2000" b="1" spc="-1" dirty="0">
                 <a:solidFill>
                   <a:srgbClr val="000000"/>
                 </a:solidFill>
                 <a:latin typeface="Frutiger LT Com 45 Light"/>
-                <a:ea typeface="DejaVu Sans"/>
-              </a:rPr>
-              <a:t>Alleinstehende Named Entities, die in einem Satz als Verb fungieren (z.B. ‚aggravate‘), können sowohl als Krankheit und Symptom verworfen werden.</a:t>
-            </a:r>
-            <a:endParaRPr lang="de-DE" sz="2000" b="0" strike="noStrike" spc="-1">
-              <a:latin typeface="Arial"/>
-            </a:endParaRPr>
-          </a:p>
-          <a:p>
-            <a:pPr marL="343080" indent="-342360">
+              </a:rPr>
+              <a:t>Lösungsansatz:</a:t>
+            </a:r>
+            <a:r>
+              <a:rPr lang="de-DE" sz="2000" spc="-1" dirty="0">
+                <a:solidFill>
+                  <a:srgbClr val="000000"/>
+                </a:solidFill>
+                <a:latin typeface="Frutiger LT Com 45 Light"/>
+              </a:rPr>
+              <a:t> Suche nach typischen </a:t>
+            </a:r>
+            <a:r>
+              <a:rPr lang="de-DE" sz="2000" spc="-1" dirty="0" err="1">
+                <a:solidFill>
+                  <a:srgbClr val="000000"/>
+                </a:solidFill>
+                <a:latin typeface="Frutiger LT Com 45 Light"/>
+              </a:rPr>
+              <a:t>Satzkonstrukten</a:t>
+            </a:r>
+            <a:r>
+              <a:rPr lang="de-DE" sz="2000" spc="-1" dirty="0">
+                <a:solidFill>
+                  <a:srgbClr val="000000"/>
+                </a:solidFill>
+                <a:latin typeface="Frutiger LT Com 45 Light"/>
+              </a:rPr>
+              <a:t> mittels </a:t>
+            </a:r>
+            <a:r>
+              <a:rPr lang="de-DE" sz="2000" i="1" spc="-1" dirty="0" err="1">
+                <a:solidFill>
+                  <a:srgbClr val="000000"/>
+                </a:solidFill>
+                <a:latin typeface="Frutiger LT Com 45 Light"/>
+              </a:rPr>
+              <a:t>Dependency</a:t>
+            </a:r>
+            <a:r>
+              <a:rPr lang="de-DE" sz="2000" i="1" spc="-1" dirty="0">
+                <a:solidFill>
+                  <a:srgbClr val="000000"/>
+                </a:solidFill>
+                <a:latin typeface="Frutiger LT Com 45 Light"/>
+              </a:rPr>
+              <a:t> Parser</a:t>
+            </a:r>
+          </a:p>
+          <a:p>
+            <a:pPr marL="285840" indent="-285120">
               <a:lnSpc>
                 <a:spcPct val="100000"/>
               </a:lnSpc>
@@ -23923,107 +24294,616 @@
               <a:buFont typeface="Arial"/>
               <a:buChar char="•"/>
             </a:pPr>
-            <a:r>
-              <a:rPr lang="de-DE" sz="2000" b="0" strike="noStrike" spc="-1">
-                <a:solidFill>
-                  <a:srgbClr val="000000"/>
-                </a:solidFill>
-                <a:latin typeface="Frutiger LT Com 45 Light"/>
-                <a:ea typeface="DejaVu Sans"/>
-              </a:rPr>
-              <a:t>Alleinstehende Named Entities, die in einem Satz als Adjektiv ‚cold‘ fungieren, können als Krankheit verworfen werden.</a:t>
-            </a:r>
-            <a:endParaRPr lang="de-DE" sz="2000" b="0" strike="noStrike" spc="-1">
-              <a:latin typeface="Arial"/>
-            </a:endParaRPr>
-          </a:p>
-          <a:p>
-            <a:pPr marL="343080" indent="-342360">
-              <a:lnSpc>
-                <a:spcPct val="100000"/>
-              </a:lnSpc>
-              <a:spcBef>
-                <a:spcPts val="1800"/>
-              </a:spcBef>
-              <a:buClr>
-                <a:srgbClr val="000000"/>
-              </a:buClr>
-              <a:buFont typeface="Arial"/>
-              <a:buChar char="•"/>
-            </a:pPr>
-            <a:r>
-              <a:rPr lang="de-DE" sz="2000" b="0" strike="noStrike" spc="-1">
-                <a:solidFill>
-                  <a:srgbClr val="000000"/>
-                </a:solidFill>
-                <a:latin typeface="Frutiger LT Com 45 Light"/>
-                <a:ea typeface="DejaVu Sans"/>
-              </a:rPr>
-              <a:t>Text and Trainingsvokabular kann mit dem Lemmatizer normiert werden.</a:t>
-            </a:r>
-            <a:endParaRPr lang="de-DE" sz="2000" b="0" strike="noStrike" spc="-1">
-              <a:latin typeface="Arial"/>
-            </a:endParaRPr>
-          </a:p>
-          <a:p>
-            <a:pPr marL="343080" indent="-342360">
-              <a:lnSpc>
-                <a:spcPct val="100000"/>
-              </a:lnSpc>
-              <a:spcBef>
-                <a:spcPts val="1800"/>
-              </a:spcBef>
-              <a:buClr>
-                <a:srgbClr val="000000"/>
-              </a:buClr>
-              <a:buFont typeface="Arial"/>
-              <a:buChar char="•"/>
-            </a:pPr>
-            <a:r>
-              <a:rPr lang="de-DE" sz="2000" b="0" strike="noStrike" spc="-1">
-                <a:solidFill>
-                  <a:srgbClr val="000000"/>
-                </a:solidFill>
-                <a:latin typeface="Frutiger LT Com 45 Light"/>
-                <a:ea typeface="DejaVu Sans"/>
-              </a:rPr>
-              <a:t>Ausdrücke wie ‚feeling +  Adjektive‘   können auch ohne Entity Recognition als Symptom gedeutet werden.</a:t>
-            </a:r>
-            <a:endParaRPr lang="de-DE" sz="2000" b="0" strike="noStrike" spc="-1">
-              <a:latin typeface="Arial"/>
-            </a:endParaRPr>
-          </a:p>
-          <a:p>
-            <a:pPr marL="343080" indent="-342360">
-              <a:lnSpc>
-                <a:spcPct val="100000"/>
-              </a:lnSpc>
-              <a:spcBef>
-                <a:spcPts val="1800"/>
-              </a:spcBef>
-              <a:buClr>
-                <a:srgbClr val="000000"/>
-              </a:buClr>
-              <a:buFont typeface="Arial"/>
-              <a:buChar char="•"/>
-            </a:pPr>
-            <a:r>
-              <a:rPr lang="de-DE" sz="2000" b="0" strike="noStrike" spc="-1">
-                <a:solidFill>
-                  <a:srgbClr val="000000"/>
-                </a:solidFill>
-                <a:latin typeface="Frutiger LT Com 45 Light"/>
-                <a:ea typeface="DejaVu Sans"/>
-              </a:rPr>
-              <a:t>Über die grammatikalische Analyse können Standard-Formulierungen wie „The symptoms of ... include ...“ suchen und daraus auch ohne Named Entity Recognition Krankheiten und ihre Symptome identifizieren.</a:t>
-            </a:r>
-            <a:endParaRPr lang="de-DE" sz="2000" b="0" strike="noStrike" spc="-1">
-              <a:latin typeface="Arial"/>
-            </a:endParaRPr>
+            <a:endParaRPr lang="de-DE" sz="2000" b="0" strike="noStrike" spc="-1" dirty="0">
+              <a:latin typeface="Arial"/>
+            </a:endParaRPr>
+          </a:p>
+        </p:txBody>
+      </p:sp>
+      <p:sp>
+        <p:nvSpPr>
+          <p:cNvPr id="9" name="Rechteck: abgerundete Ecken 8">
+            <a:extLst>
+              <a:ext uri="{FF2B5EF4-FFF2-40B4-BE49-F238E27FC236}">
+                <a16:creationId xmlns:a16="http://schemas.microsoft.com/office/drawing/2014/main" id="{EEEE4A75-BFD6-EFF1-8946-0AC7F558EDCE}"/>
+              </a:ext>
+            </a:extLst>
+          </p:cNvPr>
+          <p:cNvSpPr/>
+          <p:nvPr/>
+        </p:nvSpPr>
+        <p:spPr>
+          <a:xfrm>
+            <a:off x="2780538" y="2804964"/>
+            <a:ext cx="1085563" cy="469181"/>
+          </a:xfrm>
+          <a:prstGeom prst="roundRect">
+            <a:avLst/>
+          </a:prstGeom>
+          <a:solidFill>
+            <a:srgbClr val="2894FF">
+              <a:alpha val="36863"/>
+            </a:srgbClr>
+          </a:solidFill>
+          <a:ln>
+            <a:noFill/>
+          </a:ln>
+        </p:spPr>
+        <p:style>
+          <a:lnRef idx="2">
+            <a:schemeClr val="accent1">
+              <a:shade val="50000"/>
+            </a:schemeClr>
+          </a:lnRef>
+          <a:fillRef idx="1">
+            <a:schemeClr val="accent1"/>
+          </a:fillRef>
+          <a:effectRef idx="0">
+            <a:schemeClr val="accent1"/>
+          </a:effectRef>
+          <a:fontRef idx="minor">
+            <a:schemeClr val="lt1"/>
+          </a:fontRef>
+        </p:style>
+        <p:txBody>
+          <a:bodyPr rtlCol="0" anchor="ctr"/>
+          <a:lstStyle/>
+          <a:p>
+            <a:pPr algn="ctr"/>
+            <a:endParaRPr lang="de-DE"/>
+          </a:p>
+        </p:txBody>
+      </p:sp>
+      <p:sp>
+        <p:nvSpPr>
+          <p:cNvPr id="10" name="Rechteck: abgerundete Ecken 9">
+            <a:extLst>
+              <a:ext uri="{FF2B5EF4-FFF2-40B4-BE49-F238E27FC236}">
+                <a16:creationId xmlns:a16="http://schemas.microsoft.com/office/drawing/2014/main" id="{5C3180AA-CFD3-48A2-E0B5-C142D1BE4B16}"/>
+              </a:ext>
+            </a:extLst>
+          </p:cNvPr>
+          <p:cNvSpPr/>
+          <p:nvPr/>
+        </p:nvSpPr>
+        <p:spPr>
+          <a:xfrm>
+            <a:off x="6353666" y="2779728"/>
+            <a:ext cx="791852" cy="469181"/>
+          </a:xfrm>
+          <a:prstGeom prst="roundRect">
+            <a:avLst/>
+          </a:prstGeom>
+          <a:solidFill>
+            <a:schemeClr val="accent3">
+              <a:lumMod val="60000"/>
+              <a:lumOff val="40000"/>
+              <a:alpha val="36863"/>
+            </a:schemeClr>
+          </a:solidFill>
+          <a:ln>
+            <a:noFill/>
+          </a:ln>
+        </p:spPr>
+        <p:style>
+          <a:lnRef idx="2">
+            <a:schemeClr val="accent1">
+              <a:shade val="50000"/>
+            </a:schemeClr>
+          </a:lnRef>
+          <a:fillRef idx="1">
+            <a:schemeClr val="accent1"/>
+          </a:fillRef>
+          <a:effectRef idx="0">
+            <a:schemeClr val="accent1"/>
+          </a:effectRef>
+          <a:fontRef idx="minor">
+            <a:schemeClr val="lt1"/>
+          </a:fontRef>
+        </p:style>
+        <p:txBody>
+          <a:bodyPr rtlCol="0" anchor="ctr"/>
+          <a:lstStyle/>
+          <a:p>
+            <a:pPr algn="ctr"/>
+            <a:endParaRPr lang="de-DE"/>
+          </a:p>
+        </p:txBody>
+      </p:sp>
+      <p:sp>
+        <p:nvSpPr>
+          <p:cNvPr id="11" name="Rechteck: abgerundete Ecken 10">
+            <a:extLst>
+              <a:ext uri="{FF2B5EF4-FFF2-40B4-BE49-F238E27FC236}">
+                <a16:creationId xmlns:a16="http://schemas.microsoft.com/office/drawing/2014/main" id="{1DD50B32-76BA-ACEC-BD95-39170052C41F}"/>
+              </a:ext>
+            </a:extLst>
+          </p:cNvPr>
+          <p:cNvSpPr/>
+          <p:nvPr/>
+        </p:nvSpPr>
+        <p:spPr>
+          <a:xfrm>
+            <a:off x="8690840" y="2811578"/>
+            <a:ext cx="3002017" cy="469181"/>
+          </a:xfrm>
+          <a:prstGeom prst="roundRect">
+            <a:avLst/>
+          </a:prstGeom>
+          <a:solidFill>
+            <a:schemeClr val="accent3">
+              <a:lumMod val="60000"/>
+              <a:lumOff val="40000"/>
+              <a:alpha val="36863"/>
+            </a:schemeClr>
+          </a:solidFill>
+          <a:ln>
+            <a:noFill/>
+          </a:ln>
+        </p:spPr>
+        <p:style>
+          <a:lnRef idx="2">
+            <a:schemeClr val="accent1">
+              <a:shade val="50000"/>
+            </a:schemeClr>
+          </a:lnRef>
+          <a:fillRef idx="1">
+            <a:schemeClr val="accent1"/>
+          </a:fillRef>
+          <a:effectRef idx="0">
+            <a:schemeClr val="accent1"/>
+          </a:effectRef>
+          <a:fontRef idx="minor">
+            <a:schemeClr val="lt1"/>
+          </a:fontRef>
+        </p:style>
+        <p:txBody>
+          <a:bodyPr rtlCol="0" anchor="ctr"/>
+          <a:lstStyle/>
+          <a:p>
+            <a:pPr algn="ctr"/>
+            <a:endParaRPr lang="de-DE"/>
+          </a:p>
+        </p:txBody>
+      </p:sp>
+      <p:sp>
+        <p:nvSpPr>
+          <p:cNvPr id="12" name="Rechteck: abgerundete Ecken 11">
+            <a:extLst>
+              <a:ext uri="{FF2B5EF4-FFF2-40B4-BE49-F238E27FC236}">
+                <a16:creationId xmlns:a16="http://schemas.microsoft.com/office/drawing/2014/main" id="{9B32EE3F-C473-D503-0007-ADEA5A4DD49C}"/>
+              </a:ext>
+            </a:extLst>
+          </p:cNvPr>
+          <p:cNvSpPr/>
+          <p:nvPr/>
+        </p:nvSpPr>
+        <p:spPr>
+          <a:xfrm>
+            <a:off x="4083377" y="2811577"/>
+            <a:ext cx="791852" cy="469181"/>
+          </a:xfrm>
+          <a:prstGeom prst="roundRect">
+            <a:avLst/>
+          </a:prstGeom>
+          <a:solidFill>
+            <a:srgbClr val="92D050">
+              <a:alpha val="36863"/>
+            </a:srgbClr>
+          </a:solidFill>
+          <a:ln>
+            <a:noFill/>
+          </a:ln>
+        </p:spPr>
+        <p:style>
+          <a:lnRef idx="2">
+            <a:schemeClr val="accent1">
+              <a:shade val="50000"/>
+            </a:schemeClr>
+          </a:lnRef>
+          <a:fillRef idx="1">
+            <a:schemeClr val="accent1"/>
+          </a:fillRef>
+          <a:effectRef idx="0">
+            <a:schemeClr val="accent1"/>
+          </a:effectRef>
+          <a:fontRef idx="minor">
+            <a:schemeClr val="lt1"/>
+          </a:fontRef>
+        </p:style>
+        <p:txBody>
+          <a:bodyPr rtlCol="0" anchor="ctr"/>
+          <a:lstStyle/>
+          <a:p>
+            <a:pPr algn="ctr"/>
+            <a:endParaRPr lang="de-DE"/>
+          </a:p>
+        </p:txBody>
+      </p:sp>
+      <p:sp>
+        <p:nvSpPr>
+          <p:cNvPr id="13" name="Rechteck: abgerundete Ecken 12">
+            <a:extLst>
+              <a:ext uri="{FF2B5EF4-FFF2-40B4-BE49-F238E27FC236}">
+                <a16:creationId xmlns:a16="http://schemas.microsoft.com/office/drawing/2014/main" id="{72D3820B-7147-56AA-04B3-A6E34B51FEEB}"/>
+              </a:ext>
+            </a:extLst>
+          </p:cNvPr>
+          <p:cNvSpPr/>
+          <p:nvPr/>
+        </p:nvSpPr>
+        <p:spPr>
+          <a:xfrm>
+            <a:off x="7522253" y="2804963"/>
+            <a:ext cx="791852" cy="469181"/>
+          </a:xfrm>
+          <a:prstGeom prst="roundRect">
+            <a:avLst/>
+          </a:prstGeom>
+          <a:solidFill>
+            <a:srgbClr val="92D050">
+              <a:alpha val="36863"/>
+            </a:srgbClr>
+          </a:solidFill>
+          <a:ln>
+            <a:noFill/>
+          </a:ln>
+        </p:spPr>
+        <p:style>
+          <a:lnRef idx="2">
+            <a:schemeClr val="accent1">
+              <a:shade val="50000"/>
+            </a:schemeClr>
+          </a:lnRef>
+          <a:fillRef idx="1">
+            <a:schemeClr val="accent1"/>
+          </a:fillRef>
+          <a:effectRef idx="0">
+            <a:schemeClr val="accent1"/>
+          </a:effectRef>
+          <a:fontRef idx="minor">
+            <a:schemeClr val="lt1"/>
+          </a:fontRef>
+        </p:style>
+        <p:txBody>
+          <a:bodyPr rtlCol="0" anchor="ctr"/>
+          <a:lstStyle/>
+          <a:p>
+            <a:pPr algn="ctr"/>
+            <a:endParaRPr lang="de-DE"/>
+          </a:p>
+        </p:txBody>
+      </p:sp>
+      <p:sp>
+        <p:nvSpPr>
+          <p:cNvPr id="14" name="Rechteck: abgerundete Ecken 13">
+            <a:extLst>
+              <a:ext uri="{FF2B5EF4-FFF2-40B4-BE49-F238E27FC236}">
+                <a16:creationId xmlns:a16="http://schemas.microsoft.com/office/drawing/2014/main" id="{F838EC1D-2FAC-5A76-4FFC-D5DE98CACE29}"/>
+              </a:ext>
+            </a:extLst>
+          </p:cNvPr>
+          <p:cNvSpPr/>
+          <p:nvPr/>
+        </p:nvSpPr>
+        <p:spPr>
+          <a:xfrm>
+            <a:off x="3696878" y="2096331"/>
+            <a:ext cx="395926" cy="391828"/>
+          </a:xfrm>
+          <a:prstGeom prst="roundRect">
+            <a:avLst/>
+          </a:prstGeom>
+          <a:solidFill>
+            <a:srgbClr val="FFFF00">
+              <a:alpha val="36863"/>
+            </a:srgbClr>
+          </a:solidFill>
+          <a:ln>
+            <a:noFill/>
+          </a:ln>
+        </p:spPr>
+        <p:style>
+          <a:lnRef idx="2">
+            <a:schemeClr val="accent1">
+              <a:shade val="50000"/>
+            </a:schemeClr>
+          </a:lnRef>
+          <a:fillRef idx="1">
+            <a:schemeClr val="accent1"/>
+          </a:fillRef>
+          <a:effectRef idx="0">
+            <a:schemeClr val="accent1"/>
+          </a:effectRef>
+          <a:fontRef idx="minor">
+            <a:schemeClr val="lt1"/>
+          </a:fontRef>
+        </p:style>
+        <p:txBody>
+          <a:bodyPr rtlCol="0" anchor="ctr"/>
+          <a:lstStyle/>
+          <a:p>
+            <a:pPr algn="ctr"/>
+            <a:endParaRPr lang="de-DE"/>
+          </a:p>
+        </p:txBody>
+      </p:sp>
+      <p:sp>
+        <p:nvSpPr>
+          <p:cNvPr id="15" name="Rechteck: abgerundete Ecken 14">
+            <a:extLst>
+              <a:ext uri="{FF2B5EF4-FFF2-40B4-BE49-F238E27FC236}">
+                <a16:creationId xmlns:a16="http://schemas.microsoft.com/office/drawing/2014/main" id="{CDA15417-A3A5-1EA2-3AF6-26C816C5D89D}"/>
+              </a:ext>
+            </a:extLst>
+          </p:cNvPr>
+          <p:cNvSpPr/>
+          <p:nvPr/>
+        </p:nvSpPr>
+        <p:spPr>
+          <a:xfrm>
+            <a:off x="5451834" y="1659252"/>
+            <a:ext cx="395926" cy="391828"/>
+          </a:xfrm>
+          <a:prstGeom prst="roundRect">
+            <a:avLst/>
+          </a:prstGeom>
+          <a:solidFill>
+            <a:srgbClr val="FFFF00">
+              <a:alpha val="36863"/>
+            </a:srgbClr>
+          </a:solidFill>
+          <a:ln>
+            <a:noFill/>
+          </a:ln>
+        </p:spPr>
+        <p:style>
+          <a:lnRef idx="2">
+            <a:schemeClr val="accent1">
+              <a:shade val="50000"/>
+            </a:schemeClr>
+          </a:lnRef>
+          <a:fillRef idx="1">
+            <a:schemeClr val="accent1"/>
+          </a:fillRef>
+          <a:effectRef idx="0">
+            <a:schemeClr val="accent1"/>
+          </a:effectRef>
+          <a:fontRef idx="minor">
+            <a:schemeClr val="lt1"/>
+          </a:fontRef>
+        </p:style>
+        <p:txBody>
+          <a:bodyPr rtlCol="0" anchor="ctr"/>
+          <a:lstStyle/>
+          <a:p>
+            <a:pPr algn="ctr"/>
+            <a:endParaRPr lang="de-DE"/>
+          </a:p>
+        </p:txBody>
+      </p:sp>
+      <p:sp>
+        <p:nvSpPr>
+          <p:cNvPr id="16" name="Rechteck: abgerundete Ecken 15">
+            <a:extLst>
+              <a:ext uri="{FF2B5EF4-FFF2-40B4-BE49-F238E27FC236}">
+                <a16:creationId xmlns:a16="http://schemas.microsoft.com/office/drawing/2014/main" id="{DC754FFA-F1D7-94AF-2981-97BD1A0E8A15}"/>
+              </a:ext>
+            </a:extLst>
+          </p:cNvPr>
+          <p:cNvSpPr/>
+          <p:nvPr/>
+        </p:nvSpPr>
+        <p:spPr>
+          <a:xfrm>
+            <a:off x="5502109" y="1224697"/>
+            <a:ext cx="395926" cy="391828"/>
+          </a:xfrm>
+          <a:prstGeom prst="roundRect">
+            <a:avLst/>
+          </a:prstGeom>
+          <a:solidFill>
+            <a:srgbClr val="FFFF00">
+              <a:alpha val="36863"/>
+            </a:srgbClr>
+          </a:solidFill>
+          <a:ln>
+            <a:noFill/>
+          </a:ln>
+        </p:spPr>
+        <p:style>
+          <a:lnRef idx="2">
+            <a:schemeClr val="accent1">
+              <a:shade val="50000"/>
+            </a:schemeClr>
+          </a:lnRef>
+          <a:fillRef idx="1">
+            <a:schemeClr val="accent1"/>
+          </a:fillRef>
+          <a:effectRef idx="0">
+            <a:schemeClr val="accent1"/>
+          </a:effectRef>
+          <a:fontRef idx="minor">
+            <a:schemeClr val="lt1"/>
+          </a:fontRef>
+        </p:style>
+        <p:txBody>
+          <a:bodyPr rtlCol="0" anchor="ctr"/>
+          <a:lstStyle/>
+          <a:p>
+            <a:pPr algn="ctr"/>
+            <a:endParaRPr lang="de-DE"/>
+          </a:p>
+        </p:txBody>
+      </p:sp>
+      <p:sp>
+        <p:nvSpPr>
+          <p:cNvPr id="17" name="Rechteck: abgerundete Ecken 16">
+            <a:extLst>
+              <a:ext uri="{FF2B5EF4-FFF2-40B4-BE49-F238E27FC236}">
+                <a16:creationId xmlns:a16="http://schemas.microsoft.com/office/drawing/2014/main" id="{B8F26D29-14F4-19F5-9619-000FD370F0BF}"/>
+              </a:ext>
+            </a:extLst>
+          </p:cNvPr>
+          <p:cNvSpPr/>
+          <p:nvPr/>
+        </p:nvSpPr>
+        <p:spPr>
+          <a:xfrm>
+            <a:off x="8361240" y="2110175"/>
+            <a:ext cx="395926" cy="391828"/>
+          </a:xfrm>
+          <a:prstGeom prst="roundRect">
+            <a:avLst/>
+          </a:prstGeom>
+          <a:solidFill>
+            <a:srgbClr val="FFFF00">
+              <a:alpha val="36863"/>
+            </a:srgbClr>
+          </a:solidFill>
+          <a:ln>
+            <a:noFill/>
+          </a:ln>
+        </p:spPr>
+        <p:style>
+          <a:lnRef idx="2">
+            <a:schemeClr val="accent1">
+              <a:shade val="50000"/>
+            </a:schemeClr>
+          </a:lnRef>
+          <a:fillRef idx="1">
+            <a:schemeClr val="accent1"/>
+          </a:fillRef>
+          <a:effectRef idx="0">
+            <a:schemeClr val="accent1"/>
+          </a:effectRef>
+          <a:fontRef idx="minor">
+            <a:schemeClr val="lt1"/>
+          </a:fontRef>
+        </p:style>
+        <p:txBody>
+          <a:bodyPr rtlCol="0" anchor="ctr"/>
+          <a:lstStyle/>
+          <a:p>
+            <a:pPr algn="ctr"/>
+            <a:endParaRPr lang="de-DE"/>
+          </a:p>
+        </p:txBody>
+      </p:sp>
+      <p:sp>
+        <p:nvSpPr>
+          <p:cNvPr id="18" name="Rechteck: abgerundete Ecken 17">
+            <a:extLst>
+              <a:ext uri="{FF2B5EF4-FFF2-40B4-BE49-F238E27FC236}">
+                <a16:creationId xmlns:a16="http://schemas.microsoft.com/office/drawing/2014/main" id="{85DB341B-23E8-3752-C42D-E11B171E0014}"/>
+              </a:ext>
+            </a:extLst>
+          </p:cNvPr>
+          <p:cNvSpPr/>
+          <p:nvPr/>
+        </p:nvSpPr>
+        <p:spPr>
+          <a:xfrm>
+            <a:off x="9531735" y="2110175"/>
+            <a:ext cx="395926" cy="391828"/>
+          </a:xfrm>
+          <a:prstGeom prst="roundRect">
+            <a:avLst/>
+          </a:prstGeom>
+          <a:solidFill>
+            <a:srgbClr val="FFFF00">
+              <a:alpha val="36863"/>
+            </a:srgbClr>
+          </a:solidFill>
+          <a:ln>
+            <a:noFill/>
+          </a:ln>
+        </p:spPr>
+        <p:style>
+          <a:lnRef idx="2">
+            <a:schemeClr val="accent1">
+              <a:shade val="50000"/>
+            </a:schemeClr>
+          </a:lnRef>
+          <a:fillRef idx="1">
+            <a:schemeClr val="accent1"/>
+          </a:fillRef>
+          <a:effectRef idx="0">
+            <a:schemeClr val="accent1"/>
+          </a:effectRef>
+          <a:fontRef idx="minor">
+            <a:schemeClr val="lt1"/>
+          </a:fontRef>
+        </p:style>
+        <p:txBody>
+          <a:bodyPr rtlCol="0" anchor="ctr"/>
+          <a:lstStyle/>
+          <a:p>
+            <a:pPr algn="ctr"/>
+            <a:endParaRPr lang="de-DE"/>
+          </a:p>
+        </p:txBody>
+      </p:sp>
+      <p:sp>
+        <p:nvSpPr>
+          <p:cNvPr id="19" name="Rechteck: abgerundete Ecken 18">
+            <a:extLst>
+              <a:ext uri="{FF2B5EF4-FFF2-40B4-BE49-F238E27FC236}">
+                <a16:creationId xmlns:a16="http://schemas.microsoft.com/office/drawing/2014/main" id="{187CCF0C-DD49-9427-8461-63BF19383027}"/>
+              </a:ext>
+            </a:extLst>
+          </p:cNvPr>
+          <p:cNvSpPr/>
+          <p:nvPr/>
+        </p:nvSpPr>
+        <p:spPr>
+          <a:xfrm>
+            <a:off x="10702230" y="2084850"/>
+            <a:ext cx="395926" cy="391828"/>
+          </a:xfrm>
+          <a:prstGeom prst="roundRect">
+            <a:avLst/>
+          </a:prstGeom>
+          <a:solidFill>
+            <a:srgbClr val="FFFF00">
+              <a:alpha val="36863"/>
+            </a:srgbClr>
+          </a:solidFill>
+          <a:ln>
+            <a:noFill/>
+          </a:ln>
+        </p:spPr>
+        <p:style>
+          <a:lnRef idx="2">
+            <a:schemeClr val="accent1">
+              <a:shade val="50000"/>
+            </a:schemeClr>
+          </a:lnRef>
+          <a:fillRef idx="1">
+            <a:schemeClr val="accent1"/>
+          </a:fillRef>
+          <a:effectRef idx="0">
+            <a:schemeClr val="accent1"/>
+          </a:effectRef>
+          <a:fontRef idx="minor">
+            <a:schemeClr val="lt1"/>
+          </a:fontRef>
+        </p:style>
+        <p:txBody>
+          <a:bodyPr rtlCol="0" anchor="ctr"/>
+          <a:lstStyle/>
+          <a:p>
+            <a:pPr algn="ctr"/>
+            <a:endParaRPr lang="de-DE"/>
           </a:p>
         </p:txBody>
       </p:sp>
     </p:spTree>
+    <p:extLst>
+      <p:ext uri="{BB962C8B-B14F-4D97-AF65-F5344CB8AC3E}">
+        <p14:creationId xmlns:p14="http://schemas.microsoft.com/office/powerpoint/2010/main" val="824771449"/>
+      </p:ext>
+    </p:extLst>
   </p:cSld>
   <p:clrMapOvr>
     <a:masterClrMapping/>
@@ -26167,6 +27047,1023 @@
       </p:grpSpPr>
       <p:sp>
         <p:nvSpPr>
+          <p:cNvPr id="487" name="CustomShape 1"/>
+          <p:cNvSpPr/>
+          <p:nvPr/>
+        </p:nvSpPr>
+        <p:spPr>
+          <a:xfrm>
+            <a:off x="720000" y="260640"/>
+            <a:ext cx="8183160" cy="660960"/>
+          </a:xfrm>
+          <a:prstGeom prst="rect">
+            <a:avLst/>
+          </a:prstGeom>
+          <a:noFill/>
+          <a:ln w="0">
+            <a:noFill/>
+          </a:ln>
+        </p:spPr>
+        <p:style>
+          <a:lnRef idx="0">
+            <a:scrgbClr r="0" g="0" b="0"/>
+          </a:lnRef>
+          <a:fillRef idx="0">
+            <a:scrgbClr r="0" g="0" b="0"/>
+          </a:fillRef>
+          <a:effectRef idx="0">
+            <a:scrgbClr r="0" g="0" b="0"/>
+          </a:effectRef>
+          <a:fontRef idx="minor"/>
+        </p:style>
+        <p:txBody>
+          <a:bodyPr lIns="0" tIns="0" rIns="0" bIns="0" anchor="b">
+            <a:noAutofit/>
+          </a:bodyPr>
+          <a:lstStyle/>
+          <a:p>
+            <a:pPr>
+              <a:lnSpc>
+                <a:spcPct val="100000"/>
+              </a:lnSpc>
+            </a:pPr>
+            <a:r>
+              <a:rPr lang="de-DE" sz="2200" b="1" strike="noStrike" spc="-1" dirty="0">
+                <a:solidFill>
+                  <a:srgbClr val="5073A5"/>
+                </a:solidFill>
+                <a:latin typeface="Frutiger LT Com 45 Light"/>
+                <a:ea typeface="DejaVu Sans"/>
+              </a:rPr>
+              <a:t>Warum macht der </a:t>
+            </a:r>
+            <a:r>
+              <a:rPr lang="de-DE" sz="2200" b="1" strike="noStrike" spc="-1" dirty="0" err="1">
+                <a:solidFill>
+                  <a:srgbClr val="5073A5"/>
+                </a:solidFill>
+                <a:latin typeface="Frutiger LT Com 45 Light"/>
+                <a:ea typeface="DejaVu Sans"/>
+              </a:rPr>
+              <a:t>MedExtractor</a:t>
+            </a:r>
+            <a:r>
+              <a:rPr lang="de-DE" sz="2200" b="1" strike="noStrike" spc="-1" dirty="0">
+                <a:solidFill>
+                  <a:srgbClr val="5073A5"/>
+                </a:solidFill>
+                <a:latin typeface="Frutiger LT Com 45 Light"/>
+                <a:ea typeface="DejaVu Sans"/>
+              </a:rPr>
+              <a:t> Fehler?</a:t>
+            </a:r>
+            <a:endParaRPr lang="de-DE" sz="2200" b="0" strike="noStrike" spc="-1" dirty="0">
+              <a:latin typeface="Arial"/>
+            </a:endParaRPr>
+          </a:p>
+        </p:txBody>
+      </p:sp>
+      <p:sp>
+        <p:nvSpPr>
+          <p:cNvPr id="488" name="CustomShape 2"/>
+          <p:cNvSpPr/>
+          <p:nvPr/>
+        </p:nvSpPr>
+        <p:spPr>
+          <a:xfrm>
+            <a:off x="1631520" y="6426000"/>
+            <a:ext cx="7271640" cy="239760"/>
+          </a:xfrm>
+          <a:prstGeom prst="rect">
+            <a:avLst/>
+          </a:prstGeom>
+          <a:noFill/>
+          <a:ln w="0">
+            <a:noFill/>
+          </a:ln>
+        </p:spPr>
+        <p:style>
+          <a:lnRef idx="0">
+            <a:scrgbClr r="0" g="0" b="0"/>
+          </a:lnRef>
+          <a:fillRef idx="0">
+            <a:scrgbClr r="0" g="0" b="0"/>
+          </a:fillRef>
+          <a:effectRef idx="0">
+            <a:scrgbClr r="0" g="0" b="0"/>
+          </a:effectRef>
+          <a:fontRef idx="minor"/>
+        </p:style>
+        <p:txBody>
+          <a:bodyPr lIns="0" tIns="0" rIns="0" bIns="0">
+            <a:noAutofit/>
+          </a:bodyPr>
+          <a:lstStyle/>
+          <a:p>
+            <a:pPr>
+              <a:lnSpc>
+                <a:spcPct val="100000"/>
+              </a:lnSpc>
+            </a:pPr>
+            <a:r>
+              <a:rPr lang="en-US" sz="900" b="0" strike="noStrike" spc="-1">
+                <a:solidFill>
+                  <a:srgbClr val="5073A5"/>
+                </a:solidFill>
+                <a:latin typeface="Frutiger LT Com 45 Light"/>
+                <a:ea typeface="DejaVu Sans"/>
+              </a:rPr>
+              <a:t>Fußzeile</a:t>
+            </a:r>
+            <a:endParaRPr lang="de-DE" sz="900" b="0" strike="noStrike" spc="-1">
+              <a:latin typeface="Arial"/>
+            </a:endParaRPr>
+          </a:p>
+        </p:txBody>
+      </p:sp>
+      <p:sp>
+        <p:nvSpPr>
+          <p:cNvPr id="489" name="CustomShape 3"/>
+          <p:cNvSpPr/>
+          <p:nvPr/>
+        </p:nvSpPr>
+        <p:spPr>
+          <a:xfrm>
+            <a:off x="1055520" y="6426000"/>
+            <a:ext cx="552600" cy="239760"/>
+          </a:xfrm>
+          <a:prstGeom prst="rect">
+            <a:avLst/>
+          </a:prstGeom>
+          <a:noFill/>
+          <a:ln w="0">
+            <a:noFill/>
+          </a:ln>
+        </p:spPr>
+        <p:style>
+          <a:lnRef idx="0">
+            <a:scrgbClr r="0" g="0" b="0"/>
+          </a:lnRef>
+          <a:fillRef idx="0">
+            <a:scrgbClr r="0" g="0" b="0"/>
+          </a:fillRef>
+          <a:effectRef idx="0">
+            <a:scrgbClr r="0" g="0" b="0"/>
+          </a:effectRef>
+          <a:fontRef idx="minor"/>
+        </p:style>
+        <p:txBody>
+          <a:bodyPr lIns="0" tIns="0" rIns="0" bIns="0">
+            <a:noAutofit/>
+          </a:bodyPr>
+          <a:lstStyle/>
+          <a:p>
+            <a:pPr>
+              <a:lnSpc>
+                <a:spcPct val="100000"/>
+              </a:lnSpc>
+            </a:pPr>
+            <a:fld id="{4923A73F-5495-417A-9B89-90354BD07CB0}" type="slidenum">
+              <a:rPr lang="de-DE" sz="900" b="1" strike="noStrike" spc="-1">
+                <a:solidFill>
+                  <a:srgbClr val="5073A5"/>
+                </a:solidFill>
+                <a:latin typeface="Frutiger LT Com 45 Light"/>
+                <a:ea typeface="DejaVu Sans"/>
+              </a:rPr>
+              <a:t>23</a:t>
+            </a:fld>
+            <a:endParaRPr lang="de-DE" sz="900" b="0" strike="noStrike" spc="-1">
+              <a:latin typeface="Arial"/>
+            </a:endParaRPr>
+          </a:p>
+        </p:txBody>
+      </p:sp>
+      <p:sp>
+        <p:nvSpPr>
+          <p:cNvPr id="490" name="CustomShape 4"/>
+          <p:cNvSpPr/>
+          <p:nvPr/>
+        </p:nvSpPr>
+        <p:spPr>
+          <a:xfrm>
+            <a:off x="1279440" y="1151280"/>
+            <a:ext cx="9348120" cy="4997880"/>
+          </a:xfrm>
+          <a:prstGeom prst="rect">
+            <a:avLst/>
+          </a:prstGeom>
+          <a:noFill/>
+          <a:ln w="0">
+            <a:noFill/>
+          </a:ln>
+        </p:spPr>
+        <p:style>
+          <a:lnRef idx="0">
+            <a:scrgbClr r="0" g="0" b="0"/>
+          </a:lnRef>
+          <a:fillRef idx="0">
+            <a:scrgbClr r="0" g="0" b="0"/>
+          </a:fillRef>
+          <a:effectRef idx="0">
+            <a:scrgbClr r="0" g="0" b="0"/>
+          </a:effectRef>
+          <a:fontRef idx="minor"/>
+        </p:style>
+        <p:txBody>
+          <a:bodyPr lIns="90000" tIns="45000" rIns="90000" bIns="45000">
+            <a:noAutofit/>
+          </a:bodyPr>
+          <a:lstStyle/>
+          <a:p>
+            <a:pPr marL="285840" indent="-285120">
+              <a:lnSpc>
+                <a:spcPct val="100000"/>
+              </a:lnSpc>
+              <a:spcBef>
+                <a:spcPts val="1800"/>
+              </a:spcBef>
+              <a:buClr>
+                <a:srgbClr val="000000"/>
+              </a:buClr>
+              <a:buFont typeface="Arial"/>
+              <a:buChar char="•"/>
+            </a:pPr>
+            <a:r>
+              <a:rPr lang="de-DE" sz="2000" b="0" strike="noStrike" spc="-1" dirty="0">
+                <a:solidFill>
+                  <a:srgbClr val="000000"/>
+                </a:solidFill>
+                <a:latin typeface="Frutiger LT Com 45 Light"/>
+                <a:ea typeface="DejaVu Sans"/>
+              </a:rPr>
+              <a:t>Trainingsvokabular enthält ungeeignete Begriffe, z.B. Verben wie ‚</a:t>
+            </a:r>
+            <a:r>
+              <a:rPr lang="de-DE" sz="2000" b="0" strike="noStrike" spc="-1" dirty="0" err="1">
+                <a:solidFill>
+                  <a:srgbClr val="000000"/>
+                </a:solidFill>
+                <a:latin typeface="Frutiger LT Com 45 Light"/>
+                <a:ea typeface="DejaVu Sans"/>
+              </a:rPr>
+              <a:t>aggravate</a:t>
+            </a:r>
+            <a:r>
+              <a:rPr lang="de-DE" sz="2000" b="0" strike="noStrike" spc="-1" dirty="0">
+                <a:solidFill>
+                  <a:srgbClr val="000000"/>
+                </a:solidFill>
+                <a:latin typeface="Frutiger LT Com 45 Light"/>
+                <a:ea typeface="DejaVu Sans"/>
+              </a:rPr>
+              <a:t>‘ oder generische Überbegriffe wie ‚</a:t>
+            </a:r>
+            <a:r>
+              <a:rPr lang="de-DE" sz="2000" b="0" strike="noStrike" spc="-1" dirty="0" err="1">
+                <a:solidFill>
+                  <a:srgbClr val="000000"/>
+                </a:solidFill>
+                <a:latin typeface="Frutiger LT Com 45 Light"/>
+                <a:ea typeface="DejaVu Sans"/>
+              </a:rPr>
+              <a:t>impairment</a:t>
+            </a:r>
+            <a:r>
+              <a:rPr lang="de-DE" sz="2000" b="0" strike="noStrike" spc="-1" dirty="0">
+                <a:solidFill>
+                  <a:srgbClr val="000000"/>
+                </a:solidFill>
+                <a:latin typeface="Frutiger LT Com 45 Light"/>
+                <a:ea typeface="DejaVu Sans"/>
+              </a:rPr>
+              <a:t>‘.</a:t>
+            </a:r>
+            <a:endParaRPr lang="de-DE" sz="2000" b="0" strike="noStrike" spc="-1" dirty="0">
+              <a:latin typeface="Arial"/>
+            </a:endParaRPr>
+          </a:p>
+          <a:p>
+            <a:pPr marL="285840" indent="-285120">
+              <a:lnSpc>
+                <a:spcPct val="100000"/>
+              </a:lnSpc>
+              <a:spcBef>
+                <a:spcPts val="1800"/>
+              </a:spcBef>
+              <a:buClr>
+                <a:srgbClr val="000000"/>
+              </a:buClr>
+              <a:buFont typeface="Arial"/>
+              <a:buChar char="•"/>
+            </a:pPr>
+            <a:r>
+              <a:rPr lang="de-DE" sz="2000" b="0" strike="noStrike" spc="-1" dirty="0">
+                <a:solidFill>
+                  <a:srgbClr val="000000"/>
+                </a:solidFill>
+                <a:latin typeface="Frutiger LT Com 45 Light"/>
+                <a:ea typeface="DejaVu Sans"/>
+              </a:rPr>
+              <a:t>Trainingsvokabular enthält doppeldeutige Begriffe, z.B. die Substantive ‚</a:t>
+            </a:r>
+            <a:r>
+              <a:rPr lang="de-DE" sz="2000" b="0" strike="noStrike" spc="-1" dirty="0" err="1">
+                <a:solidFill>
+                  <a:srgbClr val="000000"/>
+                </a:solidFill>
+                <a:latin typeface="Frutiger LT Com 45 Light"/>
+                <a:ea typeface="DejaVu Sans"/>
+              </a:rPr>
+              <a:t>cut</a:t>
+            </a:r>
+            <a:r>
+              <a:rPr lang="de-DE" sz="2000" b="0" strike="noStrike" spc="-1" dirty="0">
+                <a:solidFill>
+                  <a:srgbClr val="000000"/>
+                </a:solidFill>
+                <a:latin typeface="Frutiger LT Com 45 Light"/>
+                <a:ea typeface="DejaVu Sans"/>
+              </a:rPr>
+              <a:t>‘ oder ‚</a:t>
+            </a:r>
+            <a:r>
+              <a:rPr lang="de-DE" sz="2000" b="0" strike="noStrike" spc="-1" dirty="0" err="1">
+                <a:solidFill>
+                  <a:srgbClr val="000000"/>
+                </a:solidFill>
+                <a:latin typeface="Frutiger LT Com 45 Light"/>
+                <a:ea typeface="DejaVu Sans"/>
+              </a:rPr>
+              <a:t>cold</a:t>
+            </a:r>
+            <a:r>
+              <a:rPr lang="de-DE" sz="2000" b="0" strike="noStrike" spc="-1" dirty="0">
+                <a:solidFill>
+                  <a:srgbClr val="000000"/>
+                </a:solidFill>
+                <a:latin typeface="Frutiger LT Com 45 Light"/>
+                <a:ea typeface="DejaVu Sans"/>
+              </a:rPr>
+              <a:t>‘, die als Krankheiten interpretiert werden, auch wenn sie im Text eigentlich Verben oder Adjektive sind.</a:t>
+            </a:r>
+            <a:endParaRPr lang="de-DE" sz="2000" b="0" strike="noStrike" spc="-1" dirty="0">
+              <a:latin typeface="Arial"/>
+            </a:endParaRPr>
+          </a:p>
+          <a:p>
+            <a:pPr marL="228600" indent="-227880">
+              <a:lnSpc>
+                <a:spcPct val="90000"/>
+              </a:lnSpc>
+              <a:spcBef>
+                <a:spcPts val="1800"/>
+              </a:spcBef>
+              <a:buClr>
+                <a:srgbClr val="000000"/>
+              </a:buClr>
+              <a:buFont typeface="Arial"/>
+              <a:buChar char="•"/>
+            </a:pPr>
+            <a:r>
+              <a:rPr lang="de-DE" sz="2000" b="0" strike="noStrike" spc="-1" dirty="0">
+                <a:solidFill>
+                  <a:srgbClr val="000000"/>
+                </a:solidFill>
+                <a:latin typeface="Frutiger LT Com 45 Light"/>
+                <a:ea typeface="DejaVu Sans"/>
+              </a:rPr>
+              <a:t>Negationen werden nicht richtig aus dem Kontext heraus erkannt, z.B. „</a:t>
+            </a:r>
+            <a:r>
+              <a:rPr lang="en-US" sz="2000" b="0" strike="noStrike" spc="-1" dirty="0">
+                <a:solidFill>
+                  <a:srgbClr val="000000"/>
+                </a:solidFill>
+                <a:latin typeface="Frutiger LT Com 45 Light"/>
+                <a:ea typeface="DejaVu Sans"/>
+              </a:rPr>
+              <a:t>The psychological symptoms of depression include having no motivation or interest </a:t>
+            </a:r>
+            <a:r>
+              <a:rPr lang="de-DE" sz="2000" b="0" strike="noStrike" spc="-1" dirty="0">
+                <a:solidFill>
+                  <a:srgbClr val="000000"/>
+                </a:solidFill>
+                <a:latin typeface="Frutiger LT Com 45 Light"/>
+                <a:ea typeface="DejaVu Sans"/>
+              </a:rPr>
+              <a:t>in </a:t>
+            </a:r>
+            <a:r>
+              <a:rPr lang="de-DE" sz="2000" b="0" strike="noStrike" spc="-1" dirty="0" err="1">
+                <a:solidFill>
+                  <a:srgbClr val="000000"/>
+                </a:solidFill>
+                <a:latin typeface="Frutiger LT Com 45 Light"/>
+                <a:ea typeface="DejaVu Sans"/>
+              </a:rPr>
+              <a:t>things</a:t>
+            </a:r>
+            <a:r>
+              <a:rPr lang="de-DE" sz="2000" b="0" strike="noStrike" spc="-1" dirty="0">
+                <a:solidFill>
+                  <a:srgbClr val="000000"/>
+                </a:solidFill>
+                <a:latin typeface="Frutiger LT Com 45 Light"/>
+                <a:ea typeface="DejaVu Sans"/>
+              </a:rPr>
+              <a:t>. “ Interest (anstelle von ‚</a:t>
+            </a:r>
+            <a:r>
+              <a:rPr lang="de-DE" sz="2000" b="0" strike="noStrike" spc="-1" dirty="0" err="1">
+                <a:solidFill>
+                  <a:srgbClr val="000000"/>
+                </a:solidFill>
+                <a:latin typeface="Frutiger LT Com 45 Light"/>
+                <a:ea typeface="DejaVu Sans"/>
+              </a:rPr>
+              <a:t>no</a:t>
+            </a:r>
+            <a:r>
+              <a:rPr lang="de-DE" sz="2000" b="0" strike="noStrike" spc="-1" dirty="0">
+                <a:solidFill>
+                  <a:srgbClr val="000000"/>
+                </a:solidFill>
+                <a:latin typeface="Frutiger LT Com 45 Light"/>
+                <a:ea typeface="DejaVu Sans"/>
+              </a:rPr>
+              <a:t> </a:t>
+            </a:r>
+            <a:r>
+              <a:rPr lang="de-DE" sz="2000" b="0" strike="noStrike" spc="-1" dirty="0" err="1">
+                <a:solidFill>
+                  <a:srgbClr val="000000"/>
+                </a:solidFill>
+                <a:latin typeface="Frutiger LT Com 45 Light"/>
+                <a:ea typeface="DejaVu Sans"/>
+              </a:rPr>
+              <a:t>interest</a:t>
+            </a:r>
+            <a:r>
+              <a:rPr lang="de-DE" sz="2000" b="0" strike="noStrike" spc="-1" dirty="0">
+                <a:solidFill>
+                  <a:srgbClr val="000000"/>
+                </a:solidFill>
+                <a:latin typeface="Frutiger LT Com 45 Light"/>
+                <a:ea typeface="DejaVu Sans"/>
+              </a:rPr>
+              <a:t>‘) wird als Symptom einer Depression gedeutet.</a:t>
+            </a:r>
+            <a:endParaRPr lang="de-DE" sz="2000" b="0" strike="noStrike" spc="-1" dirty="0">
+              <a:latin typeface="Arial"/>
+            </a:endParaRPr>
+          </a:p>
+          <a:p>
+            <a:pPr marL="228600" indent="-227880">
+              <a:lnSpc>
+                <a:spcPct val="90000"/>
+              </a:lnSpc>
+              <a:spcBef>
+                <a:spcPts val="1800"/>
+              </a:spcBef>
+              <a:buClr>
+                <a:srgbClr val="000000"/>
+              </a:buClr>
+              <a:buFont typeface="Arial"/>
+              <a:buChar char="•"/>
+            </a:pPr>
+            <a:r>
+              <a:rPr lang="de-DE" sz="2000" b="0" strike="noStrike" spc="-1" dirty="0">
+                <a:solidFill>
+                  <a:srgbClr val="000000"/>
+                </a:solidFill>
+                <a:latin typeface="Frutiger LT Com 45 Light"/>
+                <a:ea typeface="DejaVu Sans"/>
+              </a:rPr>
+              <a:t>Bedeutung / Semantik eines Textes wird nicht erkannt: „</a:t>
+            </a:r>
+            <a:r>
+              <a:rPr lang="en-US" sz="2000" b="0" strike="noStrike" spc="-1" dirty="0">
+                <a:solidFill>
+                  <a:srgbClr val="000000"/>
+                </a:solidFill>
+                <a:latin typeface="Frutiger LT Com 45 Light"/>
+                <a:ea typeface="DejaVu Sans"/>
+              </a:rPr>
+              <a:t>These challenges came ... from gay rights activists who </a:t>
+            </a:r>
+            <a:r>
+              <a:rPr lang="en-US" sz="2000" b="0" strike="noStrike" spc="-1" dirty="0" err="1">
+                <a:solidFill>
+                  <a:srgbClr val="000000"/>
+                </a:solidFill>
+                <a:latin typeface="Frutiger LT Com 45 Light"/>
+                <a:ea typeface="DejaVu Sans"/>
+              </a:rPr>
+              <a:t>criticised</a:t>
+            </a:r>
+            <a:r>
+              <a:rPr lang="en-US" sz="2000" b="0" strike="noStrike" spc="-1" dirty="0">
+                <a:solidFill>
+                  <a:srgbClr val="000000"/>
+                </a:solidFill>
+                <a:latin typeface="Frutiger LT Com 45 Light"/>
+                <a:ea typeface="DejaVu Sans"/>
+              </a:rPr>
+              <a:t> the APA’s listing of homosexuality as a mental disorder”</a:t>
+            </a:r>
+            <a:endParaRPr lang="de-DE" sz="2000" b="0" strike="noStrike" spc="-1" dirty="0">
+              <a:latin typeface="Arial"/>
+            </a:endParaRPr>
+          </a:p>
+          <a:p>
+            <a:pPr marL="228600" indent="-227880">
+              <a:lnSpc>
+                <a:spcPct val="90000"/>
+              </a:lnSpc>
+              <a:spcBef>
+                <a:spcPts val="1800"/>
+              </a:spcBef>
+              <a:buClr>
+                <a:srgbClr val="000000"/>
+              </a:buClr>
+              <a:buFont typeface="Arial"/>
+              <a:buChar char="•"/>
+            </a:pPr>
+            <a:r>
+              <a:rPr lang="de-DE" sz="2000" b="0" strike="noStrike" spc="-1" dirty="0">
+                <a:solidFill>
+                  <a:srgbClr val="000000"/>
+                </a:solidFill>
+                <a:latin typeface="Frutiger LT Com 45 Light"/>
+                <a:ea typeface="DejaVu Sans"/>
+              </a:rPr>
+              <a:t>Es werden nur Zusammenhänge gefunden, wenn die Schlüsselbegriffe exakt im Trainingsvokabular enthalten ist.</a:t>
+            </a:r>
+            <a:endParaRPr lang="de-DE" sz="2000" b="0" strike="noStrike" spc="-1" dirty="0">
+              <a:latin typeface="Arial"/>
+            </a:endParaRPr>
+          </a:p>
+        </p:txBody>
+      </p:sp>
+    </p:spTree>
+    <p:extLst>
+      <p:ext uri="{BB962C8B-B14F-4D97-AF65-F5344CB8AC3E}">
+        <p14:creationId xmlns:p14="http://schemas.microsoft.com/office/powerpoint/2010/main" val="1942598348"/>
+      </p:ext>
+    </p:extLst>
+  </p:cSld>
+  <p:clrMapOvr>
+    <a:masterClrMapping/>
+  </p:clrMapOvr>
+</p:sld>
+</file>
+
+<file path=ppt/slides/slide24.xml><?xml version="1.0" encoding="utf-8"?>
+<p:sld xmlns:a="http://schemas.openxmlformats.org/drawingml/2006/main" xmlns:r="http://schemas.openxmlformats.org/officeDocument/2006/relationships" xmlns:p="http://schemas.openxmlformats.org/presentationml/2006/main">
+  <p:cSld>
+    <p:spTree>
+      <p:nvGrpSpPr>
+        <p:cNvPr id="1" name=""/>
+        <p:cNvGrpSpPr/>
+        <p:nvPr/>
+      </p:nvGrpSpPr>
+      <p:grpSpPr>
+        <a:xfrm>
+          <a:off x="0" y="0"/>
+          <a:ext cx="0" cy="0"/>
+          <a:chOff x="0" y="0"/>
+          <a:chExt cx="0" cy="0"/>
+        </a:xfrm>
+      </p:grpSpPr>
+      <p:sp>
+        <p:nvSpPr>
+          <p:cNvPr id="491" name="CustomShape 1"/>
+          <p:cNvSpPr/>
+          <p:nvPr/>
+        </p:nvSpPr>
+        <p:spPr>
+          <a:xfrm>
+            <a:off x="720000" y="260640"/>
+            <a:ext cx="8183160" cy="660960"/>
+          </a:xfrm>
+          <a:prstGeom prst="rect">
+            <a:avLst/>
+          </a:prstGeom>
+          <a:noFill/>
+          <a:ln w="0">
+            <a:noFill/>
+          </a:ln>
+        </p:spPr>
+        <p:style>
+          <a:lnRef idx="0">
+            <a:scrgbClr r="0" g="0" b="0"/>
+          </a:lnRef>
+          <a:fillRef idx="0">
+            <a:scrgbClr r="0" g="0" b="0"/>
+          </a:fillRef>
+          <a:effectRef idx="0">
+            <a:scrgbClr r="0" g="0" b="0"/>
+          </a:effectRef>
+          <a:fontRef idx="minor"/>
+        </p:style>
+        <p:txBody>
+          <a:bodyPr lIns="0" tIns="0" rIns="0" bIns="0" anchor="b">
+            <a:noAutofit/>
+          </a:bodyPr>
+          <a:lstStyle/>
+          <a:p>
+            <a:pPr>
+              <a:lnSpc>
+                <a:spcPct val="100000"/>
+              </a:lnSpc>
+            </a:pPr>
+            <a:r>
+              <a:rPr lang="de-DE" sz="2200" b="1" strike="noStrike" spc="-1">
+                <a:solidFill>
+                  <a:srgbClr val="5073A5"/>
+                </a:solidFill>
+                <a:latin typeface="Frutiger LT Com 45 Light"/>
+                <a:ea typeface="DejaVu Sans"/>
+              </a:rPr>
+              <a:t>Wie kann der MedExtractor verbessert werden?</a:t>
+            </a:r>
+            <a:endParaRPr lang="de-DE" sz="2200" b="0" strike="noStrike" spc="-1">
+              <a:latin typeface="Arial"/>
+            </a:endParaRPr>
+          </a:p>
+        </p:txBody>
+      </p:sp>
+      <p:sp>
+        <p:nvSpPr>
+          <p:cNvPr id="492" name="CustomShape 2"/>
+          <p:cNvSpPr/>
+          <p:nvPr/>
+        </p:nvSpPr>
+        <p:spPr>
+          <a:xfrm>
+            <a:off x="1631520" y="6426000"/>
+            <a:ext cx="7271640" cy="239760"/>
+          </a:xfrm>
+          <a:prstGeom prst="rect">
+            <a:avLst/>
+          </a:prstGeom>
+          <a:noFill/>
+          <a:ln w="0">
+            <a:noFill/>
+          </a:ln>
+        </p:spPr>
+        <p:style>
+          <a:lnRef idx="0">
+            <a:scrgbClr r="0" g="0" b="0"/>
+          </a:lnRef>
+          <a:fillRef idx="0">
+            <a:scrgbClr r="0" g="0" b="0"/>
+          </a:fillRef>
+          <a:effectRef idx="0">
+            <a:scrgbClr r="0" g="0" b="0"/>
+          </a:effectRef>
+          <a:fontRef idx="minor"/>
+        </p:style>
+        <p:txBody>
+          <a:bodyPr lIns="0" tIns="0" rIns="0" bIns="0">
+            <a:noAutofit/>
+          </a:bodyPr>
+          <a:lstStyle/>
+          <a:p>
+            <a:pPr>
+              <a:lnSpc>
+                <a:spcPct val="100000"/>
+              </a:lnSpc>
+            </a:pPr>
+            <a:r>
+              <a:rPr lang="en-US" sz="900" b="0" strike="noStrike" spc="-1">
+                <a:solidFill>
+                  <a:srgbClr val="5073A5"/>
+                </a:solidFill>
+                <a:latin typeface="Frutiger LT Com 45 Light"/>
+                <a:ea typeface="DejaVu Sans"/>
+              </a:rPr>
+              <a:t>Fußzeile</a:t>
+            </a:r>
+            <a:endParaRPr lang="de-DE" sz="900" b="0" strike="noStrike" spc="-1">
+              <a:latin typeface="Arial"/>
+            </a:endParaRPr>
+          </a:p>
+        </p:txBody>
+      </p:sp>
+      <p:sp>
+        <p:nvSpPr>
+          <p:cNvPr id="493" name="CustomShape 3"/>
+          <p:cNvSpPr/>
+          <p:nvPr/>
+        </p:nvSpPr>
+        <p:spPr>
+          <a:xfrm>
+            <a:off x="1055520" y="6426000"/>
+            <a:ext cx="552600" cy="239760"/>
+          </a:xfrm>
+          <a:prstGeom prst="rect">
+            <a:avLst/>
+          </a:prstGeom>
+          <a:noFill/>
+          <a:ln w="0">
+            <a:noFill/>
+          </a:ln>
+        </p:spPr>
+        <p:style>
+          <a:lnRef idx="0">
+            <a:scrgbClr r="0" g="0" b="0"/>
+          </a:lnRef>
+          <a:fillRef idx="0">
+            <a:scrgbClr r="0" g="0" b="0"/>
+          </a:fillRef>
+          <a:effectRef idx="0">
+            <a:scrgbClr r="0" g="0" b="0"/>
+          </a:effectRef>
+          <a:fontRef idx="minor"/>
+        </p:style>
+        <p:txBody>
+          <a:bodyPr lIns="0" tIns="0" rIns="0" bIns="0">
+            <a:noAutofit/>
+          </a:bodyPr>
+          <a:lstStyle/>
+          <a:p>
+            <a:pPr>
+              <a:lnSpc>
+                <a:spcPct val="100000"/>
+              </a:lnSpc>
+            </a:pPr>
+            <a:fld id="{D375A467-9DCD-4C14-BF81-6C64D697E9E4}" type="slidenum">
+              <a:rPr lang="de-DE" sz="900" b="1" strike="noStrike" spc="-1">
+                <a:solidFill>
+                  <a:srgbClr val="5073A5"/>
+                </a:solidFill>
+                <a:latin typeface="Frutiger LT Com 45 Light"/>
+                <a:ea typeface="DejaVu Sans"/>
+              </a:rPr>
+              <a:t>24</a:t>
+            </a:fld>
+            <a:endParaRPr lang="de-DE" sz="900" b="0" strike="noStrike" spc="-1">
+              <a:latin typeface="Arial"/>
+            </a:endParaRPr>
+          </a:p>
+        </p:txBody>
+      </p:sp>
+      <p:sp>
+        <p:nvSpPr>
+          <p:cNvPr id="494" name="CustomShape 4"/>
+          <p:cNvSpPr/>
+          <p:nvPr/>
+        </p:nvSpPr>
+        <p:spPr>
+          <a:xfrm>
+            <a:off x="1018800" y="1204920"/>
+            <a:ext cx="10153440" cy="4892040"/>
+          </a:xfrm>
+          <a:prstGeom prst="rect">
+            <a:avLst/>
+          </a:prstGeom>
+          <a:noFill/>
+          <a:ln w="0">
+            <a:noFill/>
+          </a:ln>
+        </p:spPr>
+        <p:style>
+          <a:lnRef idx="0">
+            <a:scrgbClr r="0" g="0" b="0"/>
+          </a:lnRef>
+          <a:fillRef idx="0">
+            <a:scrgbClr r="0" g="0" b="0"/>
+          </a:fillRef>
+          <a:effectRef idx="0">
+            <a:scrgbClr r="0" g="0" b="0"/>
+          </a:effectRef>
+          <a:fontRef idx="minor"/>
+        </p:style>
+        <p:txBody>
+          <a:bodyPr lIns="90000" tIns="45000" rIns="90000" bIns="45000">
+            <a:noAutofit/>
+          </a:bodyPr>
+          <a:lstStyle/>
+          <a:p>
+            <a:pPr marL="343080" indent="-342360">
+              <a:lnSpc>
+                <a:spcPct val="100000"/>
+              </a:lnSpc>
+              <a:spcBef>
+                <a:spcPts val="1800"/>
+              </a:spcBef>
+              <a:buClr>
+                <a:srgbClr val="000000"/>
+              </a:buClr>
+              <a:buFont typeface="Arial"/>
+              <a:buChar char="•"/>
+            </a:pPr>
+            <a:r>
+              <a:rPr lang="de-DE" sz="2000" b="0" strike="noStrike" spc="-1">
+                <a:solidFill>
+                  <a:srgbClr val="000000"/>
+                </a:solidFill>
+                <a:latin typeface="Frutiger LT Com 45 Light"/>
+                <a:ea typeface="DejaVu Sans"/>
+              </a:rPr>
+              <a:t>Zusätzlich zur Named Entity Recognition kann die grammatikalische Analyse der </a:t>
+            </a:r>
+            <a:r>
+              <a:rPr lang="de-DE" sz="2000" b="0" i="1" strike="noStrike" spc="-1">
+                <a:solidFill>
+                  <a:srgbClr val="000000"/>
+                </a:solidFill>
+                <a:latin typeface="Frutiger LT Com 45 Light"/>
+                <a:ea typeface="DejaVu Sans"/>
+              </a:rPr>
+              <a:t>spaCy</a:t>
+            </a:r>
+            <a:r>
+              <a:rPr lang="de-DE" sz="2000" b="0" strike="noStrike" spc="-1">
+                <a:solidFill>
+                  <a:srgbClr val="000000"/>
+                </a:solidFill>
+                <a:latin typeface="Frutiger LT Com 45 Light"/>
+                <a:ea typeface="DejaVu Sans"/>
+              </a:rPr>
+              <a:t>-Pipeline genutzt werden</a:t>
+            </a:r>
+            <a:endParaRPr lang="de-DE" sz="2000" b="0" strike="noStrike" spc="-1">
+              <a:latin typeface="Arial"/>
+            </a:endParaRPr>
+          </a:p>
+          <a:p>
+            <a:pPr marL="343080" indent="-342360">
+              <a:lnSpc>
+                <a:spcPct val="100000"/>
+              </a:lnSpc>
+              <a:spcBef>
+                <a:spcPts val="1800"/>
+              </a:spcBef>
+              <a:buClr>
+                <a:srgbClr val="000000"/>
+              </a:buClr>
+              <a:buFont typeface="Arial"/>
+              <a:buChar char="•"/>
+            </a:pPr>
+            <a:r>
+              <a:rPr lang="de-DE" sz="2000" b="0" strike="noStrike" spc="-1">
+                <a:solidFill>
+                  <a:srgbClr val="000000"/>
+                </a:solidFill>
+                <a:latin typeface="Frutiger LT Com 45 Light"/>
+                <a:ea typeface="DejaVu Sans"/>
+              </a:rPr>
+              <a:t>Alleinstehende Named Entities, die in einem Satz als Verb fungieren (z.B. ‚aggravate‘), können sowohl als Krankheit und Symptom verworfen werden.</a:t>
+            </a:r>
+            <a:endParaRPr lang="de-DE" sz="2000" b="0" strike="noStrike" spc="-1">
+              <a:latin typeface="Arial"/>
+            </a:endParaRPr>
+          </a:p>
+          <a:p>
+            <a:pPr marL="343080" indent="-342360">
+              <a:lnSpc>
+                <a:spcPct val="100000"/>
+              </a:lnSpc>
+              <a:spcBef>
+                <a:spcPts val="1800"/>
+              </a:spcBef>
+              <a:buClr>
+                <a:srgbClr val="000000"/>
+              </a:buClr>
+              <a:buFont typeface="Arial"/>
+              <a:buChar char="•"/>
+            </a:pPr>
+            <a:r>
+              <a:rPr lang="de-DE" sz="2000" b="0" strike="noStrike" spc="-1">
+                <a:solidFill>
+                  <a:srgbClr val="000000"/>
+                </a:solidFill>
+                <a:latin typeface="Frutiger LT Com 45 Light"/>
+                <a:ea typeface="DejaVu Sans"/>
+              </a:rPr>
+              <a:t>Alleinstehende Named Entities, die in einem Satz als Adjektiv ‚cold‘ fungieren, können als Krankheit verworfen werden.</a:t>
+            </a:r>
+            <a:endParaRPr lang="de-DE" sz="2000" b="0" strike="noStrike" spc="-1">
+              <a:latin typeface="Arial"/>
+            </a:endParaRPr>
+          </a:p>
+          <a:p>
+            <a:pPr marL="343080" indent="-342360">
+              <a:lnSpc>
+                <a:spcPct val="100000"/>
+              </a:lnSpc>
+              <a:spcBef>
+                <a:spcPts val="1800"/>
+              </a:spcBef>
+              <a:buClr>
+                <a:srgbClr val="000000"/>
+              </a:buClr>
+              <a:buFont typeface="Arial"/>
+              <a:buChar char="•"/>
+            </a:pPr>
+            <a:r>
+              <a:rPr lang="de-DE" sz="2000" b="0" strike="noStrike" spc="-1">
+                <a:solidFill>
+                  <a:srgbClr val="000000"/>
+                </a:solidFill>
+                <a:latin typeface="Frutiger LT Com 45 Light"/>
+                <a:ea typeface="DejaVu Sans"/>
+              </a:rPr>
+              <a:t>Text and Trainingsvokabular kann mit dem Lemmatizer normiert werden.</a:t>
+            </a:r>
+            <a:endParaRPr lang="de-DE" sz="2000" b="0" strike="noStrike" spc="-1">
+              <a:latin typeface="Arial"/>
+            </a:endParaRPr>
+          </a:p>
+          <a:p>
+            <a:pPr marL="343080" indent="-342360">
+              <a:lnSpc>
+                <a:spcPct val="100000"/>
+              </a:lnSpc>
+              <a:spcBef>
+                <a:spcPts val="1800"/>
+              </a:spcBef>
+              <a:buClr>
+                <a:srgbClr val="000000"/>
+              </a:buClr>
+              <a:buFont typeface="Arial"/>
+              <a:buChar char="•"/>
+            </a:pPr>
+            <a:r>
+              <a:rPr lang="de-DE" sz="2000" b="0" strike="noStrike" spc="-1">
+                <a:solidFill>
+                  <a:srgbClr val="000000"/>
+                </a:solidFill>
+                <a:latin typeface="Frutiger LT Com 45 Light"/>
+                <a:ea typeface="DejaVu Sans"/>
+              </a:rPr>
+              <a:t>Ausdrücke wie ‚feeling +  Adjektive‘   können auch ohne Entity Recognition als Symptom gedeutet werden.</a:t>
+            </a:r>
+            <a:endParaRPr lang="de-DE" sz="2000" b="0" strike="noStrike" spc="-1">
+              <a:latin typeface="Arial"/>
+            </a:endParaRPr>
+          </a:p>
+          <a:p>
+            <a:pPr marL="343080" indent="-342360">
+              <a:lnSpc>
+                <a:spcPct val="100000"/>
+              </a:lnSpc>
+              <a:spcBef>
+                <a:spcPts val="1800"/>
+              </a:spcBef>
+              <a:buClr>
+                <a:srgbClr val="000000"/>
+              </a:buClr>
+              <a:buFont typeface="Arial"/>
+              <a:buChar char="•"/>
+            </a:pPr>
+            <a:r>
+              <a:rPr lang="de-DE" sz="2000" b="0" strike="noStrike" spc="-1">
+                <a:solidFill>
+                  <a:srgbClr val="000000"/>
+                </a:solidFill>
+                <a:latin typeface="Frutiger LT Com 45 Light"/>
+                <a:ea typeface="DejaVu Sans"/>
+              </a:rPr>
+              <a:t>Über die grammatikalische Analyse können Standard-Formulierungen wie „The symptoms of ... include ...“ suchen und daraus auch ohne Named Entity Recognition Krankheiten und ihre Symptome identifizieren.</a:t>
+            </a:r>
+            <a:endParaRPr lang="de-DE" sz="2000" b="0" strike="noStrike" spc="-1">
+              <a:latin typeface="Arial"/>
+            </a:endParaRPr>
+          </a:p>
+        </p:txBody>
+      </p:sp>
+    </p:spTree>
+  </p:cSld>
+  <p:clrMapOvr>
+    <a:masterClrMapping/>
+  </p:clrMapOvr>
+</p:sld>
+</file>
+
+<file path=ppt/slides/slide25.xml><?xml version="1.0" encoding="utf-8"?>
+<p:sld xmlns:a="http://schemas.openxmlformats.org/drawingml/2006/main" xmlns:r="http://schemas.openxmlformats.org/officeDocument/2006/relationships" xmlns:p="http://schemas.openxmlformats.org/presentationml/2006/main">
+  <p:cSld>
+    <p:spTree>
+      <p:nvGrpSpPr>
+        <p:cNvPr id="1" name=""/>
+        <p:cNvGrpSpPr/>
+        <p:nvPr/>
+      </p:nvGrpSpPr>
+      <p:grpSpPr>
+        <a:xfrm>
+          <a:off x="0" y="0"/>
+          <a:ext cx="0" cy="0"/>
+          <a:chOff x="0" y="0"/>
+          <a:chExt cx="0" cy="0"/>
+        </a:xfrm>
+      </p:grpSpPr>
+      <p:sp>
+        <p:nvSpPr>
           <p:cNvPr id="521" name="CustomShape 1"/>
           <p:cNvSpPr/>
           <p:nvPr/>
@@ -26649,8 +28546,8 @@
         </p:nvSpPr>
         <p:spPr>
           <a:xfrm>
-            <a:off x="1608840" y="1898640"/>
-            <a:ext cx="9196560" cy="3397320"/>
+            <a:off x="1631520" y="1573952"/>
+            <a:ext cx="9196560" cy="4199696"/>
           </a:xfrm>
           <a:prstGeom prst="rect">
             <a:avLst/>
@@ -26678,21 +28575,21 @@
           </a:bodyPr>
           <a:lstStyle/>
           <a:p>
-            <a:pPr marL="285840" indent="-285120">
+            <a:pPr marL="457920" indent="-457200">
               <a:lnSpc>
                 <a:spcPct val="100000"/>
               </a:lnSpc>
               <a:spcBef>
-                <a:spcPts val="601"/>
+                <a:spcPts val="1800"/>
               </a:spcBef>
               <a:buClr>
                 <a:srgbClr val="000000"/>
               </a:buClr>
-              <a:buFont typeface="Arial"/>
-              <a:buChar char="•"/>
+              <a:buFont typeface="+mj-lt"/>
+              <a:buAutoNum type="arabicPeriod"/>
             </a:pPr>
             <a:r>
-              <a:rPr lang="de-DE" sz="2400" b="0" strike="noStrike" spc="-1">
+              <a:rPr lang="de-DE" sz="2400" b="0" strike="noStrike" spc="-1" dirty="0">
                 <a:solidFill>
                   <a:srgbClr val="000000"/>
                 </a:solidFill>
@@ -26701,26 +28598,26 @@
               </a:rPr>
               <a:t>Automatische Erstellung einer Wissensrepräsentation aus einem medizinischen Text (als Grundlage für einen Chatbot)</a:t>
             </a:r>
-            <a:endParaRPr lang="de-DE" sz="2400" b="0" strike="noStrike" spc="-1">
-              <a:latin typeface="Arial"/>
-            </a:endParaRPr>
-          </a:p>
-          <a:p>
-            <a:pPr marL="285840" indent="-285120">
+            <a:endParaRPr lang="de-DE" sz="2400" b="0" strike="noStrike" spc="-1" dirty="0">
+              <a:latin typeface="Arial"/>
+            </a:endParaRPr>
+          </a:p>
+          <a:p>
+            <a:pPr marL="457920" indent="-457200">
               <a:lnSpc>
                 <a:spcPct val="100000"/>
               </a:lnSpc>
               <a:spcBef>
-                <a:spcPts val="601"/>
+                <a:spcPts val="1800"/>
               </a:spcBef>
               <a:buClr>
                 <a:srgbClr val="000000"/>
               </a:buClr>
-              <a:buFont typeface="Arial"/>
-              <a:buChar char="•"/>
+              <a:buFont typeface="+mj-lt"/>
+              <a:buAutoNum type="arabicPeriod"/>
             </a:pPr>
             <a:r>
-              <a:rPr lang="de-DE" sz="2400" b="0" strike="noStrike" spc="-1">
+              <a:rPr lang="de-DE" sz="2400" b="0" strike="noStrike" spc="-1" dirty="0">
                 <a:solidFill>
                   <a:srgbClr val="000000"/>
                 </a:solidFill>
@@ -26729,26 +28626,26 @@
               </a:rPr>
               <a:t>Wissensrepräsentation im RDF-Format</a:t>
             </a:r>
-            <a:endParaRPr lang="de-DE" sz="2400" b="0" strike="noStrike" spc="-1">
-              <a:latin typeface="Arial"/>
-            </a:endParaRPr>
-          </a:p>
-          <a:p>
-            <a:pPr marL="285840" indent="-285120">
+            <a:endParaRPr lang="de-DE" sz="2400" b="0" strike="noStrike" spc="-1" dirty="0">
+              <a:latin typeface="Arial"/>
+            </a:endParaRPr>
+          </a:p>
+          <a:p>
+            <a:pPr marL="457920" indent="-457200">
               <a:lnSpc>
                 <a:spcPct val="100000"/>
               </a:lnSpc>
               <a:spcBef>
-                <a:spcPts val="601"/>
+                <a:spcPts val="1800"/>
               </a:spcBef>
               <a:buClr>
                 <a:srgbClr val="000000"/>
               </a:buClr>
-              <a:buFont typeface="Arial"/>
-              <a:buChar char="•"/>
+              <a:buFont typeface="+mj-lt"/>
+              <a:buAutoNum type="arabicPeriod"/>
             </a:pPr>
             <a:r>
-              <a:rPr lang="de-DE" sz="2400" b="0" strike="noStrike" spc="-1">
+              <a:rPr lang="de-DE" sz="2400" b="0" strike="noStrike" spc="-1" dirty="0">
                 <a:solidFill>
                   <a:srgbClr val="000000"/>
                 </a:solidFill>
@@ -26757,26 +28654,26 @@
               </a:rPr>
               <a:t>Konsolenapplikation in Python</a:t>
             </a:r>
-            <a:endParaRPr lang="de-DE" sz="2400" b="0" strike="noStrike" spc="-1">
-              <a:latin typeface="Arial"/>
-            </a:endParaRPr>
-          </a:p>
-          <a:p>
-            <a:pPr marL="285840" indent="-285120">
+            <a:endParaRPr lang="de-DE" sz="2400" b="0" strike="noStrike" spc="-1" dirty="0">
+              <a:latin typeface="Arial"/>
+            </a:endParaRPr>
+          </a:p>
+          <a:p>
+            <a:pPr marL="457920" indent="-457200">
               <a:lnSpc>
                 <a:spcPct val="100000"/>
               </a:lnSpc>
               <a:spcBef>
-                <a:spcPts val="601"/>
+                <a:spcPts val="1800"/>
               </a:spcBef>
               <a:buClr>
                 <a:srgbClr val="000000"/>
               </a:buClr>
-              <a:buFont typeface="Arial"/>
-              <a:buChar char="•"/>
+              <a:buFont typeface="+mj-lt"/>
+              <a:buAutoNum type="arabicPeriod"/>
             </a:pPr>
             <a:r>
-              <a:rPr lang="de-DE" sz="2400" b="0" strike="noStrike" spc="-1">
+              <a:rPr lang="de-DE" sz="2400" b="0" strike="noStrike" spc="-1" dirty="0">
                 <a:solidFill>
                   <a:srgbClr val="000000"/>
                 </a:solidFill>
@@ -26786,112 +28683,142 @@
               <a:t>Natural Language Processing (NLP)-Bibliothek </a:t>
             </a:r>
             <a:r>
-              <a:rPr lang="de-DE" sz="2400" b="0" i="1" strike="noStrike" spc="-1">
+              <a:rPr lang="de-DE" sz="2400" b="0" i="1" strike="noStrike" spc="-1" dirty="0" err="1">
                 <a:solidFill>
                   <a:srgbClr val="000000"/>
                 </a:solidFill>
                 <a:latin typeface="Frutiger LT Com 45 Light"/>
                 <a:ea typeface="DejaVu Sans"/>
               </a:rPr>
-              <a:t>spaCy </a:t>
-            </a:r>
-            <a:endParaRPr lang="de-DE" sz="2400" b="0" strike="noStrike" spc="-1">
-              <a:latin typeface="Arial"/>
-            </a:endParaRPr>
-          </a:p>
-          <a:p>
-            <a:pPr marL="285840" indent="-285120">
-              <a:lnSpc>
-                <a:spcPct val="100000"/>
-              </a:lnSpc>
-              <a:spcBef>
-                <a:spcPts val="601"/>
-              </a:spcBef>
-              <a:buClr>
-                <a:srgbClr val="000000"/>
-              </a:buClr>
-              <a:buFont typeface="Arial"/>
-              <a:buChar char="•"/>
-            </a:pPr>
-            <a:r>
-              <a:rPr lang="de-DE" sz="2400" b="0" strike="noStrike" spc="-1">
+              <a:t>spaCy</a:t>
+            </a:r>
+            <a:r>
+              <a:rPr lang="de-DE" sz="2400" b="0" i="1" strike="noStrike" spc="-1" dirty="0">
                 <a:solidFill>
                   <a:srgbClr val="000000"/>
                 </a:solidFill>
                 <a:latin typeface="Frutiger LT Com 45 Light"/>
                 <a:ea typeface="DejaVu Sans"/>
               </a:rPr>
-              <a:t>Nutzung des </a:t>
-            </a:r>
-            <a:r>
-              <a:rPr lang="de-DE" sz="2400" b="0" i="1" strike="noStrike" spc="-1">
+              <a:t> </a:t>
+            </a:r>
+            <a:endParaRPr lang="de-DE" sz="2400" b="0" strike="noStrike" spc="-1" dirty="0">
+              <a:latin typeface="Arial"/>
+            </a:endParaRPr>
+          </a:p>
+          <a:p>
+            <a:pPr marL="457920" indent="-457200">
+              <a:lnSpc>
+                <a:spcPct val="100000"/>
+              </a:lnSpc>
+              <a:spcBef>
+                <a:spcPts val="1800"/>
+              </a:spcBef>
+              <a:buClr>
+                <a:srgbClr val="000000"/>
+              </a:buClr>
+              <a:buFont typeface="+mj-lt"/>
+              <a:buAutoNum type="arabicPeriod"/>
+            </a:pPr>
+            <a:r>
+              <a:rPr lang="de-DE" sz="2400" b="0" strike="noStrike" spc="-1" dirty="0">
                 <a:solidFill>
                   <a:srgbClr val="000000"/>
                 </a:solidFill>
                 <a:latin typeface="Frutiger LT Com 45 Light"/>
                 <a:ea typeface="DejaVu Sans"/>
               </a:rPr>
-              <a:t>Named Entity Recognition</a:t>
-            </a:r>
-            <a:r>
-              <a:rPr lang="de-DE" sz="2400" b="0" strike="noStrike" spc="-1">
+              <a:t>Nutzung des </a:t>
+            </a:r>
+            <a:r>
+              <a:rPr lang="de-DE" sz="2400" b="0" i="1" strike="noStrike" spc="-1" dirty="0" err="1">
                 <a:solidFill>
                   <a:srgbClr val="000000"/>
                 </a:solidFill>
                 <a:latin typeface="Frutiger LT Com 45 Light"/>
                 <a:ea typeface="DejaVu Sans"/>
               </a:rPr>
-              <a:t>-Verfahren</a:t>
-            </a:r>
-            <a:endParaRPr lang="de-DE" sz="2400" b="0" strike="noStrike" spc="-1">
-              <a:latin typeface="Arial"/>
-            </a:endParaRPr>
-          </a:p>
-          <a:p>
-            <a:pPr marL="285840" indent="-285120">
-              <a:lnSpc>
-                <a:spcPct val="100000"/>
-              </a:lnSpc>
-              <a:spcBef>
-                <a:spcPts val="601"/>
-              </a:spcBef>
-              <a:buClr>
-                <a:srgbClr val="000000"/>
-              </a:buClr>
-              <a:buFont typeface="Arial"/>
-              <a:buChar char="•"/>
-            </a:pPr>
-            <a:r>
-              <a:rPr lang="de-DE" sz="2400" b="0" strike="noStrike" spc="-1">
+              <a:t>Named</a:t>
+            </a:r>
+            <a:r>
+              <a:rPr lang="de-DE" sz="2400" b="0" i="1" strike="noStrike" spc="-1" dirty="0">
                 <a:solidFill>
                   <a:srgbClr val="000000"/>
                 </a:solidFill>
                 <a:latin typeface="Frutiger LT Com 45 Light"/>
                 <a:ea typeface="DejaVu Sans"/>
               </a:rPr>
-              <a:t>Trainingsvokabular für </a:t>
-            </a:r>
-            <a:r>
-              <a:rPr lang="de-DE" sz="2400" b="0" i="1" strike="noStrike" spc="-1">
+              <a:t> Entity Recognition</a:t>
+            </a:r>
+            <a:r>
+              <a:rPr lang="de-DE" sz="2400" b="0" strike="noStrike" spc="-1" dirty="0">
                 <a:solidFill>
                   <a:srgbClr val="000000"/>
                 </a:solidFill>
                 <a:latin typeface="Frutiger LT Com 45 Light"/>
                 <a:ea typeface="DejaVu Sans"/>
               </a:rPr>
-              <a:t>Named Entity Recognition</a:t>
-            </a:r>
-            <a:r>
-              <a:rPr lang="de-DE" sz="2400" b="0" strike="noStrike" spc="-1">
+              <a:t>-Verfahren</a:t>
+            </a:r>
+            <a:endParaRPr lang="de-DE" sz="2400" b="0" strike="noStrike" spc="-1" dirty="0">
+              <a:latin typeface="Arial"/>
+            </a:endParaRPr>
+          </a:p>
+          <a:p>
+            <a:pPr marL="457920" indent="-457200">
+              <a:lnSpc>
+                <a:spcPct val="100000"/>
+              </a:lnSpc>
+              <a:spcBef>
+                <a:spcPts val="1800"/>
+              </a:spcBef>
+              <a:buClr>
+                <a:srgbClr val="000000"/>
+              </a:buClr>
+              <a:buFont typeface="+mj-lt"/>
+              <a:buAutoNum type="arabicPeriod"/>
+            </a:pPr>
+            <a:r>
+              <a:rPr lang="de-DE" sz="2400" b="0" strike="noStrike" spc="-1" dirty="0">
                 <a:solidFill>
                   <a:srgbClr val="000000"/>
                 </a:solidFill>
                 <a:latin typeface="Frutiger LT Com 45 Light"/>
                 <a:ea typeface="DejaVu Sans"/>
               </a:rPr>
+              <a:t>Trainingsvokabular für </a:t>
+            </a:r>
+            <a:r>
+              <a:rPr lang="de-DE" sz="2400" b="0" i="1" strike="noStrike" spc="-1" dirty="0" err="1">
+                <a:solidFill>
+                  <a:srgbClr val="000000"/>
+                </a:solidFill>
+                <a:latin typeface="Frutiger LT Com 45 Light"/>
+                <a:ea typeface="DejaVu Sans"/>
+              </a:rPr>
+              <a:t>Named</a:t>
+            </a:r>
+            <a:r>
+              <a:rPr lang="de-DE" sz="2400" b="0" i="1" strike="noStrike" spc="-1" dirty="0">
+                <a:solidFill>
+                  <a:srgbClr val="000000"/>
+                </a:solidFill>
+                <a:latin typeface="Frutiger LT Com 45 Light"/>
+                <a:ea typeface="DejaVu Sans"/>
+              </a:rPr>
+              <a:t> Entity Recognition</a:t>
+            </a:r>
+            <a:r>
+              <a:rPr lang="de-DE" sz="2400" b="0" strike="noStrike" spc="-1" dirty="0">
+                <a:solidFill>
+                  <a:srgbClr val="000000"/>
+                </a:solidFill>
+                <a:latin typeface="Frutiger LT Com 45 Light"/>
+                <a:ea typeface="DejaVu Sans"/>
+              </a:rPr>
               <a:t> finden / aufbereiten</a:t>
             </a:r>
-            <a:endParaRPr lang="de-DE" sz="2400" b="0" strike="noStrike" spc="-1">
+            <a:endParaRPr lang="de-DE" sz="2400" b="0" strike="noStrike" spc="-1" dirty="0">
               <a:latin typeface="Arial"/>
             </a:endParaRPr>
           </a:p>
@@ -26924,7 +28851,7 @@
       </p:grpSpPr>
       <p:sp>
         <p:nvSpPr>
-          <p:cNvPr id="428" name="CustomShape 1"/>
+          <p:cNvPr id="424" name="CustomShape 1"/>
           <p:cNvSpPr/>
           <p:nvPr/>
         </p:nvSpPr>
@@ -26982,7 +28909,7 @@
       </p:sp>
       <p:sp>
         <p:nvSpPr>
-          <p:cNvPr id="429" name="CustomShape 2"/>
+          <p:cNvPr id="425" name="CustomShape 2"/>
           <p:cNvSpPr/>
           <p:nvPr/>
         </p:nvSpPr>
@@ -27022,7 +28949,7 @@
                 <a:spcPct val="100000"/>
               </a:lnSpc>
             </a:pPr>
-            <a:fld id="{87AE8C14-16A0-4F6B-9835-0C50F4A7C454}" type="slidenum">
+            <a:fld id="{A7D457DF-DFDE-4CE6-B76E-951166EAA5FC}" type="slidenum">
               <a:rPr lang="de-DE" sz="900" b="1" strike="noStrike" spc="-1">
                 <a:solidFill>
                   <a:srgbClr val="5073A5"/>
@@ -27040,7 +28967,7 @@
       </p:sp>
       <p:sp>
         <p:nvSpPr>
-          <p:cNvPr id="430" name="CustomShape 3"/>
+          <p:cNvPr id="426" name="CustomShape 3"/>
           <p:cNvSpPr/>
           <p:nvPr/>
         </p:nvSpPr>
@@ -27081,31 +29008,67 @@
               </a:lnSpc>
             </a:pPr>
             <a:r>
-              <a:rPr lang="de-DE" sz="2200" b="1" strike="noStrike" spc="-1">
+              <a:rPr lang="de-DE" sz="2200" b="1" strike="noStrike" spc="-1" dirty="0">
                 <a:solidFill>
                   <a:srgbClr val="5073A5"/>
                 </a:solidFill>
                 <a:latin typeface="Frutiger LT Com 45 Light"/>
                 <a:ea typeface="DejaVu Sans"/>
               </a:rPr>
-              <a:t>Forschungsziele</a:t>
-            </a:r>
-            <a:endParaRPr lang="de-DE" sz="2200" b="0" strike="noStrike" spc="-1">
-              <a:latin typeface="Arial"/>
-            </a:endParaRPr>
-          </a:p>
-        </p:txBody>
-      </p:sp>
-      <p:sp>
-        <p:nvSpPr>
-          <p:cNvPr id="431" name="CustomShape 4"/>
+              <a:t>State-Of-The-Art</a:t>
+            </a:r>
+            <a:endParaRPr lang="de-DE" sz="2200" b="0" strike="noStrike" spc="-1" dirty="0">
+              <a:latin typeface="Arial"/>
+            </a:endParaRPr>
+          </a:p>
+        </p:txBody>
+      </p:sp>
+      <p:pic>
+        <p:nvPicPr>
+          <p:cNvPr id="3" name="Grafik 2">
+            <a:extLst>
+              <a:ext uri="{FF2B5EF4-FFF2-40B4-BE49-F238E27FC236}">
+                <a16:creationId xmlns:a16="http://schemas.microsoft.com/office/drawing/2014/main" id="{29D53A6E-FFAE-987C-27E5-73680D1A0C93}"/>
+              </a:ext>
+            </a:extLst>
+          </p:cNvPr>
+          <p:cNvPicPr>
+            <a:picLocks noChangeAspect="1"/>
+          </p:cNvPicPr>
+          <p:nvPr/>
+        </p:nvPicPr>
+        <p:blipFill>
+          <a:blip r:embed="rId2"/>
+          <a:stretch>
+            <a:fillRect/>
+          </a:stretch>
+        </p:blipFill>
+        <p:spPr>
+          <a:xfrm>
+            <a:off x="7654564" y="1354624"/>
+            <a:ext cx="3639867" cy="4720952"/>
+          </a:xfrm>
+          <a:prstGeom prst="rect">
+            <a:avLst/>
+          </a:prstGeom>
+        </p:spPr>
+      </p:pic>
+      <p:sp>
+        <p:nvSpPr>
+          <p:cNvPr id="4" name="CustomShape 4">
+            <a:extLst>
+              <a:ext uri="{FF2B5EF4-FFF2-40B4-BE49-F238E27FC236}">
+                <a16:creationId xmlns:a16="http://schemas.microsoft.com/office/drawing/2014/main" id="{4ABBED7A-0A16-8CB1-4DFF-3901A80E977B}"/>
+              </a:ext>
+            </a:extLst>
+          </p:cNvPr>
           <p:cNvSpPr/>
           <p:nvPr/>
         </p:nvSpPr>
         <p:spPr>
           <a:xfrm>
-            <a:off x="360360" y="4860000"/>
-            <a:ext cx="9539640" cy="1658160"/>
+            <a:off x="1055520" y="1813900"/>
+            <a:ext cx="5730814" cy="3230200"/>
           </a:xfrm>
           <a:prstGeom prst="rect">
             <a:avLst/>
@@ -27127,166 +29090,197 @@
           </a:effectRef>
           <a:fontRef idx="minor"/>
         </p:style>
-      </p:sp>
-      <p:sp>
-        <p:nvSpPr>
-          <p:cNvPr id="432" name="CustomShape 5"/>
-          <p:cNvSpPr/>
-          <p:nvPr/>
-        </p:nvSpPr>
-        <p:spPr>
-          <a:xfrm>
-            <a:off x="900000" y="1527480"/>
-            <a:ext cx="9196560" cy="4052520"/>
-          </a:xfrm>
-          <a:prstGeom prst="rect">
-            <a:avLst/>
-          </a:prstGeom>
-          <a:noFill/>
-          <a:ln w="0">
-            <a:noFill/>
-          </a:ln>
-        </p:spPr>
-        <p:style>
-          <a:lnRef idx="0">
-            <a:scrgbClr r="0" g="0" b="0"/>
-          </a:lnRef>
-          <a:fillRef idx="0">
-            <a:scrgbClr r="0" g="0" b="0"/>
-          </a:fillRef>
-          <a:effectRef idx="0">
-            <a:scrgbClr r="0" g="0" b="0"/>
-          </a:effectRef>
-          <a:fontRef idx="minor"/>
-        </p:style>
-        <p:txBody>
-          <a:bodyPr lIns="90000" tIns="45000" rIns="90000" bIns="45000">
+        <p:txBody>
+          <a:bodyPr wrap="square" lIns="90000" tIns="45000" rIns="90000" bIns="45000">
             <a:spAutoFit/>
           </a:bodyPr>
           <a:lstStyle/>
           <a:p>
-            <a:pPr marL="285840" indent="-285120">
+            <a:pPr marL="457920" indent="-457200">
               <a:lnSpc>
                 <a:spcPct val="100000"/>
               </a:lnSpc>
               <a:spcBef>
-                <a:spcPts val="601"/>
+                <a:spcPts val="1800"/>
               </a:spcBef>
               <a:buClr>
                 <a:srgbClr val="000000"/>
               </a:buClr>
-              <a:buFont typeface="Arial"/>
-              <a:buChar char="•"/>
+              <a:buFont typeface="+mj-lt"/>
+              <a:buAutoNum type="arabicPeriod"/>
             </a:pPr>
             <a:r>
-              <a:rPr lang="de-DE" sz="2400" b="0" strike="noStrike" spc="-1">
+              <a:rPr lang="de-DE" sz="2400" b="0" strike="noStrike" spc="-1" dirty="0">
                 <a:solidFill>
                   <a:srgbClr val="000000"/>
                 </a:solidFill>
                 <a:latin typeface="Frutiger LT Com 45 Light"/>
                 <a:ea typeface="DejaVu Sans"/>
               </a:rPr>
-              <a:t>1. Wie kann ein medizinischer Text vorverarbeitet werden, so dass relevante Aussagen (Überschriften, Aufzählungen, Leerzeilen und Dialoge) automatisch erkannt werden?</a:t>
-            </a:r>
-            <a:endParaRPr lang="de-DE" sz="2400" b="0" strike="noStrike" spc="-1">
-              <a:latin typeface="Arial"/>
-            </a:endParaRPr>
-          </a:p>
-          <a:p>
-            <a:pPr marL="285840" indent="-285120">
+              <a:t>Natural Language Processing (NLP)</a:t>
+            </a:r>
+          </a:p>
+          <a:p>
+            <a:pPr marL="457920" indent="-457200">
               <a:lnSpc>
                 <a:spcPct val="100000"/>
               </a:lnSpc>
               <a:spcBef>
-                <a:spcPts val="601"/>
+                <a:spcPts val="1800"/>
               </a:spcBef>
               <a:buClr>
                 <a:srgbClr val="000000"/>
               </a:buClr>
-              <a:buFont typeface="Arial"/>
-              <a:buChar char="•"/>
+              <a:buFont typeface="+mj-lt"/>
+              <a:buAutoNum type="arabicPeriod"/>
             </a:pPr>
-            <a:endParaRPr lang="de-DE" sz="2400" b="0" strike="noStrike" spc="-1">
-              <a:latin typeface="Arial"/>
-            </a:endParaRPr>
-          </a:p>
-          <a:p>
-            <a:pPr marL="285840" indent="-285120">
+            <a:r>
+              <a:rPr lang="de-DE" sz="2400" spc="-1" dirty="0">
+                <a:solidFill>
+                  <a:srgbClr val="000000"/>
+                </a:solidFill>
+                <a:latin typeface="Frutiger LT Com 45 Light"/>
+              </a:rPr>
+              <a:t>Programmbibliotheken, z.B. </a:t>
+            </a:r>
+            <a:r>
+              <a:rPr lang="de-DE" sz="2400" i="1" spc="-1" dirty="0" err="1">
+                <a:solidFill>
+                  <a:srgbClr val="000000"/>
+                </a:solidFill>
+                <a:latin typeface="Frutiger LT Com 45 Light"/>
+              </a:rPr>
+              <a:t>spaCy</a:t>
+            </a:r>
+            <a:r>
+              <a:rPr lang="de-DE" sz="2400" spc="-1" dirty="0">
+                <a:solidFill>
+                  <a:srgbClr val="000000"/>
+                </a:solidFill>
+                <a:latin typeface="Frutiger LT Com 45 Light"/>
+              </a:rPr>
+              <a:t> für Python</a:t>
+            </a:r>
+          </a:p>
+          <a:p>
+            <a:pPr marL="457920" indent="-457200">
               <a:lnSpc>
                 <a:spcPct val="100000"/>
               </a:lnSpc>
               <a:spcBef>
-                <a:spcPts val="601"/>
+                <a:spcPts val="1800"/>
               </a:spcBef>
               <a:buClr>
                 <a:srgbClr val="000000"/>
               </a:buClr>
-              <a:buFont typeface="Arial"/>
-              <a:buChar char="•"/>
+              <a:buFont typeface="+mj-lt"/>
+              <a:buAutoNum type="arabicPeriod"/>
             </a:pPr>
             <a:r>
-              <a:rPr lang="de-DE" sz="2400" b="0" strike="noStrike" spc="-1">
+              <a:rPr lang="de-DE" sz="2400" b="0" strike="noStrike" spc="-1" dirty="0">
                 <a:solidFill>
                   <a:srgbClr val="000000"/>
                 </a:solidFill>
                 <a:latin typeface="Frutiger LT Com 45 Light"/>
-                <a:ea typeface="DejaVu Sans"/>
-              </a:rPr>
-              <a:t>2. Wie kann ein medizinisches Fachvokabular über depressive Erkrankungen automatisiert in eine maschinenlesbare Form überführt werden?</a:t>
-            </a:r>
-            <a:endParaRPr lang="de-DE" sz="2400" b="0" strike="noStrike" spc="-1">
-              <a:latin typeface="Arial"/>
-            </a:endParaRPr>
-          </a:p>
-          <a:p>
-            <a:pPr marL="285840" indent="-285120">
+              </a:rPr>
+              <a:t>Statistische Modelle</a:t>
+            </a:r>
+            <a:r>
+              <a:rPr lang="de-DE" sz="2400" spc="-1" dirty="0">
+                <a:solidFill>
+                  <a:srgbClr val="000000"/>
+                </a:solidFill>
+                <a:latin typeface="Frutiger LT Com 45 Light"/>
+              </a:rPr>
+              <a:t> (</a:t>
+            </a:r>
+            <a:r>
+              <a:rPr lang="de-DE" sz="2400" spc="-1" dirty="0" err="1">
+                <a:solidFill>
+                  <a:srgbClr val="000000"/>
+                </a:solidFill>
+                <a:latin typeface="Frutiger LT Com 45 Light"/>
+              </a:rPr>
+              <a:t>Machine</a:t>
+            </a:r>
+            <a:r>
+              <a:rPr lang="de-DE" sz="2400" spc="-1" dirty="0">
+                <a:solidFill>
+                  <a:srgbClr val="000000"/>
+                </a:solidFill>
+                <a:latin typeface="Frutiger LT Com 45 Light"/>
+              </a:rPr>
+              <a:t> Learning)</a:t>
+            </a:r>
+          </a:p>
+          <a:p>
+            <a:pPr marL="457920" indent="-457200">
               <a:lnSpc>
                 <a:spcPct val="100000"/>
               </a:lnSpc>
               <a:spcBef>
-                <a:spcPts val="601"/>
+                <a:spcPts val="1800"/>
               </a:spcBef>
               <a:buClr>
                 <a:srgbClr val="000000"/>
               </a:buClr>
-              <a:buFont typeface="Arial"/>
-              <a:buChar char="•"/>
+              <a:buFont typeface="+mj-lt"/>
+              <a:buAutoNum type="arabicPeriod"/>
             </a:pPr>
-            <a:endParaRPr lang="de-DE" sz="2400" b="0" strike="noStrike" spc="-1">
-              <a:latin typeface="Arial"/>
-            </a:endParaRPr>
-          </a:p>
-          <a:p>
-            <a:pPr marL="285840" indent="-285120">
+            <a:r>
+              <a:rPr lang="de-DE" sz="2400" b="0" strike="noStrike" spc="-1" dirty="0">
+                <a:solidFill>
+                  <a:srgbClr val="000000"/>
+                </a:solidFill>
+                <a:latin typeface="Frutiger LT Com 45 Light"/>
+              </a:rPr>
+              <a:t>Grammatikanalyse</a:t>
+            </a:r>
+          </a:p>
+          <a:p>
+            <a:pPr marL="457920" indent="-457200">
               <a:lnSpc>
                 <a:spcPct val="100000"/>
               </a:lnSpc>
               <a:spcBef>
-                <a:spcPts val="601"/>
+                <a:spcPts val="1800"/>
               </a:spcBef>
               <a:buClr>
                 <a:srgbClr val="000000"/>
               </a:buClr>
-              <a:buFont typeface="Arial"/>
-              <a:buChar char="•"/>
+              <a:buFont typeface="+mj-lt"/>
+              <a:buAutoNum type="arabicPeriod"/>
             </a:pPr>
             <a:r>
-              <a:rPr lang="de-DE" sz="2400" b="0" strike="noStrike" spc="-1">
+              <a:rPr lang="de-DE" sz="2400" spc="-1" dirty="0" err="1">
                 <a:solidFill>
                   <a:srgbClr val="000000"/>
                 </a:solidFill>
                 <a:latin typeface="Frutiger LT Com 45 Light"/>
-                <a:ea typeface="DejaVu Sans"/>
-              </a:rPr>
-              <a:t>3. Wie kann eine Wissensrepräsentation über einen gegebenen Text maschinenlesbar erstellt werden?</a:t>
-            </a:r>
-            <a:endParaRPr lang="de-DE" sz="2400" b="0" strike="noStrike" spc="-1">
+              </a:rPr>
+              <a:t>Named</a:t>
+            </a:r>
+            <a:r>
+              <a:rPr lang="de-DE" sz="2400" spc="-1" dirty="0">
+                <a:solidFill>
+                  <a:srgbClr val="000000"/>
+                </a:solidFill>
+                <a:latin typeface="Frutiger LT Com 45 Light"/>
+              </a:rPr>
+              <a:t> Entity Recognition</a:t>
+            </a:r>
+            <a:endParaRPr lang="de-DE" sz="2400" b="0" strike="noStrike" spc="-1" dirty="0">
               <a:latin typeface="Arial"/>
             </a:endParaRPr>
           </a:p>
         </p:txBody>
       </p:sp>
     </p:spTree>
+    <p:extLst>
+      <p:ext uri="{BB962C8B-B14F-4D97-AF65-F5344CB8AC3E}">
+        <p14:creationId xmlns:p14="http://schemas.microsoft.com/office/powerpoint/2010/main" val="405882251"/>
+      </p:ext>
+    </p:extLst>
   </p:cSld>
   <p:clrMapOvr>
     <a:masterClrMapping/>
@@ -27313,7 +29307,7 @@
       </p:grpSpPr>
       <p:sp>
         <p:nvSpPr>
-          <p:cNvPr id="433" name="CustomShape 1"/>
+          <p:cNvPr id="428" name="CustomShape 1"/>
           <p:cNvSpPr/>
           <p:nvPr/>
         </p:nvSpPr>
@@ -27371,7 +29365,7 @@
       </p:sp>
       <p:sp>
         <p:nvSpPr>
-          <p:cNvPr id="434" name="CustomShape 2"/>
+          <p:cNvPr id="429" name="CustomShape 2"/>
           <p:cNvSpPr/>
           <p:nvPr/>
         </p:nvSpPr>
@@ -27411,7 +29405,7 @@
                 <a:spcPct val="100000"/>
               </a:lnSpc>
             </a:pPr>
-            <a:fld id="{C3272417-2D86-4F30-A736-82AE346E8B38}" type="slidenum">
+            <a:fld id="{87AE8C14-16A0-4F6B-9835-0C50F4A7C454}" type="slidenum">
               <a:rPr lang="de-DE" sz="900" b="1" strike="noStrike" spc="-1">
                 <a:solidFill>
                   <a:srgbClr val="5073A5"/>
@@ -27429,7 +29423,7 @@
       </p:sp>
       <p:sp>
         <p:nvSpPr>
-          <p:cNvPr id="435" name="CustomShape 3"/>
+          <p:cNvPr id="430" name="CustomShape 3"/>
           <p:cNvSpPr/>
           <p:nvPr/>
         </p:nvSpPr>
@@ -27470,51 +29464,39 @@
               </a:lnSpc>
             </a:pPr>
             <a:r>
-              <a:rPr lang="de-DE" sz="2200" b="1" strike="noStrike" spc="-1">
+              <a:rPr lang="de-DE" sz="2200" b="1" strike="noStrike" spc="-1" dirty="0">
                 <a:solidFill>
                   <a:srgbClr val="5073A5"/>
                 </a:solidFill>
                 <a:latin typeface="Frutiger LT Com 45 Light"/>
                 <a:ea typeface="DejaVu Sans"/>
               </a:rPr>
-              <a:t>Konkrete Zielsetzung: Krankheiten und Symptome</a:t>
-            </a:r>
-            <a:endParaRPr lang="de-DE" sz="2200" b="0" strike="noStrike" spc="-1">
-              <a:latin typeface="Arial"/>
-            </a:endParaRPr>
-          </a:p>
-        </p:txBody>
-      </p:sp>
-      <p:sp>
-        <p:nvSpPr>
-          <p:cNvPr id="436" name="CustomShape 4"/>
+              <a:t>Forschungsfragen</a:t>
+            </a:r>
+            <a:endParaRPr lang="de-DE" sz="2200" b="0" strike="noStrike" spc="-1" dirty="0">
+              <a:latin typeface="Arial"/>
+            </a:endParaRPr>
+          </a:p>
+        </p:txBody>
+      </p:sp>
+      <p:sp>
+        <p:nvSpPr>
+          <p:cNvPr id="431" name="CustomShape 4"/>
           <p:cNvSpPr/>
           <p:nvPr/>
         </p:nvSpPr>
         <p:spPr>
           <a:xfrm>
-            <a:off x="1739749" y="1289882"/>
-            <a:ext cx="8525694" cy="3414866"/>
-          </a:xfrm>
-          <a:prstGeom prst="rect">
-            <a:avLst/>
-          </a:prstGeom>
-          <a:solidFill>
-            <a:schemeClr val="bg1"/>
-          </a:solidFill>
+            <a:off x="360360" y="4860000"/>
+            <a:ext cx="9539640" cy="1658160"/>
+          </a:xfrm>
+          <a:prstGeom prst="rect">
+            <a:avLst/>
+          </a:prstGeom>
+          <a:noFill/>
           <a:ln w="0">
-            <a:solidFill>
-              <a:schemeClr val="tx1"/>
-            </a:solidFill>
-            <a:prstDash val="sysDash"/>
+            <a:noFill/>
           </a:ln>
-          <a:effectLst>
-            <a:outerShdw blurRad="50800" dist="37674" dir="2700000" algn="tl" rotWithShape="0">
-              <a:srgbClr val="000000">
-                <a:alpha val="40000"/>
-              </a:srgbClr>
-            </a:outerShdw>
-          </a:effectLst>
         </p:spPr>
         <p:style>
           <a:lnRef idx="0">
@@ -27528,594 +29510,160 @@
           </a:effectRef>
           <a:fontRef idx="minor"/>
         </p:style>
-        <p:txBody>
-          <a:bodyPr wrap="square" lIns="90000" tIns="45000" rIns="90000" bIns="45000">
+      </p:sp>
+      <p:sp>
+        <p:nvSpPr>
+          <p:cNvPr id="432" name="CustomShape 5"/>
+          <p:cNvSpPr/>
+          <p:nvPr/>
+        </p:nvSpPr>
+        <p:spPr>
+          <a:xfrm>
+            <a:off x="1631520" y="1489772"/>
+            <a:ext cx="9196560" cy="4052520"/>
+          </a:xfrm>
+          <a:prstGeom prst="rect">
+            <a:avLst/>
+          </a:prstGeom>
+          <a:noFill/>
+          <a:ln w="0">
+            <a:noFill/>
+          </a:ln>
+        </p:spPr>
+        <p:style>
+          <a:lnRef idx="0">
+            <a:scrgbClr r="0" g="0" b="0"/>
+          </a:lnRef>
+          <a:fillRef idx="0">
+            <a:scrgbClr r="0" g="0" b="0"/>
+          </a:fillRef>
+          <a:effectRef idx="0">
+            <a:scrgbClr r="0" g="0" b="0"/>
+          </a:effectRef>
+          <a:fontRef idx="minor"/>
+        </p:style>
+        <p:txBody>
+          <a:bodyPr lIns="90000" tIns="45000" rIns="90000" bIns="45000">
             <a:spAutoFit/>
           </a:bodyPr>
           <a:lstStyle/>
           <a:p>
-            <a:pPr>
+            <a:pPr marL="457920" indent="-457200">
               <a:lnSpc>
                 <a:spcPct val="100000"/>
               </a:lnSpc>
+              <a:spcBef>
+                <a:spcPts val="601"/>
+              </a:spcBef>
+              <a:buClr>
+                <a:srgbClr val="000000"/>
+              </a:buClr>
+              <a:buFont typeface="+mj-lt"/>
+              <a:buAutoNum type="arabicPeriod"/>
             </a:pPr>
             <a:r>
-              <a:rPr lang="en-US" sz="1200" b="0" strike="noStrike" spc="-1" dirty="0">
+              <a:rPr lang="de-DE" sz="2400" b="0" strike="noStrike" spc="-1" dirty="0">
                 <a:solidFill>
-                  <a:schemeClr val="bg1">
-                    <a:lumMod val="65000"/>
-                  </a:schemeClr>
+                  <a:srgbClr val="000000"/>
                 </a:solidFill>
-                <a:latin typeface="Arial"/>
+                <a:latin typeface="Frutiger LT Com 45 Light"/>
                 <a:ea typeface="DejaVu Sans"/>
               </a:rPr>
-              <a:t>Symptoms - Clinical depression</a:t>
-            </a:r>
-            <a:endParaRPr lang="de-DE" sz="1200" b="0" strike="noStrike" spc="-1" dirty="0">
-              <a:solidFill>
-                <a:schemeClr val="bg1">
-                  <a:lumMod val="65000"/>
-                </a:schemeClr>
-              </a:solidFill>
-              <a:latin typeface="Arial"/>
-            </a:endParaRPr>
-          </a:p>
-          <a:p>
-            <a:pPr>
+              <a:t>Wie kann ein medizinischer Text vorverarbeitet werden, so dass relevante Aussagen (Überschriften, Aufzählungen, Leerzeilen und Dialoge) automatisch erkannt werden?</a:t>
+            </a:r>
+            <a:endParaRPr lang="de-DE" sz="2400" b="0" strike="noStrike" spc="-1" dirty="0">
+              <a:latin typeface="Arial"/>
+            </a:endParaRPr>
+          </a:p>
+          <a:p>
+            <a:pPr marL="457920" indent="-457200">
               <a:lnSpc>
                 <a:spcPct val="100000"/>
               </a:lnSpc>
+              <a:spcBef>
+                <a:spcPts val="601"/>
+              </a:spcBef>
+              <a:buClr>
+                <a:srgbClr val="000000"/>
+              </a:buClr>
+              <a:buFont typeface="+mj-lt"/>
+              <a:buAutoNum type="arabicPeriod"/>
             </a:pPr>
-            <a:endParaRPr lang="de-DE" sz="1200" b="0" strike="noStrike" spc="-1" dirty="0">
-              <a:solidFill>
-                <a:schemeClr val="bg1">
-                  <a:lumMod val="65000"/>
-                </a:schemeClr>
-              </a:solidFill>
-              <a:latin typeface="Arial"/>
-            </a:endParaRPr>
-          </a:p>
-          <a:p>
-            <a:pPr>
+            <a:endParaRPr lang="de-DE" sz="2400" b="0" strike="noStrike" spc="-1" dirty="0">
+              <a:latin typeface="Arial"/>
+            </a:endParaRPr>
+          </a:p>
+          <a:p>
+            <a:pPr marL="457920" indent="-457200">
               <a:lnSpc>
                 <a:spcPct val="100000"/>
               </a:lnSpc>
+              <a:spcBef>
+                <a:spcPts val="601"/>
+              </a:spcBef>
+              <a:buClr>
+                <a:srgbClr val="000000"/>
+              </a:buClr>
+              <a:buFont typeface="+mj-lt"/>
+              <a:buAutoNum type="arabicPeriod"/>
             </a:pPr>
             <a:r>
-              <a:rPr lang="en-US" sz="1200" b="0" strike="noStrike" spc="-1" dirty="0">
+              <a:rPr lang="de-DE" sz="2400" b="0" strike="noStrike" spc="-1" dirty="0">
                 <a:solidFill>
-                  <a:schemeClr val="bg1">
-                    <a:lumMod val="65000"/>
-                  </a:schemeClr>
+                  <a:srgbClr val="000000"/>
                 </a:solidFill>
-                <a:latin typeface="Arial"/>
+                <a:latin typeface="Frutiger LT Com 45 Light"/>
                 <a:ea typeface="DejaVu Sans"/>
               </a:rPr>
-              <a:t>The symptoms of depression can be complex and vary widely between people. If you're depressed, you may feel sad, hopeless and lose interest in things you used to enjoy. The symptoms persist for weeks or months and are bad enough to interfere with your work, social life and family life. There are many other symptoms of this disease and you're unlikely to have all of those listed on this page.</a:t>
-            </a:r>
-            <a:endParaRPr lang="de-DE" sz="1200" b="0" strike="noStrike" spc="-1" dirty="0">
-              <a:solidFill>
-                <a:schemeClr val="bg1">
-                  <a:lumMod val="65000"/>
-                </a:schemeClr>
-              </a:solidFill>
-              <a:latin typeface="Arial"/>
-            </a:endParaRPr>
-          </a:p>
-          <a:p>
-            <a:pPr>
+              <a:t>Wie kann ein medizinisches Fachvokabular über depressive Erkrankungen automatisiert in eine maschinenlesbare Form überführt werden?</a:t>
+            </a:r>
+            <a:endParaRPr lang="de-DE" sz="2400" b="0" strike="noStrike" spc="-1" dirty="0">
+              <a:latin typeface="Arial"/>
+            </a:endParaRPr>
+          </a:p>
+          <a:p>
+            <a:pPr marL="457920" indent="-457200">
               <a:lnSpc>
                 <a:spcPct val="100000"/>
               </a:lnSpc>
+              <a:spcBef>
+                <a:spcPts val="601"/>
+              </a:spcBef>
+              <a:buClr>
+                <a:srgbClr val="000000"/>
+              </a:buClr>
+              <a:buFont typeface="+mj-lt"/>
+              <a:buAutoNum type="arabicPeriod"/>
             </a:pPr>
-            <a:endParaRPr lang="de-DE" sz="1200" b="0" strike="noStrike" spc="-1" dirty="0">
-              <a:solidFill>
-                <a:schemeClr val="bg1">
-                  <a:lumMod val="65000"/>
-                </a:schemeClr>
-              </a:solidFill>
-              <a:latin typeface="Arial"/>
-            </a:endParaRPr>
-          </a:p>
-          <a:p>
-            <a:pPr>
+            <a:endParaRPr lang="de-DE" sz="2400" b="0" strike="noStrike" spc="-1" dirty="0">
+              <a:latin typeface="Arial"/>
+            </a:endParaRPr>
+          </a:p>
+          <a:p>
+            <a:pPr marL="457920" indent="-457200">
               <a:lnSpc>
                 <a:spcPct val="100000"/>
               </a:lnSpc>
+              <a:spcBef>
+                <a:spcPts val="601"/>
+              </a:spcBef>
+              <a:buClr>
+                <a:srgbClr val="000000"/>
+              </a:buClr>
+              <a:buFont typeface="+mj-lt"/>
+              <a:buAutoNum type="arabicPeriod"/>
             </a:pPr>
             <a:r>
-              <a:rPr lang="en-US" sz="1200" b="0" strike="noStrike" spc="-1" dirty="0">
+              <a:rPr lang="de-DE" sz="2400" b="0" strike="noStrike" spc="-1" dirty="0">
                 <a:solidFill>
-                  <a:schemeClr val="bg1">
-                    <a:lumMod val="65000"/>
-                  </a:schemeClr>
-                </a:solidFill>
-                <a:latin typeface="Arial"/>
-                <a:ea typeface="DejaVu Sans"/>
-              </a:rPr>
-              <a:t>Psychological symptoms</a:t>
-            </a:r>
-            <a:endParaRPr lang="de-DE" sz="1200" b="0" strike="noStrike" spc="-1" dirty="0">
-              <a:solidFill>
-                <a:schemeClr val="bg1">
-                  <a:lumMod val="65000"/>
-                </a:schemeClr>
-              </a:solidFill>
-              <a:latin typeface="Arial"/>
-            </a:endParaRPr>
-          </a:p>
-          <a:p>
-            <a:pPr>
-              <a:lnSpc>
-                <a:spcPct val="100000"/>
-              </a:lnSpc>
-            </a:pPr>
-            <a:endParaRPr lang="de-DE" sz="1200" b="0" strike="noStrike" spc="-1" dirty="0">
-              <a:solidFill>
-                <a:schemeClr val="bg1">
-                  <a:lumMod val="65000"/>
-                </a:schemeClr>
-              </a:solidFill>
-              <a:latin typeface="Arial"/>
-            </a:endParaRPr>
-          </a:p>
-          <a:p>
-            <a:pPr>
-              <a:lnSpc>
-                <a:spcPct val="100000"/>
-              </a:lnSpc>
-            </a:pPr>
-            <a:r>
-              <a:rPr lang="en-US" sz="1200" b="0" strike="noStrike" spc="-1" dirty="0">
-                <a:solidFill>
-                  <a:srgbClr val="FF0000"/>
-                </a:solidFill>
-                <a:latin typeface="Arial"/>
-                <a:ea typeface="DejaVu Sans"/>
-              </a:rPr>
-              <a:t>The psychological symptoms of depression include:</a:t>
-            </a:r>
-            <a:endParaRPr lang="de-DE" sz="1200" b="0" strike="noStrike" spc="-1" dirty="0">
-              <a:solidFill>
-                <a:srgbClr val="FF0000"/>
-              </a:solidFill>
-              <a:latin typeface="Arial"/>
-            </a:endParaRPr>
-          </a:p>
-          <a:p>
-            <a:pPr>
-              <a:lnSpc>
-                <a:spcPct val="100000"/>
-              </a:lnSpc>
-            </a:pPr>
-            <a:r>
-              <a:rPr lang="en-US" sz="1200" b="0" strike="noStrike" spc="-1" dirty="0">
-                <a:solidFill>
-                  <a:srgbClr val="FF0000"/>
-                </a:solidFill>
-                <a:latin typeface="Arial"/>
-                <a:ea typeface="DejaVu Sans"/>
-              </a:rPr>
-              <a:t>- continuous low mood or sadness</a:t>
-            </a:r>
-            <a:endParaRPr lang="de-DE" sz="1200" b="0" strike="noStrike" spc="-1" dirty="0">
-              <a:solidFill>
-                <a:srgbClr val="FF0000"/>
-              </a:solidFill>
-              <a:latin typeface="Arial"/>
-            </a:endParaRPr>
-          </a:p>
-          <a:p>
-            <a:pPr>
-              <a:lnSpc>
-                <a:spcPct val="100000"/>
-              </a:lnSpc>
-            </a:pPr>
-            <a:r>
-              <a:rPr lang="en-US" sz="1200" b="0" strike="noStrike" spc="-1" dirty="0">
-                <a:solidFill>
-                  <a:schemeClr val="bg1">
-                    <a:lumMod val="65000"/>
-                  </a:schemeClr>
-                </a:solidFill>
-                <a:latin typeface="Arial"/>
-                <a:ea typeface="DejaVu Sans"/>
-              </a:rPr>
-              <a:t>- feeling hopeless and helpless</a:t>
-            </a:r>
-            <a:endParaRPr lang="de-DE" sz="1200" b="0" strike="noStrike" spc="-1" dirty="0">
-              <a:solidFill>
-                <a:schemeClr val="bg1">
-                  <a:lumMod val="65000"/>
-                </a:schemeClr>
-              </a:solidFill>
-              <a:latin typeface="Arial"/>
-            </a:endParaRPr>
-          </a:p>
-          <a:p>
-            <a:pPr>
-              <a:lnSpc>
-                <a:spcPct val="100000"/>
-              </a:lnSpc>
-            </a:pPr>
-            <a:r>
-              <a:rPr lang="en-US" sz="1200" b="0" strike="noStrike" spc="-1" dirty="0">
-                <a:solidFill>
-                  <a:schemeClr val="bg1">
-                    <a:lumMod val="65000"/>
-                  </a:schemeClr>
-                </a:solidFill>
-                <a:latin typeface="Arial"/>
-                <a:ea typeface="DejaVu Sans"/>
-              </a:rPr>
-              <a:t>- having low self-esteem</a:t>
-            </a:r>
-            <a:endParaRPr lang="de-DE" sz="1200" b="0" strike="noStrike" spc="-1" dirty="0">
-              <a:solidFill>
-                <a:schemeClr val="bg1">
-                  <a:lumMod val="65000"/>
-                </a:schemeClr>
-              </a:solidFill>
-              <a:latin typeface="Arial"/>
-            </a:endParaRPr>
-          </a:p>
-          <a:p>
-            <a:pPr>
-              <a:lnSpc>
-                <a:spcPct val="100000"/>
-              </a:lnSpc>
-            </a:pPr>
-            <a:r>
-              <a:rPr lang="en-US" sz="1200" b="0" strike="noStrike" spc="-1" dirty="0">
-                <a:solidFill>
-                  <a:schemeClr val="bg1">
-                    <a:lumMod val="65000"/>
-                  </a:schemeClr>
-                </a:solidFill>
-                <a:latin typeface="Arial"/>
-                <a:ea typeface="DejaVu Sans"/>
-              </a:rPr>
-              <a:t>- feeling tearful</a:t>
-            </a:r>
-            <a:endParaRPr lang="de-DE" sz="1200" b="0" strike="noStrike" spc="-1" dirty="0">
-              <a:solidFill>
-                <a:schemeClr val="bg1">
-                  <a:lumMod val="65000"/>
-                </a:schemeClr>
-              </a:solidFill>
-              <a:latin typeface="Arial"/>
-            </a:endParaRPr>
-          </a:p>
-          <a:p>
-            <a:pPr>
-              <a:lnSpc>
-                <a:spcPct val="100000"/>
-              </a:lnSpc>
-            </a:pPr>
-            <a:r>
-              <a:rPr lang="en-US" sz="1200" b="0" strike="noStrike" spc="-1" dirty="0">
-                <a:solidFill>
-                  <a:schemeClr val="bg1">
-                    <a:lumMod val="65000"/>
-                  </a:schemeClr>
-                </a:solidFill>
-                <a:latin typeface="Arial"/>
-                <a:ea typeface="DejaVu Sans"/>
-              </a:rPr>
-              <a:t>- feeling guilt-ridden</a:t>
-            </a:r>
-            <a:endParaRPr lang="de-DE" sz="1200" b="0" strike="noStrike" spc="-1" dirty="0">
-              <a:solidFill>
-                <a:schemeClr val="bg1">
-                  <a:lumMod val="65000"/>
-                </a:schemeClr>
-              </a:solidFill>
-              <a:latin typeface="Arial"/>
-            </a:endParaRPr>
-          </a:p>
-          <a:p>
-            <a:pPr>
-              <a:lnSpc>
-                <a:spcPct val="100000"/>
-              </a:lnSpc>
-            </a:pPr>
-            <a:r>
-              <a:rPr lang="en-US" sz="1200" b="0" strike="noStrike" spc="-1" dirty="0">
-                <a:solidFill>
-                  <a:schemeClr val="bg1">
-                    <a:lumMod val="65000"/>
-                  </a:schemeClr>
-                </a:solidFill>
-                <a:latin typeface="Arial"/>
-                <a:ea typeface="DejaVu Sans"/>
-              </a:rPr>
-              <a:t>- feeling irritable and intolerant of others</a:t>
-            </a:r>
-            <a:endParaRPr lang="de-DE" sz="1200" b="0" strike="noStrike" spc="-1" dirty="0">
-              <a:solidFill>
-                <a:schemeClr val="bg1">
-                  <a:lumMod val="65000"/>
-                </a:schemeClr>
-              </a:solidFill>
-              <a:latin typeface="Arial"/>
-            </a:endParaRPr>
-          </a:p>
-          <a:p>
-            <a:pPr>
-              <a:lnSpc>
-                <a:spcPct val="100000"/>
-              </a:lnSpc>
-            </a:pPr>
-            <a:r>
-              <a:rPr lang="en-US" sz="1200" b="0" strike="noStrike" spc="-1" dirty="0">
-                <a:solidFill>
-                  <a:schemeClr val="bg1">
-                    <a:lumMod val="65000"/>
-                  </a:schemeClr>
-                </a:solidFill>
-                <a:latin typeface="Arial"/>
-                <a:ea typeface="DejaVu Sans"/>
-              </a:rPr>
-              <a:t>- having no motivation or interest in things</a:t>
-            </a:r>
-            <a:endParaRPr lang="de-DE" sz="1200" b="0" strike="noStrike" spc="-1" dirty="0">
-              <a:solidFill>
-                <a:schemeClr val="bg1">
-                  <a:lumMod val="65000"/>
-                </a:schemeClr>
-              </a:solidFill>
-              <a:latin typeface="Arial"/>
-            </a:endParaRPr>
-          </a:p>
-          <a:p>
-            <a:pPr>
-              <a:lnSpc>
-                <a:spcPct val="100000"/>
-              </a:lnSpc>
-            </a:pPr>
-            <a:r>
-              <a:rPr lang="en-US" sz="1200" b="0" strike="noStrike" spc="-1" dirty="0">
-                <a:solidFill>
-                  <a:schemeClr val="bg1">
-                    <a:lumMod val="65000"/>
-                  </a:schemeClr>
-                </a:solidFill>
-                <a:latin typeface="Arial"/>
-                <a:ea typeface="DejaVu Sans"/>
-              </a:rPr>
-              <a:t>- finding it difficult to make decisions</a:t>
-            </a:r>
-            <a:endParaRPr lang="de-DE" sz="1200" b="0" strike="noStrike" spc="-1" dirty="0">
-              <a:solidFill>
-                <a:schemeClr val="bg1">
-                  <a:lumMod val="65000"/>
-                </a:schemeClr>
-              </a:solidFill>
-              <a:latin typeface="Arial"/>
-            </a:endParaRPr>
-          </a:p>
-        </p:txBody>
-      </p:sp>
-      <p:pic>
-        <p:nvPicPr>
-          <p:cNvPr id="437" name="Grafik 3"/>
-          <p:cNvPicPr>
-            <a:picLocks noChangeAspect="1"/>
-          </p:cNvPicPr>
-          <p:nvPr/>
-        </p:nvPicPr>
-        <p:blipFill rotWithShape="1">
-          <a:blip r:embed="rId2"/>
-          <a:srcRect b="87360"/>
-          <a:stretch/>
-        </p:blipFill>
-        <p:spPr>
-          <a:xfrm>
-            <a:off x="1893624" y="5128377"/>
-            <a:ext cx="9513059" cy="660960"/>
-          </a:xfrm>
-          <a:prstGeom prst="rect">
-            <a:avLst/>
-          </a:prstGeom>
-          <a:ln w="0">
-            <a:noFill/>
-          </a:ln>
-        </p:spPr>
-      </p:pic>
-      <p:sp>
-        <p:nvSpPr>
-          <p:cNvPr id="438" name="CustomShape 5"/>
-          <p:cNvSpPr/>
-          <p:nvPr/>
-        </p:nvSpPr>
-        <p:spPr>
-          <a:xfrm rot="5400000">
-            <a:off x="5803860" y="4780890"/>
-            <a:ext cx="276840" cy="307440"/>
-          </a:xfrm>
-          <a:prstGeom prst="rightArrow">
-            <a:avLst>
-              <a:gd name="adj1" fmla="val 50000"/>
-              <a:gd name="adj2" fmla="val 50000"/>
-            </a:avLst>
-          </a:prstGeom>
-          <a:solidFill>
-            <a:srgbClr val="993333"/>
-          </a:solidFill>
-          <a:ln>
-            <a:solidFill>
-              <a:srgbClr val="712525"/>
-            </a:solidFill>
-          </a:ln>
-        </p:spPr>
-        <p:style>
-          <a:lnRef idx="2">
-            <a:schemeClr val="accent4">
-              <a:shade val="50000"/>
-            </a:schemeClr>
-          </a:lnRef>
-          <a:fillRef idx="1">
-            <a:schemeClr val="accent4"/>
-          </a:fillRef>
-          <a:effectRef idx="0">
-            <a:schemeClr val="accent4"/>
-          </a:effectRef>
-          <a:fontRef idx="minor"/>
-        </p:style>
-      </p:sp>
-      <p:sp>
-        <p:nvSpPr>
-          <p:cNvPr id="439" name="CustomShape 6"/>
-          <p:cNvSpPr/>
-          <p:nvPr/>
-        </p:nvSpPr>
-        <p:spPr>
-          <a:xfrm>
-            <a:off x="9896220" y="1076679"/>
-            <a:ext cx="456840" cy="242280"/>
-          </a:xfrm>
-          <a:prstGeom prst="rect">
-            <a:avLst/>
-          </a:prstGeom>
-          <a:solidFill>
-            <a:schemeClr val="accent1">
-              <a:lumMod val="60000"/>
-              <a:lumOff val="40000"/>
-            </a:schemeClr>
-          </a:solidFill>
-          <a:ln w="0">
-            <a:noFill/>
-          </a:ln>
-        </p:spPr>
-        <p:style>
-          <a:lnRef idx="0">
-            <a:scrgbClr r="0" g="0" b="0"/>
-          </a:lnRef>
-          <a:fillRef idx="0">
-            <a:scrgbClr r="0" g="0" b="0"/>
-          </a:fillRef>
-          <a:effectRef idx="0">
-            <a:scrgbClr r="0" g="0" b="0"/>
-          </a:effectRef>
-          <a:fontRef idx="minor"/>
-        </p:style>
-        <p:txBody>
-          <a:bodyPr wrap="none" lIns="90000" tIns="45000" rIns="90000" bIns="45000">
-            <a:spAutoFit/>
-          </a:bodyPr>
-          <a:lstStyle/>
-          <a:p>
-            <a:pPr>
-              <a:lnSpc>
-                <a:spcPct val="100000"/>
-              </a:lnSpc>
-            </a:pPr>
-            <a:r>
-              <a:rPr lang="de-DE" sz="1000" b="0" strike="noStrike" spc="-1" dirty="0">
-                <a:solidFill>
-                  <a:srgbClr val="FFFFFF"/>
+                  <a:srgbClr val="000000"/>
                 </a:solidFill>
                 <a:latin typeface="Frutiger LT Com 45 Light"/>
                 <a:ea typeface="DejaVu Sans"/>
               </a:rPr>
-              <a:t>TEXT</a:t>
-            </a:r>
-            <a:endParaRPr lang="de-DE" sz="1000" b="0" strike="noStrike" spc="-1" dirty="0">
-              <a:latin typeface="Arial"/>
-            </a:endParaRPr>
-          </a:p>
-        </p:txBody>
-      </p:sp>
-      <p:pic>
-        <p:nvPicPr>
-          <p:cNvPr id="2" name="Grafik 3">
-            <a:extLst>
-              <a:ext uri="{FF2B5EF4-FFF2-40B4-BE49-F238E27FC236}">
-                <a16:creationId xmlns:a16="http://schemas.microsoft.com/office/drawing/2014/main" id="{B9FCAF0D-32EC-7B1A-CE12-AB9AEB9220A1}"/>
-              </a:ext>
-            </a:extLst>
-          </p:cNvPr>
-          <p:cNvPicPr>
-            <a:picLocks noChangeAspect="1"/>
-          </p:cNvPicPr>
-          <p:nvPr/>
-        </p:nvPicPr>
-        <p:blipFill rotWithShape="1">
-          <a:blip r:embed="rId2"/>
-          <a:srcRect t="91345" b="2319"/>
-          <a:stretch/>
-        </p:blipFill>
-        <p:spPr>
-          <a:xfrm>
-            <a:off x="1893623" y="5819388"/>
-            <a:ext cx="9513059" cy="331353"/>
-          </a:xfrm>
-          <a:prstGeom prst="rect">
-            <a:avLst/>
-          </a:prstGeom>
-          <a:ln w="0">
-            <a:noFill/>
-          </a:ln>
-        </p:spPr>
-      </p:pic>
-      <p:sp>
-        <p:nvSpPr>
-          <p:cNvPr id="440" name="CustomShape 7"/>
-          <p:cNvSpPr/>
-          <p:nvPr/>
-        </p:nvSpPr>
-        <p:spPr>
-          <a:xfrm>
-            <a:off x="9348160" y="5781321"/>
-            <a:ext cx="2368080" cy="242280"/>
-          </a:xfrm>
-          <a:prstGeom prst="rect">
-            <a:avLst/>
-          </a:prstGeom>
-          <a:solidFill>
-            <a:schemeClr val="accent1">
-              <a:lumMod val="60000"/>
-              <a:lumOff val="40000"/>
-            </a:schemeClr>
-          </a:solidFill>
-          <a:ln w="0">
-            <a:noFill/>
-          </a:ln>
-        </p:spPr>
-        <p:style>
-          <a:lnRef idx="0">
-            <a:scrgbClr r="0" g="0" b="0"/>
-          </a:lnRef>
-          <a:fillRef idx="0">
-            <a:scrgbClr r="0" g="0" b="0"/>
-          </a:fillRef>
-          <a:effectRef idx="0">
-            <a:scrgbClr r="0" g="0" b="0"/>
-          </a:effectRef>
-          <a:fontRef idx="minor"/>
-        </p:style>
-        <p:txBody>
-          <a:bodyPr wrap="none" lIns="90000" tIns="45000" rIns="90000" bIns="45000">
-            <a:spAutoFit/>
-          </a:bodyPr>
-          <a:lstStyle/>
-          <a:p>
-            <a:pPr>
-              <a:lnSpc>
-                <a:spcPct val="100000"/>
-              </a:lnSpc>
-            </a:pPr>
-            <a:r>
-              <a:rPr lang="de-DE" sz="1000" b="0" strike="noStrike" spc="-1" dirty="0">
-                <a:solidFill>
-                  <a:srgbClr val="FFFFFF"/>
-                </a:solidFill>
-                <a:latin typeface="Frutiger LT Com 45 Light"/>
-                <a:ea typeface="DejaVu Sans"/>
-              </a:rPr>
-              <a:t>Wissensrepräsentation im RDF Format</a:t>
-            </a:r>
-            <a:endParaRPr lang="de-DE" sz="1000" b="0" strike="noStrike" spc="-1" dirty="0">
+              <a:t>Wie kann eine Wissensrepräsentation über einen gegebenen Text maschinenlesbar erstellt werden?</a:t>
+            </a:r>
+            <a:endParaRPr lang="de-DE" sz="2400" b="0" strike="noStrike" spc="-1" dirty="0">
               <a:latin typeface="Arial"/>
             </a:endParaRPr>
           </a:p>
@@ -28148,7 +29696,7 @@
       </p:grpSpPr>
       <p:sp>
         <p:nvSpPr>
-          <p:cNvPr id="441" name="CustomShape 1"/>
+          <p:cNvPr id="433" name="CustomShape 1"/>
           <p:cNvSpPr/>
           <p:nvPr/>
         </p:nvSpPr>
@@ -28206,7 +29754,7 @@
       </p:sp>
       <p:sp>
         <p:nvSpPr>
-          <p:cNvPr id="442" name="CustomShape 2"/>
+          <p:cNvPr id="434" name="CustomShape 2"/>
           <p:cNvSpPr/>
           <p:nvPr/>
         </p:nvSpPr>
@@ -28246,7 +29794,7 @@
                 <a:spcPct val="100000"/>
               </a:lnSpc>
             </a:pPr>
-            <a:fld id="{64A1868D-EA79-4592-91E8-0F1D3310FF83}" type="slidenum">
+            <a:fld id="{C3272417-2D86-4F30-A736-82AE346E8B38}" type="slidenum">
               <a:rPr lang="de-DE" sz="900" b="1" strike="noStrike" spc="-1">
                 <a:solidFill>
                   <a:srgbClr val="5073A5"/>
@@ -28264,7 +29812,7 @@
       </p:sp>
       <p:sp>
         <p:nvSpPr>
-          <p:cNvPr id="443" name="CustomShape 3"/>
+          <p:cNvPr id="435" name="CustomShape 3"/>
           <p:cNvSpPr/>
           <p:nvPr/>
         </p:nvSpPr>
@@ -28312,9 +29860,645 @@
                 <a:latin typeface="Frutiger LT Com 45 Light"/>
                 <a:ea typeface="DejaVu Sans"/>
               </a:rPr>
-              <a:t>Named Entity Recognition</a:t>
+              <a:t>Konkrete Zielsetzung: Krankheiten und Symptome</a:t>
             </a:r>
             <a:endParaRPr lang="de-DE" sz="2200" b="0" strike="noStrike" spc="-1">
+              <a:latin typeface="Arial"/>
+            </a:endParaRPr>
+          </a:p>
+        </p:txBody>
+      </p:sp>
+      <p:sp>
+        <p:nvSpPr>
+          <p:cNvPr id="436" name="CustomShape 4"/>
+          <p:cNvSpPr/>
+          <p:nvPr/>
+        </p:nvSpPr>
+        <p:spPr>
+          <a:xfrm>
+            <a:off x="1679433" y="1166607"/>
+            <a:ext cx="8525694" cy="3599532"/>
+          </a:xfrm>
+          <a:prstGeom prst="rect">
+            <a:avLst/>
+          </a:prstGeom>
+          <a:solidFill>
+            <a:schemeClr val="bg1"/>
+          </a:solidFill>
+          <a:ln w="0">
+            <a:solidFill>
+              <a:schemeClr val="tx1"/>
+            </a:solidFill>
+            <a:prstDash val="sysDash"/>
+          </a:ln>
+          <a:effectLst>
+            <a:outerShdw blurRad="50800" dist="37674" dir="2700000" algn="tl" rotWithShape="0">
+              <a:srgbClr val="000000">
+                <a:alpha val="40000"/>
+              </a:srgbClr>
+            </a:outerShdw>
+          </a:effectLst>
+        </p:spPr>
+        <p:style>
+          <a:lnRef idx="0">
+            <a:scrgbClr r="0" g="0" b="0"/>
+          </a:lnRef>
+          <a:fillRef idx="0">
+            <a:scrgbClr r="0" g="0" b="0"/>
+          </a:fillRef>
+          <a:effectRef idx="0">
+            <a:scrgbClr r="0" g="0" b="0"/>
+          </a:effectRef>
+          <a:fontRef idx="minor"/>
+        </p:style>
+        <p:txBody>
+          <a:bodyPr wrap="square" lIns="90000" tIns="45000" rIns="90000" bIns="45000">
+            <a:spAutoFit/>
+          </a:bodyPr>
+          <a:lstStyle/>
+          <a:p>
+            <a:pPr>
+              <a:lnSpc>
+                <a:spcPct val="100000"/>
+              </a:lnSpc>
+            </a:pPr>
+            <a:r>
+              <a:rPr lang="en-US" sz="1200" b="0" strike="noStrike" spc="-1" dirty="0">
+                <a:solidFill>
+                  <a:schemeClr val="bg1">
+                    <a:lumMod val="65000"/>
+                  </a:schemeClr>
+                </a:solidFill>
+                <a:latin typeface="Arial"/>
+                <a:ea typeface="DejaVu Sans"/>
+              </a:rPr>
+              <a:t>Symptoms - Clinical depression</a:t>
+            </a:r>
+            <a:endParaRPr lang="de-DE" sz="1200" b="0" strike="noStrike" spc="-1" dirty="0">
+              <a:solidFill>
+                <a:schemeClr val="bg1">
+                  <a:lumMod val="65000"/>
+                </a:schemeClr>
+              </a:solidFill>
+              <a:latin typeface="Arial"/>
+            </a:endParaRPr>
+          </a:p>
+          <a:p>
+            <a:pPr>
+              <a:lnSpc>
+                <a:spcPct val="100000"/>
+              </a:lnSpc>
+            </a:pPr>
+            <a:endParaRPr lang="de-DE" sz="1200" b="0" strike="noStrike" spc="-1" dirty="0">
+              <a:solidFill>
+                <a:schemeClr val="bg1">
+                  <a:lumMod val="65000"/>
+                </a:schemeClr>
+              </a:solidFill>
+              <a:latin typeface="Arial"/>
+            </a:endParaRPr>
+          </a:p>
+          <a:p>
+            <a:pPr>
+              <a:lnSpc>
+                <a:spcPct val="100000"/>
+              </a:lnSpc>
+            </a:pPr>
+            <a:r>
+              <a:rPr lang="en-US" sz="1200" b="0" strike="noStrike" spc="-1" dirty="0">
+                <a:solidFill>
+                  <a:schemeClr val="bg1">
+                    <a:lumMod val="65000"/>
+                  </a:schemeClr>
+                </a:solidFill>
+                <a:latin typeface="Arial"/>
+                <a:ea typeface="DejaVu Sans"/>
+              </a:rPr>
+              <a:t>The symptoms of depression can be complex and vary widely between people. If you're depressed, you may feel sad, hopeless and lose interest in things you used to enjoy. The symptoms persist for weeks or months and are bad enough to interfere with your work, social life and family life. There are many other symptoms of this disease and you're unlikely to have all of those listed on this page.</a:t>
+            </a:r>
+            <a:endParaRPr lang="de-DE" sz="1200" b="0" strike="noStrike" spc="-1" dirty="0">
+              <a:solidFill>
+                <a:schemeClr val="bg1">
+                  <a:lumMod val="65000"/>
+                </a:schemeClr>
+              </a:solidFill>
+              <a:latin typeface="Arial"/>
+            </a:endParaRPr>
+          </a:p>
+          <a:p>
+            <a:pPr>
+              <a:lnSpc>
+                <a:spcPct val="100000"/>
+              </a:lnSpc>
+            </a:pPr>
+            <a:endParaRPr lang="de-DE" sz="1200" b="0" strike="noStrike" spc="-1" dirty="0">
+              <a:solidFill>
+                <a:schemeClr val="bg1">
+                  <a:lumMod val="65000"/>
+                </a:schemeClr>
+              </a:solidFill>
+              <a:latin typeface="Arial"/>
+            </a:endParaRPr>
+          </a:p>
+          <a:p>
+            <a:pPr>
+              <a:lnSpc>
+                <a:spcPct val="100000"/>
+              </a:lnSpc>
+            </a:pPr>
+            <a:r>
+              <a:rPr lang="en-US" sz="1200" b="0" strike="noStrike" spc="-1" dirty="0">
+                <a:solidFill>
+                  <a:schemeClr val="bg1">
+                    <a:lumMod val="65000"/>
+                  </a:schemeClr>
+                </a:solidFill>
+                <a:latin typeface="Arial"/>
+                <a:ea typeface="DejaVu Sans"/>
+              </a:rPr>
+              <a:t>Psychological symptoms</a:t>
+            </a:r>
+            <a:endParaRPr lang="de-DE" sz="1200" b="0" strike="noStrike" spc="-1" dirty="0">
+              <a:solidFill>
+                <a:schemeClr val="bg1">
+                  <a:lumMod val="65000"/>
+                </a:schemeClr>
+              </a:solidFill>
+              <a:latin typeface="Arial"/>
+            </a:endParaRPr>
+          </a:p>
+          <a:p>
+            <a:pPr>
+              <a:lnSpc>
+                <a:spcPct val="100000"/>
+              </a:lnSpc>
+            </a:pPr>
+            <a:endParaRPr lang="de-DE" sz="1200" b="0" strike="noStrike" spc="-1" dirty="0">
+              <a:solidFill>
+                <a:schemeClr val="bg1">
+                  <a:lumMod val="65000"/>
+                </a:schemeClr>
+              </a:solidFill>
+              <a:latin typeface="Arial"/>
+            </a:endParaRPr>
+          </a:p>
+          <a:p>
+            <a:pPr>
+              <a:lnSpc>
+                <a:spcPct val="100000"/>
+              </a:lnSpc>
+            </a:pPr>
+            <a:r>
+              <a:rPr lang="en-US" b="0" strike="noStrike" spc="-1" dirty="0">
+                <a:solidFill>
+                  <a:srgbClr val="FF0000"/>
+                </a:solidFill>
+                <a:latin typeface="Arial"/>
+                <a:ea typeface="DejaVu Sans"/>
+              </a:rPr>
+              <a:t>The psychological symptoms of depression include:</a:t>
+            </a:r>
+            <a:endParaRPr lang="de-DE" b="0" strike="noStrike" spc="-1" dirty="0">
+              <a:solidFill>
+                <a:srgbClr val="FF0000"/>
+              </a:solidFill>
+              <a:latin typeface="Arial"/>
+            </a:endParaRPr>
+          </a:p>
+          <a:p>
+            <a:pPr>
+              <a:lnSpc>
+                <a:spcPct val="100000"/>
+              </a:lnSpc>
+            </a:pPr>
+            <a:r>
+              <a:rPr lang="en-US" b="0" strike="noStrike" spc="-1" dirty="0">
+                <a:solidFill>
+                  <a:srgbClr val="FF0000"/>
+                </a:solidFill>
+                <a:latin typeface="Arial"/>
+                <a:ea typeface="DejaVu Sans"/>
+              </a:rPr>
+              <a:t>- continuous low mood or sadness</a:t>
+            </a:r>
+            <a:endParaRPr lang="de-DE" b="0" strike="noStrike" spc="-1" dirty="0">
+              <a:solidFill>
+                <a:srgbClr val="FF0000"/>
+              </a:solidFill>
+              <a:latin typeface="Arial"/>
+            </a:endParaRPr>
+          </a:p>
+          <a:p>
+            <a:pPr>
+              <a:lnSpc>
+                <a:spcPct val="100000"/>
+              </a:lnSpc>
+            </a:pPr>
+            <a:r>
+              <a:rPr lang="en-US" sz="1200" b="0" strike="noStrike" spc="-1" dirty="0">
+                <a:solidFill>
+                  <a:schemeClr val="bg1">
+                    <a:lumMod val="65000"/>
+                  </a:schemeClr>
+                </a:solidFill>
+                <a:latin typeface="Arial"/>
+                <a:ea typeface="DejaVu Sans"/>
+              </a:rPr>
+              <a:t>- feeling hopeless and helpless</a:t>
+            </a:r>
+            <a:endParaRPr lang="de-DE" sz="1200" b="0" strike="noStrike" spc="-1" dirty="0">
+              <a:solidFill>
+                <a:schemeClr val="bg1">
+                  <a:lumMod val="65000"/>
+                </a:schemeClr>
+              </a:solidFill>
+              <a:latin typeface="Arial"/>
+            </a:endParaRPr>
+          </a:p>
+          <a:p>
+            <a:pPr>
+              <a:lnSpc>
+                <a:spcPct val="100000"/>
+              </a:lnSpc>
+            </a:pPr>
+            <a:r>
+              <a:rPr lang="en-US" sz="1200" b="0" strike="noStrike" spc="-1" dirty="0">
+                <a:solidFill>
+                  <a:schemeClr val="bg1">
+                    <a:lumMod val="65000"/>
+                  </a:schemeClr>
+                </a:solidFill>
+                <a:latin typeface="Arial"/>
+                <a:ea typeface="DejaVu Sans"/>
+              </a:rPr>
+              <a:t>- having low self-esteem</a:t>
+            </a:r>
+            <a:endParaRPr lang="de-DE" sz="1200" b="0" strike="noStrike" spc="-1" dirty="0">
+              <a:solidFill>
+                <a:schemeClr val="bg1">
+                  <a:lumMod val="65000"/>
+                </a:schemeClr>
+              </a:solidFill>
+              <a:latin typeface="Arial"/>
+            </a:endParaRPr>
+          </a:p>
+          <a:p>
+            <a:pPr>
+              <a:lnSpc>
+                <a:spcPct val="100000"/>
+              </a:lnSpc>
+            </a:pPr>
+            <a:r>
+              <a:rPr lang="en-US" sz="1200" b="0" strike="noStrike" spc="-1" dirty="0">
+                <a:solidFill>
+                  <a:schemeClr val="bg1">
+                    <a:lumMod val="65000"/>
+                  </a:schemeClr>
+                </a:solidFill>
+                <a:latin typeface="Arial"/>
+                <a:ea typeface="DejaVu Sans"/>
+              </a:rPr>
+              <a:t>- feeling tearful</a:t>
+            </a:r>
+            <a:endParaRPr lang="de-DE" sz="1200" b="0" strike="noStrike" spc="-1" dirty="0">
+              <a:solidFill>
+                <a:schemeClr val="bg1">
+                  <a:lumMod val="65000"/>
+                </a:schemeClr>
+              </a:solidFill>
+              <a:latin typeface="Arial"/>
+            </a:endParaRPr>
+          </a:p>
+          <a:p>
+            <a:pPr>
+              <a:lnSpc>
+                <a:spcPct val="100000"/>
+              </a:lnSpc>
+            </a:pPr>
+            <a:r>
+              <a:rPr lang="en-US" sz="1200" b="0" strike="noStrike" spc="-1" dirty="0">
+                <a:solidFill>
+                  <a:schemeClr val="bg1">
+                    <a:lumMod val="65000"/>
+                  </a:schemeClr>
+                </a:solidFill>
+                <a:latin typeface="Arial"/>
+                <a:ea typeface="DejaVu Sans"/>
+              </a:rPr>
+              <a:t>- feeling guilt-ridden</a:t>
+            </a:r>
+            <a:endParaRPr lang="de-DE" sz="1200" b="0" strike="noStrike" spc="-1" dirty="0">
+              <a:solidFill>
+                <a:schemeClr val="bg1">
+                  <a:lumMod val="65000"/>
+                </a:schemeClr>
+              </a:solidFill>
+              <a:latin typeface="Arial"/>
+            </a:endParaRPr>
+          </a:p>
+          <a:p>
+            <a:pPr>
+              <a:lnSpc>
+                <a:spcPct val="100000"/>
+              </a:lnSpc>
+            </a:pPr>
+            <a:r>
+              <a:rPr lang="en-US" sz="1200" b="0" strike="noStrike" spc="-1" dirty="0">
+                <a:solidFill>
+                  <a:schemeClr val="bg1">
+                    <a:lumMod val="65000"/>
+                  </a:schemeClr>
+                </a:solidFill>
+                <a:latin typeface="Arial"/>
+                <a:ea typeface="DejaVu Sans"/>
+              </a:rPr>
+              <a:t>- feeling irritable and intolerant of others</a:t>
+            </a:r>
+            <a:endParaRPr lang="de-DE" sz="1200" b="0" strike="noStrike" spc="-1" dirty="0">
+              <a:solidFill>
+                <a:schemeClr val="bg1">
+                  <a:lumMod val="65000"/>
+                </a:schemeClr>
+              </a:solidFill>
+              <a:latin typeface="Arial"/>
+            </a:endParaRPr>
+          </a:p>
+          <a:p>
+            <a:pPr>
+              <a:lnSpc>
+                <a:spcPct val="100000"/>
+              </a:lnSpc>
+            </a:pPr>
+            <a:r>
+              <a:rPr lang="en-US" sz="1200" b="0" strike="noStrike" spc="-1" dirty="0">
+                <a:solidFill>
+                  <a:schemeClr val="bg1">
+                    <a:lumMod val="65000"/>
+                  </a:schemeClr>
+                </a:solidFill>
+                <a:latin typeface="Arial"/>
+                <a:ea typeface="DejaVu Sans"/>
+              </a:rPr>
+              <a:t>- having no motivation or interest in things</a:t>
+            </a:r>
+            <a:endParaRPr lang="de-DE" sz="1200" b="0" strike="noStrike" spc="-1" dirty="0">
+              <a:solidFill>
+                <a:schemeClr val="bg1">
+                  <a:lumMod val="65000"/>
+                </a:schemeClr>
+              </a:solidFill>
+              <a:latin typeface="Arial"/>
+            </a:endParaRPr>
+          </a:p>
+          <a:p>
+            <a:pPr>
+              <a:lnSpc>
+                <a:spcPct val="100000"/>
+              </a:lnSpc>
+            </a:pPr>
+            <a:r>
+              <a:rPr lang="en-US" sz="1200" b="0" strike="noStrike" spc="-1" dirty="0">
+                <a:solidFill>
+                  <a:schemeClr val="bg1">
+                    <a:lumMod val="65000"/>
+                  </a:schemeClr>
+                </a:solidFill>
+                <a:latin typeface="Arial"/>
+                <a:ea typeface="DejaVu Sans"/>
+              </a:rPr>
+              <a:t>- finding it difficult to make decisions</a:t>
+            </a:r>
+            <a:endParaRPr lang="de-DE" sz="1200" b="0" strike="noStrike" spc="-1" dirty="0">
+              <a:solidFill>
+                <a:schemeClr val="bg1">
+                  <a:lumMod val="65000"/>
+                </a:schemeClr>
+              </a:solidFill>
+              <a:latin typeface="Arial"/>
+            </a:endParaRPr>
+          </a:p>
+        </p:txBody>
+      </p:sp>
+      <p:pic>
+        <p:nvPicPr>
+          <p:cNvPr id="437" name="Grafik 3"/>
+          <p:cNvPicPr>
+            <a:picLocks noChangeAspect="1"/>
+          </p:cNvPicPr>
+          <p:nvPr/>
+        </p:nvPicPr>
+        <p:blipFill rotWithShape="1">
+          <a:blip r:embed="rId2"/>
+          <a:srcRect b="87360"/>
+          <a:stretch/>
+        </p:blipFill>
+        <p:spPr>
+          <a:xfrm>
+            <a:off x="1893624" y="5128377"/>
+            <a:ext cx="9513059" cy="660960"/>
+          </a:xfrm>
+          <a:prstGeom prst="rect">
+            <a:avLst/>
+          </a:prstGeom>
+          <a:ln w="0">
+            <a:noFill/>
+          </a:ln>
+        </p:spPr>
+      </p:pic>
+      <p:sp>
+        <p:nvSpPr>
+          <p:cNvPr id="438" name="CustomShape 5"/>
+          <p:cNvSpPr/>
+          <p:nvPr/>
+        </p:nvSpPr>
+        <p:spPr>
+          <a:xfrm rot="5400000">
+            <a:off x="5724759" y="4701789"/>
+            <a:ext cx="435042" cy="307440"/>
+          </a:xfrm>
+          <a:prstGeom prst="rightArrow">
+            <a:avLst>
+              <a:gd name="adj1" fmla="val 50000"/>
+              <a:gd name="adj2" fmla="val 50000"/>
+            </a:avLst>
+          </a:prstGeom>
+          <a:solidFill>
+            <a:srgbClr val="993333"/>
+          </a:solidFill>
+          <a:ln>
+            <a:solidFill>
+              <a:srgbClr val="712525"/>
+            </a:solidFill>
+          </a:ln>
+        </p:spPr>
+        <p:style>
+          <a:lnRef idx="2">
+            <a:schemeClr val="accent4">
+              <a:shade val="50000"/>
+            </a:schemeClr>
+          </a:lnRef>
+          <a:fillRef idx="1">
+            <a:schemeClr val="accent4"/>
+          </a:fillRef>
+          <a:effectRef idx="0">
+            <a:schemeClr val="accent4"/>
+          </a:effectRef>
+          <a:fontRef idx="minor"/>
+        </p:style>
+      </p:sp>
+      <p:sp>
+        <p:nvSpPr>
+          <p:cNvPr id="439" name="CustomShape 6"/>
+          <p:cNvSpPr/>
+          <p:nvPr/>
+        </p:nvSpPr>
+        <p:spPr>
+          <a:xfrm>
+            <a:off x="9896220" y="1076679"/>
+            <a:ext cx="456840" cy="242280"/>
+          </a:xfrm>
+          <a:prstGeom prst="rect">
+            <a:avLst/>
+          </a:prstGeom>
+          <a:solidFill>
+            <a:schemeClr val="accent1">
+              <a:lumMod val="60000"/>
+              <a:lumOff val="40000"/>
+            </a:schemeClr>
+          </a:solidFill>
+          <a:ln w="0">
+            <a:noFill/>
+          </a:ln>
+        </p:spPr>
+        <p:style>
+          <a:lnRef idx="0">
+            <a:scrgbClr r="0" g="0" b="0"/>
+          </a:lnRef>
+          <a:fillRef idx="0">
+            <a:scrgbClr r="0" g="0" b="0"/>
+          </a:fillRef>
+          <a:effectRef idx="0">
+            <a:scrgbClr r="0" g="0" b="0"/>
+          </a:effectRef>
+          <a:fontRef idx="minor"/>
+        </p:style>
+        <p:txBody>
+          <a:bodyPr wrap="none" lIns="90000" tIns="45000" rIns="90000" bIns="45000">
+            <a:spAutoFit/>
+          </a:bodyPr>
+          <a:lstStyle/>
+          <a:p>
+            <a:pPr>
+              <a:lnSpc>
+                <a:spcPct val="100000"/>
+              </a:lnSpc>
+            </a:pPr>
+            <a:r>
+              <a:rPr lang="de-DE" sz="1000" b="0" strike="noStrike" spc="-1" dirty="0">
+                <a:solidFill>
+                  <a:srgbClr val="FFFFFF"/>
+                </a:solidFill>
+                <a:latin typeface="Frutiger LT Com 45 Light"/>
+                <a:ea typeface="DejaVu Sans"/>
+              </a:rPr>
+              <a:t>TEXT</a:t>
+            </a:r>
+            <a:endParaRPr lang="de-DE" sz="1000" b="0" strike="noStrike" spc="-1" dirty="0">
+              <a:latin typeface="Arial"/>
+            </a:endParaRPr>
+          </a:p>
+        </p:txBody>
+      </p:sp>
+      <p:pic>
+        <p:nvPicPr>
+          <p:cNvPr id="2" name="Grafik 3">
+            <a:extLst>
+              <a:ext uri="{FF2B5EF4-FFF2-40B4-BE49-F238E27FC236}">
+                <a16:creationId xmlns:a16="http://schemas.microsoft.com/office/drawing/2014/main" id="{B9FCAF0D-32EC-7B1A-CE12-AB9AEB9220A1}"/>
+              </a:ext>
+            </a:extLst>
+          </p:cNvPr>
+          <p:cNvPicPr>
+            <a:picLocks noChangeAspect="1"/>
+          </p:cNvPicPr>
+          <p:nvPr/>
+        </p:nvPicPr>
+        <p:blipFill rotWithShape="1">
+          <a:blip r:embed="rId2"/>
+          <a:srcRect t="91345" b="2319"/>
+          <a:stretch/>
+        </p:blipFill>
+        <p:spPr>
+          <a:xfrm>
+            <a:off x="1893623" y="5819388"/>
+            <a:ext cx="9513059" cy="331353"/>
+          </a:xfrm>
+          <a:prstGeom prst="rect">
+            <a:avLst/>
+          </a:prstGeom>
+          <a:ln w="0">
+            <a:noFill/>
+          </a:ln>
+        </p:spPr>
+      </p:pic>
+      <p:sp>
+        <p:nvSpPr>
+          <p:cNvPr id="440" name="CustomShape 7"/>
+          <p:cNvSpPr/>
+          <p:nvPr/>
+        </p:nvSpPr>
+        <p:spPr>
+          <a:xfrm>
+            <a:off x="7984980" y="5924950"/>
+            <a:ext cx="2368080" cy="242280"/>
+          </a:xfrm>
+          <a:prstGeom prst="rect">
+            <a:avLst/>
+          </a:prstGeom>
+          <a:solidFill>
+            <a:schemeClr val="accent1">
+              <a:lumMod val="60000"/>
+              <a:lumOff val="40000"/>
+            </a:schemeClr>
+          </a:solidFill>
+          <a:ln w="0">
+            <a:noFill/>
+          </a:ln>
+        </p:spPr>
+        <p:style>
+          <a:lnRef idx="0">
+            <a:scrgbClr r="0" g="0" b="0"/>
+          </a:lnRef>
+          <a:fillRef idx="0">
+            <a:scrgbClr r="0" g="0" b="0"/>
+          </a:fillRef>
+          <a:effectRef idx="0">
+            <a:scrgbClr r="0" g="0" b="0"/>
+          </a:effectRef>
+          <a:fontRef idx="minor"/>
+        </p:style>
+        <p:txBody>
+          <a:bodyPr wrap="none" lIns="90000" tIns="45000" rIns="90000" bIns="45000">
+            <a:spAutoFit/>
+          </a:bodyPr>
+          <a:lstStyle/>
+          <a:p>
+            <a:pPr>
+              <a:lnSpc>
+                <a:spcPct val="100000"/>
+              </a:lnSpc>
+            </a:pPr>
+            <a:r>
+              <a:rPr lang="de-DE" sz="1000" b="0" strike="noStrike" spc="-1" dirty="0">
+                <a:solidFill>
+                  <a:srgbClr val="FFFFFF"/>
+                </a:solidFill>
+                <a:latin typeface="Frutiger LT Com 45 Light"/>
+                <a:ea typeface="DejaVu Sans"/>
+              </a:rPr>
+              <a:t>Wissensrepräsentation im RDF Format</a:t>
+            </a:r>
+            <a:endParaRPr lang="de-DE" sz="1000" b="0" strike="noStrike" spc="-1" dirty="0">
               <a:latin typeface="Arial"/>
             </a:endParaRPr>
           </a:p>
@@ -28347,7 +30531,7 @@
       </p:grpSpPr>
       <p:sp>
         <p:nvSpPr>
-          <p:cNvPr id="444" name="CustomShape 1"/>
+          <p:cNvPr id="459" name="CustomShape 1"/>
           <p:cNvSpPr/>
           <p:nvPr/>
         </p:nvSpPr>
@@ -28405,7 +30589,7 @@
       </p:sp>
       <p:sp>
         <p:nvSpPr>
-          <p:cNvPr id="445" name="CustomShape 2"/>
+          <p:cNvPr id="460" name="CustomShape 2"/>
           <p:cNvSpPr/>
           <p:nvPr/>
         </p:nvSpPr>
@@ -28445,7 +30629,7 @@
                 <a:spcPct val="100000"/>
               </a:lnSpc>
             </a:pPr>
-            <a:fld id="{82BD7B6D-F4B1-4055-8AD9-2F7891E32BA3}" type="slidenum">
+            <a:fld id="{4E2D9203-378D-4095-A2D6-67256DCC1683}" type="slidenum">
               <a:rPr lang="de-DE" sz="900" b="1" strike="noStrike" spc="-1">
                 <a:solidFill>
                   <a:srgbClr val="5073A5"/>
@@ -28463,7 +30647,7 @@
       </p:sp>
       <p:sp>
         <p:nvSpPr>
-          <p:cNvPr id="446" name="CustomShape 3"/>
+          <p:cNvPr id="461" name="CustomShape 3"/>
           <p:cNvSpPr/>
           <p:nvPr/>
         </p:nvSpPr>
@@ -28504,283 +30688,114 @@
               </a:lnSpc>
             </a:pPr>
             <a:r>
-              <a:rPr lang="de-DE" sz="2200" b="1" strike="noStrike" spc="-1">
+              <a:rPr lang="de-DE" sz="2200" b="1" strike="noStrike" spc="-1" dirty="0" err="1">
                 <a:solidFill>
                   <a:srgbClr val="5073A5"/>
                 </a:solidFill>
                 <a:latin typeface="Frutiger LT Com 45 Light"/>
                 <a:ea typeface="DejaVu Sans"/>
               </a:rPr>
-              <a:t>Probleme</a:t>
-            </a:r>
-            <a:endParaRPr lang="de-DE" sz="2200" b="0" strike="noStrike" spc="-1">
-              <a:latin typeface="Arial"/>
-            </a:endParaRPr>
-          </a:p>
-        </p:txBody>
-      </p:sp>
-      <p:sp>
-        <p:nvSpPr>
-          <p:cNvPr id="447" name="CustomShape 4"/>
-          <p:cNvSpPr/>
+              <a:t>Named</a:t>
+            </a:r>
+            <a:r>
+              <a:rPr lang="de-DE" sz="2200" b="1" strike="noStrike" spc="-1" dirty="0">
+                <a:solidFill>
+                  <a:srgbClr val="5073A5"/>
+                </a:solidFill>
+                <a:latin typeface="Frutiger LT Com 45 Light"/>
+                <a:ea typeface="DejaVu Sans"/>
+              </a:rPr>
+              <a:t> Entity Recognition / </a:t>
+            </a:r>
+            <a:r>
+              <a:rPr lang="de-DE" sz="2200" b="1" strike="noStrike" spc="-1" dirty="0" err="1">
+                <a:solidFill>
+                  <a:srgbClr val="5073A5"/>
+                </a:solidFill>
+                <a:latin typeface="Frutiger LT Com 45 Light"/>
+                <a:ea typeface="DejaVu Sans"/>
+              </a:rPr>
+              <a:t>SpaCy‘s</a:t>
+            </a:r>
+            <a:r>
+              <a:rPr lang="de-DE" sz="2200" b="1" strike="noStrike" spc="-1" dirty="0">
+                <a:solidFill>
+                  <a:srgbClr val="5073A5"/>
+                </a:solidFill>
+                <a:latin typeface="Frutiger LT Com 45 Light"/>
+                <a:ea typeface="DejaVu Sans"/>
+              </a:rPr>
+              <a:t> Entity </a:t>
+            </a:r>
+            <a:r>
+              <a:rPr lang="de-DE" sz="2200" b="1" strike="noStrike" spc="-1" dirty="0" err="1">
+                <a:solidFill>
+                  <a:srgbClr val="5073A5"/>
+                </a:solidFill>
+                <a:latin typeface="Frutiger LT Com 45 Light"/>
+                <a:ea typeface="DejaVu Sans"/>
+              </a:rPr>
+              <a:t>Ruler</a:t>
+            </a:r>
+            <a:endParaRPr lang="de-DE" sz="2200" b="0" strike="noStrike" spc="-1" dirty="0">
+              <a:latin typeface="Arial"/>
+            </a:endParaRPr>
+          </a:p>
+        </p:txBody>
+      </p:sp>
+      <p:pic>
+        <p:nvPicPr>
+          <p:cNvPr id="462" name="Grafik 1"/>
+          <p:cNvPicPr/>
           <p:nvPr/>
-        </p:nvSpPr>
-        <p:spPr>
-          <a:xfrm>
-            <a:off x="1907778" y="1459957"/>
-            <a:ext cx="7962087" cy="3938086"/>
-          </a:xfrm>
-          <a:prstGeom prst="rect">
-            <a:avLst/>
-          </a:prstGeom>
-          <a:noFill/>
+        </p:nvPicPr>
+        <p:blipFill>
+          <a:blip r:embed="rId2"/>
+          <a:stretch/>
+        </p:blipFill>
+        <p:spPr>
+          <a:xfrm>
+            <a:off x="647280" y="1099080"/>
+            <a:ext cx="10406880" cy="5042160"/>
+          </a:xfrm>
+          <a:prstGeom prst="rect">
+            <a:avLst/>
+          </a:prstGeom>
           <a:ln w="0">
             <a:noFill/>
           </a:ln>
         </p:spPr>
-        <p:style>
-          <a:lnRef idx="0">
-            <a:scrgbClr r="0" g="0" b="0"/>
-          </a:lnRef>
-          <a:fillRef idx="0">
-            <a:scrgbClr r="0" g="0" b="0"/>
-          </a:fillRef>
-          <a:effectRef idx="0">
-            <a:scrgbClr r="0" g="0" b="0"/>
-          </a:effectRef>
-          <a:fontRef idx="minor"/>
-        </p:style>
-        <p:txBody>
-          <a:bodyPr wrap="square" lIns="90000" tIns="45000" rIns="90000" bIns="45000">
-            <a:spAutoFit/>
-          </a:bodyPr>
-          <a:lstStyle/>
-          <a:p>
-            <a:pPr marL="285840" indent="-285120">
-              <a:lnSpc>
-                <a:spcPct val="100000"/>
-              </a:lnSpc>
-              <a:spcBef>
-                <a:spcPts val="601"/>
-              </a:spcBef>
-              <a:buClr>
-                <a:srgbClr val="000000"/>
-              </a:buClr>
-              <a:buFont typeface="Arial"/>
-              <a:buChar char="•"/>
-            </a:pPr>
-            <a:r>
-              <a:rPr lang="de-DE" sz="2400" b="0" strike="noStrike" spc="-1" dirty="0">
-                <a:solidFill>
-                  <a:srgbClr val="000000"/>
-                </a:solidFill>
-                <a:latin typeface="Frutiger LT Com 45 Light"/>
-                <a:ea typeface="DejaVu Sans"/>
-              </a:rPr>
-              <a:t>Standard-</a:t>
-            </a:r>
-            <a:r>
-              <a:rPr lang="de-DE" sz="2400" b="0" i="1" strike="noStrike" spc="-1" dirty="0" err="1">
-                <a:solidFill>
-                  <a:srgbClr val="000000"/>
-                </a:solidFill>
-                <a:latin typeface="Frutiger LT Com 45 Light"/>
-                <a:ea typeface="DejaVu Sans"/>
-              </a:rPr>
-              <a:t>spaCy</a:t>
-            </a:r>
-            <a:r>
-              <a:rPr lang="de-DE" sz="2400" b="0" strike="noStrike" spc="-1" dirty="0">
-                <a:solidFill>
-                  <a:srgbClr val="000000"/>
-                </a:solidFill>
-                <a:latin typeface="Frutiger LT Com 45 Light"/>
-                <a:ea typeface="DejaVu Sans"/>
-              </a:rPr>
-              <a:t> bietet keine auf medizinisches Fachvokabular trainierte </a:t>
-            </a:r>
-            <a:r>
-              <a:rPr lang="de-DE" sz="2400" b="0" i="1" strike="noStrike" spc="-1" dirty="0" err="1">
-                <a:solidFill>
-                  <a:srgbClr val="000000"/>
-                </a:solidFill>
-                <a:latin typeface="Frutiger LT Com 45 Light"/>
-                <a:ea typeface="DejaVu Sans"/>
-              </a:rPr>
-              <a:t>Named</a:t>
-            </a:r>
-            <a:r>
-              <a:rPr lang="de-DE" sz="2400" b="0" i="1" strike="noStrike" spc="-1" dirty="0">
-                <a:solidFill>
-                  <a:srgbClr val="000000"/>
-                </a:solidFill>
-                <a:latin typeface="Frutiger LT Com 45 Light"/>
-                <a:ea typeface="DejaVu Sans"/>
-              </a:rPr>
-              <a:t>-Entity-Recognition</a:t>
-            </a:r>
-            <a:r>
-              <a:rPr lang="de-DE" sz="2400" b="0" strike="noStrike" spc="-1" dirty="0">
-                <a:solidFill>
-                  <a:srgbClr val="000000"/>
-                </a:solidFill>
-                <a:latin typeface="Frutiger LT Com 45 Light"/>
-                <a:ea typeface="DejaVu Sans"/>
-              </a:rPr>
-              <a:t>-Komponente.</a:t>
-            </a:r>
-            <a:endParaRPr lang="de-DE" sz="2400" b="0" strike="noStrike" spc="-1" dirty="0">
-              <a:latin typeface="Arial"/>
-            </a:endParaRPr>
-          </a:p>
-          <a:p>
-            <a:pPr marL="285840" indent="-285120">
-              <a:lnSpc>
-                <a:spcPct val="100000"/>
-              </a:lnSpc>
-              <a:spcBef>
-                <a:spcPts val="601"/>
-              </a:spcBef>
-              <a:buClr>
-                <a:srgbClr val="000000"/>
-              </a:buClr>
-              <a:buFont typeface="Arial"/>
-              <a:buChar char="•"/>
-            </a:pPr>
-            <a:r>
-              <a:rPr lang="de-DE" sz="2400" b="0" strike="noStrike" spc="-1" dirty="0">
-                <a:solidFill>
-                  <a:srgbClr val="000000"/>
-                </a:solidFill>
-                <a:latin typeface="Frutiger LT Com 45 Light"/>
-                <a:ea typeface="DejaVu Sans"/>
-              </a:rPr>
-              <a:t>Geeignete </a:t>
-            </a:r>
-            <a:r>
-              <a:rPr lang="de-DE" sz="2400" b="0" i="1" strike="noStrike" spc="-1" dirty="0" err="1">
-                <a:solidFill>
-                  <a:srgbClr val="000000"/>
-                </a:solidFill>
-                <a:latin typeface="Frutiger LT Com 45 Light"/>
-                <a:ea typeface="DejaVu Sans"/>
-              </a:rPr>
-              <a:t>Named</a:t>
-            </a:r>
-            <a:r>
-              <a:rPr lang="de-DE" sz="2400" b="0" i="1" strike="noStrike" spc="-1" dirty="0">
-                <a:solidFill>
-                  <a:srgbClr val="000000"/>
-                </a:solidFill>
-                <a:latin typeface="Frutiger LT Com 45 Light"/>
-                <a:ea typeface="DejaVu Sans"/>
-              </a:rPr>
-              <a:t>-Entity-Recognition-Komponente</a:t>
-            </a:r>
-            <a:r>
-              <a:rPr lang="de-DE" sz="2400" b="0" strike="noStrike" spc="-1" dirty="0">
-                <a:solidFill>
-                  <a:srgbClr val="000000"/>
-                </a:solidFill>
-                <a:latin typeface="Frutiger LT Com 45 Light"/>
-                <a:ea typeface="DejaVu Sans"/>
-              </a:rPr>
-              <a:t> aus der </a:t>
-            </a:r>
-            <a:r>
-              <a:rPr lang="de-DE" sz="2400" b="0" i="1" strike="noStrike" spc="-1" dirty="0" err="1">
-                <a:solidFill>
-                  <a:srgbClr val="000000"/>
-                </a:solidFill>
-                <a:latin typeface="Frutiger LT Com 45 Light"/>
-                <a:ea typeface="DejaVu Sans"/>
-              </a:rPr>
-              <a:t>spaCy</a:t>
-            </a:r>
-            <a:r>
-              <a:rPr lang="de-DE" sz="2400" b="0" strike="noStrike" spc="-1" dirty="0">
-                <a:solidFill>
-                  <a:srgbClr val="000000"/>
-                </a:solidFill>
-                <a:latin typeface="Frutiger LT Com 45 Light"/>
-                <a:ea typeface="DejaVu Sans"/>
-              </a:rPr>
-              <a:t>-Pipeline identifizieren (Entity </a:t>
-            </a:r>
-            <a:r>
-              <a:rPr lang="de-DE" sz="2400" b="0" strike="noStrike" spc="-1" dirty="0" err="1">
-                <a:solidFill>
-                  <a:srgbClr val="000000"/>
-                </a:solidFill>
-                <a:latin typeface="Frutiger LT Com 45 Light"/>
-                <a:ea typeface="DejaVu Sans"/>
-              </a:rPr>
-              <a:t>Ruler</a:t>
-            </a:r>
-            <a:r>
-              <a:rPr lang="de-DE" sz="2400" b="0" strike="noStrike" spc="-1" dirty="0">
-                <a:solidFill>
-                  <a:srgbClr val="000000"/>
-                </a:solidFill>
-                <a:latin typeface="Frutiger LT Com 45 Light"/>
-                <a:ea typeface="DejaVu Sans"/>
-              </a:rPr>
-              <a:t>, Entity </a:t>
-            </a:r>
-            <a:r>
-              <a:rPr lang="de-DE" sz="2400" b="0" strike="noStrike" spc="-1" dirty="0" err="1">
-                <a:solidFill>
-                  <a:srgbClr val="000000"/>
-                </a:solidFill>
-                <a:latin typeface="Frutiger LT Com 45 Light"/>
-                <a:ea typeface="DejaVu Sans"/>
-              </a:rPr>
-              <a:t>Recognizer</a:t>
-            </a:r>
-            <a:r>
-              <a:rPr lang="de-DE" sz="2400" b="0" strike="noStrike" spc="-1" dirty="0">
-                <a:solidFill>
-                  <a:srgbClr val="000000"/>
-                </a:solidFill>
-                <a:latin typeface="Frutiger LT Com 45 Light"/>
-                <a:ea typeface="DejaVu Sans"/>
-              </a:rPr>
-              <a:t>, Entity Linker)</a:t>
-            </a:r>
-            <a:endParaRPr lang="de-DE" sz="2400" b="0" strike="noStrike" spc="-1" dirty="0">
-              <a:latin typeface="Arial"/>
-            </a:endParaRPr>
-          </a:p>
-          <a:p>
-            <a:pPr marL="285840" indent="-285120">
-              <a:lnSpc>
-                <a:spcPct val="100000"/>
-              </a:lnSpc>
-              <a:spcBef>
-                <a:spcPts val="601"/>
-              </a:spcBef>
-              <a:buClr>
-                <a:srgbClr val="000000"/>
-              </a:buClr>
-              <a:buFont typeface="Arial"/>
-              <a:buChar char="•"/>
-            </a:pPr>
-            <a:r>
-              <a:rPr lang="de-DE" sz="2400" b="0" strike="noStrike" spc="-1" dirty="0">
-                <a:solidFill>
-                  <a:srgbClr val="000000"/>
-                </a:solidFill>
-                <a:latin typeface="Frutiger LT Com 45 Light"/>
-                <a:ea typeface="DejaVu Sans"/>
-              </a:rPr>
-              <a:t>Aus welcher Quelle kann geeignetes medizinisches Fachvokabular bezogen werden, in dem Begriffe kategorisiert (Krankheit, Symptom, Therapie, Medikament, ...) sind.</a:t>
-            </a:r>
-            <a:endParaRPr lang="de-DE" sz="2400" b="0" strike="noStrike" spc="-1" dirty="0">
-              <a:latin typeface="Arial"/>
-            </a:endParaRPr>
-          </a:p>
-        </p:txBody>
-      </p:sp>
+      </p:pic>
+      <p:pic>
+        <p:nvPicPr>
+          <p:cNvPr id="3" name="Grafik 2">
+            <a:extLst>
+              <a:ext uri="{FF2B5EF4-FFF2-40B4-BE49-F238E27FC236}">
+                <a16:creationId xmlns:a16="http://schemas.microsoft.com/office/drawing/2014/main" id="{C435D2BE-0CE3-D6F7-87F9-8A0303120F4D}"/>
+              </a:ext>
+            </a:extLst>
+          </p:cNvPr>
+          <p:cNvPicPr>
+            <a:picLocks noChangeAspect="1"/>
+          </p:cNvPicPr>
+          <p:nvPr/>
+        </p:nvPicPr>
+        <p:blipFill>
+          <a:blip r:embed="rId3"/>
+          <a:stretch>
+            <a:fillRect/>
+          </a:stretch>
+        </p:blipFill>
+        <p:spPr>
+          <a:xfrm>
+            <a:off x="10192170" y="5487457"/>
+            <a:ext cx="1352550" cy="542925"/>
+          </a:xfrm>
+          <a:prstGeom prst="rect">
+            <a:avLst/>
+          </a:prstGeom>
+        </p:spPr>
+      </p:pic>
     </p:spTree>
   </p:cSld>
   <p:clrMapOvr>
@@ -28808,7 +30823,7 @@
       </p:grpSpPr>
       <p:sp>
         <p:nvSpPr>
-          <p:cNvPr id="448" name="CustomShape 1"/>
+          <p:cNvPr id="444" name="CustomShape 1"/>
           <p:cNvSpPr/>
           <p:nvPr/>
         </p:nvSpPr>
@@ -28866,7 +30881,7 @@
       </p:sp>
       <p:sp>
         <p:nvSpPr>
-          <p:cNvPr id="449" name="CustomShape 2"/>
+          <p:cNvPr id="445" name="CustomShape 2"/>
           <p:cNvSpPr/>
           <p:nvPr/>
         </p:nvSpPr>
@@ -28906,7 +30921,7 @@
                 <a:spcPct val="100000"/>
               </a:lnSpc>
             </a:pPr>
-            <a:fld id="{FD93D26A-01B4-4121-9D1F-DA4AFBED8BCF}" type="slidenum">
+            <a:fld id="{82BD7B6D-F4B1-4055-8AD9-2F7891E32BA3}" type="slidenum">
               <a:rPr lang="de-DE" sz="900" b="1" strike="noStrike" spc="-1">
                 <a:solidFill>
                   <a:srgbClr val="5073A5"/>
@@ -28924,7 +30939,7 @@
       </p:sp>
       <p:sp>
         <p:nvSpPr>
-          <p:cNvPr id="450" name="CustomShape 3"/>
+          <p:cNvPr id="446" name="CustomShape 3"/>
           <p:cNvSpPr/>
           <p:nvPr/>
         </p:nvSpPr>
@@ -28972,7 +30987,7 @@
                 <a:latin typeface="Frutiger LT Com 45 Light"/>
                 <a:ea typeface="DejaVu Sans"/>
               </a:rPr>
-              <a:t>Lösungsansatz</a:t>
+              <a:t>Probleme</a:t>
             </a:r>
             <a:endParaRPr lang="de-DE" sz="2200" b="0" strike="noStrike" spc="-1">
               <a:latin typeface="Arial"/>
@@ -28980,39 +30995,16 @@
           </a:p>
         </p:txBody>
       </p:sp>
-      <p:pic>
-        <p:nvPicPr>
-          <p:cNvPr id="451" name="Grafik 2"/>
-          <p:cNvPicPr/>
-          <p:nvPr/>
-        </p:nvPicPr>
-        <p:blipFill>
-          <a:blip r:embed="rId2"/>
-          <a:stretch/>
-        </p:blipFill>
-        <p:spPr>
-          <a:xfrm>
-            <a:off x="7239960" y="1269360"/>
-            <a:ext cx="4211640" cy="4808520"/>
-          </a:xfrm>
-          <a:prstGeom prst="rect">
-            <a:avLst/>
-          </a:prstGeom>
-          <a:ln w="0">
-            <a:noFill/>
-          </a:ln>
-        </p:spPr>
-      </p:pic>
-      <p:sp>
-        <p:nvSpPr>
-          <p:cNvPr id="452" name="CustomShape 4"/>
+      <p:sp>
+        <p:nvSpPr>
+          <p:cNvPr id="447" name="CustomShape 4"/>
           <p:cNvSpPr/>
           <p:nvPr/>
         </p:nvSpPr>
         <p:spPr>
           <a:xfrm>
-            <a:off x="720000" y="1269360"/>
-            <a:ext cx="6170400" cy="4815360"/>
+            <a:off x="1907778" y="1459957"/>
+            <a:ext cx="7962087" cy="3938086"/>
           </a:xfrm>
           <a:prstGeom prst="rect">
             <a:avLst/>
@@ -29035,7 +31027,7 @@
           <a:fontRef idx="minor"/>
         </p:style>
         <p:txBody>
-          <a:bodyPr lIns="90000" tIns="45000" rIns="90000" bIns="45000">
+          <a:bodyPr wrap="square" lIns="90000" tIns="45000" rIns="90000" bIns="45000">
             <a:spAutoFit/>
           </a:bodyPr>
           <a:lstStyle/>
@@ -29054,16 +31046,66 @@
               <a:buChar char="•"/>
             </a:pPr>
             <a:r>
-              <a:rPr lang="de-DE" sz="1800" b="0" strike="noStrike" spc="-1">
+              <a:rPr lang="de-DE" sz="2400" b="0" strike="noStrike" spc="-1" dirty="0">
                 <a:solidFill>
                   <a:srgbClr val="000000"/>
                 </a:solidFill>
                 <a:latin typeface="Frutiger LT Com 45 Light"/>
                 <a:ea typeface="DejaVu Sans"/>
               </a:rPr>
-              <a:t>National Library of Medicine (NLM) stellt Named Entity Recognition Tools auf ihrer Webseite zu Verfügung *)</a:t>
-            </a:r>
-            <a:endParaRPr lang="de-DE" sz="1800" b="0" strike="noStrike" spc="-1">
+              <a:t>Standard-</a:t>
+            </a:r>
+            <a:r>
+              <a:rPr lang="de-DE" sz="2400" b="0" i="1" strike="noStrike" spc="-1" dirty="0" err="1">
+                <a:solidFill>
+                  <a:srgbClr val="000000"/>
+                </a:solidFill>
+                <a:latin typeface="Frutiger LT Com 45 Light"/>
+                <a:ea typeface="DejaVu Sans"/>
+              </a:rPr>
+              <a:t>spaCy</a:t>
+            </a:r>
+            <a:r>
+              <a:rPr lang="de-DE" sz="2400" b="0" strike="noStrike" spc="-1" dirty="0">
+                <a:solidFill>
+                  <a:srgbClr val="000000"/>
+                </a:solidFill>
+                <a:latin typeface="Frutiger LT Com 45 Light"/>
+                <a:ea typeface="DejaVu Sans"/>
+              </a:rPr>
+              <a:t> bietet keine auf medizinisches Fachvokabular trainierte </a:t>
+            </a:r>
+            <a:r>
+              <a:rPr lang="de-DE" sz="2400" b="0" i="1" strike="noStrike" spc="-1" dirty="0" err="1">
+                <a:solidFill>
+                  <a:srgbClr val="000000"/>
+                </a:solidFill>
+                <a:latin typeface="Frutiger LT Com 45 Light"/>
+                <a:ea typeface="DejaVu Sans"/>
+              </a:rPr>
+              <a:t>Named</a:t>
+            </a:r>
+            <a:r>
+              <a:rPr lang="de-DE" sz="2400" b="0" i="1" strike="noStrike" spc="-1" dirty="0">
+                <a:solidFill>
+                  <a:srgbClr val="000000"/>
+                </a:solidFill>
+                <a:latin typeface="Frutiger LT Com 45 Light"/>
+                <a:ea typeface="DejaVu Sans"/>
+              </a:rPr>
+              <a:t>-Entity-Recognition</a:t>
+            </a:r>
+            <a:r>
+              <a:rPr lang="de-DE" sz="2400" b="0" strike="noStrike" spc="-1" dirty="0">
+                <a:solidFill>
+                  <a:srgbClr val="000000"/>
+                </a:solidFill>
+                <a:latin typeface="Frutiger LT Com 45 Light"/>
+                <a:ea typeface="DejaVu Sans"/>
+              </a:rPr>
+              <a:t>-Komponente.</a:t>
+            </a:r>
+            <a:endParaRPr lang="de-DE" sz="2400" b="0" strike="noStrike" spc="-1" dirty="0">
               <a:latin typeface="Arial"/>
             </a:endParaRPr>
           </a:p>
@@ -29082,16 +31124,106 @@
               <a:buChar char="•"/>
             </a:pPr>
             <a:r>
-              <a:rPr lang="de-DE" sz="1800" b="0" strike="noStrike" spc="-1">
+              <a:rPr lang="de-DE" sz="2400" b="0" strike="noStrike" spc="-1" dirty="0">
                 <a:solidFill>
                   <a:srgbClr val="000000"/>
                 </a:solidFill>
                 <a:latin typeface="Frutiger LT Com 45 Light"/>
                 <a:ea typeface="DejaVu Sans"/>
               </a:rPr>
-              <a:t>Vokabular: MetaMap bzw. MetaMapLite</a:t>
-            </a:r>
-            <a:endParaRPr lang="de-DE" sz="1800" b="0" strike="noStrike" spc="-1">
+              <a:t>Geeignete </a:t>
+            </a:r>
+            <a:r>
+              <a:rPr lang="de-DE" sz="2400" b="0" i="1" strike="noStrike" spc="-1" dirty="0" err="1">
+                <a:solidFill>
+                  <a:srgbClr val="000000"/>
+                </a:solidFill>
+                <a:latin typeface="Frutiger LT Com 45 Light"/>
+                <a:ea typeface="DejaVu Sans"/>
+              </a:rPr>
+              <a:t>Named</a:t>
+            </a:r>
+            <a:r>
+              <a:rPr lang="de-DE" sz="2400" b="0" i="1" strike="noStrike" spc="-1" dirty="0">
+                <a:solidFill>
+                  <a:srgbClr val="000000"/>
+                </a:solidFill>
+                <a:latin typeface="Frutiger LT Com 45 Light"/>
+                <a:ea typeface="DejaVu Sans"/>
+              </a:rPr>
+              <a:t>-Entity-Recognition-Komponente</a:t>
+            </a:r>
+            <a:r>
+              <a:rPr lang="de-DE" sz="2400" b="0" strike="noStrike" spc="-1" dirty="0">
+                <a:solidFill>
+                  <a:srgbClr val="000000"/>
+                </a:solidFill>
+                <a:latin typeface="Frutiger LT Com 45 Light"/>
+                <a:ea typeface="DejaVu Sans"/>
+              </a:rPr>
+              <a:t> aus der </a:t>
+            </a:r>
+            <a:r>
+              <a:rPr lang="de-DE" sz="2400" b="0" i="1" strike="noStrike" spc="-1" dirty="0" err="1">
+                <a:solidFill>
+                  <a:srgbClr val="000000"/>
+                </a:solidFill>
+                <a:latin typeface="Frutiger LT Com 45 Light"/>
+                <a:ea typeface="DejaVu Sans"/>
+              </a:rPr>
+              <a:t>spaCy</a:t>
+            </a:r>
+            <a:r>
+              <a:rPr lang="de-DE" sz="2400" b="0" strike="noStrike" spc="-1" dirty="0">
+                <a:solidFill>
+                  <a:srgbClr val="000000"/>
+                </a:solidFill>
+                <a:latin typeface="Frutiger LT Com 45 Light"/>
+                <a:ea typeface="DejaVu Sans"/>
+              </a:rPr>
+              <a:t>-Pipeline identifizieren (Entity </a:t>
+            </a:r>
+            <a:r>
+              <a:rPr lang="de-DE" sz="2400" b="0" strike="noStrike" spc="-1" dirty="0" err="1">
+                <a:solidFill>
+                  <a:srgbClr val="000000"/>
+                </a:solidFill>
+                <a:latin typeface="Frutiger LT Com 45 Light"/>
+                <a:ea typeface="DejaVu Sans"/>
+              </a:rPr>
+              <a:t>Ruler</a:t>
+            </a:r>
+            <a:r>
+              <a:rPr lang="de-DE" sz="2400" b="0" strike="noStrike" spc="-1" dirty="0">
+                <a:solidFill>
+                  <a:srgbClr val="000000"/>
+                </a:solidFill>
+                <a:latin typeface="Frutiger LT Com 45 Light"/>
+                <a:ea typeface="DejaVu Sans"/>
+              </a:rPr>
+              <a:t>, Entity </a:t>
+            </a:r>
+            <a:r>
+              <a:rPr lang="de-DE" sz="2400" b="0" strike="noStrike" spc="-1" dirty="0" err="1">
+                <a:solidFill>
+                  <a:srgbClr val="000000"/>
+                </a:solidFill>
+                <a:latin typeface="Frutiger LT Com 45 Light"/>
+                <a:ea typeface="DejaVu Sans"/>
+              </a:rPr>
+              <a:t>Recognizer</a:t>
+            </a:r>
+            <a:r>
+              <a:rPr lang="de-DE" sz="2400" b="0" strike="noStrike" spc="-1" dirty="0">
+                <a:solidFill>
+                  <a:srgbClr val="000000"/>
+                </a:solidFill>
+                <a:latin typeface="Frutiger LT Com 45 Light"/>
+                <a:ea typeface="DejaVu Sans"/>
+              </a:rPr>
+              <a:t>, Entity Linker)</a:t>
+            </a:r>
+            <a:endParaRPr lang="de-DE" sz="2400" b="0" strike="noStrike" spc="-1" dirty="0">
               <a:latin typeface="Arial"/>
             </a:endParaRPr>
           </a:p>
@@ -29110,337 +31242,16 @@
               <a:buChar char="•"/>
             </a:pPr>
             <a:r>
-              <a:rPr lang="de-DE" sz="1800" b="0" strike="noStrike" spc="-1">
+              <a:rPr lang="de-DE" sz="2400" b="0" strike="noStrike" spc="-1" dirty="0">
                 <a:solidFill>
                   <a:srgbClr val="000000"/>
                 </a:solidFill>
                 <a:latin typeface="Frutiger LT Com 45 Light"/>
                 <a:ea typeface="DejaVu Sans"/>
               </a:rPr>
-              <a:t>Für das Training des spaCy Entity Rulers wurde das Vokabular aus dem MetaMapLite-Projekt verwendet.</a:t>
-            </a:r>
-            <a:endParaRPr lang="de-DE" sz="1800" b="0" strike="noStrike" spc="-1">
-              <a:latin typeface="Arial"/>
-            </a:endParaRPr>
-          </a:p>
-          <a:p>
-            <a:pPr marL="285840" indent="-285120">
-              <a:lnSpc>
-                <a:spcPct val="100000"/>
-              </a:lnSpc>
-              <a:spcBef>
-                <a:spcPts val="601"/>
-              </a:spcBef>
-              <a:buClr>
-                <a:srgbClr val="000000"/>
-              </a:buClr>
-              <a:buFont typeface="Arial"/>
-              <a:buChar char="•"/>
-            </a:pPr>
-            <a:r>
-              <a:rPr lang="de-DE" sz="1800" b="0" strike="noStrike" spc="-1">
-                <a:solidFill>
-                  <a:srgbClr val="000000"/>
-                </a:solidFill>
-                <a:latin typeface="Frutiger LT Com 45 Light"/>
-                <a:ea typeface="DejaVu Sans"/>
-              </a:rPr>
-              <a:t>Der Concept Unified Identifier (CUI) ermöglicht die Suche nach Synonymen.</a:t>
-            </a:r>
-            <a:endParaRPr lang="de-DE" sz="1800" b="0" strike="noStrike" spc="-1">
-              <a:latin typeface="Arial"/>
-            </a:endParaRPr>
-          </a:p>
-          <a:p>
-            <a:pPr marL="285840" indent="-285120">
-              <a:lnSpc>
-                <a:spcPct val="100000"/>
-              </a:lnSpc>
-              <a:spcBef>
-                <a:spcPts val="601"/>
-              </a:spcBef>
-              <a:buClr>
-                <a:srgbClr val="000000"/>
-              </a:buClr>
-              <a:buFont typeface="Arial"/>
-              <a:buChar char="•"/>
-            </a:pPr>
-            <a:r>
-              <a:rPr lang="de-DE" sz="1800" b="0" strike="noStrike" spc="-1">
-                <a:solidFill>
-                  <a:srgbClr val="000000"/>
-                </a:solidFill>
-                <a:latin typeface="Frutiger LT Com 45 Light"/>
-                <a:ea typeface="DejaVu Sans"/>
-              </a:rPr>
-              <a:t>Viele Begriffe des Vokabulars enthalten eine Kategorisierung wie </a:t>
-            </a:r>
-            <a:r>
-              <a:rPr lang="de-DE" sz="1800" b="0" i="1" strike="noStrike" spc="-1">
-                <a:solidFill>
-                  <a:srgbClr val="000000"/>
-                </a:solidFill>
-                <a:latin typeface="Frutiger LT Com 45 Light"/>
-                <a:ea typeface="DejaVu Sans"/>
-              </a:rPr>
-              <a:t>disease</a:t>
-            </a:r>
-            <a:r>
-              <a:rPr lang="de-DE" sz="1800" b="0" strike="noStrike" spc="-1">
-                <a:solidFill>
-                  <a:srgbClr val="000000"/>
-                </a:solidFill>
-                <a:latin typeface="Frutiger LT Com 45 Light"/>
-                <a:ea typeface="DejaVu Sans"/>
-              </a:rPr>
-              <a:t>, </a:t>
-            </a:r>
-            <a:r>
-              <a:rPr lang="de-DE" sz="1800" b="0" i="1" strike="noStrike" spc="-1">
-                <a:solidFill>
-                  <a:srgbClr val="000000"/>
-                </a:solidFill>
-                <a:latin typeface="Frutiger LT Com 45 Light"/>
-                <a:ea typeface="DejaVu Sans"/>
-              </a:rPr>
-              <a:t>disorder</a:t>
-            </a:r>
-            <a:r>
-              <a:rPr lang="de-DE" sz="1800" b="0" strike="noStrike" spc="-1">
-                <a:solidFill>
-                  <a:srgbClr val="000000"/>
-                </a:solidFill>
-                <a:latin typeface="Frutiger LT Com 45 Light"/>
-                <a:ea typeface="DejaVu Sans"/>
-              </a:rPr>
-              <a:t>, </a:t>
-            </a:r>
-            <a:r>
-              <a:rPr lang="de-DE" sz="1800" b="0" i="1" strike="noStrike" spc="-1">
-                <a:solidFill>
-                  <a:srgbClr val="000000"/>
-                </a:solidFill>
-                <a:latin typeface="Frutiger LT Com 45 Light"/>
-                <a:ea typeface="DejaVu Sans"/>
-              </a:rPr>
-              <a:t>finding</a:t>
-            </a:r>
-            <a:r>
-              <a:rPr lang="de-DE" sz="1800" b="0" strike="noStrike" spc="-1">
-                <a:solidFill>
-                  <a:srgbClr val="000000"/>
-                </a:solidFill>
-                <a:latin typeface="Frutiger LT Com 45 Light"/>
-                <a:ea typeface="DejaVu Sans"/>
-              </a:rPr>
-              <a:t>, etc.</a:t>
-            </a:r>
-            <a:endParaRPr lang="de-DE" sz="1800" b="0" strike="noStrike" spc="-1">
-              <a:latin typeface="Arial"/>
-            </a:endParaRPr>
-          </a:p>
-          <a:p>
-            <a:pPr marL="285840" indent="-285120">
-              <a:lnSpc>
-                <a:spcPct val="100000"/>
-              </a:lnSpc>
-              <a:spcBef>
-                <a:spcPts val="601"/>
-              </a:spcBef>
-              <a:buClr>
-                <a:srgbClr val="000000"/>
-              </a:buClr>
-              <a:buFont typeface="Arial"/>
-              <a:buChar char="•"/>
-            </a:pPr>
-            <a:r>
-              <a:rPr lang="de-DE" sz="1800" b="0" strike="noStrike" spc="-1">
-                <a:solidFill>
-                  <a:srgbClr val="000000"/>
-                </a:solidFill>
-                <a:latin typeface="Frutiger LT Com 45 Light"/>
-                <a:ea typeface="DejaVu Sans"/>
-              </a:rPr>
-              <a:t>Fehlt eine Kategorisierung, kann über die Synonymen-Suche ein Begriff mit Kategorisierung gesucht werden.</a:t>
-            </a:r>
-            <a:endParaRPr lang="de-DE" sz="1800" b="0" strike="noStrike" spc="-1">
-              <a:latin typeface="Arial"/>
-            </a:endParaRPr>
-          </a:p>
-          <a:p>
-            <a:pPr marL="285840" indent="-285120">
-              <a:lnSpc>
-                <a:spcPct val="100000"/>
-              </a:lnSpc>
-              <a:spcBef>
-                <a:spcPts val="601"/>
-              </a:spcBef>
-              <a:buClr>
-                <a:srgbClr val="000000"/>
-              </a:buClr>
-              <a:buFont typeface="Arial"/>
-              <a:buChar char="•"/>
-            </a:pPr>
-            <a:r>
-              <a:rPr lang="de-DE" sz="1800" b="0" strike="noStrike" spc="-1">
-                <a:solidFill>
-                  <a:srgbClr val="000000"/>
-                </a:solidFill>
-                <a:latin typeface="Frutiger LT Com 45 Light"/>
-                <a:ea typeface="DejaVu Sans"/>
-              </a:rPr>
-              <a:t>Diese Kategorisierung wird für das Training des Entity Rulers übernommen.</a:t>
-            </a:r>
-            <a:endParaRPr lang="de-DE" sz="1800" b="0" strike="noStrike" spc="-1">
-              <a:latin typeface="Arial"/>
-            </a:endParaRPr>
-          </a:p>
-          <a:p>
-            <a:pPr marL="285840" indent="-285120">
-              <a:lnSpc>
-                <a:spcPct val="100000"/>
-              </a:lnSpc>
-              <a:spcBef>
-                <a:spcPts val="601"/>
-              </a:spcBef>
-              <a:buClr>
-                <a:srgbClr val="000000"/>
-              </a:buClr>
-              <a:buFont typeface="Arial"/>
-              <a:buChar char="•"/>
-            </a:pPr>
-            <a:r>
-              <a:rPr lang="de-DE" sz="1800" b="0" strike="noStrike" spc="-1">
-                <a:solidFill>
-                  <a:srgbClr val="000000"/>
-                </a:solidFill>
-                <a:latin typeface="Frutiger LT Com 45 Light"/>
-                <a:ea typeface="DejaVu Sans"/>
-              </a:rPr>
-              <a:t>126.485 </a:t>
-            </a:r>
-            <a:r>
-              <a:rPr lang="de-DE" sz="1800" b="0" i="1" strike="noStrike" spc="-1">
-                <a:solidFill>
-                  <a:srgbClr val="000000"/>
-                </a:solidFill>
-                <a:latin typeface="Frutiger LT Com 45 Light"/>
-                <a:ea typeface="DejaVu Sans"/>
-              </a:rPr>
-              <a:t>diseases</a:t>
-            </a:r>
-            <a:r>
-              <a:rPr lang="de-DE" sz="1800" b="0" strike="noStrike" spc="-1">
-                <a:solidFill>
-                  <a:srgbClr val="000000"/>
-                </a:solidFill>
-                <a:latin typeface="Frutiger LT Com 45 Light"/>
-                <a:ea typeface="DejaVu Sans"/>
-              </a:rPr>
-              <a:t> / </a:t>
-            </a:r>
-            <a:r>
-              <a:rPr lang="de-DE" sz="1800" b="0" i="1" strike="noStrike" spc="-1">
-                <a:solidFill>
-                  <a:srgbClr val="000000"/>
-                </a:solidFill>
-                <a:latin typeface="Frutiger LT Com 45 Light"/>
-                <a:ea typeface="DejaVu Sans"/>
-              </a:rPr>
-              <a:t>disorders</a:t>
-            </a:r>
-            <a:r>
-              <a:rPr lang="de-DE" sz="1800" b="0" strike="noStrike" spc="-1">
-                <a:solidFill>
-                  <a:srgbClr val="000000"/>
-                </a:solidFill>
-                <a:latin typeface="Frutiger LT Com 45 Light"/>
-                <a:ea typeface="DejaVu Sans"/>
-              </a:rPr>
-              <a:t>, 60.423 </a:t>
-            </a:r>
-            <a:r>
-              <a:rPr lang="de-DE" sz="1800" b="0" i="1" strike="noStrike" spc="-1">
-                <a:solidFill>
-                  <a:srgbClr val="000000"/>
-                </a:solidFill>
-                <a:latin typeface="Frutiger LT Com 45 Light"/>
-                <a:ea typeface="DejaVu Sans"/>
-              </a:rPr>
-              <a:t>findings</a:t>
-            </a:r>
-            <a:endParaRPr lang="de-DE" sz="1800" b="0" strike="noStrike" spc="-1">
-              <a:latin typeface="Arial"/>
-            </a:endParaRPr>
-          </a:p>
-          <a:p>
-            <a:pPr>
-              <a:lnSpc>
-                <a:spcPct val="100000"/>
-              </a:lnSpc>
-              <a:spcBef>
-                <a:spcPts val="601"/>
-              </a:spcBef>
-            </a:pPr>
-            <a:endParaRPr lang="de-DE" sz="1800" b="0" strike="noStrike" spc="-1">
-              <a:latin typeface="Arial"/>
-            </a:endParaRPr>
-          </a:p>
-        </p:txBody>
-      </p:sp>
-      <p:sp>
-        <p:nvSpPr>
-          <p:cNvPr id="453" name="CustomShape 5"/>
-          <p:cNvSpPr/>
-          <p:nvPr/>
-        </p:nvSpPr>
-        <p:spPr>
-          <a:xfrm>
-            <a:off x="659880" y="5947920"/>
-            <a:ext cx="4143240" cy="257400"/>
-          </a:xfrm>
-          <a:prstGeom prst="rect">
-            <a:avLst/>
-          </a:prstGeom>
-          <a:noFill/>
-          <a:ln w="0">
-            <a:noFill/>
-          </a:ln>
-        </p:spPr>
-        <p:style>
-          <a:lnRef idx="0">
-            <a:scrgbClr r="0" g="0" b="0"/>
-          </a:lnRef>
-          <a:fillRef idx="0">
-            <a:scrgbClr r="0" g="0" b="0"/>
-          </a:fillRef>
-          <a:effectRef idx="0">
-            <a:scrgbClr r="0" g="0" b="0"/>
-          </a:effectRef>
-          <a:fontRef idx="minor"/>
-        </p:style>
-        <p:txBody>
-          <a:bodyPr wrap="none" lIns="90000" tIns="45000" rIns="90000" bIns="45000">
-            <a:spAutoFit/>
-          </a:bodyPr>
-          <a:lstStyle/>
-          <a:p>
-            <a:pPr>
-              <a:lnSpc>
-                <a:spcPct val="100000"/>
-              </a:lnSpc>
-            </a:pPr>
-            <a:r>
-              <a:rPr lang="de-DE" sz="1100" b="0" strike="noStrike" spc="-1">
-                <a:solidFill>
-                  <a:srgbClr val="000000"/>
-                </a:solidFill>
-                <a:latin typeface="Arial"/>
-                <a:ea typeface="DejaVu Sans"/>
-              </a:rPr>
-              <a:t>*) https://ii.nlm.nih.gov/Interactive/UTS_Required/MetaMap.html</a:t>
-            </a:r>
-            <a:endParaRPr lang="de-DE" sz="1100" b="0" strike="noStrike" spc="-1">
+              <a:t>Aus welcher Quelle kann geeignetes medizinisches Fachvokabular bezogen werden, in dem Begriffe kategorisiert (Krankheit, Symptom, Therapie, Medikament, ...) sind.</a:t>
+            </a:r>
+            <a:endParaRPr lang="de-DE" sz="2400" b="0" strike="noStrike" spc="-1" dirty="0">
               <a:latin typeface="Arial"/>
             </a:endParaRPr>
           </a:p>
@@ -29473,7 +31284,7 @@
       </p:grpSpPr>
       <p:sp>
         <p:nvSpPr>
-          <p:cNvPr id="454" name="CustomShape 1"/>
+          <p:cNvPr id="448" name="CustomShape 1"/>
           <p:cNvSpPr/>
           <p:nvPr/>
         </p:nvSpPr>
@@ -29531,7 +31342,7 @@
       </p:sp>
       <p:sp>
         <p:nvSpPr>
-          <p:cNvPr id="455" name="CustomShape 2"/>
+          <p:cNvPr id="449" name="CustomShape 2"/>
           <p:cNvSpPr/>
           <p:nvPr/>
         </p:nvSpPr>
@@ -29571,7 +31382,7 @@
                 <a:spcPct val="100000"/>
               </a:lnSpc>
             </a:pPr>
-            <a:fld id="{BF50B4DA-734D-402D-80B1-2450063A11FD}" type="slidenum">
+            <a:fld id="{FD93D26A-01B4-4121-9D1F-DA4AFBED8BCF}" type="slidenum">
               <a:rPr lang="de-DE" sz="900" b="1" strike="noStrike" spc="-1">
                 <a:solidFill>
                   <a:srgbClr val="5073A5"/>
@@ -29589,7 +31400,7 @@
       </p:sp>
       <p:sp>
         <p:nvSpPr>
-          <p:cNvPr id="456" name="CustomShape 3"/>
+          <p:cNvPr id="450" name="CustomShape 3"/>
           <p:cNvSpPr/>
           <p:nvPr/>
         </p:nvSpPr>
@@ -29637,7 +31448,7 @@
                 <a:latin typeface="Frutiger LT Com 45 Light"/>
                 <a:ea typeface="DejaVu Sans"/>
               </a:rPr>
-              <a:t>Datengrundlage</a:t>
+              <a:t>Lösungsansatz</a:t>
             </a:r>
             <a:endParaRPr lang="de-DE" sz="2200" b="0" strike="noStrike" spc="-1">
               <a:latin typeface="Arial"/>
@@ -29645,16 +31456,39 @@
           </a:p>
         </p:txBody>
       </p:sp>
-      <p:sp>
-        <p:nvSpPr>
-          <p:cNvPr id="457" name="CustomShape 4"/>
+      <p:pic>
+        <p:nvPicPr>
+          <p:cNvPr id="451" name="Grafik 2"/>
+          <p:cNvPicPr/>
+          <p:nvPr/>
+        </p:nvPicPr>
+        <p:blipFill>
+          <a:blip r:embed="rId2"/>
+          <a:stretch/>
+        </p:blipFill>
+        <p:spPr>
+          <a:xfrm>
+            <a:off x="7239960" y="1269360"/>
+            <a:ext cx="4211640" cy="4808520"/>
+          </a:xfrm>
+          <a:prstGeom prst="rect">
+            <a:avLst/>
+          </a:prstGeom>
+          <a:ln w="0">
+            <a:noFill/>
+          </a:ln>
+        </p:spPr>
+      </p:pic>
+      <p:sp>
+        <p:nvSpPr>
+          <p:cNvPr id="452" name="CustomShape 4"/>
           <p:cNvSpPr/>
           <p:nvPr/>
         </p:nvSpPr>
         <p:spPr>
           <a:xfrm>
-            <a:off x="883080" y="1440000"/>
-            <a:ext cx="9196560" cy="2650320"/>
+            <a:off x="720000" y="1269360"/>
+            <a:ext cx="6170400" cy="4815360"/>
           </a:xfrm>
           <a:prstGeom prst="rect">
             <a:avLst/>
@@ -29676,45 +31510,13 @@
           </a:effectRef>
           <a:fontRef idx="minor"/>
         </p:style>
-      </p:sp>
-      <p:sp>
-        <p:nvSpPr>
-          <p:cNvPr id="458" name="CustomShape 5"/>
-          <p:cNvSpPr/>
-          <p:nvPr/>
-        </p:nvSpPr>
-        <p:spPr>
-          <a:xfrm>
-            <a:off x="1399621" y="1937010"/>
-            <a:ext cx="9196560" cy="2983979"/>
-          </a:xfrm>
-          <a:prstGeom prst="rect">
-            <a:avLst/>
-          </a:prstGeom>
-          <a:noFill/>
-          <a:ln w="0">
-            <a:noFill/>
-          </a:ln>
-        </p:spPr>
-        <p:style>
-          <a:lnRef idx="0">
-            <a:scrgbClr r="0" g="0" b="0"/>
-          </a:lnRef>
-          <a:fillRef idx="0">
-            <a:scrgbClr r="0" g="0" b="0"/>
-          </a:fillRef>
-          <a:effectRef idx="0">
-            <a:scrgbClr r="0" g="0" b="0"/>
-          </a:effectRef>
-          <a:fontRef idx="minor"/>
-        </p:style>
         <p:txBody>
           <a:bodyPr lIns="90000" tIns="45000" rIns="90000" bIns="45000">
             <a:spAutoFit/>
           </a:bodyPr>
           <a:lstStyle/>
           <a:p>
-            <a:pPr marL="457920" indent="-457200">
+            <a:pPr marL="285840" indent="-285120">
               <a:lnSpc>
                 <a:spcPct val="100000"/>
               </a:lnSpc>
@@ -29724,25 +31526,25 @@
               <a:buClr>
                 <a:srgbClr val="000000"/>
               </a:buClr>
-              <a:buFont typeface="+mj-lt"/>
-              <a:buAutoNum type="arabicPeriod"/>
+              <a:buFont typeface="Arial"/>
+              <a:buChar char="•"/>
             </a:pPr>
             <a:r>
-              <a:rPr lang="de-DE" sz="2400" b="0" strike="noStrike" spc="-1" dirty="0">
+              <a:rPr lang="de-DE" sz="1800" b="0" strike="noStrike" spc="-1">
                 <a:solidFill>
                   <a:srgbClr val="000000"/>
                 </a:solidFill>
                 <a:latin typeface="Frutiger LT Com 45 Light"/>
                 <a:ea typeface="DejaVu Sans"/>
               </a:rPr>
-              <a:t>Webseiten des National Health Service UK (NHS) und der National Institutes of Health (NIH, U.S.) - 49 Texte zu mehreren psychischen Störungen (Agoraphobie, Alkoholmissbrauch, Depression, u. s. w.)</a:t>
-            </a:r>
-            <a:endParaRPr lang="de-DE" sz="2400" b="0" strike="noStrike" spc="-1" dirty="0">
-              <a:latin typeface="Arial"/>
-            </a:endParaRPr>
-          </a:p>
-          <a:p>
-            <a:pPr marL="457920" indent="-457200">
+              <a:t>National Library of Medicine (NLM) stellt Named Entity Recognition Tools auf ihrer Webseite zu Verfügung *)</a:t>
+            </a:r>
+            <a:endParaRPr lang="de-DE" sz="1800" b="0" strike="noStrike" spc="-1">
+              <a:latin typeface="Arial"/>
+            </a:endParaRPr>
+          </a:p>
+          <a:p>
+            <a:pPr marL="285840" indent="-285120">
               <a:lnSpc>
                 <a:spcPct val="100000"/>
               </a:lnSpc>
@@ -29752,15 +31554,25 @@
               <a:buClr>
                 <a:srgbClr val="000000"/>
               </a:buClr>
-              <a:buFont typeface="+mj-lt"/>
-              <a:buAutoNum type="arabicPeriod"/>
+              <a:buFont typeface="Arial"/>
+              <a:buChar char="•"/>
             </a:pPr>
-            <a:endParaRPr lang="de-DE" sz="2400" b="0" strike="noStrike" spc="-1" dirty="0">
-              <a:latin typeface="Arial"/>
-            </a:endParaRPr>
-          </a:p>
-          <a:p>
-            <a:pPr marL="457920" indent="-457200">
+            <a:r>
+              <a:rPr lang="de-DE" sz="1800" b="0" strike="noStrike" spc="-1">
+                <a:solidFill>
+                  <a:srgbClr val="000000"/>
+                </a:solidFill>
+                <a:latin typeface="Frutiger LT Com 45 Light"/>
+                <a:ea typeface="DejaVu Sans"/>
+              </a:rPr>
+              <a:t>Vokabular: MetaMap bzw. MetaMapLite</a:t>
+            </a:r>
+            <a:endParaRPr lang="de-DE" sz="1800" b="0" strike="noStrike" spc="-1">
+              <a:latin typeface="Arial"/>
+            </a:endParaRPr>
+          </a:p>
+          <a:p>
+            <a:pPr marL="285840" indent="-285120">
               <a:lnSpc>
                 <a:spcPct val="100000"/>
               </a:lnSpc>
@@ -29770,45 +31582,25 @@
               <a:buClr>
                 <a:srgbClr val="000000"/>
               </a:buClr>
-              <a:buFont typeface="+mj-lt"/>
-              <a:buAutoNum type="arabicPeriod"/>
+              <a:buFont typeface="Arial"/>
+              <a:buChar char="•"/>
             </a:pPr>
             <a:r>
-              <a:rPr lang="de-DE" sz="2400" b="0" strike="noStrike" spc="-1" dirty="0">
+              <a:rPr lang="de-DE" sz="1800" b="0" strike="noStrike" spc="-1">
                 <a:solidFill>
                   <a:srgbClr val="000000"/>
                 </a:solidFill>
                 <a:latin typeface="Frutiger LT Com 45 Light"/>
                 <a:ea typeface="DejaVu Sans"/>
               </a:rPr>
-              <a:t>Ein Artikel zum Thema „Mental </a:t>
-            </a:r>
-            <a:r>
-              <a:rPr lang="de-DE" sz="2400" b="0" strike="noStrike" spc="-1" dirty="0" err="1">
-                <a:solidFill>
-                  <a:srgbClr val="000000"/>
-                </a:solidFill>
-                <a:latin typeface="Frutiger LT Com 45 Light"/>
-                <a:ea typeface="DejaVu Sans"/>
-              </a:rPr>
-              <a:t>Disorder</a:t>
-            </a:r>
-            <a:r>
-              <a:rPr lang="de-DE" sz="2400" b="0" strike="noStrike" spc="-1" dirty="0">
-                <a:solidFill>
-                  <a:srgbClr val="000000"/>
-                </a:solidFill>
-                <a:latin typeface="Frutiger LT Com 45 Light"/>
-                <a:ea typeface="DejaVu Sans"/>
-              </a:rPr>
-              <a:t>“ auf Wikipedia</a:t>
-            </a:r>
-            <a:endParaRPr lang="de-DE" sz="2400" b="0" strike="noStrike" spc="-1" dirty="0">
-              <a:latin typeface="Arial"/>
-            </a:endParaRPr>
-          </a:p>
-          <a:p>
-            <a:pPr marL="457920" indent="-457200">
+              <a:t>Für das Training des spaCy Entity Rulers wurde das Vokabular aus dem MetaMapLite-Projekt verwendet.</a:t>
+            </a:r>
+            <a:endParaRPr lang="de-DE" sz="1800" b="0" strike="noStrike" spc="-1">
+              <a:latin typeface="Arial"/>
+            </a:endParaRPr>
+          </a:p>
+          <a:p>
+            <a:pPr marL="285840" indent="-285120">
               <a:lnSpc>
                 <a:spcPct val="100000"/>
               </a:lnSpc>
@@ -29818,15 +31610,25 @@
               <a:buClr>
                 <a:srgbClr val="000000"/>
               </a:buClr>
-              <a:buFont typeface="+mj-lt"/>
-              <a:buAutoNum type="arabicPeriod"/>
+              <a:buFont typeface="Arial"/>
+              <a:buChar char="•"/>
             </a:pPr>
-            <a:endParaRPr lang="de-DE" sz="2400" spc="-1" dirty="0">
-              <a:latin typeface="Arial"/>
-            </a:endParaRPr>
-          </a:p>
-          <a:p>
-            <a:pPr marL="457920" indent="-457200">
+            <a:r>
+              <a:rPr lang="de-DE" sz="1800" b="0" strike="noStrike" spc="-1">
+                <a:solidFill>
+                  <a:srgbClr val="000000"/>
+                </a:solidFill>
+                <a:latin typeface="Frutiger LT Com 45 Light"/>
+                <a:ea typeface="DejaVu Sans"/>
+              </a:rPr>
+              <a:t>Der Concept Unified Identifier (CUI) ermöglicht die Suche nach Synonymen.</a:t>
+            </a:r>
+            <a:endParaRPr lang="de-DE" sz="1800" b="0" strike="noStrike" spc="-1">
+              <a:latin typeface="Arial"/>
+            </a:endParaRPr>
+          </a:p>
+          <a:p>
+            <a:pPr marL="285840" indent="-285120">
               <a:lnSpc>
                 <a:spcPct val="100000"/>
               </a:lnSpc>
@@ -29836,40 +31638,285 @@
               <a:buClr>
                 <a:srgbClr val="000000"/>
               </a:buClr>
-              <a:buFont typeface="+mj-lt"/>
-              <a:buAutoNum type="arabicPeriod"/>
+              <a:buFont typeface="Arial"/>
+              <a:buChar char="•"/>
             </a:pPr>
             <a:r>
-              <a:rPr lang="de-DE" sz="2400" b="0" strike="noStrike" spc="-1" dirty="0">
+              <a:rPr lang="de-DE" sz="1800" b="0" strike="noStrike" spc="-1">
                 <a:solidFill>
                   <a:srgbClr val="000000"/>
                 </a:solidFill>
                 <a:latin typeface="Frutiger LT Com 45 Light"/>
                 <a:ea typeface="DejaVu Sans"/>
               </a:rPr>
-              <a:t>„Clinical Handbook of Psychological </a:t>
-            </a:r>
-            <a:r>
-              <a:rPr lang="de-DE" sz="2400" b="0" strike="noStrike" spc="-1" dirty="0" err="1">
+              <a:t>Viele Begriffe des Vokabulars enthalten eine Kategorisierung wie </a:t>
+            </a:r>
+            <a:r>
+              <a:rPr lang="de-DE" sz="1800" b="0" i="1" strike="noStrike" spc="-1">
                 <a:solidFill>
                   <a:srgbClr val="000000"/>
                 </a:solidFill>
                 <a:latin typeface="Frutiger LT Com 45 Light"/>
                 <a:ea typeface="DejaVu Sans"/>
               </a:rPr>
-              <a:t>Disorders</a:t>
-            </a:r>
-            <a:r>
-              <a:rPr lang="de-DE" sz="2400" b="0" strike="noStrike" spc="-1" dirty="0">
+              <a:t>disease</a:t>
+            </a:r>
+            <a:r>
+              <a:rPr lang="de-DE" sz="1800" b="0" strike="noStrike" spc="-1">
                 <a:solidFill>
                   <a:srgbClr val="000000"/>
                 </a:solidFill>
                 <a:latin typeface="Frutiger LT Com 45 Light"/>
                 <a:ea typeface="DejaVu Sans"/>
               </a:rPr>
-              <a:t>“</a:t>
-            </a:r>
-            <a:endParaRPr lang="de-DE" sz="2400" b="0" strike="noStrike" spc="-1" dirty="0">
+              <a:t>, </a:t>
+            </a:r>
+            <a:r>
+              <a:rPr lang="de-DE" sz="1800" b="0" i="1" strike="noStrike" spc="-1">
+                <a:solidFill>
+                  <a:srgbClr val="000000"/>
+                </a:solidFill>
+                <a:latin typeface="Frutiger LT Com 45 Light"/>
+                <a:ea typeface="DejaVu Sans"/>
+              </a:rPr>
+              <a:t>disorder</a:t>
+            </a:r>
+            <a:r>
+              <a:rPr lang="de-DE" sz="1800" b="0" strike="noStrike" spc="-1">
+                <a:solidFill>
+                  <a:srgbClr val="000000"/>
+                </a:solidFill>
+                <a:latin typeface="Frutiger LT Com 45 Light"/>
+                <a:ea typeface="DejaVu Sans"/>
+              </a:rPr>
+              <a:t>, </a:t>
+            </a:r>
+            <a:r>
+              <a:rPr lang="de-DE" sz="1800" b="0" i="1" strike="noStrike" spc="-1">
+                <a:solidFill>
+                  <a:srgbClr val="000000"/>
+                </a:solidFill>
+                <a:latin typeface="Frutiger LT Com 45 Light"/>
+                <a:ea typeface="DejaVu Sans"/>
+              </a:rPr>
+              <a:t>finding</a:t>
+            </a:r>
+            <a:r>
+              <a:rPr lang="de-DE" sz="1800" b="0" strike="noStrike" spc="-1">
+                <a:solidFill>
+                  <a:srgbClr val="000000"/>
+                </a:solidFill>
+                <a:latin typeface="Frutiger LT Com 45 Light"/>
+                <a:ea typeface="DejaVu Sans"/>
+              </a:rPr>
+              <a:t>, etc.</a:t>
+            </a:r>
+            <a:endParaRPr lang="de-DE" sz="1800" b="0" strike="noStrike" spc="-1">
+              <a:latin typeface="Arial"/>
+            </a:endParaRPr>
+          </a:p>
+          <a:p>
+            <a:pPr marL="285840" indent="-285120">
+              <a:lnSpc>
+                <a:spcPct val="100000"/>
+              </a:lnSpc>
+              <a:spcBef>
+                <a:spcPts val="601"/>
+              </a:spcBef>
+              <a:buClr>
+                <a:srgbClr val="000000"/>
+              </a:buClr>
+              <a:buFont typeface="Arial"/>
+              <a:buChar char="•"/>
+            </a:pPr>
+            <a:r>
+              <a:rPr lang="de-DE" sz="1800" b="0" strike="noStrike" spc="-1">
+                <a:solidFill>
+                  <a:srgbClr val="000000"/>
+                </a:solidFill>
+                <a:latin typeface="Frutiger LT Com 45 Light"/>
+                <a:ea typeface="DejaVu Sans"/>
+              </a:rPr>
+              <a:t>Fehlt eine Kategorisierung, kann über die Synonymen-Suche ein Begriff mit Kategorisierung gesucht werden.</a:t>
+            </a:r>
+            <a:endParaRPr lang="de-DE" sz="1800" b="0" strike="noStrike" spc="-1">
+              <a:latin typeface="Arial"/>
+            </a:endParaRPr>
+          </a:p>
+          <a:p>
+            <a:pPr marL="285840" indent="-285120">
+              <a:lnSpc>
+                <a:spcPct val="100000"/>
+              </a:lnSpc>
+              <a:spcBef>
+                <a:spcPts val="601"/>
+              </a:spcBef>
+              <a:buClr>
+                <a:srgbClr val="000000"/>
+              </a:buClr>
+              <a:buFont typeface="Arial"/>
+              <a:buChar char="•"/>
+            </a:pPr>
+            <a:r>
+              <a:rPr lang="de-DE" sz="1800" b="0" strike="noStrike" spc="-1">
+                <a:solidFill>
+                  <a:srgbClr val="000000"/>
+                </a:solidFill>
+                <a:latin typeface="Frutiger LT Com 45 Light"/>
+                <a:ea typeface="DejaVu Sans"/>
+              </a:rPr>
+              <a:t>Diese Kategorisierung wird für das Training des Entity Rulers übernommen.</a:t>
+            </a:r>
+            <a:endParaRPr lang="de-DE" sz="1800" b="0" strike="noStrike" spc="-1">
+              <a:latin typeface="Arial"/>
+            </a:endParaRPr>
+          </a:p>
+          <a:p>
+            <a:pPr marL="285840" indent="-285120">
+              <a:lnSpc>
+                <a:spcPct val="100000"/>
+              </a:lnSpc>
+              <a:spcBef>
+                <a:spcPts val="601"/>
+              </a:spcBef>
+              <a:buClr>
+                <a:srgbClr val="000000"/>
+              </a:buClr>
+              <a:buFont typeface="Arial"/>
+              <a:buChar char="•"/>
+            </a:pPr>
+            <a:r>
+              <a:rPr lang="de-DE" sz="1800" b="0" strike="noStrike" spc="-1">
+                <a:solidFill>
+                  <a:srgbClr val="000000"/>
+                </a:solidFill>
+                <a:latin typeface="Frutiger LT Com 45 Light"/>
+                <a:ea typeface="DejaVu Sans"/>
+              </a:rPr>
+              <a:t>126.485 </a:t>
+            </a:r>
+            <a:r>
+              <a:rPr lang="de-DE" sz="1800" b="0" i="1" strike="noStrike" spc="-1">
+                <a:solidFill>
+                  <a:srgbClr val="000000"/>
+                </a:solidFill>
+                <a:latin typeface="Frutiger LT Com 45 Light"/>
+                <a:ea typeface="DejaVu Sans"/>
+              </a:rPr>
+              <a:t>diseases</a:t>
+            </a:r>
+            <a:r>
+              <a:rPr lang="de-DE" sz="1800" b="0" strike="noStrike" spc="-1">
+                <a:solidFill>
+                  <a:srgbClr val="000000"/>
+                </a:solidFill>
+                <a:latin typeface="Frutiger LT Com 45 Light"/>
+                <a:ea typeface="DejaVu Sans"/>
+              </a:rPr>
+              <a:t> / </a:t>
+            </a:r>
+            <a:r>
+              <a:rPr lang="de-DE" sz="1800" b="0" i="1" strike="noStrike" spc="-1">
+                <a:solidFill>
+                  <a:srgbClr val="000000"/>
+                </a:solidFill>
+                <a:latin typeface="Frutiger LT Com 45 Light"/>
+                <a:ea typeface="DejaVu Sans"/>
+              </a:rPr>
+              <a:t>disorders</a:t>
+            </a:r>
+            <a:r>
+              <a:rPr lang="de-DE" sz="1800" b="0" strike="noStrike" spc="-1">
+                <a:solidFill>
+                  <a:srgbClr val="000000"/>
+                </a:solidFill>
+                <a:latin typeface="Frutiger LT Com 45 Light"/>
+                <a:ea typeface="DejaVu Sans"/>
+              </a:rPr>
+              <a:t>, 60.423 </a:t>
+            </a:r>
+            <a:r>
+              <a:rPr lang="de-DE" sz="1800" b="0" i="1" strike="noStrike" spc="-1">
+                <a:solidFill>
+                  <a:srgbClr val="000000"/>
+                </a:solidFill>
+                <a:latin typeface="Frutiger LT Com 45 Light"/>
+                <a:ea typeface="DejaVu Sans"/>
+              </a:rPr>
+              <a:t>findings</a:t>
+            </a:r>
+            <a:endParaRPr lang="de-DE" sz="1800" b="0" strike="noStrike" spc="-1">
+              <a:latin typeface="Arial"/>
+            </a:endParaRPr>
+          </a:p>
+          <a:p>
+            <a:pPr>
+              <a:lnSpc>
+                <a:spcPct val="100000"/>
+              </a:lnSpc>
+              <a:spcBef>
+                <a:spcPts val="601"/>
+              </a:spcBef>
+            </a:pPr>
+            <a:endParaRPr lang="de-DE" sz="1800" b="0" strike="noStrike" spc="-1">
+              <a:latin typeface="Arial"/>
+            </a:endParaRPr>
+          </a:p>
+        </p:txBody>
+      </p:sp>
+      <p:sp>
+        <p:nvSpPr>
+          <p:cNvPr id="453" name="CustomShape 5"/>
+          <p:cNvSpPr/>
+          <p:nvPr/>
+        </p:nvSpPr>
+        <p:spPr>
+          <a:xfrm>
+            <a:off x="659880" y="5947920"/>
+            <a:ext cx="4143240" cy="257400"/>
+          </a:xfrm>
+          <a:prstGeom prst="rect">
+            <a:avLst/>
+          </a:prstGeom>
+          <a:noFill/>
+          <a:ln w="0">
+            <a:noFill/>
+          </a:ln>
+        </p:spPr>
+        <p:style>
+          <a:lnRef idx="0">
+            <a:scrgbClr r="0" g="0" b="0"/>
+          </a:lnRef>
+          <a:fillRef idx="0">
+            <a:scrgbClr r="0" g="0" b="0"/>
+          </a:fillRef>
+          <a:effectRef idx="0">
+            <a:scrgbClr r="0" g="0" b="0"/>
+          </a:effectRef>
+          <a:fontRef idx="minor"/>
+        </p:style>
+        <p:txBody>
+          <a:bodyPr wrap="none" lIns="90000" tIns="45000" rIns="90000" bIns="45000">
+            <a:spAutoFit/>
+          </a:bodyPr>
+          <a:lstStyle/>
+          <a:p>
+            <a:pPr>
+              <a:lnSpc>
+                <a:spcPct val="100000"/>
+              </a:lnSpc>
+            </a:pPr>
+            <a:r>
+              <a:rPr lang="de-DE" sz="1100" b="0" strike="noStrike" spc="-1">
+                <a:solidFill>
+                  <a:srgbClr val="000000"/>
+                </a:solidFill>
+                <a:latin typeface="Arial"/>
+                <a:ea typeface="DejaVu Sans"/>
+              </a:rPr>
+              <a:t>*) https://ii.nlm.nih.gov/Interactive/UTS_Required/MetaMap.html</a:t>
+            </a:r>
+            <a:endParaRPr lang="de-DE" sz="1100" b="0" strike="noStrike" spc="-1">
               <a:latin typeface="Arial"/>
             </a:endParaRPr>
           </a:p>

--- a/Praesentation/Praesentation_Fachpraktikum_MedExtractor_Gruppe5.pptx
+++ b/Praesentation/Praesentation_Fachpraktikum_MedExtractor_Gruppe5.pptx
@@ -13,7 +13,7 @@
     <p:sldMasterId id="2147483752" r:id="rId9"/>
   </p:sldMasterIdLst>
   <p:notesMasterIdLst>
-    <p:notesMasterId r:id="rId35"/>
+    <p:notesMasterId r:id="rId36"/>
   </p:notesMasterIdLst>
   <p:sldIdLst>
     <p:sldId id="256" r:id="rId10"/>
@@ -29,18 +29,19 @@
     <p:sldId id="266" r:id="rId20"/>
     <p:sldId id="267" r:id="rId21"/>
     <p:sldId id="268" r:id="rId22"/>
-    <p:sldId id="269" r:id="rId23"/>
-    <p:sldId id="270" r:id="rId24"/>
-    <p:sldId id="271" r:id="rId25"/>
-    <p:sldId id="272" r:id="rId26"/>
-    <p:sldId id="279" r:id="rId27"/>
-    <p:sldId id="274" r:id="rId28"/>
-    <p:sldId id="275" r:id="rId29"/>
-    <p:sldId id="276" r:id="rId30"/>
-    <p:sldId id="277" r:id="rId31"/>
-    <p:sldId id="280" r:id="rId32"/>
-    <p:sldId id="273" r:id="rId33"/>
-    <p:sldId id="278" r:id="rId34"/>
+    <p:sldId id="282" r:id="rId23"/>
+    <p:sldId id="269" r:id="rId24"/>
+    <p:sldId id="270" r:id="rId25"/>
+    <p:sldId id="271" r:id="rId26"/>
+    <p:sldId id="272" r:id="rId27"/>
+    <p:sldId id="279" r:id="rId28"/>
+    <p:sldId id="274" r:id="rId29"/>
+    <p:sldId id="275" r:id="rId30"/>
+    <p:sldId id="276" r:id="rId31"/>
+    <p:sldId id="277" r:id="rId32"/>
+    <p:sldId id="280" r:id="rId33"/>
+    <p:sldId id="273" r:id="rId34"/>
+    <p:sldId id="278" r:id="rId35"/>
   </p:sldIdLst>
   <p:sldSz cx="12192000" cy="6858000"/>
   <p:notesSz cx="6858000" cy="9144000"/>
@@ -22553,7 +22554,7 @@
       </p:grpSpPr>
       <p:sp>
         <p:nvSpPr>
-          <p:cNvPr id="476" name="CustomShape 1"/>
+          <p:cNvPr id="459" name="CustomShape 1"/>
           <p:cNvSpPr/>
           <p:nvPr/>
         </p:nvSpPr>
@@ -22611,7 +22612,7 @@
       </p:sp>
       <p:sp>
         <p:nvSpPr>
-          <p:cNvPr id="477" name="CustomShape 2"/>
+          <p:cNvPr id="460" name="CustomShape 2"/>
           <p:cNvSpPr/>
           <p:nvPr/>
         </p:nvSpPr>
@@ -22651,7 +22652,7 @@
                 <a:spcPct val="100000"/>
               </a:lnSpc>
             </a:pPr>
-            <a:fld id="{00FEA8E7-751F-46F9-AAD1-551378890E71}" type="slidenum">
+            <a:fld id="{4E2D9203-378D-4095-A2D6-67256DCC1683}" type="slidenum">
               <a:rPr lang="de-DE" sz="900" b="1" strike="noStrike" spc="-1">
                 <a:solidFill>
                   <a:srgbClr val="5073A5"/>
@@ -22669,7 +22670,7 @@
       </p:sp>
       <p:sp>
         <p:nvSpPr>
-          <p:cNvPr id="478" name="CustomShape 3"/>
+          <p:cNvPr id="461" name="CustomShape 3"/>
           <p:cNvSpPr/>
           <p:nvPr/>
         </p:nvSpPr>
@@ -22710,22 +22711,100 @@
               </a:lnSpc>
             </a:pPr>
             <a:r>
-              <a:rPr lang="de-DE" sz="2200" b="1" strike="noStrike" spc="-1">
+              <a:rPr lang="de-DE" sz="2200" b="1" strike="noStrike" spc="-1" dirty="0" err="1">
                 <a:solidFill>
                   <a:srgbClr val="5073A5"/>
                 </a:solidFill>
                 <a:latin typeface="Frutiger LT Com 45 Light"/>
                 <a:ea typeface="DejaVu Sans"/>
               </a:rPr>
-              <a:t>KnowledgeExtractor</a:t>
-            </a:r>
-            <a:endParaRPr lang="de-DE" sz="2200" b="0" strike="noStrike" spc="-1">
-              <a:latin typeface="Arial"/>
-            </a:endParaRPr>
-          </a:p>
-        </p:txBody>
-      </p:sp>
+              <a:t>SpaCy‘s</a:t>
+            </a:r>
+            <a:r>
+              <a:rPr lang="de-DE" sz="2200" b="1" strike="noStrike" spc="-1" dirty="0">
+                <a:solidFill>
+                  <a:srgbClr val="5073A5"/>
+                </a:solidFill>
+                <a:latin typeface="Frutiger LT Com 45 Light"/>
+                <a:ea typeface="DejaVu Sans"/>
+              </a:rPr>
+              <a:t> Entity </a:t>
+            </a:r>
+            <a:r>
+              <a:rPr lang="de-DE" sz="2200" b="1" strike="noStrike" spc="-1" dirty="0" err="1">
+                <a:solidFill>
+                  <a:srgbClr val="5073A5"/>
+                </a:solidFill>
+                <a:latin typeface="Frutiger LT Com 45 Light"/>
+                <a:ea typeface="DejaVu Sans"/>
+              </a:rPr>
+              <a:t>Ruler</a:t>
+            </a:r>
+            <a:endParaRPr lang="de-DE" sz="2200" b="0" strike="noStrike" spc="-1" dirty="0">
+              <a:latin typeface="Arial"/>
+            </a:endParaRPr>
+          </a:p>
+        </p:txBody>
+      </p:sp>
+      <p:pic>
+        <p:nvPicPr>
+          <p:cNvPr id="462" name="Grafik 1"/>
+          <p:cNvPicPr/>
+          <p:nvPr/>
+        </p:nvPicPr>
+        <p:blipFill>
+          <a:blip r:embed="rId2"/>
+          <a:stretch/>
+        </p:blipFill>
+        <p:spPr>
+          <a:xfrm>
+            <a:off x="647280" y="1099080"/>
+            <a:ext cx="10406880" cy="5042160"/>
+          </a:xfrm>
+          <a:prstGeom prst="rect">
+            <a:avLst/>
+          </a:prstGeom>
+          <a:ln w="0">
+            <a:noFill/>
+          </a:ln>
+        </p:spPr>
+      </p:pic>
+      <p:pic>
+        <p:nvPicPr>
+          <p:cNvPr id="3" name="Grafik 2">
+            <a:extLst>
+              <a:ext uri="{FF2B5EF4-FFF2-40B4-BE49-F238E27FC236}">
+                <a16:creationId xmlns:a16="http://schemas.microsoft.com/office/drawing/2014/main" id="{C435D2BE-0CE3-D6F7-87F9-8A0303120F4D}"/>
+              </a:ext>
+            </a:extLst>
+          </p:cNvPr>
+          <p:cNvPicPr>
+            <a:picLocks noChangeAspect="1"/>
+          </p:cNvPicPr>
+          <p:nvPr/>
+        </p:nvPicPr>
+        <p:blipFill>
+          <a:blip r:embed="rId3"/>
+          <a:stretch>
+            <a:fillRect/>
+          </a:stretch>
+        </p:blipFill>
+        <p:spPr>
+          <a:xfrm>
+            <a:off x="10192170" y="5487457"/>
+            <a:ext cx="1352550" cy="542925"/>
+          </a:xfrm>
+          <a:prstGeom prst="rect">
+            <a:avLst/>
+          </a:prstGeom>
+        </p:spPr>
+      </p:pic>
     </p:spTree>
+    <p:extLst>
+      <p:ext uri="{BB962C8B-B14F-4D97-AF65-F5344CB8AC3E}">
+        <p14:creationId xmlns:p14="http://schemas.microsoft.com/office/powerpoint/2010/main" val="1186829342"/>
+      </p:ext>
+    </p:extLst>
   </p:cSld>
   <p:clrMapOvr>
     <a:masterClrMapping/>
@@ -22752,7 +22831,7 @@
       </p:grpSpPr>
       <p:sp>
         <p:nvSpPr>
-          <p:cNvPr id="479" name="CustomShape 1"/>
+          <p:cNvPr id="476" name="CustomShape 1"/>
           <p:cNvSpPr/>
           <p:nvPr/>
         </p:nvSpPr>
@@ -22810,7 +22889,7 @@
       </p:sp>
       <p:sp>
         <p:nvSpPr>
-          <p:cNvPr id="480" name="CustomShape 2"/>
+          <p:cNvPr id="477" name="CustomShape 2"/>
           <p:cNvSpPr/>
           <p:nvPr/>
         </p:nvSpPr>
@@ -22850,7 +22929,7 @@
                 <a:spcPct val="100000"/>
               </a:lnSpc>
             </a:pPr>
-            <a:fld id="{9102D5E2-142A-4416-ACB4-4274D172DB95}" type="slidenum">
+            <a:fld id="{00FEA8E7-751F-46F9-AAD1-551378890E71}" type="slidenum">
               <a:rPr lang="de-DE" sz="900" b="1" strike="noStrike" spc="-1">
                 <a:solidFill>
                   <a:srgbClr val="5073A5"/>
@@ -22868,7 +22947,7 @@
       </p:sp>
       <p:sp>
         <p:nvSpPr>
-          <p:cNvPr id="481" name="CustomShape 3"/>
+          <p:cNvPr id="478" name="CustomShape 3"/>
           <p:cNvSpPr/>
           <p:nvPr/>
         </p:nvSpPr>
@@ -22916,7 +22995,7 @@
                 <a:latin typeface="Frutiger LT Com 45 Light"/>
                 <a:ea typeface="DejaVu Sans"/>
               </a:rPr>
-              <a:t>RDFSerialiser</a:t>
+              <a:t>KnowledgeExtractor</a:t>
             </a:r>
             <a:endParaRPr lang="de-DE" sz="2200" b="0" strike="noStrike" spc="-1">
               <a:latin typeface="Arial"/>
@@ -22924,136 +23003,6 @@
           </a:p>
         </p:txBody>
       </p:sp>
-      <p:sp>
-        <p:nvSpPr>
-          <p:cNvPr id="482" name="CustomShape 4"/>
-          <p:cNvSpPr/>
-          <p:nvPr/>
-        </p:nvSpPr>
-        <p:spPr>
-          <a:xfrm>
-            <a:off x="720000" y="1269360"/>
-            <a:ext cx="6170400" cy="1065960"/>
-          </a:xfrm>
-          <a:prstGeom prst="rect">
-            <a:avLst/>
-          </a:prstGeom>
-          <a:noFill/>
-          <a:ln w="0">
-            <a:noFill/>
-          </a:ln>
-        </p:spPr>
-        <p:style>
-          <a:lnRef idx="0">
-            <a:scrgbClr r="0" g="0" b="0"/>
-          </a:lnRef>
-          <a:fillRef idx="0">
-            <a:scrgbClr r="0" g="0" b="0"/>
-          </a:fillRef>
-          <a:effectRef idx="0">
-            <a:scrgbClr r="0" g="0" b="0"/>
-          </a:effectRef>
-          <a:fontRef idx="minor"/>
-        </p:style>
-        <p:txBody>
-          <a:bodyPr lIns="90000" tIns="45000" rIns="90000" bIns="45000">
-            <a:spAutoFit/>
-          </a:bodyPr>
-          <a:lstStyle/>
-          <a:p>
-            <a:pPr marL="285840" indent="-285120">
-              <a:lnSpc>
-                <a:spcPct val="100000"/>
-              </a:lnSpc>
-              <a:spcBef>
-                <a:spcPts val="601"/>
-              </a:spcBef>
-              <a:buClr>
-                <a:srgbClr val="000000"/>
-              </a:buClr>
-              <a:buFont typeface="Arial"/>
-              <a:buChar char="•"/>
-            </a:pPr>
-            <a:r>
-              <a:rPr lang="de-DE" sz="1800" b="0" strike="noStrike" spc="-1">
-                <a:solidFill>
-                  <a:srgbClr val="000000"/>
-                </a:solidFill>
-                <a:latin typeface="Frutiger LT Com 45 Light"/>
-                <a:ea typeface="DejaVu Sans"/>
-              </a:rPr>
-              <a:t>rdflib</a:t>
-            </a:r>
-            <a:endParaRPr lang="de-DE" sz="1800" b="0" strike="noStrike" spc="-1">
-              <a:latin typeface="Arial"/>
-            </a:endParaRPr>
-          </a:p>
-          <a:p>
-            <a:pPr marL="285840" indent="-285120">
-              <a:lnSpc>
-                <a:spcPct val="100000"/>
-              </a:lnSpc>
-              <a:spcBef>
-                <a:spcPts val="601"/>
-              </a:spcBef>
-              <a:buClr>
-                <a:srgbClr val="000000"/>
-              </a:buClr>
-              <a:buFont typeface="Arial"/>
-              <a:buChar char="•"/>
-            </a:pPr>
-            <a:r>
-              <a:rPr lang="de-DE" sz="1800" b="0" strike="noStrike" spc="-1">
-                <a:solidFill>
-                  <a:srgbClr val="000000"/>
-                </a:solidFill>
-                <a:latin typeface="Frutiger LT Com 45 Light"/>
-                <a:ea typeface="DejaVu Sans"/>
-              </a:rPr>
-              <a:t>...</a:t>
-            </a:r>
-            <a:endParaRPr lang="de-DE" sz="1800" b="0" strike="noStrike" spc="-1">
-              <a:latin typeface="Arial"/>
-            </a:endParaRPr>
-          </a:p>
-          <a:p>
-            <a:pPr>
-              <a:lnSpc>
-                <a:spcPct val="100000"/>
-              </a:lnSpc>
-              <a:spcBef>
-                <a:spcPts val="601"/>
-              </a:spcBef>
-            </a:pPr>
-            <a:endParaRPr lang="de-DE" sz="1800" b="0" strike="noStrike" spc="-1">
-              <a:latin typeface="Arial"/>
-            </a:endParaRPr>
-          </a:p>
-        </p:txBody>
-      </p:sp>
-      <p:pic>
-        <p:nvPicPr>
-          <p:cNvPr id="483" name="Grafik 482"/>
-          <p:cNvPicPr/>
-          <p:nvPr/>
-        </p:nvPicPr>
-        <p:blipFill>
-          <a:blip r:embed="rId2"/>
-          <a:stretch/>
-        </p:blipFill>
-        <p:spPr>
-          <a:xfrm>
-            <a:off x="4500000" y="2306880"/>
-            <a:ext cx="6888240" cy="1653120"/>
-          </a:xfrm>
-          <a:prstGeom prst="rect">
-            <a:avLst/>
-          </a:prstGeom>
-          <a:ln w="0">
-            <a:noFill/>
-          </a:ln>
-        </p:spPr>
-      </p:pic>
     </p:spTree>
   </p:cSld>
   <p:clrMapOvr>
@@ -23081,7 +23030,7 @@
       </p:grpSpPr>
       <p:sp>
         <p:nvSpPr>
-          <p:cNvPr id="484" name="CustomShape 1"/>
+          <p:cNvPr id="479" name="CustomShape 1"/>
           <p:cNvSpPr/>
           <p:nvPr/>
         </p:nvSpPr>
@@ -23139,7 +23088,7 @@
       </p:sp>
       <p:sp>
         <p:nvSpPr>
-          <p:cNvPr id="485" name="CustomShape 2"/>
+          <p:cNvPr id="480" name="CustomShape 2"/>
           <p:cNvSpPr/>
           <p:nvPr/>
         </p:nvSpPr>
@@ -23179,7 +23128,7 @@
                 <a:spcPct val="100000"/>
               </a:lnSpc>
             </a:pPr>
-            <a:fld id="{1326F724-8D27-452E-9454-661467954284}" type="slidenum">
+            <a:fld id="{9102D5E2-142A-4416-ACB4-4274D172DB95}" type="slidenum">
               <a:rPr lang="de-DE" sz="900" b="1" strike="noStrike" spc="-1">
                 <a:solidFill>
                   <a:srgbClr val="5073A5"/>
@@ -23197,7 +23146,7 @@
       </p:sp>
       <p:sp>
         <p:nvSpPr>
-          <p:cNvPr id="486" name="CustomShape 3"/>
+          <p:cNvPr id="481" name="CustomShape 3"/>
           <p:cNvSpPr/>
           <p:nvPr/>
         </p:nvSpPr>
@@ -23245,7 +23194,7 @@
                 <a:latin typeface="Frutiger LT Com 45 Light"/>
                 <a:ea typeface="DejaVu Sans"/>
               </a:rPr>
-              <a:t>Evaluation</a:t>
+              <a:t>RDFSerialiser</a:t>
             </a:r>
             <a:endParaRPr lang="de-DE" sz="2200" b="0" strike="noStrike" spc="-1">
               <a:latin typeface="Arial"/>
@@ -23253,6 +23202,136 @@
           </a:p>
         </p:txBody>
       </p:sp>
+      <p:sp>
+        <p:nvSpPr>
+          <p:cNvPr id="482" name="CustomShape 4"/>
+          <p:cNvSpPr/>
+          <p:nvPr/>
+        </p:nvSpPr>
+        <p:spPr>
+          <a:xfrm>
+            <a:off x="720000" y="1269360"/>
+            <a:ext cx="6170400" cy="1065960"/>
+          </a:xfrm>
+          <a:prstGeom prst="rect">
+            <a:avLst/>
+          </a:prstGeom>
+          <a:noFill/>
+          <a:ln w="0">
+            <a:noFill/>
+          </a:ln>
+        </p:spPr>
+        <p:style>
+          <a:lnRef idx="0">
+            <a:scrgbClr r="0" g="0" b="0"/>
+          </a:lnRef>
+          <a:fillRef idx="0">
+            <a:scrgbClr r="0" g="0" b="0"/>
+          </a:fillRef>
+          <a:effectRef idx="0">
+            <a:scrgbClr r="0" g="0" b="0"/>
+          </a:effectRef>
+          <a:fontRef idx="minor"/>
+        </p:style>
+        <p:txBody>
+          <a:bodyPr lIns="90000" tIns="45000" rIns="90000" bIns="45000">
+            <a:spAutoFit/>
+          </a:bodyPr>
+          <a:lstStyle/>
+          <a:p>
+            <a:pPr marL="285840" indent="-285120">
+              <a:lnSpc>
+                <a:spcPct val="100000"/>
+              </a:lnSpc>
+              <a:spcBef>
+                <a:spcPts val="601"/>
+              </a:spcBef>
+              <a:buClr>
+                <a:srgbClr val="000000"/>
+              </a:buClr>
+              <a:buFont typeface="Arial"/>
+              <a:buChar char="•"/>
+            </a:pPr>
+            <a:r>
+              <a:rPr lang="de-DE" sz="1800" b="0" strike="noStrike" spc="-1">
+                <a:solidFill>
+                  <a:srgbClr val="000000"/>
+                </a:solidFill>
+                <a:latin typeface="Frutiger LT Com 45 Light"/>
+                <a:ea typeface="DejaVu Sans"/>
+              </a:rPr>
+              <a:t>rdflib</a:t>
+            </a:r>
+            <a:endParaRPr lang="de-DE" sz="1800" b="0" strike="noStrike" spc="-1">
+              <a:latin typeface="Arial"/>
+            </a:endParaRPr>
+          </a:p>
+          <a:p>
+            <a:pPr marL="285840" indent="-285120">
+              <a:lnSpc>
+                <a:spcPct val="100000"/>
+              </a:lnSpc>
+              <a:spcBef>
+                <a:spcPts val="601"/>
+              </a:spcBef>
+              <a:buClr>
+                <a:srgbClr val="000000"/>
+              </a:buClr>
+              <a:buFont typeface="Arial"/>
+              <a:buChar char="•"/>
+            </a:pPr>
+            <a:r>
+              <a:rPr lang="de-DE" sz="1800" b="0" strike="noStrike" spc="-1">
+                <a:solidFill>
+                  <a:srgbClr val="000000"/>
+                </a:solidFill>
+                <a:latin typeface="Frutiger LT Com 45 Light"/>
+                <a:ea typeface="DejaVu Sans"/>
+              </a:rPr>
+              <a:t>...</a:t>
+            </a:r>
+            <a:endParaRPr lang="de-DE" sz="1800" b="0" strike="noStrike" spc="-1">
+              <a:latin typeface="Arial"/>
+            </a:endParaRPr>
+          </a:p>
+          <a:p>
+            <a:pPr>
+              <a:lnSpc>
+                <a:spcPct val="100000"/>
+              </a:lnSpc>
+              <a:spcBef>
+                <a:spcPts val="601"/>
+              </a:spcBef>
+            </a:pPr>
+            <a:endParaRPr lang="de-DE" sz="1800" b="0" strike="noStrike" spc="-1">
+              <a:latin typeface="Arial"/>
+            </a:endParaRPr>
+          </a:p>
+        </p:txBody>
+      </p:sp>
+      <p:pic>
+        <p:nvPicPr>
+          <p:cNvPr id="483" name="Grafik 482"/>
+          <p:cNvPicPr/>
+          <p:nvPr/>
+        </p:nvPicPr>
+        <p:blipFill>
+          <a:blip r:embed="rId2"/>
+          <a:stretch/>
+        </p:blipFill>
+        <p:spPr>
+          <a:xfrm>
+            <a:off x="4500000" y="2306880"/>
+            <a:ext cx="6888240" cy="1653120"/>
+          </a:xfrm>
+          <a:prstGeom prst="rect">
+            <a:avLst/>
+          </a:prstGeom>
+          <a:ln w="0">
+            <a:noFill/>
+          </a:ln>
+        </p:spPr>
+      </p:pic>
     </p:spTree>
   </p:cSld>
   <p:clrMapOvr>
@@ -23280,85 +23359,7 @@
       </p:grpSpPr>
       <p:sp>
         <p:nvSpPr>
-          <p:cNvPr id="487" name="CustomShape 1"/>
-          <p:cNvSpPr/>
-          <p:nvPr/>
-        </p:nvSpPr>
-        <p:spPr>
-          <a:xfrm>
-            <a:off x="720000" y="260640"/>
-            <a:ext cx="8183160" cy="660960"/>
-          </a:xfrm>
-          <a:prstGeom prst="rect">
-            <a:avLst/>
-          </a:prstGeom>
-          <a:noFill/>
-          <a:ln w="0">
-            <a:noFill/>
-          </a:ln>
-        </p:spPr>
-        <p:style>
-          <a:lnRef idx="0">
-            <a:scrgbClr r="0" g="0" b="0"/>
-          </a:lnRef>
-          <a:fillRef idx="0">
-            <a:scrgbClr r="0" g="0" b="0"/>
-          </a:fillRef>
-          <a:effectRef idx="0">
-            <a:scrgbClr r="0" g="0" b="0"/>
-          </a:effectRef>
-          <a:fontRef idx="minor"/>
-        </p:style>
-        <p:txBody>
-          <a:bodyPr lIns="0" tIns="0" rIns="0" bIns="0" anchor="b">
-            <a:noAutofit/>
-          </a:bodyPr>
-          <a:lstStyle/>
-          <a:p>
-            <a:pPr>
-              <a:lnSpc>
-                <a:spcPct val="100000"/>
-              </a:lnSpc>
-            </a:pPr>
-            <a:r>
-              <a:rPr lang="de-DE" sz="2200" b="1" strike="noStrike" spc="-1" dirty="0">
-                <a:solidFill>
-                  <a:srgbClr val="5073A5"/>
-                </a:solidFill>
-                <a:latin typeface="Frutiger LT Com 45 Light"/>
-                <a:ea typeface="DejaVu Sans"/>
-              </a:rPr>
-              <a:t>Warum macht der </a:t>
-            </a:r>
-            <a:r>
-              <a:rPr lang="de-DE" sz="2200" b="1" strike="noStrike" spc="-1" dirty="0" err="1">
-                <a:solidFill>
-                  <a:srgbClr val="5073A5"/>
-                </a:solidFill>
-                <a:latin typeface="Frutiger LT Com 45 Light"/>
-                <a:ea typeface="DejaVu Sans"/>
-              </a:rPr>
-              <a:t>MedExtractor</a:t>
-            </a:r>
-            <a:r>
-              <a:rPr lang="de-DE" sz="2200" b="1" strike="noStrike" spc="-1" dirty="0">
-                <a:solidFill>
-                  <a:srgbClr val="5073A5"/>
-                </a:solidFill>
-                <a:latin typeface="Frutiger LT Com 45 Light"/>
-                <a:ea typeface="DejaVu Sans"/>
-              </a:rPr>
-              <a:t> Fehler?</a:t>
-            </a:r>
-            <a:endParaRPr lang="de-DE" sz="2200" b="0" strike="noStrike" spc="-1" dirty="0">
-              <a:latin typeface="Arial"/>
-            </a:endParaRPr>
-          </a:p>
-        </p:txBody>
-      </p:sp>
-      <p:sp>
-        <p:nvSpPr>
-          <p:cNvPr id="488" name="CustomShape 2"/>
+          <p:cNvPr id="484" name="CustomShape 1"/>
           <p:cNvSpPr/>
           <p:nvPr/>
         </p:nvSpPr>
@@ -23416,7 +23417,7 @@
       </p:sp>
       <p:sp>
         <p:nvSpPr>
-          <p:cNvPr id="489" name="CustomShape 3"/>
+          <p:cNvPr id="485" name="CustomShape 2"/>
           <p:cNvSpPr/>
           <p:nvPr/>
         </p:nvSpPr>
@@ -23456,7 +23457,7 @@
                 <a:spcPct val="100000"/>
               </a:lnSpc>
             </a:pPr>
-            <a:fld id="{4923A73F-5495-417A-9B89-90354BD07CB0}" type="slidenum">
+            <a:fld id="{1326F724-8D27-452E-9454-661467954284}" type="slidenum">
               <a:rPr lang="de-DE" sz="900" b="1" strike="noStrike" spc="-1">
                 <a:solidFill>
                   <a:srgbClr val="5073A5"/>
@@ -23474,14 +23475,14 @@
       </p:sp>
       <p:sp>
         <p:nvSpPr>
-          <p:cNvPr id="490" name="CustomShape 4"/>
+          <p:cNvPr id="486" name="CustomShape 3"/>
           <p:cNvSpPr/>
           <p:nvPr/>
         </p:nvSpPr>
         <p:spPr>
           <a:xfrm>
-            <a:off x="602705" y="1239314"/>
-            <a:ext cx="11416470" cy="489985"/>
+            <a:off x="720000" y="260640"/>
+            <a:ext cx="8183160" cy="660960"/>
           </a:xfrm>
           <a:prstGeom prst="rect">
             <a:avLst/>
@@ -23504,377 +23505,29 @@
           <a:fontRef idx="minor"/>
         </p:style>
         <p:txBody>
-          <a:bodyPr lIns="90000" tIns="45000" rIns="90000" bIns="45000">
+          <a:bodyPr lIns="0" tIns="0" rIns="0" bIns="0" anchor="b">
             <a:noAutofit/>
           </a:bodyPr>
           <a:lstStyle/>
           <a:p>
-            <a:pPr marL="990600" indent="-990600">
+            <a:pPr>
               <a:lnSpc>
                 <a:spcPct val="100000"/>
               </a:lnSpc>
-              <a:spcBef>
-                <a:spcPts val="1800"/>
-              </a:spcBef>
-              <a:buClr>
-                <a:srgbClr val="000000"/>
-              </a:buClr>
             </a:pPr>
             <a:r>
-              <a:rPr lang="de-DE" sz="2000" b="1" strike="noStrike" spc="-1" dirty="0">
+              <a:rPr lang="de-DE" sz="2200" b="1" strike="noStrike" spc="-1">
                 <a:solidFill>
-                  <a:srgbClr val="000000"/>
+                  <a:srgbClr val="5073A5"/>
                 </a:solidFill>
                 <a:latin typeface="Frutiger LT Com 45 Light"/>
                 <a:ea typeface="DejaVu Sans"/>
               </a:rPr>
-              <a:t>Beispiel</a:t>
-            </a:r>
-            <a:r>
-              <a:rPr lang="de-DE" sz="2000" b="0" strike="noStrike" spc="-1" dirty="0">
-                <a:solidFill>
-                  <a:srgbClr val="000000"/>
-                </a:solidFill>
-                <a:latin typeface="Frutiger LT Com 45 Light"/>
-                <a:ea typeface="DejaVu Sans"/>
-              </a:rPr>
-              <a:t>:	Verben (z.B. </a:t>
-            </a:r>
-            <a:r>
-              <a:rPr lang="de-DE" sz="2000" b="0" strike="noStrike" spc="-1" dirty="0" err="1">
-                <a:solidFill>
-                  <a:srgbClr val="000000"/>
-                </a:solidFill>
-                <a:latin typeface="Frutiger LT Com 45 Light"/>
-                <a:ea typeface="DejaVu Sans"/>
-              </a:rPr>
-              <a:t>aggravate</a:t>
-            </a:r>
-            <a:r>
-              <a:rPr lang="de-DE" sz="2000" b="0" strike="noStrike" spc="-1" dirty="0">
-                <a:solidFill>
-                  <a:srgbClr val="000000"/>
-                </a:solidFill>
-                <a:latin typeface="Frutiger LT Com 45 Light"/>
-                <a:ea typeface="DejaVu Sans"/>
-              </a:rPr>
-              <a:t>) werden als Symptom bewertet, da sie im Trainingsvokabular enthalten sind.</a:t>
-            </a:r>
-            <a:endParaRPr lang="de-DE" sz="2000" b="0" strike="noStrike" spc="-1" dirty="0">
-              <a:latin typeface="Arial"/>
-            </a:endParaRPr>
-          </a:p>
-        </p:txBody>
-      </p:sp>
-      <p:pic>
-        <p:nvPicPr>
-          <p:cNvPr id="3" name="Grafik 2">
-            <a:extLst>
-              <a:ext uri="{FF2B5EF4-FFF2-40B4-BE49-F238E27FC236}">
-                <a16:creationId xmlns:a16="http://schemas.microsoft.com/office/drawing/2014/main" id="{826FFB11-0E0E-61D9-7351-CC616A9403EE}"/>
-              </a:ext>
-            </a:extLst>
-          </p:cNvPr>
-          <p:cNvPicPr>
-            <a:picLocks noChangeAspect="1"/>
-          </p:cNvPicPr>
-          <p:nvPr/>
-        </p:nvPicPr>
-        <p:blipFill>
-          <a:blip r:embed="rId2"/>
-          <a:stretch>
-            <a:fillRect/>
-          </a:stretch>
-        </p:blipFill>
-        <p:spPr>
-          <a:xfrm>
-            <a:off x="720000" y="2070239"/>
-            <a:ext cx="4710358" cy="3548062"/>
-          </a:xfrm>
-          <a:prstGeom prst="rect">
-            <a:avLst/>
-          </a:prstGeom>
-        </p:spPr>
-      </p:pic>
-      <p:sp>
-        <p:nvSpPr>
-          <p:cNvPr id="4" name="CustomShape 4">
-            <a:extLst>
-              <a:ext uri="{FF2B5EF4-FFF2-40B4-BE49-F238E27FC236}">
-                <a16:creationId xmlns:a16="http://schemas.microsoft.com/office/drawing/2014/main" id="{E80DBC25-07DC-7D15-1C96-574375034F91}"/>
-              </a:ext>
-            </a:extLst>
-          </p:cNvPr>
-          <p:cNvSpPr/>
-          <p:nvPr/>
-        </p:nvSpPr>
-        <p:spPr>
-          <a:xfrm>
-            <a:off x="5627801" y="3076388"/>
-            <a:ext cx="6117997" cy="1114628"/>
-          </a:xfrm>
-          <a:prstGeom prst="rect">
-            <a:avLst/>
-          </a:prstGeom>
-          <a:noFill/>
-          <a:ln w="0">
-            <a:noFill/>
-          </a:ln>
-        </p:spPr>
-        <p:style>
-          <a:lnRef idx="0">
-            <a:scrgbClr r="0" g="0" b="0"/>
-          </a:lnRef>
-          <a:fillRef idx="0">
-            <a:scrgbClr r="0" g="0" b="0"/>
-          </a:fillRef>
-          <a:effectRef idx="0">
-            <a:scrgbClr r="0" g="0" b="0"/>
-          </a:effectRef>
-          <a:fontRef idx="minor"/>
-        </p:style>
-        <p:txBody>
-          <a:bodyPr lIns="90000" tIns="45000" rIns="90000" bIns="45000">
-            <a:noAutofit/>
-          </a:bodyPr>
-          <a:lstStyle/>
-          <a:p>
-            <a:pPr marL="990600" indent="-990600">
-              <a:lnSpc>
-                <a:spcPct val="100000"/>
-              </a:lnSpc>
-              <a:spcBef>
-                <a:spcPts val="1800"/>
-              </a:spcBef>
-              <a:buClr>
-                <a:srgbClr val="000000"/>
-              </a:buClr>
-            </a:pPr>
-            <a:r>
-              <a:rPr lang="de-DE" sz="2000" b="1" strike="noStrike" spc="-1" dirty="0">
-                <a:solidFill>
-                  <a:srgbClr val="FF0000"/>
-                </a:solidFill>
-                <a:latin typeface="Frutiger LT Com 45 Light"/>
-                <a:ea typeface="DejaVu Sans"/>
-              </a:rPr>
-              <a:t>Lösung</a:t>
-            </a:r>
-            <a:r>
-              <a:rPr lang="de-DE" sz="2000" b="0" strike="noStrike" spc="-1" dirty="0">
-                <a:solidFill>
-                  <a:srgbClr val="000000"/>
-                </a:solidFill>
-                <a:latin typeface="Frutiger LT Com 45 Light"/>
-                <a:ea typeface="DejaVu Sans"/>
-              </a:rPr>
-              <a:t>:	Grammatikanalyse durch </a:t>
-            </a:r>
-            <a:r>
-              <a:rPr lang="de-DE" sz="2000" b="0" i="1" strike="noStrike" spc="-1" dirty="0" err="1">
-                <a:solidFill>
-                  <a:srgbClr val="000000"/>
-                </a:solidFill>
-                <a:latin typeface="Frutiger LT Com 45 Light"/>
-                <a:ea typeface="DejaVu Sans"/>
-              </a:rPr>
-              <a:t>spaCy</a:t>
-            </a:r>
-            <a:r>
-              <a:rPr lang="de-DE" sz="2000" b="0" strike="noStrike" spc="-1" dirty="0">
-                <a:solidFill>
-                  <a:srgbClr val="000000"/>
-                </a:solidFill>
-                <a:latin typeface="Frutiger LT Com 45 Light"/>
-                <a:ea typeface="DejaVu Sans"/>
-              </a:rPr>
-              <a:t>.</a:t>
-            </a:r>
-          </a:p>
-          <a:p>
-            <a:pPr marL="990600" indent="-990600">
-              <a:lnSpc>
-                <a:spcPct val="100000"/>
-              </a:lnSpc>
-              <a:spcBef>
-                <a:spcPts val="1800"/>
-              </a:spcBef>
-              <a:buClr>
-                <a:srgbClr val="000000"/>
-              </a:buClr>
-            </a:pPr>
-            <a:r>
-              <a:rPr lang="de-DE" sz="2000" spc="-1" dirty="0">
-                <a:solidFill>
-                  <a:srgbClr val="000000"/>
-                </a:solidFill>
-                <a:latin typeface="Frutiger LT Com 45 Light"/>
-              </a:rPr>
-              <a:t>	Verwerfen von Verben im Trainingsvokabular</a:t>
-            </a:r>
-            <a:endParaRPr lang="de-DE" sz="2000" b="0" strike="noStrike" spc="-1" dirty="0">
-              <a:latin typeface="Arial"/>
-            </a:endParaRPr>
-          </a:p>
-        </p:txBody>
-      </p:sp>
-      <p:sp>
-        <p:nvSpPr>
-          <p:cNvPr id="5" name="Rechteck: abgerundete Ecken 4">
-            <a:extLst>
-              <a:ext uri="{FF2B5EF4-FFF2-40B4-BE49-F238E27FC236}">
-                <a16:creationId xmlns:a16="http://schemas.microsoft.com/office/drawing/2014/main" id="{E6916C2C-D165-B1DF-8CCE-E8A530B73D5C}"/>
-              </a:ext>
-            </a:extLst>
-          </p:cNvPr>
-          <p:cNvSpPr/>
-          <p:nvPr/>
-        </p:nvSpPr>
-        <p:spPr>
-          <a:xfrm>
-            <a:off x="3091992" y="3280528"/>
-            <a:ext cx="1253765" cy="273377"/>
-          </a:xfrm>
-          <a:prstGeom prst="roundRect">
-            <a:avLst/>
-          </a:prstGeom>
-          <a:noFill/>
-          <a:ln>
-            <a:solidFill>
-              <a:srgbClr val="FF0000"/>
-            </a:solidFill>
-          </a:ln>
-        </p:spPr>
-        <p:style>
-          <a:lnRef idx="2">
-            <a:schemeClr val="accent1">
-              <a:shade val="50000"/>
-            </a:schemeClr>
-          </a:lnRef>
-          <a:fillRef idx="1">
-            <a:schemeClr val="accent1"/>
-          </a:fillRef>
-          <a:effectRef idx="0">
-            <a:schemeClr val="accent1"/>
-          </a:effectRef>
-          <a:fontRef idx="minor">
-            <a:schemeClr val="lt1"/>
-          </a:fontRef>
-        </p:style>
-        <p:txBody>
-          <a:bodyPr rtlCol="0" anchor="ctr"/>
-          <a:lstStyle/>
-          <a:p>
-            <a:pPr algn="ctr"/>
-            <a:endParaRPr lang="de-DE"/>
-          </a:p>
-        </p:txBody>
-      </p:sp>
-      <p:sp>
-        <p:nvSpPr>
-          <p:cNvPr id="6" name="Rechteck: abgerundete Ecken 5">
-            <a:extLst>
-              <a:ext uri="{FF2B5EF4-FFF2-40B4-BE49-F238E27FC236}">
-                <a16:creationId xmlns:a16="http://schemas.microsoft.com/office/drawing/2014/main" id="{E4579697-72DA-4014-B8D9-DEFA4B69DE34}"/>
-              </a:ext>
-            </a:extLst>
-          </p:cNvPr>
-          <p:cNvSpPr/>
-          <p:nvPr/>
-        </p:nvSpPr>
-        <p:spPr>
-          <a:xfrm>
-            <a:off x="605346" y="3301738"/>
-            <a:ext cx="1085563" cy="273377"/>
-          </a:xfrm>
-          <a:prstGeom prst="roundRect">
-            <a:avLst/>
-          </a:prstGeom>
-          <a:solidFill>
-            <a:srgbClr val="2894FF">
-              <a:alpha val="36863"/>
-            </a:srgbClr>
-          </a:solidFill>
-          <a:ln>
-            <a:noFill/>
-          </a:ln>
-        </p:spPr>
-        <p:style>
-          <a:lnRef idx="2">
-            <a:schemeClr val="accent1">
-              <a:shade val="50000"/>
-            </a:schemeClr>
-          </a:lnRef>
-          <a:fillRef idx="1">
-            <a:schemeClr val="accent1"/>
-          </a:fillRef>
-          <a:effectRef idx="0">
-            <a:schemeClr val="accent1"/>
-          </a:effectRef>
-          <a:fontRef idx="minor">
-            <a:schemeClr val="lt1"/>
-          </a:fontRef>
-        </p:style>
-        <p:txBody>
-          <a:bodyPr rtlCol="0" anchor="ctr"/>
-          <a:lstStyle/>
-          <a:p>
-            <a:pPr algn="ctr"/>
-            <a:endParaRPr lang="de-DE"/>
-          </a:p>
-        </p:txBody>
-      </p:sp>
-      <p:sp>
-        <p:nvSpPr>
-          <p:cNvPr id="7" name="Rechteck: abgerundete Ecken 6">
-            <a:extLst>
-              <a:ext uri="{FF2B5EF4-FFF2-40B4-BE49-F238E27FC236}">
-                <a16:creationId xmlns:a16="http://schemas.microsoft.com/office/drawing/2014/main" id="{DDA0D74C-804E-B8F9-E626-227C46A47806}"/>
-              </a:ext>
-            </a:extLst>
-          </p:cNvPr>
-          <p:cNvSpPr/>
-          <p:nvPr/>
-        </p:nvSpPr>
-        <p:spPr>
-          <a:xfrm>
-            <a:off x="602705" y="4054327"/>
-            <a:ext cx="1085563" cy="395125"/>
-          </a:xfrm>
-          <a:prstGeom prst="roundRect">
-            <a:avLst/>
-          </a:prstGeom>
-          <a:solidFill>
-            <a:srgbClr val="2894FF">
-              <a:alpha val="36863"/>
-            </a:srgbClr>
-          </a:solidFill>
-          <a:ln>
-            <a:noFill/>
-          </a:ln>
-        </p:spPr>
-        <p:style>
-          <a:lnRef idx="2">
-            <a:schemeClr val="accent1">
-              <a:shade val="50000"/>
-            </a:schemeClr>
-          </a:lnRef>
-          <a:fillRef idx="1">
-            <a:schemeClr val="accent1"/>
-          </a:fillRef>
-          <a:effectRef idx="0">
-            <a:schemeClr val="accent1"/>
-          </a:effectRef>
-          <a:fontRef idx="minor">
-            <a:schemeClr val="lt1"/>
-          </a:fontRef>
-        </p:style>
-        <p:txBody>
-          <a:bodyPr rtlCol="0" anchor="ctr"/>
-          <a:lstStyle/>
-          <a:p>
-            <a:pPr algn="ctr"/>
-            <a:endParaRPr lang="de-DE"/>
+              <a:t>Evaluation</a:t>
+            </a:r>
+            <a:endParaRPr lang="de-DE" sz="2200" b="0" strike="noStrike" spc="-1">
+              <a:latin typeface="Arial"/>
+            </a:endParaRPr>
           </a:p>
         </p:txBody>
       </p:sp>
@@ -23905,7 +23558,85 @@
       </p:grpSpPr>
       <p:sp>
         <p:nvSpPr>
-          <p:cNvPr id="484" name="CustomShape 1"/>
+          <p:cNvPr id="487" name="CustomShape 1"/>
+          <p:cNvSpPr/>
+          <p:nvPr/>
+        </p:nvSpPr>
+        <p:spPr>
+          <a:xfrm>
+            <a:off x="720000" y="260640"/>
+            <a:ext cx="8183160" cy="660960"/>
+          </a:xfrm>
+          <a:prstGeom prst="rect">
+            <a:avLst/>
+          </a:prstGeom>
+          <a:noFill/>
+          <a:ln w="0">
+            <a:noFill/>
+          </a:ln>
+        </p:spPr>
+        <p:style>
+          <a:lnRef idx="0">
+            <a:scrgbClr r="0" g="0" b="0"/>
+          </a:lnRef>
+          <a:fillRef idx="0">
+            <a:scrgbClr r="0" g="0" b="0"/>
+          </a:fillRef>
+          <a:effectRef idx="0">
+            <a:scrgbClr r="0" g="0" b="0"/>
+          </a:effectRef>
+          <a:fontRef idx="minor"/>
+        </p:style>
+        <p:txBody>
+          <a:bodyPr lIns="0" tIns="0" rIns="0" bIns="0" anchor="b">
+            <a:noAutofit/>
+          </a:bodyPr>
+          <a:lstStyle/>
+          <a:p>
+            <a:pPr>
+              <a:lnSpc>
+                <a:spcPct val="100000"/>
+              </a:lnSpc>
+            </a:pPr>
+            <a:r>
+              <a:rPr lang="de-DE" sz="2200" b="1" strike="noStrike" spc="-1" dirty="0">
+                <a:solidFill>
+                  <a:srgbClr val="5073A5"/>
+                </a:solidFill>
+                <a:latin typeface="Frutiger LT Com 45 Light"/>
+                <a:ea typeface="DejaVu Sans"/>
+              </a:rPr>
+              <a:t>Warum macht der </a:t>
+            </a:r>
+            <a:r>
+              <a:rPr lang="de-DE" sz="2200" b="1" strike="noStrike" spc="-1" dirty="0" err="1">
+                <a:solidFill>
+                  <a:srgbClr val="5073A5"/>
+                </a:solidFill>
+                <a:latin typeface="Frutiger LT Com 45 Light"/>
+                <a:ea typeface="DejaVu Sans"/>
+              </a:rPr>
+              <a:t>MedExtractor</a:t>
+            </a:r>
+            <a:r>
+              <a:rPr lang="de-DE" sz="2200" b="1" strike="noStrike" spc="-1" dirty="0">
+                <a:solidFill>
+                  <a:srgbClr val="5073A5"/>
+                </a:solidFill>
+                <a:latin typeface="Frutiger LT Com 45 Light"/>
+                <a:ea typeface="DejaVu Sans"/>
+              </a:rPr>
+              <a:t> Fehler?</a:t>
+            </a:r>
+            <a:endParaRPr lang="de-DE" sz="2200" b="0" strike="noStrike" spc="-1" dirty="0">
+              <a:latin typeface="Arial"/>
+            </a:endParaRPr>
+          </a:p>
+        </p:txBody>
+      </p:sp>
+      <p:sp>
+        <p:nvSpPr>
+          <p:cNvPr id="488" name="CustomShape 2"/>
           <p:cNvSpPr/>
           <p:nvPr/>
         </p:nvSpPr>
@@ -23963,7 +23694,7 @@
       </p:sp>
       <p:sp>
         <p:nvSpPr>
-          <p:cNvPr id="485" name="CustomShape 2"/>
+          <p:cNvPr id="489" name="CustomShape 3"/>
           <p:cNvSpPr/>
           <p:nvPr/>
         </p:nvSpPr>
@@ -24003,7 +23734,7 @@
                 <a:spcPct val="100000"/>
               </a:lnSpc>
             </a:pPr>
-            <a:fld id="{1326F724-8D27-452E-9454-661467954284}" type="slidenum">
+            <a:fld id="{4923A73F-5495-417A-9B89-90354BD07CB0}" type="slidenum">
               <a:rPr lang="de-DE" sz="900" b="1" strike="noStrike" spc="-1">
                 <a:solidFill>
                   <a:srgbClr val="5073A5"/>
@@ -24021,14 +23752,14 @@
       </p:sp>
       <p:sp>
         <p:nvSpPr>
-          <p:cNvPr id="486" name="CustomShape 3"/>
+          <p:cNvPr id="490" name="CustomShape 4"/>
           <p:cNvSpPr/>
           <p:nvPr/>
         </p:nvSpPr>
         <p:spPr>
           <a:xfrm>
-            <a:off x="720000" y="260640"/>
-            <a:ext cx="8183160" cy="660960"/>
+            <a:off x="602705" y="1239314"/>
+            <a:ext cx="11416470" cy="489985"/>
           </a:xfrm>
           <a:prstGeom prst="rect">
             <a:avLst/>
@@ -24051,26 +23782,63 @@
           <a:fontRef idx="minor"/>
         </p:style>
         <p:txBody>
-          <a:bodyPr lIns="0" tIns="0" rIns="0" bIns="0" anchor="b">
+          <a:bodyPr lIns="90000" tIns="45000" rIns="90000" bIns="45000">
             <a:noAutofit/>
           </a:bodyPr>
           <a:lstStyle/>
           <a:p>
-            <a:pPr>
+            <a:pPr marL="990600" indent="-990600">
               <a:lnSpc>
                 <a:spcPct val="100000"/>
               </a:lnSpc>
+              <a:spcBef>
+                <a:spcPts val="1800"/>
+              </a:spcBef>
+              <a:buClr>
+                <a:srgbClr val="000000"/>
+              </a:buClr>
             </a:pPr>
             <a:r>
-              <a:rPr lang="de-DE" sz="2200" b="1" spc="-1" dirty="0">
+              <a:rPr lang="de-DE" sz="2000" b="1" strike="noStrike" spc="-1" dirty="0">
                 <a:solidFill>
-                  <a:srgbClr val="5073A5"/>
+                  <a:srgbClr val="000000"/>
                 </a:solidFill>
                 <a:latin typeface="Frutiger LT Com 45 Light"/>
-              </a:rPr>
-              <a:t>Ausblick / Verbesserungspotential</a:t>
-            </a:r>
-            <a:endParaRPr lang="de-DE" sz="2200" b="0" strike="noStrike" spc="-1" dirty="0">
+                <a:ea typeface="DejaVu Sans"/>
+              </a:rPr>
+              <a:t>Beispiel</a:t>
+            </a:r>
+            <a:r>
+              <a:rPr lang="de-DE" sz="2000" b="0" strike="noStrike" spc="-1" dirty="0">
+                <a:solidFill>
+                  <a:srgbClr val="000000"/>
+                </a:solidFill>
+                <a:latin typeface="Frutiger LT Com 45 Light"/>
+                <a:ea typeface="DejaVu Sans"/>
+              </a:rPr>
+              <a:t>:	Verben (z.B. </a:t>
+            </a:r>
+            <a:r>
+              <a:rPr lang="de-DE" sz="2000" b="0" strike="noStrike" spc="-1" dirty="0" err="1">
+                <a:solidFill>
+                  <a:srgbClr val="000000"/>
+                </a:solidFill>
+                <a:latin typeface="Frutiger LT Com 45 Light"/>
+                <a:ea typeface="DejaVu Sans"/>
+              </a:rPr>
+              <a:t>aggravate</a:t>
+            </a:r>
+            <a:r>
+              <a:rPr lang="de-DE" sz="2000" b="0" strike="noStrike" spc="-1" dirty="0">
+                <a:solidFill>
+                  <a:srgbClr val="000000"/>
+                </a:solidFill>
+                <a:latin typeface="Frutiger LT Com 45 Light"/>
+                <a:ea typeface="DejaVu Sans"/>
+              </a:rPr>
+              <a:t>) werden als Symptom bewertet, da sie im Trainingsvokabular enthalten sind.</a:t>
+            </a:r>
+            <a:endParaRPr lang="de-DE" sz="2000" b="0" strike="noStrike" spc="-1" dirty="0">
               <a:latin typeface="Arial"/>
             </a:endParaRPr>
           </a:p>
@@ -24078,10 +23846,10 @@
       </p:sp>
       <p:pic>
         <p:nvPicPr>
-          <p:cNvPr id="5" name="Grafik 4">
+          <p:cNvPr id="3" name="Grafik 2">
             <a:extLst>
               <a:ext uri="{FF2B5EF4-FFF2-40B4-BE49-F238E27FC236}">
-                <a16:creationId xmlns:a16="http://schemas.microsoft.com/office/drawing/2014/main" id="{1773B254-705C-2C3C-351E-EA7F0154E5A6}"/>
+                <a16:creationId xmlns:a16="http://schemas.microsoft.com/office/drawing/2014/main" id="{826FFB11-0E0E-61D9-7351-CC616A9403EE}"/>
               </a:ext>
             </a:extLst>
           </p:cNvPr>
@@ -24098,50 +23866,20 @@
         </p:blipFill>
         <p:spPr>
           <a:xfrm>
-            <a:off x="720000" y="3583855"/>
-            <a:ext cx="5206640" cy="2464585"/>
+            <a:off x="720000" y="2070239"/>
+            <a:ext cx="4710358" cy="3548062"/>
           </a:xfrm>
           <a:prstGeom prst="rect">
             <a:avLst/>
           </a:prstGeom>
         </p:spPr>
       </p:pic>
-      <p:pic>
-        <p:nvPicPr>
-          <p:cNvPr id="7" name="Grafik 6">
+      <p:sp>
+        <p:nvSpPr>
+          <p:cNvPr id="4" name="CustomShape 4">
             <a:extLst>
               <a:ext uri="{FF2B5EF4-FFF2-40B4-BE49-F238E27FC236}">
-                <a16:creationId xmlns:a16="http://schemas.microsoft.com/office/drawing/2014/main" id="{6E8D5217-CC9E-07C8-7967-38C41CB5CFA6}"/>
-              </a:ext>
-            </a:extLst>
-          </p:cNvPr>
-          <p:cNvPicPr>
-            <a:picLocks noChangeAspect="1"/>
-          </p:cNvPicPr>
-          <p:nvPr/>
-        </p:nvPicPr>
-        <p:blipFill>
-          <a:blip r:embed="rId3"/>
-          <a:stretch>
-            <a:fillRect/>
-          </a:stretch>
-        </p:blipFill>
-        <p:spPr>
-          <a:xfrm>
-            <a:off x="720000" y="1299160"/>
-            <a:ext cx="10938892" cy="1974985"/>
-          </a:xfrm>
-          <a:prstGeom prst="rect">
-            <a:avLst/>
-          </a:prstGeom>
-        </p:spPr>
-      </p:pic>
-      <p:sp>
-        <p:nvSpPr>
-          <p:cNvPr id="8" name="CustomShape 4">
-            <a:extLst>
-              <a:ext uri="{FF2B5EF4-FFF2-40B4-BE49-F238E27FC236}">
-                <a16:creationId xmlns:a16="http://schemas.microsoft.com/office/drawing/2014/main" id="{E917D8CE-E050-F688-27F0-979AF0BD4B54}"/>
+                <a16:creationId xmlns:a16="http://schemas.microsoft.com/office/drawing/2014/main" id="{E80DBC25-07DC-7D15-1C96-574375034F91}"/>
               </a:ext>
             </a:extLst>
           </p:cNvPr>
@@ -24150,8 +23888,8 @@
         </p:nvSpPr>
         <p:spPr>
           <a:xfrm>
-            <a:off x="6452254" y="3943945"/>
-            <a:ext cx="5206638" cy="1744403"/>
+            <a:off x="5627801" y="3076388"/>
+            <a:ext cx="6117997" cy="1114628"/>
           </a:xfrm>
           <a:prstGeom prst="rect">
             <a:avLst/>
@@ -24179,7 +23917,7 @@
           </a:bodyPr>
           <a:lstStyle/>
           <a:p>
-            <a:pPr marL="285840" indent="-285120">
+            <a:pPr marL="990600" indent="-990600">
               <a:lnSpc>
                 <a:spcPct val="100000"/>
               </a:lnSpc>
@@ -24189,30 +23927,50 @@
               <a:buClr>
                 <a:srgbClr val="000000"/>
               </a:buClr>
-              <a:buFont typeface="Arial"/>
-              <a:buChar char="•"/>
             </a:pPr>
             <a:r>
-              <a:rPr lang="de-DE" sz="2000" b="1" spc="-1" dirty="0">
+              <a:rPr lang="de-DE" sz="2000" b="1" strike="noStrike" spc="-1" dirty="0">
+                <a:solidFill>
+                  <a:srgbClr val="FF0000"/>
+                </a:solidFill>
+                <a:latin typeface="Frutiger LT Com 45 Light"/>
+                <a:ea typeface="DejaVu Sans"/>
+              </a:rPr>
+              <a:t>Lösung</a:t>
+            </a:r>
+            <a:r>
+              <a:rPr lang="de-DE" sz="2000" b="0" strike="noStrike" spc="-1" dirty="0">
                 <a:solidFill>
                   <a:srgbClr val="000000"/>
                 </a:solidFill>
                 <a:latin typeface="Frutiger LT Com 45 Light"/>
-              </a:rPr>
-              <a:t>Problem:</a:t>
-            </a:r>
-            <a:r>
-              <a:rPr lang="de-DE" sz="2000" spc="-1" dirty="0">
+                <a:ea typeface="DejaVu Sans"/>
+              </a:rPr>
+              <a:t>:	Grammatikanalyse durch </a:t>
+            </a:r>
+            <a:r>
+              <a:rPr lang="de-DE" sz="2000" b="0" i="1" strike="noStrike" spc="-1" dirty="0" err="1">
                 <a:solidFill>
                   <a:srgbClr val="000000"/>
                 </a:solidFill>
                 <a:latin typeface="Frutiger LT Com 45 Light"/>
-              </a:rPr>
-              <a:t> Bedeutung von Sätzen wird nicht erkannt.</a:t>
-            </a:r>
-          </a:p>
-          <a:p>
-            <a:pPr marL="285840" indent="-285120">
+                <a:ea typeface="DejaVu Sans"/>
+              </a:rPr>
+              <a:t>spaCy</a:t>
+            </a:r>
+            <a:r>
+              <a:rPr lang="de-DE" sz="2000" b="0" strike="noStrike" spc="-1" dirty="0">
+                <a:solidFill>
+                  <a:srgbClr val="000000"/>
+                </a:solidFill>
+                <a:latin typeface="Frutiger LT Com 45 Light"/>
+                <a:ea typeface="DejaVu Sans"/>
+              </a:rPr>
+              <a:t>.</a:t>
+            </a:r>
+          </a:p>
+          <a:p>
+            <a:pPr marL="990600" indent="-990600">
               <a:lnSpc>
                 <a:spcPct val="100000"/>
               </a:lnSpc>
@@ -24222,18 +23980,7 @@
               <a:buClr>
                 <a:srgbClr val="000000"/>
               </a:buClr>
-              <a:buFont typeface="Arial"/>
-              <a:buChar char="•"/>
             </a:pPr>
-            <a:r>
-              <a:rPr lang="de-DE" sz="2000" b="1" spc="-1" dirty="0">
-                <a:solidFill>
-                  <a:srgbClr val="000000"/>
-                </a:solidFill>
-                <a:latin typeface="Frutiger LT Com 45 Light"/>
-              </a:rPr>
-              <a:t>Lösungsansatz:</a:t>
-            </a:r>
             <a:r>
               <a:rPr lang="de-DE" sz="2000" spc="-1" dirty="0">
                 <a:solidFill>
@@ -24241,59 +23988,8 @@
                 </a:solidFill>
                 <a:latin typeface="Frutiger LT Com 45 Light"/>
               </a:rPr>
-              <a:t> Suche nach typischen </a:t>
-            </a:r>
-            <a:r>
-              <a:rPr lang="de-DE" sz="2000" spc="-1" dirty="0" err="1">
-                <a:solidFill>
-                  <a:srgbClr val="000000"/>
-                </a:solidFill>
-                <a:latin typeface="Frutiger LT Com 45 Light"/>
-              </a:rPr>
-              <a:t>Satzkonstrukten</a:t>
-            </a:r>
-            <a:r>
-              <a:rPr lang="de-DE" sz="2000" spc="-1" dirty="0">
-                <a:solidFill>
-                  <a:srgbClr val="000000"/>
-                </a:solidFill>
-                <a:latin typeface="Frutiger LT Com 45 Light"/>
-              </a:rPr>
-              <a:t> mittels </a:t>
-            </a:r>
-            <a:r>
-              <a:rPr lang="de-DE" sz="2000" i="1" spc="-1" dirty="0" err="1">
-                <a:solidFill>
-                  <a:srgbClr val="000000"/>
-                </a:solidFill>
-                <a:latin typeface="Frutiger LT Com 45 Light"/>
-              </a:rPr>
-              <a:t>Dependency</a:t>
-            </a:r>
-            <a:r>
-              <a:rPr lang="de-DE" sz="2000" i="1" spc="-1" dirty="0">
-                <a:solidFill>
-                  <a:srgbClr val="000000"/>
-                </a:solidFill>
-                <a:latin typeface="Frutiger LT Com 45 Light"/>
-              </a:rPr>
-              <a:t> Parser</a:t>
-            </a:r>
-          </a:p>
-          <a:p>
-            <a:pPr marL="285840" indent="-285120">
-              <a:lnSpc>
-                <a:spcPct val="100000"/>
-              </a:lnSpc>
-              <a:spcBef>
-                <a:spcPts val="1800"/>
-              </a:spcBef>
-              <a:buClr>
-                <a:srgbClr val="000000"/>
-              </a:buClr>
-              <a:buFont typeface="Arial"/>
-              <a:buChar char="•"/>
-            </a:pPr>
+              <a:t>	Verwerfen von Verben im Trainingsvokabular</a:t>
+            </a:r>
             <a:endParaRPr lang="de-DE" sz="2000" b="0" strike="noStrike" spc="-1" dirty="0">
               <a:latin typeface="Arial"/>
             </a:endParaRPr>
@@ -24302,10 +23998,10 @@
       </p:sp>
       <p:sp>
         <p:nvSpPr>
-          <p:cNvPr id="9" name="Rechteck: abgerundete Ecken 8">
+          <p:cNvPr id="5" name="Rechteck: abgerundete Ecken 4">
             <a:extLst>
               <a:ext uri="{FF2B5EF4-FFF2-40B4-BE49-F238E27FC236}">
-                <a16:creationId xmlns:a16="http://schemas.microsoft.com/office/drawing/2014/main" id="{EEEE4A75-BFD6-EFF1-8946-0AC7F558EDCE}"/>
+                <a16:creationId xmlns:a16="http://schemas.microsoft.com/office/drawing/2014/main" id="{E6916C2C-D165-B1DF-8CCE-E8A530B73D5C}"/>
               </a:ext>
             </a:extLst>
           </p:cNvPr>
@@ -24314,19 +24010,17 @@
         </p:nvSpPr>
         <p:spPr>
           <a:xfrm>
-            <a:off x="2780538" y="2804964"/>
-            <a:ext cx="1085563" cy="469181"/>
+            <a:off x="3091992" y="3280528"/>
+            <a:ext cx="1253765" cy="273377"/>
           </a:xfrm>
           <a:prstGeom prst="roundRect">
             <a:avLst/>
           </a:prstGeom>
-          <a:solidFill>
-            <a:srgbClr val="2894FF">
-              <a:alpha val="36863"/>
-            </a:srgbClr>
-          </a:solidFill>
+          <a:noFill/>
           <a:ln>
-            <a:noFill/>
+            <a:solidFill>
+              <a:srgbClr val="FF0000"/>
+            </a:solidFill>
           </a:ln>
         </p:spPr>
         <p:style>
@@ -24356,10 +24050,10 @@
       </p:sp>
       <p:sp>
         <p:nvSpPr>
-          <p:cNvPr id="10" name="Rechteck: abgerundete Ecken 9">
+          <p:cNvPr id="6" name="Rechteck: abgerundete Ecken 5">
             <a:extLst>
               <a:ext uri="{FF2B5EF4-FFF2-40B4-BE49-F238E27FC236}">
-                <a16:creationId xmlns:a16="http://schemas.microsoft.com/office/drawing/2014/main" id="{5C3180AA-CFD3-48A2-E0B5-C142D1BE4B16}"/>
+                <a16:creationId xmlns:a16="http://schemas.microsoft.com/office/drawing/2014/main" id="{E4579697-72DA-4014-B8D9-DEFA4B69DE34}"/>
               </a:ext>
             </a:extLst>
           </p:cNvPr>
@@ -24368,18 +24062,16 @@
         </p:nvSpPr>
         <p:spPr>
           <a:xfrm>
-            <a:off x="6353666" y="2779728"/>
-            <a:ext cx="791852" cy="469181"/>
+            <a:off x="605346" y="3301738"/>
+            <a:ext cx="1085563" cy="273377"/>
           </a:xfrm>
           <a:prstGeom prst="roundRect">
             <a:avLst/>
           </a:prstGeom>
           <a:solidFill>
-            <a:schemeClr val="accent3">
-              <a:lumMod val="60000"/>
-              <a:lumOff val="40000"/>
+            <a:srgbClr val="2894FF">
               <a:alpha val="36863"/>
-            </a:schemeClr>
+            </a:srgbClr>
           </a:solidFill>
           <a:ln>
             <a:noFill/>
@@ -24412,10 +24104,10 @@
       </p:sp>
       <p:sp>
         <p:nvSpPr>
-          <p:cNvPr id="11" name="Rechteck: abgerundete Ecken 10">
+          <p:cNvPr id="7" name="Rechteck: abgerundete Ecken 6">
             <a:extLst>
               <a:ext uri="{FF2B5EF4-FFF2-40B4-BE49-F238E27FC236}">
-                <a16:creationId xmlns:a16="http://schemas.microsoft.com/office/drawing/2014/main" id="{1DD50B32-76BA-ACEC-BD95-39170052C41F}"/>
+                <a16:creationId xmlns:a16="http://schemas.microsoft.com/office/drawing/2014/main" id="{DDA0D74C-804E-B8F9-E626-227C46A47806}"/>
               </a:ext>
             </a:extLst>
           </p:cNvPr>
@@ -24424,18 +24116,16 @@
         </p:nvSpPr>
         <p:spPr>
           <a:xfrm>
-            <a:off x="8690840" y="2811578"/>
-            <a:ext cx="3002017" cy="469181"/>
+            <a:off x="602705" y="4054327"/>
+            <a:ext cx="1085563" cy="395125"/>
           </a:xfrm>
           <a:prstGeom prst="roundRect">
             <a:avLst/>
           </a:prstGeom>
           <a:solidFill>
-            <a:schemeClr val="accent3">
-              <a:lumMod val="60000"/>
-              <a:lumOff val="40000"/>
+            <a:srgbClr val="2894FF">
               <a:alpha val="36863"/>
-            </a:schemeClr>
+            </a:srgbClr>
           </a:solidFill>
           <a:ln>
             <a:noFill/>
@@ -24466,444 +24156,7 @@
           </a:p>
         </p:txBody>
       </p:sp>
-      <p:sp>
-        <p:nvSpPr>
-          <p:cNvPr id="12" name="Rechteck: abgerundete Ecken 11">
-            <a:extLst>
-              <a:ext uri="{FF2B5EF4-FFF2-40B4-BE49-F238E27FC236}">
-                <a16:creationId xmlns:a16="http://schemas.microsoft.com/office/drawing/2014/main" id="{9B32EE3F-C473-D503-0007-ADEA5A4DD49C}"/>
-              </a:ext>
-            </a:extLst>
-          </p:cNvPr>
-          <p:cNvSpPr/>
-          <p:nvPr/>
-        </p:nvSpPr>
-        <p:spPr>
-          <a:xfrm>
-            <a:off x="4083377" y="2811577"/>
-            <a:ext cx="791852" cy="469181"/>
-          </a:xfrm>
-          <a:prstGeom prst="roundRect">
-            <a:avLst/>
-          </a:prstGeom>
-          <a:solidFill>
-            <a:srgbClr val="92D050">
-              <a:alpha val="36863"/>
-            </a:srgbClr>
-          </a:solidFill>
-          <a:ln>
-            <a:noFill/>
-          </a:ln>
-        </p:spPr>
-        <p:style>
-          <a:lnRef idx="2">
-            <a:schemeClr val="accent1">
-              <a:shade val="50000"/>
-            </a:schemeClr>
-          </a:lnRef>
-          <a:fillRef idx="1">
-            <a:schemeClr val="accent1"/>
-          </a:fillRef>
-          <a:effectRef idx="0">
-            <a:schemeClr val="accent1"/>
-          </a:effectRef>
-          <a:fontRef idx="minor">
-            <a:schemeClr val="lt1"/>
-          </a:fontRef>
-        </p:style>
-        <p:txBody>
-          <a:bodyPr rtlCol="0" anchor="ctr"/>
-          <a:lstStyle/>
-          <a:p>
-            <a:pPr algn="ctr"/>
-            <a:endParaRPr lang="de-DE"/>
-          </a:p>
-        </p:txBody>
-      </p:sp>
-      <p:sp>
-        <p:nvSpPr>
-          <p:cNvPr id="13" name="Rechteck: abgerundete Ecken 12">
-            <a:extLst>
-              <a:ext uri="{FF2B5EF4-FFF2-40B4-BE49-F238E27FC236}">
-                <a16:creationId xmlns:a16="http://schemas.microsoft.com/office/drawing/2014/main" id="{72D3820B-7147-56AA-04B3-A6E34B51FEEB}"/>
-              </a:ext>
-            </a:extLst>
-          </p:cNvPr>
-          <p:cNvSpPr/>
-          <p:nvPr/>
-        </p:nvSpPr>
-        <p:spPr>
-          <a:xfrm>
-            <a:off x="7522253" y="2804963"/>
-            <a:ext cx="791852" cy="469181"/>
-          </a:xfrm>
-          <a:prstGeom prst="roundRect">
-            <a:avLst/>
-          </a:prstGeom>
-          <a:solidFill>
-            <a:srgbClr val="92D050">
-              <a:alpha val="36863"/>
-            </a:srgbClr>
-          </a:solidFill>
-          <a:ln>
-            <a:noFill/>
-          </a:ln>
-        </p:spPr>
-        <p:style>
-          <a:lnRef idx="2">
-            <a:schemeClr val="accent1">
-              <a:shade val="50000"/>
-            </a:schemeClr>
-          </a:lnRef>
-          <a:fillRef idx="1">
-            <a:schemeClr val="accent1"/>
-          </a:fillRef>
-          <a:effectRef idx="0">
-            <a:schemeClr val="accent1"/>
-          </a:effectRef>
-          <a:fontRef idx="minor">
-            <a:schemeClr val="lt1"/>
-          </a:fontRef>
-        </p:style>
-        <p:txBody>
-          <a:bodyPr rtlCol="0" anchor="ctr"/>
-          <a:lstStyle/>
-          <a:p>
-            <a:pPr algn="ctr"/>
-            <a:endParaRPr lang="de-DE"/>
-          </a:p>
-        </p:txBody>
-      </p:sp>
-      <p:sp>
-        <p:nvSpPr>
-          <p:cNvPr id="14" name="Rechteck: abgerundete Ecken 13">
-            <a:extLst>
-              <a:ext uri="{FF2B5EF4-FFF2-40B4-BE49-F238E27FC236}">
-                <a16:creationId xmlns:a16="http://schemas.microsoft.com/office/drawing/2014/main" id="{F838EC1D-2FAC-5A76-4FFC-D5DE98CACE29}"/>
-              </a:ext>
-            </a:extLst>
-          </p:cNvPr>
-          <p:cNvSpPr/>
-          <p:nvPr/>
-        </p:nvSpPr>
-        <p:spPr>
-          <a:xfrm>
-            <a:off x="3696878" y="2096331"/>
-            <a:ext cx="395926" cy="391828"/>
-          </a:xfrm>
-          <a:prstGeom prst="roundRect">
-            <a:avLst/>
-          </a:prstGeom>
-          <a:solidFill>
-            <a:srgbClr val="FFFF00">
-              <a:alpha val="36863"/>
-            </a:srgbClr>
-          </a:solidFill>
-          <a:ln>
-            <a:noFill/>
-          </a:ln>
-        </p:spPr>
-        <p:style>
-          <a:lnRef idx="2">
-            <a:schemeClr val="accent1">
-              <a:shade val="50000"/>
-            </a:schemeClr>
-          </a:lnRef>
-          <a:fillRef idx="1">
-            <a:schemeClr val="accent1"/>
-          </a:fillRef>
-          <a:effectRef idx="0">
-            <a:schemeClr val="accent1"/>
-          </a:effectRef>
-          <a:fontRef idx="minor">
-            <a:schemeClr val="lt1"/>
-          </a:fontRef>
-        </p:style>
-        <p:txBody>
-          <a:bodyPr rtlCol="0" anchor="ctr"/>
-          <a:lstStyle/>
-          <a:p>
-            <a:pPr algn="ctr"/>
-            <a:endParaRPr lang="de-DE"/>
-          </a:p>
-        </p:txBody>
-      </p:sp>
-      <p:sp>
-        <p:nvSpPr>
-          <p:cNvPr id="15" name="Rechteck: abgerundete Ecken 14">
-            <a:extLst>
-              <a:ext uri="{FF2B5EF4-FFF2-40B4-BE49-F238E27FC236}">
-                <a16:creationId xmlns:a16="http://schemas.microsoft.com/office/drawing/2014/main" id="{CDA15417-A3A5-1EA2-3AF6-26C816C5D89D}"/>
-              </a:ext>
-            </a:extLst>
-          </p:cNvPr>
-          <p:cNvSpPr/>
-          <p:nvPr/>
-        </p:nvSpPr>
-        <p:spPr>
-          <a:xfrm>
-            <a:off x="5451834" y="1659252"/>
-            <a:ext cx="395926" cy="391828"/>
-          </a:xfrm>
-          <a:prstGeom prst="roundRect">
-            <a:avLst/>
-          </a:prstGeom>
-          <a:solidFill>
-            <a:srgbClr val="FFFF00">
-              <a:alpha val="36863"/>
-            </a:srgbClr>
-          </a:solidFill>
-          <a:ln>
-            <a:noFill/>
-          </a:ln>
-        </p:spPr>
-        <p:style>
-          <a:lnRef idx="2">
-            <a:schemeClr val="accent1">
-              <a:shade val="50000"/>
-            </a:schemeClr>
-          </a:lnRef>
-          <a:fillRef idx="1">
-            <a:schemeClr val="accent1"/>
-          </a:fillRef>
-          <a:effectRef idx="0">
-            <a:schemeClr val="accent1"/>
-          </a:effectRef>
-          <a:fontRef idx="minor">
-            <a:schemeClr val="lt1"/>
-          </a:fontRef>
-        </p:style>
-        <p:txBody>
-          <a:bodyPr rtlCol="0" anchor="ctr"/>
-          <a:lstStyle/>
-          <a:p>
-            <a:pPr algn="ctr"/>
-            <a:endParaRPr lang="de-DE"/>
-          </a:p>
-        </p:txBody>
-      </p:sp>
-      <p:sp>
-        <p:nvSpPr>
-          <p:cNvPr id="16" name="Rechteck: abgerundete Ecken 15">
-            <a:extLst>
-              <a:ext uri="{FF2B5EF4-FFF2-40B4-BE49-F238E27FC236}">
-                <a16:creationId xmlns:a16="http://schemas.microsoft.com/office/drawing/2014/main" id="{DC754FFA-F1D7-94AF-2981-97BD1A0E8A15}"/>
-              </a:ext>
-            </a:extLst>
-          </p:cNvPr>
-          <p:cNvSpPr/>
-          <p:nvPr/>
-        </p:nvSpPr>
-        <p:spPr>
-          <a:xfrm>
-            <a:off x="5502109" y="1224697"/>
-            <a:ext cx="395926" cy="391828"/>
-          </a:xfrm>
-          <a:prstGeom prst="roundRect">
-            <a:avLst/>
-          </a:prstGeom>
-          <a:solidFill>
-            <a:srgbClr val="FFFF00">
-              <a:alpha val="36863"/>
-            </a:srgbClr>
-          </a:solidFill>
-          <a:ln>
-            <a:noFill/>
-          </a:ln>
-        </p:spPr>
-        <p:style>
-          <a:lnRef idx="2">
-            <a:schemeClr val="accent1">
-              <a:shade val="50000"/>
-            </a:schemeClr>
-          </a:lnRef>
-          <a:fillRef idx="1">
-            <a:schemeClr val="accent1"/>
-          </a:fillRef>
-          <a:effectRef idx="0">
-            <a:schemeClr val="accent1"/>
-          </a:effectRef>
-          <a:fontRef idx="minor">
-            <a:schemeClr val="lt1"/>
-          </a:fontRef>
-        </p:style>
-        <p:txBody>
-          <a:bodyPr rtlCol="0" anchor="ctr"/>
-          <a:lstStyle/>
-          <a:p>
-            <a:pPr algn="ctr"/>
-            <a:endParaRPr lang="de-DE"/>
-          </a:p>
-        </p:txBody>
-      </p:sp>
-      <p:sp>
-        <p:nvSpPr>
-          <p:cNvPr id="17" name="Rechteck: abgerundete Ecken 16">
-            <a:extLst>
-              <a:ext uri="{FF2B5EF4-FFF2-40B4-BE49-F238E27FC236}">
-                <a16:creationId xmlns:a16="http://schemas.microsoft.com/office/drawing/2014/main" id="{B8F26D29-14F4-19F5-9619-000FD370F0BF}"/>
-              </a:ext>
-            </a:extLst>
-          </p:cNvPr>
-          <p:cNvSpPr/>
-          <p:nvPr/>
-        </p:nvSpPr>
-        <p:spPr>
-          <a:xfrm>
-            <a:off x="8361240" y="2110175"/>
-            <a:ext cx="395926" cy="391828"/>
-          </a:xfrm>
-          <a:prstGeom prst="roundRect">
-            <a:avLst/>
-          </a:prstGeom>
-          <a:solidFill>
-            <a:srgbClr val="FFFF00">
-              <a:alpha val="36863"/>
-            </a:srgbClr>
-          </a:solidFill>
-          <a:ln>
-            <a:noFill/>
-          </a:ln>
-        </p:spPr>
-        <p:style>
-          <a:lnRef idx="2">
-            <a:schemeClr val="accent1">
-              <a:shade val="50000"/>
-            </a:schemeClr>
-          </a:lnRef>
-          <a:fillRef idx="1">
-            <a:schemeClr val="accent1"/>
-          </a:fillRef>
-          <a:effectRef idx="0">
-            <a:schemeClr val="accent1"/>
-          </a:effectRef>
-          <a:fontRef idx="minor">
-            <a:schemeClr val="lt1"/>
-          </a:fontRef>
-        </p:style>
-        <p:txBody>
-          <a:bodyPr rtlCol="0" anchor="ctr"/>
-          <a:lstStyle/>
-          <a:p>
-            <a:pPr algn="ctr"/>
-            <a:endParaRPr lang="de-DE"/>
-          </a:p>
-        </p:txBody>
-      </p:sp>
-      <p:sp>
-        <p:nvSpPr>
-          <p:cNvPr id="18" name="Rechteck: abgerundete Ecken 17">
-            <a:extLst>
-              <a:ext uri="{FF2B5EF4-FFF2-40B4-BE49-F238E27FC236}">
-                <a16:creationId xmlns:a16="http://schemas.microsoft.com/office/drawing/2014/main" id="{85DB341B-23E8-3752-C42D-E11B171E0014}"/>
-              </a:ext>
-            </a:extLst>
-          </p:cNvPr>
-          <p:cNvSpPr/>
-          <p:nvPr/>
-        </p:nvSpPr>
-        <p:spPr>
-          <a:xfrm>
-            <a:off x="9531735" y="2110175"/>
-            <a:ext cx="395926" cy="391828"/>
-          </a:xfrm>
-          <a:prstGeom prst="roundRect">
-            <a:avLst/>
-          </a:prstGeom>
-          <a:solidFill>
-            <a:srgbClr val="FFFF00">
-              <a:alpha val="36863"/>
-            </a:srgbClr>
-          </a:solidFill>
-          <a:ln>
-            <a:noFill/>
-          </a:ln>
-        </p:spPr>
-        <p:style>
-          <a:lnRef idx="2">
-            <a:schemeClr val="accent1">
-              <a:shade val="50000"/>
-            </a:schemeClr>
-          </a:lnRef>
-          <a:fillRef idx="1">
-            <a:schemeClr val="accent1"/>
-          </a:fillRef>
-          <a:effectRef idx="0">
-            <a:schemeClr val="accent1"/>
-          </a:effectRef>
-          <a:fontRef idx="minor">
-            <a:schemeClr val="lt1"/>
-          </a:fontRef>
-        </p:style>
-        <p:txBody>
-          <a:bodyPr rtlCol="0" anchor="ctr"/>
-          <a:lstStyle/>
-          <a:p>
-            <a:pPr algn="ctr"/>
-            <a:endParaRPr lang="de-DE"/>
-          </a:p>
-        </p:txBody>
-      </p:sp>
-      <p:sp>
-        <p:nvSpPr>
-          <p:cNvPr id="19" name="Rechteck: abgerundete Ecken 18">
-            <a:extLst>
-              <a:ext uri="{FF2B5EF4-FFF2-40B4-BE49-F238E27FC236}">
-                <a16:creationId xmlns:a16="http://schemas.microsoft.com/office/drawing/2014/main" id="{187CCF0C-DD49-9427-8461-63BF19383027}"/>
-              </a:ext>
-            </a:extLst>
-          </p:cNvPr>
-          <p:cNvSpPr/>
-          <p:nvPr/>
-        </p:nvSpPr>
-        <p:spPr>
-          <a:xfrm>
-            <a:off x="10702230" y="2084850"/>
-            <a:ext cx="395926" cy="391828"/>
-          </a:xfrm>
-          <a:prstGeom prst="roundRect">
-            <a:avLst/>
-          </a:prstGeom>
-          <a:solidFill>
-            <a:srgbClr val="FFFF00">
-              <a:alpha val="36863"/>
-            </a:srgbClr>
-          </a:solidFill>
-          <a:ln>
-            <a:noFill/>
-          </a:ln>
-        </p:spPr>
-        <p:style>
-          <a:lnRef idx="2">
-            <a:schemeClr val="accent1">
-              <a:shade val="50000"/>
-            </a:schemeClr>
-          </a:lnRef>
-          <a:fillRef idx="1">
-            <a:schemeClr val="accent1"/>
-          </a:fillRef>
-          <a:effectRef idx="0">
-            <a:schemeClr val="accent1"/>
-          </a:effectRef>
-          <a:fontRef idx="minor">
-            <a:schemeClr val="lt1"/>
-          </a:fontRef>
-        </p:style>
-        <p:txBody>
-          <a:bodyPr rtlCol="0" anchor="ctr"/>
-          <a:lstStyle/>
-          <a:p>
-            <a:pPr algn="ctr"/>
-            <a:endParaRPr lang="de-DE"/>
-          </a:p>
-        </p:txBody>
-      </p:sp>
     </p:spTree>
-    <p:extLst>
-      <p:ext uri="{BB962C8B-B14F-4D97-AF65-F5344CB8AC3E}">
-        <p14:creationId xmlns:p14="http://schemas.microsoft.com/office/powerpoint/2010/main" val="824771449"/>
-      </p:ext>
-    </p:extLst>
   </p:cSld>
   <p:clrMapOvr>
     <a:masterClrMapping/>
@@ -24930,7 +24183,7 @@
       </p:grpSpPr>
       <p:sp>
         <p:nvSpPr>
-          <p:cNvPr id="495" name="CustomShape 1"/>
+          <p:cNvPr id="484" name="CustomShape 1"/>
           <p:cNvSpPr/>
           <p:nvPr/>
         </p:nvSpPr>
@@ -24988,7 +24241,7 @@
       </p:sp>
       <p:sp>
         <p:nvSpPr>
-          <p:cNvPr id="496" name="CustomShape 2"/>
+          <p:cNvPr id="485" name="CustomShape 2"/>
           <p:cNvSpPr/>
           <p:nvPr/>
         </p:nvSpPr>
@@ -25028,7 +24281,7 @@
                 <a:spcPct val="100000"/>
               </a:lnSpc>
             </a:pPr>
-            <a:fld id="{9017C629-8782-4824-AFB1-587CD011E94F}" type="slidenum">
+            <a:fld id="{1326F724-8D27-452E-9454-661467954284}" type="slidenum">
               <a:rPr lang="de-DE" sz="900" b="1" strike="noStrike" spc="-1">
                 <a:solidFill>
                   <a:srgbClr val="5073A5"/>
@@ -25046,7 +24299,7 @@
       </p:sp>
       <p:sp>
         <p:nvSpPr>
-          <p:cNvPr id="497" name="CustomShape 3"/>
+          <p:cNvPr id="486" name="CustomShape 3"/>
           <p:cNvSpPr/>
           <p:nvPr/>
         </p:nvSpPr>
@@ -25087,22 +24340,848 @@
               </a:lnSpc>
             </a:pPr>
             <a:r>
-              <a:rPr lang="de-DE" sz="2200" b="1" strike="noStrike" spc="-1">
+              <a:rPr lang="de-DE" sz="2200" b="1" spc="-1" dirty="0">
                 <a:solidFill>
                   <a:srgbClr val="5073A5"/>
                 </a:solidFill>
                 <a:latin typeface="Frutiger LT Com 45 Light"/>
-                <a:ea typeface="DejaVu Sans"/>
-              </a:rPr>
-              <a:t>Zusammenfassung</a:t>
-            </a:r>
-            <a:endParaRPr lang="de-DE" sz="2200" b="0" strike="noStrike" spc="-1">
-              <a:latin typeface="Arial"/>
-            </a:endParaRPr>
+              </a:rPr>
+              <a:t>Ausblick / Verbesserungspotential</a:t>
+            </a:r>
+            <a:endParaRPr lang="de-DE" sz="2200" b="0" strike="noStrike" spc="-1" dirty="0">
+              <a:latin typeface="Arial"/>
+            </a:endParaRPr>
+          </a:p>
+        </p:txBody>
+      </p:sp>
+      <p:pic>
+        <p:nvPicPr>
+          <p:cNvPr id="5" name="Grafik 4">
+            <a:extLst>
+              <a:ext uri="{FF2B5EF4-FFF2-40B4-BE49-F238E27FC236}">
+                <a16:creationId xmlns:a16="http://schemas.microsoft.com/office/drawing/2014/main" id="{1773B254-705C-2C3C-351E-EA7F0154E5A6}"/>
+              </a:ext>
+            </a:extLst>
+          </p:cNvPr>
+          <p:cNvPicPr>
+            <a:picLocks noChangeAspect="1"/>
+          </p:cNvPicPr>
+          <p:nvPr/>
+        </p:nvPicPr>
+        <p:blipFill>
+          <a:blip r:embed="rId2"/>
+          <a:stretch>
+            <a:fillRect/>
+          </a:stretch>
+        </p:blipFill>
+        <p:spPr>
+          <a:xfrm>
+            <a:off x="720000" y="3583855"/>
+            <a:ext cx="5206640" cy="2464585"/>
+          </a:xfrm>
+          <a:prstGeom prst="rect">
+            <a:avLst/>
+          </a:prstGeom>
+        </p:spPr>
+      </p:pic>
+      <p:pic>
+        <p:nvPicPr>
+          <p:cNvPr id="7" name="Grafik 6">
+            <a:extLst>
+              <a:ext uri="{FF2B5EF4-FFF2-40B4-BE49-F238E27FC236}">
+                <a16:creationId xmlns:a16="http://schemas.microsoft.com/office/drawing/2014/main" id="{6E8D5217-CC9E-07C8-7967-38C41CB5CFA6}"/>
+              </a:ext>
+            </a:extLst>
+          </p:cNvPr>
+          <p:cNvPicPr>
+            <a:picLocks noChangeAspect="1"/>
+          </p:cNvPicPr>
+          <p:nvPr/>
+        </p:nvPicPr>
+        <p:blipFill>
+          <a:blip r:embed="rId3"/>
+          <a:stretch>
+            <a:fillRect/>
+          </a:stretch>
+        </p:blipFill>
+        <p:spPr>
+          <a:xfrm>
+            <a:off x="720000" y="1299160"/>
+            <a:ext cx="10938892" cy="1974985"/>
+          </a:xfrm>
+          <a:prstGeom prst="rect">
+            <a:avLst/>
+          </a:prstGeom>
+        </p:spPr>
+      </p:pic>
+      <p:sp>
+        <p:nvSpPr>
+          <p:cNvPr id="8" name="CustomShape 4">
+            <a:extLst>
+              <a:ext uri="{FF2B5EF4-FFF2-40B4-BE49-F238E27FC236}">
+                <a16:creationId xmlns:a16="http://schemas.microsoft.com/office/drawing/2014/main" id="{E917D8CE-E050-F688-27F0-979AF0BD4B54}"/>
+              </a:ext>
+            </a:extLst>
+          </p:cNvPr>
+          <p:cNvSpPr/>
+          <p:nvPr/>
+        </p:nvSpPr>
+        <p:spPr>
+          <a:xfrm>
+            <a:off x="6452254" y="3943945"/>
+            <a:ext cx="5206638" cy="1744403"/>
+          </a:xfrm>
+          <a:prstGeom prst="rect">
+            <a:avLst/>
+          </a:prstGeom>
+          <a:noFill/>
+          <a:ln w="0">
+            <a:noFill/>
+          </a:ln>
+        </p:spPr>
+        <p:style>
+          <a:lnRef idx="0">
+            <a:scrgbClr r="0" g="0" b="0"/>
+          </a:lnRef>
+          <a:fillRef idx="0">
+            <a:scrgbClr r="0" g="0" b="0"/>
+          </a:fillRef>
+          <a:effectRef idx="0">
+            <a:scrgbClr r="0" g="0" b="0"/>
+          </a:effectRef>
+          <a:fontRef idx="minor"/>
+        </p:style>
+        <p:txBody>
+          <a:bodyPr lIns="90000" tIns="45000" rIns="90000" bIns="45000">
+            <a:noAutofit/>
+          </a:bodyPr>
+          <a:lstStyle/>
+          <a:p>
+            <a:pPr marL="285840" indent="-285120">
+              <a:lnSpc>
+                <a:spcPct val="100000"/>
+              </a:lnSpc>
+              <a:spcBef>
+                <a:spcPts val="1800"/>
+              </a:spcBef>
+              <a:buClr>
+                <a:srgbClr val="000000"/>
+              </a:buClr>
+              <a:buFont typeface="Arial"/>
+              <a:buChar char="•"/>
+            </a:pPr>
+            <a:r>
+              <a:rPr lang="de-DE" sz="2000" b="1" spc="-1" dirty="0">
+                <a:solidFill>
+                  <a:srgbClr val="000000"/>
+                </a:solidFill>
+                <a:latin typeface="Frutiger LT Com 45 Light"/>
+              </a:rPr>
+              <a:t>Problem:</a:t>
+            </a:r>
+            <a:r>
+              <a:rPr lang="de-DE" sz="2000" spc="-1" dirty="0">
+                <a:solidFill>
+                  <a:srgbClr val="000000"/>
+                </a:solidFill>
+                <a:latin typeface="Frutiger LT Com 45 Light"/>
+              </a:rPr>
+              <a:t> Bedeutung von Sätzen wird nicht erkannt.</a:t>
+            </a:r>
+          </a:p>
+          <a:p>
+            <a:pPr marL="285840" indent="-285120">
+              <a:lnSpc>
+                <a:spcPct val="100000"/>
+              </a:lnSpc>
+              <a:spcBef>
+                <a:spcPts val="1800"/>
+              </a:spcBef>
+              <a:buClr>
+                <a:srgbClr val="000000"/>
+              </a:buClr>
+              <a:buFont typeface="Arial"/>
+              <a:buChar char="•"/>
+            </a:pPr>
+            <a:r>
+              <a:rPr lang="de-DE" sz="2000" b="1" spc="-1" dirty="0">
+                <a:solidFill>
+                  <a:srgbClr val="000000"/>
+                </a:solidFill>
+                <a:latin typeface="Frutiger LT Com 45 Light"/>
+              </a:rPr>
+              <a:t>Lösungsansatz:</a:t>
+            </a:r>
+            <a:r>
+              <a:rPr lang="de-DE" sz="2000" spc="-1" dirty="0">
+                <a:solidFill>
+                  <a:srgbClr val="000000"/>
+                </a:solidFill>
+                <a:latin typeface="Frutiger LT Com 45 Light"/>
+              </a:rPr>
+              <a:t> Suche nach typischen </a:t>
+            </a:r>
+            <a:r>
+              <a:rPr lang="de-DE" sz="2000" spc="-1" dirty="0" err="1">
+                <a:solidFill>
+                  <a:srgbClr val="000000"/>
+                </a:solidFill>
+                <a:latin typeface="Frutiger LT Com 45 Light"/>
+              </a:rPr>
+              <a:t>Satzkonstrukten</a:t>
+            </a:r>
+            <a:r>
+              <a:rPr lang="de-DE" sz="2000" spc="-1" dirty="0">
+                <a:solidFill>
+                  <a:srgbClr val="000000"/>
+                </a:solidFill>
+                <a:latin typeface="Frutiger LT Com 45 Light"/>
+              </a:rPr>
+              <a:t> mittels </a:t>
+            </a:r>
+            <a:r>
+              <a:rPr lang="de-DE" sz="2000" i="1" spc="-1" dirty="0" err="1">
+                <a:solidFill>
+                  <a:srgbClr val="000000"/>
+                </a:solidFill>
+                <a:latin typeface="Frutiger LT Com 45 Light"/>
+              </a:rPr>
+              <a:t>Dependency</a:t>
+            </a:r>
+            <a:r>
+              <a:rPr lang="de-DE" sz="2000" i="1" spc="-1" dirty="0">
+                <a:solidFill>
+                  <a:srgbClr val="000000"/>
+                </a:solidFill>
+                <a:latin typeface="Frutiger LT Com 45 Light"/>
+              </a:rPr>
+              <a:t> Parser</a:t>
+            </a:r>
+          </a:p>
+          <a:p>
+            <a:pPr marL="285840" indent="-285120">
+              <a:lnSpc>
+                <a:spcPct val="100000"/>
+              </a:lnSpc>
+              <a:spcBef>
+                <a:spcPts val="1800"/>
+              </a:spcBef>
+              <a:buClr>
+                <a:srgbClr val="000000"/>
+              </a:buClr>
+              <a:buFont typeface="Arial"/>
+              <a:buChar char="•"/>
+            </a:pPr>
+            <a:endParaRPr lang="de-DE" sz="2000" b="0" strike="noStrike" spc="-1" dirty="0">
+              <a:latin typeface="Arial"/>
+            </a:endParaRPr>
+          </a:p>
+        </p:txBody>
+      </p:sp>
+      <p:sp>
+        <p:nvSpPr>
+          <p:cNvPr id="9" name="Rechteck: abgerundete Ecken 8">
+            <a:extLst>
+              <a:ext uri="{FF2B5EF4-FFF2-40B4-BE49-F238E27FC236}">
+                <a16:creationId xmlns:a16="http://schemas.microsoft.com/office/drawing/2014/main" id="{EEEE4A75-BFD6-EFF1-8946-0AC7F558EDCE}"/>
+              </a:ext>
+            </a:extLst>
+          </p:cNvPr>
+          <p:cNvSpPr/>
+          <p:nvPr/>
+        </p:nvSpPr>
+        <p:spPr>
+          <a:xfrm>
+            <a:off x="2780538" y="2804964"/>
+            <a:ext cx="1085563" cy="469181"/>
+          </a:xfrm>
+          <a:prstGeom prst="roundRect">
+            <a:avLst/>
+          </a:prstGeom>
+          <a:solidFill>
+            <a:srgbClr val="2894FF">
+              <a:alpha val="36863"/>
+            </a:srgbClr>
+          </a:solidFill>
+          <a:ln>
+            <a:noFill/>
+          </a:ln>
+        </p:spPr>
+        <p:style>
+          <a:lnRef idx="2">
+            <a:schemeClr val="accent1">
+              <a:shade val="50000"/>
+            </a:schemeClr>
+          </a:lnRef>
+          <a:fillRef idx="1">
+            <a:schemeClr val="accent1"/>
+          </a:fillRef>
+          <a:effectRef idx="0">
+            <a:schemeClr val="accent1"/>
+          </a:effectRef>
+          <a:fontRef idx="minor">
+            <a:schemeClr val="lt1"/>
+          </a:fontRef>
+        </p:style>
+        <p:txBody>
+          <a:bodyPr rtlCol="0" anchor="ctr"/>
+          <a:lstStyle/>
+          <a:p>
+            <a:pPr algn="ctr"/>
+            <a:endParaRPr lang="de-DE"/>
+          </a:p>
+        </p:txBody>
+      </p:sp>
+      <p:sp>
+        <p:nvSpPr>
+          <p:cNvPr id="10" name="Rechteck: abgerundete Ecken 9">
+            <a:extLst>
+              <a:ext uri="{FF2B5EF4-FFF2-40B4-BE49-F238E27FC236}">
+                <a16:creationId xmlns:a16="http://schemas.microsoft.com/office/drawing/2014/main" id="{5C3180AA-CFD3-48A2-E0B5-C142D1BE4B16}"/>
+              </a:ext>
+            </a:extLst>
+          </p:cNvPr>
+          <p:cNvSpPr/>
+          <p:nvPr/>
+        </p:nvSpPr>
+        <p:spPr>
+          <a:xfrm>
+            <a:off x="6353666" y="2779728"/>
+            <a:ext cx="791852" cy="469181"/>
+          </a:xfrm>
+          <a:prstGeom prst="roundRect">
+            <a:avLst/>
+          </a:prstGeom>
+          <a:solidFill>
+            <a:schemeClr val="accent3">
+              <a:lumMod val="60000"/>
+              <a:lumOff val="40000"/>
+              <a:alpha val="36863"/>
+            </a:schemeClr>
+          </a:solidFill>
+          <a:ln>
+            <a:noFill/>
+          </a:ln>
+        </p:spPr>
+        <p:style>
+          <a:lnRef idx="2">
+            <a:schemeClr val="accent1">
+              <a:shade val="50000"/>
+            </a:schemeClr>
+          </a:lnRef>
+          <a:fillRef idx="1">
+            <a:schemeClr val="accent1"/>
+          </a:fillRef>
+          <a:effectRef idx="0">
+            <a:schemeClr val="accent1"/>
+          </a:effectRef>
+          <a:fontRef idx="minor">
+            <a:schemeClr val="lt1"/>
+          </a:fontRef>
+        </p:style>
+        <p:txBody>
+          <a:bodyPr rtlCol="0" anchor="ctr"/>
+          <a:lstStyle/>
+          <a:p>
+            <a:pPr algn="ctr"/>
+            <a:endParaRPr lang="de-DE"/>
+          </a:p>
+        </p:txBody>
+      </p:sp>
+      <p:sp>
+        <p:nvSpPr>
+          <p:cNvPr id="11" name="Rechteck: abgerundete Ecken 10">
+            <a:extLst>
+              <a:ext uri="{FF2B5EF4-FFF2-40B4-BE49-F238E27FC236}">
+                <a16:creationId xmlns:a16="http://schemas.microsoft.com/office/drawing/2014/main" id="{1DD50B32-76BA-ACEC-BD95-39170052C41F}"/>
+              </a:ext>
+            </a:extLst>
+          </p:cNvPr>
+          <p:cNvSpPr/>
+          <p:nvPr/>
+        </p:nvSpPr>
+        <p:spPr>
+          <a:xfrm>
+            <a:off x="8690840" y="2811578"/>
+            <a:ext cx="3002017" cy="469181"/>
+          </a:xfrm>
+          <a:prstGeom prst="roundRect">
+            <a:avLst/>
+          </a:prstGeom>
+          <a:solidFill>
+            <a:schemeClr val="accent3">
+              <a:lumMod val="60000"/>
+              <a:lumOff val="40000"/>
+              <a:alpha val="36863"/>
+            </a:schemeClr>
+          </a:solidFill>
+          <a:ln>
+            <a:noFill/>
+          </a:ln>
+        </p:spPr>
+        <p:style>
+          <a:lnRef idx="2">
+            <a:schemeClr val="accent1">
+              <a:shade val="50000"/>
+            </a:schemeClr>
+          </a:lnRef>
+          <a:fillRef idx="1">
+            <a:schemeClr val="accent1"/>
+          </a:fillRef>
+          <a:effectRef idx="0">
+            <a:schemeClr val="accent1"/>
+          </a:effectRef>
+          <a:fontRef idx="minor">
+            <a:schemeClr val="lt1"/>
+          </a:fontRef>
+        </p:style>
+        <p:txBody>
+          <a:bodyPr rtlCol="0" anchor="ctr"/>
+          <a:lstStyle/>
+          <a:p>
+            <a:pPr algn="ctr"/>
+            <a:endParaRPr lang="de-DE"/>
+          </a:p>
+        </p:txBody>
+      </p:sp>
+      <p:sp>
+        <p:nvSpPr>
+          <p:cNvPr id="12" name="Rechteck: abgerundete Ecken 11">
+            <a:extLst>
+              <a:ext uri="{FF2B5EF4-FFF2-40B4-BE49-F238E27FC236}">
+                <a16:creationId xmlns:a16="http://schemas.microsoft.com/office/drawing/2014/main" id="{9B32EE3F-C473-D503-0007-ADEA5A4DD49C}"/>
+              </a:ext>
+            </a:extLst>
+          </p:cNvPr>
+          <p:cNvSpPr/>
+          <p:nvPr/>
+        </p:nvSpPr>
+        <p:spPr>
+          <a:xfrm>
+            <a:off x="4083377" y="2811577"/>
+            <a:ext cx="791852" cy="469181"/>
+          </a:xfrm>
+          <a:prstGeom prst="roundRect">
+            <a:avLst/>
+          </a:prstGeom>
+          <a:solidFill>
+            <a:srgbClr val="92D050">
+              <a:alpha val="36863"/>
+            </a:srgbClr>
+          </a:solidFill>
+          <a:ln>
+            <a:noFill/>
+          </a:ln>
+        </p:spPr>
+        <p:style>
+          <a:lnRef idx="2">
+            <a:schemeClr val="accent1">
+              <a:shade val="50000"/>
+            </a:schemeClr>
+          </a:lnRef>
+          <a:fillRef idx="1">
+            <a:schemeClr val="accent1"/>
+          </a:fillRef>
+          <a:effectRef idx="0">
+            <a:schemeClr val="accent1"/>
+          </a:effectRef>
+          <a:fontRef idx="minor">
+            <a:schemeClr val="lt1"/>
+          </a:fontRef>
+        </p:style>
+        <p:txBody>
+          <a:bodyPr rtlCol="0" anchor="ctr"/>
+          <a:lstStyle/>
+          <a:p>
+            <a:pPr algn="ctr"/>
+            <a:endParaRPr lang="de-DE"/>
+          </a:p>
+        </p:txBody>
+      </p:sp>
+      <p:sp>
+        <p:nvSpPr>
+          <p:cNvPr id="13" name="Rechteck: abgerundete Ecken 12">
+            <a:extLst>
+              <a:ext uri="{FF2B5EF4-FFF2-40B4-BE49-F238E27FC236}">
+                <a16:creationId xmlns:a16="http://schemas.microsoft.com/office/drawing/2014/main" id="{72D3820B-7147-56AA-04B3-A6E34B51FEEB}"/>
+              </a:ext>
+            </a:extLst>
+          </p:cNvPr>
+          <p:cNvSpPr/>
+          <p:nvPr/>
+        </p:nvSpPr>
+        <p:spPr>
+          <a:xfrm>
+            <a:off x="7522253" y="2804963"/>
+            <a:ext cx="791852" cy="469181"/>
+          </a:xfrm>
+          <a:prstGeom prst="roundRect">
+            <a:avLst/>
+          </a:prstGeom>
+          <a:solidFill>
+            <a:srgbClr val="92D050">
+              <a:alpha val="36863"/>
+            </a:srgbClr>
+          </a:solidFill>
+          <a:ln>
+            <a:noFill/>
+          </a:ln>
+        </p:spPr>
+        <p:style>
+          <a:lnRef idx="2">
+            <a:schemeClr val="accent1">
+              <a:shade val="50000"/>
+            </a:schemeClr>
+          </a:lnRef>
+          <a:fillRef idx="1">
+            <a:schemeClr val="accent1"/>
+          </a:fillRef>
+          <a:effectRef idx="0">
+            <a:schemeClr val="accent1"/>
+          </a:effectRef>
+          <a:fontRef idx="minor">
+            <a:schemeClr val="lt1"/>
+          </a:fontRef>
+        </p:style>
+        <p:txBody>
+          <a:bodyPr rtlCol="0" anchor="ctr"/>
+          <a:lstStyle/>
+          <a:p>
+            <a:pPr algn="ctr"/>
+            <a:endParaRPr lang="de-DE"/>
+          </a:p>
+        </p:txBody>
+      </p:sp>
+      <p:sp>
+        <p:nvSpPr>
+          <p:cNvPr id="14" name="Rechteck: abgerundete Ecken 13">
+            <a:extLst>
+              <a:ext uri="{FF2B5EF4-FFF2-40B4-BE49-F238E27FC236}">
+                <a16:creationId xmlns:a16="http://schemas.microsoft.com/office/drawing/2014/main" id="{F838EC1D-2FAC-5A76-4FFC-D5DE98CACE29}"/>
+              </a:ext>
+            </a:extLst>
+          </p:cNvPr>
+          <p:cNvSpPr/>
+          <p:nvPr/>
+        </p:nvSpPr>
+        <p:spPr>
+          <a:xfrm>
+            <a:off x="3696878" y="2096331"/>
+            <a:ext cx="395926" cy="391828"/>
+          </a:xfrm>
+          <a:prstGeom prst="roundRect">
+            <a:avLst/>
+          </a:prstGeom>
+          <a:solidFill>
+            <a:srgbClr val="FFFF00">
+              <a:alpha val="36863"/>
+            </a:srgbClr>
+          </a:solidFill>
+          <a:ln>
+            <a:noFill/>
+          </a:ln>
+        </p:spPr>
+        <p:style>
+          <a:lnRef idx="2">
+            <a:schemeClr val="accent1">
+              <a:shade val="50000"/>
+            </a:schemeClr>
+          </a:lnRef>
+          <a:fillRef idx="1">
+            <a:schemeClr val="accent1"/>
+          </a:fillRef>
+          <a:effectRef idx="0">
+            <a:schemeClr val="accent1"/>
+          </a:effectRef>
+          <a:fontRef idx="minor">
+            <a:schemeClr val="lt1"/>
+          </a:fontRef>
+        </p:style>
+        <p:txBody>
+          <a:bodyPr rtlCol="0" anchor="ctr"/>
+          <a:lstStyle/>
+          <a:p>
+            <a:pPr algn="ctr"/>
+            <a:endParaRPr lang="de-DE"/>
+          </a:p>
+        </p:txBody>
+      </p:sp>
+      <p:sp>
+        <p:nvSpPr>
+          <p:cNvPr id="15" name="Rechteck: abgerundete Ecken 14">
+            <a:extLst>
+              <a:ext uri="{FF2B5EF4-FFF2-40B4-BE49-F238E27FC236}">
+                <a16:creationId xmlns:a16="http://schemas.microsoft.com/office/drawing/2014/main" id="{CDA15417-A3A5-1EA2-3AF6-26C816C5D89D}"/>
+              </a:ext>
+            </a:extLst>
+          </p:cNvPr>
+          <p:cNvSpPr/>
+          <p:nvPr/>
+        </p:nvSpPr>
+        <p:spPr>
+          <a:xfrm>
+            <a:off x="5451834" y="1659252"/>
+            <a:ext cx="395926" cy="391828"/>
+          </a:xfrm>
+          <a:prstGeom prst="roundRect">
+            <a:avLst/>
+          </a:prstGeom>
+          <a:solidFill>
+            <a:srgbClr val="FFFF00">
+              <a:alpha val="36863"/>
+            </a:srgbClr>
+          </a:solidFill>
+          <a:ln>
+            <a:noFill/>
+          </a:ln>
+        </p:spPr>
+        <p:style>
+          <a:lnRef idx="2">
+            <a:schemeClr val="accent1">
+              <a:shade val="50000"/>
+            </a:schemeClr>
+          </a:lnRef>
+          <a:fillRef idx="1">
+            <a:schemeClr val="accent1"/>
+          </a:fillRef>
+          <a:effectRef idx="0">
+            <a:schemeClr val="accent1"/>
+          </a:effectRef>
+          <a:fontRef idx="minor">
+            <a:schemeClr val="lt1"/>
+          </a:fontRef>
+        </p:style>
+        <p:txBody>
+          <a:bodyPr rtlCol="0" anchor="ctr"/>
+          <a:lstStyle/>
+          <a:p>
+            <a:pPr algn="ctr"/>
+            <a:endParaRPr lang="de-DE"/>
+          </a:p>
+        </p:txBody>
+      </p:sp>
+      <p:sp>
+        <p:nvSpPr>
+          <p:cNvPr id="16" name="Rechteck: abgerundete Ecken 15">
+            <a:extLst>
+              <a:ext uri="{FF2B5EF4-FFF2-40B4-BE49-F238E27FC236}">
+                <a16:creationId xmlns:a16="http://schemas.microsoft.com/office/drawing/2014/main" id="{DC754FFA-F1D7-94AF-2981-97BD1A0E8A15}"/>
+              </a:ext>
+            </a:extLst>
+          </p:cNvPr>
+          <p:cNvSpPr/>
+          <p:nvPr/>
+        </p:nvSpPr>
+        <p:spPr>
+          <a:xfrm>
+            <a:off x="5502109" y="1224697"/>
+            <a:ext cx="395926" cy="391828"/>
+          </a:xfrm>
+          <a:prstGeom prst="roundRect">
+            <a:avLst/>
+          </a:prstGeom>
+          <a:solidFill>
+            <a:srgbClr val="FFFF00">
+              <a:alpha val="36863"/>
+            </a:srgbClr>
+          </a:solidFill>
+          <a:ln>
+            <a:noFill/>
+          </a:ln>
+        </p:spPr>
+        <p:style>
+          <a:lnRef idx="2">
+            <a:schemeClr val="accent1">
+              <a:shade val="50000"/>
+            </a:schemeClr>
+          </a:lnRef>
+          <a:fillRef idx="1">
+            <a:schemeClr val="accent1"/>
+          </a:fillRef>
+          <a:effectRef idx="0">
+            <a:schemeClr val="accent1"/>
+          </a:effectRef>
+          <a:fontRef idx="minor">
+            <a:schemeClr val="lt1"/>
+          </a:fontRef>
+        </p:style>
+        <p:txBody>
+          <a:bodyPr rtlCol="0" anchor="ctr"/>
+          <a:lstStyle/>
+          <a:p>
+            <a:pPr algn="ctr"/>
+            <a:endParaRPr lang="de-DE"/>
+          </a:p>
+        </p:txBody>
+      </p:sp>
+      <p:sp>
+        <p:nvSpPr>
+          <p:cNvPr id="17" name="Rechteck: abgerundete Ecken 16">
+            <a:extLst>
+              <a:ext uri="{FF2B5EF4-FFF2-40B4-BE49-F238E27FC236}">
+                <a16:creationId xmlns:a16="http://schemas.microsoft.com/office/drawing/2014/main" id="{B8F26D29-14F4-19F5-9619-000FD370F0BF}"/>
+              </a:ext>
+            </a:extLst>
+          </p:cNvPr>
+          <p:cNvSpPr/>
+          <p:nvPr/>
+        </p:nvSpPr>
+        <p:spPr>
+          <a:xfrm>
+            <a:off x="8361240" y="2110175"/>
+            <a:ext cx="395926" cy="391828"/>
+          </a:xfrm>
+          <a:prstGeom prst="roundRect">
+            <a:avLst/>
+          </a:prstGeom>
+          <a:solidFill>
+            <a:srgbClr val="FFFF00">
+              <a:alpha val="36863"/>
+            </a:srgbClr>
+          </a:solidFill>
+          <a:ln>
+            <a:noFill/>
+          </a:ln>
+        </p:spPr>
+        <p:style>
+          <a:lnRef idx="2">
+            <a:schemeClr val="accent1">
+              <a:shade val="50000"/>
+            </a:schemeClr>
+          </a:lnRef>
+          <a:fillRef idx="1">
+            <a:schemeClr val="accent1"/>
+          </a:fillRef>
+          <a:effectRef idx="0">
+            <a:schemeClr val="accent1"/>
+          </a:effectRef>
+          <a:fontRef idx="minor">
+            <a:schemeClr val="lt1"/>
+          </a:fontRef>
+        </p:style>
+        <p:txBody>
+          <a:bodyPr rtlCol="0" anchor="ctr"/>
+          <a:lstStyle/>
+          <a:p>
+            <a:pPr algn="ctr"/>
+            <a:endParaRPr lang="de-DE"/>
+          </a:p>
+        </p:txBody>
+      </p:sp>
+      <p:sp>
+        <p:nvSpPr>
+          <p:cNvPr id="18" name="Rechteck: abgerundete Ecken 17">
+            <a:extLst>
+              <a:ext uri="{FF2B5EF4-FFF2-40B4-BE49-F238E27FC236}">
+                <a16:creationId xmlns:a16="http://schemas.microsoft.com/office/drawing/2014/main" id="{85DB341B-23E8-3752-C42D-E11B171E0014}"/>
+              </a:ext>
+            </a:extLst>
+          </p:cNvPr>
+          <p:cNvSpPr/>
+          <p:nvPr/>
+        </p:nvSpPr>
+        <p:spPr>
+          <a:xfrm>
+            <a:off x="9531735" y="2110175"/>
+            <a:ext cx="395926" cy="391828"/>
+          </a:xfrm>
+          <a:prstGeom prst="roundRect">
+            <a:avLst/>
+          </a:prstGeom>
+          <a:solidFill>
+            <a:srgbClr val="FFFF00">
+              <a:alpha val="36863"/>
+            </a:srgbClr>
+          </a:solidFill>
+          <a:ln>
+            <a:noFill/>
+          </a:ln>
+        </p:spPr>
+        <p:style>
+          <a:lnRef idx="2">
+            <a:schemeClr val="accent1">
+              <a:shade val="50000"/>
+            </a:schemeClr>
+          </a:lnRef>
+          <a:fillRef idx="1">
+            <a:schemeClr val="accent1"/>
+          </a:fillRef>
+          <a:effectRef idx="0">
+            <a:schemeClr val="accent1"/>
+          </a:effectRef>
+          <a:fontRef idx="minor">
+            <a:schemeClr val="lt1"/>
+          </a:fontRef>
+        </p:style>
+        <p:txBody>
+          <a:bodyPr rtlCol="0" anchor="ctr"/>
+          <a:lstStyle/>
+          <a:p>
+            <a:pPr algn="ctr"/>
+            <a:endParaRPr lang="de-DE"/>
+          </a:p>
+        </p:txBody>
+      </p:sp>
+      <p:sp>
+        <p:nvSpPr>
+          <p:cNvPr id="19" name="Rechteck: abgerundete Ecken 18">
+            <a:extLst>
+              <a:ext uri="{FF2B5EF4-FFF2-40B4-BE49-F238E27FC236}">
+                <a16:creationId xmlns:a16="http://schemas.microsoft.com/office/drawing/2014/main" id="{187CCF0C-DD49-9427-8461-63BF19383027}"/>
+              </a:ext>
+            </a:extLst>
+          </p:cNvPr>
+          <p:cNvSpPr/>
+          <p:nvPr/>
+        </p:nvSpPr>
+        <p:spPr>
+          <a:xfrm>
+            <a:off x="10702230" y="2084850"/>
+            <a:ext cx="395926" cy="391828"/>
+          </a:xfrm>
+          <a:prstGeom prst="roundRect">
+            <a:avLst/>
+          </a:prstGeom>
+          <a:solidFill>
+            <a:srgbClr val="FFFF00">
+              <a:alpha val="36863"/>
+            </a:srgbClr>
+          </a:solidFill>
+          <a:ln>
+            <a:noFill/>
+          </a:ln>
+        </p:spPr>
+        <p:style>
+          <a:lnRef idx="2">
+            <a:schemeClr val="accent1">
+              <a:shade val="50000"/>
+            </a:schemeClr>
+          </a:lnRef>
+          <a:fillRef idx="1">
+            <a:schemeClr val="accent1"/>
+          </a:fillRef>
+          <a:effectRef idx="0">
+            <a:schemeClr val="accent1"/>
+          </a:effectRef>
+          <a:fontRef idx="minor">
+            <a:schemeClr val="lt1"/>
+          </a:fontRef>
+        </p:style>
+        <p:txBody>
+          <a:bodyPr rtlCol="0" anchor="ctr"/>
+          <a:lstStyle/>
+          <a:p>
+            <a:pPr algn="ctr"/>
+            <a:endParaRPr lang="de-DE"/>
           </a:p>
         </p:txBody>
       </p:sp>
     </p:spTree>
+    <p:extLst>
+      <p:ext uri="{BB962C8B-B14F-4D97-AF65-F5344CB8AC3E}">
+        <p14:creationId xmlns:p14="http://schemas.microsoft.com/office/powerpoint/2010/main" val="824771449"/>
+      </p:ext>
+    </p:extLst>
   </p:cSld>
   <p:clrMapOvr>
     <a:masterClrMapping/>
@@ -25720,7 +25799,123 @@
       </p:grpSpPr>
       <p:sp>
         <p:nvSpPr>
-          <p:cNvPr id="498" name="CustomShape 1"/>
+          <p:cNvPr id="495" name="CustomShape 1"/>
+          <p:cNvSpPr/>
+          <p:nvPr/>
+        </p:nvSpPr>
+        <p:spPr>
+          <a:xfrm>
+            <a:off x="1631520" y="6426000"/>
+            <a:ext cx="7271640" cy="239760"/>
+          </a:xfrm>
+          <a:prstGeom prst="rect">
+            <a:avLst/>
+          </a:prstGeom>
+          <a:noFill/>
+          <a:ln w="0">
+            <a:noFill/>
+          </a:ln>
+        </p:spPr>
+        <p:style>
+          <a:lnRef idx="0">
+            <a:scrgbClr r="0" g="0" b="0"/>
+          </a:lnRef>
+          <a:fillRef idx="0">
+            <a:scrgbClr r="0" g="0" b="0"/>
+          </a:fillRef>
+          <a:effectRef idx="0">
+            <a:scrgbClr r="0" g="0" b="0"/>
+          </a:effectRef>
+          <a:fontRef idx="minor"/>
+        </p:style>
+        <p:txBody>
+          <a:bodyPr lIns="0" tIns="0" rIns="0" bIns="0">
+            <a:noAutofit/>
+          </a:bodyPr>
+          <a:lstStyle/>
+          <a:p>
+            <a:pPr>
+              <a:lnSpc>
+                <a:spcPct val="100000"/>
+              </a:lnSpc>
+            </a:pPr>
+            <a:r>
+              <a:rPr lang="en-US" sz="900" b="0" strike="noStrike" spc="-1">
+                <a:solidFill>
+                  <a:srgbClr val="5073A5"/>
+                </a:solidFill>
+                <a:latin typeface="Frutiger LT Com 45 Light"/>
+                <a:ea typeface="DejaVu Sans"/>
+              </a:rPr>
+              <a:t>Fußzeile</a:t>
+            </a:r>
+            <a:endParaRPr lang="de-DE" sz="900" b="0" strike="noStrike" spc="-1">
+              <a:latin typeface="Arial"/>
+            </a:endParaRPr>
+          </a:p>
+        </p:txBody>
+      </p:sp>
+      <p:sp>
+        <p:nvSpPr>
+          <p:cNvPr id="496" name="CustomShape 2"/>
+          <p:cNvSpPr/>
+          <p:nvPr/>
+        </p:nvSpPr>
+        <p:spPr>
+          <a:xfrm>
+            <a:off x="1055520" y="6426000"/>
+            <a:ext cx="552600" cy="239760"/>
+          </a:xfrm>
+          <a:prstGeom prst="rect">
+            <a:avLst/>
+          </a:prstGeom>
+          <a:noFill/>
+          <a:ln w="0">
+            <a:noFill/>
+          </a:ln>
+        </p:spPr>
+        <p:style>
+          <a:lnRef idx="0">
+            <a:scrgbClr r="0" g="0" b="0"/>
+          </a:lnRef>
+          <a:fillRef idx="0">
+            <a:scrgbClr r="0" g="0" b="0"/>
+          </a:fillRef>
+          <a:effectRef idx="0">
+            <a:scrgbClr r="0" g="0" b="0"/>
+          </a:effectRef>
+          <a:fontRef idx="minor"/>
+        </p:style>
+        <p:txBody>
+          <a:bodyPr lIns="0" tIns="0" rIns="0" bIns="0">
+            <a:noAutofit/>
+          </a:bodyPr>
+          <a:lstStyle/>
+          <a:p>
+            <a:pPr>
+              <a:lnSpc>
+                <a:spcPct val="100000"/>
+              </a:lnSpc>
+            </a:pPr>
+            <a:fld id="{9017C629-8782-4824-AFB1-587CD011E94F}" type="slidenum">
+              <a:rPr lang="de-DE" sz="900" b="1" strike="noStrike" spc="-1">
+                <a:solidFill>
+                  <a:srgbClr val="5073A5"/>
+                </a:solidFill>
+                <a:latin typeface="Frutiger LT Com 45 Light"/>
+                <a:ea typeface="DejaVu Sans"/>
+              </a:rPr>
+              <a:t>20</a:t>
+            </a:fld>
+            <a:endParaRPr lang="de-DE" sz="900" b="0" strike="noStrike" spc="-1">
+              <a:latin typeface="Arial"/>
+            </a:endParaRPr>
+          </a:p>
+        </p:txBody>
+      </p:sp>
+      <p:sp>
+        <p:nvSpPr>
+          <p:cNvPr id="497" name="CustomShape 3"/>
           <p:cNvSpPr/>
           <p:nvPr/>
         </p:nvSpPr>
@@ -25768,532 +25963,19 @@
                 <a:latin typeface="Frutiger LT Com 45 Light"/>
                 <a:ea typeface="DejaVu Sans"/>
               </a:rPr>
-              <a:t>Folie mit Agenda</a:t>
+              <a:t>Zusammenfassung</a:t>
             </a:r>
             <a:endParaRPr lang="de-DE" sz="2200" b="0" strike="noStrike" spc="-1">
               <a:latin typeface="Arial"/>
             </a:endParaRPr>
           </a:p>
         </p:txBody>
-      </p:sp>
-      <p:sp>
-        <p:nvSpPr>
-          <p:cNvPr id="499" name="CustomShape 2"/>
-          <p:cNvSpPr/>
-          <p:nvPr/>
-        </p:nvSpPr>
-        <p:spPr>
-          <a:xfrm>
-            <a:off x="715680" y="1700640"/>
-            <a:ext cx="10803240" cy="4319280"/>
-          </a:xfrm>
-          <a:prstGeom prst="rect">
-            <a:avLst/>
-          </a:prstGeom>
-          <a:noFill/>
-          <a:ln w="0">
-            <a:noFill/>
-          </a:ln>
-        </p:spPr>
-        <p:style>
-          <a:lnRef idx="0">
-            <a:scrgbClr r="0" g="0" b="0"/>
-          </a:lnRef>
-          <a:fillRef idx="0">
-            <a:scrgbClr r="0" g="0" b="0"/>
-          </a:fillRef>
-          <a:effectRef idx="0">
-            <a:scrgbClr r="0" g="0" b="0"/>
-          </a:effectRef>
-          <a:fontRef idx="minor"/>
-        </p:style>
-      </p:sp>
-      <p:sp>
-        <p:nvSpPr>
-          <p:cNvPr id="500" name="CustomShape 3"/>
-          <p:cNvSpPr/>
-          <p:nvPr/>
-        </p:nvSpPr>
-        <p:spPr>
-          <a:xfrm>
-            <a:off x="1631520" y="6426000"/>
-            <a:ext cx="7271640" cy="239760"/>
-          </a:xfrm>
-          <a:prstGeom prst="rect">
-            <a:avLst/>
-          </a:prstGeom>
-          <a:noFill/>
-          <a:ln w="0">
-            <a:noFill/>
-          </a:ln>
-        </p:spPr>
-        <p:style>
-          <a:lnRef idx="0">
-            <a:scrgbClr r="0" g="0" b="0"/>
-          </a:lnRef>
-          <a:fillRef idx="0">
-            <a:scrgbClr r="0" g="0" b="0"/>
-          </a:fillRef>
-          <a:effectRef idx="0">
-            <a:scrgbClr r="0" g="0" b="0"/>
-          </a:effectRef>
-          <a:fontRef idx="minor"/>
-        </p:style>
-        <p:txBody>
-          <a:bodyPr lIns="0" tIns="0" rIns="0" bIns="0">
-            <a:noAutofit/>
-          </a:bodyPr>
-          <a:lstStyle/>
-          <a:p>
-            <a:pPr>
-              <a:lnSpc>
-                <a:spcPct val="100000"/>
-              </a:lnSpc>
-            </a:pPr>
-            <a:r>
-              <a:rPr lang="en-US" sz="900" b="0" strike="noStrike" spc="-1">
-                <a:solidFill>
-                  <a:srgbClr val="5073A5"/>
-                </a:solidFill>
-                <a:latin typeface="Frutiger LT Com 45 Light"/>
-                <a:ea typeface="DejaVu Sans"/>
-              </a:rPr>
-              <a:t>Fußzeile</a:t>
-            </a:r>
-            <a:endParaRPr lang="de-DE" sz="900" b="0" strike="noStrike" spc="-1">
-              <a:latin typeface="Arial"/>
-            </a:endParaRPr>
-          </a:p>
-        </p:txBody>
-      </p:sp>
-      <p:sp>
-        <p:nvSpPr>
-          <p:cNvPr id="501" name="CustomShape 4"/>
-          <p:cNvSpPr/>
-          <p:nvPr/>
-        </p:nvSpPr>
-        <p:spPr>
-          <a:xfrm>
-            <a:off x="1055520" y="6426000"/>
-            <a:ext cx="552600" cy="239760"/>
-          </a:xfrm>
-          <a:prstGeom prst="rect">
-            <a:avLst/>
-          </a:prstGeom>
-          <a:noFill/>
-          <a:ln w="0">
-            <a:noFill/>
-          </a:ln>
-        </p:spPr>
-        <p:style>
-          <a:lnRef idx="0">
-            <a:scrgbClr r="0" g="0" b="0"/>
-          </a:lnRef>
-          <a:fillRef idx="0">
-            <a:scrgbClr r="0" g="0" b="0"/>
-          </a:fillRef>
-          <a:effectRef idx="0">
-            <a:scrgbClr r="0" g="0" b="0"/>
-          </a:effectRef>
-          <a:fontRef idx="minor"/>
-        </p:style>
-        <p:txBody>
-          <a:bodyPr lIns="0" tIns="0" rIns="0" bIns="0">
-            <a:noAutofit/>
-          </a:bodyPr>
-          <a:lstStyle/>
-          <a:p>
-            <a:pPr>
-              <a:lnSpc>
-                <a:spcPct val="100000"/>
-              </a:lnSpc>
-            </a:pPr>
-            <a:fld id="{FB56D119-3977-40EB-96C5-3E54499F969B}" type="slidenum">
-              <a:rPr lang="de-DE" sz="900" b="1" strike="noStrike" spc="-1">
-                <a:solidFill>
-                  <a:srgbClr val="5073A5"/>
-                </a:solidFill>
-                <a:latin typeface="Frutiger LT Com 45 Light"/>
-                <a:ea typeface="DejaVu Sans"/>
-              </a:rPr>
-              <a:t>20</a:t>
-            </a:fld>
-            <a:endParaRPr lang="de-DE" sz="900" b="0" strike="noStrike" spc="-1">
-              <a:latin typeface="Arial"/>
-            </a:endParaRPr>
-          </a:p>
-        </p:txBody>
-      </p:sp>
-      <p:sp>
-        <p:nvSpPr>
-          <p:cNvPr id="502" name="CustomShape 5"/>
-          <p:cNvSpPr/>
-          <p:nvPr/>
-        </p:nvSpPr>
-        <p:spPr>
-          <a:xfrm>
-            <a:off x="1032480" y="1087560"/>
-            <a:ext cx="2494800" cy="272160"/>
-          </a:xfrm>
-          <a:prstGeom prst="rect">
-            <a:avLst/>
-          </a:prstGeom>
-          <a:noFill/>
-          <a:ln w="0">
-            <a:noFill/>
-          </a:ln>
-        </p:spPr>
-        <p:style>
-          <a:lnRef idx="0">
-            <a:scrgbClr r="0" g="0" b="0"/>
-          </a:lnRef>
-          <a:fillRef idx="0">
-            <a:scrgbClr r="0" g="0" b="0"/>
-          </a:fillRef>
-          <a:effectRef idx="0">
-            <a:scrgbClr r="0" g="0" b="0"/>
-          </a:effectRef>
-          <a:fontRef idx="minor"/>
-        </p:style>
-        <p:txBody>
-          <a:bodyPr lIns="90000" tIns="45000" rIns="90000" bIns="45000">
-            <a:spAutoFit/>
-          </a:bodyPr>
-          <a:lstStyle/>
-          <a:p>
-            <a:pPr algn="ctr">
-              <a:lnSpc>
-                <a:spcPct val="100000"/>
-              </a:lnSpc>
-            </a:pPr>
-            <a:r>
-              <a:rPr lang="de-DE" sz="1200" b="0" strike="noStrike" spc="-1">
-                <a:solidFill>
-                  <a:srgbClr val="000000"/>
-                </a:solidFill>
-                <a:latin typeface="Frutiger LT Com 45 Light"/>
-                <a:ea typeface="DejaVu Sans"/>
-              </a:rPr>
-              <a:t>Thema 1</a:t>
-            </a:r>
-            <a:endParaRPr lang="de-DE" sz="1200" b="0" strike="noStrike" spc="-1">
-              <a:latin typeface="Arial"/>
-            </a:endParaRPr>
-          </a:p>
-        </p:txBody>
-      </p:sp>
-      <p:sp>
-        <p:nvSpPr>
-          <p:cNvPr id="503" name="CustomShape 6"/>
-          <p:cNvSpPr/>
-          <p:nvPr/>
-        </p:nvSpPr>
-        <p:spPr>
-          <a:xfrm>
-            <a:off x="3529080" y="1072080"/>
-            <a:ext cx="1630440" cy="272160"/>
-          </a:xfrm>
-          <a:prstGeom prst="rect">
-            <a:avLst/>
-          </a:prstGeom>
-          <a:noFill/>
-          <a:ln w="0">
-            <a:noFill/>
-          </a:ln>
-        </p:spPr>
-        <p:style>
-          <a:lnRef idx="0">
-            <a:scrgbClr r="0" g="0" b="0"/>
-          </a:lnRef>
-          <a:fillRef idx="0">
-            <a:scrgbClr r="0" g="0" b="0"/>
-          </a:fillRef>
-          <a:effectRef idx="0">
-            <a:scrgbClr r="0" g="0" b="0"/>
-          </a:effectRef>
-          <a:fontRef idx="minor"/>
-        </p:style>
-        <p:txBody>
-          <a:bodyPr lIns="90000" tIns="45000" rIns="90000" bIns="45000">
-            <a:spAutoFit/>
-          </a:bodyPr>
-          <a:lstStyle/>
-          <a:p>
-            <a:pPr algn="ctr">
-              <a:lnSpc>
-                <a:spcPct val="100000"/>
-              </a:lnSpc>
-            </a:pPr>
-            <a:r>
-              <a:rPr lang="de-DE" sz="1200" b="0" strike="noStrike" spc="-1">
-                <a:solidFill>
-                  <a:srgbClr val="B1B3B3"/>
-                </a:solidFill>
-                <a:latin typeface="Frutiger LT Com 45 Light"/>
-                <a:ea typeface="DejaVu Sans"/>
-              </a:rPr>
-              <a:t>Aspekt 1</a:t>
-            </a:r>
-            <a:endParaRPr lang="de-DE" sz="1200" b="0" strike="noStrike" spc="-1">
-              <a:latin typeface="Arial"/>
-            </a:endParaRPr>
-          </a:p>
-        </p:txBody>
-      </p:sp>
-      <p:sp>
-        <p:nvSpPr>
-          <p:cNvPr id="504" name="CustomShape 7"/>
-          <p:cNvSpPr/>
-          <p:nvPr/>
-        </p:nvSpPr>
-        <p:spPr>
-          <a:xfrm>
-            <a:off x="5313240" y="1087560"/>
-            <a:ext cx="1383120" cy="272160"/>
-          </a:xfrm>
-          <a:prstGeom prst="rect">
-            <a:avLst/>
-          </a:prstGeom>
-          <a:noFill/>
-          <a:ln w="0">
-            <a:noFill/>
-          </a:ln>
-        </p:spPr>
-        <p:style>
-          <a:lnRef idx="0">
-            <a:scrgbClr r="0" g="0" b="0"/>
-          </a:lnRef>
-          <a:fillRef idx="0">
-            <a:scrgbClr r="0" g="0" b="0"/>
-          </a:fillRef>
-          <a:effectRef idx="0">
-            <a:scrgbClr r="0" g="0" b="0"/>
-          </a:effectRef>
-          <a:fontRef idx="minor"/>
-        </p:style>
-        <p:txBody>
-          <a:bodyPr lIns="90000" tIns="45000" rIns="90000" bIns="45000">
-            <a:spAutoFit/>
-          </a:bodyPr>
-          <a:lstStyle/>
-          <a:p>
-            <a:pPr>
-              <a:lnSpc>
-                <a:spcPct val="100000"/>
-              </a:lnSpc>
-            </a:pPr>
-            <a:r>
-              <a:rPr lang="de-DE" sz="1200" b="0" strike="noStrike" spc="-1">
-                <a:solidFill>
-                  <a:srgbClr val="B1B3B3"/>
-                </a:solidFill>
-                <a:latin typeface="Frutiger LT Com 45 Light"/>
-                <a:ea typeface="DejaVu Sans"/>
-              </a:rPr>
-              <a:t>Aspekt 2</a:t>
-            </a:r>
-            <a:endParaRPr lang="de-DE" sz="1200" b="0" strike="noStrike" spc="-1">
-              <a:latin typeface="Arial"/>
-            </a:endParaRPr>
-          </a:p>
-        </p:txBody>
-      </p:sp>
-      <p:sp>
-        <p:nvSpPr>
-          <p:cNvPr id="505" name="CustomShape 8"/>
-          <p:cNvSpPr/>
-          <p:nvPr/>
-        </p:nvSpPr>
-        <p:spPr>
-          <a:xfrm>
-            <a:off x="8460000" y="1082880"/>
-            <a:ext cx="2171520" cy="272160"/>
-          </a:xfrm>
-          <a:prstGeom prst="rect">
-            <a:avLst/>
-          </a:prstGeom>
-          <a:noFill/>
-          <a:ln w="0">
-            <a:noFill/>
-          </a:ln>
-        </p:spPr>
-        <p:style>
-          <a:lnRef idx="0">
-            <a:scrgbClr r="0" g="0" b="0"/>
-          </a:lnRef>
-          <a:fillRef idx="0">
-            <a:scrgbClr r="0" g="0" b="0"/>
-          </a:fillRef>
-          <a:effectRef idx="0">
-            <a:scrgbClr r="0" g="0" b="0"/>
-          </a:effectRef>
-          <a:fontRef idx="minor"/>
-        </p:style>
-        <p:txBody>
-          <a:bodyPr lIns="90000" tIns="45000" rIns="90000" bIns="45000">
-            <a:spAutoFit/>
-          </a:bodyPr>
-          <a:lstStyle/>
-          <a:p>
-            <a:pPr algn="ctr">
-              <a:lnSpc>
-                <a:spcPct val="100000"/>
-              </a:lnSpc>
-            </a:pPr>
-            <a:r>
-              <a:rPr lang="de-DE" sz="1200" b="0" strike="noStrike" spc="-1">
-                <a:solidFill>
-                  <a:srgbClr val="B1B3B3"/>
-                </a:solidFill>
-                <a:latin typeface="Frutiger LT Com 45 Light"/>
-                <a:ea typeface="DejaVu Sans"/>
-              </a:rPr>
-              <a:t>Thema 3</a:t>
-            </a:r>
-            <a:endParaRPr lang="de-DE" sz="1200" b="0" strike="noStrike" spc="-1">
-              <a:latin typeface="Arial"/>
-            </a:endParaRPr>
-          </a:p>
-        </p:txBody>
-      </p:sp>
-      <p:sp>
-        <p:nvSpPr>
-          <p:cNvPr id="506" name="Line 9"/>
-          <p:cNvSpPr/>
-          <p:nvPr/>
-        </p:nvSpPr>
-        <p:spPr>
-          <a:xfrm>
-            <a:off x="1079640" y="1395000"/>
-            <a:ext cx="9840600" cy="0"/>
-          </a:xfrm>
-          <a:prstGeom prst="line">
-            <a:avLst/>
-          </a:prstGeom>
-          <a:ln>
-            <a:solidFill>
-              <a:srgbClr val="000000"/>
-            </a:solidFill>
-            <a:round/>
-          </a:ln>
-        </p:spPr>
-        <p:style>
-          <a:lnRef idx="1">
-            <a:schemeClr val="dk1"/>
-          </a:lnRef>
-          <a:fillRef idx="0">
-            <a:schemeClr val="dk1"/>
-          </a:fillRef>
-          <a:effectRef idx="0">
-            <a:schemeClr val="dk1"/>
-          </a:effectRef>
-          <a:fontRef idx="minor"/>
-        </p:style>
-      </p:sp>
-      <p:sp>
-        <p:nvSpPr>
-          <p:cNvPr id="507" name="CustomShape 10"/>
-          <p:cNvSpPr/>
-          <p:nvPr/>
-        </p:nvSpPr>
-        <p:spPr>
-          <a:xfrm>
-            <a:off x="6876360" y="1072080"/>
-            <a:ext cx="1383120" cy="272160"/>
-          </a:xfrm>
-          <a:prstGeom prst="rect">
-            <a:avLst/>
-          </a:prstGeom>
-          <a:noFill/>
-          <a:ln w="0">
-            <a:noFill/>
-          </a:ln>
-        </p:spPr>
-        <p:style>
-          <a:lnRef idx="0">
-            <a:scrgbClr r="0" g="0" b="0"/>
-          </a:lnRef>
-          <a:fillRef idx="0">
-            <a:scrgbClr r="0" g="0" b="0"/>
-          </a:fillRef>
-          <a:effectRef idx="0">
-            <a:scrgbClr r="0" g="0" b="0"/>
-          </a:effectRef>
-          <a:fontRef idx="minor"/>
-        </p:style>
-        <p:txBody>
-          <a:bodyPr lIns="90000" tIns="45000" rIns="90000" bIns="45000">
-            <a:spAutoFit/>
-          </a:bodyPr>
-          <a:lstStyle/>
-          <a:p>
-            <a:pPr>
-              <a:lnSpc>
-                <a:spcPct val="100000"/>
-              </a:lnSpc>
-            </a:pPr>
-            <a:r>
-              <a:rPr lang="de-DE" sz="1200" b="0" strike="noStrike" spc="-1">
-                <a:solidFill>
-                  <a:srgbClr val="B1B3B3"/>
-                </a:solidFill>
-                <a:latin typeface="Frutiger LT Com 45 Light"/>
-                <a:ea typeface="DejaVu Sans"/>
-              </a:rPr>
-              <a:t>Aspekt 3</a:t>
-            </a:r>
-            <a:endParaRPr lang="de-DE" sz="1200" b="0" strike="noStrike" spc="-1">
-              <a:latin typeface="Arial"/>
-            </a:endParaRPr>
-          </a:p>
-        </p:txBody>
-      </p:sp>
-      <p:sp>
-        <p:nvSpPr>
-          <p:cNvPr id="508" name="CustomShape 11"/>
-          <p:cNvSpPr/>
-          <p:nvPr/>
-        </p:nvSpPr>
-        <p:spPr>
-          <a:xfrm>
-            <a:off x="1944000" y="1316520"/>
-            <a:ext cx="142920" cy="125280"/>
-          </a:xfrm>
-          <a:prstGeom prst="triangle">
-            <a:avLst>
-              <a:gd name="adj" fmla="val 50000"/>
-            </a:avLst>
-          </a:prstGeom>
-          <a:solidFill>
-            <a:srgbClr val="000000"/>
-          </a:solidFill>
-          <a:ln>
-            <a:noFill/>
-          </a:ln>
-        </p:spPr>
-        <p:style>
-          <a:lnRef idx="2">
-            <a:schemeClr val="dk1">
-              <a:shade val="50000"/>
-            </a:schemeClr>
-          </a:lnRef>
-          <a:fillRef idx="1">
-            <a:schemeClr val="dk1"/>
-          </a:fillRef>
-          <a:effectRef idx="0">
-            <a:schemeClr val="dk1"/>
-          </a:effectRef>
-          <a:fontRef idx="minor"/>
-        </p:style>
       </p:sp>
     </p:spTree>
   </p:cSld>
   <p:clrMapOvr>
     <a:masterClrMapping/>
   </p:clrMapOvr>
-  <p:transition spd="slow">
-    <p:fade/>
-  </p:transition>
 </p:sld>
 </file>
 
@@ -26316,7 +25998,7 @@
       </p:grpSpPr>
       <p:sp>
         <p:nvSpPr>
-          <p:cNvPr id="509" name="CustomShape 1"/>
+          <p:cNvPr id="498" name="CustomShape 1"/>
           <p:cNvSpPr/>
           <p:nvPr/>
         </p:nvSpPr>
@@ -26345,10 +26027,36 @@
           </a:effectRef>
           <a:fontRef idx="minor"/>
         </p:style>
-      </p:sp>
-      <p:sp>
-        <p:nvSpPr>
-          <p:cNvPr id="510" name="CustomShape 2"/>
+        <p:txBody>
+          <a:bodyPr lIns="0" tIns="0" rIns="0" bIns="0" anchor="b">
+            <a:noAutofit/>
+          </a:bodyPr>
+          <a:lstStyle/>
+          <a:p>
+            <a:pPr>
+              <a:lnSpc>
+                <a:spcPct val="100000"/>
+              </a:lnSpc>
+            </a:pPr>
+            <a:r>
+              <a:rPr lang="de-DE" sz="2200" b="1" strike="noStrike" spc="-1">
+                <a:solidFill>
+                  <a:srgbClr val="5073A5"/>
+                </a:solidFill>
+                <a:latin typeface="Frutiger LT Com 45 Light"/>
+                <a:ea typeface="DejaVu Sans"/>
+              </a:rPr>
+              <a:t>Folie mit Agenda</a:t>
+            </a:r>
+            <a:endParaRPr lang="de-DE" sz="2200" b="0" strike="noStrike" spc="-1">
+              <a:latin typeface="Arial"/>
+            </a:endParaRPr>
+          </a:p>
+        </p:txBody>
+      </p:sp>
+      <p:sp>
+        <p:nvSpPr>
+          <p:cNvPr id="499" name="CustomShape 2"/>
           <p:cNvSpPr/>
           <p:nvPr/>
         </p:nvSpPr>
@@ -26380,7 +26088,7 @@
       </p:sp>
       <p:sp>
         <p:nvSpPr>
-          <p:cNvPr id="511" name="CustomShape 3"/>
+          <p:cNvPr id="500" name="CustomShape 3"/>
           <p:cNvSpPr/>
           <p:nvPr/>
         </p:nvSpPr>
@@ -26438,7 +26146,7 @@
       </p:sp>
       <p:sp>
         <p:nvSpPr>
-          <p:cNvPr id="512" name="CustomShape 4"/>
+          <p:cNvPr id="501" name="CustomShape 4"/>
           <p:cNvSpPr/>
           <p:nvPr/>
         </p:nvSpPr>
@@ -26478,7 +26186,7 @@
                 <a:spcPct val="100000"/>
               </a:lnSpc>
             </a:pPr>
-            <a:fld id="{93E2747B-634A-487B-97DC-3D34471722BC}" type="slidenum">
+            <a:fld id="{FB56D119-3977-40EB-96C5-3E54499F969B}" type="slidenum">
               <a:rPr lang="de-DE" sz="900" b="1" strike="noStrike" spc="-1">
                 <a:solidFill>
                   <a:srgbClr val="5073A5"/>
@@ -26494,11 +26202,376 @@
           </a:p>
         </p:txBody>
       </p:sp>
+      <p:sp>
+        <p:nvSpPr>
+          <p:cNvPr id="502" name="CustomShape 5"/>
+          <p:cNvSpPr/>
+          <p:nvPr/>
+        </p:nvSpPr>
+        <p:spPr>
+          <a:xfrm>
+            <a:off x="1032480" y="1087560"/>
+            <a:ext cx="2494800" cy="272160"/>
+          </a:xfrm>
+          <a:prstGeom prst="rect">
+            <a:avLst/>
+          </a:prstGeom>
+          <a:noFill/>
+          <a:ln w="0">
+            <a:noFill/>
+          </a:ln>
+        </p:spPr>
+        <p:style>
+          <a:lnRef idx="0">
+            <a:scrgbClr r="0" g="0" b="0"/>
+          </a:lnRef>
+          <a:fillRef idx="0">
+            <a:scrgbClr r="0" g="0" b="0"/>
+          </a:fillRef>
+          <a:effectRef idx="0">
+            <a:scrgbClr r="0" g="0" b="0"/>
+          </a:effectRef>
+          <a:fontRef idx="minor"/>
+        </p:style>
+        <p:txBody>
+          <a:bodyPr lIns="90000" tIns="45000" rIns="90000" bIns="45000">
+            <a:spAutoFit/>
+          </a:bodyPr>
+          <a:lstStyle/>
+          <a:p>
+            <a:pPr algn="ctr">
+              <a:lnSpc>
+                <a:spcPct val="100000"/>
+              </a:lnSpc>
+            </a:pPr>
+            <a:r>
+              <a:rPr lang="de-DE" sz="1200" b="0" strike="noStrike" spc="-1">
+                <a:solidFill>
+                  <a:srgbClr val="000000"/>
+                </a:solidFill>
+                <a:latin typeface="Frutiger LT Com 45 Light"/>
+                <a:ea typeface="DejaVu Sans"/>
+              </a:rPr>
+              <a:t>Thema 1</a:t>
+            </a:r>
+            <a:endParaRPr lang="de-DE" sz="1200" b="0" strike="noStrike" spc="-1">
+              <a:latin typeface="Arial"/>
+            </a:endParaRPr>
+          </a:p>
+        </p:txBody>
+      </p:sp>
+      <p:sp>
+        <p:nvSpPr>
+          <p:cNvPr id="503" name="CustomShape 6"/>
+          <p:cNvSpPr/>
+          <p:nvPr/>
+        </p:nvSpPr>
+        <p:spPr>
+          <a:xfrm>
+            <a:off x="3529080" y="1072080"/>
+            <a:ext cx="1630440" cy="272160"/>
+          </a:xfrm>
+          <a:prstGeom prst="rect">
+            <a:avLst/>
+          </a:prstGeom>
+          <a:noFill/>
+          <a:ln w="0">
+            <a:noFill/>
+          </a:ln>
+        </p:spPr>
+        <p:style>
+          <a:lnRef idx="0">
+            <a:scrgbClr r="0" g="0" b="0"/>
+          </a:lnRef>
+          <a:fillRef idx="0">
+            <a:scrgbClr r="0" g="0" b="0"/>
+          </a:fillRef>
+          <a:effectRef idx="0">
+            <a:scrgbClr r="0" g="0" b="0"/>
+          </a:effectRef>
+          <a:fontRef idx="minor"/>
+        </p:style>
+        <p:txBody>
+          <a:bodyPr lIns="90000" tIns="45000" rIns="90000" bIns="45000">
+            <a:spAutoFit/>
+          </a:bodyPr>
+          <a:lstStyle/>
+          <a:p>
+            <a:pPr algn="ctr">
+              <a:lnSpc>
+                <a:spcPct val="100000"/>
+              </a:lnSpc>
+            </a:pPr>
+            <a:r>
+              <a:rPr lang="de-DE" sz="1200" b="0" strike="noStrike" spc="-1">
+                <a:solidFill>
+                  <a:srgbClr val="B1B3B3"/>
+                </a:solidFill>
+                <a:latin typeface="Frutiger LT Com 45 Light"/>
+                <a:ea typeface="DejaVu Sans"/>
+              </a:rPr>
+              <a:t>Aspekt 1</a:t>
+            </a:r>
+            <a:endParaRPr lang="de-DE" sz="1200" b="0" strike="noStrike" spc="-1">
+              <a:latin typeface="Arial"/>
+            </a:endParaRPr>
+          </a:p>
+        </p:txBody>
+      </p:sp>
+      <p:sp>
+        <p:nvSpPr>
+          <p:cNvPr id="504" name="CustomShape 7"/>
+          <p:cNvSpPr/>
+          <p:nvPr/>
+        </p:nvSpPr>
+        <p:spPr>
+          <a:xfrm>
+            <a:off x="5313240" y="1087560"/>
+            <a:ext cx="1383120" cy="272160"/>
+          </a:xfrm>
+          <a:prstGeom prst="rect">
+            <a:avLst/>
+          </a:prstGeom>
+          <a:noFill/>
+          <a:ln w="0">
+            <a:noFill/>
+          </a:ln>
+        </p:spPr>
+        <p:style>
+          <a:lnRef idx="0">
+            <a:scrgbClr r="0" g="0" b="0"/>
+          </a:lnRef>
+          <a:fillRef idx="0">
+            <a:scrgbClr r="0" g="0" b="0"/>
+          </a:fillRef>
+          <a:effectRef idx="0">
+            <a:scrgbClr r="0" g="0" b="0"/>
+          </a:effectRef>
+          <a:fontRef idx="minor"/>
+        </p:style>
+        <p:txBody>
+          <a:bodyPr lIns="90000" tIns="45000" rIns="90000" bIns="45000">
+            <a:spAutoFit/>
+          </a:bodyPr>
+          <a:lstStyle/>
+          <a:p>
+            <a:pPr>
+              <a:lnSpc>
+                <a:spcPct val="100000"/>
+              </a:lnSpc>
+            </a:pPr>
+            <a:r>
+              <a:rPr lang="de-DE" sz="1200" b="0" strike="noStrike" spc="-1">
+                <a:solidFill>
+                  <a:srgbClr val="B1B3B3"/>
+                </a:solidFill>
+                <a:latin typeface="Frutiger LT Com 45 Light"/>
+                <a:ea typeface="DejaVu Sans"/>
+              </a:rPr>
+              <a:t>Aspekt 2</a:t>
+            </a:r>
+            <a:endParaRPr lang="de-DE" sz="1200" b="0" strike="noStrike" spc="-1">
+              <a:latin typeface="Arial"/>
+            </a:endParaRPr>
+          </a:p>
+        </p:txBody>
+      </p:sp>
+      <p:sp>
+        <p:nvSpPr>
+          <p:cNvPr id="505" name="CustomShape 8"/>
+          <p:cNvSpPr/>
+          <p:nvPr/>
+        </p:nvSpPr>
+        <p:spPr>
+          <a:xfrm>
+            <a:off x="8460000" y="1082880"/>
+            <a:ext cx="2171520" cy="272160"/>
+          </a:xfrm>
+          <a:prstGeom prst="rect">
+            <a:avLst/>
+          </a:prstGeom>
+          <a:noFill/>
+          <a:ln w="0">
+            <a:noFill/>
+          </a:ln>
+        </p:spPr>
+        <p:style>
+          <a:lnRef idx="0">
+            <a:scrgbClr r="0" g="0" b="0"/>
+          </a:lnRef>
+          <a:fillRef idx="0">
+            <a:scrgbClr r="0" g="0" b="0"/>
+          </a:fillRef>
+          <a:effectRef idx="0">
+            <a:scrgbClr r="0" g="0" b="0"/>
+          </a:effectRef>
+          <a:fontRef idx="minor"/>
+        </p:style>
+        <p:txBody>
+          <a:bodyPr lIns="90000" tIns="45000" rIns="90000" bIns="45000">
+            <a:spAutoFit/>
+          </a:bodyPr>
+          <a:lstStyle/>
+          <a:p>
+            <a:pPr algn="ctr">
+              <a:lnSpc>
+                <a:spcPct val="100000"/>
+              </a:lnSpc>
+            </a:pPr>
+            <a:r>
+              <a:rPr lang="de-DE" sz="1200" b="0" strike="noStrike" spc="-1">
+                <a:solidFill>
+                  <a:srgbClr val="B1B3B3"/>
+                </a:solidFill>
+                <a:latin typeface="Frutiger LT Com 45 Light"/>
+                <a:ea typeface="DejaVu Sans"/>
+              </a:rPr>
+              <a:t>Thema 3</a:t>
+            </a:r>
+            <a:endParaRPr lang="de-DE" sz="1200" b="0" strike="noStrike" spc="-1">
+              <a:latin typeface="Arial"/>
+            </a:endParaRPr>
+          </a:p>
+        </p:txBody>
+      </p:sp>
+      <p:sp>
+        <p:nvSpPr>
+          <p:cNvPr id="506" name="Line 9"/>
+          <p:cNvSpPr/>
+          <p:nvPr/>
+        </p:nvSpPr>
+        <p:spPr>
+          <a:xfrm>
+            <a:off x="1079640" y="1395000"/>
+            <a:ext cx="9840600" cy="0"/>
+          </a:xfrm>
+          <a:prstGeom prst="line">
+            <a:avLst/>
+          </a:prstGeom>
+          <a:ln>
+            <a:solidFill>
+              <a:srgbClr val="000000"/>
+            </a:solidFill>
+            <a:round/>
+          </a:ln>
+        </p:spPr>
+        <p:style>
+          <a:lnRef idx="1">
+            <a:schemeClr val="dk1"/>
+          </a:lnRef>
+          <a:fillRef idx="0">
+            <a:schemeClr val="dk1"/>
+          </a:fillRef>
+          <a:effectRef idx="0">
+            <a:schemeClr val="dk1"/>
+          </a:effectRef>
+          <a:fontRef idx="minor"/>
+        </p:style>
+      </p:sp>
+      <p:sp>
+        <p:nvSpPr>
+          <p:cNvPr id="507" name="CustomShape 10"/>
+          <p:cNvSpPr/>
+          <p:nvPr/>
+        </p:nvSpPr>
+        <p:spPr>
+          <a:xfrm>
+            <a:off x="6876360" y="1072080"/>
+            <a:ext cx="1383120" cy="272160"/>
+          </a:xfrm>
+          <a:prstGeom prst="rect">
+            <a:avLst/>
+          </a:prstGeom>
+          <a:noFill/>
+          <a:ln w="0">
+            <a:noFill/>
+          </a:ln>
+        </p:spPr>
+        <p:style>
+          <a:lnRef idx="0">
+            <a:scrgbClr r="0" g="0" b="0"/>
+          </a:lnRef>
+          <a:fillRef idx="0">
+            <a:scrgbClr r="0" g="0" b="0"/>
+          </a:fillRef>
+          <a:effectRef idx="0">
+            <a:scrgbClr r="0" g="0" b="0"/>
+          </a:effectRef>
+          <a:fontRef idx="minor"/>
+        </p:style>
+        <p:txBody>
+          <a:bodyPr lIns="90000" tIns="45000" rIns="90000" bIns="45000">
+            <a:spAutoFit/>
+          </a:bodyPr>
+          <a:lstStyle/>
+          <a:p>
+            <a:pPr>
+              <a:lnSpc>
+                <a:spcPct val="100000"/>
+              </a:lnSpc>
+            </a:pPr>
+            <a:r>
+              <a:rPr lang="de-DE" sz="1200" b="0" strike="noStrike" spc="-1">
+                <a:solidFill>
+                  <a:srgbClr val="B1B3B3"/>
+                </a:solidFill>
+                <a:latin typeface="Frutiger LT Com 45 Light"/>
+                <a:ea typeface="DejaVu Sans"/>
+              </a:rPr>
+              <a:t>Aspekt 3</a:t>
+            </a:r>
+            <a:endParaRPr lang="de-DE" sz="1200" b="0" strike="noStrike" spc="-1">
+              <a:latin typeface="Arial"/>
+            </a:endParaRPr>
+          </a:p>
+        </p:txBody>
+      </p:sp>
+      <p:sp>
+        <p:nvSpPr>
+          <p:cNvPr id="508" name="CustomShape 11"/>
+          <p:cNvSpPr/>
+          <p:nvPr/>
+        </p:nvSpPr>
+        <p:spPr>
+          <a:xfrm>
+            <a:off x="1944000" y="1316520"/>
+            <a:ext cx="142920" cy="125280"/>
+          </a:xfrm>
+          <a:prstGeom prst="triangle">
+            <a:avLst>
+              <a:gd name="adj" fmla="val 50000"/>
+            </a:avLst>
+          </a:prstGeom>
+          <a:solidFill>
+            <a:srgbClr val="000000"/>
+          </a:solidFill>
+          <a:ln>
+            <a:noFill/>
+          </a:ln>
+        </p:spPr>
+        <p:style>
+          <a:lnRef idx="2">
+            <a:schemeClr val="dk1">
+              <a:shade val="50000"/>
+            </a:schemeClr>
+          </a:lnRef>
+          <a:fillRef idx="1">
+            <a:schemeClr val="dk1"/>
+          </a:fillRef>
+          <a:effectRef idx="0">
+            <a:schemeClr val="dk1"/>
+          </a:effectRef>
+          <a:fontRef idx="minor"/>
+        </p:style>
+      </p:sp>
     </p:spTree>
   </p:cSld>
   <p:clrMapOvr>
     <a:masterClrMapping/>
   </p:clrMapOvr>
+  <p:transition spd="slow">
+    <p:fade/>
+  </p:transition>
 </p:sld>
 </file>
 
@@ -26521,14 +26594,14 @@
       </p:grpSpPr>
       <p:sp>
         <p:nvSpPr>
-          <p:cNvPr id="513" name="CustomShape 1"/>
+          <p:cNvPr id="509" name="CustomShape 1"/>
           <p:cNvSpPr/>
           <p:nvPr/>
         </p:nvSpPr>
         <p:spPr>
           <a:xfrm>
-            <a:off x="8859240" y="2148480"/>
-            <a:ext cx="3212280" cy="2131560"/>
+            <a:off x="720000" y="260640"/>
+            <a:ext cx="8183160" cy="660960"/>
           </a:xfrm>
           <a:prstGeom prst="rect">
             <a:avLst/>
@@ -26550,135 +26623,17 @@
           </a:effectRef>
           <a:fontRef idx="minor"/>
         </p:style>
-        <p:txBody>
-          <a:bodyPr lIns="0" tIns="0" rIns="0" bIns="0">
-            <a:noAutofit/>
-          </a:bodyPr>
-          <a:lstStyle/>
-          <a:p>
-            <a:pPr>
-              <a:lnSpc>
-                <a:spcPct val="100000"/>
-              </a:lnSpc>
-              <a:spcBef>
-                <a:spcPts val="561"/>
-              </a:spcBef>
-              <a:tabLst>
-                <a:tab pos="0" algn="l"/>
-              </a:tabLst>
-            </a:pPr>
-            <a:r>
-              <a:rPr lang="de-DE" sz="2800" b="0" strike="noStrike" spc="-1">
-                <a:solidFill>
-                  <a:srgbClr val="FFFFFF"/>
-                </a:solidFill>
-                <a:latin typeface="Frutiger LT Com 45 Light"/>
-                <a:ea typeface="DejaVu Sans"/>
-              </a:rPr>
-              <a:t>Anne Koch</a:t>
-            </a:r>
-            <a:endParaRPr lang="de-DE" sz="2800" b="0" strike="noStrike" spc="-1">
-              <a:latin typeface="Arial"/>
-            </a:endParaRPr>
-          </a:p>
-          <a:p>
-            <a:pPr>
-              <a:lnSpc>
-                <a:spcPct val="100000"/>
-              </a:lnSpc>
-              <a:spcBef>
-                <a:spcPts val="561"/>
-              </a:spcBef>
-              <a:tabLst>
-                <a:tab pos="0" algn="l"/>
-              </a:tabLst>
-            </a:pPr>
-            <a:r>
-              <a:rPr lang="de-DE" sz="2800" b="0" strike="noStrike" spc="-1">
-                <a:solidFill>
-                  <a:srgbClr val="FFFFFF"/>
-                </a:solidFill>
-                <a:latin typeface="Frutiger LT Com 45 Light"/>
-                <a:ea typeface="DejaVu Sans"/>
-              </a:rPr>
-              <a:t>Clara Jansen</a:t>
-            </a:r>
-            <a:endParaRPr lang="de-DE" sz="2800" b="0" strike="noStrike" spc="-1">
-              <a:latin typeface="Arial"/>
-            </a:endParaRPr>
-          </a:p>
-          <a:p>
-            <a:pPr>
-              <a:lnSpc>
-                <a:spcPct val="100000"/>
-              </a:lnSpc>
-              <a:spcBef>
-                <a:spcPts val="561"/>
-              </a:spcBef>
-              <a:tabLst>
-                <a:tab pos="0" algn="l"/>
-              </a:tabLst>
-            </a:pPr>
-            <a:r>
-              <a:rPr lang="de-DE" sz="2800" b="0" strike="noStrike" spc="-1">
-                <a:solidFill>
-                  <a:srgbClr val="FFFFFF"/>
-                </a:solidFill>
-                <a:latin typeface="Frutiger LT Com 45 Light"/>
-                <a:ea typeface="DejaVu Sans"/>
-              </a:rPr>
-              <a:t>Dietrich Tönnies</a:t>
-            </a:r>
-            <a:endParaRPr lang="de-DE" sz="2800" b="0" strike="noStrike" spc="-1">
-              <a:latin typeface="Arial"/>
-            </a:endParaRPr>
-          </a:p>
-        </p:txBody>
-      </p:sp>
-      <p:sp>
-        <p:nvSpPr>
-          <p:cNvPr id="514" name="Line 2"/>
+      </p:sp>
+      <p:sp>
+        <p:nvSpPr>
+          <p:cNvPr id="510" name="CustomShape 2"/>
           <p:cNvSpPr/>
           <p:nvPr/>
         </p:nvSpPr>
         <p:spPr>
           <a:xfrm>
-            <a:off x="1037520" y="1520640"/>
-            <a:ext cx="17640" cy="3816360"/>
-          </a:xfrm>
-          <a:prstGeom prst="line">
-            <a:avLst/>
-          </a:prstGeom>
-          <a:ln>
-            <a:solidFill>
-              <a:srgbClr val="000000"/>
-            </a:solidFill>
-            <a:round/>
-          </a:ln>
-        </p:spPr>
-        <p:style>
-          <a:lnRef idx="1">
-            <a:schemeClr val="dk1"/>
-          </a:lnRef>
-          <a:fillRef idx="0">
-            <a:schemeClr val="dk1"/>
-          </a:fillRef>
-          <a:effectRef idx="0">
-            <a:schemeClr val="dk1"/>
-          </a:effectRef>
-          <a:fontRef idx="minor"/>
-        </p:style>
-      </p:sp>
-      <p:sp>
-        <p:nvSpPr>
-          <p:cNvPr id="515" name="CustomShape 3"/>
-          <p:cNvSpPr/>
-          <p:nvPr/>
-        </p:nvSpPr>
-        <p:spPr>
-          <a:xfrm>
-            <a:off x="1145160" y="1746720"/>
-            <a:ext cx="4013640" cy="363960"/>
+            <a:off x="715680" y="1700640"/>
+            <a:ext cx="10803240" cy="4319280"/>
           </a:xfrm>
           <a:prstGeom prst="rect">
             <a:avLst/>
@@ -26700,9 +26655,41 @@
           </a:effectRef>
           <a:fontRef idx="minor"/>
         </p:style>
-        <p:txBody>
-          <a:bodyPr lIns="90000" tIns="45000" rIns="90000" bIns="45000">
-            <a:spAutoFit/>
+      </p:sp>
+      <p:sp>
+        <p:nvSpPr>
+          <p:cNvPr id="511" name="CustomShape 3"/>
+          <p:cNvSpPr/>
+          <p:nvPr/>
+        </p:nvSpPr>
+        <p:spPr>
+          <a:xfrm>
+            <a:off x="1631520" y="6426000"/>
+            <a:ext cx="7271640" cy="239760"/>
+          </a:xfrm>
+          <a:prstGeom prst="rect">
+            <a:avLst/>
+          </a:prstGeom>
+          <a:noFill/>
+          <a:ln w="0">
+            <a:noFill/>
+          </a:ln>
+        </p:spPr>
+        <p:style>
+          <a:lnRef idx="0">
+            <a:scrgbClr r="0" g="0" b="0"/>
+          </a:lnRef>
+          <a:fillRef idx="0">
+            <a:scrgbClr r="0" g="0" b="0"/>
+          </a:fillRef>
+          <a:effectRef idx="0">
+            <a:scrgbClr r="0" g="0" b="0"/>
+          </a:effectRef>
+          <a:fontRef idx="minor"/>
+        </p:style>
+        <p:txBody>
+          <a:bodyPr lIns="0" tIns="0" rIns="0" bIns="0">
+            <a:noAutofit/>
           </a:bodyPr>
           <a:lstStyle/>
           <a:p>
@@ -26712,31 +26699,31 @@
               </a:lnSpc>
             </a:pPr>
             <a:r>
-              <a:rPr lang="de-DE" sz="1800" b="0" strike="noStrike" spc="-1">
+              <a:rPr lang="en-US" sz="900" b="0" strike="noStrike" spc="-1">
                 <a:solidFill>
-                  <a:srgbClr val="000000"/>
+                  <a:srgbClr val="5073A5"/>
                 </a:solidFill>
                 <a:latin typeface="Frutiger LT Com 45 Light"/>
                 <a:ea typeface="DejaVu Sans"/>
               </a:rPr>
-              <a:t>Thema 1</a:t>
-            </a:r>
-            <a:endParaRPr lang="de-DE" sz="1800" b="0" strike="noStrike" spc="-1">
-              <a:latin typeface="Arial"/>
-            </a:endParaRPr>
-          </a:p>
-        </p:txBody>
-      </p:sp>
-      <p:sp>
-        <p:nvSpPr>
-          <p:cNvPr id="516" name="CustomShape 4"/>
+              <a:t>Fußzeile</a:t>
+            </a:r>
+            <a:endParaRPr lang="de-DE" sz="900" b="0" strike="noStrike" spc="-1">
+              <a:latin typeface="Arial"/>
+            </a:endParaRPr>
+          </a:p>
+        </p:txBody>
+      </p:sp>
+      <p:sp>
+        <p:nvSpPr>
+          <p:cNvPr id="512" name="CustomShape 4"/>
           <p:cNvSpPr/>
           <p:nvPr/>
         </p:nvSpPr>
         <p:spPr>
           <a:xfrm>
-            <a:off x="1145160" y="2445120"/>
-            <a:ext cx="2285280" cy="363960"/>
+            <a:off x="1055520" y="6426000"/>
+            <a:ext cx="552600" cy="239760"/>
           </a:xfrm>
           <a:prstGeom prst="rect">
             <a:avLst/>
@@ -26759,8 +26746,8 @@
           <a:fontRef idx="minor"/>
         </p:style>
         <p:txBody>
-          <a:bodyPr lIns="90000" tIns="45000" rIns="90000" bIns="45000">
-            <a:spAutoFit/>
+          <a:bodyPr lIns="0" tIns="0" rIns="0" bIns="0">
+            <a:noAutofit/>
           </a:bodyPr>
           <a:lstStyle/>
           <a:p>
@@ -26769,249 +26756,17 @@
                 <a:spcPct val="100000"/>
               </a:lnSpc>
             </a:pPr>
-            <a:r>
-              <a:rPr lang="de-DE" sz="1800" b="0" strike="noStrike" spc="-1">
+            <a:fld id="{93E2747B-634A-487B-97DC-3D34471722BC}" type="slidenum">
+              <a:rPr lang="de-DE" sz="900" b="1" strike="noStrike" spc="-1">
                 <a:solidFill>
-                  <a:srgbClr val="000000"/>
+                  <a:srgbClr val="5073A5"/>
                 </a:solidFill>
                 <a:latin typeface="Frutiger LT Com 45 Light"/>
                 <a:ea typeface="DejaVu Sans"/>
               </a:rPr>
-              <a:t>Thema 2</a:t>
-            </a:r>
-            <a:endParaRPr lang="de-DE" sz="1800" b="0" strike="noStrike" spc="-1">
-              <a:latin typeface="Arial"/>
-            </a:endParaRPr>
-          </a:p>
-        </p:txBody>
-      </p:sp>
-      <p:sp>
-        <p:nvSpPr>
-          <p:cNvPr id="517" name="CustomShape 5"/>
-          <p:cNvSpPr/>
-          <p:nvPr/>
-        </p:nvSpPr>
-        <p:spPr>
-          <a:xfrm>
-            <a:off x="1131480" y="4281120"/>
-            <a:ext cx="3653640" cy="363960"/>
-          </a:xfrm>
-          <a:prstGeom prst="rect">
-            <a:avLst/>
-          </a:prstGeom>
-          <a:noFill/>
-          <a:ln w="0">
-            <a:noFill/>
-          </a:ln>
-        </p:spPr>
-        <p:style>
-          <a:lnRef idx="0">
-            <a:scrgbClr r="0" g="0" b="0"/>
-          </a:lnRef>
-          <a:fillRef idx="0">
-            <a:scrgbClr r="0" g="0" b="0"/>
-          </a:fillRef>
-          <a:effectRef idx="0">
-            <a:scrgbClr r="0" g="0" b="0"/>
-          </a:effectRef>
-          <a:fontRef idx="minor"/>
-        </p:style>
-        <p:txBody>
-          <a:bodyPr lIns="90000" tIns="45000" rIns="90000" bIns="45000">
-            <a:spAutoFit/>
-          </a:bodyPr>
-          <a:lstStyle/>
-          <a:p>
-            <a:pPr>
-              <a:lnSpc>
-                <a:spcPct val="100000"/>
-              </a:lnSpc>
-            </a:pPr>
-            <a:r>
-              <a:rPr lang="de-DE" sz="1800" b="0" strike="noStrike" spc="-1">
-                <a:solidFill>
-                  <a:srgbClr val="000000"/>
-                </a:solidFill>
-                <a:latin typeface="Frutiger LT Com 45 Light"/>
-                <a:ea typeface="DejaVu Sans"/>
-              </a:rPr>
-              <a:t>Thema 3</a:t>
-            </a:r>
-            <a:endParaRPr lang="de-DE" sz="1800" b="0" strike="noStrike" spc="-1">
-              <a:latin typeface="Arial"/>
-            </a:endParaRPr>
-          </a:p>
-        </p:txBody>
-      </p:sp>
-      <p:sp>
-        <p:nvSpPr>
-          <p:cNvPr id="518" name="CustomShape 6"/>
-          <p:cNvSpPr/>
-          <p:nvPr/>
-        </p:nvSpPr>
-        <p:spPr>
-          <a:xfrm>
-            <a:off x="1487520" y="3219840"/>
-            <a:ext cx="2285280" cy="363960"/>
-          </a:xfrm>
-          <a:prstGeom prst="rect">
-            <a:avLst/>
-          </a:prstGeom>
-          <a:noFill/>
-          <a:ln w="0">
-            <a:noFill/>
-          </a:ln>
-        </p:spPr>
-        <p:style>
-          <a:lnRef idx="0">
-            <a:scrgbClr r="0" g="0" b="0"/>
-          </a:lnRef>
-          <a:fillRef idx="0">
-            <a:scrgbClr r="0" g="0" b="0"/>
-          </a:fillRef>
-          <a:effectRef idx="0">
-            <a:scrgbClr r="0" g="0" b="0"/>
-          </a:effectRef>
-          <a:fontRef idx="minor"/>
-        </p:style>
-        <p:txBody>
-          <a:bodyPr lIns="90000" tIns="45000" rIns="90000" bIns="45000">
-            <a:spAutoFit/>
-          </a:bodyPr>
-          <a:lstStyle/>
-          <a:p>
-            <a:pPr>
-              <a:lnSpc>
-                <a:spcPct val="100000"/>
-              </a:lnSpc>
-            </a:pPr>
-            <a:r>
-              <a:rPr lang="de-DE" sz="1800" b="0" strike="noStrike" spc="-1">
-                <a:solidFill>
-                  <a:srgbClr val="000000"/>
-                </a:solidFill>
-                <a:latin typeface="Frutiger LT Com 45 Light"/>
-                <a:ea typeface="DejaVu Sans"/>
-              </a:rPr>
-              <a:t>Aspekt 2</a:t>
-            </a:r>
-            <a:endParaRPr lang="de-DE" sz="1800" b="0" strike="noStrike" spc="-1">
-              <a:latin typeface="Arial"/>
-            </a:endParaRPr>
-          </a:p>
-        </p:txBody>
-      </p:sp>
-      <p:sp>
-        <p:nvSpPr>
-          <p:cNvPr id="519" name="CustomShape 7"/>
-          <p:cNvSpPr/>
-          <p:nvPr/>
-        </p:nvSpPr>
-        <p:spPr>
-          <a:xfrm>
-            <a:off x="1487520" y="2814120"/>
-            <a:ext cx="2285280" cy="363960"/>
-          </a:xfrm>
-          <a:prstGeom prst="rect">
-            <a:avLst/>
-          </a:prstGeom>
-          <a:noFill/>
-          <a:ln w="0">
-            <a:noFill/>
-          </a:ln>
-        </p:spPr>
-        <p:style>
-          <a:lnRef idx="0">
-            <a:scrgbClr r="0" g="0" b="0"/>
-          </a:lnRef>
-          <a:fillRef idx="0">
-            <a:scrgbClr r="0" g="0" b="0"/>
-          </a:fillRef>
-          <a:effectRef idx="0">
-            <a:scrgbClr r="0" g="0" b="0"/>
-          </a:effectRef>
-          <a:fontRef idx="minor"/>
-        </p:style>
-        <p:txBody>
-          <a:bodyPr lIns="90000" tIns="45000" rIns="90000" bIns="45000">
-            <a:spAutoFit/>
-          </a:bodyPr>
-          <a:lstStyle/>
-          <a:p>
-            <a:pPr>
-              <a:lnSpc>
-                <a:spcPct val="100000"/>
-              </a:lnSpc>
-            </a:pPr>
-            <a:r>
-              <a:rPr lang="de-DE" sz="1800" b="0" strike="noStrike" spc="-1">
-                <a:solidFill>
-                  <a:srgbClr val="000000"/>
-                </a:solidFill>
-                <a:latin typeface="Frutiger LT Com 45 Light"/>
-                <a:ea typeface="DejaVu Sans"/>
-              </a:rPr>
-              <a:t>Aspekt 1</a:t>
-            </a:r>
-            <a:endParaRPr lang="de-DE" sz="1800" b="0" strike="noStrike" spc="-1">
-              <a:latin typeface="Arial"/>
-            </a:endParaRPr>
-          </a:p>
-        </p:txBody>
-      </p:sp>
-      <p:sp>
-        <p:nvSpPr>
-          <p:cNvPr id="520" name="CustomShape 8"/>
-          <p:cNvSpPr/>
-          <p:nvPr/>
-        </p:nvSpPr>
-        <p:spPr>
-          <a:xfrm>
-            <a:off x="1487520" y="3625560"/>
-            <a:ext cx="2285280" cy="363960"/>
-          </a:xfrm>
-          <a:prstGeom prst="rect">
-            <a:avLst/>
-          </a:prstGeom>
-          <a:noFill/>
-          <a:ln w="0">
-            <a:noFill/>
-          </a:ln>
-        </p:spPr>
-        <p:style>
-          <a:lnRef idx="0">
-            <a:scrgbClr r="0" g="0" b="0"/>
-          </a:lnRef>
-          <a:fillRef idx="0">
-            <a:scrgbClr r="0" g="0" b="0"/>
-          </a:fillRef>
-          <a:effectRef idx="0">
-            <a:scrgbClr r="0" g="0" b="0"/>
-          </a:effectRef>
-          <a:fontRef idx="minor"/>
-        </p:style>
-        <p:txBody>
-          <a:bodyPr lIns="90000" tIns="45000" rIns="90000" bIns="45000">
-            <a:spAutoFit/>
-          </a:bodyPr>
-          <a:lstStyle/>
-          <a:p>
-            <a:pPr>
-              <a:lnSpc>
-                <a:spcPct val="100000"/>
-              </a:lnSpc>
-            </a:pPr>
-            <a:r>
-              <a:rPr lang="de-DE" sz="1800" b="0" strike="noStrike" spc="-1">
-                <a:solidFill>
-                  <a:srgbClr val="000000"/>
-                </a:solidFill>
-                <a:latin typeface="Frutiger LT Com 45 Light"/>
-                <a:ea typeface="DejaVu Sans"/>
-              </a:rPr>
-              <a:t>Aspekt 3</a:t>
-            </a:r>
-            <a:endParaRPr lang="de-DE" sz="1800" b="0" strike="noStrike" spc="-1">
+              <a:t>22</a:t>
+            </a:fld>
+            <a:endParaRPr lang="de-DE" sz="900" b="0" strike="noStrike" spc="-1">
               <a:latin typeface="Arial"/>
             </a:endParaRPr>
           </a:p>
@@ -27022,9 +26777,6 @@
   <p:clrMapOvr>
     <a:masterClrMapping/>
   </p:clrMapOvr>
-  <p:transition spd="slow">
-    <p:fade/>
-  </p:transition>
 </p:sld>
 </file>
 
@@ -27047,14 +26799,14 @@
       </p:grpSpPr>
       <p:sp>
         <p:nvSpPr>
-          <p:cNvPr id="487" name="CustomShape 1"/>
+          <p:cNvPr id="513" name="CustomShape 1"/>
           <p:cNvSpPr/>
           <p:nvPr/>
         </p:nvSpPr>
         <p:spPr>
           <a:xfrm>
-            <a:off x="720000" y="260640"/>
-            <a:ext cx="8183160" cy="660960"/>
+            <a:off x="8859240" y="2148480"/>
+            <a:ext cx="3212280" cy="2131560"/>
           </a:xfrm>
           <a:prstGeom prst="rect">
             <a:avLst/>
@@ -27077,8 +26829,158 @@
           <a:fontRef idx="minor"/>
         </p:style>
         <p:txBody>
-          <a:bodyPr lIns="0" tIns="0" rIns="0" bIns="0" anchor="b">
+          <a:bodyPr lIns="0" tIns="0" rIns="0" bIns="0">
             <a:noAutofit/>
+          </a:bodyPr>
+          <a:lstStyle/>
+          <a:p>
+            <a:pPr>
+              <a:lnSpc>
+                <a:spcPct val="100000"/>
+              </a:lnSpc>
+              <a:spcBef>
+                <a:spcPts val="561"/>
+              </a:spcBef>
+              <a:tabLst>
+                <a:tab pos="0" algn="l"/>
+              </a:tabLst>
+            </a:pPr>
+            <a:r>
+              <a:rPr lang="de-DE" sz="2800" b="0" strike="noStrike" spc="-1">
+                <a:solidFill>
+                  <a:srgbClr val="FFFFFF"/>
+                </a:solidFill>
+                <a:latin typeface="Frutiger LT Com 45 Light"/>
+                <a:ea typeface="DejaVu Sans"/>
+              </a:rPr>
+              <a:t>Anne Koch</a:t>
+            </a:r>
+            <a:endParaRPr lang="de-DE" sz="2800" b="0" strike="noStrike" spc="-1">
+              <a:latin typeface="Arial"/>
+            </a:endParaRPr>
+          </a:p>
+          <a:p>
+            <a:pPr>
+              <a:lnSpc>
+                <a:spcPct val="100000"/>
+              </a:lnSpc>
+              <a:spcBef>
+                <a:spcPts val="561"/>
+              </a:spcBef>
+              <a:tabLst>
+                <a:tab pos="0" algn="l"/>
+              </a:tabLst>
+            </a:pPr>
+            <a:r>
+              <a:rPr lang="de-DE" sz="2800" b="0" strike="noStrike" spc="-1">
+                <a:solidFill>
+                  <a:srgbClr val="FFFFFF"/>
+                </a:solidFill>
+                <a:latin typeface="Frutiger LT Com 45 Light"/>
+                <a:ea typeface="DejaVu Sans"/>
+              </a:rPr>
+              <a:t>Clara Jansen</a:t>
+            </a:r>
+            <a:endParaRPr lang="de-DE" sz="2800" b="0" strike="noStrike" spc="-1">
+              <a:latin typeface="Arial"/>
+            </a:endParaRPr>
+          </a:p>
+          <a:p>
+            <a:pPr>
+              <a:lnSpc>
+                <a:spcPct val="100000"/>
+              </a:lnSpc>
+              <a:spcBef>
+                <a:spcPts val="561"/>
+              </a:spcBef>
+              <a:tabLst>
+                <a:tab pos="0" algn="l"/>
+              </a:tabLst>
+            </a:pPr>
+            <a:r>
+              <a:rPr lang="de-DE" sz="2800" b="0" strike="noStrike" spc="-1">
+                <a:solidFill>
+                  <a:srgbClr val="FFFFFF"/>
+                </a:solidFill>
+                <a:latin typeface="Frutiger LT Com 45 Light"/>
+                <a:ea typeface="DejaVu Sans"/>
+              </a:rPr>
+              <a:t>Dietrich Tönnies</a:t>
+            </a:r>
+            <a:endParaRPr lang="de-DE" sz="2800" b="0" strike="noStrike" spc="-1">
+              <a:latin typeface="Arial"/>
+            </a:endParaRPr>
+          </a:p>
+        </p:txBody>
+      </p:sp>
+      <p:sp>
+        <p:nvSpPr>
+          <p:cNvPr id="514" name="Line 2"/>
+          <p:cNvSpPr/>
+          <p:nvPr/>
+        </p:nvSpPr>
+        <p:spPr>
+          <a:xfrm>
+            <a:off x="1037520" y="1520640"/>
+            <a:ext cx="17640" cy="3816360"/>
+          </a:xfrm>
+          <a:prstGeom prst="line">
+            <a:avLst/>
+          </a:prstGeom>
+          <a:ln>
+            <a:solidFill>
+              <a:srgbClr val="000000"/>
+            </a:solidFill>
+            <a:round/>
+          </a:ln>
+        </p:spPr>
+        <p:style>
+          <a:lnRef idx="1">
+            <a:schemeClr val="dk1"/>
+          </a:lnRef>
+          <a:fillRef idx="0">
+            <a:schemeClr val="dk1"/>
+          </a:fillRef>
+          <a:effectRef idx="0">
+            <a:schemeClr val="dk1"/>
+          </a:effectRef>
+          <a:fontRef idx="minor"/>
+        </p:style>
+      </p:sp>
+      <p:sp>
+        <p:nvSpPr>
+          <p:cNvPr id="515" name="CustomShape 3"/>
+          <p:cNvSpPr/>
+          <p:nvPr/>
+        </p:nvSpPr>
+        <p:spPr>
+          <a:xfrm>
+            <a:off x="1145160" y="1746720"/>
+            <a:ext cx="4013640" cy="363960"/>
+          </a:xfrm>
+          <a:prstGeom prst="rect">
+            <a:avLst/>
+          </a:prstGeom>
+          <a:noFill/>
+          <a:ln w="0">
+            <a:noFill/>
+          </a:ln>
+        </p:spPr>
+        <p:style>
+          <a:lnRef idx="0">
+            <a:scrgbClr r="0" g="0" b="0"/>
+          </a:lnRef>
+          <a:fillRef idx="0">
+            <a:scrgbClr r="0" g="0" b="0"/>
+          </a:fillRef>
+          <a:effectRef idx="0">
+            <a:scrgbClr r="0" g="0" b="0"/>
+          </a:effectRef>
+          <a:fontRef idx="minor"/>
+        </p:style>
+        <p:txBody>
+          <a:bodyPr lIns="90000" tIns="45000" rIns="90000" bIns="45000">
+            <a:spAutoFit/>
           </a:bodyPr>
           <a:lstStyle/>
           <a:p>
@@ -27088,51 +26990,31 @@
               </a:lnSpc>
             </a:pPr>
             <a:r>
-              <a:rPr lang="de-DE" sz="2200" b="1" strike="noStrike" spc="-1" dirty="0">
+              <a:rPr lang="de-DE" sz="1800" b="0" strike="noStrike" spc="-1">
                 <a:solidFill>
-                  <a:srgbClr val="5073A5"/>
+                  <a:srgbClr val="000000"/>
                 </a:solidFill>
                 <a:latin typeface="Frutiger LT Com 45 Light"/>
                 <a:ea typeface="DejaVu Sans"/>
               </a:rPr>
-              <a:t>Warum macht der </a:t>
-            </a:r>
-            <a:r>
-              <a:rPr lang="de-DE" sz="2200" b="1" strike="noStrike" spc="-1" dirty="0" err="1">
-                <a:solidFill>
-                  <a:srgbClr val="5073A5"/>
-                </a:solidFill>
-                <a:latin typeface="Frutiger LT Com 45 Light"/>
-                <a:ea typeface="DejaVu Sans"/>
-              </a:rPr>
-              <a:t>MedExtractor</a:t>
-            </a:r>
-            <a:r>
-              <a:rPr lang="de-DE" sz="2200" b="1" strike="noStrike" spc="-1" dirty="0">
-                <a:solidFill>
-                  <a:srgbClr val="5073A5"/>
-                </a:solidFill>
-                <a:latin typeface="Frutiger LT Com 45 Light"/>
-                <a:ea typeface="DejaVu Sans"/>
-              </a:rPr>
-              <a:t> Fehler?</a:t>
-            </a:r>
-            <a:endParaRPr lang="de-DE" sz="2200" b="0" strike="noStrike" spc="-1" dirty="0">
-              <a:latin typeface="Arial"/>
-            </a:endParaRPr>
-          </a:p>
-        </p:txBody>
-      </p:sp>
-      <p:sp>
-        <p:nvSpPr>
-          <p:cNvPr id="488" name="CustomShape 2"/>
+              <a:t>Thema 1</a:t>
+            </a:r>
+            <a:endParaRPr lang="de-DE" sz="1800" b="0" strike="noStrike" spc="-1">
+              <a:latin typeface="Arial"/>
+            </a:endParaRPr>
+          </a:p>
+        </p:txBody>
+      </p:sp>
+      <p:sp>
+        <p:nvSpPr>
+          <p:cNvPr id="516" name="CustomShape 4"/>
           <p:cNvSpPr/>
           <p:nvPr/>
         </p:nvSpPr>
         <p:spPr>
           <a:xfrm>
-            <a:off x="1631520" y="6426000"/>
-            <a:ext cx="7271640" cy="239760"/>
+            <a:off x="1145160" y="2445120"/>
+            <a:ext cx="2285280" cy="363960"/>
           </a:xfrm>
           <a:prstGeom prst="rect">
             <a:avLst/>
@@ -27155,8 +27037,8 @@
           <a:fontRef idx="minor"/>
         </p:style>
         <p:txBody>
-          <a:bodyPr lIns="0" tIns="0" rIns="0" bIns="0">
-            <a:noAutofit/>
+          <a:bodyPr lIns="90000" tIns="45000" rIns="90000" bIns="45000">
+            <a:spAutoFit/>
           </a:bodyPr>
           <a:lstStyle/>
           <a:p>
@@ -27166,31 +27048,31 @@
               </a:lnSpc>
             </a:pPr>
             <a:r>
-              <a:rPr lang="en-US" sz="900" b="0" strike="noStrike" spc="-1">
+              <a:rPr lang="de-DE" sz="1800" b="0" strike="noStrike" spc="-1">
                 <a:solidFill>
-                  <a:srgbClr val="5073A5"/>
+                  <a:srgbClr val="000000"/>
                 </a:solidFill>
                 <a:latin typeface="Frutiger LT Com 45 Light"/>
                 <a:ea typeface="DejaVu Sans"/>
               </a:rPr>
-              <a:t>Fußzeile</a:t>
-            </a:r>
-            <a:endParaRPr lang="de-DE" sz="900" b="0" strike="noStrike" spc="-1">
-              <a:latin typeface="Arial"/>
-            </a:endParaRPr>
-          </a:p>
-        </p:txBody>
-      </p:sp>
-      <p:sp>
-        <p:nvSpPr>
-          <p:cNvPr id="489" name="CustomShape 3"/>
+              <a:t>Thema 2</a:t>
+            </a:r>
+            <a:endParaRPr lang="de-DE" sz="1800" b="0" strike="noStrike" spc="-1">
+              <a:latin typeface="Arial"/>
+            </a:endParaRPr>
+          </a:p>
+        </p:txBody>
+      </p:sp>
+      <p:sp>
+        <p:nvSpPr>
+          <p:cNvPr id="517" name="CustomShape 5"/>
           <p:cNvSpPr/>
           <p:nvPr/>
         </p:nvSpPr>
         <p:spPr>
           <a:xfrm>
-            <a:off x="1055520" y="6426000"/>
-            <a:ext cx="552600" cy="239760"/>
+            <a:off x="1131480" y="4281120"/>
+            <a:ext cx="3653640" cy="363960"/>
           </a:xfrm>
           <a:prstGeom prst="rect">
             <a:avLst/>
@@ -27213,8 +27095,8 @@
           <a:fontRef idx="minor"/>
         </p:style>
         <p:txBody>
-          <a:bodyPr lIns="0" tIns="0" rIns="0" bIns="0">
-            <a:noAutofit/>
+          <a:bodyPr lIns="90000" tIns="45000" rIns="90000" bIns="45000">
+            <a:spAutoFit/>
           </a:bodyPr>
           <a:lstStyle/>
           <a:p>
@@ -27223,400 +27105,204 @@
                 <a:spcPct val="100000"/>
               </a:lnSpc>
             </a:pPr>
-            <a:fld id="{4923A73F-5495-417A-9B89-90354BD07CB0}" type="slidenum">
-              <a:rPr lang="de-DE" sz="900" b="1" strike="noStrike" spc="-1">
-                <a:solidFill>
-                  <a:srgbClr val="5073A5"/>
-                </a:solidFill>
-                <a:latin typeface="Frutiger LT Com 45 Light"/>
-                <a:ea typeface="DejaVu Sans"/>
-              </a:rPr>
-              <a:t>23</a:t>
-            </a:fld>
-            <a:endParaRPr lang="de-DE" sz="900" b="0" strike="noStrike" spc="-1">
-              <a:latin typeface="Arial"/>
-            </a:endParaRPr>
-          </a:p>
-        </p:txBody>
-      </p:sp>
-      <p:sp>
-        <p:nvSpPr>
-          <p:cNvPr id="490" name="CustomShape 4"/>
-          <p:cNvSpPr/>
-          <p:nvPr/>
-        </p:nvSpPr>
-        <p:spPr>
-          <a:xfrm>
-            <a:off x="1279440" y="1151280"/>
-            <a:ext cx="9348120" cy="4997880"/>
-          </a:xfrm>
-          <a:prstGeom prst="rect">
-            <a:avLst/>
-          </a:prstGeom>
-          <a:noFill/>
-          <a:ln w="0">
-            <a:noFill/>
-          </a:ln>
-        </p:spPr>
-        <p:style>
-          <a:lnRef idx="0">
-            <a:scrgbClr r="0" g="0" b="0"/>
-          </a:lnRef>
-          <a:fillRef idx="0">
-            <a:scrgbClr r="0" g="0" b="0"/>
-          </a:fillRef>
-          <a:effectRef idx="0">
-            <a:scrgbClr r="0" g="0" b="0"/>
-          </a:effectRef>
-          <a:fontRef idx="minor"/>
-        </p:style>
-        <p:txBody>
-          <a:bodyPr lIns="90000" tIns="45000" rIns="90000" bIns="45000">
-            <a:noAutofit/>
-          </a:bodyPr>
-          <a:lstStyle/>
-          <a:p>
-            <a:pPr marL="285840" indent="-285120">
-              <a:lnSpc>
-                <a:spcPct val="100000"/>
-              </a:lnSpc>
-              <a:spcBef>
-                <a:spcPts val="1800"/>
-              </a:spcBef>
-              <a:buClr>
-                <a:srgbClr val="000000"/>
-              </a:buClr>
-              <a:buFont typeface="Arial"/>
-              <a:buChar char="•"/>
-            </a:pPr>
-            <a:r>
-              <a:rPr lang="de-DE" sz="2000" b="0" strike="noStrike" spc="-1" dirty="0">
+            <a:r>
+              <a:rPr lang="de-DE" sz="1800" b="0" strike="noStrike" spc="-1">
                 <a:solidFill>
                   <a:srgbClr val="000000"/>
                 </a:solidFill>
                 <a:latin typeface="Frutiger LT Com 45 Light"/>
                 <a:ea typeface="DejaVu Sans"/>
               </a:rPr>
-              <a:t>Trainingsvokabular enthält ungeeignete Begriffe, z.B. Verben wie ‚</a:t>
-            </a:r>
-            <a:r>
-              <a:rPr lang="de-DE" sz="2000" b="0" strike="noStrike" spc="-1" dirty="0" err="1">
+              <a:t>Thema 3</a:t>
+            </a:r>
+            <a:endParaRPr lang="de-DE" sz="1800" b="0" strike="noStrike" spc="-1">
+              <a:latin typeface="Arial"/>
+            </a:endParaRPr>
+          </a:p>
+        </p:txBody>
+      </p:sp>
+      <p:sp>
+        <p:nvSpPr>
+          <p:cNvPr id="518" name="CustomShape 6"/>
+          <p:cNvSpPr/>
+          <p:nvPr/>
+        </p:nvSpPr>
+        <p:spPr>
+          <a:xfrm>
+            <a:off x="1487520" y="3219840"/>
+            <a:ext cx="2285280" cy="363960"/>
+          </a:xfrm>
+          <a:prstGeom prst="rect">
+            <a:avLst/>
+          </a:prstGeom>
+          <a:noFill/>
+          <a:ln w="0">
+            <a:noFill/>
+          </a:ln>
+        </p:spPr>
+        <p:style>
+          <a:lnRef idx="0">
+            <a:scrgbClr r="0" g="0" b="0"/>
+          </a:lnRef>
+          <a:fillRef idx="0">
+            <a:scrgbClr r="0" g="0" b="0"/>
+          </a:fillRef>
+          <a:effectRef idx="0">
+            <a:scrgbClr r="0" g="0" b="0"/>
+          </a:effectRef>
+          <a:fontRef idx="minor"/>
+        </p:style>
+        <p:txBody>
+          <a:bodyPr lIns="90000" tIns="45000" rIns="90000" bIns="45000">
+            <a:spAutoFit/>
+          </a:bodyPr>
+          <a:lstStyle/>
+          <a:p>
+            <a:pPr>
+              <a:lnSpc>
+                <a:spcPct val="100000"/>
+              </a:lnSpc>
+            </a:pPr>
+            <a:r>
+              <a:rPr lang="de-DE" sz="1800" b="0" strike="noStrike" spc="-1">
                 <a:solidFill>
                   <a:srgbClr val="000000"/>
                 </a:solidFill>
                 <a:latin typeface="Frutiger LT Com 45 Light"/>
                 <a:ea typeface="DejaVu Sans"/>
               </a:rPr>
-              <a:t>aggravate</a:t>
-            </a:r>
-            <a:r>
-              <a:rPr lang="de-DE" sz="2000" b="0" strike="noStrike" spc="-1" dirty="0">
+              <a:t>Aspekt 2</a:t>
+            </a:r>
+            <a:endParaRPr lang="de-DE" sz="1800" b="0" strike="noStrike" spc="-1">
+              <a:latin typeface="Arial"/>
+            </a:endParaRPr>
+          </a:p>
+        </p:txBody>
+      </p:sp>
+      <p:sp>
+        <p:nvSpPr>
+          <p:cNvPr id="519" name="CustomShape 7"/>
+          <p:cNvSpPr/>
+          <p:nvPr/>
+        </p:nvSpPr>
+        <p:spPr>
+          <a:xfrm>
+            <a:off x="1487520" y="2814120"/>
+            <a:ext cx="2285280" cy="363960"/>
+          </a:xfrm>
+          <a:prstGeom prst="rect">
+            <a:avLst/>
+          </a:prstGeom>
+          <a:noFill/>
+          <a:ln w="0">
+            <a:noFill/>
+          </a:ln>
+        </p:spPr>
+        <p:style>
+          <a:lnRef idx="0">
+            <a:scrgbClr r="0" g="0" b="0"/>
+          </a:lnRef>
+          <a:fillRef idx="0">
+            <a:scrgbClr r="0" g="0" b="0"/>
+          </a:fillRef>
+          <a:effectRef idx="0">
+            <a:scrgbClr r="0" g="0" b="0"/>
+          </a:effectRef>
+          <a:fontRef idx="minor"/>
+        </p:style>
+        <p:txBody>
+          <a:bodyPr lIns="90000" tIns="45000" rIns="90000" bIns="45000">
+            <a:spAutoFit/>
+          </a:bodyPr>
+          <a:lstStyle/>
+          <a:p>
+            <a:pPr>
+              <a:lnSpc>
+                <a:spcPct val="100000"/>
+              </a:lnSpc>
+            </a:pPr>
+            <a:r>
+              <a:rPr lang="de-DE" sz="1800" b="0" strike="noStrike" spc="-1">
                 <a:solidFill>
                   <a:srgbClr val="000000"/>
                 </a:solidFill>
                 <a:latin typeface="Frutiger LT Com 45 Light"/>
                 <a:ea typeface="DejaVu Sans"/>
               </a:rPr>
-              <a:t>‘ oder generische Überbegriffe wie ‚</a:t>
-            </a:r>
-            <a:r>
-              <a:rPr lang="de-DE" sz="2000" b="0" strike="noStrike" spc="-1" dirty="0" err="1">
+              <a:t>Aspekt 1</a:t>
+            </a:r>
+            <a:endParaRPr lang="de-DE" sz="1800" b="0" strike="noStrike" spc="-1">
+              <a:latin typeface="Arial"/>
+            </a:endParaRPr>
+          </a:p>
+        </p:txBody>
+      </p:sp>
+      <p:sp>
+        <p:nvSpPr>
+          <p:cNvPr id="520" name="CustomShape 8"/>
+          <p:cNvSpPr/>
+          <p:nvPr/>
+        </p:nvSpPr>
+        <p:spPr>
+          <a:xfrm>
+            <a:off x="1487520" y="3625560"/>
+            <a:ext cx="2285280" cy="363960"/>
+          </a:xfrm>
+          <a:prstGeom prst="rect">
+            <a:avLst/>
+          </a:prstGeom>
+          <a:noFill/>
+          <a:ln w="0">
+            <a:noFill/>
+          </a:ln>
+        </p:spPr>
+        <p:style>
+          <a:lnRef idx="0">
+            <a:scrgbClr r="0" g="0" b="0"/>
+          </a:lnRef>
+          <a:fillRef idx="0">
+            <a:scrgbClr r="0" g="0" b="0"/>
+          </a:fillRef>
+          <a:effectRef idx="0">
+            <a:scrgbClr r="0" g="0" b="0"/>
+          </a:effectRef>
+          <a:fontRef idx="minor"/>
+        </p:style>
+        <p:txBody>
+          <a:bodyPr lIns="90000" tIns="45000" rIns="90000" bIns="45000">
+            <a:spAutoFit/>
+          </a:bodyPr>
+          <a:lstStyle/>
+          <a:p>
+            <a:pPr>
+              <a:lnSpc>
+                <a:spcPct val="100000"/>
+              </a:lnSpc>
+            </a:pPr>
+            <a:r>
+              <a:rPr lang="de-DE" sz="1800" b="0" strike="noStrike" spc="-1">
                 <a:solidFill>
                   <a:srgbClr val="000000"/>
                 </a:solidFill>
                 <a:latin typeface="Frutiger LT Com 45 Light"/>
                 <a:ea typeface="DejaVu Sans"/>
               </a:rPr>
-              <a:t>impairment</a:t>
-            </a:r>
-            <a:r>
-              <a:rPr lang="de-DE" sz="2000" b="0" strike="noStrike" spc="-1" dirty="0">
-                <a:solidFill>
-                  <a:srgbClr val="000000"/>
-                </a:solidFill>
-                <a:latin typeface="Frutiger LT Com 45 Light"/>
-                <a:ea typeface="DejaVu Sans"/>
-              </a:rPr>
-              <a:t>‘.</a:t>
-            </a:r>
-            <a:endParaRPr lang="de-DE" sz="2000" b="0" strike="noStrike" spc="-1" dirty="0">
-              <a:latin typeface="Arial"/>
-            </a:endParaRPr>
-          </a:p>
-          <a:p>
-            <a:pPr marL="285840" indent="-285120">
-              <a:lnSpc>
-                <a:spcPct val="100000"/>
-              </a:lnSpc>
-              <a:spcBef>
-                <a:spcPts val="1800"/>
-              </a:spcBef>
-              <a:buClr>
-                <a:srgbClr val="000000"/>
-              </a:buClr>
-              <a:buFont typeface="Arial"/>
-              <a:buChar char="•"/>
-            </a:pPr>
-            <a:r>
-              <a:rPr lang="de-DE" sz="2000" b="0" strike="noStrike" spc="-1" dirty="0">
-                <a:solidFill>
-                  <a:srgbClr val="000000"/>
-                </a:solidFill>
-                <a:latin typeface="Frutiger LT Com 45 Light"/>
-                <a:ea typeface="DejaVu Sans"/>
-              </a:rPr>
-              <a:t>Trainingsvokabular enthält doppeldeutige Begriffe, z.B. die Substantive ‚</a:t>
-            </a:r>
-            <a:r>
-              <a:rPr lang="de-DE" sz="2000" b="0" strike="noStrike" spc="-1" dirty="0" err="1">
-                <a:solidFill>
-                  <a:srgbClr val="000000"/>
-                </a:solidFill>
-                <a:latin typeface="Frutiger LT Com 45 Light"/>
-                <a:ea typeface="DejaVu Sans"/>
-              </a:rPr>
-              <a:t>cut</a:t>
-            </a:r>
-            <a:r>
-              <a:rPr lang="de-DE" sz="2000" b="0" strike="noStrike" spc="-1" dirty="0">
-                <a:solidFill>
-                  <a:srgbClr val="000000"/>
-                </a:solidFill>
-                <a:latin typeface="Frutiger LT Com 45 Light"/>
-                <a:ea typeface="DejaVu Sans"/>
-              </a:rPr>
-              <a:t>‘ oder ‚</a:t>
-            </a:r>
-            <a:r>
-              <a:rPr lang="de-DE" sz="2000" b="0" strike="noStrike" spc="-1" dirty="0" err="1">
-                <a:solidFill>
-                  <a:srgbClr val="000000"/>
-                </a:solidFill>
-                <a:latin typeface="Frutiger LT Com 45 Light"/>
-                <a:ea typeface="DejaVu Sans"/>
-              </a:rPr>
-              <a:t>cold</a:t>
-            </a:r>
-            <a:r>
-              <a:rPr lang="de-DE" sz="2000" b="0" strike="noStrike" spc="-1" dirty="0">
-                <a:solidFill>
-                  <a:srgbClr val="000000"/>
-                </a:solidFill>
-                <a:latin typeface="Frutiger LT Com 45 Light"/>
-                <a:ea typeface="DejaVu Sans"/>
-              </a:rPr>
-              <a:t>‘, die als Krankheiten interpretiert werden, auch wenn sie im Text eigentlich Verben oder Adjektive sind.</a:t>
-            </a:r>
-            <a:endParaRPr lang="de-DE" sz="2000" b="0" strike="noStrike" spc="-1" dirty="0">
-              <a:latin typeface="Arial"/>
-            </a:endParaRPr>
-          </a:p>
-          <a:p>
-            <a:pPr marL="228600" indent="-227880">
-              <a:lnSpc>
-                <a:spcPct val="90000"/>
-              </a:lnSpc>
-              <a:spcBef>
-                <a:spcPts val="1800"/>
-              </a:spcBef>
-              <a:buClr>
-                <a:srgbClr val="000000"/>
-              </a:buClr>
-              <a:buFont typeface="Arial"/>
-              <a:buChar char="•"/>
-            </a:pPr>
-            <a:r>
-              <a:rPr lang="de-DE" sz="2000" b="0" strike="noStrike" spc="-1" dirty="0">
-                <a:solidFill>
-                  <a:srgbClr val="000000"/>
-                </a:solidFill>
-                <a:latin typeface="Frutiger LT Com 45 Light"/>
-                <a:ea typeface="DejaVu Sans"/>
-              </a:rPr>
-              <a:t>Negationen werden nicht richtig aus dem Kontext heraus erkannt, z.B. „</a:t>
-            </a:r>
-            <a:r>
-              <a:rPr lang="en-US" sz="2000" b="0" strike="noStrike" spc="-1" dirty="0">
-                <a:solidFill>
-                  <a:srgbClr val="000000"/>
-                </a:solidFill>
-                <a:latin typeface="Frutiger LT Com 45 Light"/>
-                <a:ea typeface="DejaVu Sans"/>
-              </a:rPr>
-              <a:t>The psychological symptoms of depression include having no motivation or interest </a:t>
-            </a:r>
-            <a:r>
-              <a:rPr lang="de-DE" sz="2000" b="0" strike="noStrike" spc="-1" dirty="0">
-                <a:solidFill>
-                  <a:srgbClr val="000000"/>
-                </a:solidFill>
-                <a:latin typeface="Frutiger LT Com 45 Light"/>
-                <a:ea typeface="DejaVu Sans"/>
-              </a:rPr>
-              <a:t>in </a:t>
-            </a:r>
-            <a:r>
-              <a:rPr lang="de-DE" sz="2000" b="0" strike="noStrike" spc="-1" dirty="0" err="1">
-                <a:solidFill>
-                  <a:srgbClr val="000000"/>
-                </a:solidFill>
-                <a:latin typeface="Frutiger LT Com 45 Light"/>
-                <a:ea typeface="DejaVu Sans"/>
-              </a:rPr>
-              <a:t>things</a:t>
-            </a:r>
-            <a:r>
-              <a:rPr lang="de-DE" sz="2000" b="0" strike="noStrike" spc="-1" dirty="0">
-                <a:solidFill>
-                  <a:srgbClr val="000000"/>
-                </a:solidFill>
-                <a:latin typeface="Frutiger LT Com 45 Light"/>
-                <a:ea typeface="DejaVu Sans"/>
-              </a:rPr>
-              <a:t>. “ Interest (anstelle von ‚</a:t>
-            </a:r>
-            <a:r>
-              <a:rPr lang="de-DE" sz="2000" b="0" strike="noStrike" spc="-1" dirty="0" err="1">
-                <a:solidFill>
-                  <a:srgbClr val="000000"/>
-                </a:solidFill>
-                <a:latin typeface="Frutiger LT Com 45 Light"/>
-                <a:ea typeface="DejaVu Sans"/>
-              </a:rPr>
-              <a:t>no</a:t>
-            </a:r>
-            <a:r>
-              <a:rPr lang="de-DE" sz="2000" b="0" strike="noStrike" spc="-1" dirty="0">
-                <a:solidFill>
-                  <a:srgbClr val="000000"/>
-                </a:solidFill>
-                <a:latin typeface="Frutiger LT Com 45 Light"/>
-                <a:ea typeface="DejaVu Sans"/>
-              </a:rPr>
-              <a:t> </a:t>
-            </a:r>
-            <a:r>
-              <a:rPr lang="de-DE" sz="2000" b="0" strike="noStrike" spc="-1" dirty="0" err="1">
-                <a:solidFill>
-                  <a:srgbClr val="000000"/>
-                </a:solidFill>
-                <a:latin typeface="Frutiger LT Com 45 Light"/>
-                <a:ea typeface="DejaVu Sans"/>
-              </a:rPr>
-              <a:t>interest</a:t>
-            </a:r>
-            <a:r>
-              <a:rPr lang="de-DE" sz="2000" b="0" strike="noStrike" spc="-1" dirty="0">
-                <a:solidFill>
-                  <a:srgbClr val="000000"/>
-                </a:solidFill>
-                <a:latin typeface="Frutiger LT Com 45 Light"/>
-                <a:ea typeface="DejaVu Sans"/>
-              </a:rPr>
-              <a:t>‘) wird als Symptom einer Depression gedeutet.</a:t>
-            </a:r>
-            <a:endParaRPr lang="de-DE" sz="2000" b="0" strike="noStrike" spc="-1" dirty="0">
-              <a:latin typeface="Arial"/>
-            </a:endParaRPr>
-          </a:p>
-          <a:p>
-            <a:pPr marL="228600" indent="-227880">
-              <a:lnSpc>
-                <a:spcPct val="90000"/>
-              </a:lnSpc>
-              <a:spcBef>
-                <a:spcPts val="1800"/>
-              </a:spcBef>
-              <a:buClr>
-                <a:srgbClr val="000000"/>
-              </a:buClr>
-              <a:buFont typeface="Arial"/>
-              <a:buChar char="•"/>
-            </a:pPr>
-            <a:r>
-              <a:rPr lang="de-DE" sz="2000" b="0" strike="noStrike" spc="-1" dirty="0">
-                <a:solidFill>
-                  <a:srgbClr val="000000"/>
-                </a:solidFill>
-                <a:latin typeface="Frutiger LT Com 45 Light"/>
-                <a:ea typeface="DejaVu Sans"/>
-              </a:rPr>
-              <a:t>Bedeutung / Semantik eines Textes wird nicht erkannt: „</a:t>
-            </a:r>
-            <a:r>
-              <a:rPr lang="en-US" sz="2000" b="0" strike="noStrike" spc="-1" dirty="0">
-                <a:solidFill>
-                  <a:srgbClr val="000000"/>
-                </a:solidFill>
-                <a:latin typeface="Frutiger LT Com 45 Light"/>
-                <a:ea typeface="DejaVu Sans"/>
-              </a:rPr>
-              <a:t>These challenges came ... from gay rights activists who </a:t>
-            </a:r>
-            <a:r>
-              <a:rPr lang="en-US" sz="2000" b="0" strike="noStrike" spc="-1" dirty="0" err="1">
-                <a:solidFill>
-                  <a:srgbClr val="000000"/>
-                </a:solidFill>
-                <a:latin typeface="Frutiger LT Com 45 Light"/>
-                <a:ea typeface="DejaVu Sans"/>
-              </a:rPr>
-              <a:t>criticised</a:t>
-            </a:r>
-            <a:r>
-              <a:rPr lang="en-US" sz="2000" b="0" strike="noStrike" spc="-1" dirty="0">
-                <a:solidFill>
-                  <a:srgbClr val="000000"/>
-                </a:solidFill>
-                <a:latin typeface="Frutiger LT Com 45 Light"/>
-                <a:ea typeface="DejaVu Sans"/>
-              </a:rPr>
-              <a:t> the APA’s listing of homosexuality as a mental disorder”</a:t>
-            </a:r>
-            <a:endParaRPr lang="de-DE" sz="2000" b="0" strike="noStrike" spc="-1" dirty="0">
-              <a:latin typeface="Arial"/>
-            </a:endParaRPr>
-          </a:p>
-          <a:p>
-            <a:pPr marL="228600" indent="-227880">
-              <a:lnSpc>
-                <a:spcPct val="90000"/>
-              </a:lnSpc>
-              <a:spcBef>
-                <a:spcPts val="1800"/>
-              </a:spcBef>
-              <a:buClr>
-                <a:srgbClr val="000000"/>
-              </a:buClr>
-              <a:buFont typeface="Arial"/>
-              <a:buChar char="•"/>
-            </a:pPr>
-            <a:r>
-              <a:rPr lang="de-DE" sz="2000" b="0" strike="noStrike" spc="-1" dirty="0">
-                <a:solidFill>
-                  <a:srgbClr val="000000"/>
-                </a:solidFill>
-                <a:latin typeface="Frutiger LT Com 45 Light"/>
-                <a:ea typeface="DejaVu Sans"/>
-              </a:rPr>
-              <a:t>Es werden nur Zusammenhänge gefunden, wenn die Schlüsselbegriffe exakt im Trainingsvokabular enthalten ist.</a:t>
-            </a:r>
-            <a:endParaRPr lang="de-DE" sz="2000" b="0" strike="noStrike" spc="-1" dirty="0">
+              <a:t>Aspekt 3</a:t>
+            </a:r>
+            <a:endParaRPr lang="de-DE" sz="1800" b="0" strike="noStrike" spc="-1">
               <a:latin typeface="Arial"/>
             </a:endParaRPr>
           </a:p>
         </p:txBody>
       </p:sp>
     </p:spTree>
-    <p:extLst>
-      <p:ext uri="{BB962C8B-B14F-4D97-AF65-F5344CB8AC3E}">
-        <p14:creationId xmlns:p14="http://schemas.microsoft.com/office/powerpoint/2010/main" val="1942598348"/>
-      </p:ext>
-    </p:extLst>
   </p:cSld>
   <p:clrMapOvr>
     <a:masterClrMapping/>
   </p:clrMapOvr>
+  <p:transition spd="slow">
+    <p:fade/>
+  </p:transition>
 </p:sld>
 </file>
 
@@ -27639,6 +27325,598 @@
       </p:grpSpPr>
       <p:sp>
         <p:nvSpPr>
+          <p:cNvPr id="487" name="CustomShape 1"/>
+          <p:cNvSpPr/>
+          <p:nvPr/>
+        </p:nvSpPr>
+        <p:spPr>
+          <a:xfrm>
+            <a:off x="720000" y="260640"/>
+            <a:ext cx="8183160" cy="660960"/>
+          </a:xfrm>
+          <a:prstGeom prst="rect">
+            <a:avLst/>
+          </a:prstGeom>
+          <a:noFill/>
+          <a:ln w="0">
+            <a:noFill/>
+          </a:ln>
+        </p:spPr>
+        <p:style>
+          <a:lnRef idx="0">
+            <a:scrgbClr r="0" g="0" b="0"/>
+          </a:lnRef>
+          <a:fillRef idx="0">
+            <a:scrgbClr r="0" g="0" b="0"/>
+          </a:fillRef>
+          <a:effectRef idx="0">
+            <a:scrgbClr r="0" g="0" b="0"/>
+          </a:effectRef>
+          <a:fontRef idx="minor"/>
+        </p:style>
+        <p:txBody>
+          <a:bodyPr lIns="0" tIns="0" rIns="0" bIns="0" anchor="b">
+            <a:noAutofit/>
+          </a:bodyPr>
+          <a:lstStyle/>
+          <a:p>
+            <a:pPr>
+              <a:lnSpc>
+                <a:spcPct val="100000"/>
+              </a:lnSpc>
+            </a:pPr>
+            <a:r>
+              <a:rPr lang="de-DE" sz="2200" b="1" strike="noStrike" spc="-1" dirty="0">
+                <a:solidFill>
+                  <a:srgbClr val="5073A5"/>
+                </a:solidFill>
+                <a:latin typeface="Frutiger LT Com 45 Light"/>
+                <a:ea typeface="DejaVu Sans"/>
+              </a:rPr>
+              <a:t>Warum macht der </a:t>
+            </a:r>
+            <a:r>
+              <a:rPr lang="de-DE" sz="2200" b="1" strike="noStrike" spc="-1" dirty="0" err="1">
+                <a:solidFill>
+                  <a:srgbClr val="5073A5"/>
+                </a:solidFill>
+                <a:latin typeface="Frutiger LT Com 45 Light"/>
+                <a:ea typeface="DejaVu Sans"/>
+              </a:rPr>
+              <a:t>MedExtractor</a:t>
+            </a:r>
+            <a:r>
+              <a:rPr lang="de-DE" sz="2200" b="1" strike="noStrike" spc="-1" dirty="0">
+                <a:solidFill>
+                  <a:srgbClr val="5073A5"/>
+                </a:solidFill>
+                <a:latin typeface="Frutiger LT Com 45 Light"/>
+                <a:ea typeface="DejaVu Sans"/>
+              </a:rPr>
+              <a:t> Fehler?</a:t>
+            </a:r>
+            <a:endParaRPr lang="de-DE" sz="2200" b="0" strike="noStrike" spc="-1" dirty="0">
+              <a:latin typeface="Arial"/>
+            </a:endParaRPr>
+          </a:p>
+        </p:txBody>
+      </p:sp>
+      <p:sp>
+        <p:nvSpPr>
+          <p:cNvPr id="488" name="CustomShape 2"/>
+          <p:cNvSpPr/>
+          <p:nvPr/>
+        </p:nvSpPr>
+        <p:spPr>
+          <a:xfrm>
+            <a:off x="1631520" y="6426000"/>
+            <a:ext cx="7271640" cy="239760"/>
+          </a:xfrm>
+          <a:prstGeom prst="rect">
+            <a:avLst/>
+          </a:prstGeom>
+          <a:noFill/>
+          <a:ln w="0">
+            <a:noFill/>
+          </a:ln>
+        </p:spPr>
+        <p:style>
+          <a:lnRef idx="0">
+            <a:scrgbClr r="0" g="0" b="0"/>
+          </a:lnRef>
+          <a:fillRef idx="0">
+            <a:scrgbClr r="0" g="0" b="0"/>
+          </a:fillRef>
+          <a:effectRef idx="0">
+            <a:scrgbClr r="0" g="0" b="0"/>
+          </a:effectRef>
+          <a:fontRef idx="minor"/>
+        </p:style>
+        <p:txBody>
+          <a:bodyPr lIns="0" tIns="0" rIns="0" bIns="0">
+            <a:noAutofit/>
+          </a:bodyPr>
+          <a:lstStyle/>
+          <a:p>
+            <a:pPr>
+              <a:lnSpc>
+                <a:spcPct val="100000"/>
+              </a:lnSpc>
+            </a:pPr>
+            <a:r>
+              <a:rPr lang="en-US" sz="900" b="0" strike="noStrike" spc="-1">
+                <a:solidFill>
+                  <a:srgbClr val="5073A5"/>
+                </a:solidFill>
+                <a:latin typeface="Frutiger LT Com 45 Light"/>
+                <a:ea typeface="DejaVu Sans"/>
+              </a:rPr>
+              <a:t>Fußzeile</a:t>
+            </a:r>
+            <a:endParaRPr lang="de-DE" sz="900" b="0" strike="noStrike" spc="-1">
+              <a:latin typeface="Arial"/>
+            </a:endParaRPr>
+          </a:p>
+        </p:txBody>
+      </p:sp>
+      <p:sp>
+        <p:nvSpPr>
+          <p:cNvPr id="489" name="CustomShape 3"/>
+          <p:cNvSpPr/>
+          <p:nvPr/>
+        </p:nvSpPr>
+        <p:spPr>
+          <a:xfrm>
+            <a:off x="1055520" y="6426000"/>
+            <a:ext cx="552600" cy="239760"/>
+          </a:xfrm>
+          <a:prstGeom prst="rect">
+            <a:avLst/>
+          </a:prstGeom>
+          <a:noFill/>
+          <a:ln w="0">
+            <a:noFill/>
+          </a:ln>
+        </p:spPr>
+        <p:style>
+          <a:lnRef idx="0">
+            <a:scrgbClr r="0" g="0" b="0"/>
+          </a:lnRef>
+          <a:fillRef idx="0">
+            <a:scrgbClr r="0" g="0" b="0"/>
+          </a:fillRef>
+          <a:effectRef idx="0">
+            <a:scrgbClr r="0" g="0" b="0"/>
+          </a:effectRef>
+          <a:fontRef idx="minor"/>
+        </p:style>
+        <p:txBody>
+          <a:bodyPr lIns="0" tIns="0" rIns="0" bIns="0">
+            <a:noAutofit/>
+          </a:bodyPr>
+          <a:lstStyle/>
+          <a:p>
+            <a:pPr>
+              <a:lnSpc>
+                <a:spcPct val="100000"/>
+              </a:lnSpc>
+            </a:pPr>
+            <a:fld id="{4923A73F-5495-417A-9B89-90354BD07CB0}" type="slidenum">
+              <a:rPr lang="de-DE" sz="900" b="1" strike="noStrike" spc="-1">
+                <a:solidFill>
+                  <a:srgbClr val="5073A5"/>
+                </a:solidFill>
+                <a:latin typeface="Frutiger LT Com 45 Light"/>
+                <a:ea typeface="DejaVu Sans"/>
+              </a:rPr>
+              <a:t>24</a:t>
+            </a:fld>
+            <a:endParaRPr lang="de-DE" sz="900" b="0" strike="noStrike" spc="-1">
+              <a:latin typeface="Arial"/>
+            </a:endParaRPr>
+          </a:p>
+        </p:txBody>
+      </p:sp>
+      <p:sp>
+        <p:nvSpPr>
+          <p:cNvPr id="490" name="CustomShape 4"/>
+          <p:cNvSpPr/>
+          <p:nvPr/>
+        </p:nvSpPr>
+        <p:spPr>
+          <a:xfrm>
+            <a:off x="1279440" y="1151280"/>
+            <a:ext cx="9348120" cy="4997880"/>
+          </a:xfrm>
+          <a:prstGeom prst="rect">
+            <a:avLst/>
+          </a:prstGeom>
+          <a:noFill/>
+          <a:ln w="0">
+            <a:noFill/>
+          </a:ln>
+        </p:spPr>
+        <p:style>
+          <a:lnRef idx="0">
+            <a:scrgbClr r="0" g="0" b="0"/>
+          </a:lnRef>
+          <a:fillRef idx="0">
+            <a:scrgbClr r="0" g="0" b="0"/>
+          </a:fillRef>
+          <a:effectRef idx="0">
+            <a:scrgbClr r="0" g="0" b="0"/>
+          </a:effectRef>
+          <a:fontRef idx="minor"/>
+        </p:style>
+        <p:txBody>
+          <a:bodyPr lIns="90000" tIns="45000" rIns="90000" bIns="45000">
+            <a:noAutofit/>
+          </a:bodyPr>
+          <a:lstStyle/>
+          <a:p>
+            <a:pPr marL="285840" indent="-285120">
+              <a:lnSpc>
+                <a:spcPct val="100000"/>
+              </a:lnSpc>
+              <a:spcBef>
+                <a:spcPts val="1800"/>
+              </a:spcBef>
+              <a:buClr>
+                <a:srgbClr val="000000"/>
+              </a:buClr>
+              <a:buFont typeface="Arial"/>
+              <a:buChar char="•"/>
+            </a:pPr>
+            <a:r>
+              <a:rPr lang="de-DE" sz="2000" b="0" strike="noStrike" spc="-1" dirty="0">
+                <a:solidFill>
+                  <a:srgbClr val="000000"/>
+                </a:solidFill>
+                <a:latin typeface="Frutiger LT Com 45 Light"/>
+                <a:ea typeface="DejaVu Sans"/>
+              </a:rPr>
+              <a:t>Trainingsvokabular enthält ungeeignete Begriffe, z.B. Verben wie ‚</a:t>
+            </a:r>
+            <a:r>
+              <a:rPr lang="de-DE" sz="2000" b="0" strike="noStrike" spc="-1" dirty="0" err="1">
+                <a:solidFill>
+                  <a:srgbClr val="000000"/>
+                </a:solidFill>
+                <a:latin typeface="Frutiger LT Com 45 Light"/>
+                <a:ea typeface="DejaVu Sans"/>
+              </a:rPr>
+              <a:t>aggravate</a:t>
+            </a:r>
+            <a:r>
+              <a:rPr lang="de-DE" sz="2000" b="0" strike="noStrike" spc="-1" dirty="0">
+                <a:solidFill>
+                  <a:srgbClr val="000000"/>
+                </a:solidFill>
+                <a:latin typeface="Frutiger LT Com 45 Light"/>
+                <a:ea typeface="DejaVu Sans"/>
+              </a:rPr>
+              <a:t>‘ oder generische Überbegriffe wie ‚</a:t>
+            </a:r>
+            <a:r>
+              <a:rPr lang="de-DE" sz="2000" b="0" strike="noStrike" spc="-1" dirty="0" err="1">
+                <a:solidFill>
+                  <a:srgbClr val="000000"/>
+                </a:solidFill>
+                <a:latin typeface="Frutiger LT Com 45 Light"/>
+                <a:ea typeface="DejaVu Sans"/>
+              </a:rPr>
+              <a:t>impairment</a:t>
+            </a:r>
+            <a:r>
+              <a:rPr lang="de-DE" sz="2000" b="0" strike="noStrike" spc="-1" dirty="0">
+                <a:solidFill>
+                  <a:srgbClr val="000000"/>
+                </a:solidFill>
+                <a:latin typeface="Frutiger LT Com 45 Light"/>
+                <a:ea typeface="DejaVu Sans"/>
+              </a:rPr>
+              <a:t>‘.</a:t>
+            </a:r>
+            <a:endParaRPr lang="de-DE" sz="2000" b="0" strike="noStrike" spc="-1" dirty="0">
+              <a:latin typeface="Arial"/>
+            </a:endParaRPr>
+          </a:p>
+          <a:p>
+            <a:pPr marL="285840" indent="-285120">
+              <a:lnSpc>
+                <a:spcPct val="100000"/>
+              </a:lnSpc>
+              <a:spcBef>
+                <a:spcPts val="1800"/>
+              </a:spcBef>
+              <a:buClr>
+                <a:srgbClr val="000000"/>
+              </a:buClr>
+              <a:buFont typeface="Arial"/>
+              <a:buChar char="•"/>
+            </a:pPr>
+            <a:r>
+              <a:rPr lang="de-DE" sz="2000" b="0" strike="noStrike" spc="-1" dirty="0">
+                <a:solidFill>
+                  <a:srgbClr val="000000"/>
+                </a:solidFill>
+                <a:latin typeface="Frutiger LT Com 45 Light"/>
+                <a:ea typeface="DejaVu Sans"/>
+              </a:rPr>
+              <a:t>Trainingsvokabular enthält doppeldeutige Begriffe, z.B. die Substantive ‚</a:t>
+            </a:r>
+            <a:r>
+              <a:rPr lang="de-DE" sz="2000" b="0" strike="noStrike" spc="-1" dirty="0" err="1">
+                <a:solidFill>
+                  <a:srgbClr val="000000"/>
+                </a:solidFill>
+                <a:latin typeface="Frutiger LT Com 45 Light"/>
+                <a:ea typeface="DejaVu Sans"/>
+              </a:rPr>
+              <a:t>cut</a:t>
+            </a:r>
+            <a:r>
+              <a:rPr lang="de-DE" sz="2000" b="0" strike="noStrike" spc="-1" dirty="0">
+                <a:solidFill>
+                  <a:srgbClr val="000000"/>
+                </a:solidFill>
+                <a:latin typeface="Frutiger LT Com 45 Light"/>
+                <a:ea typeface="DejaVu Sans"/>
+              </a:rPr>
+              <a:t>‘ oder ‚</a:t>
+            </a:r>
+            <a:r>
+              <a:rPr lang="de-DE" sz="2000" b="0" strike="noStrike" spc="-1" dirty="0" err="1">
+                <a:solidFill>
+                  <a:srgbClr val="000000"/>
+                </a:solidFill>
+                <a:latin typeface="Frutiger LT Com 45 Light"/>
+                <a:ea typeface="DejaVu Sans"/>
+              </a:rPr>
+              <a:t>cold</a:t>
+            </a:r>
+            <a:r>
+              <a:rPr lang="de-DE" sz="2000" b="0" strike="noStrike" spc="-1" dirty="0">
+                <a:solidFill>
+                  <a:srgbClr val="000000"/>
+                </a:solidFill>
+                <a:latin typeface="Frutiger LT Com 45 Light"/>
+                <a:ea typeface="DejaVu Sans"/>
+              </a:rPr>
+              <a:t>‘, die als Krankheiten interpretiert werden, auch wenn sie im Text eigentlich Verben oder Adjektive sind.</a:t>
+            </a:r>
+            <a:endParaRPr lang="de-DE" sz="2000" b="0" strike="noStrike" spc="-1" dirty="0">
+              <a:latin typeface="Arial"/>
+            </a:endParaRPr>
+          </a:p>
+          <a:p>
+            <a:pPr marL="228600" indent="-227880">
+              <a:lnSpc>
+                <a:spcPct val="90000"/>
+              </a:lnSpc>
+              <a:spcBef>
+                <a:spcPts val="1800"/>
+              </a:spcBef>
+              <a:buClr>
+                <a:srgbClr val="000000"/>
+              </a:buClr>
+              <a:buFont typeface="Arial"/>
+              <a:buChar char="•"/>
+            </a:pPr>
+            <a:r>
+              <a:rPr lang="de-DE" sz="2000" b="0" strike="noStrike" spc="-1" dirty="0">
+                <a:solidFill>
+                  <a:srgbClr val="000000"/>
+                </a:solidFill>
+                <a:latin typeface="Frutiger LT Com 45 Light"/>
+                <a:ea typeface="DejaVu Sans"/>
+              </a:rPr>
+              <a:t>Negationen werden nicht richtig aus dem Kontext heraus erkannt, z.B. „</a:t>
+            </a:r>
+            <a:r>
+              <a:rPr lang="en-US" sz="2000" b="0" strike="noStrike" spc="-1" dirty="0">
+                <a:solidFill>
+                  <a:srgbClr val="000000"/>
+                </a:solidFill>
+                <a:latin typeface="Frutiger LT Com 45 Light"/>
+                <a:ea typeface="DejaVu Sans"/>
+              </a:rPr>
+              <a:t>The psychological symptoms of depression include having no motivation or interest </a:t>
+            </a:r>
+            <a:r>
+              <a:rPr lang="de-DE" sz="2000" b="0" strike="noStrike" spc="-1" dirty="0">
+                <a:solidFill>
+                  <a:srgbClr val="000000"/>
+                </a:solidFill>
+                <a:latin typeface="Frutiger LT Com 45 Light"/>
+                <a:ea typeface="DejaVu Sans"/>
+              </a:rPr>
+              <a:t>in </a:t>
+            </a:r>
+            <a:r>
+              <a:rPr lang="de-DE" sz="2000" b="0" strike="noStrike" spc="-1" dirty="0" err="1">
+                <a:solidFill>
+                  <a:srgbClr val="000000"/>
+                </a:solidFill>
+                <a:latin typeface="Frutiger LT Com 45 Light"/>
+                <a:ea typeface="DejaVu Sans"/>
+              </a:rPr>
+              <a:t>things</a:t>
+            </a:r>
+            <a:r>
+              <a:rPr lang="de-DE" sz="2000" b="0" strike="noStrike" spc="-1" dirty="0">
+                <a:solidFill>
+                  <a:srgbClr val="000000"/>
+                </a:solidFill>
+                <a:latin typeface="Frutiger LT Com 45 Light"/>
+                <a:ea typeface="DejaVu Sans"/>
+              </a:rPr>
+              <a:t>. “ Interest (anstelle von ‚</a:t>
+            </a:r>
+            <a:r>
+              <a:rPr lang="de-DE" sz="2000" b="0" strike="noStrike" spc="-1" dirty="0" err="1">
+                <a:solidFill>
+                  <a:srgbClr val="000000"/>
+                </a:solidFill>
+                <a:latin typeface="Frutiger LT Com 45 Light"/>
+                <a:ea typeface="DejaVu Sans"/>
+              </a:rPr>
+              <a:t>no</a:t>
+            </a:r>
+            <a:r>
+              <a:rPr lang="de-DE" sz="2000" b="0" strike="noStrike" spc="-1" dirty="0">
+                <a:solidFill>
+                  <a:srgbClr val="000000"/>
+                </a:solidFill>
+                <a:latin typeface="Frutiger LT Com 45 Light"/>
+                <a:ea typeface="DejaVu Sans"/>
+              </a:rPr>
+              <a:t> </a:t>
+            </a:r>
+            <a:r>
+              <a:rPr lang="de-DE" sz="2000" b="0" strike="noStrike" spc="-1" dirty="0" err="1">
+                <a:solidFill>
+                  <a:srgbClr val="000000"/>
+                </a:solidFill>
+                <a:latin typeface="Frutiger LT Com 45 Light"/>
+                <a:ea typeface="DejaVu Sans"/>
+              </a:rPr>
+              <a:t>interest</a:t>
+            </a:r>
+            <a:r>
+              <a:rPr lang="de-DE" sz="2000" b="0" strike="noStrike" spc="-1" dirty="0">
+                <a:solidFill>
+                  <a:srgbClr val="000000"/>
+                </a:solidFill>
+                <a:latin typeface="Frutiger LT Com 45 Light"/>
+                <a:ea typeface="DejaVu Sans"/>
+              </a:rPr>
+              <a:t>‘) wird als Symptom einer Depression gedeutet.</a:t>
+            </a:r>
+            <a:endParaRPr lang="de-DE" sz="2000" b="0" strike="noStrike" spc="-1" dirty="0">
+              <a:latin typeface="Arial"/>
+            </a:endParaRPr>
+          </a:p>
+          <a:p>
+            <a:pPr marL="228600" indent="-227880">
+              <a:lnSpc>
+                <a:spcPct val="90000"/>
+              </a:lnSpc>
+              <a:spcBef>
+                <a:spcPts val="1800"/>
+              </a:spcBef>
+              <a:buClr>
+                <a:srgbClr val="000000"/>
+              </a:buClr>
+              <a:buFont typeface="Arial"/>
+              <a:buChar char="•"/>
+            </a:pPr>
+            <a:r>
+              <a:rPr lang="de-DE" sz="2000" b="0" strike="noStrike" spc="-1" dirty="0">
+                <a:solidFill>
+                  <a:srgbClr val="000000"/>
+                </a:solidFill>
+                <a:latin typeface="Frutiger LT Com 45 Light"/>
+                <a:ea typeface="DejaVu Sans"/>
+              </a:rPr>
+              <a:t>Bedeutung / Semantik eines Textes wird nicht erkannt: „</a:t>
+            </a:r>
+            <a:r>
+              <a:rPr lang="en-US" sz="2000" b="0" strike="noStrike" spc="-1" dirty="0">
+                <a:solidFill>
+                  <a:srgbClr val="000000"/>
+                </a:solidFill>
+                <a:latin typeface="Frutiger LT Com 45 Light"/>
+                <a:ea typeface="DejaVu Sans"/>
+              </a:rPr>
+              <a:t>These challenges came ... from gay rights activists who </a:t>
+            </a:r>
+            <a:r>
+              <a:rPr lang="en-US" sz="2000" b="0" strike="noStrike" spc="-1" dirty="0" err="1">
+                <a:solidFill>
+                  <a:srgbClr val="000000"/>
+                </a:solidFill>
+                <a:latin typeface="Frutiger LT Com 45 Light"/>
+                <a:ea typeface="DejaVu Sans"/>
+              </a:rPr>
+              <a:t>criticised</a:t>
+            </a:r>
+            <a:r>
+              <a:rPr lang="en-US" sz="2000" b="0" strike="noStrike" spc="-1" dirty="0">
+                <a:solidFill>
+                  <a:srgbClr val="000000"/>
+                </a:solidFill>
+                <a:latin typeface="Frutiger LT Com 45 Light"/>
+                <a:ea typeface="DejaVu Sans"/>
+              </a:rPr>
+              <a:t> the APA’s listing of homosexuality as a mental disorder”</a:t>
+            </a:r>
+            <a:endParaRPr lang="de-DE" sz="2000" b="0" strike="noStrike" spc="-1" dirty="0">
+              <a:latin typeface="Arial"/>
+            </a:endParaRPr>
+          </a:p>
+          <a:p>
+            <a:pPr marL="228600" indent="-227880">
+              <a:lnSpc>
+                <a:spcPct val="90000"/>
+              </a:lnSpc>
+              <a:spcBef>
+                <a:spcPts val="1800"/>
+              </a:spcBef>
+              <a:buClr>
+                <a:srgbClr val="000000"/>
+              </a:buClr>
+              <a:buFont typeface="Arial"/>
+              <a:buChar char="•"/>
+            </a:pPr>
+            <a:r>
+              <a:rPr lang="de-DE" sz="2000" b="0" strike="noStrike" spc="-1" dirty="0">
+                <a:solidFill>
+                  <a:srgbClr val="000000"/>
+                </a:solidFill>
+                <a:latin typeface="Frutiger LT Com 45 Light"/>
+                <a:ea typeface="DejaVu Sans"/>
+              </a:rPr>
+              <a:t>Es werden nur Zusammenhänge gefunden, wenn die Schlüsselbegriffe exakt im Trainingsvokabular enthalten ist.</a:t>
+            </a:r>
+            <a:endParaRPr lang="de-DE" sz="2000" b="0" strike="noStrike" spc="-1" dirty="0">
+              <a:latin typeface="Arial"/>
+            </a:endParaRPr>
+          </a:p>
+        </p:txBody>
+      </p:sp>
+    </p:spTree>
+    <p:extLst>
+      <p:ext uri="{BB962C8B-B14F-4D97-AF65-F5344CB8AC3E}">
+        <p14:creationId xmlns:p14="http://schemas.microsoft.com/office/powerpoint/2010/main" val="1942598348"/>
+      </p:ext>
+    </p:extLst>
+  </p:cSld>
+  <p:clrMapOvr>
+    <a:masterClrMapping/>
+  </p:clrMapOvr>
+</p:sld>
+</file>
+
+<file path=ppt/slides/slide25.xml><?xml version="1.0" encoding="utf-8"?>
+<p:sld xmlns:a="http://schemas.openxmlformats.org/drawingml/2006/main" xmlns:r="http://schemas.openxmlformats.org/officeDocument/2006/relationships" xmlns:p="http://schemas.openxmlformats.org/presentationml/2006/main">
+  <p:cSld>
+    <p:spTree>
+      <p:nvGrpSpPr>
+        <p:cNvPr id="1" name=""/>
+        <p:cNvGrpSpPr/>
+        <p:nvPr/>
+      </p:nvGrpSpPr>
+      <p:grpSpPr>
+        <a:xfrm>
+          <a:off x="0" y="0"/>
+          <a:ext cx="0" cy="0"/>
+          <a:chOff x="0" y="0"/>
+          <a:chExt cx="0" cy="0"/>
+        </a:xfrm>
+      </p:grpSpPr>
+      <p:sp>
+        <p:nvSpPr>
           <p:cNvPr id="491" name="CustomShape 1"/>
           <p:cNvSpPr/>
           <p:nvPr/>
@@ -27803,7 +28081,7 @@
                 <a:latin typeface="Frutiger LT Com 45 Light"/>
                 <a:ea typeface="DejaVu Sans"/>
               </a:rPr>
-              <a:t>24</a:t>
+              <a:t>25</a:t>
             </a:fld>
             <a:endParaRPr lang="de-DE" sz="900" b="0" strike="noStrike" spc="-1">
               <a:latin typeface="Arial"/>
@@ -28045,7 +28323,7 @@
 </p:sld>
 </file>
 
-<file path=ppt/slides/slide25.xml><?xml version="1.0" encoding="utf-8"?>
+<file path=ppt/slides/slide26.xml><?xml version="1.0" encoding="utf-8"?>
 <p:sld xmlns:a="http://schemas.openxmlformats.org/drawingml/2006/main" xmlns:r="http://schemas.openxmlformats.org/officeDocument/2006/relationships" xmlns:p="http://schemas.openxmlformats.org/presentationml/2006/main">
   <p:cSld>
     <p:spTree>
@@ -30705,37 +30983,7 @@
                 <a:latin typeface="Frutiger LT Com 45 Light"/>
                 <a:ea typeface="DejaVu Sans"/>
               </a:rPr>
-              <a:t> Entity Recognition / </a:t>
-            </a:r>
-            <a:r>
-              <a:rPr lang="de-DE" sz="2200" b="1" strike="noStrike" spc="-1" dirty="0" err="1">
-                <a:solidFill>
-                  <a:srgbClr val="5073A5"/>
-                </a:solidFill>
-                <a:latin typeface="Frutiger LT Com 45 Light"/>
-                <a:ea typeface="DejaVu Sans"/>
-              </a:rPr>
-              <a:t>SpaCy‘s</a:t>
-            </a:r>
-            <a:r>
-              <a:rPr lang="de-DE" sz="2200" b="1" strike="noStrike" spc="-1" dirty="0">
-                <a:solidFill>
-                  <a:srgbClr val="5073A5"/>
-                </a:solidFill>
-                <a:latin typeface="Frutiger LT Com 45 Light"/>
-                <a:ea typeface="DejaVu Sans"/>
-              </a:rPr>
-              <a:t> Entity </a:t>
-            </a:r>
-            <a:r>
-              <a:rPr lang="de-DE" sz="2200" b="1" strike="noStrike" spc="-1" dirty="0" err="1">
-                <a:solidFill>
-                  <a:srgbClr val="5073A5"/>
-                </a:solidFill>
-                <a:latin typeface="Frutiger LT Com 45 Light"/>
-                <a:ea typeface="DejaVu Sans"/>
-              </a:rPr>
-              <a:t>Ruler</a:t>
+              <a:t> Entity Recognition</a:t>
             </a:r>
             <a:endParaRPr lang="de-DE" sz="2200" b="0" strike="noStrike" spc="-1" dirty="0">
               <a:latin typeface="Arial"/>
@@ -30743,29 +30991,6 @@
           </a:p>
         </p:txBody>
       </p:sp>
-      <p:pic>
-        <p:nvPicPr>
-          <p:cNvPr id="462" name="Grafik 1"/>
-          <p:cNvPicPr/>
-          <p:nvPr/>
-        </p:nvPicPr>
-        <p:blipFill>
-          <a:blip r:embed="rId2"/>
-          <a:stretch/>
-        </p:blipFill>
-        <p:spPr>
-          <a:xfrm>
-            <a:off x="647280" y="1099080"/>
-            <a:ext cx="10406880" cy="5042160"/>
-          </a:xfrm>
-          <a:prstGeom prst="rect">
-            <a:avLst/>
-          </a:prstGeom>
-          <a:ln w="0">
-            <a:noFill/>
-          </a:ln>
-        </p:spPr>
-      </p:pic>
       <p:pic>
         <p:nvPicPr>
           <p:cNvPr id="3" name="Grafik 2">
@@ -30781,6 +31006,36 @@
           <p:nvPr/>
         </p:nvPicPr>
         <p:blipFill>
+          <a:blip r:embed="rId2"/>
+          <a:stretch>
+            <a:fillRect/>
+          </a:stretch>
+        </p:blipFill>
+        <p:spPr>
+          <a:xfrm>
+            <a:off x="10138508" y="5612982"/>
+            <a:ext cx="1352550" cy="542925"/>
+          </a:xfrm>
+          <a:prstGeom prst="rect">
+            <a:avLst/>
+          </a:prstGeom>
+        </p:spPr>
+      </p:pic>
+      <p:pic>
+        <p:nvPicPr>
+          <p:cNvPr id="4" name="Grafik 3">
+            <a:extLst>
+              <a:ext uri="{FF2B5EF4-FFF2-40B4-BE49-F238E27FC236}">
+                <a16:creationId xmlns:a16="http://schemas.microsoft.com/office/drawing/2014/main" id="{857758F9-71E8-E5D1-2C18-E5CA5646E5A8}"/>
+              </a:ext>
+            </a:extLst>
+          </p:cNvPr>
+          <p:cNvPicPr>
+            <a:picLocks noChangeAspect="1"/>
+          </p:cNvPicPr>
+          <p:nvPr/>
+        </p:nvPicPr>
+        <p:blipFill>
           <a:blip r:embed="rId3"/>
           <a:stretch>
             <a:fillRect/>
@@ -30788,14 +31043,301 @@
         </p:blipFill>
         <p:spPr>
           <a:xfrm>
-            <a:off x="10192170" y="5487457"/>
-            <a:ext cx="1352550" cy="542925"/>
+            <a:off x="1193621" y="1549655"/>
+            <a:ext cx="9621162" cy="1079223"/>
           </a:xfrm>
           <a:prstGeom prst="rect">
             <a:avLst/>
           </a:prstGeom>
         </p:spPr>
       </p:pic>
+      <p:sp>
+        <p:nvSpPr>
+          <p:cNvPr id="5" name="Textfeld 4">
+            <a:extLst>
+              <a:ext uri="{FF2B5EF4-FFF2-40B4-BE49-F238E27FC236}">
+                <a16:creationId xmlns:a16="http://schemas.microsoft.com/office/drawing/2014/main" id="{EE391FF9-A47B-3CA3-78FE-EF53183F4818}"/>
+              </a:ext>
+            </a:extLst>
+          </p:cNvPr>
+          <p:cNvSpPr txBox="1"/>
+          <p:nvPr/>
+        </p:nvSpPr>
+        <p:spPr>
+          <a:xfrm>
+            <a:off x="2164702" y="2875817"/>
+            <a:ext cx="2646878" cy="369332"/>
+          </a:xfrm>
+          <a:prstGeom prst="rect">
+            <a:avLst/>
+          </a:prstGeom>
+          <a:noFill/>
+        </p:spPr>
+        <p:txBody>
+          <a:bodyPr wrap="none" rtlCol="0">
+            <a:spAutoFit/>
+          </a:bodyPr>
+          <a:lstStyle/>
+          <a:p>
+            <a:r>
+              <a:rPr lang="de-DE" dirty="0"/>
+              <a:t>GPE: </a:t>
+            </a:r>
+            <a:r>
+              <a:rPr lang="de-DE" dirty="0" err="1"/>
+              <a:t>Geopolitical</a:t>
+            </a:r>
+            <a:r>
+              <a:rPr lang="de-DE" dirty="0"/>
+              <a:t> Entity</a:t>
+            </a:r>
+          </a:p>
+        </p:txBody>
+      </p:sp>
+      <p:sp>
+        <p:nvSpPr>
+          <p:cNvPr id="6" name="Textfeld 5">
+            <a:extLst>
+              <a:ext uri="{FF2B5EF4-FFF2-40B4-BE49-F238E27FC236}">
+                <a16:creationId xmlns:a16="http://schemas.microsoft.com/office/drawing/2014/main" id="{F79E0A85-26EA-6FD0-51B0-B46D29A2708D}"/>
+              </a:ext>
+            </a:extLst>
+          </p:cNvPr>
+          <p:cNvSpPr txBox="1"/>
+          <p:nvPr/>
+        </p:nvSpPr>
+        <p:spPr>
+          <a:xfrm>
+            <a:off x="5591666" y="3688835"/>
+            <a:ext cx="2262158" cy="369332"/>
+          </a:xfrm>
+          <a:prstGeom prst="rect">
+            <a:avLst/>
+          </a:prstGeom>
+          <a:noFill/>
+        </p:spPr>
+        <p:txBody>
+          <a:bodyPr wrap="none" rtlCol="0">
+            <a:spAutoFit/>
+          </a:bodyPr>
+          <a:lstStyle/>
+          <a:p>
+            <a:r>
+              <a:rPr lang="de-DE" dirty="0"/>
+              <a:t>ORG: </a:t>
+            </a:r>
+            <a:r>
+              <a:rPr lang="de-DE" dirty="0" err="1"/>
+              <a:t>Organizations</a:t>
+            </a:r>
+            <a:endParaRPr lang="de-DE" dirty="0"/>
+          </a:p>
+        </p:txBody>
+      </p:sp>
+      <p:cxnSp>
+        <p:nvCxnSpPr>
+          <p:cNvPr id="8" name="Gerader Verbinder 7">
+            <a:extLst>
+              <a:ext uri="{FF2B5EF4-FFF2-40B4-BE49-F238E27FC236}">
+                <a16:creationId xmlns:a16="http://schemas.microsoft.com/office/drawing/2014/main" id="{5C72B6AA-9007-CC3C-8ED7-12733F18537E}"/>
+              </a:ext>
+            </a:extLst>
+          </p:cNvPr>
+          <p:cNvCxnSpPr/>
+          <p:nvPr/>
+        </p:nvCxnSpPr>
+        <p:spPr>
+          <a:xfrm>
+            <a:off x="2356701" y="2628878"/>
+            <a:ext cx="0" cy="180310"/>
+          </a:xfrm>
+          <a:prstGeom prst="line">
+            <a:avLst/>
+          </a:prstGeom>
+          <a:ln w="28575"/>
+        </p:spPr>
+        <p:style>
+          <a:lnRef idx="1">
+            <a:schemeClr val="accent3"/>
+          </a:lnRef>
+          <a:fillRef idx="0">
+            <a:schemeClr val="accent3"/>
+          </a:fillRef>
+          <a:effectRef idx="0">
+            <a:schemeClr val="accent3"/>
+          </a:effectRef>
+          <a:fontRef idx="minor">
+            <a:schemeClr val="tx1"/>
+          </a:fontRef>
+        </p:style>
+      </p:cxnSp>
+      <p:cxnSp>
+        <p:nvCxnSpPr>
+          <p:cNvPr id="9" name="Gerader Verbinder 8">
+            <a:extLst>
+              <a:ext uri="{FF2B5EF4-FFF2-40B4-BE49-F238E27FC236}">
+                <a16:creationId xmlns:a16="http://schemas.microsoft.com/office/drawing/2014/main" id="{3C861A86-C712-5A01-5F0B-033E847EC2EA}"/>
+              </a:ext>
+            </a:extLst>
+          </p:cNvPr>
+          <p:cNvCxnSpPr>
+            <a:cxnSpLocks/>
+          </p:cNvCxnSpPr>
+          <p:nvPr/>
+        </p:nvCxnSpPr>
+        <p:spPr>
+          <a:xfrm>
+            <a:off x="5836763" y="2625136"/>
+            <a:ext cx="0" cy="1063699"/>
+          </a:xfrm>
+          <a:prstGeom prst="line">
+            <a:avLst/>
+          </a:prstGeom>
+          <a:ln w="28575">
+            <a:solidFill>
+              <a:schemeClr val="accent5">
+                <a:lumMod val="60000"/>
+                <a:lumOff val="40000"/>
+              </a:schemeClr>
+            </a:solidFill>
+          </a:ln>
+        </p:spPr>
+        <p:style>
+          <a:lnRef idx="1">
+            <a:schemeClr val="accent3"/>
+          </a:lnRef>
+          <a:fillRef idx="0">
+            <a:schemeClr val="accent3"/>
+          </a:fillRef>
+          <a:effectRef idx="0">
+            <a:schemeClr val="accent3"/>
+          </a:effectRef>
+          <a:fontRef idx="minor">
+            <a:schemeClr val="tx1"/>
+          </a:fontRef>
+        </p:style>
+      </p:cxnSp>
+      <p:pic>
+        <p:nvPicPr>
+          <p:cNvPr id="12" name="Grafik 11">
+            <a:extLst>
+              <a:ext uri="{FF2B5EF4-FFF2-40B4-BE49-F238E27FC236}">
+                <a16:creationId xmlns:a16="http://schemas.microsoft.com/office/drawing/2014/main" id="{17AE146D-1D2E-50FF-3D78-CDEA445DFA6C}"/>
+              </a:ext>
+            </a:extLst>
+          </p:cNvPr>
+          <p:cNvPicPr>
+            <a:picLocks noChangeAspect="1"/>
+          </p:cNvPicPr>
+          <p:nvPr/>
+        </p:nvPicPr>
+        <p:blipFill>
+          <a:blip r:embed="rId4"/>
+          <a:stretch>
+            <a:fillRect/>
+          </a:stretch>
+        </p:blipFill>
+        <p:spPr>
+          <a:xfrm>
+            <a:off x="1193621" y="4187051"/>
+            <a:ext cx="10101682" cy="1425931"/>
+          </a:xfrm>
+          <a:prstGeom prst="rect">
+            <a:avLst/>
+          </a:prstGeom>
+        </p:spPr>
+      </p:pic>
+      <p:sp>
+        <p:nvSpPr>
+          <p:cNvPr id="13" name="Rechteck: abgerundete Ecken 12">
+            <a:extLst>
+              <a:ext uri="{FF2B5EF4-FFF2-40B4-BE49-F238E27FC236}">
+                <a16:creationId xmlns:a16="http://schemas.microsoft.com/office/drawing/2014/main" id="{EEA8A749-CDF1-C829-4084-D27BD0A0770E}"/>
+              </a:ext>
+            </a:extLst>
+          </p:cNvPr>
+          <p:cNvSpPr/>
+          <p:nvPr/>
+        </p:nvSpPr>
+        <p:spPr>
+          <a:xfrm>
+            <a:off x="4156990" y="5779731"/>
+            <a:ext cx="3018149" cy="239760"/>
+          </a:xfrm>
+          <a:prstGeom prst="roundRect">
+            <a:avLst/>
+          </a:prstGeom>
+          <a:solidFill>
+            <a:schemeClr val="accent5">
+              <a:lumMod val="60000"/>
+              <a:lumOff val="40000"/>
+            </a:schemeClr>
+          </a:solidFill>
+        </p:spPr>
+        <p:style>
+          <a:lnRef idx="2">
+            <a:schemeClr val="accent1">
+              <a:shade val="50000"/>
+            </a:schemeClr>
+          </a:lnRef>
+          <a:fillRef idx="1">
+            <a:schemeClr val="accent1"/>
+          </a:fillRef>
+          <a:effectRef idx="0">
+            <a:schemeClr val="accent1"/>
+          </a:effectRef>
+          <a:fontRef idx="minor">
+            <a:schemeClr val="lt1"/>
+          </a:fontRef>
+        </p:style>
+        <p:txBody>
+          <a:bodyPr rtlCol="0" anchor="ctr"/>
+          <a:lstStyle/>
+          <a:p>
+            <a:pPr algn="ctr"/>
+            <a:r>
+              <a:rPr lang="de-DE" sz="1400" dirty="0">
+                <a:solidFill>
+                  <a:schemeClr val="tx1"/>
+                </a:solidFill>
+              </a:rPr>
+              <a:t>Keine </a:t>
+            </a:r>
+            <a:r>
+              <a:rPr lang="de-DE" sz="1400" dirty="0" err="1">
+                <a:solidFill>
+                  <a:schemeClr val="tx1"/>
+                </a:solidFill>
+              </a:rPr>
+              <a:t>Named</a:t>
+            </a:r>
+            <a:r>
+              <a:rPr lang="de-DE" sz="1400" dirty="0">
+                <a:solidFill>
+                  <a:schemeClr val="tx1"/>
+                </a:solidFill>
+              </a:rPr>
+              <a:t> </a:t>
+            </a:r>
+            <a:r>
+              <a:rPr lang="de-DE" sz="1400" dirty="0" err="1">
+                <a:solidFill>
+                  <a:schemeClr val="tx1"/>
+                </a:solidFill>
+              </a:rPr>
+              <a:t>Entities</a:t>
+            </a:r>
+            <a:r>
+              <a:rPr lang="de-DE" sz="1400" dirty="0">
+                <a:solidFill>
+                  <a:schemeClr val="tx1"/>
+                </a:solidFill>
+              </a:rPr>
+              <a:t> gefunden</a:t>
+            </a:r>
+          </a:p>
+        </p:txBody>
+      </p:sp>
     </p:spTree>
   </p:cSld>
   <p:clrMapOvr>

--- a/Praesentation/Praesentation_Fachpraktikum_MedExtractor_Gruppe5.pptx
+++ b/Praesentation/Praesentation_Fachpraktikum_MedExtractor_Gruppe5.pptx
@@ -13,19 +13,19 @@
     <p:sldMasterId id="2147483752" r:id="rId9"/>
   </p:sldMasterIdLst>
   <p:notesMasterIdLst>
-    <p:notesMasterId r:id="rId36"/>
+    <p:notesMasterId r:id="rId37"/>
   </p:notesMasterIdLst>
   <p:sldIdLst>
     <p:sldId id="256" r:id="rId10"/>
     <p:sldId id="257" r:id="rId11"/>
     <p:sldId id="258" r:id="rId12"/>
     <p:sldId id="281" r:id="rId13"/>
-    <p:sldId id="259" r:id="rId14"/>
-    <p:sldId id="260" r:id="rId15"/>
-    <p:sldId id="265" r:id="rId16"/>
-    <p:sldId id="262" r:id="rId17"/>
-    <p:sldId id="263" r:id="rId18"/>
-    <p:sldId id="264" r:id="rId19"/>
+    <p:sldId id="283" r:id="rId14"/>
+    <p:sldId id="259" r:id="rId15"/>
+    <p:sldId id="260" r:id="rId16"/>
+    <p:sldId id="265" r:id="rId17"/>
+    <p:sldId id="262" r:id="rId18"/>
+    <p:sldId id="263" r:id="rId19"/>
     <p:sldId id="266" r:id="rId20"/>
     <p:sldId id="267" r:id="rId21"/>
     <p:sldId id="268" r:id="rId22"/>
@@ -33,15 +33,16 @@
     <p:sldId id="269" r:id="rId24"/>
     <p:sldId id="270" r:id="rId25"/>
     <p:sldId id="271" r:id="rId26"/>
-    <p:sldId id="272" r:id="rId27"/>
-    <p:sldId id="279" r:id="rId28"/>
-    <p:sldId id="274" r:id="rId29"/>
-    <p:sldId id="275" r:id="rId30"/>
-    <p:sldId id="276" r:id="rId31"/>
-    <p:sldId id="277" r:id="rId32"/>
-    <p:sldId id="280" r:id="rId33"/>
-    <p:sldId id="273" r:id="rId34"/>
-    <p:sldId id="278" r:id="rId35"/>
+    <p:sldId id="264" r:id="rId27"/>
+    <p:sldId id="272" r:id="rId28"/>
+    <p:sldId id="279" r:id="rId29"/>
+    <p:sldId id="274" r:id="rId30"/>
+    <p:sldId id="275" r:id="rId31"/>
+    <p:sldId id="276" r:id="rId32"/>
+    <p:sldId id="277" r:id="rId33"/>
+    <p:sldId id="280" r:id="rId34"/>
+    <p:sldId id="273" r:id="rId35"/>
+    <p:sldId id="278" r:id="rId36"/>
   </p:sldIdLst>
   <p:sldSz cx="12192000" cy="6858000"/>
   <p:notesSz cx="6858000" cy="9144000"/>
@@ -21136,7 +21137,7 @@
       </p:grpSpPr>
       <p:sp>
         <p:nvSpPr>
-          <p:cNvPr id="454" name="CustomShape 1"/>
+          <p:cNvPr id="448" name="CustomShape 1"/>
           <p:cNvSpPr/>
           <p:nvPr/>
         </p:nvSpPr>
@@ -21194,7 +21195,7 @@
       </p:sp>
       <p:sp>
         <p:nvSpPr>
-          <p:cNvPr id="455" name="CustomShape 2"/>
+          <p:cNvPr id="449" name="CustomShape 2"/>
           <p:cNvSpPr/>
           <p:nvPr/>
         </p:nvSpPr>
@@ -21234,7 +21235,7 @@
                 <a:spcPct val="100000"/>
               </a:lnSpc>
             </a:pPr>
-            <a:fld id="{BF50B4DA-734D-402D-80B1-2450063A11FD}" type="slidenum">
+            <a:fld id="{FD93D26A-01B4-4121-9D1F-DA4AFBED8BCF}" type="slidenum">
               <a:rPr lang="de-DE" sz="900" b="1" strike="noStrike" spc="-1">
                 <a:solidFill>
                   <a:srgbClr val="5073A5"/>
@@ -21252,7 +21253,7 @@
       </p:sp>
       <p:sp>
         <p:nvSpPr>
-          <p:cNvPr id="456" name="CustomShape 3"/>
+          <p:cNvPr id="450" name="CustomShape 3"/>
           <p:cNvSpPr/>
           <p:nvPr/>
         </p:nvSpPr>
@@ -21300,7 +21301,7 @@
                 <a:latin typeface="Frutiger LT Com 45 Light"/>
                 <a:ea typeface="DejaVu Sans"/>
               </a:rPr>
-              <a:t>Datengrundlage</a:t>
+              <a:t>Lösungsansatz</a:t>
             </a:r>
             <a:endParaRPr lang="de-DE" sz="2200" b="0" strike="noStrike" spc="-1">
               <a:latin typeface="Arial"/>
@@ -21308,16 +21309,39 @@
           </a:p>
         </p:txBody>
       </p:sp>
-      <p:sp>
-        <p:nvSpPr>
-          <p:cNvPr id="457" name="CustomShape 4"/>
+      <p:pic>
+        <p:nvPicPr>
+          <p:cNvPr id="451" name="Grafik 2"/>
+          <p:cNvPicPr/>
+          <p:nvPr/>
+        </p:nvPicPr>
+        <p:blipFill>
+          <a:blip r:embed="rId2"/>
+          <a:stretch/>
+        </p:blipFill>
+        <p:spPr>
+          <a:xfrm>
+            <a:off x="7239960" y="1269360"/>
+            <a:ext cx="4211640" cy="4808520"/>
+          </a:xfrm>
+          <a:prstGeom prst="rect">
+            <a:avLst/>
+          </a:prstGeom>
+          <a:ln w="0">
+            <a:noFill/>
+          </a:ln>
+        </p:spPr>
+      </p:pic>
+      <p:sp>
+        <p:nvSpPr>
+          <p:cNvPr id="452" name="CustomShape 4"/>
           <p:cNvSpPr/>
           <p:nvPr/>
         </p:nvSpPr>
         <p:spPr>
           <a:xfrm>
-            <a:off x="883080" y="1440000"/>
-            <a:ext cx="9196560" cy="2650320"/>
+            <a:off x="720000" y="1269360"/>
+            <a:ext cx="6170400" cy="4815360"/>
           </a:xfrm>
           <a:prstGeom prst="rect">
             <a:avLst/>
@@ -21339,45 +21363,13 @@
           </a:effectRef>
           <a:fontRef idx="minor"/>
         </p:style>
-      </p:sp>
-      <p:sp>
-        <p:nvSpPr>
-          <p:cNvPr id="458" name="CustomShape 5"/>
-          <p:cNvSpPr/>
-          <p:nvPr/>
-        </p:nvSpPr>
-        <p:spPr>
-          <a:xfrm>
-            <a:off x="1399621" y="1937010"/>
-            <a:ext cx="9196560" cy="2983979"/>
-          </a:xfrm>
-          <a:prstGeom prst="rect">
-            <a:avLst/>
-          </a:prstGeom>
-          <a:noFill/>
-          <a:ln w="0">
-            <a:noFill/>
-          </a:ln>
-        </p:spPr>
-        <p:style>
-          <a:lnRef idx="0">
-            <a:scrgbClr r="0" g="0" b="0"/>
-          </a:lnRef>
-          <a:fillRef idx="0">
-            <a:scrgbClr r="0" g="0" b="0"/>
-          </a:fillRef>
-          <a:effectRef idx="0">
-            <a:scrgbClr r="0" g="0" b="0"/>
-          </a:effectRef>
-          <a:fontRef idx="minor"/>
-        </p:style>
         <p:txBody>
           <a:bodyPr lIns="90000" tIns="45000" rIns="90000" bIns="45000">
             <a:spAutoFit/>
           </a:bodyPr>
           <a:lstStyle/>
           <a:p>
-            <a:pPr marL="457920" indent="-457200">
+            <a:pPr marL="285840" indent="-285120">
               <a:lnSpc>
                 <a:spcPct val="100000"/>
               </a:lnSpc>
@@ -21387,25 +21379,25 @@
               <a:buClr>
                 <a:srgbClr val="000000"/>
               </a:buClr>
-              <a:buFont typeface="+mj-lt"/>
-              <a:buAutoNum type="arabicPeriod"/>
+              <a:buFont typeface="Arial"/>
+              <a:buChar char="•"/>
             </a:pPr>
             <a:r>
-              <a:rPr lang="de-DE" sz="2400" b="0" strike="noStrike" spc="-1" dirty="0">
+              <a:rPr lang="de-DE" sz="1800" b="0" strike="noStrike" spc="-1">
                 <a:solidFill>
                   <a:srgbClr val="000000"/>
                 </a:solidFill>
                 <a:latin typeface="Frutiger LT Com 45 Light"/>
                 <a:ea typeface="DejaVu Sans"/>
               </a:rPr>
-              <a:t>Webseiten des National Health Service UK (NHS) und der National Institutes of Health (NIH, U.S.) - 49 Texte zu mehreren psychischen Störungen (Agoraphobie, Alkoholmissbrauch, Depression, u. s. w.)</a:t>
-            </a:r>
-            <a:endParaRPr lang="de-DE" sz="2400" b="0" strike="noStrike" spc="-1" dirty="0">
-              <a:latin typeface="Arial"/>
-            </a:endParaRPr>
-          </a:p>
-          <a:p>
-            <a:pPr marL="457920" indent="-457200">
+              <a:t>National Library of Medicine (NLM) stellt Named Entity Recognition Tools auf ihrer Webseite zu Verfügung *)</a:t>
+            </a:r>
+            <a:endParaRPr lang="de-DE" sz="1800" b="0" strike="noStrike" spc="-1">
+              <a:latin typeface="Arial"/>
+            </a:endParaRPr>
+          </a:p>
+          <a:p>
+            <a:pPr marL="285840" indent="-285120">
               <a:lnSpc>
                 <a:spcPct val="100000"/>
               </a:lnSpc>
@@ -21415,15 +21407,25 @@
               <a:buClr>
                 <a:srgbClr val="000000"/>
               </a:buClr>
-              <a:buFont typeface="+mj-lt"/>
-              <a:buAutoNum type="arabicPeriod"/>
+              <a:buFont typeface="Arial"/>
+              <a:buChar char="•"/>
             </a:pPr>
-            <a:endParaRPr lang="de-DE" sz="2400" b="0" strike="noStrike" spc="-1" dirty="0">
-              <a:latin typeface="Arial"/>
-            </a:endParaRPr>
-          </a:p>
-          <a:p>
-            <a:pPr marL="457920" indent="-457200">
+            <a:r>
+              <a:rPr lang="de-DE" sz="1800" b="0" strike="noStrike" spc="-1">
+                <a:solidFill>
+                  <a:srgbClr val="000000"/>
+                </a:solidFill>
+                <a:latin typeface="Frutiger LT Com 45 Light"/>
+                <a:ea typeface="DejaVu Sans"/>
+              </a:rPr>
+              <a:t>Vokabular: MetaMap bzw. MetaMapLite</a:t>
+            </a:r>
+            <a:endParaRPr lang="de-DE" sz="1800" b="0" strike="noStrike" spc="-1">
+              <a:latin typeface="Arial"/>
+            </a:endParaRPr>
+          </a:p>
+          <a:p>
+            <a:pPr marL="285840" indent="-285120">
               <a:lnSpc>
                 <a:spcPct val="100000"/>
               </a:lnSpc>
@@ -21433,45 +21435,25 @@
               <a:buClr>
                 <a:srgbClr val="000000"/>
               </a:buClr>
-              <a:buFont typeface="+mj-lt"/>
-              <a:buAutoNum type="arabicPeriod"/>
+              <a:buFont typeface="Arial"/>
+              <a:buChar char="•"/>
             </a:pPr>
             <a:r>
-              <a:rPr lang="de-DE" sz="2400" b="0" strike="noStrike" spc="-1" dirty="0">
+              <a:rPr lang="de-DE" sz="1800" b="0" strike="noStrike" spc="-1">
                 <a:solidFill>
                   <a:srgbClr val="000000"/>
                 </a:solidFill>
                 <a:latin typeface="Frutiger LT Com 45 Light"/>
                 <a:ea typeface="DejaVu Sans"/>
               </a:rPr>
-              <a:t>Ein Artikel zum Thema „Mental </a:t>
-            </a:r>
-            <a:r>
-              <a:rPr lang="de-DE" sz="2400" b="0" strike="noStrike" spc="-1" dirty="0" err="1">
-                <a:solidFill>
-                  <a:srgbClr val="000000"/>
-                </a:solidFill>
-                <a:latin typeface="Frutiger LT Com 45 Light"/>
-                <a:ea typeface="DejaVu Sans"/>
-              </a:rPr>
-              <a:t>Disorder</a:t>
-            </a:r>
-            <a:r>
-              <a:rPr lang="de-DE" sz="2400" b="0" strike="noStrike" spc="-1" dirty="0">
-                <a:solidFill>
-                  <a:srgbClr val="000000"/>
-                </a:solidFill>
-                <a:latin typeface="Frutiger LT Com 45 Light"/>
-                <a:ea typeface="DejaVu Sans"/>
-              </a:rPr>
-              <a:t>“ auf Wikipedia</a:t>
-            </a:r>
-            <a:endParaRPr lang="de-DE" sz="2400" b="0" strike="noStrike" spc="-1" dirty="0">
-              <a:latin typeface="Arial"/>
-            </a:endParaRPr>
-          </a:p>
-          <a:p>
-            <a:pPr marL="457920" indent="-457200">
+              <a:t>Für das Training des spaCy Entity Rulers wurde das Vokabular aus dem MetaMapLite-Projekt verwendet.</a:t>
+            </a:r>
+            <a:endParaRPr lang="de-DE" sz="1800" b="0" strike="noStrike" spc="-1">
+              <a:latin typeface="Arial"/>
+            </a:endParaRPr>
+          </a:p>
+          <a:p>
+            <a:pPr marL="285840" indent="-285120">
               <a:lnSpc>
                 <a:spcPct val="100000"/>
               </a:lnSpc>
@@ -21481,15 +21463,25 @@
               <a:buClr>
                 <a:srgbClr val="000000"/>
               </a:buClr>
-              <a:buFont typeface="+mj-lt"/>
-              <a:buAutoNum type="arabicPeriod"/>
+              <a:buFont typeface="Arial"/>
+              <a:buChar char="•"/>
             </a:pPr>
-            <a:endParaRPr lang="de-DE" sz="2400" spc="-1" dirty="0">
-              <a:latin typeface="Arial"/>
-            </a:endParaRPr>
-          </a:p>
-          <a:p>
-            <a:pPr marL="457920" indent="-457200">
+            <a:r>
+              <a:rPr lang="de-DE" sz="1800" b="0" strike="noStrike" spc="-1">
+                <a:solidFill>
+                  <a:srgbClr val="000000"/>
+                </a:solidFill>
+                <a:latin typeface="Frutiger LT Com 45 Light"/>
+                <a:ea typeface="DejaVu Sans"/>
+              </a:rPr>
+              <a:t>Der Concept Unified Identifier (CUI) ermöglicht die Suche nach Synonymen.</a:t>
+            </a:r>
+            <a:endParaRPr lang="de-DE" sz="1800" b="0" strike="noStrike" spc="-1">
+              <a:latin typeface="Arial"/>
+            </a:endParaRPr>
+          </a:p>
+          <a:p>
+            <a:pPr marL="285840" indent="-285120">
               <a:lnSpc>
                 <a:spcPct val="100000"/>
               </a:lnSpc>
@@ -21499,40 +21491,285 @@
               <a:buClr>
                 <a:srgbClr val="000000"/>
               </a:buClr>
-              <a:buFont typeface="+mj-lt"/>
-              <a:buAutoNum type="arabicPeriod"/>
+              <a:buFont typeface="Arial"/>
+              <a:buChar char="•"/>
             </a:pPr>
             <a:r>
-              <a:rPr lang="de-DE" sz="2400" b="0" strike="noStrike" spc="-1" dirty="0">
+              <a:rPr lang="de-DE" sz="1800" b="0" strike="noStrike" spc="-1">
                 <a:solidFill>
                   <a:srgbClr val="000000"/>
                 </a:solidFill>
                 <a:latin typeface="Frutiger LT Com 45 Light"/>
                 <a:ea typeface="DejaVu Sans"/>
               </a:rPr>
-              <a:t>„Clinical Handbook of Psychological </a:t>
-            </a:r>
-            <a:r>
-              <a:rPr lang="de-DE" sz="2400" b="0" strike="noStrike" spc="-1" dirty="0" err="1">
+              <a:t>Viele Begriffe des Vokabulars enthalten eine Kategorisierung wie </a:t>
+            </a:r>
+            <a:r>
+              <a:rPr lang="de-DE" sz="1800" b="0" i="1" strike="noStrike" spc="-1">
                 <a:solidFill>
                   <a:srgbClr val="000000"/>
                 </a:solidFill>
                 <a:latin typeface="Frutiger LT Com 45 Light"/>
                 <a:ea typeface="DejaVu Sans"/>
               </a:rPr>
-              <a:t>Disorders</a:t>
-            </a:r>
-            <a:r>
-              <a:rPr lang="de-DE" sz="2400" b="0" strike="noStrike" spc="-1" dirty="0">
+              <a:t>disease</a:t>
+            </a:r>
+            <a:r>
+              <a:rPr lang="de-DE" sz="1800" b="0" strike="noStrike" spc="-1">
                 <a:solidFill>
                   <a:srgbClr val="000000"/>
                 </a:solidFill>
                 <a:latin typeface="Frutiger LT Com 45 Light"/>
                 <a:ea typeface="DejaVu Sans"/>
               </a:rPr>
-              <a:t>“</a:t>
-            </a:r>
-            <a:endParaRPr lang="de-DE" sz="2400" b="0" strike="noStrike" spc="-1" dirty="0">
+              <a:t>, </a:t>
+            </a:r>
+            <a:r>
+              <a:rPr lang="de-DE" sz="1800" b="0" i="1" strike="noStrike" spc="-1">
+                <a:solidFill>
+                  <a:srgbClr val="000000"/>
+                </a:solidFill>
+                <a:latin typeface="Frutiger LT Com 45 Light"/>
+                <a:ea typeface="DejaVu Sans"/>
+              </a:rPr>
+              <a:t>disorder</a:t>
+            </a:r>
+            <a:r>
+              <a:rPr lang="de-DE" sz="1800" b="0" strike="noStrike" spc="-1">
+                <a:solidFill>
+                  <a:srgbClr val="000000"/>
+                </a:solidFill>
+                <a:latin typeface="Frutiger LT Com 45 Light"/>
+                <a:ea typeface="DejaVu Sans"/>
+              </a:rPr>
+              <a:t>, </a:t>
+            </a:r>
+            <a:r>
+              <a:rPr lang="de-DE" sz="1800" b="0" i="1" strike="noStrike" spc="-1">
+                <a:solidFill>
+                  <a:srgbClr val="000000"/>
+                </a:solidFill>
+                <a:latin typeface="Frutiger LT Com 45 Light"/>
+                <a:ea typeface="DejaVu Sans"/>
+              </a:rPr>
+              <a:t>finding</a:t>
+            </a:r>
+            <a:r>
+              <a:rPr lang="de-DE" sz="1800" b="0" strike="noStrike" spc="-1">
+                <a:solidFill>
+                  <a:srgbClr val="000000"/>
+                </a:solidFill>
+                <a:latin typeface="Frutiger LT Com 45 Light"/>
+                <a:ea typeface="DejaVu Sans"/>
+              </a:rPr>
+              <a:t>, etc.</a:t>
+            </a:r>
+            <a:endParaRPr lang="de-DE" sz="1800" b="0" strike="noStrike" spc="-1">
+              <a:latin typeface="Arial"/>
+            </a:endParaRPr>
+          </a:p>
+          <a:p>
+            <a:pPr marL="285840" indent="-285120">
+              <a:lnSpc>
+                <a:spcPct val="100000"/>
+              </a:lnSpc>
+              <a:spcBef>
+                <a:spcPts val="601"/>
+              </a:spcBef>
+              <a:buClr>
+                <a:srgbClr val="000000"/>
+              </a:buClr>
+              <a:buFont typeface="Arial"/>
+              <a:buChar char="•"/>
+            </a:pPr>
+            <a:r>
+              <a:rPr lang="de-DE" sz="1800" b="0" strike="noStrike" spc="-1">
+                <a:solidFill>
+                  <a:srgbClr val="000000"/>
+                </a:solidFill>
+                <a:latin typeface="Frutiger LT Com 45 Light"/>
+                <a:ea typeface="DejaVu Sans"/>
+              </a:rPr>
+              <a:t>Fehlt eine Kategorisierung, kann über die Synonymen-Suche ein Begriff mit Kategorisierung gesucht werden.</a:t>
+            </a:r>
+            <a:endParaRPr lang="de-DE" sz="1800" b="0" strike="noStrike" spc="-1">
+              <a:latin typeface="Arial"/>
+            </a:endParaRPr>
+          </a:p>
+          <a:p>
+            <a:pPr marL="285840" indent="-285120">
+              <a:lnSpc>
+                <a:spcPct val="100000"/>
+              </a:lnSpc>
+              <a:spcBef>
+                <a:spcPts val="601"/>
+              </a:spcBef>
+              <a:buClr>
+                <a:srgbClr val="000000"/>
+              </a:buClr>
+              <a:buFont typeface="Arial"/>
+              <a:buChar char="•"/>
+            </a:pPr>
+            <a:r>
+              <a:rPr lang="de-DE" sz="1800" b="0" strike="noStrike" spc="-1">
+                <a:solidFill>
+                  <a:srgbClr val="000000"/>
+                </a:solidFill>
+                <a:latin typeface="Frutiger LT Com 45 Light"/>
+                <a:ea typeface="DejaVu Sans"/>
+              </a:rPr>
+              <a:t>Diese Kategorisierung wird für das Training des Entity Rulers übernommen.</a:t>
+            </a:r>
+            <a:endParaRPr lang="de-DE" sz="1800" b="0" strike="noStrike" spc="-1">
+              <a:latin typeface="Arial"/>
+            </a:endParaRPr>
+          </a:p>
+          <a:p>
+            <a:pPr marL="285840" indent="-285120">
+              <a:lnSpc>
+                <a:spcPct val="100000"/>
+              </a:lnSpc>
+              <a:spcBef>
+                <a:spcPts val="601"/>
+              </a:spcBef>
+              <a:buClr>
+                <a:srgbClr val="000000"/>
+              </a:buClr>
+              <a:buFont typeface="Arial"/>
+              <a:buChar char="•"/>
+            </a:pPr>
+            <a:r>
+              <a:rPr lang="de-DE" sz="1800" b="0" strike="noStrike" spc="-1">
+                <a:solidFill>
+                  <a:srgbClr val="000000"/>
+                </a:solidFill>
+                <a:latin typeface="Frutiger LT Com 45 Light"/>
+                <a:ea typeface="DejaVu Sans"/>
+              </a:rPr>
+              <a:t>126.485 </a:t>
+            </a:r>
+            <a:r>
+              <a:rPr lang="de-DE" sz="1800" b="0" i="1" strike="noStrike" spc="-1">
+                <a:solidFill>
+                  <a:srgbClr val="000000"/>
+                </a:solidFill>
+                <a:latin typeface="Frutiger LT Com 45 Light"/>
+                <a:ea typeface="DejaVu Sans"/>
+              </a:rPr>
+              <a:t>diseases</a:t>
+            </a:r>
+            <a:r>
+              <a:rPr lang="de-DE" sz="1800" b="0" strike="noStrike" spc="-1">
+                <a:solidFill>
+                  <a:srgbClr val="000000"/>
+                </a:solidFill>
+                <a:latin typeface="Frutiger LT Com 45 Light"/>
+                <a:ea typeface="DejaVu Sans"/>
+              </a:rPr>
+              <a:t> / </a:t>
+            </a:r>
+            <a:r>
+              <a:rPr lang="de-DE" sz="1800" b="0" i="1" strike="noStrike" spc="-1">
+                <a:solidFill>
+                  <a:srgbClr val="000000"/>
+                </a:solidFill>
+                <a:latin typeface="Frutiger LT Com 45 Light"/>
+                <a:ea typeface="DejaVu Sans"/>
+              </a:rPr>
+              <a:t>disorders</a:t>
+            </a:r>
+            <a:r>
+              <a:rPr lang="de-DE" sz="1800" b="0" strike="noStrike" spc="-1">
+                <a:solidFill>
+                  <a:srgbClr val="000000"/>
+                </a:solidFill>
+                <a:latin typeface="Frutiger LT Com 45 Light"/>
+                <a:ea typeface="DejaVu Sans"/>
+              </a:rPr>
+              <a:t>, 60.423 </a:t>
+            </a:r>
+            <a:r>
+              <a:rPr lang="de-DE" sz="1800" b="0" i="1" strike="noStrike" spc="-1">
+                <a:solidFill>
+                  <a:srgbClr val="000000"/>
+                </a:solidFill>
+                <a:latin typeface="Frutiger LT Com 45 Light"/>
+                <a:ea typeface="DejaVu Sans"/>
+              </a:rPr>
+              <a:t>findings</a:t>
+            </a:r>
+            <a:endParaRPr lang="de-DE" sz="1800" b="0" strike="noStrike" spc="-1">
+              <a:latin typeface="Arial"/>
+            </a:endParaRPr>
+          </a:p>
+          <a:p>
+            <a:pPr>
+              <a:lnSpc>
+                <a:spcPct val="100000"/>
+              </a:lnSpc>
+              <a:spcBef>
+                <a:spcPts val="601"/>
+              </a:spcBef>
+            </a:pPr>
+            <a:endParaRPr lang="de-DE" sz="1800" b="0" strike="noStrike" spc="-1">
+              <a:latin typeface="Arial"/>
+            </a:endParaRPr>
+          </a:p>
+        </p:txBody>
+      </p:sp>
+      <p:sp>
+        <p:nvSpPr>
+          <p:cNvPr id="453" name="CustomShape 5"/>
+          <p:cNvSpPr/>
+          <p:nvPr/>
+        </p:nvSpPr>
+        <p:spPr>
+          <a:xfrm>
+            <a:off x="659880" y="5947920"/>
+            <a:ext cx="4143240" cy="257400"/>
+          </a:xfrm>
+          <a:prstGeom prst="rect">
+            <a:avLst/>
+          </a:prstGeom>
+          <a:noFill/>
+          <a:ln w="0">
+            <a:noFill/>
+          </a:ln>
+        </p:spPr>
+        <p:style>
+          <a:lnRef idx="0">
+            <a:scrgbClr r="0" g="0" b="0"/>
+          </a:lnRef>
+          <a:fillRef idx="0">
+            <a:scrgbClr r="0" g="0" b="0"/>
+          </a:fillRef>
+          <a:effectRef idx="0">
+            <a:scrgbClr r="0" g="0" b="0"/>
+          </a:effectRef>
+          <a:fontRef idx="minor"/>
+        </p:style>
+        <p:txBody>
+          <a:bodyPr wrap="none" lIns="90000" tIns="45000" rIns="90000" bIns="45000">
+            <a:spAutoFit/>
+          </a:bodyPr>
+          <a:lstStyle/>
+          <a:p>
+            <a:pPr>
+              <a:lnSpc>
+                <a:spcPct val="100000"/>
+              </a:lnSpc>
+            </a:pPr>
+            <a:r>
+              <a:rPr lang="de-DE" sz="1100" b="0" strike="noStrike" spc="-1">
+                <a:solidFill>
+                  <a:srgbClr val="000000"/>
+                </a:solidFill>
+                <a:latin typeface="Arial"/>
+                <a:ea typeface="DejaVu Sans"/>
+              </a:rPr>
+              <a:t>*) https://ii.nlm.nih.gov/Interactive/UTS_Required/MetaMap.html</a:t>
+            </a:r>
+            <a:endParaRPr lang="de-DE" sz="1100" b="0" strike="noStrike" spc="-1">
               <a:latin typeface="Arial"/>
             </a:endParaRPr>
           </a:p>
@@ -23558,7 +23795,123 @@
       </p:grpSpPr>
       <p:sp>
         <p:nvSpPr>
-          <p:cNvPr id="487" name="CustomShape 1"/>
+          <p:cNvPr id="454" name="CustomShape 1"/>
+          <p:cNvSpPr/>
+          <p:nvPr/>
+        </p:nvSpPr>
+        <p:spPr>
+          <a:xfrm>
+            <a:off x="1631520" y="6426000"/>
+            <a:ext cx="7271640" cy="239760"/>
+          </a:xfrm>
+          <a:prstGeom prst="rect">
+            <a:avLst/>
+          </a:prstGeom>
+          <a:noFill/>
+          <a:ln w="0">
+            <a:noFill/>
+          </a:ln>
+        </p:spPr>
+        <p:style>
+          <a:lnRef idx="0">
+            <a:scrgbClr r="0" g="0" b="0"/>
+          </a:lnRef>
+          <a:fillRef idx="0">
+            <a:scrgbClr r="0" g="0" b="0"/>
+          </a:fillRef>
+          <a:effectRef idx="0">
+            <a:scrgbClr r="0" g="0" b="0"/>
+          </a:effectRef>
+          <a:fontRef idx="minor"/>
+        </p:style>
+        <p:txBody>
+          <a:bodyPr lIns="0" tIns="0" rIns="0" bIns="0">
+            <a:noAutofit/>
+          </a:bodyPr>
+          <a:lstStyle/>
+          <a:p>
+            <a:pPr>
+              <a:lnSpc>
+                <a:spcPct val="100000"/>
+              </a:lnSpc>
+            </a:pPr>
+            <a:r>
+              <a:rPr lang="en-US" sz="900" b="0" strike="noStrike" spc="-1">
+                <a:solidFill>
+                  <a:srgbClr val="5073A5"/>
+                </a:solidFill>
+                <a:latin typeface="Frutiger LT Com 45 Light"/>
+                <a:ea typeface="DejaVu Sans"/>
+              </a:rPr>
+              <a:t>Fußzeile</a:t>
+            </a:r>
+            <a:endParaRPr lang="de-DE" sz="900" b="0" strike="noStrike" spc="-1">
+              <a:latin typeface="Arial"/>
+            </a:endParaRPr>
+          </a:p>
+        </p:txBody>
+      </p:sp>
+      <p:sp>
+        <p:nvSpPr>
+          <p:cNvPr id="455" name="CustomShape 2"/>
+          <p:cNvSpPr/>
+          <p:nvPr/>
+        </p:nvSpPr>
+        <p:spPr>
+          <a:xfrm>
+            <a:off x="1055520" y="6426000"/>
+            <a:ext cx="552600" cy="239760"/>
+          </a:xfrm>
+          <a:prstGeom prst="rect">
+            <a:avLst/>
+          </a:prstGeom>
+          <a:noFill/>
+          <a:ln w="0">
+            <a:noFill/>
+          </a:ln>
+        </p:spPr>
+        <p:style>
+          <a:lnRef idx="0">
+            <a:scrgbClr r="0" g="0" b="0"/>
+          </a:lnRef>
+          <a:fillRef idx="0">
+            <a:scrgbClr r="0" g="0" b="0"/>
+          </a:fillRef>
+          <a:effectRef idx="0">
+            <a:scrgbClr r="0" g="0" b="0"/>
+          </a:effectRef>
+          <a:fontRef idx="minor"/>
+        </p:style>
+        <p:txBody>
+          <a:bodyPr lIns="0" tIns="0" rIns="0" bIns="0">
+            <a:noAutofit/>
+          </a:bodyPr>
+          <a:lstStyle/>
+          <a:p>
+            <a:pPr>
+              <a:lnSpc>
+                <a:spcPct val="100000"/>
+              </a:lnSpc>
+            </a:pPr>
+            <a:fld id="{BF50B4DA-734D-402D-80B1-2450063A11FD}" type="slidenum">
+              <a:rPr lang="de-DE" sz="900" b="1" strike="noStrike" spc="-1">
+                <a:solidFill>
+                  <a:srgbClr val="5073A5"/>
+                </a:solidFill>
+                <a:latin typeface="Frutiger LT Com 45 Light"/>
+                <a:ea typeface="DejaVu Sans"/>
+              </a:rPr>
+              <a:t>18</a:t>
+            </a:fld>
+            <a:endParaRPr lang="de-DE" sz="900" b="0" strike="noStrike" spc="-1">
+              <a:latin typeface="Arial"/>
+            </a:endParaRPr>
+          </a:p>
+        </p:txBody>
+      </p:sp>
+      <p:sp>
+        <p:nvSpPr>
+          <p:cNvPr id="456" name="CustomShape 3"/>
           <p:cNvSpPr/>
           <p:nvPr/>
         </p:nvSpPr>
@@ -23606,27 +23959,7 @@
                 <a:latin typeface="Frutiger LT Com 45 Light"/>
                 <a:ea typeface="DejaVu Sans"/>
               </a:rPr>
-              <a:t>Warum macht der </a:t>
-            </a:r>
-            <a:r>
-              <a:rPr lang="de-DE" sz="2200" b="1" strike="noStrike" spc="-1" dirty="0" err="1">
-                <a:solidFill>
-                  <a:srgbClr val="5073A5"/>
-                </a:solidFill>
-                <a:latin typeface="Frutiger LT Com 45 Light"/>
-                <a:ea typeface="DejaVu Sans"/>
-              </a:rPr>
-              <a:t>MedExtractor</a:t>
-            </a:r>
-            <a:r>
-              <a:rPr lang="de-DE" sz="2200" b="1" strike="noStrike" spc="-1" dirty="0">
-                <a:solidFill>
-                  <a:srgbClr val="5073A5"/>
-                </a:solidFill>
-                <a:latin typeface="Frutiger LT Com 45 Light"/>
-                <a:ea typeface="DejaVu Sans"/>
-              </a:rPr>
-              <a:t> Fehler?</a:t>
+              <a:t>Evaluierungsgrundlage</a:t>
             </a:r>
             <a:endParaRPr lang="de-DE" sz="2200" b="0" strike="noStrike" spc="-1" dirty="0">
               <a:latin typeface="Arial"/>
@@ -23636,14 +23969,14 @@
       </p:sp>
       <p:sp>
         <p:nvSpPr>
-          <p:cNvPr id="488" name="CustomShape 2"/>
+          <p:cNvPr id="457" name="CustomShape 4"/>
           <p:cNvSpPr/>
           <p:nvPr/>
         </p:nvSpPr>
         <p:spPr>
           <a:xfrm>
-            <a:off x="1631520" y="6426000"/>
-            <a:ext cx="7271640" cy="239760"/>
+            <a:off x="883080" y="1440000"/>
+            <a:ext cx="9196560" cy="2650320"/>
           </a:xfrm>
           <a:prstGeom prst="rect">
             <a:avLst/>
@@ -23665,43 +23998,17 @@
           </a:effectRef>
           <a:fontRef idx="minor"/>
         </p:style>
-        <p:txBody>
-          <a:bodyPr lIns="0" tIns="0" rIns="0" bIns="0">
-            <a:noAutofit/>
-          </a:bodyPr>
-          <a:lstStyle/>
-          <a:p>
-            <a:pPr>
-              <a:lnSpc>
-                <a:spcPct val="100000"/>
-              </a:lnSpc>
-            </a:pPr>
-            <a:r>
-              <a:rPr lang="en-US" sz="900" b="0" strike="noStrike" spc="-1">
-                <a:solidFill>
-                  <a:srgbClr val="5073A5"/>
-                </a:solidFill>
-                <a:latin typeface="Frutiger LT Com 45 Light"/>
-                <a:ea typeface="DejaVu Sans"/>
-              </a:rPr>
-              <a:t>Fußzeile</a:t>
-            </a:r>
-            <a:endParaRPr lang="de-DE" sz="900" b="0" strike="noStrike" spc="-1">
-              <a:latin typeface="Arial"/>
-            </a:endParaRPr>
-          </a:p>
-        </p:txBody>
-      </p:sp>
-      <p:sp>
-        <p:nvSpPr>
-          <p:cNvPr id="489" name="CustomShape 3"/>
+      </p:sp>
+      <p:sp>
+        <p:nvSpPr>
+          <p:cNvPr id="458" name="CustomShape 5"/>
           <p:cNvSpPr/>
           <p:nvPr/>
         </p:nvSpPr>
         <p:spPr>
           <a:xfrm>
-            <a:off x="1055520" y="6426000"/>
-            <a:ext cx="552600" cy="239760"/>
+            <a:off x="1399621" y="1937010"/>
+            <a:ext cx="9196560" cy="2983979"/>
           </a:xfrm>
           <a:prstGeom prst="rect">
             <a:avLst/>
@@ -23724,435 +24031,169 @@
           <a:fontRef idx="minor"/>
         </p:style>
         <p:txBody>
-          <a:bodyPr lIns="0" tIns="0" rIns="0" bIns="0">
-            <a:noAutofit/>
-          </a:bodyPr>
-          <a:lstStyle/>
-          <a:p>
-            <a:pPr>
-              <a:lnSpc>
-                <a:spcPct val="100000"/>
-              </a:lnSpc>
-            </a:pPr>
-            <a:fld id="{4923A73F-5495-417A-9B89-90354BD07CB0}" type="slidenum">
-              <a:rPr lang="de-DE" sz="900" b="1" strike="noStrike" spc="-1">
-                <a:solidFill>
-                  <a:srgbClr val="5073A5"/>
-                </a:solidFill>
-                <a:latin typeface="Frutiger LT Com 45 Light"/>
-                <a:ea typeface="DejaVu Sans"/>
-              </a:rPr>
-              <a:t>18</a:t>
-            </a:fld>
-            <a:endParaRPr lang="de-DE" sz="900" b="0" strike="noStrike" spc="-1">
-              <a:latin typeface="Arial"/>
-            </a:endParaRPr>
-          </a:p>
-        </p:txBody>
-      </p:sp>
-      <p:sp>
-        <p:nvSpPr>
-          <p:cNvPr id="490" name="CustomShape 4"/>
-          <p:cNvSpPr/>
-          <p:nvPr/>
-        </p:nvSpPr>
-        <p:spPr>
-          <a:xfrm>
-            <a:off x="602705" y="1239314"/>
-            <a:ext cx="11416470" cy="489985"/>
-          </a:xfrm>
-          <a:prstGeom prst="rect">
-            <a:avLst/>
-          </a:prstGeom>
-          <a:noFill/>
-          <a:ln w="0">
-            <a:noFill/>
-          </a:ln>
-        </p:spPr>
-        <p:style>
-          <a:lnRef idx="0">
-            <a:scrgbClr r="0" g="0" b="0"/>
-          </a:lnRef>
-          <a:fillRef idx="0">
-            <a:scrgbClr r="0" g="0" b="0"/>
-          </a:fillRef>
-          <a:effectRef idx="0">
-            <a:scrgbClr r="0" g="0" b="0"/>
-          </a:effectRef>
-          <a:fontRef idx="minor"/>
-        </p:style>
-        <p:txBody>
           <a:bodyPr lIns="90000" tIns="45000" rIns="90000" bIns="45000">
-            <a:noAutofit/>
-          </a:bodyPr>
-          <a:lstStyle/>
-          <a:p>
-            <a:pPr marL="990600" indent="-990600">
+            <a:spAutoFit/>
+          </a:bodyPr>
+          <a:lstStyle/>
+          <a:p>
+            <a:pPr marL="457920" indent="-457200">
               <a:lnSpc>
                 <a:spcPct val="100000"/>
               </a:lnSpc>
               <a:spcBef>
-                <a:spcPts val="1800"/>
+                <a:spcPts val="601"/>
               </a:spcBef>
               <a:buClr>
                 <a:srgbClr val="000000"/>
               </a:buClr>
+              <a:buFont typeface="+mj-lt"/>
+              <a:buAutoNum type="arabicPeriod"/>
             </a:pPr>
             <a:r>
-              <a:rPr lang="de-DE" sz="2000" b="1" strike="noStrike" spc="-1" dirty="0">
+              <a:rPr lang="de-DE" sz="2400" b="0" strike="noStrike" spc="-1" dirty="0">
                 <a:solidFill>
                   <a:srgbClr val="000000"/>
                 </a:solidFill>
                 <a:latin typeface="Frutiger LT Com 45 Light"/>
                 <a:ea typeface="DejaVu Sans"/>
               </a:rPr>
-              <a:t>Beispiel</a:t>
-            </a:r>
-            <a:r>
-              <a:rPr lang="de-DE" sz="2000" b="0" strike="noStrike" spc="-1" dirty="0">
+              <a:t>Webseiten des National Health Service UK (NHS) und der National Institutes of Health (NIH, U.S.) - 49 Texte zu mehreren psychischen Störungen (Agoraphobie, Alkoholmissbrauch, Depression, u. s. w.)</a:t>
+            </a:r>
+            <a:endParaRPr lang="de-DE" sz="2400" b="0" strike="noStrike" spc="-1" dirty="0">
+              <a:latin typeface="Arial"/>
+            </a:endParaRPr>
+          </a:p>
+          <a:p>
+            <a:pPr marL="457920" indent="-457200">
+              <a:lnSpc>
+                <a:spcPct val="100000"/>
+              </a:lnSpc>
+              <a:spcBef>
+                <a:spcPts val="601"/>
+              </a:spcBef>
+              <a:buClr>
+                <a:srgbClr val="000000"/>
+              </a:buClr>
+              <a:buFont typeface="+mj-lt"/>
+              <a:buAutoNum type="arabicPeriod"/>
+            </a:pPr>
+            <a:endParaRPr lang="de-DE" sz="2400" b="0" strike="noStrike" spc="-1" dirty="0">
+              <a:latin typeface="Arial"/>
+            </a:endParaRPr>
+          </a:p>
+          <a:p>
+            <a:pPr marL="457920" indent="-457200">
+              <a:lnSpc>
+                <a:spcPct val="100000"/>
+              </a:lnSpc>
+              <a:spcBef>
+                <a:spcPts val="601"/>
+              </a:spcBef>
+              <a:buClr>
+                <a:srgbClr val="000000"/>
+              </a:buClr>
+              <a:buFont typeface="+mj-lt"/>
+              <a:buAutoNum type="arabicPeriod"/>
+            </a:pPr>
+            <a:r>
+              <a:rPr lang="de-DE" sz="2400" b="0" strike="noStrike" spc="-1" dirty="0">
                 <a:solidFill>
                   <a:srgbClr val="000000"/>
                 </a:solidFill>
                 <a:latin typeface="Frutiger LT Com 45 Light"/>
                 <a:ea typeface="DejaVu Sans"/>
               </a:rPr>
-              <a:t>:	Verben (z.B. </a:t>
-            </a:r>
-            <a:r>
-              <a:rPr lang="de-DE" sz="2000" b="0" strike="noStrike" spc="-1" dirty="0" err="1">
+              <a:t>Ein Artikel zum Thema „Mental </a:t>
+            </a:r>
+            <a:r>
+              <a:rPr lang="de-DE" sz="2400" b="0" strike="noStrike" spc="-1" dirty="0" err="1">
                 <a:solidFill>
                   <a:srgbClr val="000000"/>
                 </a:solidFill>
                 <a:latin typeface="Frutiger LT Com 45 Light"/>
                 <a:ea typeface="DejaVu Sans"/>
               </a:rPr>
-              <a:t>aggravate</a:t>
-            </a:r>
-            <a:r>
-              <a:rPr lang="de-DE" sz="2000" b="0" strike="noStrike" spc="-1" dirty="0">
+              <a:t>Disorder</a:t>
+            </a:r>
+            <a:r>
+              <a:rPr lang="de-DE" sz="2400" b="0" strike="noStrike" spc="-1" dirty="0">
                 <a:solidFill>
                   <a:srgbClr val="000000"/>
                 </a:solidFill>
                 <a:latin typeface="Frutiger LT Com 45 Light"/>
                 <a:ea typeface="DejaVu Sans"/>
               </a:rPr>
-              <a:t>) werden als Symptom bewertet, da sie im Trainingsvokabular enthalten sind.</a:t>
-            </a:r>
-            <a:endParaRPr lang="de-DE" sz="2000" b="0" strike="noStrike" spc="-1" dirty="0">
-              <a:latin typeface="Arial"/>
-            </a:endParaRPr>
-          </a:p>
-        </p:txBody>
-      </p:sp>
-      <p:pic>
-        <p:nvPicPr>
-          <p:cNvPr id="3" name="Grafik 2">
-            <a:extLst>
-              <a:ext uri="{FF2B5EF4-FFF2-40B4-BE49-F238E27FC236}">
-                <a16:creationId xmlns:a16="http://schemas.microsoft.com/office/drawing/2014/main" id="{826FFB11-0E0E-61D9-7351-CC616A9403EE}"/>
-              </a:ext>
-            </a:extLst>
-          </p:cNvPr>
-          <p:cNvPicPr>
-            <a:picLocks noChangeAspect="1"/>
-          </p:cNvPicPr>
-          <p:nvPr/>
-        </p:nvPicPr>
-        <p:blipFill>
-          <a:blip r:embed="rId2"/>
-          <a:stretch>
-            <a:fillRect/>
-          </a:stretch>
-        </p:blipFill>
-        <p:spPr>
-          <a:xfrm>
-            <a:off x="720000" y="2070239"/>
-            <a:ext cx="4710358" cy="3548062"/>
-          </a:xfrm>
-          <a:prstGeom prst="rect">
-            <a:avLst/>
-          </a:prstGeom>
-        </p:spPr>
-      </p:pic>
-      <p:sp>
-        <p:nvSpPr>
-          <p:cNvPr id="4" name="CustomShape 4">
-            <a:extLst>
-              <a:ext uri="{FF2B5EF4-FFF2-40B4-BE49-F238E27FC236}">
-                <a16:creationId xmlns:a16="http://schemas.microsoft.com/office/drawing/2014/main" id="{E80DBC25-07DC-7D15-1C96-574375034F91}"/>
-              </a:ext>
-            </a:extLst>
-          </p:cNvPr>
-          <p:cNvSpPr/>
-          <p:nvPr/>
-        </p:nvSpPr>
-        <p:spPr>
-          <a:xfrm>
-            <a:off x="5627801" y="3076388"/>
-            <a:ext cx="6117997" cy="1114628"/>
-          </a:xfrm>
-          <a:prstGeom prst="rect">
-            <a:avLst/>
-          </a:prstGeom>
-          <a:noFill/>
-          <a:ln w="0">
-            <a:noFill/>
-          </a:ln>
-        </p:spPr>
-        <p:style>
-          <a:lnRef idx="0">
-            <a:scrgbClr r="0" g="0" b="0"/>
-          </a:lnRef>
-          <a:fillRef idx="0">
-            <a:scrgbClr r="0" g="0" b="0"/>
-          </a:fillRef>
-          <a:effectRef idx="0">
-            <a:scrgbClr r="0" g="0" b="0"/>
-          </a:effectRef>
-          <a:fontRef idx="minor"/>
-        </p:style>
-        <p:txBody>
-          <a:bodyPr lIns="90000" tIns="45000" rIns="90000" bIns="45000">
-            <a:noAutofit/>
-          </a:bodyPr>
-          <a:lstStyle/>
-          <a:p>
-            <a:pPr marL="990600" indent="-990600">
+              <a:t>“ auf Wikipedia</a:t>
+            </a:r>
+            <a:endParaRPr lang="de-DE" sz="2400" b="0" strike="noStrike" spc="-1" dirty="0">
+              <a:latin typeface="Arial"/>
+            </a:endParaRPr>
+          </a:p>
+          <a:p>
+            <a:pPr marL="457920" indent="-457200">
               <a:lnSpc>
                 <a:spcPct val="100000"/>
               </a:lnSpc>
               <a:spcBef>
-                <a:spcPts val="1800"/>
+                <a:spcPts val="601"/>
               </a:spcBef>
               <a:buClr>
                 <a:srgbClr val="000000"/>
               </a:buClr>
+              <a:buFont typeface="+mj-lt"/>
+              <a:buAutoNum type="arabicPeriod"/>
             </a:pPr>
-            <a:r>
-              <a:rPr lang="de-DE" sz="2000" b="1" strike="noStrike" spc="-1" dirty="0">
-                <a:solidFill>
-                  <a:srgbClr val="FF0000"/>
-                </a:solidFill>
-                <a:latin typeface="Frutiger LT Com 45 Light"/>
-                <a:ea typeface="DejaVu Sans"/>
-              </a:rPr>
-              <a:t>Lösung</a:t>
-            </a:r>
-            <a:r>
-              <a:rPr lang="de-DE" sz="2000" b="0" strike="noStrike" spc="-1" dirty="0">
+            <a:endParaRPr lang="de-DE" sz="2400" spc="-1" dirty="0">
+              <a:latin typeface="Arial"/>
+            </a:endParaRPr>
+          </a:p>
+          <a:p>
+            <a:pPr marL="457920" indent="-457200">
+              <a:lnSpc>
+                <a:spcPct val="100000"/>
+              </a:lnSpc>
+              <a:spcBef>
+                <a:spcPts val="601"/>
+              </a:spcBef>
+              <a:buClr>
+                <a:srgbClr val="000000"/>
+              </a:buClr>
+              <a:buFont typeface="+mj-lt"/>
+              <a:buAutoNum type="arabicPeriod"/>
+            </a:pPr>
+            <a:r>
+              <a:rPr lang="de-DE" sz="2400" b="0" strike="noStrike" spc="-1" dirty="0">
                 <a:solidFill>
                   <a:srgbClr val="000000"/>
                 </a:solidFill>
                 <a:latin typeface="Frutiger LT Com 45 Light"/>
                 <a:ea typeface="DejaVu Sans"/>
               </a:rPr>
-              <a:t>:	Grammatikanalyse durch </a:t>
-            </a:r>
-            <a:r>
-              <a:rPr lang="de-DE" sz="2000" b="0" i="1" strike="noStrike" spc="-1" dirty="0" err="1">
+              <a:t>„Clinical Handbook of Psychological </a:t>
+            </a:r>
+            <a:r>
+              <a:rPr lang="de-DE" sz="2400" b="0" strike="noStrike" spc="-1" dirty="0" err="1">
                 <a:solidFill>
                   <a:srgbClr val="000000"/>
                 </a:solidFill>
                 <a:latin typeface="Frutiger LT Com 45 Light"/>
                 <a:ea typeface="DejaVu Sans"/>
               </a:rPr>
-              <a:t>spaCy</a:t>
-            </a:r>
-            <a:r>
-              <a:rPr lang="de-DE" sz="2000" b="0" strike="noStrike" spc="-1" dirty="0">
+              <a:t>Disorders</a:t>
+            </a:r>
+            <a:r>
+              <a:rPr lang="de-DE" sz="2400" b="0" strike="noStrike" spc="-1" dirty="0">
                 <a:solidFill>
                   <a:srgbClr val="000000"/>
                 </a:solidFill>
                 <a:latin typeface="Frutiger LT Com 45 Light"/>
                 <a:ea typeface="DejaVu Sans"/>
               </a:rPr>
-              <a:t>.</a:t>
-            </a:r>
-          </a:p>
-          <a:p>
-            <a:pPr marL="990600" indent="-990600">
-              <a:lnSpc>
-                <a:spcPct val="100000"/>
-              </a:lnSpc>
-              <a:spcBef>
-                <a:spcPts val="1800"/>
-              </a:spcBef>
-              <a:buClr>
-                <a:srgbClr val="000000"/>
-              </a:buClr>
-            </a:pPr>
-            <a:r>
-              <a:rPr lang="de-DE" sz="2000" spc="-1" dirty="0">
-                <a:solidFill>
-                  <a:srgbClr val="000000"/>
-                </a:solidFill>
-                <a:latin typeface="Frutiger LT Com 45 Light"/>
-              </a:rPr>
-              <a:t>	Verwerfen von Verben im Trainingsvokabular</a:t>
-            </a:r>
-            <a:endParaRPr lang="de-DE" sz="2000" b="0" strike="noStrike" spc="-1" dirty="0">
-              <a:latin typeface="Arial"/>
-            </a:endParaRPr>
-          </a:p>
-        </p:txBody>
-      </p:sp>
-      <p:sp>
-        <p:nvSpPr>
-          <p:cNvPr id="5" name="Rechteck: abgerundete Ecken 4">
-            <a:extLst>
-              <a:ext uri="{FF2B5EF4-FFF2-40B4-BE49-F238E27FC236}">
-                <a16:creationId xmlns:a16="http://schemas.microsoft.com/office/drawing/2014/main" id="{E6916C2C-D165-B1DF-8CCE-E8A530B73D5C}"/>
-              </a:ext>
-            </a:extLst>
-          </p:cNvPr>
-          <p:cNvSpPr/>
-          <p:nvPr/>
-        </p:nvSpPr>
-        <p:spPr>
-          <a:xfrm>
-            <a:off x="3091992" y="3280528"/>
-            <a:ext cx="1253765" cy="273377"/>
-          </a:xfrm>
-          <a:prstGeom prst="roundRect">
-            <a:avLst/>
-          </a:prstGeom>
-          <a:noFill/>
-          <a:ln>
-            <a:solidFill>
-              <a:srgbClr val="FF0000"/>
-            </a:solidFill>
-          </a:ln>
-        </p:spPr>
-        <p:style>
-          <a:lnRef idx="2">
-            <a:schemeClr val="accent1">
-              <a:shade val="50000"/>
-            </a:schemeClr>
-          </a:lnRef>
-          <a:fillRef idx="1">
-            <a:schemeClr val="accent1"/>
-          </a:fillRef>
-          <a:effectRef idx="0">
-            <a:schemeClr val="accent1"/>
-          </a:effectRef>
-          <a:fontRef idx="minor">
-            <a:schemeClr val="lt1"/>
-          </a:fontRef>
-        </p:style>
-        <p:txBody>
-          <a:bodyPr rtlCol="0" anchor="ctr"/>
-          <a:lstStyle/>
-          <a:p>
-            <a:pPr algn="ctr"/>
-            <a:endParaRPr lang="de-DE"/>
-          </a:p>
-        </p:txBody>
-      </p:sp>
-      <p:sp>
-        <p:nvSpPr>
-          <p:cNvPr id="6" name="Rechteck: abgerundete Ecken 5">
-            <a:extLst>
-              <a:ext uri="{FF2B5EF4-FFF2-40B4-BE49-F238E27FC236}">
-                <a16:creationId xmlns:a16="http://schemas.microsoft.com/office/drawing/2014/main" id="{E4579697-72DA-4014-B8D9-DEFA4B69DE34}"/>
-              </a:ext>
-            </a:extLst>
-          </p:cNvPr>
-          <p:cNvSpPr/>
-          <p:nvPr/>
-        </p:nvSpPr>
-        <p:spPr>
-          <a:xfrm>
-            <a:off x="605346" y="3301738"/>
-            <a:ext cx="1085563" cy="273377"/>
-          </a:xfrm>
-          <a:prstGeom prst="roundRect">
-            <a:avLst/>
-          </a:prstGeom>
-          <a:solidFill>
-            <a:srgbClr val="2894FF">
-              <a:alpha val="36863"/>
-            </a:srgbClr>
-          </a:solidFill>
-          <a:ln>
-            <a:noFill/>
-          </a:ln>
-        </p:spPr>
-        <p:style>
-          <a:lnRef idx="2">
-            <a:schemeClr val="accent1">
-              <a:shade val="50000"/>
-            </a:schemeClr>
-          </a:lnRef>
-          <a:fillRef idx="1">
-            <a:schemeClr val="accent1"/>
-          </a:fillRef>
-          <a:effectRef idx="0">
-            <a:schemeClr val="accent1"/>
-          </a:effectRef>
-          <a:fontRef idx="minor">
-            <a:schemeClr val="lt1"/>
-          </a:fontRef>
-        </p:style>
-        <p:txBody>
-          <a:bodyPr rtlCol="0" anchor="ctr"/>
-          <a:lstStyle/>
-          <a:p>
-            <a:pPr algn="ctr"/>
-            <a:endParaRPr lang="de-DE"/>
-          </a:p>
-        </p:txBody>
-      </p:sp>
-      <p:sp>
-        <p:nvSpPr>
-          <p:cNvPr id="7" name="Rechteck: abgerundete Ecken 6">
-            <a:extLst>
-              <a:ext uri="{FF2B5EF4-FFF2-40B4-BE49-F238E27FC236}">
-                <a16:creationId xmlns:a16="http://schemas.microsoft.com/office/drawing/2014/main" id="{DDA0D74C-804E-B8F9-E626-227C46A47806}"/>
-              </a:ext>
-            </a:extLst>
-          </p:cNvPr>
-          <p:cNvSpPr/>
-          <p:nvPr/>
-        </p:nvSpPr>
-        <p:spPr>
-          <a:xfrm>
-            <a:off x="602705" y="4054327"/>
-            <a:ext cx="1085563" cy="395125"/>
-          </a:xfrm>
-          <a:prstGeom prst="roundRect">
-            <a:avLst/>
-          </a:prstGeom>
-          <a:solidFill>
-            <a:srgbClr val="2894FF">
-              <a:alpha val="36863"/>
-            </a:srgbClr>
-          </a:solidFill>
-          <a:ln>
-            <a:noFill/>
-          </a:ln>
-        </p:spPr>
-        <p:style>
-          <a:lnRef idx="2">
-            <a:schemeClr val="accent1">
-              <a:shade val="50000"/>
-            </a:schemeClr>
-          </a:lnRef>
-          <a:fillRef idx="1">
-            <a:schemeClr val="accent1"/>
-          </a:fillRef>
-          <a:effectRef idx="0">
-            <a:schemeClr val="accent1"/>
-          </a:effectRef>
-          <a:fontRef idx="minor">
-            <a:schemeClr val="lt1"/>
-          </a:fontRef>
-        </p:style>
-        <p:txBody>
-          <a:bodyPr rtlCol="0" anchor="ctr"/>
-          <a:lstStyle/>
-          <a:p>
-            <a:pPr algn="ctr"/>
-            <a:endParaRPr lang="de-DE"/>
+              <a:t>“</a:t>
+            </a:r>
+            <a:endParaRPr lang="de-DE" sz="2400" b="0" strike="noStrike" spc="-1" dirty="0">
+              <a:latin typeface="Arial"/>
+            </a:endParaRPr>
           </a:p>
         </p:txBody>
       </p:sp>
@@ -24183,7 +24224,85 @@
       </p:grpSpPr>
       <p:sp>
         <p:nvSpPr>
-          <p:cNvPr id="484" name="CustomShape 1"/>
+          <p:cNvPr id="487" name="CustomShape 1"/>
+          <p:cNvSpPr/>
+          <p:nvPr/>
+        </p:nvSpPr>
+        <p:spPr>
+          <a:xfrm>
+            <a:off x="720000" y="260640"/>
+            <a:ext cx="8183160" cy="660960"/>
+          </a:xfrm>
+          <a:prstGeom prst="rect">
+            <a:avLst/>
+          </a:prstGeom>
+          <a:noFill/>
+          <a:ln w="0">
+            <a:noFill/>
+          </a:ln>
+        </p:spPr>
+        <p:style>
+          <a:lnRef idx="0">
+            <a:scrgbClr r="0" g="0" b="0"/>
+          </a:lnRef>
+          <a:fillRef idx="0">
+            <a:scrgbClr r="0" g="0" b="0"/>
+          </a:fillRef>
+          <a:effectRef idx="0">
+            <a:scrgbClr r="0" g="0" b="0"/>
+          </a:effectRef>
+          <a:fontRef idx="minor"/>
+        </p:style>
+        <p:txBody>
+          <a:bodyPr lIns="0" tIns="0" rIns="0" bIns="0" anchor="b">
+            <a:noAutofit/>
+          </a:bodyPr>
+          <a:lstStyle/>
+          <a:p>
+            <a:pPr>
+              <a:lnSpc>
+                <a:spcPct val="100000"/>
+              </a:lnSpc>
+            </a:pPr>
+            <a:r>
+              <a:rPr lang="de-DE" sz="2200" b="1" strike="noStrike" spc="-1" dirty="0">
+                <a:solidFill>
+                  <a:srgbClr val="5073A5"/>
+                </a:solidFill>
+                <a:latin typeface="Frutiger LT Com 45 Light"/>
+                <a:ea typeface="DejaVu Sans"/>
+              </a:rPr>
+              <a:t>Warum macht der </a:t>
+            </a:r>
+            <a:r>
+              <a:rPr lang="de-DE" sz="2200" b="1" strike="noStrike" spc="-1" dirty="0" err="1">
+                <a:solidFill>
+                  <a:srgbClr val="5073A5"/>
+                </a:solidFill>
+                <a:latin typeface="Frutiger LT Com 45 Light"/>
+                <a:ea typeface="DejaVu Sans"/>
+              </a:rPr>
+              <a:t>MedExtractor</a:t>
+            </a:r>
+            <a:r>
+              <a:rPr lang="de-DE" sz="2200" b="1" strike="noStrike" spc="-1" dirty="0">
+                <a:solidFill>
+                  <a:srgbClr val="5073A5"/>
+                </a:solidFill>
+                <a:latin typeface="Frutiger LT Com 45 Light"/>
+                <a:ea typeface="DejaVu Sans"/>
+              </a:rPr>
+              <a:t> Fehler?</a:t>
+            </a:r>
+            <a:endParaRPr lang="de-DE" sz="2200" b="0" strike="noStrike" spc="-1" dirty="0">
+              <a:latin typeface="Arial"/>
+            </a:endParaRPr>
+          </a:p>
+        </p:txBody>
+      </p:sp>
+      <p:sp>
+        <p:nvSpPr>
+          <p:cNvPr id="488" name="CustomShape 2"/>
           <p:cNvSpPr/>
           <p:nvPr/>
         </p:nvSpPr>
@@ -24241,7 +24360,7 @@
       </p:sp>
       <p:sp>
         <p:nvSpPr>
-          <p:cNvPr id="485" name="CustomShape 2"/>
+          <p:cNvPr id="489" name="CustomShape 3"/>
           <p:cNvSpPr/>
           <p:nvPr/>
         </p:nvSpPr>
@@ -24281,7 +24400,7 @@
                 <a:spcPct val="100000"/>
               </a:lnSpc>
             </a:pPr>
-            <a:fld id="{1326F724-8D27-452E-9454-661467954284}" type="slidenum">
+            <a:fld id="{4923A73F-5495-417A-9B89-90354BD07CB0}" type="slidenum">
               <a:rPr lang="de-DE" sz="900" b="1" strike="noStrike" spc="-1">
                 <a:solidFill>
                   <a:srgbClr val="5073A5"/>
@@ -24299,14 +24418,14 @@
       </p:sp>
       <p:sp>
         <p:nvSpPr>
-          <p:cNvPr id="486" name="CustomShape 3"/>
+          <p:cNvPr id="490" name="CustomShape 4"/>
           <p:cNvSpPr/>
           <p:nvPr/>
         </p:nvSpPr>
         <p:spPr>
           <a:xfrm>
-            <a:off x="720000" y="260640"/>
-            <a:ext cx="8183160" cy="660960"/>
+            <a:off x="602705" y="1239314"/>
+            <a:ext cx="11416470" cy="489985"/>
           </a:xfrm>
           <a:prstGeom prst="rect">
             <a:avLst/>
@@ -24329,26 +24448,63 @@
           <a:fontRef idx="minor"/>
         </p:style>
         <p:txBody>
-          <a:bodyPr lIns="0" tIns="0" rIns="0" bIns="0" anchor="b">
+          <a:bodyPr lIns="90000" tIns="45000" rIns="90000" bIns="45000">
             <a:noAutofit/>
           </a:bodyPr>
           <a:lstStyle/>
           <a:p>
-            <a:pPr>
+            <a:pPr marL="990600" indent="-990600">
               <a:lnSpc>
                 <a:spcPct val="100000"/>
               </a:lnSpc>
+              <a:spcBef>
+                <a:spcPts val="1800"/>
+              </a:spcBef>
+              <a:buClr>
+                <a:srgbClr val="000000"/>
+              </a:buClr>
             </a:pPr>
             <a:r>
-              <a:rPr lang="de-DE" sz="2200" b="1" spc="-1" dirty="0">
+              <a:rPr lang="de-DE" sz="2000" b="1" strike="noStrike" spc="-1" dirty="0">
                 <a:solidFill>
-                  <a:srgbClr val="5073A5"/>
+                  <a:srgbClr val="000000"/>
                 </a:solidFill>
                 <a:latin typeface="Frutiger LT Com 45 Light"/>
-              </a:rPr>
-              <a:t>Ausblick / Verbesserungspotential</a:t>
-            </a:r>
-            <a:endParaRPr lang="de-DE" sz="2200" b="0" strike="noStrike" spc="-1" dirty="0">
+                <a:ea typeface="DejaVu Sans"/>
+              </a:rPr>
+              <a:t>Beispiel</a:t>
+            </a:r>
+            <a:r>
+              <a:rPr lang="de-DE" sz="2000" b="0" strike="noStrike" spc="-1" dirty="0">
+                <a:solidFill>
+                  <a:srgbClr val="000000"/>
+                </a:solidFill>
+                <a:latin typeface="Frutiger LT Com 45 Light"/>
+                <a:ea typeface="DejaVu Sans"/>
+              </a:rPr>
+              <a:t>:	Verben (z.B. </a:t>
+            </a:r>
+            <a:r>
+              <a:rPr lang="de-DE" sz="2000" b="0" strike="noStrike" spc="-1" dirty="0" err="1">
+                <a:solidFill>
+                  <a:srgbClr val="000000"/>
+                </a:solidFill>
+                <a:latin typeface="Frutiger LT Com 45 Light"/>
+                <a:ea typeface="DejaVu Sans"/>
+              </a:rPr>
+              <a:t>aggravate</a:t>
+            </a:r>
+            <a:r>
+              <a:rPr lang="de-DE" sz="2000" b="0" strike="noStrike" spc="-1" dirty="0">
+                <a:solidFill>
+                  <a:srgbClr val="000000"/>
+                </a:solidFill>
+                <a:latin typeface="Frutiger LT Com 45 Light"/>
+                <a:ea typeface="DejaVu Sans"/>
+              </a:rPr>
+              <a:t>) werden als Symptom bewertet, da sie im Trainingsvokabular enthalten sind.</a:t>
+            </a:r>
+            <a:endParaRPr lang="de-DE" sz="2000" b="0" strike="noStrike" spc="-1" dirty="0">
               <a:latin typeface="Arial"/>
             </a:endParaRPr>
           </a:p>
@@ -24356,10 +24512,10 @@
       </p:sp>
       <p:pic>
         <p:nvPicPr>
-          <p:cNvPr id="5" name="Grafik 4">
+          <p:cNvPr id="3" name="Grafik 2">
             <a:extLst>
               <a:ext uri="{FF2B5EF4-FFF2-40B4-BE49-F238E27FC236}">
-                <a16:creationId xmlns:a16="http://schemas.microsoft.com/office/drawing/2014/main" id="{1773B254-705C-2C3C-351E-EA7F0154E5A6}"/>
+                <a16:creationId xmlns:a16="http://schemas.microsoft.com/office/drawing/2014/main" id="{826FFB11-0E0E-61D9-7351-CC616A9403EE}"/>
               </a:ext>
             </a:extLst>
           </p:cNvPr>
@@ -24376,50 +24532,20 @@
         </p:blipFill>
         <p:spPr>
           <a:xfrm>
-            <a:off x="720000" y="3583855"/>
-            <a:ext cx="5206640" cy="2464585"/>
+            <a:off x="720000" y="2070239"/>
+            <a:ext cx="4710358" cy="3548062"/>
           </a:xfrm>
           <a:prstGeom prst="rect">
             <a:avLst/>
           </a:prstGeom>
         </p:spPr>
       </p:pic>
-      <p:pic>
-        <p:nvPicPr>
-          <p:cNvPr id="7" name="Grafik 6">
+      <p:sp>
+        <p:nvSpPr>
+          <p:cNvPr id="4" name="CustomShape 4">
             <a:extLst>
               <a:ext uri="{FF2B5EF4-FFF2-40B4-BE49-F238E27FC236}">
-                <a16:creationId xmlns:a16="http://schemas.microsoft.com/office/drawing/2014/main" id="{6E8D5217-CC9E-07C8-7967-38C41CB5CFA6}"/>
-              </a:ext>
-            </a:extLst>
-          </p:cNvPr>
-          <p:cNvPicPr>
-            <a:picLocks noChangeAspect="1"/>
-          </p:cNvPicPr>
-          <p:nvPr/>
-        </p:nvPicPr>
-        <p:blipFill>
-          <a:blip r:embed="rId3"/>
-          <a:stretch>
-            <a:fillRect/>
-          </a:stretch>
-        </p:blipFill>
-        <p:spPr>
-          <a:xfrm>
-            <a:off x="720000" y="1299160"/>
-            <a:ext cx="10938892" cy="1974985"/>
-          </a:xfrm>
-          <a:prstGeom prst="rect">
-            <a:avLst/>
-          </a:prstGeom>
-        </p:spPr>
-      </p:pic>
-      <p:sp>
-        <p:nvSpPr>
-          <p:cNvPr id="8" name="CustomShape 4">
-            <a:extLst>
-              <a:ext uri="{FF2B5EF4-FFF2-40B4-BE49-F238E27FC236}">
-                <a16:creationId xmlns:a16="http://schemas.microsoft.com/office/drawing/2014/main" id="{E917D8CE-E050-F688-27F0-979AF0BD4B54}"/>
+                <a16:creationId xmlns:a16="http://schemas.microsoft.com/office/drawing/2014/main" id="{E80DBC25-07DC-7D15-1C96-574375034F91}"/>
               </a:ext>
             </a:extLst>
           </p:cNvPr>
@@ -24428,8 +24554,8 @@
         </p:nvSpPr>
         <p:spPr>
           <a:xfrm>
-            <a:off x="6452254" y="3943945"/>
-            <a:ext cx="5206638" cy="1744403"/>
+            <a:off x="5627801" y="3076388"/>
+            <a:ext cx="6117997" cy="1114628"/>
           </a:xfrm>
           <a:prstGeom prst="rect">
             <a:avLst/>
@@ -24457,7 +24583,7 @@
           </a:bodyPr>
           <a:lstStyle/>
           <a:p>
-            <a:pPr marL="285840" indent="-285120">
+            <a:pPr marL="990600" indent="-990600">
               <a:lnSpc>
                 <a:spcPct val="100000"/>
               </a:lnSpc>
@@ -24467,30 +24593,50 @@
               <a:buClr>
                 <a:srgbClr val="000000"/>
               </a:buClr>
-              <a:buFont typeface="Arial"/>
-              <a:buChar char="•"/>
             </a:pPr>
             <a:r>
-              <a:rPr lang="de-DE" sz="2000" b="1" spc="-1" dirty="0">
+              <a:rPr lang="de-DE" sz="2000" b="1" strike="noStrike" spc="-1" dirty="0">
+                <a:solidFill>
+                  <a:srgbClr val="FF0000"/>
+                </a:solidFill>
+                <a:latin typeface="Frutiger LT Com 45 Light"/>
+                <a:ea typeface="DejaVu Sans"/>
+              </a:rPr>
+              <a:t>Lösung</a:t>
+            </a:r>
+            <a:r>
+              <a:rPr lang="de-DE" sz="2000" b="0" strike="noStrike" spc="-1" dirty="0">
                 <a:solidFill>
                   <a:srgbClr val="000000"/>
                 </a:solidFill>
                 <a:latin typeface="Frutiger LT Com 45 Light"/>
-              </a:rPr>
-              <a:t>Problem:</a:t>
-            </a:r>
-            <a:r>
-              <a:rPr lang="de-DE" sz="2000" spc="-1" dirty="0">
+                <a:ea typeface="DejaVu Sans"/>
+              </a:rPr>
+              <a:t>:	Grammatikanalyse durch </a:t>
+            </a:r>
+            <a:r>
+              <a:rPr lang="de-DE" sz="2000" b="0" i="1" strike="noStrike" spc="-1" dirty="0" err="1">
                 <a:solidFill>
                   <a:srgbClr val="000000"/>
                 </a:solidFill>
                 <a:latin typeface="Frutiger LT Com 45 Light"/>
-              </a:rPr>
-              <a:t> Bedeutung von Sätzen wird nicht erkannt.</a:t>
-            </a:r>
-          </a:p>
-          <a:p>
-            <a:pPr marL="285840" indent="-285120">
+                <a:ea typeface="DejaVu Sans"/>
+              </a:rPr>
+              <a:t>spaCy</a:t>
+            </a:r>
+            <a:r>
+              <a:rPr lang="de-DE" sz="2000" b="0" strike="noStrike" spc="-1" dirty="0">
+                <a:solidFill>
+                  <a:srgbClr val="000000"/>
+                </a:solidFill>
+                <a:latin typeface="Frutiger LT Com 45 Light"/>
+                <a:ea typeface="DejaVu Sans"/>
+              </a:rPr>
+              <a:t>.</a:t>
+            </a:r>
+          </a:p>
+          <a:p>
+            <a:pPr marL="990600" indent="-990600">
               <a:lnSpc>
                 <a:spcPct val="100000"/>
               </a:lnSpc>
@@ -24500,18 +24646,7 @@
               <a:buClr>
                 <a:srgbClr val="000000"/>
               </a:buClr>
-              <a:buFont typeface="Arial"/>
-              <a:buChar char="•"/>
             </a:pPr>
-            <a:r>
-              <a:rPr lang="de-DE" sz="2000" b="1" spc="-1" dirty="0">
-                <a:solidFill>
-                  <a:srgbClr val="000000"/>
-                </a:solidFill>
-                <a:latin typeface="Frutiger LT Com 45 Light"/>
-              </a:rPr>
-              <a:t>Lösungsansatz:</a:t>
-            </a:r>
             <a:r>
               <a:rPr lang="de-DE" sz="2000" spc="-1" dirty="0">
                 <a:solidFill>
@@ -24519,59 +24654,8 @@
                 </a:solidFill>
                 <a:latin typeface="Frutiger LT Com 45 Light"/>
               </a:rPr>
-              <a:t> Suche nach typischen </a:t>
-            </a:r>
-            <a:r>
-              <a:rPr lang="de-DE" sz="2000" spc="-1" dirty="0" err="1">
-                <a:solidFill>
-                  <a:srgbClr val="000000"/>
-                </a:solidFill>
-                <a:latin typeface="Frutiger LT Com 45 Light"/>
-              </a:rPr>
-              <a:t>Satzkonstrukten</a:t>
-            </a:r>
-            <a:r>
-              <a:rPr lang="de-DE" sz="2000" spc="-1" dirty="0">
-                <a:solidFill>
-                  <a:srgbClr val="000000"/>
-                </a:solidFill>
-                <a:latin typeface="Frutiger LT Com 45 Light"/>
-              </a:rPr>
-              <a:t> mittels </a:t>
-            </a:r>
-            <a:r>
-              <a:rPr lang="de-DE" sz="2000" i="1" spc="-1" dirty="0" err="1">
-                <a:solidFill>
-                  <a:srgbClr val="000000"/>
-                </a:solidFill>
-                <a:latin typeface="Frutiger LT Com 45 Light"/>
-              </a:rPr>
-              <a:t>Dependency</a:t>
-            </a:r>
-            <a:r>
-              <a:rPr lang="de-DE" sz="2000" i="1" spc="-1" dirty="0">
-                <a:solidFill>
-                  <a:srgbClr val="000000"/>
-                </a:solidFill>
-                <a:latin typeface="Frutiger LT Com 45 Light"/>
-              </a:rPr>
-              <a:t> Parser</a:t>
-            </a:r>
-          </a:p>
-          <a:p>
-            <a:pPr marL="285840" indent="-285120">
-              <a:lnSpc>
-                <a:spcPct val="100000"/>
-              </a:lnSpc>
-              <a:spcBef>
-                <a:spcPts val="1800"/>
-              </a:spcBef>
-              <a:buClr>
-                <a:srgbClr val="000000"/>
-              </a:buClr>
-              <a:buFont typeface="Arial"/>
-              <a:buChar char="•"/>
-            </a:pPr>
+              <a:t>	Verwerfen von Verben im Trainingsvokabular</a:t>
+            </a:r>
             <a:endParaRPr lang="de-DE" sz="2000" b="0" strike="noStrike" spc="-1" dirty="0">
               <a:latin typeface="Arial"/>
             </a:endParaRPr>
@@ -24580,10 +24664,10 @@
       </p:sp>
       <p:sp>
         <p:nvSpPr>
-          <p:cNvPr id="9" name="Rechteck: abgerundete Ecken 8">
+          <p:cNvPr id="5" name="Rechteck: abgerundete Ecken 4">
             <a:extLst>
               <a:ext uri="{FF2B5EF4-FFF2-40B4-BE49-F238E27FC236}">
-                <a16:creationId xmlns:a16="http://schemas.microsoft.com/office/drawing/2014/main" id="{EEEE4A75-BFD6-EFF1-8946-0AC7F558EDCE}"/>
+                <a16:creationId xmlns:a16="http://schemas.microsoft.com/office/drawing/2014/main" id="{E6916C2C-D165-B1DF-8CCE-E8A530B73D5C}"/>
               </a:ext>
             </a:extLst>
           </p:cNvPr>
@@ -24592,19 +24676,17 @@
         </p:nvSpPr>
         <p:spPr>
           <a:xfrm>
-            <a:off x="2780538" y="2804964"/>
-            <a:ext cx="1085563" cy="469181"/>
+            <a:off x="3091992" y="3280528"/>
+            <a:ext cx="1253765" cy="273377"/>
           </a:xfrm>
           <a:prstGeom prst="roundRect">
             <a:avLst/>
           </a:prstGeom>
-          <a:solidFill>
-            <a:srgbClr val="2894FF">
-              <a:alpha val="36863"/>
-            </a:srgbClr>
-          </a:solidFill>
+          <a:noFill/>
           <a:ln>
-            <a:noFill/>
+            <a:solidFill>
+              <a:srgbClr val="FF0000"/>
+            </a:solidFill>
           </a:ln>
         </p:spPr>
         <p:style>
@@ -24634,10 +24716,10 @@
       </p:sp>
       <p:sp>
         <p:nvSpPr>
-          <p:cNvPr id="10" name="Rechteck: abgerundete Ecken 9">
+          <p:cNvPr id="6" name="Rechteck: abgerundete Ecken 5">
             <a:extLst>
               <a:ext uri="{FF2B5EF4-FFF2-40B4-BE49-F238E27FC236}">
-                <a16:creationId xmlns:a16="http://schemas.microsoft.com/office/drawing/2014/main" id="{5C3180AA-CFD3-48A2-E0B5-C142D1BE4B16}"/>
+                <a16:creationId xmlns:a16="http://schemas.microsoft.com/office/drawing/2014/main" id="{E4579697-72DA-4014-B8D9-DEFA4B69DE34}"/>
               </a:ext>
             </a:extLst>
           </p:cNvPr>
@@ -24646,18 +24728,16 @@
         </p:nvSpPr>
         <p:spPr>
           <a:xfrm>
-            <a:off x="6353666" y="2779728"/>
-            <a:ext cx="791852" cy="469181"/>
+            <a:off x="605346" y="3301738"/>
+            <a:ext cx="1085563" cy="273377"/>
           </a:xfrm>
           <a:prstGeom prst="roundRect">
             <a:avLst/>
           </a:prstGeom>
           <a:solidFill>
-            <a:schemeClr val="accent3">
-              <a:lumMod val="60000"/>
-              <a:lumOff val="40000"/>
+            <a:srgbClr val="2894FF">
               <a:alpha val="36863"/>
-            </a:schemeClr>
+            </a:srgbClr>
           </a:solidFill>
           <a:ln>
             <a:noFill/>
@@ -24690,10 +24770,10 @@
       </p:sp>
       <p:sp>
         <p:nvSpPr>
-          <p:cNvPr id="11" name="Rechteck: abgerundete Ecken 10">
+          <p:cNvPr id="7" name="Rechteck: abgerundete Ecken 6">
             <a:extLst>
               <a:ext uri="{FF2B5EF4-FFF2-40B4-BE49-F238E27FC236}">
-                <a16:creationId xmlns:a16="http://schemas.microsoft.com/office/drawing/2014/main" id="{1DD50B32-76BA-ACEC-BD95-39170052C41F}"/>
+                <a16:creationId xmlns:a16="http://schemas.microsoft.com/office/drawing/2014/main" id="{DDA0D74C-804E-B8F9-E626-227C46A47806}"/>
               </a:ext>
             </a:extLst>
           </p:cNvPr>
@@ -24702,18 +24782,16 @@
         </p:nvSpPr>
         <p:spPr>
           <a:xfrm>
-            <a:off x="8690840" y="2811578"/>
-            <a:ext cx="3002017" cy="469181"/>
+            <a:off x="602705" y="4054327"/>
+            <a:ext cx="1085563" cy="395125"/>
           </a:xfrm>
           <a:prstGeom prst="roundRect">
             <a:avLst/>
           </a:prstGeom>
           <a:solidFill>
-            <a:schemeClr val="accent3">
-              <a:lumMod val="60000"/>
-              <a:lumOff val="40000"/>
+            <a:srgbClr val="2894FF">
               <a:alpha val="36863"/>
-            </a:schemeClr>
+            </a:srgbClr>
           </a:solidFill>
           <a:ln>
             <a:noFill/>
@@ -24744,444 +24822,7 @@
           </a:p>
         </p:txBody>
       </p:sp>
-      <p:sp>
-        <p:nvSpPr>
-          <p:cNvPr id="12" name="Rechteck: abgerundete Ecken 11">
-            <a:extLst>
-              <a:ext uri="{FF2B5EF4-FFF2-40B4-BE49-F238E27FC236}">
-                <a16:creationId xmlns:a16="http://schemas.microsoft.com/office/drawing/2014/main" id="{9B32EE3F-C473-D503-0007-ADEA5A4DD49C}"/>
-              </a:ext>
-            </a:extLst>
-          </p:cNvPr>
-          <p:cNvSpPr/>
-          <p:nvPr/>
-        </p:nvSpPr>
-        <p:spPr>
-          <a:xfrm>
-            <a:off x="4083377" y="2811577"/>
-            <a:ext cx="791852" cy="469181"/>
-          </a:xfrm>
-          <a:prstGeom prst="roundRect">
-            <a:avLst/>
-          </a:prstGeom>
-          <a:solidFill>
-            <a:srgbClr val="92D050">
-              <a:alpha val="36863"/>
-            </a:srgbClr>
-          </a:solidFill>
-          <a:ln>
-            <a:noFill/>
-          </a:ln>
-        </p:spPr>
-        <p:style>
-          <a:lnRef idx="2">
-            <a:schemeClr val="accent1">
-              <a:shade val="50000"/>
-            </a:schemeClr>
-          </a:lnRef>
-          <a:fillRef idx="1">
-            <a:schemeClr val="accent1"/>
-          </a:fillRef>
-          <a:effectRef idx="0">
-            <a:schemeClr val="accent1"/>
-          </a:effectRef>
-          <a:fontRef idx="minor">
-            <a:schemeClr val="lt1"/>
-          </a:fontRef>
-        </p:style>
-        <p:txBody>
-          <a:bodyPr rtlCol="0" anchor="ctr"/>
-          <a:lstStyle/>
-          <a:p>
-            <a:pPr algn="ctr"/>
-            <a:endParaRPr lang="de-DE"/>
-          </a:p>
-        </p:txBody>
-      </p:sp>
-      <p:sp>
-        <p:nvSpPr>
-          <p:cNvPr id="13" name="Rechteck: abgerundete Ecken 12">
-            <a:extLst>
-              <a:ext uri="{FF2B5EF4-FFF2-40B4-BE49-F238E27FC236}">
-                <a16:creationId xmlns:a16="http://schemas.microsoft.com/office/drawing/2014/main" id="{72D3820B-7147-56AA-04B3-A6E34B51FEEB}"/>
-              </a:ext>
-            </a:extLst>
-          </p:cNvPr>
-          <p:cNvSpPr/>
-          <p:nvPr/>
-        </p:nvSpPr>
-        <p:spPr>
-          <a:xfrm>
-            <a:off x="7522253" y="2804963"/>
-            <a:ext cx="791852" cy="469181"/>
-          </a:xfrm>
-          <a:prstGeom prst="roundRect">
-            <a:avLst/>
-          </a:prstGeom>
-          <a:solidFill>
-            <a:srgbClr val="92D050">
-              <a:alpha val="36863"/>
-            </a:srgbClr>
-          </a:solidFill>
-          <a:ln>
-            <a:noFill/>
-          </a:ln>
-        </p:spPr>
-        <p:style>
-          <a:lnRef idx="2">
-            <a:schemeClr val="accent1">
-              <a:shade val="50000"/>
-            </a:schemeClr>
-          </a:lnRef>
-          <a:fillRef idx="1">
-            <a:schemeClr val="accent1"/>
-          </a:fillRef>
-          <a:effectRef idx="0">
-            <a:schemeClr val="accent1"/>
-          </a:effectRef>
-          <a:fontRef idx="minor">
-            <a:schemeClr val="lt1"/>
-          </a:fontRef>
-        </p:style>
-        <p:txBody>
-          <a:bodyPr rtlCol="0" anchor="ctr"/>
-          <a:lstStyle/>
-          <a:p>
-            <a:pPr algn="ctr"/>
-            <a:endParaRPr lang="de-DE"/>
-          </a:p>
-        </p:txBody>
-      </p:sp>
-      <p:sp>
-        <p:nvSpPr>
-          <p:cNvPr id="14" name="Rechteck: abgerundete Ecken 13">
-            <a:extLst>
-              <a:ext uri="{FF2B5EF4-FFF2-40B4-BE49-F238E27FC236}">
-                <a16:creationId xmlns:a16="http://schemas.microsoft.com/office/drawing/2014/main" id="{F838EC1D-2FAC-5A76-4FFC-D5DE98CACE29}"/>
-              </a:ext>
-            </a:extLst>
-          </p:cNvPr>
-          <p:cNvSpPr/>
-          <p:nvPr/>
-        </p:nvSpPr>
-        <p:spPr>
-          <a:xfrm>
-            <a:off x="3696878" y="2096331"/>
-            <a:ext cx="395926" cy="391828"/>
-          </a:xfrm>
-          <a:prstGeom prst="roundRect">
-            <a:avLst/>
-          </a:prstGeom>
-          <a:solidFill>
-            <a:srgbClr val="FFFF00">
-              <a:alpha val="36863"/>
-            </a:srgbClr>
-          </a:solidFill>
-          <a:ln>
-            <a:noFill/>
-          </a:ln>
-        </p:spPr>
-        <p:style>
-          <a:lnRef idx="2">
-            <a:schemeClr val="accent1">
-              <a:shade val="50000"/>
-            </a:schemeClr>
-          </a:lnRef>
-          <a:fillRef idx="1">
-            <a:schemeClr val="accent1"/>
-          </a:fillRef>
-          <a:effectRef idx="0">
-            <a:schemeClr val="accent1"/>
-          </a:effectRef>
-          <a:fontRef idx="minor">
-            <a:schemeClr val="lt1"/>
-          </a:fontRef>
-        </p:style>
-        <p:txBody>
-          <a:bodyPr rtlCol="0" anchor="ctr"/>
-          <a:lstStyle/>
-          <a:p>
-            <a:pPr algn="ctr"/>
-            <a:endParaRPr lang="de-DE"/>
-          </a:p>
-        </p:txBody>
-      </p:sp>
-      <p:sp>
-        <p:nvSpPr>
-          <p:cNvPr id="15" name="Rechteck: abgerundete Ecken 14">
-            <a:extLst>
-              <a:ext uri="{FF2B5EF4-FFF2-40B4-BE49-F238E27FC236}">
-                <a16:creationId xmlns:a16="http://schemas.microsoft.com/office/drawing/2014/main" id="{CDA15417-A3A5-1EA2-3AF6-26C816C5D89D}"/>
-              </a:ext>
-            </a:extLst>
-          </p:cNvPr>
-          <p:cNvSpPr/>
-          <p:nvPr/>
-        </p:nvSpPr>
-        <p:spPr>
-          <a:xfrm>
-            <a:off x="5451834" y="1659252"/>
-            <a:ext cx="395926" cy="391828"/>
-          </a:xfrm>
-          <a:prstGeom prst="roundRect">
-            <a:avLst/>
-          </a:prstGeom>
-          <a:solidFill>
-            <a:srgbClr val="FFFF00">
-              <a:alpha val="36863"/>
-            </a:srgbClr>
-          </a:solidFill>
-          <a:ln>
-            <a:noFill/>
-          </a:ln>
-        </p:spPr>
-        <p:style>
-          <a:lnRef idx="2">
-            <a:schemeClr val="accent1">
-              <a:shade val="50000"/>
-            </a:schemeClr>
-          </a:lnRef>
-          <a:fillRef idx="1">
-            <a:schemeClr val="accent1"/>
-          </a:fillRef>
-          <a:effectRef idx="0">
-            <a:schemeClr val="accent1"/>
-          </a:effectRef>
-          <a:fontRef idx="minor">
-            <a:schemeClr val="lt1"/>
-          </a:fontRef>
-        </p:style>
-        <p:txBody>
-          <a:bodyPr rtlCol="0" anchor="ctr"/>
-          <a:lstStyle/>
-          <a:p>
-            <a:pPr algn="ctr"/>
-            <a:endParaRPr lang="de-DE"/>
-          </a:p>
-        </p:txBody>
-      </p:sp>
-      <p:sp>
-        <p:nvSpPr>
-          <p:cNvPr id="16" name="Rechteck: abgerundete Ecken 15">
-            <a:extLst>
-              <a:ext uri="{FF2B5EF4-FFF2-40B4-BE49-F238E27FC236}">
-                <a16:creationId xmlns:a16="http://schemas.microsoft.com/office/drawing/2014/main" id="{DC754FFA-F1D7-94AF-2981-97BD1A0E8A15}"/>
-              </a:ext>
-            </a:extLst>
-          </p:cNvPr>
-          <p:cNvSpPr/>
-          <p:nvPr/>
-        </p:nvSpPr>
-        <p:spPr>
-          <a:xfrm>
-            <a:off x="5502109" y="1224697"/>
-            <a:ext cx="395926" cy="391828"/>
-          </a:xfrm>
-          <a:prstGeom prst="roundRect">
-            <a:avLst/>
-          </a:prstGeom>
-          <a:solidFill>
-            <a:srgbClr val="FFFF00">
-              <a:alpha val="36863"/>
-            </a:srgbClr>
-          </a:solidFill>
-          <a:ln>
-            <a:noFill/>
-          </a:ln>
-        </p:spPr>
-        <p:style>
-          <a:lnRef idx="2">
-            <a:schemeClr val="accent1">
-              <a:shade val="50000"/>
-            </a:schemeClr>
-          </a:lnRef>
-          <a:fillRef idx="1">
-            <a:schemeClr val="accent1"/>
-          </a:fillRef>
-          <a:effectRef idx="0">
-            <a:schemeClr val="accent1"/>
-          </a:effectRef>
-          <a:fontRef idx="minor">
-            <a:schemeClr val="lt1"/>
-          </a:fontRef>
-        </p:style>
-        <p:txBody>
-          <a:bodyPr rtlCol="0" anchor="ctr"/>
-          <a:lstStyle/>
-          <a:p>
-            <a:pPr algn="ctr"/>
-            <a:endParaRPr lang="de-DE"/>
-          </a:p>
-        </p:txBody>
-      </p:sp>
-      <p:sp>
-        <p:nvSpPr>
-          <p:cNvPr id="17" name="Rechteck: abgerundete Ecken 16">
-            <a:extLst>
-              <a:ext uri="{FF2B5EF4-FFF2-40B4-BE49-F238E27FC236}">
-                <a16:creationId xmlns:a16="http://schemas.microsoft.com/office/drawing/2014/main" id="{B8F26D29-14F4-19F5-9619-000FD370F0BF}"/>
-              </a:ext>
-            </a:extLst>
-          </p:cNvPr>
-          <p:cNvSpPr/>
-          <p:nvPr/>
-        </p:nvSpPr>
-        <p:spPr>
-          <a:xfrm>
-            <a:off x="8361240" y="2110175"/>
-            <a:ext cx="395926" cy="391828"/>
-          </a:xfrm>
-          <a:prstGeom prst="roundRect">
-            <a:avLst/>
-          </a:prstGeom>
-          <a:solidFill>
-            <a:srgbClr val="FFFF00">
-              <a:alpha val="36863"/>
-            </a:srgbClr>
-          </a:solidFill>
-          <a:ln>
-            <a:noFill/>
-          </a:ln>
-        </p:spPr>
-        <p:style>
-          <a:lnRef idx="2">
-            <a:schemeClr val="accent1">
-              <a:shade val="50000"/>
-            </a:schemeClr>
-          </a:lnRef>
-          <a:fillRef idx="1">
-            <a:schemeClr val="accent1"/>
-          </a:fillRef>
-          <a:effectRef idx="0">
-            <a:schemeClr val="accent1"/>
-          </a:effectRef>
-          <a:fontRef idx="minor">
-            <a:schemeClr val="lt1"/>
-          </a:fontRef>
-        </p:style>
-        <p:txBody>
-          <a:bodyPr rtlCol="0" anchor="ctr"/>
-          <a:lstStyle/>
-          <a:p>
-            <a:pPr algn="ctr"/>
-            <a:endParaRPr lang="de-DE"/>
-          </a:p>
-        </p:txBody>
-      </p:sp>
-      <p:sp>
-        <p:nvSpPr>
-          <p:cNvPr id="18" name="Rechteck: abgerundete Ecken 17">
-            <a:extLst>
-              <a:ext uri="{FF2B5EF4-FFF2-40B4-BE49-F238E27FC236}">
-                <a16:creationId xmlns:a16="http://schemas.microsoft.com/office/drawing/2014/main" id="{85DB341B-23E8-3752-C42D-E11B171E0014}"/>
-              </a:ext>
-            </a:extLst>
-          </p:cNvPr>
-          <p:cNvSpPr/>
-          <p:nvPr/>
-        </p:nvSpPr>
-        <p:spPr>
-          <a:xfrm>
-            <a:off x="9531735" y="2110175"/>
-            <a:ext cx="395926" cy="391828"/>
-          </a:xfrm>
-          <a:prstGeom prst="roundRect">
-            <a:avLst/>
-          </a:prstGeom>
-          <a:solidFill>
-            <a:srgbClr val="FFFF00">
-              <a:alpha val="36863"/>
-            </a:srgbClr>
-          </a:solidFill>
-          <a:ln>
-            <a:noFill/>
-          </a:ln>
-        </p:spPr>
-        <p:style>
-          <a:lnRef idx="2">
-            <a:schemeClr val="accent1">
-              <a:shade val="50000"/>
-            </a:schemeClr>
-          </a:lnRef>
-          <a:fillRef idx="1">
-            <a:schemeClr val="accent1"/>
-          </a:fillRef>
-          <a:effectRef idx="0">
-            <a:schemeClr val="accent1"/>
-          </a:effectRef>
-          <a:fontRef idx="minor">
-            <a:schemeClr val="lt1"/>
-          </a:fontRef>
-        </p:style>
-        <p:txBody>
-          <a:bodyPr rtlCol="0" anchor="ctr"/>
-          <a:lstStyle/>
-          <a:p>
-            <a:pPr algn="ctr"/>
-            <a:endParaRPr lang="de-DE"/>
-          </a:p>
-        </p:txBody>
-      </p:sp>
-      <p:sp>
-        <p:nvSpPr>
-          <p:cNvPr id="19" name="Rechteck: abgerundete Ecken 18">
-            <a:extLst>
-              <a:ext uri="{FF2B5EF4-FFF2-40B4-BE49-F238E27FC236}">
-                <a16:creationId xmlns:a16="http://schemas.microsoft.com/office/drawing/2014/main" id="{187CCF0C-DD49-9427-8461-63BF19383027}"/>
-              </a:ext>
-            </a:extLst>
-          </p:cNvPr>
-          <p:cNvSpPr/>
-          <p:nvPr/>
-        </p:nvSpPr>
-        <p:spPr>
-          <a:xfrm>
-            <a:off x="10702230" y="2084850"/>
-            <a:ext cx="395926" cy="391828"/>
-          </a:xfrm>
-          <a:prstGeom prst="roundRect">
-            <a:avLst/>
-          </a:prstGeom>
-          <a:solidFill>
-            <a:srgbClr val="FFFF00">
-              <a:alpha val="36863"/>
-            </a:srgbClr>
-          </a:solidFill>
-          <a:ln>
-            <a:noFill/>
-          </a:ln>
-        </p:spPr>
-        <p:style>
-          <a:lnRef idx="2">
-            <a:schemeClr val="accent1">
-              <a:shade val="50000"/>
-            </a:schemeClr>
-          </a:lnRef>
-          <a:fillRef idx="1">
-            <a:schemeClr val="accent1"/>
-          </a:fillRef>
-          <a:effectRef idx="0">
-            <a:schemeClr val="accent1"/>
-          </a:effectRef>
-          <a:fontRef idx="minor">
-            <a:schemeClr val="lt1"/>
-          </a:fontRef>
-        </p:style>
-        <p:txBody>
-          <a:bodyPr rtlCol="0" anchor="ctr"/>
-          <a:lstStyle/>
-          <a:p>
-            <a:pPr algn="ctr"/>
-            <a:endParaRPr lang="de-DE"/>
-          </a:p>
-        </p:txBody>
-      </p:sp>
     </p:spTree>
-    <p:extLst>
-      <p:ext uri="{BB962C8B-B14F-4D97-AF65-F5344CB8AC3E}">
-        <p14:creationId xmlns:p14="http://schemas.microsoft.com/office/powerpoint/2010/main" val="824771449"/>
-      </p:ext>
-    </p:extLst>
   </p:cSld>
   <p:clrMapOvr>
     <a:masterClrMapping/>
@@ -25330,8 +24971,8 @@
         </p:nvSpPr>
         <p:spPr>
           <a:xfrm>
-            <a:off x="1260000" y="1564200"/>
-            <a:ext cx="8999280" cy="4478760"/>
+            <a:off x="1260000" y="1432222"/>
+            <a:ext cx="8999280" cy="3968864"/>
           </a:xfrm>
           <a:prstGeom prst="rect">
             <a:avLst/>
@@ -25365,7 +25006,7 @@
               </a:lnSpc>
             </a:pPr>
             <a:r>
-              <a:rPr lang="de-DE" sz="1800" b="0" strike="noStrike" spc="-1">
+              <a:rPr lang="de-DE" sz="1800" b="0" strike="noStrike" spc="-1" dirty="0">
                 <a:solidFill>
                   <a:srgbClr val="000000"/>
                 </a:solidFill>
@@ -25374,7 +25015,7 @@
               </a:rPr>
               <a:t>1. Aufgabenstellung</a:t>
             </a:r>
-            <a:endParaRPr lang="de-DE" sz="1800" b="0" strike="noStrike" spc="-1">
+            <a:endParaRPr lang="de-DE" sz="1800" b="0" strike="noStrike" spc="-1" dirty="0">
               <a:latin typeface="Arial"/>
             </a:endParaRPr>
           </a:p>
@@ -25385,7 +25026,7 @@
               </a:lnSpc>
             </a:pPr>
             <a:r>
-              <a:rPr lang="de-DE" sz="1800" b="0" strike="noStrike" spc="-1">
+              <a:rPr lang="de-DE" sz="1800" b="0" strike="noStrike" spc="-1" dirty="0">
                 <a:solidFill>
                   <a:srgbClr val="000000"/>
                 </a:solidFill>
@@ -25394,7 +25035,7 @@
               </a:rPr>
               <a:t>2. Probleme</a:t>
             </a:r>
-            <a:endParaRPr lang="de-DE" sz="1800" b="0" strike="noStrike" spc="-1">
+            <a:endParaRPr lang="de-DE" sz="1800" b="0" strike="noStrike" spc="-1" dirty="0">
               <a:latin typeface="Arial"/>
             </a:endParaRPr>
           </a:p>
@@ -25405,16 +25046,16 @@
               </a:lnSpc>
             </a:pPr>
             <a:r>
-              <a:rPr lang="de-DE" sz="1800" b="0" strike="noStrike" spc="-1">
+              <a:rPr lang="de-DE" sz="1800" b="0" strike="noStrike" spc="-1" dirty="0">
                 <a:solidFill>
                   <a:srgbClr val="000000"/>
                 </a:solidFill>
                 <a:latin typeface="Frutiger LT Com 45 Light"/>
                 <a:ea typeface="DejaVu Sans"/>
               </a:rPr>
-              <a:t>	2.1 Aspekt 1</a:t>
-            </a:r>
-            <a:endParaRPr lang="de-DE" sz="1800" b="0" strike="noStrike" spc="-1">
+              <a:t>3. Forschungsziele</a:t>
+            </a:r>
+            <a:endParaRPr lang="de-DE" sz="1800" b="0" strike="noStrike" spc="-1" dirty="0">
               <a:latin typeface="Arial"/>
             </a:endParaRPr>
           </a:p>
@@ -25425,16 +25066,16 @@
               </a:lnSpc>
             </a:pPr>
             <a:r>
-              <a:rPr lang="de-DE" sz="1800" b="0" strike="noStrike" spc="-1">
+              <a:rPr lang="de-DE" sz="1800" b="0" strike="noStrike" spc="-1" dirty="0">
                 <a:solidFill>
                   <a:srgbClr val="000000"/>
                 </a:solidFill>
                 <a:latin typeface="Frutiger LT Com 45 Light"/>
                 <a:ea typeface="DejaVu Sans"/>
               </a:rPr>
-              <a:t>	2.2 Aspekt 2</a:t>
-            </a:r>
-            <a:endParaRPr lang="de-DE" sz="1800" b="0" strike="noStrike" spc="-1">
+              <a:t>4. Lösungsansatz</a:t>
+            </a:r>
+            <a:endParaRPr lang="de-DE" sz="1800" b="0" strike="noStrike" spc="-1" dirty="0">
               <a:latin typeface="Arial"/>
             </a:endParaRPr>
           </a:p>
@@ -25445,16 +25086,16 @@
               </a:lnSpc>
             </a:pPr>
             <a:r>
-              <a:rPr lang="de-DE" sz="1800" b="0" strike="noStrike" spc="-1">
+              <a:rPr lang="de-DE" sz="1800" b="0" strike="noStrike" spc="-1" dirty="0">
                 <a:solidFill>
                   <a:srgbClr val="000000"/>
                 </a:solidFill>
                 <a:latin typeface="Frutiger LT Com 45 Light"/>
                 <a:ea typeface="DejaVu Sans"/>
               </a:rPr>
-              <a:t>3. Forschungsziele</a:t>
-            </a:r>
-            <a:endParaRPr lang="de-DE" sz="1800" b="0" strike="noStrike" spc="-1">
+              <a:t>5. Modelle und Implementierung</a:t>
+            </a:r>
+            <a:endParaRPr lang="de-DE" sz="1800" b="0" strike="noStrike" spc="-1" dirty="0">
               <a:latin typeface="Arial"/>
             </a:endParaRPr>
           </a:p>
@@ -25465,16 +25106,16 @@
               </a:lnSpc>
             </a:pPr>
             <a:r>
-              <a:rPr lang="de-DE" sz="1800" b="0" strike="noStrike" spc="-1">
+              <a:rPr lang="de-DE" sz="1800" b="0" strike="noStrike" spc="-1" dirty="0">
                 <a:solidFill>
                   <a:srgbClr val="000000"/>
                 </a:solidFill>
                 <a:latin typeface="Frutiger LT Com 45 Light"/>
                 <a:ea typeface="DejaVu Sans"/>
               </a:rPr>
-              <a:t>4. Lösungsansatz</a:t>
-            </a:r>
-            <a:endParaRPr lang="de-DE" sz="1800" b="0" strike="noStrike" spc="-1">
+              <a:t>	5.1 Datengrundlage</a:t>
+            </a:r>
+            <a:endParaRPr lang="de-DE" sz="1800" b="0" strike="noStrike" spc="-1" dirty="0">
               <a:latin typeface="Arial"/>
             </a:endParaRPr>
           </a:p>
@@ -25485,16 +25126,56 @@
               </a:lnSpc>
             </a:pPr>
             <a:r>
-              <a:rPr lang="de-DE" sz="1800" b="0" strike="noStrike" spc="-1">
+              <a:rPr lang="de-DE" sz="1800" b="0" strike="noStrike" spc="-1" dirty="0">
                 <a:solidFill>
                   <a:srgbClr val="000000"/>
                 </a:solidFill>
                 <a:latin typeface="Frutiger LT Com 45 Light"/>
                 <a:ea typeface="DejaVu Sans"/>
               </a:rPr>
-              <a:t>5. Modelle und Implementierung</a:t>
-            </a:r>
-            <a:endParaRPr lang="de-DE" sz="1800" b="0" strike="noStrike" spc="-1">
+              <a:t>	5.2 Allgemein (</a:t>
+            </a:r>
+            <a:r>
+              <a:rPr lang="de-DE" sz="1800" b="0" strike="noStrike" spc="-1" dirty="0" err="1">
+                <a:solidFill>
+                  <a:srgbClr val="000000"/>
+                </a:solidFill>
+                <a:latin typeface="Frutiger LT Com 45 Light"/>
+                <a:ea typeface="DejaVu Sans"/>
+              </a:rPr>
+              <a:t>SpaCy</a:t>
+            </a:r>
+            <a:r>
+              <a:rPr lang="de-DE" sz="1800" b="0" strike="noStrike" spc="-1" dirty="0">
+                <a:solidFill>
+                  <a:srgbClr val="000000"/>
+                </a:solidFill>
+                <a:latin typeface="Frutiger LT Com 45 Light"/>
+                <a:ea typeface="DejaVu Sans"/>
+              </a:rPr>
+              <a:t>, </a:t>
+            </a:r>
+            <a:r>
+              <a:rPr lang="de-DE" sz="1800" b="0" strike="noStrike" spc="-1" dirty="0" err="1">
+                <a:solidFill>
+                  <a:srgbClr val="000000"/>
+                </a:solidFill>
+                <a:latin typeface="Frutiger LT Com 45 Light"/>
+                <a:ea typeface="DejaVu Sans"/>
+              </a:rPr>
+              <a:t>EntityLinker</a:t>
+            </a:r>
+            <a:r>
+              <a:rPr lang="de-DE" sz="1800" b="0" strike="noStrike" spc="-1" dirty="0">
+                <a:solidFill>
+                  <a:srgbClr val="000000"/>
+                </a:solidFill>
+                <a:latin typeface="Frutiger LT Com 45 Light"/>
+                <a:ea typeface="DejaVu Sans"/>
+              </a:rPr>
+              <a:t>, …)</a:t>
+            </a:r>
+            <a:endParaRPr lang="de-DE" sz="1800" b="0" strike="noStrike" spc="-1" dirty="0">
               <a:latin typeface="Arial"/>
             </a:endParaRPr>
           </a:p>
@@ -25505,16 +25186,16 @@
               </a:lnSpc>
             </a:pPr>
             <a:r>
-              <a:rPr lang="de-DE" sz="1800" b="0" strike="noStrike" spc="-1">
+              <a:rPr lang="de-DE" sz="1800" b="0" strike="noStrike" spc="-1" dirty="0">
                 <a:solidFill>
                   <a:srgbClr val="000000"/>
                 </a:solidFill>
                 <a:latin typeface="Frutiger LT Com 45 Light"/>
                 <a:ea typeface="DejaVu Sans"/>
               </a:rPr>
-              <a:t>	5.1 Datengrundlage</a:t>
-            </a:r>
-            <a:endParaRPr lang="de-DE" sz="1800" b="0" strike="noStrike" spc="-1">
+              <a:t>	5.3 Vorstellung der prototypischen Software</a:t>
+            </a:r>
+            <a:endParaRPr lang="de-DE" sz="1800" b="0" strike="noStrike" spc="-1" dirty="0">
               <a:latin typeface="Arial"/>
             </a:endParaRPr>
           </a:p>
@@ -25525,16 +25206,16 @@
               </a:lnSpc>
             </a:pPr>
             <a:r>
-              <a:rPr lang="de-DE" sz="1800" b="0" strike="noStrike" spc="-1">
+              <a:rPr lang="de-DE" sz="1800" b="0" strike="noStrike" spc="-1" dirty="0">
                 <a:solidFill>
                   <a:srgbClr val="000000"/>
                 </a:solidFill>
                 <a:latin typeface="Frutiger LT Com 45 Light"/>
                 <a:ea typeface="DejaVu Sans"/>
               </a:rPr>
-              <a:t>	5.2 Allgemein (SpaCy, EntityLinker, …)</a:t>
-            </a:r>
-            <a:endParaRPr lang="de-DE" sz="1800" b="0" strike="noStrike" spc="-1">
+              <a:t>		5.3.1 Struktur / UML-Diagramme</a:t>
+            </a:r>
+            <a:endParaRPr lang="de-DE" sz="1800" b="0" strike="noStrike" spc="-1" dirty="0">
               <a:latin typeface="Arial"/>
             </a:endParaRPr>
           </a:p>
@@ -25545,16 +25226,26 @@
               </a:lnSpc>
             </a:pPr>
             <a:r>
-              <a:rPr lang="de-DE" sz="1800" b="0" strike="noStrike" spc="-1">
+              <a:rPr lang="de-DE" sz="1800" b="0" strike="noStrike" spc="-1" dirty="0">
                 <a:solidFill>
                   <a:srgbClr val="000000"/>
                 </a:solidFill>
                 <a:latin typeface="Frutiger LT Com 45 Light"/>
                 <a:ea typeface="DejaVu Sans"/>
               </a:rPr>
-              <a:t>	5.3 Vorstellung der prototypischen Software</a:t>
-            </a:r>
-            <a:endParaRPr lang="de-DE" sz="1800" b="0" strike="noStrike" spc="-1">
+              <a:t>		5.3.2 </a:t>
+            </a:r>
+            <a:r>
+              <a:rPr lang="de-DE" sz="1800" b="0" strike="noStrike" spc="-1" dirty="0" err="1">
+                <a:solidFill>
+                  <a:srgbClr val="000000"/>
+                </a:solidFill>
+                <a:latin typeface="Frutiger LT Com 45 Light"/>
+                <a:ea typeface="DejaVu Sans"/>
+              </a:rPr>
+              <a:t>Preprocessor</a:t>
+            </a:r>
+            <a:endParaRPr lang="de-DE" sz="1800" b="0" strike="noStrike" spc="-1" dirty="0">
               <a:latin typeface="Arial"/>
             </a:endParaRPr>
           </a:p>
@@ -25565,16 +25256,16 @@
               </a:lnSpc>
             </a:pPr>
             <a:r>
-              <a:rPr lang="de-DE" sz="1800" b="0" strike="noStrike" spc="-1">
+              <a:rPr lang="de-DE" sz="1800" b="0" strike="noStrike" spc="-1" dirty="0">
                 <a:solidFill>
                   <a:srgbClr val="000000"/>
                 </a:solidFill>
                 <a:latin typeface="Frutiger LT Com 45 Light"/>
                 <a:ea typeface="DejaVu Sans"/>
               </a:rPr>
-              <a:t>		5.3.1 Struktur / UML-Diagramme</a:t>
-            </a:r>
-            <a:endParaRPr lang="de-DE" sz="1800" b="0" strike="noStrike" spc="-1">
+              <a:t>		5.3.3 Knowledge-Extractor</a:t>
+            </a:r>
+            <a:endParaRPr lang="de-DE" sz="1800" b="0" strike="noStrike" spc="-1" dirty="0">
               <a:latin typeface="Arial"/>
             </a:endParaRPr>
           </a:p>
@@ -25585,16 +25276,26 @@
               </a:lnSpc>
             </a:pPr>
             <a:r>
-              <a:rPr lang="de-DE" sz="1800" b="0" strike="noStrike" spc="-1">
+              <a:rPr lang="de-DE" sz="1800" b="0" strike="noStrike" spc="-1" dirty="0">
                 <a:solidFill>
                   <a:srgbClr val="000000"/>
                 </a:solidFill>
                 <a:latin typeface="Frutiger LT Com 45 Light"/>
                 <a:ea typeface="DejaVu Sans"/>
               </a:rPr>
-              <a:t>		5.3.2 Preprocessor</a:t>
-            </a:r>
-            <a:endParaRPr lang="de-DE" sz="1800" b="0" strike="noStrike" spc="-1">
+              <a:t>		5.3.4 RDF-</a:t>
+            </a:r>
+            <a:r>
+              <a:rPr lang="de-DE" sz="1800" b="0" strike="noStrike" spc="-1" dirty="0" err="1">
+                <a:solidFill>
+                  <a:srgbClr val="000000"/>
+                </a:solidFill>
+                <a:latin typeface="Frutiger LT Com 45 Light"/>
+                <a:ea typeface="DejaVu Sans"/>
+              </a:rPr>
+              <a:t>Serializer</a:t>
+            </a:r>
+            <a:endParaRPr lang="de-DE" sz="1800" b="0" strike="noStrike" spc="-1" dirty="0">
               <a:latin typeface="Arial"/>
             </a:endParaRPr>
           </a:p>
@@ -25605,16 +25306,16 @@
               </a:lnSpc>
             </a:pPr>
             <a:r>
-              <a:rPr lang="de-DE" sz="1800" b="0" strike="noStrike" spc="-1">
+              <a:rPr lang="de-DE" sz="1800" b="0" strike="noStrike" spc="-1" dirty="0">
                 <a:solidFill>
                   <a:srgbClr val="000000"/>
                 </a:solidFill>
                 <a:latin typeface="Frutiger LT Com 45 Light"/>
                 <a:ea typeface="DejaVu Sans"/>
               </a:rPr>
-              <a:t>		5.3.3 Knowledge-Extractor</a:t>
-            </a:r>
-            <a:endParaRPr lang="de-DE" sz="1800" b="0" strike="noStrike" spc="-1">
+              <a:t>6. Evaluation</a:t>
+            </a:r>
+            <a:endParaRPr lang="de-DE" sz="1800" b="0" strike="noStrike" spc="-1" dirty="0">
               <a:latin typeface="Arial"/>
             </a:endParaRPr>
           </a:p>
@@ -25625,56 +25326,16 @@
               </a:lnSpc>
             </a:pPr>
             <a:r>
-              <a:rPr lang="de-DE" sz="1800" b="0" strike="noStrike" spc="-1">
+              <a:rPr lang="de-DE" sz="1800" b="0" strike="noStrike" spc="-1" dirty="0">
                 <a:solidFill>
                   <a:srgbClr val="000000"/>
                 </a:solidFill>
                 <a:latin typeface="Frutiger LT Com 45 Light"/>
                 <a:ea typeface="DejaVu Sans"/>
               </a:rPr>
-              <a:t>		5.3.4 RDF-Serializer</a:t>
-            </a:r>
-            <a:endParaRPr lang="de-DE" sz="1800" b="0" strike="noStrike" spc="-1">
-              <a:latin typeface="Arial"/>
-            </a:endParaRPr>
-          </a:p>
-          <a:p>
-            <a:pPr>
-              <a:lnSpc>
-                <a:spcPct val="100000"/>
-              </a:lnSpc>
-            </a:pPr>
-            <a:r>
-              <a:rPr lang="de-DE" sz="1800" b="0" strike="noStrike" spc="-1">
-                <a:solidFill>
-                  <a:srgbClr val="000000"/>
-                </a:solidFill>
-                <a:latin typeface="Frutiger LT Com 45 Light"/>
-                <a:ea typeface="DejaVu Sans"/>
-              </a:rPr>
-              <a:t>6. Evaluation</a:t>
-            </a:r>
-            <a:endParaRPr lang="de-DE" sz="1800" b="0" strike="noStrike" spc="-1">
-              <a:latin typeface="Arial"/>
-            </a:endParaRPr>
-          </a:p>
-          <a:p>
-            <a:pPr>
-              <a:lnSpc>
-                <a:spcPct val="100000"/>
-              </a:lnSpc>
-            </a:pPr>
-            <a:r>
-              <a:rPr lang="de-DE" sz="1800" b="0" strike="noStrike" spc="-1">
-                <a:solidFill>
-                  <a:srgbClr val="000000"/>
-                </a:solidFill>
-                <a:latin typeface="Frutiger LT Com 45 Light"/>
-                <a:ea typeface="DejaVu Sans"/>
-              </a:rPr>
               <a:t>7. Zusammenfassung</a:t>
             </a:r>
-            <a:endParaRPr lang="de-DE" sz="1800" b="0" strike="noStrike" spc="-1">
+            <a:endParaRPr lang="de-DE" sz="1800" b="0" strike="noStrike" spc="-1" dirty="0">
               <a:latin typeface="Arial"/>
             </a:endParaRPr>
           </a:p>
@@ -25688,8 +25349,8 @@
         </p:nvSpPr>
         <p:spPr>
           <a:xfrm>
-            <a:off x="1037520" y="1520640"/>
-            <a:ext cx="17640" cy="3816360"/>
+            <a:off x="1037520" y="1388661"/>
+            <a:ext cx="18000" cy="4389967"/>
           </a:xfrm>
           <a:prstGeom prst="line">
             <a:avLst/>
@@ -25799,7 +25460,7 @@
       </p:grpSpPr>
       <p:sp>
         <p:nvSpPr>
-          <p:cNvPr id="495" name="CustomShape 1"/>
+          <p:cNvPr id="484" name="CustomShape 1"/>
           <p:cNvSpPr/>
           <p:nvPr/>
         </p:nvSpPr>
@@ -25857,7 +25518,7 @@
       </p:sp>
       <p:sp>
         <p:nvSpPr>
-          <p:cNvPr id="496" name="CustomShape 2"/>
+          <p:cNvPr id="485" name="CustomShape 2"/>
           <p:cNvSpPr/>
           <p:nvPr/>
         </p:nvSpPr>
@@ -25897,7 +25558,7 @@
                 <a:spcPct val="100000"/>
               </a:lnSpc>
             </a:pPr>
-            <a:fld id="{9017C629-8782-4824-AFB1-587CD011E94F}" type="slidenum">
+            <a:fld id="{1326F724-8D27-452E-9454-661467954284}" type="slidenum">
               <a:rPr lang="de-DE" sz="900" b="1" strike="noStrike" spc="-1">
                 <a:solidFill>
                   <a:srgbClr val="5073A5"/>
@@ -25915,7 +25576,7 @@
       </p:sp>
       <p:sp>
         <p:nvSpPr>
-          <p:cNvPr id="497" name="CustomShape 3"/>
+          <p:cNvPr id="486" name="CustomShape 3"/>
           <p:cNvSpPr/>
           <p:nvPr/>
         </p:nvSpPr>
@@ -25956,22 +25617,848 @@
               </a:lnSpc>
             </a:pPr>
             <a:r>
-              <a:rPr lang="de-DE" sz="2200" b="1" strike="noStrike" spc="-1">
+              <a:rPr lang="de-DE" sz="2200" b="1" spc="-1" dirty="0">
                 <a:solidFill>
                   <a:srgbClr val="5073A5"/>
                 </a:solidFill>
                 <a:latin typeface="Frutiger LT Com 45 Light"/>
-                <a:ea typeface="DejaVu Sans"/>
-              </a:rPr>
-              <a:t>Zusammenfassung</a:t>
-            </a:r>
-            <a:endParaRPr lang="de-DE" sz="2200" b="0" strike="noStrike" spc="-1">
-              <a:latin typeface="Arial"/>
-            </a:endParaRPr>
+              </a:rPr>
+              <a:t>Ausblick / Verbesserungspotential</a:t>
+            </a:r>
+            <a:endParaRPr lang="de-DE" sz="2200" b="0" strike="noStrike" spc="-1" dirty="0">
+              <a:latin typeface="Arial"/>
+            </a:endParaRPr>
+          </a:p>
+        </p:txBody>
+      </p:sp>
+      <p:pic>
+        <p:nvPicPr>
+          <p:cNvPr id="5" name="Grafik 4">
+            <a:extLst>
+              <a:ext uri="{FF2B5EF4-FFF2-40B4-BE49-F238E27FC236}">
+                <a16:creationId xmlns:a16="http://schemas.microsoft.com/office/drawing/2014/main" id="{1773B254-705C-2C3C-351E-EA7F0154E5A6}"/>
+              </a:ext>
+            </a:extLst>
+          </p:cNvPr>
+          <p:cNvPicPr>
+            <a:picLocks noChangeAspect="1"/>
+          </p:cNvPicPr>
+          <p:nvPr/>
+        </p:nvPicPr>
+        <p:blipFill>
+          <a:blip r:embed="rId2"/>
+          <a:stretch>
+            <a:fillRect/>
+          </a:stretch>
+        </p:blipFill>
+        <p:spPr>
+          <a:xfrm>
+            <a:off x="720000" y="3583855"/>
+            <a:ext cx="5206640" cy="2464585"/>
+          </a:xfrm>
+          <a:prstGeom prst="rect">
+            <a:avLst/>
+          </a:prstGeom>
+        </p:spPr>
+      </p:pic>
+      <p:pic>
+        <p:nvPicPr>
+          <p:cNvPr id="7" name="Grafik 6">
+            <a:extLst>
+              <a:ext uri="{FF2B5EF4-FFF2-40B4-BE49-F238E27FC236}">
+                <a16:creationId xmlns:a16="http://schemas.microsoft.com/office/drawing/2014/main" id="{6E8D5217-CC9E-07C8-7967-38C41CB5CFA6}"/>
+              </a:ext>
+            </a:extLst>
+          </p:cNvPr>
+          <p:cNvPicPr>
+            <a:picLocks noChangeAspect="1"/>
+          </p:cNvPicPr>
+          <p:nvPr/>
+        </p:nvPicPr>
+        <p:blipFill>
+          <a:blip r:embed="rId3"/>
+          <a:stretch>
+            <a:fillRect/>
+          </a:stretch>
+        </p:blipFill>
+        <p:spPr>
+          <a:xfrm>
+            <a:off x="720000" y="1299160"/>
+            <a:ext cx="10938892" cy="1974985"/>
+          </a:xfrm>
+          <a:prstGeom prst="rect">
+            <a:avLst/>
+          </a:prstGeom>
+        </p:spPr>
+      </p:pic>
+      <p:sp>
+        <p:nvSpPr>
+          <p:cNvPr id="8" name="CustomShape 4">
+            <a:extLst>
+              <a:ext uri="{FF2B5EF4-FFF2-40B4-BE49-F238E27FC236}">
+                <a16:creationId xmlns:a16="http://schemas.microsoft.com/office/drawing/2014/main" id="{E917D8CE-E050-F688-27F0-979AF0BD4B54}"/>
+              </a:ext>
+            </a:extLst>
+          </p:cNvPr>
+          <p:cNvSpPr/>
+          <p:nvPr/>
+        </p:nvSpPr>
+        <p:spPr>
+          <a:xfrm>
+            <a:off x="6452254" y="3943945"/>
+            <a:ext cx="5206638" cy="1744403"/>
+          </a:xfrm>
+          <a:prstGeom prst="rect">
+            <a:avLst/>
+          </a:prstGeom>
+          <a:noFill/>
+          <a:ln w="0">
+            <a:noFill/>
+          </a:ln>
+        </p:spPr>
+        <p:style>
+          <a:lnRef idx="0">
+            <a:scrgbClr r="0" g="0" b="0"/>
+          </a:lnRef>
+          <a:fillRef idx="0">
+            <a:scrgbClr r="0" g="0" b="0"/>
+          </a:fillRef>
+          <a:effectRef idx="0">
+            <a:scrgbClr r="0" g="0" b="0"/>
+          </a:effectRef>
+          <a:fontRef idx="minor"/>
+        </p:style>
+        <p:txBody>
+          <a:bodyPr lIns="90000" tIns="45000" rIns="90000" bIns="45000">
+            <a:noAutofit/>
+          </a:bodyPr>
+          <a:lstStyle/>
+          <a:p>
+            <a:pPr marL="285840" indent="-285120">
+              <a:lnSpc>
+                <a:spcPct val="100000"/>
+              </a:lnSpc>
+              <a:spcBef>
+                <a:spcPts val="1800"/>
+              </a:spcBef>
+              <a:buClr>
+                <a:srgbClr val="000000"/>
+              </a:buClr>
+              <a:buFont typeface="Arial"/>
+              <a:buChar char="•"/>
+            </a:pPr>
+            <a:r>
+              <a:rPr lang="de-DE" sz="2000" b="1" spc="-1" dirty="0">
+                <a:solidFill>
+                  <a:srgbClr val="000000"/>
+                </a:solidFill>
+                <a:latin typeface="Frutiger LT Com 45 Light"/>
+              </a:rPr>
+              <a:t>Problem:</a:t>
+            </a:r>
+            <a:r>
+              <a:rPr lang="de-DE" sz="2000" spc="-1" dirty="0">
+                <a:solidFill>
+                  <a:srgbClr val="000000"/>
+                </a:solidFill>
+                <a:latin typeface="Frutiger LT Com 45 Light"/>
+              </a:rPr>
+              <a:t> Bedeutung von Sätzen wird nicht erkannt.</a:t>
+            </a:r>
+          </a:p>
+          <a:p>
+            <a:pPr marL="285840" indent="-285120">
+              <a:lnSpc>
+                <a:spcPct val="100000"/>
+              </a:lnSpc>
+              <a:spcBef>
+                <a:spcPts val="1800"/>
+              </a:spcBef>
+              <a:buClr>
+                <a:srgbClr val="000000"/>
+              </a:buClr>
+              <a:buFont typeface="Arial"/>
+              <a:buChar char="•"/>
+            </a:pPr>
+            <a:r>
+              <a:rPr lang="de-DE" sz="2000" b="1" spc="-1" dirty="0">
+                <a:solidFill>
+                  <a:srgbClr val="000000"/>
+                </a:solidFill>
+                <a:latin typeface="Frutiger LT Com 45 Light"/>
+              </a:rPr>
+              <a:t>Lösungsansatz:</a:t>
+            </a:r>
+            <a:r>
+              <a:rPr lang="de-DE" sz="2000" spc="-1" dirty="0">
+                <a:solidFill>
+                  <a:srgbClr val="000000"/>
+                </a:solidFill>
+                <a:latin typeface="Frutiger LT Com 45 Light"/>
+              </a:rPr>
+              <a:t> Suche nach typischen </a:t>
+            </a:r>
+            <a:r>
+              <a:rPr lang="de-DE" sz="2000" spc="-1" dirty="0" err="1">
+                <a:solidFill>
+                  <a:srgbClr val="000000"/>
+                </a:solidFill>
+                <a:latin typeface="Frutiger LT Com 45 Light"/>
+              </a:rPr>
+              <a:t>Satzkonstrukten</a:t>
+            </a:r>
+            <a:r>
+              <a:rPr lang="de-DE" sz="2000" spc="-1" dirty="0">
+                <a:solidFill>
+                  <a:srgbClr val="000000"/>
+                </a:solidFill>
+                <a:latin typeface="Frutiger LT Com 45 Light"/>
+              </a:rPr>
+              <a:t> mittels </a:t>
+            </a:r>
+            <a:r>
+              <a:rPr lang="de-DE" sz="2000" i="1" spc="-1" dirty="0" err="1">
+                <a:solidFill>
+                  <a:srgbClr val="000000"/>
+                </a:solidFill>
+                <a:latin typeface="Frutiger LT Com 45 Light"/>
+              </a:rPr>
+              <a:t>Dependency</a:t>
+            </a:r>
+            <a:r>
+              <a:rPr lang="de-DE" sz="2000" i="1" spc="-1" dirty="0">
+                <a:solidFill>
+                  <a:srgbClr val="000000"/>
+                </a:solidFill>
+                <a:latin typeface="Frutiger LT Com 45 Light"/>
+              </a:rPr>
+              <a:t> Parser</a:t>
+            </a:r>
+          </a:p>
+          <a:p>
+            <a:pPr marL="285840" indent="-285120">
+              <a:lnSpc>
+                <a:spcPct val="100000"/>
+              </a:lnSpc>
+              <a:spcBef>
+                <a:spcPts val="1800"/>
+              </a:spcBef>
+              <a:buClr>
+                <a:srgbClr val="000000"/>
+              </a:buClr>
+              <a:buFont typeface="Arial"/>
+              <a:buChar char="•"/>
+            </a:pPr>
+            <a:endParaRPr lang="de-DE" sz="2000" b="0" strike="noStrike" spc="-1" dirty="0">
+              <a:latin typeface="Arial"/>
+            </a:endParaRPr>
+          </a:p>
+        </p:txBody>
+      </p:sp>
+      <p:sp>
+        <p:nvSpPr>
+          <p:cNvPr id="9" name="Rechteck: abgerundete Ecken 8">
+            <a:extLst>
+              <a:ext uri="{FF2B5EF4-FFF2-40B4-BE49-F238E27FC236}">
+                <a16:creationId xmlns:a16="http://schemas.microsoft.com/office/drawing/2014/main" id="{EEEE4A75-BFD6-EFF1-8946-0AC7F558EDCE}"/>
+              </a:ext>
+            </a:extLst>
+          </p:cNvPr>
+          <p:cNvSpPr/>
+          <p:nvPr/>
+        </p:nvSpPr>
+        <p:spPr>
+          <a:xfrm>
+            <a:off x="2780538" y="2804964"/>
+            <a:ext cx="1085563" cy="469181"/>
+          </a:xfrm>
+          <a:prstGeom prst="roundRect">
+            <a:avLst/>
+          </a:prstGeom>
+          <a:solidFill>
+            <a:srgbClr val="2894FF">
+              <a:alpha val="36863"/>
+            </a:srgbClr>
+          </a:solidFill>
+          <a:ln>
+            <a:noFill/>
+          </a:ln>
+        </p:spPr>
+        <p:style>
+          <a:lnRef idx="2">
+            <a:schemeClr val="accent1">
+              <a:shade val="50000"/>
+            </a:schemeClr>
+          </a:lnRef>
+          <a:fillRef idx="1">
+            <a:schemeClr val="accent1"/>
+          </a:fillRef>
+          <a:effectRef idx="0">
+            <a:schemeClr val="accent1"/>
+          </a:effectRef>
+          <a:fontRef idx="minor">
+            <a:schemeClr val="lt1"/>
+          </a:fontRef>
+        </p:style>
+        <p:txBody>
+          <a:bodyPr rtlCol="0" anchor="ctr"/>
+          <a:lstStyle/>
+          <a:p>
+            <a:pPr algn="ctr"/>
+            <a:endParaRPr lang="de-DE"/>
+          </a:p>
+        </p:txBody>
+      </p:sp>
+      <p:sp>
+        <p:nvSpPr>
+          <p:cNvPr id="10" name="Rechteck: abgerundete Ecken 9">
+            <a:extLst>
+              <a:ext uri="{FF2B5EF4-FFF2-40B4-BE49-F238E27FC236}">
+                <a16:creationId xmlns:a16="http://schemas.microsoft.com/office/drawing/2014/main" id="{5C3180AA-CFD3-48A2-E0B5-C142D1BE4B16}"/>
+              </a:ext>
+            </a:extLst>
+          </p:cNvPr>
+          <p:cNvSpPr/>
+          <p:nvPr/>
+        </p:nvSpPr>
+        <p:spPr>
+          <a:xfrm>
+            <a:off x="6353666" y="2779728"/>
+            <a:ext cx="791852" cy="469181"/>
+          </a:xfrm>
+          <a:prstGeom prst="roundRect">
+            <a:avLst/>
+          </a:prstGeom>
+          <a:solidFill>
+            <a:schemeClr val="accent3">
+              <a:lumMod val="60000"/>
+              <a:lumOff val="40000"/>
+              <a:alpha val="36863"/>
+            </a:schemeClr>
+          </a:solidFill>
+          <a:ln>
+            <a:noFill/>
+          </a:ln>
+        </p:spPr>
+        <p:style>
+          <a:lnRef idx="2">
+            <a:schemeClr val="accent1">
+              <a:shade val="50000"/>
+            </a:schemeClr>
+          </a:lnRef>
+          <a:fillRef idx="1">
+            <a:schemeClr val="accent1"/>
+          </a:fillRef>
+          <a:effectRef idx="0">
+            <a:schemeClr val="accent1"/>
+          </a:effectRef>
+          <a:fontRef idx="minor">
+            <a:schemeClr val="lt1"/>
+          </a:fontRef>
+        </p:style>
+        <p:txBody>
+          <a:bodyPr rtlCol="0" anchor="ctr"/>
+          <a:lstStyle/>
+          <a:p>
+            <a:pPr algn="ctr"/>
+            <a:endParaRPr lang="de-DE"/>
+          </a:p>
+        </p:txBody>
+      </p:sp>
+      <p:sp>
+        <p:nvSpPr>
+          <p:cNvPr id="11" name="Rechteck: abgerundete Ecken 10">
+            <a:extLst>
+              <a:ext uri="{FF2B5EF4-FFF2-40B4-BE49-F238E27FC236}">
+                <a16:creationId xmlns:a16="http://schemas.microsoft.com/office/drawing/2014/main" id="{1DD50B32-76BA-ACEC-BD95-39170052C41F}"/>
+              </a:ext>
+            </a:extLst>
+          </p:cNvPr>
+          <p:cNvSpPr/>
+          <p:nvPr/>
+        </p:nvSpPr>
+        <p:spPr>
+          <a:xfrm>
+            <a:off x="8690840" y="2811578"/>
+            <a:ext cx="3002017" cy="469181"/>
+          </a:xfrm>
+          <a:prstGeom prst="roundRect">
+            <a:avLst/>
+          </a:prstGeom>
+          <a:solidFill>
+            <a:schemeClr val="accent3">
+              <a:lumMod val="60000"/>
+              <a:lumOff val="40000"/>
+              <a:alpha val="36863"/>
+            </a:schemeClr>
+          </a:solidFill>
+          <a:ln>
+            <a:noFill/>
+          </a:ln>
+        </p:spPr>
+        <p:style>
+          <a:lnRef idx="2">
+            <a:schemeClr val="accent1">
+              <a:shade val="50000"/>
+            </a:schemeClr>
+          </a:lnRef>
+          <a:fillRef idx="1">
+            <a:schemeClr val="accent1"/>
+          </a:fillRef>
+          <a:effectRef idx="0">
+            <a:schemeClr val="accent1"/>
+          </a:effectRef>
+          <a:fontRef idx="minor">
+            <a:schemeClr val="lt1"/>
+          </a:fontRef>
+        </p:style>
+        <p:txBody>
+          <a:bodyPr rtlCol="0" anchor="ctr"/>
+          <a:lstStyle/>
+          <a:p>
+            <a:pPr algn="ctr"/>
+            <a:endParaRPr lang="de-DE"/>
+          </a:p>
+        </p:txBody>
+      </p:sp>
+      <p:sp>
+        <p:nvSpPr>
+          <p:cNvPr id="12" name="Rechteck: abgerundete Ecken 11">
+            <a:extLst>
+              <a:ext uri="{FF2B5EF4-FFF2-40B4-BE49-F238E27FC236}">
+                <a16:creationId xmlns:a16="http://schemas.microsoft.com/office/drawing/2014/main" id="{9B32EE3F-C473-D503-0007-ADEA5A4DD49C}"/>
+              </a:ext>
+            </a:extLst>
+          </p:cNvPr>
+          <p:cNvSpPr/>
+          <p:nvPr/>
+        </p:nvSpPr>
+        <p:spPr>
+          <a:xfrm>
+            <a:off x="4083377" y="2811577"/>
+            <a:ext cx="791852" cy="469181"/>
+          </a:xfrm>
+          <a:prstGeom prst="roundRect">
+            <a:avLst/>
+          </a:prstGeom>
+          <a:solidFill>
+            <a:srgbClr val="92D050">
+              <a:alpha val="36863"/>
+            </a:srgbClr>
+          </a:solidFill>
+          <a:ln>
+            <a:noFill/>
+          </a:ln>
+        </p:spPr>
+        <p:style>
+          <a:lnRef idx="2">
+            <a:schemeClr val="accent1">
+              <a:shade val="50000"/>
+            </a:schemeClr>
+          </a:lnRef>
+          <a:fillRef idx="1">
+            <a:schemeClr val="accent1"/>
+          </a:fillRef>
+          <a:effectRef idx="0">
+            <a:schemeClr val="accent1"/>
+          </a:effectRef>
+          <a:fontRef idx="minor">
+            <a:schemeClr val="lt1"/>
+          </a:fontRef>
+        </p:style>
+        <p:txBody>
+          <a:bodyPr rtlCol="0" anchor="ctr"/>
+          <a:lstStyle/>
+          <a:p>
+            <a:pPr algn="ctr"/>
+            <a:endParaRPr lang="de-DE"/>
+          </a:p>
+        </p:txBody>
+      </p:sp>
+      <p:sp>
+        <p:nvSpPr>
+          <p:cNvPr id="13" name="Rechteck: abgerundete Ecken 12">
+            <a:extLst>
+              <a:ext uri="{FF2B5EF4-FFF2-40B4-BE49-F238E27FC236}">
+                <a16:creationId xmlns:a16="http://schemas.microsoft.com/office/drawing/2014/main" id="{72D3820B-7147-56AA-04B3-A6E34B51FEEB}"/>
+              </a:ext>
+            </a:extLst>
+          </p:cNvPr>
+          <p:cNvSpPr/>
+          <p:nvPr/>
+        </p:nvSpPr>
+        <p:spPr>
+          <a:xfrm>
+            <a:off x="7522253" y="2804963"/>
+            <a:ext cx="791852" cy="469181"/>
+          </a:xfrm>
+          <a:prstGeom prst="roundRect">
+            <a:avLst/>
+          </a:prstGeom>
+          <a:solidFill>
+            <a:srgbClr val="92D050">
+              <a:alpha val="36863"/>
+            </a:srgbClr>
+          </a:solidFill>
+          <a:ln>
+            <a:noFill/>
+          </a:ln>
+        </p:spPr>
+        <p:style>
+          <a:lnRef idx="2">
+            <a:schemeClr val="accent1">
+              <a:shade val="50000"/>
+            </a:schemeClr>
+          </a:lnRef>
+          <a:fillRef idx="1">
+            <a:schemeClr val="accent1"/>
+          </a:fillRef>
+          <a:effectRef idx="0">
+            <a:schemeClr val="accent1"/>
+          </a:effectRef>
+          <a:fontRef idx="minor">
+            <a:schemeClr val="lt1"/>
+          </a:fontRef>
+        </p:style>
+        <p:txBody>
+          <a:bodyPr rtlCol="0" anchor="ctr"/>
+          <a:lstStyle/>
+          <a:p>
+            <a:pPr algn="ctr"/>
+            <a:endParaRPr lang="de-DE"/>
+          </a:p>
+        </p:txBody>
+      </p:sp>
+      <p:sp>
+        <p:nvSpPr>
+          <p:cNvPr id="14" name="Rechteck: abgerundete Ecken 13">
+            <a:extLst>
+              <a:ext uri="{FF2B5EF4-FFF2-40B4-BE49-F238E27FC236}">
+                <a16:creationId xmlns:a16="http://schemas.microsoft.com/office/drawing/2014/main" id="{F838EC1D-2FAC-5A76-4FFC-D5DE98CACE29}"/>
+              </a:ext>
+            </a:extLst>
+          </p:cNvPr>
+          <p:cNvSpPr/>
+          <p:nvPr/>
+        </p:nvSpPr>
+        <p:spPr>
+          <a:xfrm>
+            <a:off x="3696878" y="2096331"/>
+            <a:ext cx="395926" cy="391828"/>
+          </a:xfrm>
+          <a:prstGeom prst="roundRect">
+            <a:avLst/>
+          </a:prstGeom>
+          <a:solidFill>
+            <a:srgbClr val="FFFF00">
+              <a:alpha val="36863"/>
+            </a:srgbClr>
+          </a:solidFill>
+          <a:ln>
+            <a:noFill/>
+          </a:ln>
+        </p:spPr>
+        <p:style>
+          <a:lnRef idx="2">
+            <a:schemeClr val="accent1">
+              <a:shade val="50000"/>
+            </a:schemeClr>
+          </a:lnRef>
+          <a:fillRef idx="1">
+            <a:schemeClr val="accent1"/>
+          </a:fillRef>
+          <a:effectRef idx="0">
+            <a:schemeClr val="accent1"/>
+          </a:effectRef>
+          <a:fontRef idx="minor">
+            <a:schemeClr val="lt1"/>
+          </a:fontRef>
+        </p:style>
+        <p:txBody>
+          <a:bodyPr rtlCol="0" anchor="ctr"/>
+          <a:lstStyle/>
+          <a:p>
+            <a:pPr algn="ctr"/>
+            <a:endParaRPr lang="de-DE"/>
+          </a:p>
+        </p:txBody>
+      </p:sp>
+      <p:sp>
+        <p:nvSpPr>
+          <p:cNvPr id="15" name="Rechteck: abgerundete Ecken 14">
+            <a:extLst>
+              <a:ext uri="{FF2B5EF4-FFF2-40B4-BE49-F238E27FC236}">
+                <a16:creationId xmlns:a16="http://schemas.microsoft.com/office/drawing/2014/main" id="{CDA15417-A3A5-1EA2-3AF6-26C816C5D89D}"/>
+              </a:ext>
+            </a:extLst>
+          </p:cNvPr>
+          <p:cNvSpPr/>
+          <p:nvPr/>
+        </p:nvSpPr>
+        <p:spPr>
+          <a:xfrm>
+            <a:off x="5451834" y="1659252"/>
+            <a:ext cx="395926" cy="391828"/>
+          </a:xfrm>
+          <a:prstGeom prst="roundRect">
+            <a:avLst/>
+          </a:prstGeom>
+          <a:solidFill>
+            <a:srgbClr val="FFFF00">
+              <a:alpha val="36863"/>
+            </a:srgbClr>
+          </a:solidFill>
+          <a:ln>
+            <a:noFill/>
+          </a:ln>
+        </p:spPr>
+        <p:style>
+          <a:lnRef idx="2">
+            <a:schemeClr val="accent1">
+              <a:shade val="50000"/>
+            </a:schemeClr>
+          </a:lnRef>
+          <a:fillRef idx="1">
+            <a:schemeClr val="accent1"/>
+          </a:fillRef>
+          <a:effectRef idx="0">
+            <a:schemeClr val="accent1"/>
+          </a:effectRef>
+          <a:fontRef idx="minor">
+            <a:schemeClr val="lt1"/>
+          </a:fontRef>
+        </p:style>
+        <p:txBody>
+          <a:bodyPr rtlCol="0" anchor="ctr"/>
+          <a:lstStyle/>
+          <a:p>
+            <a:pPr algn="ctr"/>
+            <a:endParaRPr lang="de-DE"/>
+          </a:p>
+        </p:txBody>
+      </p:sp>
+      <p:sp>
+        <p:nvSpPr>
+          <p:cNvPr id="16" name="Rechteck: abgerundete Ecken 15">
+            <a:extLst>
+              <a:ext uri="{FF2B5EF4-FFF2-40B4-BE49-F238E27FC236}">
+                <a16:creationId xmlns:a16="http://schemas.microsoft.com/office/drawing/2014/main" id="{DC754FFA-F1D7-94AF-2981-97BD1A0E8A15}"/>
+              </a:ext>
+            </a:extLst>
+          </p:cNvPr>
+          <p:cNvSpPr/>
+          <p:nvPr/>
+        </p:nvSpPr>
+        <p:spPr>
+          <a:xfrm>
+            <a:off x="5502109" y="1224697"/>
+            <a:ext cx="395926" cy="391828"/>
+          </a:xfrm>
+          <a:prstGeom prst="roundRect">
+            <a:avLst/>
+          </a:prstGeom>
+          <a:solidFill>
+            <a:srgbClr val="FFFF00">
+              <a:alpha val="36863"/>
+            </a:srgbClr>
+          </a:solidFill>
+          <a:ln>
+            <a:noFill/>
+          </a:ln>
+        </p:spPr>
+        <p:style>
+          <a:lnRef idx="2">
+            <a:schemeClr val="accent1">
+              <a:shade val="50000"/>
+            </a:schemeClr>
+          </a:lnRef>
+          <a:fillRef idx="1">
+            <a:schemeClr val="accent1"/>
+          </a:fillRef>
+          <a:effectRef idx="0">
+            <a:schemeClr val="accent1"/>
+          </a:effectRef>
+          <a:fontRef idx="minor">
+            <a:schemeClr val="lt1"/>
+          </a:fontRef>
+        </p:style>
+        <p:txBody>
+          <a:bodyPr rtlCol="0" anchor="ctr"/>
+          <a:lstStyle/>
+          <a:p>
+            <a:pPr algn="ctr"/>
+            <a:endParaRPr lang="de-DE"/>
+          </a:p>
+        </p:txBody>
+      </p:sp>
+      <p:sp>
+        <p:nvSpPr>
+          <p:cNvPr id="17" name="Rechteck: abgerundete Ecken 16">
+            <a:extLst>
+              <a:ext uri="{FF2B5EF4-FFF2-40B4-BE49-F238E27FC236}">
+                <a16:creationId xmlns:a16="http://schemas.microsoft.com/office/drawing/2014/main" id="{B8F26D29-14F4-19F5-9619-000FD370F0BF}"/>
+              </a:ext>
+            </a:extLst>
+          </p:cNvPr>
+          <p:cNvSpPr/>
+          <p:nvPr/>
+        </p:nvSpPr>
+        <p:spPr>
+          <a:xfrm>
+            <a:off x="8361240" y="2110175"/>
+            <a:ext cx="395926" cy="391828"/>
+          </a:xfrm>
+          <a:prstGeom prst="roundRect">
+            <a:avLst/>
+          </a:prstGeom>
+          <a:solidFill>
+            <a:srgbClr val="FFFF00">
+              <a:alpha val="36863"/>
+            </a:srgbClr>
+          </a:solidFill>
+          <a:ln>
+            <a:noFill/>
+          </a:ln>
+        </p:spPr>
+        <p:style>
+          <a:lnRef idx="2">
+            <a:schemeClr val="accent1">
+              <a:shade val="50000"/>
+            </a:schemeClr>
+          </a:lnRef>
+          <a:fillRef idx="1">
+            <a:schemeClr val="accent1"/>
+          </a:fillRef>
+          <a:effectRef idx="0">
+            <a:schemeClr val="accent1"/>
+          </a:effectRef>
+          <a:fontRef idx="minor">
+            <a:schemeClr val="lt1"/>
+          </a:fontRef>
+        </p:style>
+        <p:txBody>
+          <a:bodyPr rtlCol="0" anchor="ctr"/>
+          <a:lstStyle/>
+          <a:p>
+            <a:pPr algn="ctr"/>
+            <a:endParaRPr lang="de-DE"/>
+          </a:p>
+        </p:txBody>
+      </p:sp>
+      <p:sp>
+        <p:nvSpPr>
+          <p:cNvPr id="18" name="Rechteck: abgerundete Ecken 17">
+            <a:extLst>
+              <a:ext uri="{FF2B5EF4-FFF2-40B4-BE49-F238E27FC236}">
+                <a16:creationId xmlns:a16="http://schemas.microsoft.com/office/drawing/2014/main" id="{85DB341B-23E8-3752-C42D-E11B171E0014}"/>
+              </a:ext>
+            </a:extLst>
+          </p:cNvPr>
+          <p:cNvSpPr/>
+          <p:nvPr/>
+        </p:nvSpPr>
+        <p:spPr>
+          <a:xfrm>
+            <a:off x="9531735" y="2110175"/>
+            <a:ext cx="395926" cy="391828"/>
+          </a:xfrm>
+          <a:prstGeom prst="roundRect">
+            <a:avLst/>
+          </a:prstGeom>
+          <a:solidFill>
+            <a:srgbClr val="FFFF00">
+              <a:alpha val="36863"/>
+            </a:srgbClr>
+          </a:solidFill>
+          <a:ln>
+            <a:noFill/>
+          </a:ln>
+        </p:spPr>
+        <p:style>
+          <a:lnRef idx="2">
+            <a:schemeClr val="accent1">
+              <a:shade val="50000"/>
+            </a:schemeClr>
+          </a:lnRef>
+          <a:fillRef idx="1">
+            <a:schemeClr val="accent1"/>
+          </a:fillRef>
+          <a:effectRef idx="0">
+            <a:schemeClr val="accent1"/>
+          </a:effectRef>
+          <a:fontRef idx="minor">
+            <a:schemeClr val="lt1"/>
+          </a:fontRef>
+        </p:style>
+        <p:txBody>
+          <a:bodyPr rtlCol="0" anchor="ctr"/>
+          <a:lstStyle/>
+          <a:p>
+            <a:pPr algn="ctr"/>
+            <a:endParaRPr lang="de-DE"/>
+          </a:p>
+        </p:txBody>
+      </p:sp>
+      <p:sp>
+        <p:nvSpPr>
+          <p:cNvPr id="19" name="Rechteck: abgerundete Ecken 18">
+            <a:extLst>
+              <a:ext uri="{FF2B5EF4-FFF2-40B4-BE49-F238E27FC236}">
+                <a16:creationId xmlns:a16="http://schemas.microsoft.com/office/drawing/2014/main" id="{187CCF0C-DD49-9427-8461-63BF19383027}"/>
+              </a:ext>
+            </a:extLst>
+          </p:cNvPr>
+          <p:cNvSpPr/>
+          <p:nvPr/>
+        </p:nvSpPr>
+        <p:spPr>
+          <a:xfrm>
+            <a:off x="10702230" y="2084850"/>
+            <a:ext cx="395926" cy="391828"/>
+          </a:xfrm>
+          <a:prstGeom prst="roundRect">
+            <a:avLst/>
+          </a:prstGeom>
+          <a:solidFill>
+            <a:srgbClr val="FFFF00">
+              <a:alpha val="36863"/>
+            </a:srgbClr>
+          </a:solidFill>
+          <a:ln>
+            <a:noFill/>
+          </a:ln>
+        </p:spPr>
+        <p:style>
+          <a:lnRef idx="2">
+            <a:schemeClr val="accent1">
+              <a:shade val="50000"/>
+            </a:schemeClr>
+          </a:lnRef>
+          <a:fillRef idx="1">
+            <a:schemeClr val="accent1"/>
+          </a:fillRef>
+          <a:effectRef idx="0">
+            <a:schemeClr val="accent1"/>
+          </a:effectRef>
+          <a:fontRef idx="minor">
+            <a:schemeClr val="lt1"/>
+          </a:fontRef>
+        </p:style>
+        <p:txBody>
+          <a:bodyPr rtlCol="0" anchor="ctr"/>
+          <a:lstStyle/>
+          <a:p>
+            <a:pPr algn="ctr"/>
+            <a:endParaRPr lang="de-DE"/>
           </a:p>
         </p:txBody>
       </p:sp>
     </p:spTree>
+    <p:extLst>
+      <p:ext uri="{BB962C8B-B14F-4D97-AF65-F5344CB8AC3E}">
+        <p14:creationId xmlns:p14="http://schemas.microsoft.com/office/powerpoint/2010/main" val="824771449"/>
+      </p:ext>
+    </p:extLst>
   </p:cSld>
   <p:clrMapOvr>
     <a:masterClrMapping/>
@@ -25998,7 +26485,123 @@
       </p:grpSpPr>
       <p:sp>
         <p:nvSpPr>
-          <p:cNvPr id="498" name="CustomShape 1"/>
+          <p:cNvPr id="495" name="CustomShape 1"/>
+          <p:cNvSpPr/>
+          <p:nvPr/>
+        </p:nvSpPr>
+        <p:spPr>
+          <a:xfrm>
+            <a:off x="1631520" y="6426000"/>
+            <a:ext cx="7271640" cy="239760"/>
+          </a:xfrm>
+          <a:prstGeom prst="rect">
+            <a:avLst/>
+          </a:prstGeom>
+          <a:noFill/>
+          <a:ln w="0">
+            <a:noFill/>
+          </a:ln>
+        </p:spPr>
+        <p:style>
+          <a:lnRef idx="0">
+            <a:scrgbClr r="0" g="0" b="0"/>
+          </a:lnRef>
+          <a:fillRef idx="0">
+            <a:scrgbClr r="0" g="0" b="0"/>
+          </a:fillRef>
+          <a:effectRef idx="0">
+            <a:scrgbClr r="0" g="0" b="0"/>
+          </a:effectRef>
+          <a:fontRef idx="minor"/>
+        </p:style>
+        <p:txBody>
+          <a:bodyPr lIns="0" tIns="0" rIns="0" bIns="0">
+            <a:noAutofit/>
+          </a:bodyPr>
+          <a:lstStyle/>
+          <a:p>
+            <a:pPr>
+              <a:lnSpc>
+                <a:spcPct val="100000"/>
+              </a:lnSpc>
+            </a:pPr>
+            <a:r>
+              <a:rPr lang="en-US" sz="900" b="0" strike="noStrike" spc="-1">
+                <a:solidFill>
+                  <a:srgbClr val="5073A5"/>
+                </a:solidFill>
+                <a:latin typeface="Frutiger LT Com 45 Light"/>
+                <a:ea typeface="DejaVu Sans"/>
+              </a:rPr>
+              <a:t>Fußzeile</a:t>
+            </a:r>
+            <a:endParaRPr lang="de-DE" sz="900" b="0" strike="noStrike" spc="-1">
+              <a:latin typeface="Arial"/>
+            </a:endParaRPr>
+          </a:p>
+        </p:txBody>
+      </p:sp>
+      <p:sp>
+        <p:nvSpPr>
+          <p:cNvPr id="496" name="CustomShape 2"/>
+          <p:cNvSpPr/>
+          <p:nvPr/>
+        </p:nvSpPr>
+        <p:spPr>
+          <a:xfrm>
+            <a:off x="1055520" y="6426000"/>
+            <a:ext cx="552600" cy="239760"/>
+          </a:xfrm>
+          <a:prstGeom prst="rect">
+            <a:avLst/>
+          </a:prstGeom>
+          <a:noFill/>
+          <a:ln w="0">
+            <a:noFill/>
+          </a:ln>
+        </p:spPr>
+        <p:style>
+          <a:lnRef idx="0">
+            <a:scrgbClr r="0" g="0" b="0"/>
+          </a:lnRef>
+          <a:fillRef idx="0">
+            <a:scrgbClr r="0" g="0" b="0"/>
+          </a:fillRef>
+          <a:effectRef idx="0">
+            <a:scrgbClr r="0" g="0" b="0"/>
+          </a:effectRef>
+          <a:fontRef idx="minor"/>
+        </p:style>
+        <p:txBody>
+          <a:bodyPr lIns="0" tIns="0" rIns="0" bIns="0">
+            <a:noAutofit/>
+          </a:bodyPr>
+          <a:lstStyle/>
+          <a:p>
+            <a:pPr>
+              <a:lnSpc>
+                <a:spcPct val="100000"/>
+              </a:lnSpc>
+            </a:pPr>
+            <a:fld id="{9017C629-8782-4824-AFB1-587CD011E94F}" type="slidenum">
+              <a:rPr lang="de-DE" sz="900" b="1" strike="noStrike" spc="-1">
+                <a:solidFill>
+                  <a:srgbClr val="5073A5"/>
+                </a:solidFill>
+                <a:latin typeface="Frutiger LT Com 45 Light"/>
+                <a:ea typeface="DejaVu Sans"/>
+              </a:rPr>
+              <a:t>21</a:t>
+            </a:fld>
+            <a:endParaRPr lang="de-DE" sz="900" b="0" strike="noStrike" spc="-1">
+              <a:latin typeface="Arial"/>
+            </a:endParaRPr>
+          </a:p>
+        </p:txBody>
+      </p:sp>
+      <p:sp>
+        <p:nvSpPr>
+          <p:cNvPr id="497" name="CustomShape 3"/>
           <p:cNvSpPr/>
           <p:nvPr/>
         </p:nvSpPr>
@@ -26046,532 +26649,19 @@
                 <a:latin typeface="Frutiger LT Com 45 Light"/>
                 <a:ea typeface="DejaVu Sans"/>
               </a:rPr>
-              <a:t>Folie mit Agenda</a:t>
+              <a:t>Zusammenfassung</a:t>
             </a:r>
             <a:endParaRPr lang="de-DE" sz="2200" b="0" strike="noStrike" spc="-1">
               <a:latin typeface="Arial"/>
             </a:endParaRPr>
           </a:p>
         </p:txBody>
-      </p:sp>
-      <p:sp>
-        <p:nvSpPr>
-          <p:cNvPr id="499" name="CustomShape 2"/>
-          <p:cNvSpPr/>
-          <p:nvPr/>
-        </p:nvSpPr>
-        <p:spPr>
-          <a:xfrm>
-            <a:off x="715680" y="1700640"/>
-            <a:ext cx="10803240" cy="4319280"/>
-          </a:xfrm>
-          <a:prstGeom prst="rect">
-            <a:avLst/>
-          </a:prstGeom>
-          <a:noFill/>
-          <a:ln w="0">
-            <a:noFill/>
-          </a:ln>
-        </p:spPr>
-        <p:style>
-          <a:lnRef idx="0">
-            <a:scrgbClr r="0" g="0" b="0"/>
-          </a:lnRef>
-          <a:fillRef idx="0">
-            <a:scrgbClr r="0" g="0" b="0"/>
-          </a:fillRef>
-          <a:effectRef idx="0">
-            <a:scrgbClr r="0" g="0" b="0"/>
-          </a:effectRef>
-          <a:fontRef idx="minor"/>
-        </p:style>
-      </p:sp>
-      <p:sp>
-        <p:nvSpPr>
-          <p:cNvPr id="500" name="CustomShape 3"/>
-          <p:cNvSpPr/>
-          <p:nvPr/>
-        </p:nvSpPr>
-        <p:spPr>
-          <a:xfrm>
-            <a:off x="1631520" y="6426000"/>
-            <a:ext cx="7271640" cy="239760"/>
-          </a:xfrm>
-          <a:prstGeom prst="rect">
-            <a:avLst/>
-          </a:prstGeom>
-          <a:noFill/>
-          <a:ln w="0">
-            <a:noFill/>
-          </a:ln>
-        </p:spPr>
-        <p:style>
-          <a:lnRef idx="0">
-            <a:scrgbClr r="0" g="0" b="0"/>
-          </a:lnRef>
-          <a:fillRef idx="0">
-            <a:scrgbClr r="0" g="0" b="0"/>
-          </a:fillRef>
-          <a:effectRef idx="0">
-            <a:scrgbClr r="0" g="0" b="0"/>
-          </a:effectRef>
-          <a:fontRef idx="minor"/>
-        </p:style>
-        <p:txBody>
-          <a:bodyPr lIns="0" tIns="0" rIns="0" bIns="0">
-            <a:noAutofit/>
-          </a:bodyPr>
-          <a:lstStyle/>
-          <a:p>
-            <a:pPr>
-              <a:lnSpc>
-                <a:spcPct val="100000"/>
-              </a:lnSpc>
-            </a:pPr>
-            <a:r>
-              <a:rPr lang="en-US" sz="900" b="0" strike="noStrike" spc="-1">
-                <a:solidFill>
-                  <a:srgbClr val="5073A5"/>
-                </a:solidFill>
-                <a:latin typeface="Frutiger LT Com 45 Light"/>
-                <a:ea typeface="DejaVu Sans"/>
-              </a:rPr>
-              <a:t>Fußzeile</a:t>
-            </a:r>
-            <a:endParaRPr lang="de-DE" sz="900" b="0" strike="noStrike" spc="-1">
-              <a:latin typeface="Arial"/>
-            </a:endParaRPr>
-          </a:p>
-        </p:txBody>
-      </p:sp>
-      <p:sp>
-        <p:nvSpPr>
-          <p:cNvPr id="501" name="CustomShape 4"/>
-          <p:cNvSpPr/>
-          <p:nvPr/>
-        </p:nvSpPr>
-        <p:spPr>
-          <a:xfrm>
-            <a:off x="1055520" y="6426000"/>
-            <a:ext cx="552600" cy="239760"/>
-          </a:xfrm>
-          <a:prstGeom prst="rect">
-            <a:avLst/>
-          </a:prstGeom>
-          <a:noFill/>
-          <a:ln w="0">
-            <a:noFill/>
-          </a:ln>
-        </p:spPr>
-        <p:style>
-          <a:lnRef idx="0">
-            <a:scrgbClr r="0" g="0" b="0"/>
-          </a:lnRef>
-          <a:fillRef idx="0">
-            <a:scrgbClr r="0" g="0" b="0"/>
-          </a:fillRef>
-          <a:effectRef idx="0">
-            <a:scrgbClr r="0" g="0" b="0"/>
-          </a:effectRef>
-          <a:fontRef idx="minor"/>
-        </p:style>
-        <p:txBody>
-          <a:bodyPr lIns="0" tIns="0" rIns="0" bIns="0">
-            <a:noAutofit/>
-          </a:bodyPr>
-          <a:lstStyle/>
-          <a:p>
-            <a:pPr>
-              <a:lnSpc>
-                <a:spcPct val="100000"/>
-              </a:lnSpc>
-            </a:pPr>
-            <a:fld id="{FB56D119-3977-40EB-96C5-3E54499F969B}" type="slidenum">
-              <a:rPr lang="de-DE" sz="900" b="1" strike="noStrike" spc="-1">
-                <a:solidFill>
-                  <a:srgbClr val="5073A5"/>
-                </a:solidFill>
-                <a:latin typeface="Frutiger LT Com 45 Light"/>
-                <a:ea typeface="DejaVu Sans"/>
-              </a:rPr>
-              <a:t>21</a:t>
-            </a:fld>
-            <a:endParaRPr lang="de-DE" sz="900" b="0" strike="noStrike" spc="-1">
-              <a:latin typeface="Arial"/>
-            </a:endParaRPr>
-          </a:p>
-        </p:txBody>
-      </p:sp>
-      <p:sp>
-        <p:nvSpPr>
-          <p:cNvPr id="502" name="CustomShape 5"/>
-          <p:cNvSpPr/>
-          <p:nvPr/>
-        </p:nvSpPr>
-        <p:spPr>
-          <a:xfrm>
-            <a:off x="1032480" y="1087560"/>
-            <a:ext cx="2494800" cy="272160"/>
-          </a:xfrm>
-          <a:prstGeom prst="rect">
-            <a:avLst/>
-          </a:prstGeom>
-          <a:noFill/>
-          <a:ln w="0">
-            <a:noFill/>
-          </a:ln>
-        </p:spPr>
-        <p:style>
-          <a:lnRef idx="0">
-            <a:scrgbClr r="0" g="0" b="0"/>
-          </a:lnRef>
-          <a:fillRef idx="0">
-            <a:scrgbClr r="0" g="0" b="0"/>
-          </a:fillRef>
-          <a:effectRef idx="0">
-            <a:scrgbClr r="0" g="0" b="0"/>
-          </a:effectRef>
-          <a:fontRef idx="minor"/>
-        </p:style>
-        <p:txBody>
-          <a:bodyPr lIns="90000" tIns="45000" rIns="90000" bIns="45000">
-            <a:spAutoFit/>
-          </a:bodyPr>
-          <a:lstStyle/>
-          <a:p>
-            <a:pPr algn="ctr">
-              <a:lnSpc>
-                <a:spcPct val="100000"/>
-              </a:lnSpc>
-            </a:pPr>
-            <a:r>
-              <a:rPr lang="de-DE" sz="1200" b="0" strike="noStrike" spc="-1">
-                <a:solidFill>
-                  <a:srgbClr val="000000"/>
-                </a:solidFill>
-                <a:latin typeface="Frutiger LT Com 45 Light"/>
-                <a:ea typeface="DejaVu Sans"/>
-              </a:rPr>
-              <a:t>Thema 1</a:t>
-            </a:r>
-            <a:endParaRPr lang="de-DE" sz="1200" b="0" strike="noStrike" spc="-1">
-              <a:latin typeface="Arial"/>
-            </a:endParaRPr>
-          </a:p>
-        </p:txBody>
-      </p:sp>
-      <p:sp>
-        <p:nvSpPr>
-          <p:cNvPr id="503" name="CustomShape 6"/>
-          <p:cNvSpPr/>
-          <p:nvPr/>
-        </p:nvSpPr>
-        <p:spPr>
-          <a:xfrm>
-            <a:off x="3529080" y="1072080"/>
-            <a:ext cx="1630440" cy="272160"/>
-          </a:xfrm>
-          <a:prstGeom prst="rect">
-            <a:avLst/>
-          </a:prstGeom>
-          <a:noFill/>
-          <a:ln w="0">
-            <a:noFill/>
-          </a:ln>
-        </p:spPr>
-        <p:style>
-          <a:lnRef idx="0">
-            <a:scrgbClr r="0" g="0" b="0"/>
-          </a:lnRef>
-          <a:fillRef idx="0">
-            <a:scrgbClr r="0" g="0" b="0"/>
-          </a:fillRef>
-          <a:effectRef idx="0">
-            <a:scrgbClr r="0" g="0" b="0"/>
-          </a:effectRef>
-          <a:fontRef idx="minor"/>
-        </p:style>
-        <p:txBody>
-          <a:bodyPr lIns="90000" tIns="45000" rIns="90000" bIns="45000">
-            <a:spAutoFit/>
-          </a:bodyPr>
-          <a:lstStyle/>
-          <a:p>
-            <a:pPr algn="ctr">
-              <a:lnSpc>
-                <a:spcPct val="100000"/>
-              </a:lnSpc>
-            </a:pPr>
-            <a:r>
-              <a:rPr lang="de-DE" sz="1200" b="0" strike="noStrike" spc="-1">
-                <a:solidFill>
-                  <a:srgbClr val="B1B3B3"/>
-                </a:solidFill>
-                <a:latin typeface="Frutiger LT Com 45 Light"/>
-                <a:ea typeface="DejaVu Sans"/>
-              </a:rPr>
-              <a:t>Aspekt 1</a:t>
-            </a:r>
-            <a:endParaRPr lang="de-DE" sz="1200" b="0" strike="noStrike" spc="-1">
-              <a:latin typeface="Arial"/>
-            </a:endParaRPr>
-          </a:p>
-        </p:txBody>
-      </p:sp>
-      <p:sp>
-        <p:nvSpPr>
-          <p:cNvPr id="504" name="CustomShape 7"/>
-          <p:cNvSpPr/>
-          <p:nvPr/>
-        </p:nvSpPr>
-        <p:spPr>
-          <a:xfrm>
-            <a:off x="5313240" y="1087560"/>
-            <a:ext cx="1383120" cy="272160"/>
-          </a:xfrm>
-          <a:prstGeom prst="rect">
-            <a:avLst/>
-          </a:prstGeom>
-          <a:noFill/>
-          <a:ln w="0">
-            <a:noFill/>
-          </a:ln>
-        </p:spPr>
-        <p:style>
-          <a:lnRef idx="0">
-            <a:scrgbClr r="0" g="0" b="0"/>
-          </a:lnRef>
-          <a:fillRef idx="0">
-            <a:scrgbClr r="0" g="0" b="0"/>
-          </a:fillRef>
-          <a:effectRef idx="0">
-            <a:scrgbClr r="0" g="0" b="0"/>
-          </a:effectRef>
-          <a:fontRef idx="minor"/>
-        </p:style>
-        <p:txBody>
-          <a:bodyPr lIns="90000" tIns="45000" rIns="90000" bIns="45000">
-            <a:spAutoFit/>
-          </a:bodyPr>
-          <a:lstStyle/>
-          <a:p>
-            <a:pPr>
-              <a:lnSpc>
-                <a:spcPct val="100000"/>
-              </a:lnSpc>
-            </a:pPr>
-            <a:r>
-              <a:rPr lang="de-DE" sz="1200" b="0" strike="noStrike" spc="-1">
-                <a:solidFill>
-                  <a:srgbClr val="B1B3B3"/>
-                </a:solidFill>
-                <a:latin typeface="Frutiger LT Com 45 Light"/>
-                <a:ea typeface="DejaVu Sans"/>
-              </a:rPr>
-              <a:t>Aspekt 2</a:t>
-            </a:r>
-            <a:endParaRPr lang="de-DE" sz="1200" b="0" strike="noStrike" spc="-1">
-              <a:latin typeface="Arial"/>
-            </a:endParaRPr>
-          </a:p>
-        </p:txBody>
-      </p:sp>
-      <p:sp>
-        <p:nvSpPr>
-          <p:cNvPr id="505" name="CustomShape 8"/>
-          <p:cNvSpPr/>
-          <p:nvPr/>
-        </p:nvSpPr>
-        <p:spPr>
-          <a:xfrm>
-            <a:off x="8460000" y="1082880"/>
-            <a:ext cx="2171520" cy="272160"/>
-          </a:xfrm>
-          <a:prstGeom prst="rect">
-            <a:avLst/>
-          </a:prstGeom>
-          <a:noFill/>
-          <a:ln w="0">
-            <a:noFill/>
-          </a:ln>
-        </p:spPr>
-        <p:style>
-          <a:lnRef idx="0">
-            <a:scrgbClr r="0" g="0" b="0"/>
-          </a:lnRef>
-          <a:fillRef idx="0">
-            <a:scrgbClr r="0" g="0" b="0"/>
-          </a:fillRef>
-          <a:effectRef idx="0">
-            <a:scrgbClr r="0" g="0" b="0"/>
-          </a:effectRef>
-          <a:fontRef idx="minor"/>
-        </p:style>
-        <p:txBody>
-          <a:bodyPr lIns="90000" tIns="45000" rIns="90000" bIns="45000">
-            <a:spAutoFit/>
-          </a:bodyPr>
-          <a:lstStyle/>
-          <a:p>
-            <a:pPr algn="ctr">
-              <a:lnSpc>
-                <a:spcPct val="100000"/>
-              </a:lnSpc>
-            </a:pPr>
-            <a:r>
-              <a:rPr lang="de-DE" sz="1200" b="0" strike="noStrike" spc="-1">
-                <a:solidFill>
-                  <a:srgbClr val="B1B3B3"/>
-                </a:solidFill>
-                <a:latin typeface="Frutiger LT Com 45 Light"/>
-                <a:ea typeface="DejaVu Sans"/>
-              </a:rPr>
-              <a:t>Thema 3</a:t>
-            </a:r>
-            <a:endParaRPr lang="de-DE" sz="1200" b="0" strike="noStrike" spc="-1">
-              <a:latin typeface="Arial"/>
-            </a:endParaRPr>
-          </a:p>
-        </p:txBody>
-      </p:sp>
-      <p:sp>
-        <p:nvSpPr>
-          <p:cNvPr id="506" name="Line 9"/>
-          <p:cNvSpPr/>
-          <p:nvPr/>
-        </p:nvSpPr>
-        <p:spPr>
-          <a:xfrm>
-            <a:off x="1079640" y="1395000"/>
-            <a:ext cx="9840600" cy="0"/>
-          </a:xfrm>
-          <a:prstGeom prst="line">
-            <a:avLst/>
-          </a:prstGeom>
-          <a:ln>
-            <a:solidFill>
-              <a:srgbClr val="000000"/>
-            </a:solidFill>
-            <a:round/>
-          </a:ln>
-        </p:spPr>
-        <p:style>
-          <a:lnRef idx="1">
-            <a:schemeClr val="dk1"/>
-          </a:lnRef>
-          <a:fillRef idx="0">
-            <a:schemeClr val="dk1"/>
-          </a:fillRef>
-          <a:effectRef idx="0">
-            <a:schemeClr val="dk1"/>
-          </a:effectRef>
-          <a:fontRef idx="minor"/>
-        </p:style>
-      </p:sp>
-      <p:sp>
-        <p:nvSpPr>
-          <p:cNvPr id="507" name="CustomShape 10"/>
-          <p:cNvSpPr/>
-          <p:nvPr/>
-        </p:nvSpPr>
-        <p:spPr>
-          <a:xfrm>
-            <a:off x="6876360" y="1072080"/>
-            <a:ext cx="1383120" cy="272160"/>
-          </a:xfrm>
-          <a:prstGeom prst="rect">
-            <a:avLst/>
-          </a:prstGeom>
-          <a:noFill/>
-          <a:ln w="0">
-            <a:noFill/>
-          </a:ln>
-        </p:spPr>
-        <p:style>
-          <a:lnRef idx="0">
-            <a:scrgbClr r="0" g="0" b="0"/>
-          </a:lnRef>
-          <a:fillRef idx="0">
-            <a:scrgbClr r="0" g="0" b="0"/>
-          </a:fillRef>
-          <a:effectRef idx="0">
-            <a:scrgbClr r="0" g="0" b="0"/>
-          </a:effectRef>
-          <a:fontRef idx="minor"/>
-        </p:style>
-        <p:txBody>
-          <a:bodyPr lIns="90000" tIns="45000" rIns="90000" bIns="45000">
-            <a:spAutoFit/>
-          </a:bodyPr>
-          <a:lstStyle/>
-          <a:p>
-            <a:pPr>
-              <a:lnSpc>
-                <a:spcPct val="100000"/>
-              </a:lnSpc>
-            </a:pPr>
-            <a:r>
-              <a:rPr lang="de-DE" sz="1200" b="0" strike="noStrike" spc="-1">
-                <a:solidFill>
-                  <a:srgbClr val="B1B3B3"/>
-                </a:solidFill>
-                <a:latin typeface="Frutiger LT Com 45 Light"/>
-                <a:ea typeface="DejaVu Sans"/>
-              </a:rPr>
-              <a:t>Aspekt 3</a:t>
-            </a:r>
-            <a:endParaRPr lang="de-DE" sz="1200" b="0" strike="noStrike" spc="-1">
-              <a:latin typeface="Arial"/>
-            </a:endParaRPr>
-          </a:p>
-        </p:txBody>
-      </p:sp>
-      <p:sp>
-        <p:nvSpPr>
-          <p:cNvPr id="508" name="CustomShape 11"/>
-          <p:cNvSpPr/>
-          <p:nvPr/>
-        </p:nvSpPr>
-        <p:spPr>
-          <a:xfrm>
-            <a:off x="1944000" y="1316520"/>
-            <a:ext cx="142920" cy="125280"/>
-          </a:xfrm>
-          <a:prstGeom prst="triangle">
-            <a:avLst>
-              <a:gd name="adj" fmla="val 50000"/>
-            </a:avLst>
-          </a:prstGeom>
-          <a:solidFill>
-            <a:srgbClr val="000000"/>
-          </a:solidFill>
-          <a:ln>
-            <a:noFill/>
-          </a:ln>
-        </p:spPr>
-        <p:style>
-          <a:lnRef idx="2">
-            <a:schemeClr val="dk1">
-              <a:shade val="50000"/>
-            </a:schemeClr>
-          </a:lnRef>
-          <a:fillRef idx="1">
-            <a:schemeClr val="dk1"/>
-          </a:fillRef>
-          <a:effectRef idx="0">
-            <a:schemeClr val="dk1"/>
-          </a:effectRef>
-          <a:fontRef idx="minor"/>
-        </p:style>
       </p:sp>
     </p:spTree>
   </p:cSld>
   <p:clrMapOvr>
     <a:masterClrMapping/>
   </p:clrMapOvr>
-  <p:transition spd="slow">
-    <p:fade/>
-  </p:transition>
 </p:sld>
 </file>
 
@@ -26594,7 +26684,7 @@
       </p:grpSpPr>
       <p:sp>
         <p:nvSpPr>
-          <p:cNvPr id="509" name="CustomShape 1"/>
+          <p:cNvPr id="498" name="CustomShape 1"/>
           <p:cNvSpPr/>
           <p:nvPr/>
         </p:nvSpPr>
@@ -26623,10 +26713,36 @@
           </a:effectRef>
           <a:fontRef idx="minor"/>
         </p:style>
-      </p:sp>
-      <p:sp>
-        <p:nvSpPr>
-          <p:cNvPr id="510" name="CustomShape 2"/>
+        <p:txBody>
+          <a:bodyPr lIns="0" tIns="0" rIns="0" bIns="0" anchor="b">
+            <a:noAutofit/>
+          </a:bodyPr>
+          <a:lstStyle/>
+          <a:p>
+            <a:pPr>
+              <a:lnSpc>
+                <a:spcPct val="100000"/>
+              </a:lnSpc>
+            </a:pPr>
+            <a:r>
+              <a:rPr lang="de-DE" sz="2200" b="1" strike="noStrike" spc="-1">
+                <a:solidFill>
+                  <a:srgbClr val="5073A5"/>
+                </a:solidFill>
+                <a:latin typeface="Frutiger LT Com 45 Light"/>
+                <a:ea typeface="DejaVu Sans"/>
+              </a:rPr>
+              <a:t>Folie mit Agenda</a:t>
+            </a:r>
+            <a:endParaRPr lang="de-DE" sz="2200" b="0" strike="noStrike" spc="-1">
+              <a:latin typeface="Arial"/>
+            </a:endParaRPr>
+          </a:p>
+        </p:txBody>
+      </p:sp>
+      <p:sp>
+        <p:nvSpPr>
+          <p:cNvPr id="499" name="CustomShape 2"/>
           <p:cNvSpPr/>
           <p:nvPr/>
         </p:nvSpPr>
@@ -26658,7 +26774,7 @@
       </p:sp>
       <p:sp>
         <p:nvSpPr>
-          <p:cNvPr id="511" name="CustomShape 3"/>
+          <p:cNvPr id="500" name="CustomShape 3"/>
           <p:cNvSpPr/>
           <p:nvPr/>
         </p:nvSpPr>
@@ -26716,7 +26832,7 @@
       </p:sp>
       <p:sp>
         <p:nvSpPr>
-          <p:cNvPr id="512" name="CustomShape 4"/>
+          <p:cNvPr id="501" name="CustomShape 4"/>
           <p:cNvSpPr/>
           <p:nvPr/>
         </p:nvSpPr>
@@ -26756,7 +26872,7 @@
                 <a:spcPct val="100000"/>
               </a:lnSpc>
             </a:pPr>
-            <a:fld id="{93E2747B-634A-487B-97DC-3D34471722BC}" type="slidenum">
+            <a:fld id="{FB56D119-3977-40EB-96C5-3E54499F969B}" type="slidenum">
               <a:rPr lang="de-DE" sz="900" b="1" strike="noStrike" spc="-1">
                 <a:solidFill>
                   <a:srgbClr val="5073A5"/>
@@ -26772,11 +26888,376 @@
           </a:p>
         </p:txBody>
       </p:sp>
+      <p:sp>
+        <p:nvSpPr>
+          <p:cNvPr id="502" name="CustomShape 5"/>
+          <p:cNvSpPr/>
+          <p:nvPr/>
+        </p:nvSpPr>
+        <p:spPr>
+          <a:xfrm>
+            <a:off x="1032480" y="1087560"/>
+            <a:ext cx="2494800" cy="272160"/>
+          </a:xfrm>
+          <a:prstGeom prst="rect">
+            <a:avLst/>
+          </a:prstGeom>
+          <a:noFill/>
+          <a:ln w="0">
+            <a:noFill/>
+          </a:ln>
+        </p:spPr>
+        <p:style>
+          <a:lnRef idx="0">
+            <a:scrgbClr r="0" g="0" b="0"/>
+          </a:lnRef>
+          <a:fillRef idx="0">
+            <a:scrgbClr r="0" g="0" b="0"/>
+          </a:fillRef>
+          <a:effectRef idx="0">
+            <a:scrgbClr r="0" g="0" b="0"/>
+          </a:effectRef>
+          <a:fontRef idx="minor"/>
+        </p:style>
+        <p:txBody>
+          <a:bodyPr lIns="90000" tIns="45000" rIns="90000" bIns="45000">
+            <a:spAutoFit/>
+          </a:bodyPr>
+          <a:lstStyle/>
+          <a:p>
+            <a:pPr algn="ctr">
+              <a:lnSpc>
+                <a:spcPct val="100000"/>
+              </a:lnSpc>
+            </a:pPr>
+            <a:r>
+              <a:rPr lang="de-DE" sz="1200" b="0" strike="noStrike" spc="-1">
+                <a:solidFill>
+                  <a:srgbClr val="000000"/>
+                </a:solidFill>
+                <a:latin typeface="Frutiger LT Com 45 Light"/>
+                <a:ea typeface="DejaVu Sans"/>
+              </a:rPr>
+              <a:t>Thema 1</a:t>
+            </a:r>
+            <a:endParaRPr lang="de-DE" sz="1200" b="0" strike="noStrike" spc="-1">
+              <a:latin typeface="Arial"/>
+            </a:endParaRPr>
+          </a:p>
+        </p:txBody>
+      </p:sp>
+      <p:sp>
+        <p:nvSpPr>
+          <p:cNvPr id="503" name="CustomShape 6"/>
+          <p:cNvSpPr/>
+          <p:nvPr/>
+        </p:nvSpPr>
+        <p:spPr>
+          <a:xfrm>
+            <a:off x="3529080" y="1072080"/>
+            <a:ext cx="1630440" cy="272160"/>
+          </a:xfrm>
+          <a:prstGeom prst="rect">
+            <a:avLst/>
+          </a:prstGeom>
+          <a:noFill/>
+          <a:ln w="0">
+            <a:noFill/>
+          </a:ln>
+        </p:spPr>
+        <p:style>
+          <a:lnRef idx="0">
+            <a:scrgbClr r="0" g="0" b="0"/>
+          </a:lnRef>
+          <a:fillRef idx="0">
+            <a:scrgbClr r="0" g="0" b="0"/>
+          </a:fillRef>
+          <a:effectRef idx="0">
+            <a:scrgbClr r="0" g="0" b="0"/>
+          </a:effectRef>
+          <a:fontRef idx="minor"/>
+        </p:style>
+        <p:txBody>
+          <a:bodyPr lIns="90000" tIns="45000" rIns="90000" bIns="45000">
+            <a:spAutoFit/>
+          </a:bodyPr>
+          <a:lstStyle/>
+          <a:p>
+            <a:pPr algn="ctr">
+              <a:lnSpc>
+                <a:spcPct val="100000"/>
+              </a:lnSpc>
+            </a:pPr>
+            <a:r>
+              <a:rPr lang="de-DE" sz="1200" b="0" strike="noStrike" spc="-1">
+                <a:solidFill>
+                  <a:srgbClr val="B1B3B3"/>
+                </a:solidFill>
+                <a:latin typeface="Frutiger LT Com 45 Light"/>
+                <a:ea typeface="DejaVu Sans"/>
+              </a:rPr>
+              <a:t>Aspekt 1</a:t>
+            </a:r>
+            <a:endParaRPr lang="de-DE" sz="1200" b="0" strike="noStrike" spc="-1">
+              <a:latin typeface="Arial"/>
+            </a:endParaRPr>
+          </a:p>
+        </p:txBody>
+      </p:sp>
+      <p:sp>
+        <p:nvSpPr>
+          <p:cNvPr id="504" name="CustomShape 7"/>
+          <p:cNvSpPr/>
+          <p:nvPr/>
+        </p:nvSpPr>
+        <p:spPr>
+          <a:xfrm>
+            <a:off x="5313240" y="1087560"/>
+            <a:ext cx="1383120" cy="272160"/>
+          </a:xfrm>
+          <a:prstGeom prst="rect">
+            <a:avLst/>
+          </a:prstGeom>
+          <a:noFill/>
+          <a:ln w="0">
+            <a:noFill/>
+          </a:ln>
+        </p:spPr>
+        <p:style>
+          <a:lnRef idx="0">
+            <a:scrgbClr r="0" g="0" b="0"/>
+          </a:lnRef>
+          <a:fillRef idx="0">
+            <a:scrgbClr r="0" g="0" b="0"/>
+          </a:fillRef>
+          <a:effectRef idx="0">
+            <a:scrgbClr r="0" g="0" b="0"/>
+          </a:effectRef>
+          <a:fontRef idx="minor"/>
+        </p:style>
+        <p:txBody>
+          <a:bodyPr lIns="90000" tIns="45000" rIns="90000" bIns="45000">
+            <a:spAutoFit/>
+          </a:bodyPr>
+          <a:lstStyle/>
+          <a:p>
+            <a:pPr>
+              <a:lnSpc>
+                <a:spcPct val="100000"/>
+              </a:lnSpc>
+            </a:pPr>
+            <a:r>
+              <a:rPr lang="de-DE" sz="1200" b="0" strike="noStrike" spc="-1">
+                <a:solidFill>
+                  <a:srgbClr val="B1B3B3"/>
+                </a:solidFill>
+                <a:latin typeface="Frutiger LT Com 45 Light"/>
+                <a:ea typeface="DejaVu Sans"/>
+              </a:rPr>
+              <a:t>Aspekt 2</a:t>
+            </a:r>
+            <a:endParaRPr lang="de-DE" sz="1200" b="0" strike="noStrike" spc="-1">
+              <a:latin typeface="Arial"/>
+            </a:endParaRPr>
+          </a:p>
+        </p:txBody>
+      </p:sp>
+      <p:sp>
+        <p:nvSpPr>
+          <p:cNvPr id="505" name="CustomShape 8"/>
+          <p:cNvSpPr/>
+          <p:nvPr/>
+        </p:nvSpPr>
+        <p:spPr>
+          <a:xfrm>
+            <a:off x="8460000" y="1082880"/>
+            <a:ext cx="2171520" cy="272160"/>
+          </a:xfrm>
+          <a:prstGeom prst="rect">
+            <a:avLst/>
+          </a:prstGeom>
+          <a:noFill/>
+          <a:ln w="0">
+            <a:noFill/>
+          </a:ln>
+        </p:spPr>
+        <p:style>
+          <a:lnRef idx="0">
+            <a:scrgbClr r="0" g="0" b="0"/>
+          </a:lnRef>
+          <a:fillRef idx="0">
+            <a:scrgbClr r="0" g="0" b="0"/>
+          </a:fillRef>
+          <a:effectRef idx="0">
+            <a:scrgbClr r="0" g="0" b="0"/>
+          </a:effectRef>
+          <a:fontRef idx="minor"/>
+        </p:style>
+        <p:txBody>
+          <a:bodyPr lIns="90000" tIns="45000" rIns="90000" bIns="45000">
+            <a:spAutoFit/>
+          </a:bodyPr>
+          <a:lstStyle/>
+          <a:p>
+            <a:pPr algn="ctr">
+              <a:lnSpc>
+                <a:spcPct val="100000"/>
+              </a:lnSpc>
+            </a:pPr>
+            <a:r>
+              <a:rPr lang="de-DE" sz="1200" b="0" strike="noStrike" spc="-1">
+                <a:solidFill>
+                  <a:srgbClr val="B1B3B3"/>
+                </a:solidFill>
+                <a:latin typeface="Frutiger LT Com 45 Light"/>
+                <a:ea typeface="DejaVu Sans"/>
+              </a:rPr>
+              <a:t>Thema 3</a:t>
+            </a:r>
+            <a:endParaRPr lang="de-DE" sz="1200" b="0" strike="noStrike" spc="-1">
+              <a:latin typeface="Arial"/>
+            </a:endParaRPr>
+          </a:p>
+        </p:txBody>
+      </p:sp>
+      <p:sp>
+        <p:nvSpPr>
+          <p:cNvPr id="506" name="Line 9"/>
+          <p:cNvSpPr/>
+          <p:nvPr/>
+        </p:nvSpPr>
+        <p:spPr>
+          <a:xfrm>
+            <a:off x="1079640" y="1395000"/>
+            <a:ext cx="9840600" cy="0"/>
+          </a:xfrm>
+          <a:prstGeom prst="line">
+            <a:avLst/>
+          </a:prstGeom>
+          <a:ln>
+            <a:solidFill>
+              <a:srgbClr val="000000"/>
+            </a:solidFill>
+            <a:round/>
+          </a:ln>
+        </p:spPr>
+        <p:style>
+          <a:lnRef idx="1">
+            <a:schemeClr val="dk1"/>
+          </a:lnRef>
+          <a:fillRef idx="0">
+            <a:schemeClr val="dk1"/>
+          </a:fillRef>
+          <a:effectRef idx="0">
+            <a:schemeClr val="dk1"/>
+          </a:effectRef>
+          <a:fontRef idx="minor"/>
+        </p:style>
+      </p:sp>
+      <p:sp>
+        <p:nvSpPr>
+          <p:cNvPr id="507" name="CustomShape 10"/>
+          <p:cNvSpPr/>
+          <p:nvPr/>
+        </p:nvSpPr>
+        <p:spPr>
+          <a:xfrm>
+            <a:off x="6876360" y="1072080"/>
+            <a:ext cx="1383120" cy="272160"/>
+          </a:xfrm>
+          <a:prstGeom prst="rect">
+            <a:avLst/>
+          </a:prstGeom>
+          <a:noFill/>
+          <a:ln w="0">
+            <a:noFill/>
+          </a:ln>
+        </p:spPr>
+        <p:style>
+          <a:lnRef idx="0">
+            <a:scrgbClr r="0" g="0" b="0"/>
+          </a:lnRef>
+          <a:fillRef idx="0">
+            <a:scrgbClr r="0" g="0" b="0"/>
+          </a:fillRef>
+          <a:effectRef idx="0">
+            <a:scrgbClr r="0" g="0" b="0"/>
+          </a:effectRef>
+          <a:fontRef idx="minor"/>
+        </p:style>
+        <p:txBody>
+          <a:bodyPr lIns="90000" tIns="45000" rIns="90000" bIns="45000">
+            <a:spAutoFit/>
+          </a:bodyPr>
+          <a:lstStyle/>
+          <a:p>
+            <a:pPr>
+              <a:lnSpc>
+                <a:spcPct val="100000"/>
+              </a:lnSpc>
+            </a:pPr>
+            <a:r>
+              <a:rPr lang="de-DE" sz="1200" b="0" strike="noStrike" spc="-1">
+                <a:solidFill>
+                  <a:srgbClr val="B1B3B3"/>
+                </a:solidFill>
+                <a:latin typeface="Frutiger LT Com 45 Light"/>
+                <a:ea typeface="DejaVu Sans"/>
+              </a:rPr>
+              <a:t>Aspekt 3</a:t>
+            </a:r>
+            <a:endParaRPr lang="de-DE" sz="1200" b="0" strike="noStrike" spc="-1">
+              <a:latin typeface="Arial"/>
+            </a:endParaRPr>
+          </a:p>
+        </p:txBody>
+      </p:sp>
+      <p:sp>
+        <p:nvSpPr>
+          <p:cNvPr id="508" name="CustomShape 11"/>
+          <p:cNvSpPr/>
+          <p:nvPr/>
+        </p:nvSpPr>
+        <p:spPr>
+          <a:xfrm>
+            <a:off x="1944000" y="1316520"/>
+            <a:ext cx="142920" cy="125280"/>
+          </a:xfrm>
+          <a:prstGeom prst="triangle">
+            <a:avLst>
+              <a:gd name="adj" fmla="val 50000"/>
+            </a:avLst>
+          </a:prstGeom>
+          <a:solidFill>
+            <a:srgbClr val="000000"/>
+          </a:solidFill>
+          <a:ln>
+            <a:noFill/>
+          </a:ln>
+        </p:spPr>
+        <p:style>
+          <a:lnRef idx="2">
+            <a:schemeClr val="dk1">
+              <a:shade val="50000"/>
+            </a:schemeClr>
+          </a:lnRef>
+          <a:fillRef idx="1">
+            <a:schemeClr val="dk1"/>
+          </a:fillRef>
+          <a:effectRef idx="0">
+            <a:schemeClr val="dk1"/>
+          </a:effectRef>
+          <a:fontRef idx="minor"/>
+        </p:style>
+      </p:sp>
     </p:spTree>
   </p:cSld>
   <p:clrMapOvr>
     <a:masterClrMapping/>
   </p:clrMapOvr>
+  <p:transition spd="slow">
+    <p:fade/>
+  </p:transition>
 </p:sld>
 </file>
 
@@ -26799,14 +27280,14 @@
       </p:grpSpPr>
       <p:sp>
         <p:nvSpPr>
-          <p:cNvPr id="513" name="CustomShape 1"/>
+          <p:cNvPr id="509" name="CustomShape 1"/>
           <p:cNvSpPr/>
           <p:nvPr/>
         </p:nvSpPr>
         <p:spPr>
           <a:xfrm>
-            <a:off x="8859240" y="2148480"/>
-            <a:ext cx="3212280" cy="2131560"/>
+            <a:off x="720000" y="260640"/>
+            <a:ext cx="8183160" cy="660960"/>
           </a:xfrm>
           <a:prstGeom prst="rect">
             <a:avLst/>
@@ -26828,135 +27309,17 @@
           </a:effectRef>
           <a:fontRef idx="minor"/>
         </p:style>
-        <p:txBody>
-          <a:bodyPr lIns="0" tIns="0" rIns="0" bIns="0">
-            <a:noAutofit/>
-          </a:bodyPr>
-          <a:lstStyle/>
-          <a:p>
-            <a:pPr>
-              <a:lnSpc>
-                <a:spcPct val="100000"/>
-              </a:lnSpc>
-              <a:spcBef>
-                <a:spcPts val="561"/>
-              </a:spcBef>
-              <a:tabLst>
-                <a:tab pos="0" algn="l"/>
-              </a:tabLst>
-            </a:pPr>
-            <a:r>
-              <a:rPr lang="de-DE" sz="2800" b="0" strike="noStrike" spc="-1">
-                <a:solidFill>
-                  <a:srgbClr val="FFFFFF"/>
-                </a:solidFill>
-                <a:latin typeface="Frutiger LT Com 45 Light"/>
-                <a:ea typeface="DejaVu Sans"/>
-              </a:rPr>
-              <a:t>Anne Koch</a:t>
-            </a:r>
-            <a:endParaRPr lang="de-DE" sz="2800" b="0" strike="noStrike" spc="-1">
-              <a:latin typeface="Arial"/>
-            </a:endParaRPr>
-          </a:p>
-          <a:p>
-            <a:pPr>
-              <a:lnSpc>
-                <a:spcPct val="100000"/>
-              </a:lnSpc>
-              <a:spcBef>
-                <a:spcPts val="561"/>
-              </a:spcBef>
-              <a:tabLst>
-                <a:tab pos="0" algn="l"/>
-              </a:tabLst>
-            </a:pPr>
-            <a:r>
-              <a:rPr lang="de-DE" sz="2800" b="0" strike="noStrike" spc="-1">
-                <a:solidFill>
-                  <a:srgbClr val="FFFFFF"/>
-                </a:solidFill>
-                <a:latin typeface="Frutiger LT Com 45 Light"/>
-                <a:ea typeface="DejaVu Sans"/>
-              </a:rPr>
-              <a:t>Clara Jansen</a:t>
-            </a:r>
-            <a:endParaRPr lang="de-DE" sz="2800" b="0" strike="noStrike" spc="-1">
-              <a:latin typeface="Arial"/>
-            </a:endParaRPr>
-          </a:p>
-          <a:p>
-            <a:pPr>
-              <a:lnSpc>
-                <a:spcPct val="100000"/>
-              </a:lnSpc>
-              <a:spcBef>
-                <a:spcPts val="561"/>
-              </a:spcBef>
-              <a:tabLst>
-                <a:tab pos="0" algn="l"/>
-              </a:tabLst>
-            </a:pPr>
-            <a:r>
-              <a:rPr lang="de-DE" sz="2800" b="0" strike="noStrike" spc="-1">
-                <a:solidFill>
-                  <a:srgbClr val="FFFFFF"/>
-                </a:solidFill>
-                <a:latin typeface="Frutiger LT Com 45 Light"/>
-                <a:ea typeface="DejaVu Sans"/>
-              </a:rPr>
-              <a:t>Dietrich Tönnies</a:t>
-            </a:r>
-            <a:endParaRPr lang="de-DE" sz="2800" b="0" strike="noStrike" spc="-1">
-              <a:latin typeface="Arial"/>
-            </a:endParaRPr>
-          </a:p>
-        </p:txBody>
-      </p:sp>
-      <p:sp>
-        <p:nvSpPr>
-          <p:cNvPr id="514" name="Line 2"/>
+      </p:sp>
+      <p:sp>
+        <p:nvSpPr>
+          <p:cNvPr id="510" name="CustomShape 2"/>
           <p:cNvSpPr/>
           <p:nvPr/>
         </p:nvSpPr>
         <p:spPr>
           <a:xfrm>
-            <a:off x="1037520" y="1520640"/>
-            <a:ext cx="17640" cy="3816360"/>
-          </a:xfrm>
-          <a:prstGeom prst="line">
-            <a:avLst/>
-          </a:prstGeom>
-          <a:ln>
-            <a:solidFill>
-              <a:srgbClr val="000000"/>
-            </a:solidFill>
-            <a:round/>
-          </a:ln>
-        </p:spPr>
-        <p:style>
-          <a:lnRef idx="1">
-            <a:schemeClr val="dk1"/>
-          </a:lnRef>
-          <a:fillRef idx="0">
-            <a:schemeClr val="dk1"/>
-          </a:fillRef>
-          <a:effectRef idx="0">
-            <a:schemeClr val="dk1"/>
-          </a:effectRef>
-          <a:fontRef idx="minor"/>
-        </p:style>
-      </p:sp>
-      <p:sp>
-        <p:nvSpPr>
-          <p:cNvPr id="515" name="CustomShape 3"/>
-          <p:cNvSpPr/>
-          <p:nvPr/>
-        </p:nvSpPr>
-        <p:spPr>
-          <a:xfrm>
-            <a:off x="1145160" y="1746720"/>
-            <a:ext cx="4013640" cy="363960"/>
+            <a:off x="715680" y="1700640"/>
+            <a:ext cx="10803240" cy="4319280"/>
           </a:xfrm>
           <a:prstGeom prst="rect">
             <a:avLst/>
@@ -26978,9 +27341,41 @@
           </a:effectRef>
           <a:fontRef idx="minor"/>
         </p:style>
-        <p:txBody>
-          <a:bodyPr lIns="90000" tIns="45000" rIns="90000" bIns="45000">
-            <a:spAutoFit/>
+      </p:sp>
+      <p:sp>
+        <p:nvSpPr>
+          <p:cNvPr id="511" name="CustomShape 3"/>
+          <p:cNvSpPr/>
+          <p:nvPr/>
+        </p:nvSpPr>
+        <p:spPr>
+          <a:xfrm>
+            <a:off x="1631520" y="6426000"/>
+            <a:ext cx="7271640" cy="239760"/>
+          </a:xfrm>
+          <a:prstGeom prst="rect">
+            <a:avLst/>
+          </a:prstGeom>
+          <a:noFill/>
+          <a:ln w="0">
+            <a:noFill/>
+          </a:ln>
+        </p:spPr>
+        <p:style>
+          <a:lnRef idx="0">
+            <a:scrgbClr r="0" g="0" b="0"/>
+          </a:lnRef>
+          <a:fillRef idx="0">
+            <a:scrgbClr r="0" g="0" b="0"/>
+          </a:fillRef>
+          <a:effectRef idx="0">
+            <a:scrgbClr r="0" g="0" b="0"/>
+          </a:effectRef>
+          <a:fontRef idx="minor"/>
+        </p:style>
+        <p:txBody>
+          <a:bodyPr lIns="0" tIns="0" rIns="0" bIns="0">
+            <a:noAutofit/>
           </a:bodyPr>
           <a:lstStyle/>
           <a:p>
@@ -26990,31 +27385,31 @@
               </a:lnSpc>
             </a:pPr>
             <a:r>
-              <a:rPr lang="de-DE" sz="1800" b="0" strike="noStrike" spc="-1">
+              <a:rPr lang="en-US" sz="900" b="0" strike="noStrike" spc="-1">
                 <a:solidFill>
-                  <a:srgbClr val="000000"/>
+                  <a:srgbClr val="5073A5"/>
                 </a:solidFill>
                 <a:latin typeface="Frutiger LT Com 45 Light"/>
                 <a:ea typeface="DejaVu Sans"/>
               </a:rPr>
-              <a:t>Thema 1</a:t>
-            </a:r>
-            <a:endParaRPr lang="de-DE" sz="1800" b="0" strike="noStrike" spc="-1">
-              <a:latin typeface="Arial"/>
-            </a:endParaRPr>
-          </a:p>
-        </p:txBody>
-      </p:sp>
-      <p:sp>
-        <p:nvSpPr>
-          <p:cNvPr id="516" name="CustomShape 4"/>
+              <a:t>Fußzeile</a:t>
+            </a:r>
+            <a:endParaRPr lang="de-DE" sz="900" b="0" strike="noStrike" spc="-1">
+              <a:latin typeface="Arial"/>
+            </a:endParaRPr>
+          </a:p>
+        </p:txBody>
+      </p:sp>
+      <p:sp>
+        <p:nvSpPr>
+          <p:cNvPr id="512" name="CustomShape 4"/>
           <p:cNvSpPr/>
           <p:nvPr/>
         </p:nvSpPr>
         <p:spPr>
           <a:xfrm>
-            <a:off x="1145160" y="2445120"/>
-            <a:ext cx="2285280" cy="363960"/>
+            <a:off x="1055520" y="6426000"/>
+            <a:ext cx="552600" cy="239760"/>
           </a:xfrm>
           <a:prstGeom prst="rect">
             <a:avLst/>
@@ -27037,8 +27432,8 @@
           <a:fontRef idx="minor"/>
         </p:style>
         <p:txBody>
-          <a:bodyPr lIns="90000" tIns="45000" rIns="90000" bIns="45000">
-            <a:spAutoFit/>
+          <a:bodyPr lIns="0" tIns="0" rIns="0" bIns="0">
+            <a:noAutofit/>
           </a:bodyPr>
           <a:lstStyle/>
           <a:p>
@@ -27047,249 +27442,17 @@
                 <a:spcPct val="100000"/>
               </a:lnSpc>
             </a:pPr>
-            <a:r>
-              <a:rPr lang="de-DE" sz="1800" b="0" strike="noStrike" spc="-1">
+            <a:fld id="{93E2747B-634A-487B-97DC-3D34471722BC}" type="slidenum">
+              <a:rPr lang="de-DE" sz="900" b="1" strike="noStrike" spc="-1">
                 <a:solidFill>
-                  <a:srgbClr val="000000"/>
+                  <a:srgbClr val="5073A5"/>
                 </a:solidFill>
                 <a:latin typeface="Frutiger LT Com 45 Light"/>
                 <a:ea typeface="DejaVu Sans"/>
               </a:rPr>
-              <a:t>Thema 2</a:t>
-            </a:r>
-            <a:endParaRPr lang="de-DE" sz="1800" b="0" strike="noStrike" spc="-1">
-              <a:latin typeface="Arial"/>
-            </a:endParaRPr>
-          </a:p>
-        </p:txBody>
-      </p:sp>
-      <p:sp>
-        <p:nvSpPr>
-          <p:cNvPr id="517" name="CustomShape 5"/>
-          <p:cNvSpPr/>
-          <p:nvPr/>
-        </p:nvSpPr>
-        <p:spPr>
-          <a:xfrm>
-            <a:off x="1131480" y="4281120"/>
-            <a:ext cx="3653640" cy="363960"/>
-          </a:xfrm>
-          <a:prstGeom prst="rect">
-            <a:avLst/>
-          </a:prstGeom>
-          <a:noFill/>
-          <a:ln w="0">
-            <a:noFill/>
-          </a:ln>
-        </p:spPr>
-        <p:style>
-          <a:lnRef idx="0">
-            <a:scrgbClr r="0" g="0" b="0"/>
-          </a:lnRef>
-          <a:fillRef idx="0">
-            <a:scrgbClr r="0" g="0" b="0"/>
-          </a:fillRef>
-          <a:effectRef idx="0">
-            <a:scrgbClr r="0" g="0" b="0"/>
-          </a:effectRef>
-          <a:fontRef idx="minor"/>
-        </p:style>
-        <p:txBody>
-          <a:bodyPr lIns="90000" tIns="45000" rIns="90000" bIns="45000">
-            <a:spAutoFit/>
-          </a:bodyPr>
-          <a:lstStyle/>
-          <a:p>
-            <a:pPr>
-              <a:lnSpc>
-                <a:spcPct val="100000"/>
-              </a:lnSpc>
-            </a:pPr>
-            <a:r>
-              <a:rPr lang="de-DE" sz="1800" b="0" strike="noStrike" spc="-1">
-                <a:solidFill>
-                  <a:srgbClr val="000000"/>
-                </a:solidFill>
-                <a:latin typeface="Frutiger LT Com 45 Light"/>
-                <a:ea typeface="DejaVu Sans"/>
-              </a:rPr>
-              <a:t>Thema 3</a:t>
-            </a:r>
-            <a:endParaRPr lang="de-DE" sz="1800" b="0" strike="noStrike" spc="-1">
-              <a:latin typeface="Arial"/>
-            </a:endParaRPr>
-          </a:p>
-        </p:txBody>
-      </p:sp>
-      <p:sp>
-        <p:nvSpPr>
-          <p:cNvPr id="518" name="CustomShape 6"/>
-          <p:cNvSpPr/>
-          <p:nvPr/>
-        </p:nvSpPr>
-        <p:spPr>
-          <a:xfrm>
-            <a:off x="1487520" y="3219840"/>
-            <a:ext cx="2285280" cy="363960"/>
-          </a:xfrm>
-          <a:prstGeom prst="rect">
-            <a:avLst/>
-          </a:prstGeom>
-          <a:noFill/>
-          <a:ln w="0">
-            <a:noFill/>
-          </a:ln>
-        </p:spPr>
-        <p:style>
-          <a:lnRef idx="0">
-            <a:scrgbClr r="0" g="0" b="0"/>
-          </a:lnRef>
-          <a:fillRef idx="0">
-            <a:scrgbClr r="0" g="0" b="0"/>
-          </a:fillRef>
-          <a:effectRef idx="0">
-            <a:scrgbClr r="0" g="0" b="0"/>
-          </a:effectRef>
-          <a:fontRef idx="minor"/>
-        </p:style>
-        <p:txBody>
-          <a:bodyPr lIns="90000" tIns="45000" rIns="90000" bIns="45000">
-            <a:spAutoFit/>
-          </a:bodyPr>
-          <a:lstStyle/>
-          <a:p>
-            <a:pPr>
-              <a:lnSpc>
-                <a:spcPct val="100000"/>
-              </a:lnSpc>
-            </a:pPr>
-            <a:r>
-              <a:rPr lang="de-DE" sz="1800" b="0" strike="noStrike" spc="-1">
-                <a:solidFill>
-                  <a:srgbClr val="000000"/>
-                </a:solidFill>
-                <a:latin typeface="Frutiger LT Com 45 Light"/>
-                <a:ea typeface="DejaVu Sans"/>
-              </a:rPr>
-              <a:t>Aspekt 2</a:t>
-            </a:r>
-            <a:endParaRPr lang="de-DE" sz="1800" b="0" strike="noStrike" spc="-1">
-              <a:latin typeface="Arial"/>
-            </a:endParaRPr>
-          </a:p>
-        </p:txBody>
-      </p:sp>
-      <p:sp>
-        <p:nvSpPr>
-          <p:cNvPr id="519" name="CustomShape 7"/>
-          <p:cNvSpPr/>
-          <p:nvPr/>
-        </p:nvSpPr>
-        <p:spPr>
-          <a:xfrm>
-            <a:off x="1487520" y="2814120"/>
-            <a:ext cx="2285280" cy="363960"/>
-          </a:xfrm>
-          <a:prstGeom prst="rect">
-            <a:avLst/>
-          </a:prstGeom>
-          <a:noFill/>
-          <a:ln w="0">
-            <a:noFill/>
-          </a:ln>
-        </p:spPr>
-        <p:style>
-          <a:lnRef idx="0">
-            <a:scrgbClr r="0" g="0" b="0"/>
-          </a:lnRef>
-          <a:fillRef idx="0">
-            <a:scrgbClr r="0" g="0" b="0"/>
-          </a:fillRef>
-          <a:effectRef idx="0">
-            <a:scrgbClr r="0" g="0" b="0"/>
-          </a:effectRef>
-          <a:fontRef idx="minor"/>
-        </p:style>
-        <p:txBody>
-          <a:bodyPr lIns="90000" tIns="45000" rIns="90000" bIns="45000">
-            <a:spAutoFit/>
-          </a:bodyPr>
-          <a:lstStyle/>
-          <a:p>
-            <a:pPr>
-              <a:lnSpc>
-                <a:spcPct val="100000"/>
-              </a:lnSpc>
-            </a:pPr>
-            <a:r>
-              <a:rPr lang="de-DE" sz="1800" b="0" strike="noStrike" spc="-1">
-                <a:solidFill>
-                  <a:srgbClr val="000000"/>
-                </a:solidFill>
-                <a:latin typeface="Frutiger LT Com 45 Light"/>
-                <a:ea typeface="DejaVu Sans"/>
-              </a:rPr>
-              <a:t>Aspekt 1</a:t>
-            </a:r>
-            <a:endParaRPr lang="de-DE" sz="1800" b="0" strike="noStrike" spc="-1">
-              <a:latin typeface="Arial"/>
-            </a:endParaRPr>
-          </a:p>
-        </p:txBody>
-      </p:sp>
-      <p:sp>
-        <p:nvSpPr>
-          <p:cNvPr id="520" name="CustomShape 8"/>
-          <p:cNvSpPr/>
-          <p:nvPr/>
-        </p:nvSpPr>
-        <p:spPr>
-          <a:xfrm>
-            <a:off x="1487520" y="3625560"/>
-            <a:ext cx="2285280" cy="363960"/>
-          </a:xfrm>
-          <a:prstGeom prst="rect">
-            <a:avLst/>
-          </a:prstGeom>
-          <a:noFill/>
-          <a:ln w="0">
-            <a:noFill/>
-          </a:ln>
-        </p:spPr>
-        <p:style>
-          <a:lnRef idx="0">
-            <a:scrgbClr r="0" g="0" b="0"/>
-          </a:lnRef>
-          <a:fillRef idx="0">
-            <a:scrgbClr r="0" g="0" b="0"/>
-          </a:fillRef>
-          <a:effectRef idx="0">
-            <a:scrgbClr r="0" g="0" b="0"/>
-          </a:effectRef>
-          <a:fontRef idx="minor"/>
-        </p:style>
-        <p:txBody>
-          <a:bodyPr lIns="90000" tIns="45000" rIns="90000" bIns="45000">
-            <a:spAutoFit/>
-          </a:bodyPr>
-          <a:lstStyle/>
-          <a:p>
-            <a:pPr>
-              <a:lnSpc>
-                <a:spcPct val="100000"/>
-              </a:lnSpc>
-            </a:pPr>
-            <a:r>
-              <a:rPr lang="de-DE" sz="1800" b="0" strike="noStrike" spc="-1">
-                <a:solidFill>
-                  <a:srgbClr val="000000"/>
-                </a:solidFill>
-                <a:latin typeface="Frutiger LT Com 45 Light"/>
-                <a:ea typeface="DejaVu Sans"/>
-              </a:rPr>
-              <a:t>Aspekt 3</a:t>
-            </a:r>
-            <a:endParaRPr lang="de-DE" sz="1800" b="0" strike="noStrike" spc="-1">
+              <a:t>23</a:t>
+            </a:fld>
+            <a:endParaRPr lang="de-DE" sz="900" b="0" strike="noStrike" spc="-1">
               <a:latin typeface="Arial"/>
             </a:endParaRPr>
           </a:p>
@@ -27300,9 +27463,6 @@
   <p:clrMapOvr>
     <a:masterClrMapping/>
   </p:clrMapOvr>
-  <p:transition spd="slow">
-    <p:fade/>
-  </p:transition>
 </p:sld>
 </file>
 
@@ -27325,14 +27485,14 @@
       </p:grpSpPr>
       <p:sp>
         <p:nvSpPr>
-          <p:cNvPr id="487" name="CustomShape 1"/>
+          <p:cNvPr id="513" name="CustomShape 1"/>
           <p:cNvSpPr/>
           <p:nvPr/>
         </p:nvSpPr>
         <p:spPr>
           <a:xfrm>
-            <a:off x="720000" y="260640"/>
-            <a:ext cx="8183160" cy="660960"/>
+            <a:off x="8859240" y="2148480"/>
+            <a:ext cx="3212280" cy="2131560"/>
           </a:xfrm>
           <a:prstGeom prst="rect">
             <a:avLst/>
@@ -27355,8 +27515,158 @@
           <a:fontRef idx="minor"/>
         </p:style>
         <p:txBody>
-          <a:bodyPr lIns="0" tIns="0" rIns="0" bIns="0" anchor="b">
+          <a:bodyPr lIns="0" tIns="0" rIns="0" bIns="0">
             <a:noAutofit/>
+          </a:bodyPr>
+          <a:lstStyle/>
+          <a:p>
+            <a:pPr>
+              <a:lnSpc>
+                <a:spcPct val="100000"/>
+              </a:lnSpc>
+              <a:spcBef>
+                <a:spcPts val="561"/>
+              </a:spcBef>
+              <a:tabLst>
+                <a:tab pos="0" algn="l"/>
+              </a:tabLst>
+            </a:pPr>
+            <a:r>
+              <a:rPr lang="de-DE" sz="2800" b="0" strike="noStrike" spc="-1">
+                <a:solidFill>
+                  <a:srgbClr val="FFFFFF"/>
+                </a:solidFill>
+                <a:latin typeface="Frutiger LT Com 45 Light"/>
+                <a:ea typeface="DejaVu Sans"/>
+              </a:rPr>
+              <a:t>Anne Koch</a:t>
+            </a:r>
+            <a:endParaRPr lang="de-DE" sz="2800" b="0" strike="noStrike" spc="-1">
+              <a:latin typeface="Arial"/>
+            </a:endParaRPr>
+          </a:p>
+          <a:p>
+            <a:pPr>
+              <a:lnSpc>
+                <a:spcPct val="100000"/>
+              </a:lnSpc>
+              <a:spcBef>
+                <a:spcPts val="561"/>
+              </a:spcBef>
+              <a:tabLst>
+                <a:tab pos="0" algn="l"/>
+              </a:tabLst>
+            </a:pPr>
+            <a:r>
+              <a:rPr lang="de-DE" sz="2800" b="0" strike="noStrike" spc="-1">
+                <a:solidFill>
+                  <a:srgbClr val="FFFFFF"/>
+                </a:solidFill>
+                <a:latin typeface="Frutiger LT Com 45 Light"/>
+                <a:ea typeface="DejaVu Sans"/>
+              </a:rPr>
+              <a:t>Clara Jansen</a:t>
+            </a:r>
+            <a:endParaRPr lang="de-DE" sz="2800" b="0" strike="noStrike" spc="-1">
+              <a:latin typeface="Arial"/>
+            </a:endParaRPr>
+          </a:p>
+          <a:p>
+            <a:pPr>
+              <a:lnSpc>
+                <a:spcPct val="100000"/>
+              </a:lnSpc>
+              <a:spcBef>
+                <a:spcPts val="561"/>
+              </a:spcBef>
+              <a:tabLst>
+                <a:tab pos="0" algn="l"/>
+              </a:tabLst>
+            </a:pPr>
+            <a:r>
+              <a:rPr lang="de-DE" sz="2800" b="0" strike="noStrike" spc="-1">
+                <a:solidFill>
+                  <a:srgbClr val="FFFFFF"/>
+                </a:solidFill>
+                <a:latin typeface="Frutiger LT Com 45 Light"/>
+                <a:ea typeface="DejaVu Sans"/>
+              </a:rPr>
+              <a:t>Dietrich Tönnies</a:t>
+            </a:r>
+            <a:endParaRPr lang="de-DE" sz="2800" b="0" strike="noStrike" spc="-1">
+              <a:latin typeface="Arial"/>
+            </a:endParaRPr>
+          </a:p>
+        </p:txBody>
+      </p:sp>
+      <p:sp>
+        <p:nvSpPr>
+          <p:cNvPr id="514" name="Line 2"/>
+          <p:cNvSpPr/>
+          <p:nvPr/>
+        </p:nvSpPr>
+        <p:spPr>
+          <a:xfrm>
+            <a:off x="1037520" y="1520640"/>
+            <a:ext cx="17640" cy="3816360"/>
+          </a:xfrm>
+          <a:prstGeom prst="line">
+            <a:avLst/>
+          </a:prstGeom>
+          <a:ln>
+            <a:solidFill>
+              <a:srgbClr val="000000"/>
+            </a:solidFill>
+            <a:round/>
+          </a:ln>
+        </p:spPr>
+        <p:style>
+          <a:lnRef idx="1">
+            <a:schemeClr val="dk1"/>
+          </a:lnRef>
+          <a:fillRef idx="0">
+            <a:schemeClr val="dk1"/>
+          </a:fillRef>
+          <a:effectRef idx="0">
+            <a:schemeClr val="dk1"/>
+          </a:effectRef>
+          <a:fontRef idx="minor"/>
+        </p:style>
+      </p:sp>
+      <p:sp>
+        <p:nvSpPr>
+          <p:cNvPr id="515" name="CustomShape 3"/>
+          <p:cNvSpPr/>
+          <p:nvPr/>
+        </p:nvSpPr>
+        <p:spPr>
+          <a:xfrm>
+            <a:off x="1145160" y="1746720"/>
+            <a:ext cx="4013640" cy="363960"/>
+          </a:xfrm>
+          <a:prstGeom prst="rect">
+            <a:avLst/>
+          </a:prstGeom>
+          <a:noFill/>
+          <a:ln w="0">
+            <a:noFill/>
+          </a:ln>
+        </p:spPr>
+        <p:style>
+          <a:lnRef idx="0">
+            <a:scrgbClr r="0" g="0" b="0"/>
+          </a:lnRef>
+          <a:fillRef idx="0">
+            <a:scrgbClr r="0" g="0" b="0"/>
+          </a:fillRef>
+          <a:effectRef idx="0">
+            <a:scrgbClr r="0" g="0" b="0"/>
+          </a:effectRef>
+          <a:fontRef idx="minor"/>
+        </p:style>
+        <p:txBody>
+          <a:bodyPr lIns="90000" tIns="45000" rIns="90000" bIns="45000">
+            <a:spAutoFit/>
           </a:bodyPr>
           <a:lstStyle/>
           <a:p>
@@ -27366,51 +27676,31 @@
               </a:lnSpc>
             </a:pPr>
             <a:r>
-              <a:rPr lang="de-DE" sz="2200" b="1" strike="noStrike" spc="-1" dirty="0">
+              <a:rPr lang="de-DE" sz="1800" b="0" strike="noStrike" spc="-1">
                 <a:solidFill>
-                  <a:srgbClr val="5073A5"/>
+                  <a:srgbClr val="000000"/>
                 </a:solidFill>
                 <a:latin typeface="Frutiger LT Com 45 Light"/>
                 <a:ea typeface="DejaVu Sans"/>
               </a:rPr>
-              <a:t>Warum macht der </a:t>
-            </a:r>
-            <a:r>
-              <a:rPr lang="de-DE" sz="2200" b="1" strike="noStrike" spc="-1" dirty="0" err="1">
-                <a:solidFill>
-                  <a:srgbClr val="5073A5"/>
-                </a:solidFill>
-                <a:latin typeface="Frutiger LT Com 45 Light"/>
-                <a:ea typeface="DejaVu Sans"/>
-              </a:rPr>
-              <a:t>MedExtractor</a:t>
-            </a:r>
-            <a:r>
-              <a:rPr lang="de-DE" sz="2200" b="1" strike="noStrike" spc="-1" dirty="0">
-                <a:solidFill>
-                  <a:srgbClr val="5073A5"/>
-                </a:solidFill>
-                <a:latin typeface="Frutiger LT Com 45 Light"/>
-                <a:ea typeface="DejaVu Sans"/>
-              </a:rPr>
-              <a:t> Fehler?</a:t>
-            </a:r>
-            <a:endParaRPr lang="de-DE" sz="2200" b="0" strike="noStrike" spc="-1" dirty="0">
-              <a:latin typeface="Arial"/>
-            </a:endParaRPr>
-          </a:p>
-        </p:txBody>
-      </p:sp>
-      <p:sp>
-        <p:nvSpPr>
-          <p:cNvPr id="488" name="CustomShape 2"/>
+              <a:t>Thema 1</a:t>
+            </a:r>
+            <a:endParaRPr lang="de-DE" sz="1800" b="0" strike="noStrike" spc="-1">
+              <a:latin typeface="Arial"/>
+            </a:endParaRPr>
+          </a:p>
+        </p:txBody>
+      </p:sp>
+      <p:sp>
+        <p:nvSpPr>
+          <p:cNvPr id="516" name="CustomShape 4"/>
           <p:cNvSpPr/>
           <p:nvPr/>
         </p:nvSpPr>
         <p:spPr>
           <a:xfrm>
-            <a:off x="1631520" y="6426000"/>
-            <a:ext cx="7271640" cy="239760"/>
+            <a:off x="1145160" y="2445120"/>
+            <a:ext cx="2285280" cy="363960"/>
           </a:xfrm>
           <a:prstGeom prst="rect">
             <a:avLst/>
@@ -27433,8 +27723,8 @@
           <a:fontRef idx="minor"/>
         </p:style>
         <p:txBody>
-          <a:bodyPr lIns="0" tIns="0" rIns="0" bIns="0">
-            <a:noAutofit/>
+          <a:bodyPr lIns="90000" tIns="45000" rIns="90000" bIns="45000">
+            <a:spAutoFit/>
           </a:bodyPr>
           <a:lstStyle/>
           <a:p>
@@ -27444,31 +27734,31 @@
               </a:lnSpc>
             </a:pPr>
             <a:r>
-              <a:rPr lang="en-US" sz="900" b="0" strike="noStrike" spc="-1">
+              <a:rPr lang="de-DE" sz="1800" b="0" strike="noStrike" spc="-1">
                 <a:solidFill>
-                  <a:srgbClr val="5073A5"/>
+                  <a:srgbClr val="000000"/>
                 </a:solidFill>
                 <a:latin typeface="Frutiger LT Com 45 Light"/>
                 <a:ea typeface="DejaVu Sans"/>
               </a:rPr>
-              <a:t>Fußzeile</a:t>
-            </a:r>
-            <a:endParaRPr lang="de-DE" sz="900" b="0" strike="noStrike" spc="-1">
-              <a:latin typeface="Arial"/>
-            </a:endParaRPr>
-          </a:p>
-        </p:txBody>
-      </p:sp>
-      <p:sp>
-        <p:nvSpPr>
-          <p:cNvPr id="489" name="CustomShape 3"/>
+              <a:t>Thema 2</a:t>
+            </a:r>
+            <a:endParaRPr lang="de-DE" sz="1800" b="0" strike="noStrike" spc="-1">
+              <a:latin typeface="Arial"/>
+            </a:endParaRPr>
+          </a:p>
+        </p:txBody>
+      </p:sp>
+      <p:sp>
+        <p:nvSpPr>
+          <p:cNvPr id="517" name="CustomShape 5"/>
           <p:cNvSpPr/>
           <p:nvPr/>
         </p:nvSpPr>
         <p:spPr>
           <a:xfrm>
-            <a:off x="1055520" y="6426000"/>
-            <a:ext cx="552600" cy="239760"/>
+            <a:off x="1131480" y="4281120"/>
+            <a:ext cx="3653640" cy="363960"/>
           </a:xfrm>
           <a:prstGeom prst="rect">
             <a:avLst/>
@@ -27491,8 +27781,8 @@
           <a:fontRef idx="minor"/>
         </p:style>
         <p:txBody>
-          <a:bodyPr lIns="0" tIns="0" rIns="0" bIns="0">
-            <a:noAutofit/>
+          <a:bodyPr lIns="90000" tIns="45000" rIns="90000" bIns="45000">
+            <a:spAutoFit/>
           </a:bodyPr>
           <a:lstStyle/>
           <a:p>
@@ -27501,400 +27791,204 @@
                 <a:spcPct val="100000"/>
               </a:lnSpc>
             </a:pPr>
-            <a:fld id="{4923A73F-5495-417A-9B89-90354BD07CB0}" type="slidenum">
-              <a:rPr lang="de-DE" sz="900" b="1" strike="noStrike" spc="-1">
-                <a:solidFill>
-                  <a:srgbClr val="5073A5"/>
-                </a:solidFill>
-                <a:latin typeface="Frutiger LT Com 45 Light"/>
-                <a:ea typeface="DejaVu Sans"/>
-              </a:rPr>
-              <a:t>24</a:t>
-            </a:fld>
-            <a:endParaRPr lang="de-DE" sz="900" b="0" strike="noStrike" spc="-1">
-              <a:latin typeface="Arial"/>
-            </a:endParaRPr>
-          </a:p>
-        </p:txBody>
-      </p:sp>
-      <p:sp>
-        <p:nvSpPr>
-          <p:cNvPr id="490" name="CustomShape 4"/>
-          <p:cNvSpPr/>
-          <p:nvPr/>
-        </p:nvSpPr>
-        <p:spPr>
-          <a:xfrm>
-            <a:off x="1279440" y="1151280"/>
-            <a:ext cx="9348120" cy="4997880"/>
-          </a:xfrm>
-          <a:prstGeom prst="rect">
-            <a:avLst/>
-          </a:prstGeom>
-          <a:noFill/>
-          <a:ln w="0">
-            <a:noFill/>
-          </a:ln>
-        </p:spPr>
-        <p:style>
-          <a:lnRef idx="0">
-            <a:scrgbClr r="0" g="0" b="0"/>
-          </a:lnRef>
-          <a:fillRef idx="0">
-            <a:scrgbClr r="0" g="0" b="0"/>
-          </a:fillRef>
-          <a:effectRef idx="0">
-            <a:scrgbClr r="0" g="0" b="0"/>
-          </a:effectRef>
-          <a:fontRef idx="minor"/>
-        </p:style>
-        <p:txBody>
-          <a:bodyPr lIns="90000" tIns="45000" rIns="90000" bIns="45000">
-            <a:noAutofit/>
-          </a:bodyPr>
-          <a:lstStyle/>
-          <a:p>
-            <a:pPr marL="285840" indent="-285120">
-              <a:lnSpc>
-                <a:spcPct val="100000"/>
-              </a:lnSpc>
-              <a:spcBef>
-                <a:spcPts val="1800"/>
-              </a:spcBef>
-              <a:buClr>
-                <a:srgbClr val="000000"/>
-              </a:buClr>
-              <a:buFont typeface="Arial"/>
-              <a:buChar char="•"/>
-            </a:pPr>
-            <a:r>
-              <a:rPr lang="de-DE" sz="2000" b="0" strike="noStrike" spc="-1" dirty="0">
+            <a:r>
+              <a:rPr lang="de-DE" sz="1800" b="0" strike="noStrike" spc="-1">
                 <a:solidFill>
                   <a:srgbClr val="000000"/>
                 </a:solidFill>
                 <a:latin typeface="Frutiger LT Com 45 Light"/>
                 <a:ea typeface="DejaVu Sans"/>
               </a:rPr>
-              <a:t>Trainingsvokabular enthält ungeeignete Begriffe, z.B. Verben wie ‚</a:t>
-            </a:r>
-            <a:r>
-              <a:rPr lang="de-DE" sz="2000" b="0" strike="noStrike" spc="-1" dirty="0" err="1">
+              <a:t>Thema 3</a:t>
+            </a:r>
+            <a:endParaRPr lang="de-DE" sz="1800" b="0" strike="noStrike" spc="-1">
+              <a:latin typeface="Arial"/>
+            </a:endParaRPr>
+          </a:p>
+        </p:txBody>
+      </p:sp>
+      <p:sp>
+        <p:nvSpPr>
+          <p:cNvPr id="518" name="CustomShape 6"/>
+          <p:cNvSpPr/>
+          <p:nvPr/>
+        </p:nvSpPr>
+        <p:spPr>
+          <a:xfrm>
+            <a:off x="1487520" y="3219840"/>
+            <a:ext cx="2285280" cy="363960"/>
+          </a:xfrm>
+          <a:prstGeom prst="rect">
+            <a:avLst/>
+          </a:prstGeom>
+          <a:noFill/>
+          <a:ln w="0">
+            <a:noFill/>
+          </a:ln>
+        </p:spPr>
+        <p:style>
+          <a:lnRef idx="0">
+            <a:scrgbClr r="0" g="0" b="0"/>
+          </a:lnRef>
+          <a:fillRef idx="0">
+            <a:scrgbClr r="0" g="0" b="0"/>
+          </a:fillRef>
+          <a:effectRef idx="0">
+            <a:scrgbClr r="0" g="0" b="0"/>
+          </a:effectRef>
+          <a:fontRef idx="minor"/>
+        </p:style>
+        <p:txBody>
+          <a:bodyPr lIns="90000" tIns="45000" rIns="90000" bIns="45000">
+            <a:spAutoFit/>
+          </a:bodyPr>
+          <a:lstStyle/>
+          <a:p>
+            <a:pPr>
+              <a:lnSpc>
+                <a:spcPct val="100000"/>
+              </a:lnSpc>
+            </a:pPr>
+            <a:r>
+              <a:rPr lang="de-DE" sz="1800" b="0" strike="noStrike" spc="-1">
                 <a:solidFill>
                   <a:srgbClr val="000000"/>
                 </a:solidFill>
                 <a:latin typeface="Frutiger LT Com 45 Light"/>
                 <a:ea typeface="DejaVu Sans"/>
               </a:rPr>
-              <a:t>aggravate</a:t>
-            </a:r>
-            <a:r>
-              <a:rPr lang="de-DE" sz="2000" b="0" strike="noStrike" spc="-1" dirty="0">
+              <a:t>Aspekt 2</a:t>
+            </a:r>
+            <a:endParaRPr lang="de-DE" sz="1800" b="0" strike="noStrike" spc="-1">
+              <a:latin typeface="Arial"/>
+            </a:endParaRPr>
+          </a:p>
+        </p:txBody>
+      </p:sp>
+      <p:sp>
+        <p:nvSpPr>
+          <p:cNvPr id="519" name="CustomShape 7"/>
+          <p:cNvSpPr/>
+          <p:nvPr/>
+        </p:nvSpPr>
+        <p:spPr>
+          <a:xfrm>
+            <a:off x="1487520" y="2814120"/>
+            <a:ext cx="2285280" cy="363960"/>
+          </a:xfrm>
+          <a:prstGeom prst="rect">
+            <a:avLst/>
+          </a:prstGeom>
+          <a:noFill/>
+          <a:ln w="0">
+            <a:noFill/>
+          </a:ln>
+        </p:spPr>
+        <p:style>
+          <a:lnRef idx="0">
+            <a:scrgbClr r="0" g="0" b="0"/>
+          </a:lnRef>
+          <a:fillRef idx="0">
+            <a:scrgbClr r="0" g="0" b="0"/>
+          </a:fillRef>
+          <a:effectRef idx="0">
+            <a:scrgbClr r="0" g="0" b="0"/>
+          </a:effectRef>
+          <a:fontRef idx="minor"/>
+        </p:style>
+        <p:txBody>
+          <a:bodyPr lIns="90000" tIns="45000" rIns="90000" bIns="45000">
+            <a:spAutoFit/>
+          </a:bodyPr>
+          <a:lstStyle/>
+          <a:p>
+            <a:pPr>
+              <a:lnSpc>
+                <a:spcPct val="100000"/>
+              </a:lnSpc>
+            </a:pPr>
+            <a:r>
+              <a:rPr lang="de-DE" sz="1800" b="0" strike="noStrike" spc="-1">
                 <a:solidFill>
                   <a:srgbClr val="000000"/>
                 </a:solidFill>
                 <a:latin typeface="Frutiger LT Com 45 Light"/>
                 <a:ea typeface="DejaVu Sans"/>
               </a:rPr>
-              <a:t>‘ oder generische Überbegriffe wie ‚</a:t>
-            </a:r>
-            <a:r>
-              <a:rPr lang="de-DE" sz="2000" b="0" strike="noStrike" spc="-1" dirty="0" err="1">
+              <a:t>Aspekt 1</a:t>
+            </a:r>
+            <a:endParaRPr lang="de-DE" sz="1800" b="0" strike="noStrike" spc="-1">
+              <a:latin typeface="Arial"/>
+            </a:endParaRPr>
+          </a:p>
+        </p:txBody>
+      </p:sp>
+      <p:sp>
+        <p:nvSpPr>
+          <p:cNvPr id="520" name="CustomShape 8"/>
+          <p:cNvSpPr/>
+          <p:nvPr/>
+        </p:nvSpPr>
+        <p:spPr>
+          <a:xfrm>
+            <a:off x="1487520" y="3625560"/>
+            <a:ext cx="2285280" cy="363960"/>
+          </a:xfrm>
+          <a:prstGeom prst="rect">
+            <a:avLst/>
+          </a:prstGeom>
+          <a:noFill/>
+          <a:ln w="0">
+            <a:noFill/>
+          </a:ln>
+        </p:spPr>
+        <p:style>
+          <a:lnRef idx="0">
+            <a:scrgbClr r="0" g="0" b="0"/>
+          </a:lnRef>
+          <a:fillRef idx="0">
+            <a:scrgbClr r="0" g="0" b="0"/>
+          </a:fillRef>
+          <a:effectRef idx="0">
+            <a:scrgbClr r="0" g="0" b="0"/>
+          </a:effectRef>
+          <a:fontRef idx="minor"/>
+        </p:style>
+        <p:txBody>
+          <a:bodyPr lIns="90000" tIns="45000" rIns="90000" bIns="45000">
+            <a:spAutoFit/>
+          </a:bodyPr>
+          <a:lstStyle/>
+          <a:p>
+            <a:pPr>
+              <a:lnSpc>
+                <a:spcPct val="100000"/>
+              </a:lnSpc>
+            </a:pPr>
+            <a:r>
+              <a:rPr lang="de-DE" sz="1800" b="0" strike="noStrike" spc="-1">
                 <a:solidFill>
                   <a:srgbClr val="000000"/>
                 </a:solidFill>
                 <a:latin typeface="Frutiger LT Com 45 Light"/>
                 <a:ea typeface="DejaVu Sans"/>
               </a:rPr>
-              <a:t>impairment</a:t>
-            </a:r>
-            <a:r>
-              <a:rPr lang="de-DE" sz="2000" b="0" strike="noStrike" spc="-1" dirty="0">
-                <a:solidFill>
-                  <a:srgbClr val="000000"/>
-                </a:solidFill>
-                <a:latin typeface="Frutiger LT Com 45 Light"/>
-                <a:ea typeface="DejaVu Sans"/>
-              </a:rPr>
-              <a:t>‘.</a:t>
-            </a:r>
-            <a:endParaRPr lang="de-DE" sz="2000" b="0" strike="noStrike" spc="-1" dirty="0">
-              <a:latin typeface="Arial"/>
-            </a:endParaRPr>
-          </a:p>
-          <a:p>
-            <a:pPr marL="285840" indent="-285120">
-              <a:lnSpc>
-                <a:spcPct val="100000"/>
-              </a:lnSpc>
-              <a:spcBef>
-                <a:spcPts val="1800"/>
-              </a:spcBef>
-              <a:buClr>
-                <a:srgbClr val="000000"/>
-              </a:buClr>
-              <a:buFont typeface="Arial"/>
-              <a:buChar char="•"/>
-            </a:pPr>
-            <a:r>
-              <a:rPr lang="de-DE" sz="2000" b="0" strike="noStrike" spc="-1" dirty="0">
-                <a:solidFill>
-                  <a:srgbClr val="000000"/>
-                </a:solidFill>
-                <a:latin typeface="Frutiger LT Com 45 Light"/>
-                <a:ea typeface="DejaVu Sans"/>
-              </a:rPr>
-              <a:t>Trainingsvokabular enthält doppeldeutige Begriffe, z.B. die Substantive ‚</a:t>
-            </a:r>
-            <a:r>
-              <a:rPr lang="de-DE" sz="2000" b="0" strike="noStrike" spc="-1" dirty="0" err="1">
-                <a:solidFill>
-                  <a:srgbClr val="000000"/>
-                </a:solidFill>
-                <a:latin typeface="Frutiger LT Com 45 Light"/>
-                <a:ea typeface="DejaVu Sans"/>
-              </a:rPr>
-              <a:t>cut</a:t>
-            </a:r>
-            <a:r>
-              <a:rPr lang="de-DE" sz="2000" b="0" strike="noStrike" spc="-1" dirty="0">
-                <a:solidFill>
-                  <a:srgbClr val="000000"/>
-                </a:solidFill>
-                <a:latin typeface="Frutiger LT Com 45 Light"/>
-                <a:ea typeface="DejaVu Sans"/>
-              </a:rPr>
-              <a:t>‘ oder ‚</a:t>
-            </a:r>
-            <a:r>
-              <a:rPr lang="de-DE" sz="2000" b="0" strike="noStrike" spc="-1" dirty="0" err="1">
-                <a:solidFill>
-                  <a:srgbClr val="000000"/>
-                </a:solidFill>
-                <a:latin typeface="Frutiger LT Com 45 Light"/>
-                <a:ea typeface="DejaVu Sans"/>
-              </a:rPr>
-              <a:t>cold</a:t>
-            </a:r>
-            <a:r>
-              <a:rPr lang="de-DE" sz="2000" b="0" strike="noStrike" spc="-1" dirty="0">
-                <a:solidFill>
-                  <a:srgbClr val="000000"/>
-                </a:solidFill>
-                <a:latin typeface="Frutiger LT Com 45 Light"/>
-                <a:ea typeface="DejaVu Sans"/>
-              </a:rPr>
-              <a:t>‘, die als Krankheiten interpretiert werden, auch wenn sie im Text eigentlich Verben oder Adjektive sind.</a:t>
-            </a:r>
-            <a:endParaRPr lang="de-DE" sz="2000" b="0" strike="noStrike" spc="-1" dirty="0">
-              <a:latin typeface="Arial"/>
-            </a:endParaRPr>
-          </a:p>
-          <a:p>
-            <a:pPr marL="228600" indent="-227880">
-              <a:lnSpc>
-                <a:spcPct val="90000"/>
-              </a:lnSpc>
-              <a:spcBef>
-                <a:spcPts val="1800"/>
-              </a:spcBef>
-              <a:buClr>
-                <a:srgbClr val="000000"/>
-              </a:buClr>
-              <a:buFont typeface="Arial"/>
-              <a:buChar char="•"/>
-            </a:pPr>
-            <a:r>
-              <a:rPr lang="de-DE" sz="2000" b="0" strike="noStrike" spc="-1" dirty="0">
-                <a:solidFill>
-                  <a:srgbClr val="000000"/>
-                </a:solidFill>
-                <a:latin typeface="Frutiger LT Com 45 Light"/>
-                <a:ea typeface="DejaVu Sans"/>
-              </a:rPr>
-              <a:t>Negationen werden nicht richtig aus dem Kontext heraus erkannt, z.B. „</a:t>
-            </a:r>
-            <a:r>
-              <a:rPr lang="en-US" sz="2000" b="0" strike="noStrike" spc="-1" dirty="0">
-                <a:solidFill>
-                  <a:srgbClr val="000000"/>
-                </a:solidFill>
-                <a:latin typeface="Frutiger LT Com 45 Light"/>
-                <a:ea typeface="DejaVu Sans"/>
-              </a:rPr>
-              <a:t>The psychological symptoms of depression include having no motivation or interest </a:t>
-            </a:r>
-            <a:r>
-              <a:rPr lang="de-DE" sz="2000" b="0" strike="noStrike" spc="-1" dirty="0">
-                <a:solidFill>
-                  <a:srgbClr val="000000"/>
-                </a:solidFill>
-                <a:latin typeface="Frutiger LT Com 45 Light"/>
-                <a:ea typeface="DejaVu Sans"/>
-              </a:rPr>
-              <a:t>in </a:t>
-            </a:r>
-            <a:r>
-              <a:rPr lang="de-DE" sz="2000" b="0" strike="noStrike" spc="-1" dirty="0" err="1">
-                <a:solidFill>
-                  <a:srgbClr val="000000"/>
-                </a:solidFill>
-                <a:latin typeface="Frutiger LT Com 45 Light"/>
-                <a:ea typeface="DejaVu Sans"/>
-              </a:rPr>
-              <a:t>things</a:t>
-            </a:r>
-            <a:r>
-              <a:rPr lang="de-DE" sz="2000" b="0" strike="noStrike" spc="-1" dirty="0">
-                <a:solidFill>
-                  <a:srgbClr val="000000"/>
-                </a:solidFill>
-                <a:latin typeface="Frutiger LT Com 45 Light"/>
-                <a:ea typeface="DejaVu Sans"/>
-              </a:rPr>
-              <a:t>. “ Interest (anstelle von ‚</a:t>
-            </a:r>
-            <a:r>
-              <a:rPr lang="de-DE" sz="2000" b="0" strike="noStrike" spc="-1" dirty="0" err="1">
-                <a:solidFill>
-                  <a:srgbClr val="000000"/>
-                </a:solidFill>
-                <a:latin typeface="Frutiger LT Com 45 Light"/>
-                <a:ea typeface="DejaVu Sans"/>
-              </a:rPr>
-              <a:t>no</a:t>
-            </a:r>
-            <a:r>
-              <a:rPr lang="de-DE" sz="2000" b="0" strike="noStrike" spc="-1" dirty="0">
-                <a:solidFill>
-                  <a:srgbClr val="000000"/>
-                </a:solidFill>
-                <a:latin typeface="Frutiger LT Com 45 Light"/>
-                <a:ea typeface="DejaVu Sans"/>
-              </a:rPr>
-              <a:t> </a:t>
-            </a:r>
-            <a:r>
-              <a:rPr lang="de-DE" sz="2000" b="0" strike="noStrike" spc="-1" dirty="0" err="1">
-                <a:solidFill>
-                  <a:srgbClr val="000000"/>
-                </a:solidFill>
-                <a:latin typeface="Frutiger LT Com 45 Light"/>
-                <a:ea typeface="DejaVu Sans"/>
-              </a:rPr>
-              <a:t>interest</a:t>
-            </a:r>
-            <a:r>
-              <a:rPr lang="de-DE" sz="2000" b="0" strike="noStrike" spc="-1" dirty="0">
-                <a:solidFill>
-                  <a:srgbClr val="000000"/>
-                </a:solidFill>
-                <a:latin typeface="Frutiger LT Com 45 Light"/>
-                <a:ea typeface="DejaVu Sans"/>
-              </a:rPr>
-              <a:t>‘) wird als Symptom einer Depression gedeutet.</a:t>
-            </a:r>
-            <a:endParaRPr lang="de-DE" sz="2000" b="0" strike="noStrike" spc="-1" dirty="0">
-              <a:latin typeface="Arial"/>
-            </a:endParaRPr>
-          </a:p>
-          <a:p>
-            <a:pPr marL="228600" indent="-227880">
-              <a:lnSpc>
-                <a:spcPct val="90000"/>
-              </a:lnSpc>
-              <a:spcBef>
-                <a:spcPts val="1800"/>
-              </a:spcBef>
-              <a:buClr>
-                <a:srgbClr val="000000"/>
-              </a:buClr>
-              <a:buFont typeface="Arial"/>
-              <a:buChar char="•"/>
-            </a:pPr>
-            <a:r>
-              <a:rPr lang="de-DE" sz="2000" b="0" strike="noStrike" spc="-1" dirty="0">
-                <a:solidFill>
-                  <a:srgbClr val="000000"/>
-                </a:solidFill>
-                <a:latin typeface="Frutiger LT Com 45 Light"/>
-                <a:ea typeface="DejaVu Sans"/>
-              </a:rPr>
-              <a:t>Bedeutung / Semantik eines Textes wird nicht erkannt: „</a:t>
-            </a:r>
-            <a:r>
-              <a:rPr lang="en-US" sz="2000" b="0" strike="noStrike" spc="-1" dirty="0">
-                <a:solidFill>
-                  <a:srgbClr val="000000"/>
-                </a:solidFill>
-                <a:latin typeface="Frutiger LT Com 45 Light"/>
-                <a:ea typeface="DejaVu Sans"/>
-              </a:rPr>
-              <a:t>These challenges came ... from gay rights activists who </a:t>
-            </a:r>
-            <a:r>
-              <a:rPr lang="en-US" sz="2000" b="0" strike="noStrike" spc="-1" dirty="0" err="1">
-                <a:solidFill>
-                  <a:srgbClr val="000000"/>
-                </a:solidFill>
-                <a:latin typeface="Frutiger LT Com 45 Light"/>
-                <a:ea typeface="DejaVu Sans"/>
-              </a:rPr>
-              <a:t>criticised</a:t>
-            </a:r>
-            <a:r>
-              <a:rPr lang="en-US" sz="2000" b="0" strike="noStrike" spc="-1" dirty="0">
-                <a:solidFill>
-                  <a:srgbClr val="000000"/>
-                </a:solidFill>
-                <a:latin typeface="Frutiger LT Com 45 Light"/>
-                <a:ea typeface="DejaVu Sans"/>
-              </a:rPr>
-              <a:t> the APA’s listing of homosexuality as a mental disorder”</a:t>
-            </a:r>
-            <a:endParaRPr lang="de-DE" sz="2000" b="0" strike="noStrike" spc="-1" dirty="0">
-              <a:latin typeface="Arial"/>
-            </a:endParaRPr>
-          </a:p>
-          <a:p>
-            <a:pPr marL="228600" indent="-227880">
-              <a:lnSpc>
-                <a:spcPct val="90000"/>
-              </a:lnSpc>
-              <a:spcBef>
-                <a:spcPts val="1800"/>
-              </a:spcBef>
-              <a:buClr>
-                <a:srgbClr val="000000"/>
-              </a:buClr>
-              <a:buFont typeface="Arial"/>
-              <a:buChar char="•"/>
-            </a:pPr>
-            <a:r>
-              <a:rPr lang="de-DE" sz="2000" b="0" strike="noStrike" spc="-1" dirty="0">
-                <a:solidFill>
-                  <a:srgbClr val="000000"/>
-                </a:solidFill>
-                <a:latin typeface="Frutiger LT Com 45 Light"/>
-                <a:ea typeface="DejaVu Sans"/>
-              </a:rPr>
-              <a:t>Es werden nur Zusammenhänge gefunden, wenn die Schlüsselbegriffe exakt im Trainingsvokabular enthalten ist.</a:t>
-            </a:r>
-            <a:endParaRPr lang="de-DE" sz="2000" b="0" strike="noStrike" spc="-1" dirty="0">
+              <a:t>Aspekt 3</a:t>
+            </a:r>
+            <a:endParaRPr lang="de-DE" sz="1800" b="0" strike="noStrike" spc="-1">
               <a:latin typeface="Arial"/>
             </a:endParaRPr>
           </a:p>
         </p:txBody>
       </p:sp>
     </p:spTree>
-    <p:extLst>
-      <p:ext uri="{BB962C8B-B14F-4D97-AF65-F5344CB8AC3E}">
-        <p14:creationId xmlns:p14="http://schemas.microsoft.com/office/powerpoint/2010/main" val="1942598348"/>
-      </p:ext>
-    </p:extLst>
   </p:cSld>
   <p:clrMapOvr>
     <a:masterClrMapping/>
   </p:clrMapOvr>
+  <p:transition spd="slow">
+    <p:fade/>
+  </p:transition>
 </p:sld>
 </file>
 
@@ -27917,6 +28011,598 @@
       </p:grpSpPr>
       <p:sp>
         <p:nvSpPr>
+          <p:cNvPr id="487" name="CustomShape 1"/>
+          <p:cNvSpPr/>
+          <p:nvPr/>
+        </p:nvSpPr>
+        <p:spPr>
+          <a:xfrm>
+            <a:off x="720000" y="260640"/>
+            <a:ext cx="8183160" cy="660960"/>
+          </a:xfrm>
+          <a:prstGeom prst="rect">
+            <a:avLst/>
+          </a:prstGeom>
+          <a:noFill/>
+          <a:ln w="0">
+            <a:noFill/>
+          </a:ln>
+        </p:spPr>
+        <p:style>
+          <a:lnRef idx="0">
+            <a:scrgbClr r="0" g="0" b="0"/>
+          </a:lnRef>
+          <a:fillRef idx="0">
+            <a:scrgbClr r="0" g="0" b="0"/>
+          </a:fillRef>
+          <a:effectRef idx="0">
+            <a:scrgbClr r="0" g="0" b="0"/>
+          </a:effectRef>
+          <a:fontRef idx="minor"/>
+        </p:style>
+        <p:txBody>
+          <a:bodyPr lIns="0" tIns="0" rIns="0" bIns="0" anchor="b">
+            <a:noAutofit/>
+          </a:bodyPr>
+          <a:lstStyle/>
+          <a:p>
+            <a:pPr>
+              <a:lnSpc>
+                <a:spcPct val="100000"/>
+              </a:lnSpc>
+            </a:pPr>
+            <a:r>
+              <a:rPr lang="de-DE" sz="2200" b="1" strike="noStrike" spc="-1" dirty="0">
+                <a:solidFill>
+                  <a:srgbClr val="5073A5"/>
+                </a:solidFill>
+                <a:latin typeface="Frutiger LT Com 45 Light"/>
+                <a:ea typeface="DejaVu Sans"/>
+              </a:rPr>
+              <a:t>Warum macht der </a:t>
+            </a:r>
+            <a:r>
+              <a:rPr lang="de-DE" sz="2200" b="1" strike="noStrike" spc="-1" dirty="0" err="1">
+                <a:solidFill>
+                  <a:srgbClr val="5073A5"/>
+                </a:solidFill>
+                <a:latin typeface="Frutiger LT Com 45 Light"/>
+                <a:ea typeface="DejaVu Sans"/>
+              </a:rPr>
+              <a:t>MedExtractor</a:t>
+            </a:r>
+            <a:r>
+              <a:rPr lang="de-DE" sz="2200" b="1" strike="noStrike" spc="-1" dirty="0">
+                <a:solidFill>
+                  <a:srgbClr val="5073A5"/>
+                </a:solidFill>
+                <a:latin typeface="Frutiger LT Com 45 Light"/>
+                <a:ea typeface="DejaVu Sans"/>
+              </a:rPr>
+              <a:t> Fehler?</a:t>
+            </a:r>
+            <a:endParaRPr lang="de-DE" sz="2200" b="0" strike="noStrike" spc="-1" dirty="0">
+              <a:latin typeface="Arial"/>
+            </a:endParaRPr>
+          </a:p>
+        </p:txBody>
+      </p:sp>
+      <p:sp>
+        <p:nvSpPr>
+          <p:cNvPr id="488" name="CustomShape 2"/>
+          <p:cNvSpPr/>
+          <p:nvPr/>
+        </p:nvSpPr>
+        <p:spPr>
+          <a:xfrm>
+            <a:off x="1631520" y="6426000"/>
+            <a:ext cx="7271640" cy="239760"/>
+          </a:xfrm>
+          <a:prstGeom prst="rect">
+            <a:avLst/>
+          </a:prstGeom>
+          <a:noFill/>
+          <a:ln w="0">
+            <a:noFill/>
+          </a:ln>
+        </p:spPr>
+        <p:style>
+          <a:lnRef idx="0">
+            <a:scrgbClr r="0" g="0" b="0"/>
+          </a:lnRef>
+          <a:fillRef idx="0">
+            <a:scrgbClr r="0" g="0" b="0"/>
+          </a:fillRef>
+          <a:effectRef idx="0">
+            <a:scrgbClr r="0" g="0" b="0"/>
+          </a:effectRef>
+          <a:fontRef idx="minor"/>
+        </p:style>
+        <p:txBody>
+          <a:bodyPr lIns="0" tIns="0" rIns="0" bIns="0">
+            <a:noAutofit/>
+          </a:bodyPr>
+          <a:lstStyle/>
+          <a:p>
+            <a:pPr>
+              <a:lnSpc>
+                <a:spcPct val="100000"/>
+              </a:lnSpc>
+            </a:pPr>
+            <a:r>
+              <a:rPr lang="en-US" sz="900" b="0" strike="noStrike" spc="-1">
+                <a:solidFill>
+                  <a:srgbClr val="5073A5"/>
+                </a:solidFill>
+                <a:latin typeface="Frutiger LT Com 45 Light"/>
+                <a:ea typeface="DejaVu Sans"/>
+              </a:rPr>
+              <a:t>Fußzeile</a:t>
+            </a:r>
+            <a:endParaRPr lang="de-DE" sz="900" b="0" strike="noStrike" spc="-1">
+              <a:latin typeface="Arial"/>
+            </a:endParaRPr>
+          </a:p>
+        </p:txBody>
+      </p:sp>
+      <p:sp>
+        <p:nvSpPr>
+          <p:cNvPr id="489" name="CustomShape 3"/>
+          <p:cNvSpPr/>
+          <p:nvPr/>
+        </p:nvSpPr>
+        <p:spPr>
+          <a:xfrm>
+            <a:off x="1055520" y="6426000"/>
+            <a:ext cx="552600" cy="239760"/>
+          </a:xfrm>
+          <a:prstGeom prst="rect">
+            <a:avLst/>
+          </a:prstGeom>
+          <a:noFill/>
+          <a:ln w="0">
+            <a:noFill/>
+          </a:ln>
+        </p:spPr>
+        <p:style>
+          <a:lnRef idx="0">
+            <a:scrgbClr r="0" g="0" b="0"/>
+          </a:lnRef>
+          <a:fillRef idx="0">
+            <a:scrgbClr r="0" g="0" b="0"/>
+          </a:fillRef>
+          <a:effectRef idx="0">
+            <a:scrgbClr r="0" g="0" b="0"/>
+          </a:effectRef>
+          <a:fontRef idx="minor"/>
+        </p:style>
+        <p:txBody>
+          <a:bodyPr lIns="0" tIns="0" rIns="0" bIns="0">
+            <a:noAutofit/>
+          </a:bodyPr>
+          <a:lstStyle/>
+          <a:p>
+            <a:pPr>
+              <a:lnSpc>
+                <a:spcPct val="100000"/>
+              </a:lnSpc>
+            </a:pPr>
+            <a:fld id="{4923A73F-5495-417A-9B89-90354BD07CB0}" type="slidenum">
+              <a:rPr lang="de-DE" sz="900" b="1" strike="noStrike" spc="-1">
+                <a:solidFill>
+                  <a:srgbClr val="5073A5"/>
+                </a:solidFill>
+                <a:latin typeface="Frutiger LT Com 45 Light"/>
+                <a:ea typeface="DejaVu Sans"/>
+              </a:rPr>
+              <a:t>25</a:t>
+            </a:fld>
+            <a:endParaRPr lang="de-DE" sz="900" b="0" strike="noStrike" spc="-1">
+              <a:latin typeface="Arial"/>
+            </a:endParaRPr>
+          </a:p>
+        </p:txBody>
+      </p:sp>
+      <p:sp>
+        <p:nvSpPr>
+          <p:cNvPr id="490" name="CustomShape 4"/>
+          <p:cNvSpPr/>
+          <p:nvPr/>
+        </p:nvSpPr>
+        <p:spPr>
+          <a:xfrm>
+            <a:off x="1279440" y="1151280"/>
+            <a:ext cx="9348120" cy="4997880"/>
+          </a:xfrm>
+          <a:prstGeom prst="rect">
+            <a:avLst/>
+          </a:prstGeom>
+          <a:noFill/>
+          <a:ln w="0">
+            <a:noFill/>
+          </a:ln>
+        </p:spPr>
+        <p:style>
+          <a:lnRef idx="0">
+            <a:scrgbClr r="0" g="0" b="0"/>
+          </a:lnRef>
+          <a:fillRef idx="0">
+            <a:scrgbClr r="0" g="0" b="0"/>
+          </a:fillRef>
+          <a:effectRef idx="0">
+            <a:scrgbClr r="0" g="0" b="0"/>
+          </a:effectRef>
+          <a:fontRef idx="minor"/>
+        </p:style>
+        <p:txBody>
+          <a:bodyPr lIns="90000" tIns="45000" rIns="90000" bIns="45000">
+            <a:noAutofit/>
+          </a:bodyPr>
+          <a:lstStyle/>
+          <a:p>
+            <a:pPr marL="285840" indent="-285120">
+              <a:lnSpc>
+                <a:spcPct val="100000"/>
+              </a:lnSpc>
+              <a:spcBef>
+                <a:spcPts val="1800"/>
+              </a:spcBef>
+              <a:buClr>
+                <a:srgbClr val="000000"/>
+              </a:buClr>
+              <a:buFont typeface="Arial"/>
+              <a:buChar char="•"/>
+            </a:pPr>
+            <a:r>
+              <a:rPr lang="de-DE" sz="2000" b="0" strike="noStrike" spc="-1" dirty="0">
+                <a:solidFill>
+                  <a:srgbClr val="000000"/>
+                </a:solidFill>
+                <a:latin typeface="Frutiger LT Com 45 Light"/>
+                <a:ea typeface="DejaVu Sans"/>
+              </a:rPr>
+              <a:t>Trainingsvokabular enthält ungeeignete Begriffe, z.B. Verben wie ‚</a:t>
+            </a:r>
+            <a:r>
+              <a:rPr lang="de-DE" sz="2000" b="0" strike="noStrike" spc="-1" dirty="0" err="1">
+                <a:solidFill>
+                  <a:srgbClr val="000000"/>
+                </a:solidFill>
+                <a:latin typeface="Frutiger LT Com 45 Light"/>
+                <a:ea typeface="DejaVu Sans"/>
+              </a:rPr>
+              <a:t>aggravate</a:t>
+            </a:r>
+            <a:r>
+              <a:rPr lang="de-DE" sz="2000" b="0" strike="noStrike" spc="-1" dirty="0">
+                <a:solidFill>
+                  <a:srgbClr val="000000"/>
+                </a:solidFill>
+                <a:latin typeface="Frutiger LT Com 45 Light"/>
+                <a:ea typeface="DejaVu Sans"/>
+              </a:rPr>
+              <a:t>‘ oder generische Überbegriffe wie ‚</a:t>
+            </a:r>
+            <a:r>
+              <a:rPr lang="de-DE" sz="2000" b="0" strike="noStrike" spc="-1" dirty="0" err="1">
+                <a:solidFill>
+                  <a:srgbClr val="000000"/>
+                </a:solidFill>
+                <a:latin typeface="Frutiger LT Com 45 Light"/>
+                <a:ea typeface="DejaVu Sans"/>
+              </a:rPr>
+              <a:t>impairment</a:t>
+            </a:r>
+            <a:r>
+              <a:rPr lang="de-DE" sz="2000" b="0" strike="noStrike" spc="-1" dirty="0">
+                <a:solidFill>
+                  <a:srgbClr val="000000"/>
+                </a:solidFill>
+                <a:latin typeface="Frutiger LT Com 45 Light"/>
+                <a:ea typeface="DejaVu Sans"/>
+              </a:rPr>
+              <a:t>‘.</a:t>
+            </a:r>
+            <a:endParaRPr lang="de-DE" sz="2000" b="0" strike="noStrike" spc="-1" dirty="0">
+              <a:latin typeface="Arial"/>
+            </a:endParaRPr>
+          </a:p>
+          <a:p>
+            <a:pPr marL="285840" indent="-285120">
+              <a:lnSpc>
+                <a:spcPct val="100000"/>
+              </a:lnSpc>
+              <a:spcBef>
+                <a:spcPts val="1800"/>
+              </a:spcBef>
+              <a:buClr>
+                <a:srgbClr val="000000"/>
+              </a:buClr>
+              <a:buFont typeface="Arial"/>
+              <a:buChar char="•"/>
+            </a:pPr>
+            <a:r>
+              <a:rPr lang="de-DE" sz="2000" b="0" strike="noStrike" spc="-1" dirty="0">
+                <a:solidFill>
+                  <a:srgbClr val="000000"/>
+                </a:solidFill>
+                <a:latin typeface="Frutiger LT Com 45 Light"/>
+                <a:ea typeface="DejaVu Sans"/>
+              </a:rPr>
+              <a:t>Trainingsvokabular enthält doppeldeutige Begriffe, z.B. die Substantive ‚</a:t>
+            </a:r>
+            <a:r>
+              <a:rPr lang="de-DE" sz="2000" b="0" strike="noStrike" spc="-1" dirty="0" err="1">
+                <a:solidFill>
+                  <a:srgbClr val="000000"/>
+                </a:solidFill>
+                <a:latin typeface="Frutiger LT Com 45 Light"/>
+                <a:ea typeface="DejaVu Sans"/>
+              </a:rPr>
+              <a:t>cut</a:t>
+            </a:r>
+            <a:r>
+              <a:rPr lang="de-DE" sz="2000" b="0" strike="noStrike" spc="-1" dirty="0">
+                <a:solidFill>
+                  <a:srgbClr val="000000"/>
+                </a:solidFill>
+                <a:latin typeface="Frutiger LT Com 45 Light"/>
+                <a:ea typeface="DejaVu Sans"/>
+              </a:rPr>
+              <a:t>‘ oder ‚</a:t>
+            </a:r>
+            <a:r>
+              <a:rPr lang="de-DE" sz="2000" b="0" strike="noStrike" spc="-1" dirty="0" err="1">
+                <a:solidFill>
+                  <a:srgbClr val="000000"/>
+                </a:solidFill>
+                <a:latin typeface="Frutiger LT Com 45 Light"/>
+                <a:ea typeface="DejaVu Sans"/>
+              </a:rPr>
+              <a:t>cold</a:t>
+            </a:r>
+            <a:r>
+              <a:rPr lang="de-DE" sz="2000" b="0" strike="noStrike" spc="-1" dirty="0">
+                <a:solidFill>
+                  <a:srgbClr val="000000"/>
+                </a:solidFill>
+                <a:latin typeface="Frutiger LT Com 45 Light"/>
+                <a:ea typeface="DejaVu Sans"/>
+              </a:rPr>
+              <a:t>‘, die als Krankheiten interpretiert werden, auch wenn sie im Text eigentlich Verben oder Adjektive sind.</a:t>
+            </a:r>
+            <a:endParaRPr lang="de-DE" sz="2000" b="0" strike="noStrike" spc="-1" dirty="0">
+              <a:latin typeface="Arial"/>
+            </a:endParaRPr>
+          </a:p>
+          <a:p>
+            <a:pPr marL="228600" indent="-227880">
+              <a:lnSpc>
+                <a:spcPct val="90000"/>
+              </a:lnSpc>
+              <a:spcBef>
+                <a:spcPts val="1800"/>
+              </a:spcBef>
+              <a:buClr>
+                <a:srgbClr val="000000"/>
+              </a:buClr>
+              <a:buFont typeface="Arial"/>
+              <a:buChar char="•"/>
+            </a:pPr>
+            <a:r>
+              <a:rPr lang="de-DE" sz="2000" b="0" strike="noStrike" spc="-1" dirty="0">
+                <a:solidFill>
+                  <a:srgbClr val="000000"/>
+                </a:solidFill>
+                <a:latin typeface="Frutiger LT Com 45 Light"/>
+                <a:ea typeface="DejaVu Sans"/>
+              </a:rPr>
+              <a:t>Negationen werden nicht richtig aus dem Kontext heraus erkannt, z.B. „</a:t>
+            </a:r>
+            <a:r>
+              <a:rPr lang="en-US" sz="2000" b="0" strike="noStrike" spc="-1" dirty="0">
+                <a:solidFill>
+                  <a:srgbClr val="000000"/>
+                </a:solidFill>
+                <a:latin typeface="Frutiger LT Com 45 Light"/>
+                <a:ea typeface="DejaVu Sans"/>
+              </a:rPr>
+              <a:t>The psychological symptoms of depression include having no motivation or interest </a:t>
+            </a:r>
+            <a:r>
+              <a:rPr lang="de-DE" sz="2000" b="0" strike="noStrike" spc="-1" dirty="0">
+                <a:solidFill>
+                  <a:srgbClr val="000000"/>
+                </a:solidFill>
+                <a:latin typeface="Frutiger LT Com 45 Light"/>
+                <a:ea typeface="DejaVu Sans"/>
+              </a:rPr>
+              <a:t>in </a:t>
+            </a:r>
+            <a:r>
+              <a:rPr lang="de-DE" sz="2000" b="0" strike="noStrike" spc="-1" dirty="0" err="1">
+                <a:solidFill>
+                  <a:srgbClr val="000000"/>
+                </a:solidFill>
+                <a:latin typeface="Frutiger LT Com 45 Light"/>
+                <a:ea typeface="DejaVu Sans"/>
+              </a:rPr>
+              <a:t>things</a:t>
+            </a:r>
+            <a:r>
+              <a:rPr lang="de-DE" sz="2000" b="0" strike="noStrike" spc="-1" dirty="0">
+                <a:solidFill>
+                  <a:srgbClr val="000000"/>
+                </a:solidFill>
+                <a:latin typeface="Frutiger LT Com 45 Light"/>
+                <a:ea typeface="DejaVu Sans"/>
+              </a:rPr>
+              <a:t>. “ Interest (anstelle von ‚</a:t>
+            </a:r>
+            <a:r>
+              <a:rPr lang="de-DE" sz="2000" b="0" strike="noStrike" spc="-1" dirty="0" err="1">
+                <a:solidFill>
+                  <a:srgbClr val="000000"/>
+                </a:solidFill>
+                <a:latin typeface="Frutiger LT Com 45 Light"/>
+                <a:ea typeface="DejaVu Sans"/>
+              </a:rPr>
+              <a:t>no</a:t>
+            </a:r>
+            <a:r>
+              <a:rPr lang="de-DE" sz="2000" b="0" strike="noStrike" spc="-1" dirty="0">
+                <a:solidFill>
+                  <a:srgbClr val="000000"/>
+                </a:solidFill>
+                <a:latin typeface="Frutiger LT Com 45 Light"/>
+                <a:ea typeface="DejaVu Sans"/>
+              </a:rPr>
+              <a:t> </a:t>
+            </a:r>
+            <a:r>
+              <a:rPr lang="de-DE" sz="2000" b="0" strike="noStrike" spc="-1" dirty="0" err="1">
+                <a:solidFill>
+                  <a:srgbClr val="000000"/>
+                </a:solidFill>
+                <a:latin typeface="Frutiger LT Com 45 Light"/>
+                <a:ea typeface="DejaVu Sans"/>
+              </a:rPr>
+              <a:t>interest</a:t>
+            </a:r>
+            <a:r>
+              <a:rPr lang="de-DE" sz="2000" b="0" strike="noStrike" spc="-1" dirty="0">
+                <a:solidFill>
+                  <a:srgbClr val="000000"/>
+                </a:solidFill>
+                <a:latin typeface="Frutiger LT Com 45 Light"/>
+                <a:ea typeface="DejaVu Sans"/>
+              </a:rPr>
+              <a:t>‘) wird als Symptom einer Depression gedeutet.</a:t>
+            </a:r>
+            <a:endParaRPr lang="de-DE" sz="2000" b="0" strike="noStrike" spc="-1" dirty="0">
+              <a:latin typeface="Arial"/>
+            </a:endParaRPr>
+          </a:p>
+          <a:p>
+            <a:pPr marL="228600" indent="-227880">
+              <a:lnSpc>
+                <a:spcPct val="90000"/>
+              </a:lnSpc>
+              <a:spcBef>
+                <a:spcPts val="1800"/>
+              </a:spcBef>
+              <a:buClr>
+                <a:srgbClr val="000000"/>
+              </a:buClr>
+              <a:buFont typeface="Arial"/>
+              <a:buChar char="•"/>
+            </a:pPr>
+            <a:r>
+              <a:rPr lang="de-DE" sz="2000" b="0" strike="noStrike" spc="-1" dirty="0">
+                <a:solidFill>
+                  <a:srgbClr val="000000"/>
+                </a:solidFill>
+                <a:latin typeface="Frutiger LT Com 45 Light"/>
+                <a:ea typeface="DejaVu Sans"/>
+              </a:rPr>
+              <a:t>Bedeutung / Semantik eines Textes wird nicht erkannt: „</a:t>
+            </a:r>
+            <a:r>
+              <a:rPr lang="en-US" sz="2000" b="0" strike="noStrike" spc="-1" dirty="0">
+                <a:solidFill>
+                  <a:srgbClr val="000000"/>
+                </a:solidFill>
+                <a:latin typeface="Frutiger LT Com 45 Light"/>
+                <a:ea typeface="DejaVu Sans"/>
+              </a:rPr>
+              <a:t>These challenges came ... from gay rights activists who </a:t>
+            </a:r>
+            <a:r>
+              <a:rPr lang="en-US" sz="2000" b="0" strike="noStrike" spc="-1" dirty="0" err="1">
+                <a:solidFill>
+                  <a:srgbClr val="000000"/>
+                </a:solidFill>
+                <a:latin typeface="Frutiger LT Com 45 Light"/>
+                <a:ea typeface="DejaVu Sans"/>
+              </a:rPr>
+              <a:t>criticised</a:t>
+            </a:r>
+            <a:r>
+              <a:rPr lang="en-US" sz="2000" b="0" strike="noStrike" spc="-1" dirty="0">
+                <a:solidFill>
+                  <a:srgbClr val="000000"/>
+                </a:solidFill>
+                <a:latin typeface="Frutiger LT Com 45 Light"/>
+                <a:ea typeface="DejaVu Sans"/>
+              </a:rPr>
+              <a:t> the APA’s listing of homosexuality as a mental disorder”</a:t>
+            </a:r>
+            <a:endParaRPr lang="de-DE" sz="2000" b="0" strike="noStrike" spc="-1" dirty="0">
+              <a:latin typeface="Arial"/>
+            </a:endParaRPr>
+          </a:p>
+          <a:p>
+            <a:pPr marL="228600" indent="-227880">
+              <a:lnSpc>
+                <a:spcPct val="90000"/>
+              </a:lnSpc>
+              <a:spcBef>
+                <a:spcPts val="1800"/>
+              </a:spcBef>
+              <a:buClr>
+                <a:srgbClr val="000000"/>
+              </a:buClr>
+              <a:buFont typeface="Arial"/>
+              <a:buChar char="•"/>
+            </a:pPr>
+            <a:r>
+              <a:rPr lang="de-DE" sz="2000" b="0" strike="noStrike" spc="-1" dirty="0">
+                <a:solidFill>
+                  <a:srgbClr val="000000"/>
+                </a:solidFill>
+                <a:latin typeface="Frutiger LT Com 45 Light"/>
+                <a:ea typeface="DejaVu Sans"/>
+              </a:rPr>
+              <a:t>Es werden nur Zusammenhänge gefunden, wenn die Schlüsselbegriffe exakt im Trainingsvokabular enthalten ist.</a:t>
+            </a:r>
+            <a:endParaRPr lang="de-DE" sz="2000" b="0" strike="noStrike" spc="-1" dirty="0">
+              <a:latin typeface="Arial"/>
+            </a:endParaRPr>
+          </a:p>
+        </p:txBody>
+      </p:sp>
+    </p:spTree>
+    <p:extLst>
+      <p:ext uri="{BB962C8B-B14F-4D97-AF65-F5344CB8AC3E}">
+        <p14:creationId xmlns:p14="http://schemas.microsoft.com/office/powerpoint/2010/main" val="1942598348"/>
+      </p:ext>
+    </p:extLst>
+  </p:cSld>
+  <p:clrMapOvr>
+    <a:masterClrMapping/>
+  </p:clrMapOvr>
+</p:sld>
+</file>
+
+<file path=ppt/slides/slide26.xml><?xml version="1.0" encoding="utf-8"?>
+<p:sld xmlns:a="http://schemas.openxmlformats.org/drawingml/2006/main" xmlns:r="http://schemas.openxmlformats.org/officeDocument/2006/relationships" xmlns:p="http://schemas.openxmlformats.org/presentationml/2006/main">
+  <p:cSld>
+    <p:spTree>
+      <p:nvGrpSpPr>
+        <p:cNvPr id="1" name=""/>
+        <p:cNvGrpSpPr/>
+        <p:nvPr/>
+      </p:nvGrpSpPr>
+      <p:grpSpPr>
+        <a:xfrm>
+          <a:off x="0" y="0"/>
+          <a:ext cx="0" cy="0"/>
+          <a:chOff x="0" y="0"/>
+          <a:chExt cx="0" cy="0"/>
+        </a:xfrm>
+      </p:grpSpPr>
+      <p:sp>
+        <p:nvSpPr>
           <p:cNvPr id="491" name="CustomShape 1"/>
           <p:cNvSpPr/>
           <p:nvPr/>
@@ -28081,7 +28767,7 @@
                 <a:latin typeface="Frutiger LT Com 45 Light"/>
                 <a:ea typeface="DejaVu Sans"/>
               </a:rPr>
-              <a:t>25</a:t>
+              <a:t>26</a:t>
             </a:fld>
             <a:endParaRPr lang="de-DE" sz="900" b="0" strike="noStrike" spc="-1">
               <a:latin typeface="Arial"/>
@@ -28323,7 +29009,7 @@
 </p:sld>
 </file>
 
-<file path=ppt/slides/slide26.xml><?xml version="1.0" encoding="utf-8"?>
+<file path=ppt/slides/slide27.xml><?xml version="1.0" encoding="utf-8"?>
 <p:sld xmlns:a="http://schemas.openxmlformats.org/drawingml/2006/main" xmlns:r="http://schemas.openxmlformats.org/officeDocument/2006/relationships" xmlns:p="http://schemas.openxmlformats.org/presentationml/2006/main">
   <p:cSld>
     <p:spTree>
@@ -29345,8 +30031,8 @@
         </p:nvSpPr>
         <p:spPr>
           <a:xfrm>
-            <a:off x="1055520" y="1813900"/>
-            <a:ext cx="5730814" cy="3230200"/>
+            <a:off x="897569" y="1823327"/>
+            <a:ext cx="6297387" cy="3230200"/>
           </a:xfrm>
           <a:prstGeom prst="rect">
             <a:avLst/>
@@ -29461,7 +30147,7 @@
                 </a:solidFill>
                 <a:latin typeface="Frutiger LT Com 45 Light"/>
               </a:rPr>
-              <a:t>Statistische Modelle</a:t>
+              <a:t>Statistische </a:t>
             </a:r>
             <a:r>
               <a:rPr lang="de-DE" sz="2400" spc="-1" dirty="0">
@@ -29470,7 +30156,7 @@
                 </a:solidFill>
                 <a:latin typeface="Frutiger LT Com 45 Light"/>
               </a:rPr>
-              <a:t> (</a:t>
+              <a:t>&amp; regelbasierte Modelle (</a:t>
             </a:r>
             <a:r>
               <a:rPr lang="de-DE" sz="2400" spc="-1" dirty="0" err="1">
@@ -29585,7 +30271,7 @@
       </p:grpSpPr>
       <p:sp>
         <p:nvSpPr>
-          <p:cNvPr id="428" name="CustomShape 1"/>
+          <p:cNvPr id="424" name="CustomShape 1"/>
           <p:cNvSpPr/>
           <p:nvPr/>
         </p:nvSpPr>
@@ -29643,7 +30329,7 @@
       </p:sp>
       <p:sp>
         <p:nvSpPr>
-          <p:cNvPr id="429" name="CustomShape 2"/>
+          <p:cNvPr id="425" name="CustomShape 2"/>
           <p:cNvSpPr/>
           <p:nvPr/>
         </p:nvSpPr>
@@ -29683,7 +30369,7 @@
                 <a:spcPct val="100000"/>
               </a:lnSpc>
             </a:pPr>
-            <a:fld id="{87AE8C14-16A0-4F6B-9835-0C50F4A7C454}" type="slidenum">
+            <a:fld id="{A7D457DF-DFDE-4CE6-B76E-951166EAA5FC}" type="slidenum">
               <a:rPr lang="de-DE" sz="900" b="1" strike="noStrike" spc="-1">
                 <a:solidFill>
                   <a:srgbClr val="5073A5"/>
@@ -29701,7 +30387,7 @@
       </p:sp>
       <p:sp>
         <p:nvSpPr>
-          <p:cNvPr id="430" name="CustomShape 3"/>
+          <p:cNvPr id="426" name="CustomShape 3"/>
           <p:cNvSpPr/>
           <p:nvPr/>
         </p:nvSpPr>
@@ -29749,7 +30435,7 @@
                 <a:latin typeface="Frutiger LT Com 45 Light"/>
                 <a:ea typeface="DejaVu Sans"/>
               </a:rPr>
-              <a:t>Forschungsfragen</a:t>
+              <a:t>State-Of-The-Art (RDF)</a:t>
             </a:r>
             <a:endParaRPr lang="de-DE" sz="2200" b="0" strike="noStrike" spc="-1" dirty="0">
               <a:latin typeface="Arial"/>
@@ -29757,197 +30443,12 @@
           </a:p>
         </p:txBody>
       </p:sp>
-      <p:sp>
-        <p:nvSpPr>
-          <p:cNvPr id="431" name="CustomShape 4"/>
-          <p:cNvSpPr/>
-          <p:nvPr/>
-        </p:nvSpPr>
-        <p:spPr>
-          <a:xfrm>
-            <a:off x="360360" y="4860000"/>
-            <a:ext cx="9539640" cy="1658160"/>
-          </a:xfrm>
-          <a:prstGeom prst="rect">
-            <a:avLst/>
-          </a:prstGeom>
-          <a:noFill/>
-          <a:ln w="0">
-            <a:noFill/>
-          </a:ln>
-        </p:spPr>
-        <p:style>
-          <a:lnRef idx="0">
-            <a:scrgbClr r="0" g="0" b="0"/>
-          </a:lnRef>
-          <a:fillRef idx="0">
-            <a:scrgbClr r="0" g="0" b="0"/>
-          </a:fillRef>
-          <a:effectRef idx="0">
-            <a:scrgbClr r="0" g="0" b="0"/>
-          </a:effectRef>
-          <a:fontRef idx="minor"/>
-        </p:style>
-      </p:sp>
-      <p:sp>
-        <p:nvSpPr>
-          <p:cNvPr id="432" name="CustomShape 5"/>
-          <p:cNvSpPr/>
-          <p:nvPr/>
-        </p:nvSpPr>
-        <p:spPr>
-          <a:xfrm>
-            <a:off x="1631520" y="1489772"/>
-            <a:ext cx="9196560" cy="4052520"/>
-          </a:xfrm>
-          <a:prstGeom prst="rect">
-            <a:avLst/>
-          </a:prstGeom>
-          <a:noFill/>
-          <a:ln w="0">
-            <a:noFill/>
-          </a:ln>
-        </p:spPr>
-        <p:style>
-          <a:lnRef idx="0">
-            <a:scrgbClr r="0" g="0" b="0"/>
-          </a:lnRef>
-          <a:fillRef idx="0">
-            <a:scrgbClr r="0" g="0" b="0"/>
-          </a:fillRef>
-          <a:effectRef idx="0">
-            <a:scrgbClr r="0" g="0" b="0"/>
-          </a:effectRef>
-          <a:fontRef idx="minor"/>
-        </p:style>
-        <p:txBody>
-          <a:bodyPr lIns="90000" tIns="45000" rIns="90000" bIns="45000">
-            <a:spAutoFit/>
-          </a:bodyPr>
-          <a:lstStyle/>
-          <a:p>
-            <a:pPr marL="457920" indent="-457200">
-              <a:lnSpc>
-                <a:spcPct val="100000"/>
-              </a:lnSpc>
-              <a:spcBef>
-                <a:spcPts val="601"/>
-              </a:spcBef>
-              <a:buClr>
-                <a:srgbClr val="000000"/>
-              </a:buClr>
-              <a:buFont typeface="+mj-lt"/>
-              <a:buAutoNum type="arabicPeriod"/>
-            </a:pPr>
-            <a:r>
-              <a:rPr lang="de-DE" sz="2400" b="0" strike="noStrike" spc="-1" dirty="0">
-                <a:solidFill>
-                  <a:srgbClr val="000000"/>
-                </a:solidFill>
-                <a:latin typeface="Frutiger LT Com 45 Light"/>
-                <a:ea typeface="DejaVu Sans"/>
-              </a:rPr>
-              <a:t>Wie kann ein medizinischer Text vorverarbeitet werden, so dass relevante Aussagen (Überschriften, Aufzählungen, Leerzeilen und Dialoge) automatisch erkannt werden?</a:t>
-            </a:r>
-            <a:endParaRPr lang="de-DE" sz="2400" b="0" strike="noStrike" spc="-1" dirty="0">
-              <a:latin typeface="Arial"/>
-            </a:endParaRPr>
-          </a:p>
-          <a:p>
-            <a:pPr marL="457920" indent="-457200">
-              <a:lnSpc>
-                <a:spcPct val="100000"/>
-              </a:lnSpc>
-              <a:spcBef>
-                <a:spcPts val="601"/>
-              </a:spcBef>
-              <a:buClr>
-                <a:srgbClr val="000000"/>
-              </a:buClr>
-              <a:buFont typeface="+mj-lt"/>
-              <a:buAutoNum type="arabicPeriod"/>
-            </a:pPr>
-            <a:endParaRPr lang="de-DE" sz="2400" b="0" strike="noStrike" spc="-1" dirty="0">
-              <a:latin typeface="Arial"/>
-            </a:endParaRPr>
-          </a:p>
-          <a:p>
-            <a:pPr marL="457920" indent="-457200">
-              <a:lnSpc>
-                <a:spcPct val="100000"/>
-              </a:lnSpc>
-              <a:spcBef>
-                <a:spcPts val="601"/>
-              </a:spcBef>
-              <a:buClr>
-                <a:srgbClr val="000000"/>
-              </a:buClr>
-              <a:buFont typeface="+mj-lt"/>
-              <a:buAutoNum type="arabicPeriod"/>
-            </a:pPr>
-            <a:r>
-              <a:rPr lang="de-DE" sz="2400" b="0" strike="noStrike" spc="-1" dirty="0">
-                <a:solidFill>
-                  <a:srgbClr val="000000"/>
-                </a:solidFill>
-                <a:latin typeface="Frutiger LT Com 45 Light"/>
-                <a:ea typeface="DejaVu Sans"/>
-              </a:rPr>
-              <a:t>Wie kann ein medizinisches Fachvokabular über depressive Erkrankungen automatisiert in eine maschinenlesbare Form überführt werden?</a:t>
-            </a:r>
-            <a:endParaRPr lang="de-DE" sz="2400" b="0" strike="noStrike" spc="-1" dirty="0">
-              <a:latin typeface="Arial"/>
-            </a:endParaRPr>
-          </a:p>
-          <a:p>
-            <a:pPr marL="457920" indent="-457200">
-              <a:lnSpc>
-                <a:spcPct val="100000"/>
-              </a:lnSpc>
-              <a:spcBef>
-                <a:spcPts val="601"/>
-              </a:spcBef>
-              <a:buClr>
-                <a:srgbClr val="000000"/>
-              </a:buClr>
-              <a:buFont typeface="+mj-lt"/>
-              <a:buAutoNum type="arabicPeriod"/>
-            </a:pPr>
-            <a:endParaRPr lang="de-DE" sz="2400" b="0" strike="noStrike" spc="-1" dirty="0">
-              <a:latin typeface="Arial"/>
-            </a:endParaRPr>
-          </a:p>
-          <a:p>
-            <a:pPr marL="457920" indent="-457200">
-              <a:lnSpc>
-                <a:spcPct val="100000"/>
-              </a:lnSpc>
-              <a:spcBef>
-                <a:spcPts val="601"/>
-              </a:spcBef>
-              <a:buClr>
-                <a:srgbClr val="000000"/>
-              </a:buClr>
-              <a:buFont typeface="+mj-lt"/>
-              <a:buAutoNum type="arabicPeriod"/>
-            </a:pPr>
-            <a:r>
-              <a:rPr lang="de-DE" sz="2400" b="0" strike="noStrike" spc="-1" dirty="0">
-                <a:solidFill>
-                  <a:srgbClr val="000000"/>
-                </a:solidFill>
-                <a:latin typeface="Frutiger LT Com 45 Light"/>
-                <a:ea typeface="DejaVu Sans"/>
-              </a:rPr>
-              <a:t>Wie kann eine Wissensrepräsentation über einen gegebenen Text maschinenlesbar erstellt werden?</a:t>
-            </a:r>
-            <a:endParaRPr lang="de-DE" sz="2400" b="0" strike="noStrike" spc="-1" dirty="0">
-              <a:latin typeface="Arial"/>
-            </a:endParaRPr>
-          </a:p>
-        </p:txBody>
-      </p:sp>
     </p:spTree>
+    <p:extLst>
+      <p:ext uri="{BB962C8B-B14F-4D97-AF65-F5344CB8AC3E}">
+        <p14:creationId xmlns:p14="http://schemas.microsoft.com/office/powerpoint/2010/main" val="2551442199"/>
+      </p:ext>
+    </p:extLst>
   </p:cSld>
   <p:clrMapOvr>
     <a:masterClrMapping/>
@@ -29974,7 +30475,7 @@
       </p:grpSpPr>
       <p:sp>
         <p:nvSpPr>
-          <p:cNvPr id="433" name="CustomShape 1"/>
+          <p:cNvPr id="428" name="CustomShape 1"/>
           <p:cNvSpPr/>
           <p:nvPr/>
         </p:nvSpPr>
@@ -30032,7 +30533,7 @@
       </p:sp>
       <p:sp>
         <p:nvSpPr>
-          <p:cNvPr id="434" name="CustomShape 2"/>
+          <p:cNvPr id="429" name="CustomShape 2"/>
           <p:cNvSpPr/>
           <p:nvPr/>
         </p:nvSpPr>
@@ -30072,7 +30573,7 @@
                 <a:spcPct val="100000"/>
               </a:lnSpc>
             </a:pPr>
-            <a:fld id="{C3272417-2D86-4F30-A736-82AE346E8B38}" type="slidenum">
+            <a:fld id="{87AE8C14-16A0-4F6B-9835-0C50F4A7C454}" type="slidenum">
               <a:rPr lang="de-DE" sz="900" b="1" strike="noStrike" spc="-1">
                 <a:solidFill>
                   <a:srgbClr val="5073A5"/>
@@ -30090,7 +30591,7 @@
       </p:sp>
       <p:sp>
         <p:nvSpPr>
-          <p:cNvPr id="435" name="CustomShape 3"/>
+          <p:cNvPr id="430" name="CustomShape 3"/>
           <p:cNvSpPr/>
           <p:nvPr/>
         </p:nvSpPr>
@@ -30131,51 +30632,39 @@
               </a:lnSpc>
             </a:pPr>
             <a:r>
-              <a:rPr lang="de-DE" sz="2200" b="1" strike="noStrike" spc="-1">
+              <a:rPr lang="de-DE" sz="2200" b="1" strike="noStrike" spc="-1" dirty="0">
                 <a:solidFill>
                   <a:srgbClr val="5073A5"/>
                 </a:solidFill>
                 <a:latin typeface="Frutiger LT Com 45 Light"/>
                 <a:ea typeface="DejaVu Sans"/>
               </a:rPr>
-              <a:t>Konkrete Zielsetzung: Krankheiten und Symptome</a:t>
-            </a:r>
-            <a:endParaRPr lang="de-DE" sz="2200" b="0" strike="noStrike" spc="-1">
-              <a:latin typeface="Arial"/>
-            </a:endParaRPr>
-          </a:p>
-        </p:txBody>
-      </p:sp>
-      <p:sp>
-        <p:nvSpPr>
-          <p:cNvPr id="436" name="CustomShape 4"/>
+              <a:t>Forschungsfragen</a:t>
+            </a:r>
+            <a:endParaRPr lang="de-DE" sz="2200" b="0" strike="noStrike" spc="-1" dirty="0">
+              <a:latin typeface="Arial"/>
+            </a:endParaRPr>
+          </a:p>
+        </p:txBody>
+      </p:sp>
+      <p:sp>
+        <p:nvSpPr>
+          <p:cNvPr id="431" name="CustomShape 4"/>
           <p:cNvSpPr/>
           <p:nvPr/>
         </p:nvSpPr>
         <p:spPr>
           <a:xfrm>
-            <a:off x="1679433" y="1166607"/>
-            <a:ext cx="8525694" cy="3599532"/>
-          </a:xfrm>
-          <a:prstGeom prst="rect">
-            <a:avLst/>
-          </a:prstGeom>
-          <a:solidFill>
-            <a:schemeClr val="bg1"/>
-          </a:solidFill>
+            <a:off x="360360" y="4860000"/>
+            <a:ext cx="9539640" cy="1658160"/>
+          </a:xfrm>
+          <a:prstGeom prst="rect">
+            <a:avLst/>
+          </a:prstGeom>
+          <a:noFill/>
           <a:ln w="0">
-            <a:solidFill>
-              <a:schemeClr val="tx1"/>
-            </a:solidFill>
-            <a:prstDash val="sysDash"/>
+            <a:noFill/>
           </a:ln>
-          <a:effectLst>
-            <a:outerShdw blurRad="50800" dist="37674" dir="2700000" algn="tl" rotWithShape="0">
-              <a:srgbClr val="000000">
-                <a:alpha val="40000"/>
-              </a:srgbClr>
-            </a:outerShdw>
-          </a:effectLst>
         </p:spPr>
         <p:style>
           <a:lnRef idx="0">
@@ -30189,594 +30678,160 @@
           </a:effectRef>
           <a:fontRef idx="minor"/>
         </p:style>
-        <p:txBody>
-          <a:bodyPr wrap="square" lIns="90000" tIns="45000" rIns="90000" bIns="45000">
+      </p:sp>
+      <p:sp>
+        <p:nvSpPr>
+          <p:cNvPr id="432" name="CustomShape 5"/>
+          <p:cNvSpPr/>
+          <p:nvPr/>
+        </p:nvSpPr>
+        <p:spPr>
+          <a:xfrm>
+            <a:off x="1631520" y="1489772"/>
+            <a:ext cx="9196560" cy="4052520"/>
+          </a:xfrm>
+          <a:prstGeom prst="rect">
+            <a:avLst/>
+          </a:prstGeom>
+          <a:noFill/>
+          <a:ln w="0">
+            <a:noFill/>
+          </a:ln>
+        </p:spPr>
+        <p:style>
+          <a:lnRef idx="0">
+            <a:scrgbClr r="0" g="0" b="0"/>
+          </a:lnRef>
+          <a:fillRef idx="0">
+            <a:scrgbClr r="0" g="0" b="0"/>
+          </a:fillRef>
+          <a:effectRef idx="0">
+            <a:scrgbClr r="0" g="0" b="0"/>
+          </a:effectRef>
+          <a:fontRef idx="minor"/>
+        </p:style>
+        <p:txBody>
+          <a:bodyPr lIns="90000" tIns="45000" rIns="90000" bIns="45000">
             <a:spAutoFit/>
           </a:bodyPr>
           <a:lstStyle/>
           <a:p>
-            <a:pPr>
+            <a:pPr marL="457920" indent="-457200">
               <a:lnSpc>
                 <a:spcPct val="100000"/>
               </a:lnSpc>
+              <a:spcBef>
+                <a:spcPts val="601"/>
+              </a:spcBef>
+              <a:buClr>
+                <a:srgbClr val="000000"/>
+              </a:buClr>
+              <a:buFont typeface="+mj-lt"/>
+              <a:buAutoNum type="arabicPeriod"/>
             </a:pPr>
             <a:r>
-              <a:rPr lang="en-US" sz="1200" b="0" strike="noStrike" spc="-1" dirty="0">
+              <a:rPr lang="de-DE" sz="2400" b="0" strike="noStrike" spc="-1" dirty="0">
                 <a:solidFill>
-                  <a:schemeClr val="bg1">
-                    <a:lumMod val="65000"/>
-                  </a:schemeClr>
+                  <a:srgbClr val="000000"/>
                 </a:solidFill>
-                <a:latin typeface="Arial"/>
+                <a:latin typeface="Frutiger LT Com 45 Light"/>
                 <a:ea typeface="DejaVu Sans"/>
               </a:rPr>
-              <a:t>Symptoms - Clinical depression</a:t>
-            </a:r>
-            <a:endParaRPr lang="de-DE" sz="1200" b="0" strike="noStrike" spc="-1" dirty="0">
-              <a:solidFill>
-                <a:schemeClr val="bg1">
-                  <a:lumMod val="65000"/>
-                </a:schemeClr>
-              </a:solidFill>
-              <a:latin typeface="Arial"/>
-            </a:endParaRPr>
-          </a:p>
-          <a:p>
-            <a:pPr>
+              <a:t>Wie kann ein medizinischer Text vorverarbeitet werden, so dass relevante Aussagen (Überschriften, Aufzählungen, Leerzeilen und Dialoge) automatisch erkannt werden?</a:t>
+            </a:r>
+            <a:endParaRPr lang="de-DE" sz="2400" b="0" strike="noStrike" spc="-1" dirty="0">
+              <a:latin typeface="Arial"/>
+            </a:endParaRPr>
+          </a:p>
+          <a:p>
+            <a:pPr marL="457920" indent="-457200">
               <a:lnSpc>
                 <a:spcPct val="100000"/>
               </a:lnSpc>
+              <a:spcBef>
+                <a:spcPts val="601"/>
+              </a:spcBef>
+              <a:buClr>
+                <a:srgbClr val="000000"/>
+              </a:buClr>
+              <a:buFont typeface="+mj-lt"/>
+              <a:buAutoNum type="arabicPeriod"/>
             </a:pPr>
-            <a:endParaRPr lang="de-DE" sz="1200" b="0" strike="noStrike" spc="-1" dirty="0">
-              <a:solidFill>
-                <a:schemeClr val="bg1">
-                  <a:lumMod val="65000"/>
-                </a:schemeClr>
-              </a:solidFill>
-              <a:latin typeface="Arial"/>
-            </a:endParaRPr>
-          </a:p>
-          <a:p>
-            <a:pPr>
+            <a:endParaRPr lang="de-DE" sz="2400" b="0" strike="noStrike" spc="-1" dirty="0">
+              <a:latin typeface="Arial"/>
+            </a:endParaRPr>
+          </a:p>
+          <a:p>
+            <a:pPr marL="457920" indent="-457200">
               <a:lnSpc>
                 <a:spcPct val="100000"/>
               </a:lnSpc>
+              <a:spcBef>
+                <a:spcPts val="601"/>
+              </a:spcBef>
+              <a:buClr>
+                <a:srgbClr val="000000"/>
+              </a:buClr>
+              <a:buFont typeface="+mj-lt"/>
+              <a:buAutoNum type="arabicPeriod"/>
             </a:pPr>
             <a:r>
-              <a:rPr lang="en-US" sz="1200" b="0" strike="noStrike" spc="-1" dirty="0">
+              <a:rPr lang="de-DE" sz="2400" b="0" strike="noStrike" spc="-1" dirty="0">
                 <a:solidFill>
-                  <a:schemeClr val="bg1">
-                    <a:lumMod val="65000"/>
-                  </a:schemeClr>
+                  <a:srgbClr val="000000"/>
                 </a:solidFill>
-                <a:latin typeface="Arial"/>
+                <a:latin typeface="Frutiger LT Com 45 Light"/>
                 <a:ea typeface="DejaVu Sans"/>
               </a:rPr>
-              <a:t>The symptoms of depression can be complex and vary widely between people. If you're depressed, you may feel sad, hopeless and lose interest in things you used to enjoy. The symptoms persist for weeks or months and are bad enough to interfere with your work, social life and family life. There are many other symptoms of this disease and you're unlikely to have all of those listed on this page.</a:t>
-            </a:r>
-            <a:endParaRPr lang="de-DE" sz="1200" b="0" strike="noStrike" spc="-1" dirty="0">
-              <a:solidFill>
-                <a:schemeClr val="bg1">
-                  <a:lumMod val="65000"/>
-                </a:schemeClr>
-              </a:solidFill>
-              <a:latin typeface="Arial"/>
-            </a:endParaRPr>
-          </a:p>
-          <a:p>
-            <a:pPr>
+              <a:t>Wie kann ein medizinisches Fachvokabular über depressive Erkrankungen automatisiert in eine maschinenlesbare Form überführt werden?</a:t>
+            </a:r>
+            <a:endParaRPr lang="de-DE" sz="2400" b="0" strike="noStrike" spc="-1" dirty="0">
+              <a:latin typeface="Arial"/>
+            </a:endParaRPr>
+          </a:p>
+          <a:p>
+            <a:pPr marL="457920" indent="-457200">
               <a:lnSpc>
                 <a:spcPct val="100000"/>
               </a:lnSpc>
+              <a:spcBef>
+                <a:spcPts val="601"/>
+              </a:spcBef>
+              <a:buClr>
+                <a:srgbClr val="000000"/>
+              </a:buClr>
+              <a:buFont typeface="+mj-lt"/>
+              <a:buAutoNum type="arabicPeriod"/>
             </a:pPr>
-            <a:endParaRPr lang="de-DE" sz="1200" b="0" strike="noStrike" spc="-1" dirty="0">
-              <a:solidFill>
-                <a:schemeClr val="bg1">
-                  <a:lumMod val="65000"/>
-                </a:schemeClr>
-              </a:solidFill>
-              <a:latin typeface="Arial"/>
-            </a:endParaRPr>
-          </a:p>
-          <a:p>
-            <a:pPr>
+            <a:endParaRPr lang="de-DE" sz="2400" b="0" strike="noStrike" spc="-1" dirty="0">
+              <a:latin typeface="Arial"/>
+            </a:endParaRPr>
+          </a:p>
+          <a:p>
+            <a:pPr marL="457920" indent="-457200">
               <a:lnSpc>
                 <a:spcPct val="100000"/>
               </a:lnSpc>
+              <a:spcBef>
+                <a:spcPts val="601"/>
+              </a:spcBef>
+              <a:buClr>
+                <a:srgbClr val="000000"/>
+              </a:buClr>
+              <a:buFont typeface="+mj-lt"/>
+              <a:buAutoNum type="arabicPeriod"/>
             </a:pPr>
             <a:r>
-              <a:rPr lang="en-US" sz="1200" b="0" strike="noStrike" spc="-1" dirty="0">
+              <a:rPr lang="de-DE" sz="2400" b="0" strike="noStrike" spc="-1" dirty="0">
                 <a:solidFill>
-                  <a:schemeClr val="bg1">
-                    <a:lumMod val="65000"/>
-                  </a:schemeClr>
-                </a:solidFill>
-                <a:latin typeface="Arial"/>
-                <a:ea typeface="DejaVu Sans"/>
-              </a:rPr>
-              <a:t>Psychological symptoms</a:t>
-            </a:r>
-            <a:endParaRPr lang="de-DE" sz="1200" b="0" strike="noStrike" spc="-1" dirty="0">
-              <a:solidFill>
-                <a:schemeClr val="bg1">
-                  <a:lumMod val="65000"/>
-                </a:schemeClr>
-              </a:solidFill>
-              <a:latin typeface="Arial"/>
-            </a:endParaRPr>
-          </a:p>
-          <a:p>
-            <a:pPr>
-              <a:lnSpc>
-                <a:spcPct val="100000"/>
-              </a:lnSpc>
-            </a:pPr>
-            <a:endParaRPr lang="de-DE" sz="1200" b="0" strike="noStrike" spc="-1" dirty="0">
-              <a:solidFill>
-                <a:schemeClr val="bg1">
-                  <a:lumMod val="65000"/>
-                </a:schemeClr>
-              </a:solidFill>
-              <a:latin typeface="Arial"/>
-            </a:endParaRPr>
-          </a:p>
-          <a:p>
-            <a:pPr>
-              <a:lnSpc>
-                <a:spcPct val="100000"/>
-              </a:lnSpc>
-            </a:pPr>
-            <a:r>
-              <a:rPr lang="en-US" b="0" strike="noStrike" spc="-1" dirty="0">
-                <a:solidFill>
-                  <a:srgbClr val="FF0000"/>
-                </a:solidFill>
-                <a:latin typeface="Arial"/>
-                <a:ea typeface="DejaVu Sans"/>
-              </a:rPr>
-              <a:t>The psychological symptoms of depression include:</a:t>
-            </a:r>
-            <a:endParaRPr lang="de-DE" b="0" strike="noStrike" spc="-1" dirty="0">
-              <a:solidFill>
-                <a:srgbClr val="FF0000"/>
-              </a:solidFill>
-              <a:latin typeface="Arial"/>
-            </a:endParaRPr>
-          </a:p>
-          <a:p>
-            <a:pPr>
-              <a:lnSpc>
-                <a:spcPct val="100000"/>
-              </a:lnSpc>
-            </a:pPr>
-            <a:r>
-              <a:rPr lang="en-US" b="0" strike="noStrike" spc="-1" dirty="0">
-                <a:solidFill>
-                  <a:srgbClr val="FF0000"/>
-                </a:solidFill>
-                <a:latin typeface="Arial"/>
-                <a:ea typeface="DejaVu Sans"/>
-              </a:rPr>
-              <a:t>- continuous low mood or sadness</a:t>
-            </a:r>
-            <a:endParaRPr lang="de-DE" b="0" strike="noStrike" spc="-1" dirty="0">
-              <a:solidFill>
-                <a:srgbClr val="FF0000"/>
-              </a:solidFill>
-              <a:latin typeface="Arial"/>
-            </a:endParaRPr>
-          </a:p>
-          <a:p>
-            <a:pPr>
-              <a:lnSpc>
-                <a:spcPct val="100000"/>
-              </a:lnSpc>
-            </a:pPr>
-            <a:r>
-              <a:rPr lang="en-US" sz="1200" b="0" strike="noStrike" spc="-1" dirty="0">
-                <a:solidFill>
-                  <a:schemeClr val="bg1">
-                    <a:lumMod val="65000"/>
-                  </a:schemeClr>
-                </a:solidFill>
-                <a:latin typeface="Arial"/>
-                <a:ea typeface="DejaVu Sans"/>
-              </a:rPr>
-              <a:t>- feeling hopeless and helpless</a:t>
-            </a:r>
-            <a:endParaRPr lang="de-DE" sz="1200" b="0" strike="noStrike" spc="-1" dirty="0">
-              <a:solidFill>
-                <a:schemeClr val="bg1">
-                  <a:lumMod val="65000"/>
-                </a:schemeClr>
-              </a:solidFill>
-              <a:latin typeface="Arial"/>
-            </a:endParaRPr>
-          </a:p>
-          <a:p>
-            <a:pPr>
-              <a:lnSpc>
-                <a:spcPct val="100000"/>
-              </a:lnSpc>
-            </a:pPr>
-            <a:r>
-              <a:rPr lang="en-US" sz="1200" b="0" strike="noStrike" spc="-1" dirty="0">
-                <a:solidFill>
-                  <a:schemeClr val="bg1">
-                    <a:lumMod val="65000"/>
-                  </a:schemeClr>
-                </a:solidFill>
-                <a:latin typeface="Arial"/>
-                <a:ea typeface="DejaVu Sans"/>
-              </a:rPr>
-              <a:t>- having low self-esteem</a:t>
-            </a:r>
-            <a:endParaRPr lang="de-DE" sz="1200" b="0" strike="noStrike" spc="-1" dirty="0">
-              <a:solidFill>
-                <a:schemeClr val="bg1">
-                  <a:lumMod val="65000"/>
-                </a:schemeClr>
-              </a:solidFill>
-              <a:latin typeface="Arial"/>
-            </a:endParaRPr>
-          </a:p>
-          <a:p>
-            <a:pPr>
-              <a:lnSpc>
-                <a:spcPct val="100000"/>
-              </a:lnSpc>
-            </a:pPr>
-            <a:r>
-              <a:rPr lang="en-US" sz="1200" b="0" strike="noStrike" spc="-1" dirty="0">
-                <a:solidFill>
-                  <a:schemeClr val="bg1">
-                    <a:lumMod val="65000"/>
-                  </a:schemeClr>
-                </a:solidFill>
-                <a:latin typeface="Arial"/>
-                <a:ea typeface="DejaVu Sans"/>
-              </a:rPr>
-              <a:t>- feeling tearful</a:t>
-            </a:r>
-            <a:endParaRPr lang="de-DE" sz="1200" b="0" strike="noStrike" spc="-1" dirty="0">
-              <a:solidFill>
-                <a:schemeClr val="bg1">
-                  <a:lumMod val="65000"/>
-                </a:schemeClr>
-              </a:solidFill>
-              <a:latin typeface="Arial"/>
-            </a:endParaRPr>
-          </a:p>
-          <a:p>
-            <a:pPr>
-              <a:lnSpc>
-                <a:spcPct val="100000"/>
-              </a:lnSpc>
-            </a:pPr>
-            <a:r>
-              <a:rPr lang="en-US" sz="1200" b="0" strike="noStrike" spc="-1" dirty="0">
-                <a:solidFill>
-                  <a:schemeClr val="bg1">
-                    <a:lumMod val="65000"/>
-                  </a:schemeClr>
-                </a:solidFill>
-                <a:latin typeface="Arial"/>
-                <a:ea typeface="DejaVu Sans"/>
-              </a:rPr>
-              <a:t>- feeling guilt-ridden</a:t>
-            </a:r>
-            <a:endParaRPr lang="de-DE" sz="1200" b="0" strike="noStrike" spc="-1" dirty="0">
-              <a:solidFill>
-                <a:schemeClr val="bg1">
-                  <a:lumMod val="65000"/>
-                </a:schemeClr>
-              </a:solidFill>
-              <a:latin typeface="Arial"/>
-            </a:endParaRPr>
-          </a:p>
-          <a:p>
-            <a:pPr>
-              <a:lnSpc>
-                <a:spcPct val="100000"/>
-              </a:lnSpc>
-            </a:pPr>
-            <a:r>
-              <a:rPr lang="en-US" sz="1200" b="0" strike="noStrike" spc="-1" dirty="0">
-                <a:solidFill>
-                  <a:schemeClr val="bg1">
-                    <a:lumMod val="65000"/>
-                  </a:schemeClr>
-                </a:solidFill>
-                <a:latin typeface="Arial"/>
-                <a:ea typeface="DejaVu Sans"/>
-              </a:rPr>
-              <a:t>- feeling irritable and intolerant of others</a:t>
-            </a:r>
-            <a:endParaRPr lang="de-DE" sz="1200" b="0" strike="noStrike" spc="-1" dirty="0">
-              <a:solidFill>
-                <a:schemeClr val="bg1">
-                  <a:lumMod val="65000"/>
-                </a:schemeClr>
-              </a:solidFill>
-              <a:latin typeface="Arial"/>
-            </a:endParaRPr>
-          </a:p>
-          <a:p>
-            <a:pPr>
-              <a:lnSpc>
-                <a:spcPct val="100000"/>
-              </a:lnSpc>
-            </a:pPr>
-            <a:r>
-              <a:rPr lang="en-US" sz="1200" b="0" strike="noStrike" spc="-1" dirty="0">
-                <a:solidFill>
-                  <a:schemeClr val="bg1">
-                    <a:lumMod val="65000"/>
-                  </a:schemeClr>
-                </a:solidFill>
-                <a:latin typeface="Arial"/>
-                <a:ea typeface="DejaVu Sans"/>
-              </a:rPr>
-              <a:t>- having no motivation or interest in things</a:t>
-            </a:r>
-            <a:endParaRPr lang="de-DE" sz="1200" b="0" strike="noStrike" spc="-1" dirty="0">
-              <a:solidFill>
-                <a:schemeClr val="bg1">
-                  <a:lumMod val="65000"/>
-                </a:schemeClr>
-              </a:solidFill>
-              <a:latin typeface="Arial"/>
-            </a:endParaRPr>
-          </a:p>
-          <a:p>
-            <a:pPr>
-              <a:lnSpc>
-                <a:spcPct val="100000"/>
-              </a:lnSpc>
-            </a:pPr>
-            <a:r>
-              <a:rPr lang="en-US" sz="1200" b="0" strike="noStrike" spc="-1" dirty="0">
-                <a:solidFill>
-                  <a:schemeClr val="bg1">
-                    <a:lumMod val="65000"/>
-                  </a:schemeClr>
-                </a:solidFill>
-                <a:latin typeface="Arial"/>
-                <a:ea typeface="DejaVu Sans"/>
-              </a:rPr>
-              <a:t>- finding it difficult to make decisions</a:t>
-            </a:r>
-            <a:endParaRPr lang="de-DE" sz="1200" b="0" strike="noStrike" spc="-1" dirty="0">
-              <a:solidFill>
-                <a:schemeClr val="bg1">
-                  <a:lumMod val="65000"/>
-                </a:schemeClr>
-              </a:solidFill>
-              <a:latin typeface="Arial"/>
-            </a:endParaRPr>
-          </a:p>
-        </p:txBody>
-      </p:sp>
-      <p:pic>
-        <p:nvPicPr>
-          <p:cNvPr id="437" name="Grafik 3"/>
-          <p:cNvPicPr>
-            <a:picLocks noChangeAspect="1"/>
-          </p:cNvPicPr>
-          <p:nvPr/>
-        </p:nvPicPr>
-        <p:blipFill rotWithShape="1">
-          <a:blip r:embed="rId2"/>
-          <a:srcRect b="87360"/>
-          <a:stretch/>
-        </p:blipFill>
-        <p:spPr>
-          <a:xfrm>
-            <a:off x="1893624" y="5128377"/>
-            <a:ext cx="9513059" cy="660960"/>
-          </a:xfrm>
-          <a:prstGeom prst="rect">
-            <a:avLst/>
-          </a:prstGeom>
-          <a:ln w="0">
-            <a:noFill/>
-          </a:ln>
-        </p:spPr>
-      </p:pic>
-      <p:sp>
-        <p:nvSpPr>
-          <p:cNvPr id="438" name="CustomShape 5"/>
-          <p:cNvSpPr/>
-          <p:nvPr/>
-        </p:nvSpPr>
-        <p:spPr>
-          <a:xfrm rot="5400000">
-            <a:off x="5724759" y="4701789"/>
-            <a:ext cx="435042" cy="307440"/>
-          </a:xfrm>
-          <a:prstGeom prst="rightArrow">
-            <a:avLst>
-              <a:gd name="adj1" fmla="val 50000"/>
-              <a:gd name="adj2" fmla="val 50000"/>
-            </a:avLst>
-          </a:prstGeom>
-          <a:solidFill>
-            <a:srgbClr val="993333"/>
-          </a:solidFill>
-          <a:ln>
-            <a:solidFill>
-              <a:srgbClr val="712525"/>
-            </a:solidFill>
-          </a:ln>
-        </p:spPr>
-        <p:style>
-          <a:lnRef idx="2">
-            <a:schemeClr val="accent4">
-              <a:shade val="50000"/>
-            </a:schemeClr>
-          </a:lnRef>
-          <a:fillRef idx="1">
-            <a:schemeClr val="accent4"/>
-          </a:fillRef>
-          <a:effectRef idx="0">
-            <a:schemeClr val="accent4"/>
-          </a:effectRef>
-          <a:fontRef idx="minor"/>
-        </p:style>
-      </p:sp>
-      <p:sp>
-        <p:nvSpPr>
-          <p:cNvPr id="439" name="CustomShape 6"/>
-          <p:cNvSpPr/>
-          <p:nvPr/>
-        </p:nvSpPr>
-        <p:spPr>
-          <a:xfrm>
-            <a:off x="9896220" y="1076679"/>
-            <a:ext cx="456840" cy="242280"/>
-          </a:xfrm>
-          <a:prstGeom prst="rect">
-            <a:avLst/>
-          </a:prstGeom>
-          <a:solidFill>
-            <a:schemeClr val="accent1">
-              <a:lumMod val="60000"/>
-              <a:lumOff val="40000"/>
-            </a:schemeClr>
-          </a:solidFill>
-          <a:ln w="0">
-            <a:noFill/>
-          </a:ln>
-        </p:spPr>
-        <p:style>
-          <a:lnRef idx="0">
-            <a:scrgbClr r="0" g="0" b="0"/>
-          </a:lnRef>
-          <a:fillRef idx="0">
-            <a:scrgbClr r="0" g="0" b="0"/>
-          </a:fillRef>
-          <a:effectRef idx="0">
-            <a:scrgbClr r="0" g="0" b="0"/>
-          </a:effectRef>
-          <a:fontRef idx="minor"/>
-        </p:style>
-        <p:txBody>
-          <a:bodyPr wrap="none" lIns="90000" tIns="45000" rIns="90000" bIns="45000">
-            <a:spAutoFit/>
-          </a:bodyPr>
-          <a:lstStyle/>
-          <a:p>
-            <a:pPr>
-              <a:lnSpc>
-                <a:spcPct val="100000"/>
-              </a:lnSpc>
-            </a:pPr>
-            <a:r>
-              <a:rPr lang="de-DE" sz="1000" b="0" strike="noStrike" spc="-1" dirty="0">
-                <a:solidFill>
-                  <a:srgbClr val="FFFFFF"/>
+                  <a:srgbClr val="000000"/>
                 </a:solidFill>
                 <a:latin typeface="Frutiger LT Com 45 Light"/>
                 <a:ea typeface="DejaVu Sans"/>
               </a:rPr>
-              <a:t>TEXT</a:t>
-            </a:r>
-            <a:endParaRPr lang="de-DE" sz="1000" b="0" strike="noStrike" spc="-1" dirty="0">
-              <a:latin typeface="Arial"/>
-            </a:endParaRPr>
-          </a:p>
-        </p:txBody>
-      </p:sp>
-      <p:pic>
-        <p:nvPicPr>
-          <p:cNvPr id="2" name="Grafik 3">
-            <a:extLst>
-              <a:ext uri="{FF2B5EF4-FFF2-40B4-BE49-F238E27FC236}">
-                <a16:creationId xmlns:a16="http://schemas.microsoft.com/office/drawing/2014/main" id="{B9FCAF0D-32EC-7B1A-CE12-AB9AEB9220A1}"/>
-              </a:ext>
-            </a:extLst>
-          </p:cNvPr>
-          <p:cNvPicPr>
-            <a:picLocks noChangeAspect="1"/>
-          </p:cNvPicPr>
-          <p:nvPr/>
-        </p:nvPicPr>
-        <p:blipFill rotWithShape="1">
-          <a:blip r:embed="rId2"/>
-          <a:srcRect t="91345" b="2319"/>
-          <a:stretch/>
-        </p:blipFill>
-        <p:spPr>
-          <a:xfrm>
-            <a:off x="1893623" y="5819388"/>
-            <a:ext cx="9513059" cy="331353"/>
-          </a:xfrm>
-          <a:prstGeom prst="rect">
-            <a:avLst/>
-          </a:prstGeom>
-          <a:ln w="0">
-            <a:noFill/>
-          </a:ln>
-        </p:spPr>
-      </p:pic>
-      <p:sp>
-        <p:nvSpPr>
-          <p:cNvPr id="440" name="CustomShape 7"/>
-          <p:cNvSpPr/>
-          <p:nvPr/>
-        </p:nvSpPr>
-        <p:spPr>
-          <a:xfrm>
-            <a:off x="7984980" y="5924950"/>
-            <a:ext cx="2368080" cy="242280"/>
-          </a:xfrm>
-          <a:prstGeom prst="rect">
-            <a:avLst/>
-          </a:prstGeom>
-          <a:solidFill>
-            <a:schemeClr val="accent1">
-              <a:lumMod val="60000"/>
-              <a:lumOff val="40000"/>
-            </a:schemeClr>
-          </a:solidFill>
-          <a:ln w="0">
-            <a:noFill/>
-          </a:ln>
-        </p:spPr>
-        <p:style>
-          <a:lnRef idx="0">
-            <a:scrgbClr r="0" g="0" b="0"/>
-          </a:lnRef>
-          <a:fillRef idx="0">
-            <a:scrgbClr r="0" g="0" b="0"/>
-          </a:fillRef>
-          <a:effectRef idx="0">
-            <a:scrgbClr r="0" g="0" b="0"/>
-          </a:effectRef>
-          <a:fontRef idx="minor"/>
-        </p:style>
-        <p:txBody>
-          <a:bodyPr wrap="none" lIns="90000" tIns="45000" rIns="90000" bIns="45000">
-            <a:spAutoFit/>
-          </a:bodyPr>
-          <a:lstStyle/>
-          <a:p>
-            <a:pPr>
-              <a:lnSpc>
-                <a:spcPct val="100000"/>
-              </a:lnSpc>
-            </a:pPr>
-            <a:r>
-              <a:rPr lang="de-DE" sz="1000" b="0" strike="noStrike" spc="-1" dirty="0">
-                <a:solidFill>
-                  <a:srgbClr val="FFFFFF"/>
-                </a:solidFill>
-                <a:latin typeface="Frutiger LT Com 45 Light"/>
-                <a:ea typeface="DejaVu Sans"/>
-              </a:rPr>
-              <a:t>Wissensrepräsentation im RDF Format</a:t>
-            </a:r>
-            <a:endParaRPr lang="de-DE" sz="1000" b="0" strike="noStrike" spc="-1" dirty="0">
+              <a:t>Wie kann eine Wissensrepräsentation über einen gegebenen Text maschinenlesbar erstellt werden?</a:t>
+            </a:r>
+            <a:endParaRPr lang="de-DE" sz="2400" b="0" strike="noStrike" spc="-1" dirty="0">
               <a:latin typeface="Arial"/>
             </a:endParaRPr>
           </a:p>
@@ -30809,6 +30864,841 @@
       </p:grpSpPr>
       <p:sp>
         <p:nvSpPr>
+          <p:cNvPr id="433" name="CustomShape 1"/>
+          <p:cNvSpPr/>
+          <p:nvPr/>
+        </p:nvSpPr>
+        <p:spPr>
+          <a:xfrm>
+            <a:off x="1631520" y="6426000"/>
+            <a:ext cx="7271640" cy="239760"/>
+          </a:xfrm>
+          <a:prstGeom prst="rect">
+            <a:avLst/>
+          </a:prstGeom>
+          <a:noFill/>
+          <a:ln w="0">
+            <a:noFill/>
+          </a:ln>
+        </p:spPr>
+        <p:style>
+          <a:lnRef idx="0">
+            <a:scrgbClr r="0" g="0" b="0"/>
+          </a:lnRef>
+          <a:fillRef idx="0">
+            <a:scrgbClr r="0" g="0" b="0"/>
+          </a:fillRef>
+          <a:effectRef idx="0">
+            <a:scrgbClr r="0" g="0" b="0"/>
+          </a:effectRef>
+          <a:fontRef idx="minor"/>
+        </p:style>
+        <p:txBody>
+          <a:bodyPr lIns="0" tIns="0" rIns="0" bIns="0">
+            <a:noAutofit/>
+          </a:bodyPr>
+          <a:lstStyle/>
+          <a:p>
+            <a:pPr>
+              <a:lnSpc>
+                <a:spcPct val="100000"/>
+              </a:lnSpc>
+            </a:pPr>
+            <a:r>
+              <a:rPr lang="en-US" sz="900" b="0" strike="noStrike" spc="-1">
+                <a:solidFill>
+                  <a:srgbClr val="5073A5"/>
+                </a:solidFill>
+                <a:latin typeface="Frutiger LT Com 45 Light"/>
+                <a:ea typeface="DejaVu Sans"/>
+              </a:rPr>
+              <a:t>Fußzeile</a:t>
+            </a:r>
+            <a:endParaRPr lang="de-DE" sz="900" b="0" strike="noStrike" spc="-1">
+              <a:latin typeface="Arial"/>
+            </a:endParaRPr>
+          </a:p>
+        </p:txBody>
+      </p:sp>
+      <p:sp>
+        <p:nvSpPr>
+          <p:cNvPr id="434" name="CustomShape 2"/>
+          <p:cNvSpPr/>
+          <p:nvPr/>
+        </p:nvSpPr>
+        <p:spPr>
+          <a:xfrm>
+            <a:off x="1055520" y="6426000"/>
+            <a:ext cx="552600" cy="239760"/>
+          </a:xfrm>
+          <a:prstGeom prst="rect">
+            <a:avLst/>
+          </a:prstGeom>
+          <a:noFill/>
+          <a:ln w="0">
+            <a:noFill/>
+          </a:ln>
+        </p:spPr>
+        <p:style>
+          <a:lnRef idx="0">
+            <a:scrgbClr r="0" g="0" b="0"/>
+          </a:lnRef>
+          <a:fillRef idx="0">
+            <a:scrgbClr r="0" g="0" b="0"/>
+          </a:fillRef>
+          <a:effectRef idx="0">
+            <a:scrgbClr r="0" g="0" b="0"/>
+          </a:effectRef>
+          <a:fontRef idx="minor"/>
+        </p:style>
+        <p:txBody>
+          <a:bodyPr lIns="0" tIns="0" rIns="0" bIns="0">
+            <a:noAutofit/>
+          </a:bodyPr>
+          <a:lstStyle/>
+          <a:p>
+            <a:pPr>
+              <a:lnSpc>
+                <a:spcPct val="100000"/>
+              </a:lnSpc>
+            </a:pPr>
+            <a:fld id="{C3272417-2D86-4F30-A736-82AE346E8B38}" type="slidenum">
+              <a:rPr lang="de-DE" sz="900" b="1" strike="noStrike" spc="-1">
+                <a:solidFill>
+                  <a:srgbClr val="5073A5"/>
+                </a:solidFill>
+                <a:latin typeface="Frutiger LT Com 45 Light"/>
+                <a:ea typeface="DejaVu Sans"/>
+              </a:rPr>
+              <a:t>7</a:t>
+            </a:fld>
+            <a:endParaRPr lang="de-DE" sz="900" b="0" strike="noStrike" spc="-1">
+              <a:latin typeface="Arial"/>
+            </a:endParaRPr>
+          </a:p>
+        </p:txBody>
+      </p:sp>
+      <p:sp>
+        <p:nvSpPr>
+          <p:cNvPr id="435" name="CustomShape 3"/>
+          <p:cNvSpPr/>
+          <p:nvPr/>
+        </p:nvSpPr>
+        <p:spPr>
+          <a:xfrm>
+            <a:off x="720000" y="260640"/>
+            <a:ext cx="8183160" cy="660960"/>
+          </a:xfrm>
+          <a:prstGeom prst="rect">
+            <a:avLst/>
+          </a:prstGeom>
+          <a:noFill/>
+          <a:ln w="0">
+            <a:noFill/>
+          </a:ln>
+        </p:spPr>
+        <p:style>
+          <a:lnRef idx="0">
+            <a:scrgbClr r="0" g="0" b="0"/>
+          </a:lnRef>
+          <a:fillRef idx="0">
+            <a:scrgbClr r="0" g="0" b="0"/>
+          </a:fillRef>
+          <a:effectRef idx="0">
+            <a:scrgbClr r="0" g="0" b="0"/>
+          </a:effectRef>
+          <a:fontRef idx="minor"/>
+        </p:style>
+        <p:txBody>
+          <a:bodyPr lIns="0" tIns="0" rIns="0" bIns="0" anchor="b">
+            <a:noAutofit/>
+          </a:bodyPr>
+          <a:lstStyle/>
+          <a:p>
+            <a:pPr>
+              <a:lnSpc>
+                <a:spcPct val="100000"/>
+              </a:lnSpc>
+            </a:pPr>
+            <a:r>
+              <a:rPr lang="de-DE" sz="2200" b="1" strike="noStrike" spc="-1">
+                <a:solidFill>
+                  <a:srgbClr val="5073A5"/>
+                </a:solidFill>
+                <a:latin typeface="Frutiger LT Com 45 Light"/>
+                <a:ea typeface="DejaVu Sans"/>
+              </a:rPr>
+              <a:t>Konkrete Zielsetzung: Krankheiten und Symptome</a:t>
+            </a:r>
+            <a:endParaRPr lang="de-DE" sz="2200" b="0" strike="noStrike" spc="-1">
+              <a:latin typeface="Arial"/>
+            </a:endParaRPr>
+          </a:p>
+        </p:txBody>
+      </p:sp>
+      <p:sp>
+        <p:nvSpPr>
+          <p:cNvPr id="436" name="CustomShape 4"/>
+          <p:cNvSpPr/>
+          <p:nvPr/>
+        </p:nvSpPr>
+        <p:spPr>
+          <a:xfrm>
+            <a:off x="1679433" y="1166607"/>
+            <a:ext cx="8525694" cy="3599532"/>
+          </a:xfrm>
+          <a:prstGeom prst="rect">
+            <a:avLst/>
+          </a:prstGeom>
+          <a:solidFill>
+            <a:schemeClr val="bg1"/>
+          </a:solidFill>
+          <a:ln w="0">
+            <a:solidFill>
+              <a:schemeClr val="tx1"/>
+            </a:solidFill>
+            <a:prstDash val="sysDash"/>
+          </a:ln>
+          <a:effectLst>
+            <a:outerShdw blurRad="50800" dist="37674" dir="2700000" algn="tl" rotWithShape="0">
+              <a:srgbClr val="000000">
+                <a:alpha val="40000"/>
+              </a:srgbClr>
+            </a:outerShdw>
+          </a:effectLst>
+        </p:spPr>
+        <p:style>
+          <a:lnRef idx="0">
+            <a:scrgbClr r="0" g="0" b="0"/>
+          </a:lnRef>
+          <a:fillRef idx="0">
+            <a:scrgbClr r="0" g="0" b="0"/>
+          </a:fillRef>
+          <a:effectRef idx="0">
+            <a:scrgbClr r="0" g="0" b="0"/>
+          </a:effectRef>
+          <a:fontRef idx="minor"/>
+        </p:style>
+        <p:txBody>
+          <a:bodyPr wrap="square" lIns="90000" tIns="45000" rIns="90000" bIns="45000">
+            <a:spAutoFit/>
+          </a:bodyPr>
+          <a:lstStyle/>
+          <a:p>
+            <a:pPr>
+              <a:lnSpc>
+                <a:spcPct val="100000"/>
+              </a:lnSpc>
+            </a:pPr>
+            <a:r>
+              <a:rPr lang="en-US" sz="1200" b="0" strike="noStrike" spc="-1" dirty="0">
+                <a:solidFill>
+                  <a:schemeClr val="bg1">
+                    <a:lumMod val="65000"/>
+                  </a:schemeClr>
+                </a:solidFill>
+                <a:latin typeface="Arial"/>
+                <a:ea typeface="DejaVu Sans"/>
+              </a:rPr>
+              <a:t>Symptoms - Clinical depression</a:t>
+            </a:r>
+            <a:endParaRPr lang="de-DE" sz="1200" b="0" strike="noStrike" spc="-1" dirty="0">
+              <a:solidFill>
+                <a:schemeClr val="bg1">
+                  <a:lumMod val="65000"/>
+                </a:schemeClr>
+              </a:solidFill>
+              <a:latin typeface="Arial"/>
+            </a:endParaRPr>
+          </a:p>
+          <a:p>
+            <a:pPr>
+              <a:lnSpc>
+                <a:spcPct val="100000"/>
+              </a:lnSpc>
+            </a:pPr>
+            <a:endParaRPr lang="de-DE" sz="1200" b="0" strike="noStrike" spc="-1" dirty="0">
+              <a:solidFill>
+                <a:schemeClr val="bg1">
+                  <a:lumMod val="65000"/>
+                </a:schemeClr>
+              </a:solidFill>
+              <a:latin typeface="Arial"/>
+            </a:endParaRPr>
+          </a:p>
+          <a:p>
+            <a:pPr>
+              <a:lnSpc>
+                <a:spcPct val="100000"/>
+              </a:lnSpc>
+            </a:pPr>
+            <a:r>
+              <a:rPr lang="en-US" sz="1200" b="0" strike="noStrike" spc="-1" dirty="0">
+                <a:solidFill>
+                  <a:schemeClr val="bg1">
+                    <a:lumMod val="65000"/>
+                  </a:schemeClr>
+                </a:solidFill>
+                <a:latin typeface="Arial"/>
+                <a:ea typeface="DejaVu Sans"/>
+              </a:rPr>
+              <a:t>The symptoms of depression can be complex and vary widely between people. If you're depressed, you may feel sad, hopeless and lose interest in things you used to enjoy. The symptoms persist for weeks or months and are bad enough to interfere with your work, social life and family life. There are many other symptoms of this disease and you're unlikely to have all of those listed on this page.</a:t>
+            </a:r>
+            <a:endParaRPr lang="de-DE" sz="1200" b="0" strike="noStrike" spc="-1" dirty="0">
+              <a:solidFill>
+                <a:schemeClr val="bg1">
+                  <a:lumMod val="65000"/>
+                </a:schemeClr>
+              </a:solidFill>
+              <a:latin typeface="Arial"/>
+            </a:endParaRPr>
+          </a:p>
+          <a:p>
+            <a:pPr>
+              <a:lnSpc>
+                <a:spcPct val="100000"/>
+              </a:lnSpc>
+            </a:pPr>
+            <a:endParaRPr lang="de-DE" sz="1200" b="0" strike="noStrike" spc="-1" dirty="0">
+              <a:solidFill>
+                <a:schemeClr val="bg1">
+                  <a:lumMod val="65000"/>
+                </a:schemeClr>
+              </a:solidFill>
+              <a:latin typeface="Arial"/>
+            </a:endParaRPr>
+          </a:p>
+          <a:p>
+            <a:pPr>
+              <a:lnSpc>
+                <a:spcPct val="100000"/>
+              </a:lnSpc>
+            </a:pPr>
+            <a:r>
+              <a:rPr lang="en-US" sz="1200" b="0" strike="noStrike" spc="-1" dirty="0">
+                <a:solidFill>
+                  <a:schemeClr val="bg1">
+                    <a:lumMod val="65000"/>
+                  </a:schemeClr>
+                </a:solidFill>
+                <a:latin typeface="Arial"/>
+                <a:ea typeface="DejaVu Sans"/>
+              </a:rPr>
+              <a:t>Psychological symptoms</a:t>
+            </a:r>
+            <a:endParaRPr lang="de-DE" sz="1200" b="0" strike="noStrike" spc="-1" dirty="0">
+              <a:solidFill>
+                <a:schemeClr val="bg1">
+                  <a:lumMod val="65000"/>
+                </a:schemeClr>
+              </a:solidFill>
+              <a:latin typeface="Arial"/>
+            </a:endParaRPr>
+          </a:p>
+          <a:p>
+            <a:pPr>
+              <a:lnSpc>
+                <a:spcPct val="100000"/>
+              </a:lnSpc>
+            </a:pPr>
+            <a:endParaRPr lang="de-DE" sz="1200" b="0" strike="noStrike" spc="-1" dirty="0">
+              <a:solidFill>
+                <a:schemeClr val="bg1">
+                  <a:lumMod val="65000"/>
+                </a:schemeClr>
+              </a:solidFill>
+              <a:latin typeface="Arial"/>
+            </a:endParaRPr>
+          </a:p>
+          <a:p>
+            <a:pPr>
+              <a:lnSpc>
+                <a:spcPct val="100000"/>
+              </a:lnSpc>
+            </a:pPr>
+            <a:r>
+              <a:rPr lang="en-US" b="0" strike="noStrike" spc="-1" dirty="0">
+                <a:solidFill>
+                  <a:srgbClr val="FF0000"/>
+                </a:solidFill>
+                <a:latin typeface="Arial"/>
+                <a:ea typeface="DejaVu Sans"/>
+              </a:rPr>
+              <a:t>The psychological symptoms of depression include:</a:t>
+            </a:r>
+            <a:endParaRPr lang="de-DE" b="0" strike="noStrike" spc="-1" dirty="0">
+              <a:solidFill>
+                <a:srgbClr val="FF0000"/>
+              </a:solidFill>
+              <a:latin typeface="Arial"/>
+            </a:endParaRPr>
+          </a:p>
+          <a:p>
+            <a:pPr>
+              <a:lnSpc>
+                <a:spcPct val="100000"/>
+              </a:lnSpc>
+            </a:pPr>
+            <a:r>
+              <a:rPr lang="en-US" b="0" strike="noStrike" spc="-1" dirty="0">
+                <a:solidFill>
+                  <a:srgbClr val="FF0000"/>
+                </a:solidFill>
+                <a:latin typeface="Arial"/>
+                <a:ea typeface="DejaVu Sans"/>
+              </a:rPr>
+              <a:t>- continuous low mood or sadness</a:t>
+            </a:r>
+            <a:endParaRPr lang="de-DE" b="0" strike="noStrike" spc="-1" dirty="0">
+              <a:solidFill>
+                <a:srgbClr val="FF0000"/>
+              </a:solidFill>
+              <a:latin typeface="Arial"/>
+            </a:endParaRPr>
+          </a:p>
+          <a:p>
+            <a:pPr>
+              <a:lnSpc>
+                <a:spcPct val="100000"/>
+              </a:lnSpc>
+            </a:pPr>
+            <a:r>
+              <a:rPr lang="en-US" sz="1200" b="0" strike="noStrike" spc="-1" dirty="0">
+                <a:solidFill>
+                  <a:schemeClr val="bg1">
+                    <a:lumMod val="65000"/>
+                  </a:schemeClr>
+                </a:solidFill>
+                <a:latin typeface="Arial"/>
+                <a:ea typeface="DejaVu Sans"/>
+              </a:rPr>
+              <a:t>- feeling hopeless and helpless</a:t>
+            </a:r>
+            <a:endParaRPr lang="de-DE" sz="1200" b="0" strike="noStrike" spc="-1" dirty="0">
+              <a:solidFill>
+                <a:schemeClr val="bg1">
+                  <a:lumMod val="65000"/>
+                </a:schemeClr>
+              </a:solidFill>
+              <a:latin typeface="Arial"/>
+            </a:endParaRPr>
+          </a:p>
+          <a:p>
+            <a:pPr>
+              <a:lnSpc>
+                <a:spcPct val="100000"/>
+              </a:lnSpc>
+            </a:pPr>
+            <a:r>
+              <a:rPr lang="en-US" sz="1200" b="0" strike="noStrike" spc="-1" dirty="0">
+                <a:solidFill>
+                  <a:schemeClr val="bg1">
+                    <a:lumMod val="65000"/>
+                  </a:schemeClr>
+                </a:solidFill>
+                <a:latin typeface="Arial"/>
+                <a:ea typeface="DejaVu Sans"/>
+              </a:rPr>
+              <a:t>- having low self-esteem</a:t>
+            </a:r>
+            <a:endParaRPr lang="de-DE" sz="1200" b="0" strike="noStrike" spc="-1" dirty="0">
+              <a:solidFill>
+                <a:schemeClr val="bg1">
+                  <a:lumMod val="65000"/>
+                </a:schemeClr>
+              </a:solidFill>
+              <a:latin typeface="Arial"/>
+            </a:endParaRPr>
+          </a:p>
+          <a:p>
+            <a:pPr>
+              <a:lnSpc>
+                <a:spcPct val="100000"/>
+              </a:lnSpc>
+            </a:pPr>
+            <a:r>
+              <a:rPr lang="en-US" sz="1200" b="0" strike="noStrike" spc="-1" dirty="0">
+                <a:solidFill>
+                  <a:schemeClr val="bg1">
+                    <a:lumMod val="65000"/>
+                  </a:schemeClr>
+                </a:solidFill>
+                <a:latin typeface="Arial"/>
+                <a:ea typeface="DejaVu Sans"/>
+              </a:rPr>
+              <a:t>- feeling tearful</a:t>
+            </a:r>
+            <a:endParaRPr lang="de-DE" sz="1200" b="0" strike="noStrike" spc="-1" dirty="0">
+              <a:solidFill>
+                <a:schemeClr val="bg1">
+                  <a:lumMod val="65000"/>
+                </a:schemeClr>
+              </a:solidFill>
+              <a:latin typeface="Arial"/>
+            </a:endParaRPr>
+          </a:p>
+          <a:p>
+            <a:pPr>
+              <a:lnSpc>
+                <a:spcPct val="100000"/>
+              </a:lnSpc>
+            </a:pPr>
+            <a:r>
+              <a:rPr lang="en-US" sz="1200" b="0" strike="noStrike" spc="-1" dirty="0">
+                <a:solidFill>
+                  <a:schemeClr val="bg1">
+                    <a:lumMod val="65000"/>
+                  </a:schemeClr>
+                </a:solidFill>
+                <a:latin typeface="Arial"/>
+                <a:ea typeface="DejaVu Sans"/>
+              </a:rPr>
+              <a:t>- feeling guilt-ridden</a:t>
+            </a:r>
+            <a:endParaRPr lang="de-DE" sz="1200" b="0" strike="noStrike" spc="-1" dirty="0">
+              <a:solidFill>
+                <a:schemeClr val="bg1">
+                  <a:lumMod val="65000"/>
+                </a:schemeClr>
+              </a:solidFill>
+              <a:latin typeface="Arial"/>
+            </a:endParaRPr>
+          </a:p>
+          <a:p>
+            <a:pPr>
+              <a:lnSpc>
+                <a:spcPct val="100000"/>
+              </a:lnSpc>
+            </a:pPr>
+            <a:r>
+              <a:rPr lang="en-US" sz="1200" b="0" strike="noStrike" spc="-1" dirty="0">
+                <a:solidFill>
+                  <a:schemeClr val="bg1">
+                    <a:lumMod val="65000"/>
+                  </a:schemeClr>
+                </a:solidFill>
+                <a:latin typeface="Arial"/>
+                <a:ea typeface="DejaVu Sans"/>
+              </a:rPr>
+              <a:t>- feeling irritable and intolerant of others</a:t>
+            </a:r>
+            <a:endParaRPr lang="de-DE" sz="1200" b="0" strike="noStrike" spc="-1" dirty="0">
+              <a:solidFill>
+                <a:schemeClr val="bg1">
+                  <a:lumMod val="65000"/>
+                </a:schemeClr>
+              </a:solidFill>
+              <a:latin typeface="Arial"/>
+            </a:endParaRPr>
+          </a:p>
+          <a:p>
+            <a:pPr>
+              <a:lnSpc>
+                <a:spcPct val="100000"/>
+              </a:lnSpc>
+            </a:pPr>
+            <a:r>
+              <a:rPr lang="en-US" sz="1200" b="0" strike="noStrike" spc="-1" dirty="0">
+                <a:solidFill>
+                  <a:schemeClr val="bg1">
+                    <a:lumMod val="65000"/>
+                  </a:schemeClr>
+                </a:solidFill>
+                <a:latin typeface="Arial"/>
+                <a:ea typeface="DejaVu Sans"/>
+              </a:rPr>
+              <a:t>- having no motivation or interest in things</a:t>
+            </a:r>
+            <a:endParaRPr lang="de-DE" sz="1200" b="0" strike="noStrike" spc="-1" dirty="0">
+              <a:solidFill>
+                <a:schemeClr val="bg1">
+                  <a:lumMod val="65000"/>
+                </a:schemeClr>
+              </a:solidFill>
+              <a:latin typeface="Arial"/>
+            </a:endParaRPr>
+          </a:p>
+          <a:p>
+            <a:pPr>
+              <a:lnSpc>
+                <a:spcPct val="100000"/>
+              </a:lnSpc>
+            </a:pPr>
+            <a:r>
+              <a:rPr lang="en-US" sz="1200" b="0" strike="noStrike" spc="-1" dirty="0">
+                <a:solidFill>
+                  <a:schemeClr val="bg1">
+                    <a:lumMod val="65000"/>
+                  </a:schemeClr>
+                </a:solidFill>
+                <a:latin typeface="Arial"/>
+                <a:ea typeface="DejaVu Sans"/>
+              </a:rPr>
+              <a:t>- finding it difficult to make decisions</a:t>
+            </a:r>
+            <a:endParaRPr lang="de-DE" sz="1200" b="0" strike="noStrike" spc="-1" dirty="0">
+              <a:solidFill>
+                <a:schemeClr val="bg1">
+                  <a:lumMod val="65000"/>
+                </a:schemeClr>
+              </a:solidFill>
+              <a:latin typeface="Arial"/>
+            </a:endParaRPr>
+          </a:p>
+        </p:txBody>
+      </p:sp>
+      <p:pic>
+        <p:nvPicPr>
+          <p:cNvPr id="437" name="Grafik 3"/>
+          <p:cNvPicPr>
+            <a:picLocks noChangeAspect="1"/>
+          </p:cNvPicPr>
+          <p:nvPr/>
+        </p:nvPicPr>
+        <p:blipFill rotWithShape="1">
+          <a:blip r:embed="rId2"/>
+          <a:srcRect b="87360"/>
+          <a:stretch/>
+        </p:blipFill>
+        <p:spPr>
+          <a:xfrm>
+            <a:off x="1893624" y="5128377"/>
+            <a:ext cx="9513059" cy="660960"/>
+          </a:xfrm>
+          <a:prstGeom prst="rect">
+            <a:avLst/>
+          </a:prstGeom>
+          <a:ln w="0">
+            <a:noFill/>
+          </a:ln>
+        </p:spPr>
+      </p:pic>
+      <p:sp>
+        <p:nvSpPr>
+          <p:cNvPr id="438" name="CustomShape 5"/>
+          <p:cNvSpPr/>
+          <p:nvPr/>
+        </p:nvSpPr>
+        <p:spPr>
+          <a:xfrm rot="5400000">
+            <a:off x="5724759" y="4701789"/>
+            <a:ext cx="435042" cy="307440"/>
+          </a:xfrm>
+          <a:prstGeom prst="rightArrow">
+            <a:avLst>
+              <a:gd name="adj1" fmla="val 50000"/>
+              <a:gd name="adj2" fmla="val 50000"/>
+            </a:avLst>
+          </a:prstGeom>
+          <a:solidFill>
+            <a:srgbClr val="993333"/>
+          </a:solidFill>
+          <a:ln>
+            <a:solidFill>
+              <a:srgbClr val="712525"/>
+            </a:solidFill>
+          </a:ln>
+        </p:spPr>
+        <p:style>
+          <a:lnRef idx="2">
+            <a:schemeClr val="accent4">
+              <a:shade val="50000"/>
+            </a:schemeClr>
+          </a:lnRef>
+          <a:fillRef idx="1">
+            <a:schemeClr val="accent4"/>
+          </a:fillRef>
+          <a:effectRef idx="0">
+            <a:schemeClr val="accent4"/>
+          </a:effectRef>
+          <a:fontRef idx="minor"/>
+        </p:style>
+      </p:sp>
+      <p:sp>
+        <p:nvSpPr>
+          <p:cNvPr id="439" name="CustomShape 6"/>
+          <p:cNvSpPr/>
+          <p:nvPr/>
+        </p:nvSpPr>
+        <p:spPr>
+          <a:xfrm>
+            <a:off x="9896220" y="1076679"/>
+            <a:ext cx="456840" cy="242280"/>
+          </a:xfrm>
+          <a:prstGeom prst="rect">
+            <a:avLst/>
+          </a:prstGeom>
+          <a:solidFill>
+            <a:schemeClr val="accent1">
+              <a:lumMod val="60000"/>
+              <a:lumOff val="40000"/>
+            </a:schemeClr>
+          </a:solidFill>
+          <a:ln w="0">
+            <a:noFill/>
+          </a:ln>
+        </p:spPr>
+        <p:style>
+          <a:lnRef idx="0">
+            <a:scrgbClr r="0" g="0" b="0"/>
+          </a:lnRef>
+          <a:fillRef idx="0">
+            <a:scrgbClr r="0" g="0" b="0"/>
+          </a:fillRef>
+          <a:effectRef idx="0">
+            <a:scrgbClr r="0" g="0" b="0"/>
+          </a:effectRef>
+          <a:fontRef idx="minor"/>
+        </p:style>
+        <p:txBody>
+          <a:bodyPr wrap="none" lIns="90000" tIns="45000" rIns="90000" bIns="45000">
+            <a:spAutoFit/>
+          </a:bodyPr>
+          <a:lstStyle/>
+          <a:p>
+            <a:pPr>
+              <a:lnSpc>
+                <a:spcPct val="100000"/>
+              </a:lnSpc>
+            </a:pPr>
+            <a:r>
+              <a:rPr lang="de-DE" sz="1000" b="0" strike="noStrike" spc="-1" dirty="0">
+                <a:solidFill>
+                  <a:srgbClr val="FFFFFF"/>
+                </a:solidFill>
+                <a:latin typeface="Frutiger LT Com 45 Light"/>
+                <a:ea typeface="DejaVu Sans"/>
+              </a:rPr>
+              <a:t>TEXT</a:t>
+            </a:r>
+            <a:endParaRPr lang="de-DE" sz="1000" b="0" strike="noStrike" spc="-1" dirty="0">
+              <a:latin typeface="Arial"/>
+            </a:endParaRPr>
+          </a:p>
+        </p:txBody>
+      </p:sp>
+      <p:pic>
+        <p:nvPicPr>
+          <p:cNvPr id="2" name="Grafik 3">
+            <a:extLst>
+              <a:ext uri="{FF2B5EF4-FFF2-40B4-BE49-F238E27FC236}">
+                <a16:creationId xmlns:a16="http://schemas.microsoft.com/office/drawing/2014/main" id="{B9FCAF0D-32EC-7B1A-CE12-AB9AEB9220A1}"/>
+              </a:ext>
+            </a:extLst>
+          </p:cNvPr>
+          <p:cNvPicPr>
+            <a:picLocks noChangeAspect="1"/>
+          </p:cNvPicPr>
+          <p:nvPr/>
+        </p:nvPicPr>
+        <p:blipFill rotWithShape="1">
+          <a:blip r:embed="rId2"/>
+          <a:srcRect t="91345" b="2319"/>
+          <a:stretch/>
+        </p:blipFill>
+        <p:spPr>
+          <a:xfrm>
+            <a:off x="1893623" y="5819388"/>
+            <a:ext cx="9513059" cy="331353"/>
+          </a:xfrm>
+          <a:prstGeom prst="rect">
+            <a:avLst/>
+          </a:prstGeom>
+          <a:ln w="0">
+            <a:noFill/>
+          </a:ln>
+        </p:spPr>
+      </p:pic>
+      <p:sp>
+        <p:nvSpPr>
+          <p:cNvPr id="440" name="CustomShape 7"/>
+          <p:cNvSpPr/>
+          <p:nvPr/>
+        </p:nvSpPr>
+        <p:spPr>
+          <a:xfrm>
+            <a:off x="7984980" y="5924950"/>
+            <a:ext cx="2368080" cy="242280"/>
+          </a:xfrm>
+          <a:prstGeom prst="rect">
+            <a:avLst/>
+          </a:prstGeom>
+          <a:solidFill>
+            <a:schemeClr val="accent1">
+              <a:lumMod val="60000"/>
+              <a:lumOff val="40000"/>
+            </a:schemeClr>
+          </a:solidFill>
+          <a:ln w="0">
+            <a:noFill/>
+          </a:ln>
+        </p:spPr>
+        <p:style>
+          <a:lnRef idx="0">
+            <a:scrgbClr r="0" g="0" b="0"/>
+          </a:lnRef>
+          <a:fillRef idx="0">
+            <a:scrgbClr r="0" g="0" b="0"/>
+          </a:fillRef>
+          <a:effectRef idx="0">
+            <a:scrgbClr r="0" g="0" b="0"/>
+          </a:effectRef>
+          <a:fontRef idx="minor"/>
+        </p:style>
+        <p:txBody>
+          <a:bodyPr wrap="none" lIns="90000" tIns="45000" rIns="90000" bIns="45000">
+            <a:spAutoFit/>
+          </a:bodyPr>
+          <a:lstStyle/>
+          <a:p>
+            <a:pPr>
+              <a:lnSpc>
+                <a:spcPct val="100000"/>
+              </a:lnSpc>
+            </a:pPr>
+            <a:r>
+              <a:rPr lang="de-DE" sz="1000" b="0" strike="noStrike" spc="-1" dirty="0">
+                <a:solidFill>
+                  <a:srgbClr val="FFFFFF"/>
+                </a:solidFill>
+                <a:latin typeface="Frutiger LT Com 45 Light"/>
+                <a:ea typeface="DejaVu Sans"/>
+              </a:rPr>
+              <a:t>Wissensrepräsentation im RDF Format</a:t>
+            </a:r>
+            <a:endParaRPr lang="de-DE" sz="1000" b="0" strike="noStrike" spc="-1" dirty="0">
+              <a:latin typeface="Arial"/>
+            </a:endParaRPr>
+          </a:p>
+        </p:txBody>
+      </p:sp>
+    </p:spTree>
+  </p:cSld>
+  <p:clrMapOvr>
+    <a:masterClrMapping/>
+  </p:clrMapOvr>
+</p:sld>
+</file>
+
+<file path=ppt/slides/slide8.xml><?xml version="1.0" encoding="utf-8"?>
+<p:sld xmlns:a="http://schemas.openxmlformats.org/drawingml/2006/main" xmlns:r="http://schemas.openxmlformats.org/officeDocument/2006/relationships" xmlns:p="http://schemas.openxmlformats.org/presentationml/2006/main">
+  <p:cSld>
+    <p:spTree>
+      <p:nvGrpSpPr>
+        <p:cNvPr id="1" name=""/>
+        <p:cNvGrpSpPr/>
+        <p:nvPr/>
+      </p:nvGrpSpPr>
+      <p:grpSpPr>
+        <a:xfrm>
+          <a:off x="0" y="0"/>
+          <a:ext cx="0" cy="0"/>
+          <a:chOff x="0" y="0"/>
+          <a:chExt cx="0" cy="0"/>
+        </a:xfrm>
+      </p:grpSpPr>
+      <p:sp>
+        <p:nvSpPr>
           <p:cNvPr id="459" name="CustomShape 1"/>
           <p:cNvSpPr/>
           <p:nvPr/>
@@ -30915,7 +31805,7 @@
                 <a:latin typeface="Frutiger LT Com 45 Light"/>
                 <a:ea typeface="DejaVu Sans"/>
               </a:rPr>
-              <a:t>7</a:t>
+              <a:t>8</a:t>
             </a:fld>
             <a:endParaRPr lang="de-DE" sz="900" b="0" strike="noStrike" spc="-1">
               <a:latin typeface="Arial"/>
@@ -31346,467 +32236,6 @@
 </p:sld>
 </file>
 
-<file path=ppt/slides/slide8.xml><?xml version="1.0" encoding="utf-8"?>
-<p:sld xmlns:a="http://schemas.openxmlformats.org/drawingml/2006/main" xmlns:r="http://schemas.openxmlformats.org/officeDocument/2006/relationships" xmlns:p="http://schemas.openxmlformats.org/presentationml/2006/main">
-  <p:cSld>
-    <p:spTree>
-      <p:nvGrpSpPr>
-        <p:cNvPr id="1" name=""/>
-        <p:cNvGrpSpPr/>
-        <p:nvPr/>
-      </p:nvGrpSpPr>
-      <p:grpSpPr>
-        <a:xfrm>
-          <a:off x="0" y="0"/>
-          <a:ext cx="0" cy="0"/>
-          <a:chOff x="0" y="0"/>
-          <a:chExt cx="0" cy="0"/>
-        </a:xfrm>
-      </p:grpSpPr>
-      <p:sp>
-        <p:nvSpPr>
-          <p:cNvPr id="444" name="CustomShape 1"/>
-          <p:cNvSpPr/>
-          <p:nvPr/>
-        </p:nvSpPr>
-        <p:spPr>
-          <a:xfrm>
-            <a:off x="1631520" y="6426000"/>
-            <a:ext cx="7271640" cy="239760"/>
-          </a:xfrm>
-          <a:prstGeom prst="rect">
-            <a:avLst/>
-          </a:prstGeom>
-          <a:noFill/>
-          <a:ln w="0">
-            <a:noFill/>
-          </a:ln>
-        </p:spPr>
-        <p:style>
-          <a:lnRef idx="0">
-            <a:scrgbClr r="0" g="0" b="0"/>
-          </a:lnRef>
-          <a:fillRef idx="0">
-            <a:scrgbClr r="0" g="0" b="0"/>
-          </a:fillRef>
-          <a:effectRef idx="0">
-            <a:scrgbClr r="0" g="0" b="0"/>
-          </a:effectRef>
-          <a:fontRef idx="minor"/>
-        </p:style>
-        <p:txBody>
-          <a:bodyPr lIns="0" tIns="0" rIns="0" bIns="0">
-            <a:noAutofit/>
-          </a:bodyPr>
-          <a:lstStyle/>
-          <a:p>
-            <a:pPr>
-              <a:lnSpc>
-                <a:spcPct val="100000"/>
-              </a:lnSpc>
-            </a:pPr>
-            <a:r>
-              <a:rPr lang="en-US" sz="900" b="0" strike="noStrike" spc="-1">
-                <a:solidFill>
-                  <a:srgbClr val="5073A5"/>
-                </a:solidFill>
-                <a:latin typeface="Frutiger LT Com 45 Light"/>
-                <a:ea typeface="DejaVu Sans"/>
-              </a:rPr>
-              <a:t>Fußzeile</a:t>
-            </a:r>
-            <a:endParaRPr lang="de-DE" sz="900" b="0" strike="noStrike" spc="-1">
-              <a:latin typeface="Arial"/>
-            </a:endParaRPr>
-          </a:p>
-        </p:txBody>
-      </p:sp>
-      <p:sp>
-        <p:nvSpPr>
-          <p:cNvPr id="445" name="CustomShape 2"/>
-          <p:cNvSpPr/>
-          <p:nvPr/>
-        </p:nvSpPr>
-        <p:spPr>
-          <a:xfrm>
-            <a:off x="1055520" y="6426000"/>
-            <a:ext cx="552600" cy="239760"/>
-          </a:xfrm>
-          <a:prstGeom prst="rect">
-            <a:avLst/>
-          </a:prstGeom>
-          <a:noFill/>
-          <a:ln w="0">
-            <a:noFill/>
-          </a:ln>
-        </p:spPr>
-        <p:style>
-          <a:lnRef idx="0">
-            <a:scrgbClr r="0" g="0" b="0"/>
-          </a:lnRef>
-          <a:fillRef idx="0">
-            <a:scrgbClr r="0" g="0" b="0"/>
-          </a:fillRef>
-          <a:effectRef idx="0">
-            <a:scrgbClr r="0" g="0" b="0"/>
-          </a:effectRef>
-          <a:fontRef idx="minor"/>
-        </p:style>
-        <p:txBody>
-          <a:bodyPr lIns="0" tIns="0" rIns="0" bIns="0">
-            <a:noAutofit/>
-          </a:bodyPr>
-          <a:lstStyle/>
-          <a:p>
-            <a:pPr>
-              <a:lnSpc>
-                <a:spcPct val="100000"/>
-              </a:lnSpc>
-            </a:pPr>
-            <a:fld id="{82BD7B6D-F4B1-4055-8AD9-2F7891E32BA3}" type="slidenum">
-              <a:rPr lang="de-DE" sz="900" b="1" strike="noStrike" spc="-1">
-                <a:solidFill>
-                  <a:srgbClr val="5073A5"/>
-                </a:solidFill>
-                <a:latin typeface="Frutiger LT Com 45 Light"/>
-                <a:ea typeface="DejaVu Sans"/>
-              </a:rPr>
-              <a:t>8</a:t>
-            </a:fld>
-            <a:endParaRPr lang="de-DE" sz="900" b="0" strike="noStrike" spc="-1">
-              <a:latin typeface="Arial"/>
-            </a:endParaRPr>
-          </a:p>
-        </p:txBody>
-      </p:sp>
-      <p:sp>
-        <p:nvSpPr>
-          <p:cNvPr id="446" name="CustomShape 3"/>
-          <p:cNvSpPr/>
-          <p:nvPr/>
-        </p:nvSpPr>
-        <p:spPr>
-          <a:xfrm>
-            <a:off x="720000" y="260640"/>
-            <a:ext cx="8183160" cy="660960"/>
-          </a:xfrm>
-          <a:prstGeom prst="rect">
-            <a:avLst/>
-          </a:prstGeom>
-          <a:noFill/>
-          <a:ln w="0">
-            <a:noFill/>
-          </a:ln>
-        </p:spPr>
-        <p:style>
-          <a:lnRef idx="0">
-            <a:scrgbClr r="0" g="0" b="0"/>
-          </a:lnRef>
-          <a:fillRef idx="0">
-            <a:scrgbClr r="0" g="0" b="0"/>
-          </a:fillRef>
-          <a:effectRef idx="0">
-            <a:scrgbClr r="0" g="0" b="0"/>
-          </a:effectRef>
-          <a:fontRef idx="minor"/>
-        </p:style>
-        <p:txBody>
-          <a:bodyPr lIns="0" tIns="0" rIns="0" bIns="0" anchor="b">
-            <a:noAutofit/>
-          </a:bodyPr>
-          <a:lstStyle/>
-          <a:p>
-            <a:pPr>
-              <a:lnSpc>
-                <a:spcPct val="100000"/>
-              </a:lnSpc>
-            </a:pPr>
-            <a:r>
-              <a:rPr lang="de-DE" sz="2200" b="1" strike="noStrike" spc="-1">
-                <a:solidFill>
-                  <a:srgbClr val="5073A5"/>
-                </a:solidFill>
-                <a:latin typeface="Frutiger LT Com 45 Light"/>
-                <a:ea typeface="DejaVu Sans"/>
-              </a:rPr>
-              <a:t>Probleme</a:t>
-            </a:r>
-            <a:endParaRPr lang="de-DE" sz="2200" b="0" strike="noStrike" spc="-1">
-              <a:latin typeface="Arial"/>
-            </a:endParaRPr>
-          </a:p>
-        </p:txBody>
-      </p:sp>
-      <p:sp>
-        <p:nvSpPr>
-          <p:cNvPr id="447" name="CustomShape 4"/>
-          <p:cNvSpPr/>
-          <p:nvPr/>
-        </p:nvSpPr>
-        <p:spPr>
-          <a:xfrm>
-            <a:off x="1907778" y="1459957"/>
-            <a:ext cx="7962087" cy="3938086"/>
-          </a:xfrm>
-          <a:prstGeom prst="rect">
-            <a:avLst/>
-          </a:prstGeom>
-          <a:noFill/>
-          <a:ln w="0">
-            <a:noFill/>
-          </a:ln>
-        </p:spPr>
-        <p:style>
-          <a:lnRef idx="0">
-            <a:scrgbClr r="0" g="0" b="0"/>
-          </a:lnRef>
-          <a:fillRef idx="0">
-            <a:scrgbClr r="0" g="0" b="0"/>
-          </a:fillRef>
-          <a:effectRef idx="0">
-            <a:scrgbClr r="0" g="0" b="0"/>
-          </a:effectRef>
-          <a:fontRef idx="minor"/>
-        </p:style>
-        <p:txBody>
-          <a:bodyPr wrap="square" lIns="90000" tIns="45000" rIns="90000" bIns="45000">
-            <a:spAutoFit/>
-          </a:bodyPr>
-          <a:lstStyle/>
-          <a:p>
-            <a:pPr marL="285840" indent="-285120">
-              <a:lnSpc>
-                <a:spcPct val="100000"/>
-              </a:lnSpc>
-              <a:spcBef>
-                <a:spcPts val="601"/>
-              </a:spcBef>
-              <a:buClr>
-                <a:srgbClr val="000000"/>
-              </a:buClr>
-              <a:buFont typeface="Arial"/>
-              <a:buChar char="•"/>
-            </a:pPr>
-            <a:r>
-              <a:rPr lang="de-DE" sz="2400" b="0" strike="noStrike" spc="-1" dirty="0">
-                <a:solidFill>
-                  <a:srgbClr val="000000"/>
-                </a:solidFill>
-                <a:latin typeface="Frutiger LT Com 45 Light"/>
-                <a:ea typeface="DejaVu Sans"/>
-              </a:rPr>
-              <a:t>Standard-</a:t>
-            </a:r>
-            <a:r>
-              <a:rPr lang="de-DE" sz="2400" b="0" i="1" strike="noStrike" spc="-1" dirty="0" err="1">
-                <a:solidFill>
-                  <a:srgbClr val="000000"/>
-                </a:solidFill>
-                <a:latin typeface="Frutiger LT Com 45 Light"/>
-                <a:ea typeface="DejaVu Sans"/>
-              </a:rPr>
-              <a:t>spaCy</a:t>
-            </a:r>
-            <a:r>
-              <a:rPr lang="de-DE" sz="2400" b="0" strike="noStrike" spc="-1" dirty="0">
-                <a:solidFill>
-                  <a:srgbClr val="000000"/>
-                </a:solidFill>
-                <a:latin typeface="Frutiger LT Com 45 Light"/>
-                <a:ea typeface="DejaVu Sans"/>
-              </a:rPr>
-              <a:t> bietet keine auf medizinisches Fachvokabular trainierte </a:t>
-            </a:r>
-            <a:r>
-              <a:rPr lang="de-DE" sz="2400" b="0" i="1" strike="noStrike" spc="-1" dirty="0" err="1">
-                <a:solidFill>
-                  <a:srgbClr val="000000"/>
-                </a:solidFill>
-                <a:latin typeface="Frutiger LT Com 45 Light"/>
-                <a:ea typeface="DejaVu Sans"/>
-              </a:rPr>
-              <a:t>Named</a:t>
-            </a:r>
-            <a:r>
-              <a:rPr lang="de-DE" sz="2400" b="0" i="1" strike="noStrike" spc="-1" dirty="0">
-                <a:solidFill>
-                  <a:srgbClr val="000000"/>
-                </a:solidFill>
-                <a:latin typeface="Frutiger LT Com 45 Light"/>
-                <a:ea typeface="DejaVu Sans"/>
-              </a:rPr>
-              <a:t>-Entity-Recognition</a:t>
-            </a:r>
-            <a:r>
-              <a:rPr lang="de-DE" sz="2400" b="0" strike="noStrike" spc="-1" dirty="0">
-                <a:solidFill>
-                  <a:srgbClr val="000000"/>
-                </a:solidFill>
-                <a:latin typeface="Frutiger LT Com 45 Light"/>
-                <a:ea typeface="DejaVu Sans"/>
-              </a:rPr>
-              <a:t>-Komponente.</a:t>
-            </a:r>
-            <a:endParaRPr lang="de-DE" sz="2400" b="0" strike="noStrike" spc="-1" dirty="0">
-              <a:latin typeface="Arial"/>
-            </a:endParaRPr>
-          </a:p>
-          <a:p>
-            <a:pPr marL="285840" indent="-285120">
-              <a:lnSpc>
-                <a:spcPct val="100000"/>
-              </a:lnSpc>
-              <a:spcBef>
-                <a:spcPts val="601"/>
-              </a:spcBef>
-              <a:buClr>
-                <a:srgbClr val="000000"/>
-              </a:buClr>
-              <a:buFont typeface="Arial"/>
-              <a:buChar char="•"/>
-            </a:pPr>
-            <a:r>
-              <a:rPr lang="de-DE" sz="2400" b="0" strike="noStrike" spc="-1" dirty="0">
-                <a:solidFill>
-                  <a:srgbClr val="000000"/>
-                </a:solidFill>
-                <a:latin typeface="Frutiger LT Com 45 Light"/>
-                <a:ea typeface="DejaVu Sans"/>
-              </a:rPr>
-              <a:t>Geeignete </a:t>
-            </a:r>
-            <a:r>
-              <a:rPr lang="de-DE" sz="2400" b="0" i="1" strike="noStrike" spc="-1" dirty="0" err="1">
-                <a:solidFill>
-                  <a:srgbClr val="000000"/>
-                </a:solidFill>
-                <a:latin typeface="Frutiger LT Com 45 Light"/>
-                <a:ea typeface="DejaVu Sans"/>
-              </a:rPr>
-              <a:t>Named</a:t>
-            </a:r>
-            <a:r>
-              <a:rPr lang="de-DE" sz="2400" b="0" i="1" strike="noStrike" spc="-1" dirty="0">
-                <a:solidFill>
-                  <a:srgbClr val="000000"/>
-                </a:solidFill>
-                <a:latin typeface="Frutiger LT Com 45 Light"/>
-                <a:ea typeface="DejaVu Sans"/>
-              </a:rPr>
-              <a:t>-Entity-Recognition-Komponente</a:t>
-            </a:r>
-            <a:r>
-              <a:rPr lang="de-DE" sz="2400" b="0" strike="noStrike" spc="-1" dirty="0">
-                <a:solidFill>
-                  <a:srgbClr val="000000"/>
-                </a:solidFill>
-                <a:latin typeface="Frutiger LT Com 45 Light"/>
-                <a:ea typeface="DejaVu Sans"/>
-              </a:rPr>
-              <a:t> aus der </a:t>
-            </a:r>
-            <a:r>
-              <a:rPr lang="de-DE" sz="2400" b="0" i="1" strike="noStrike" spc="-1" dirty="0" err="1">
-                <a:solidFill>
-                  <a:srgbClr val="000000"/>
-                </a:solidFill>
-                <a:latin typeface="Frutiger LT Com 45 Light"/>
-                <a:ea typeface="DejaVu Sans"/>
-              </a:rPr>
-              <a:t>spaCy</a:t>
-            </a:r>
-            <a:r>
-              <a:rPr lang="de-DE" sz="2400" b="0" strike="noStrike" spc="-1" dirty="0">
-                <a:solidFill>
-                  <a:srgbClr val="000000"/>
-                </a:solidFill>
-                <a:latin typeface="Frutiger LT Com 45 Light"/>
-                <a:ea typeface="DejaVu Sans"/>
-              </a:rPr>
-              <a:t>-Pipeline identifizieren (Entity </a:t>
-            </a:r>
-            <a:r>
-              <a:rPr lang="de-DE" sz="2400" b="0" strike="noStrike" spc="-1" dirty="0" err="1">
-                <a:solidFill>
-                  <a:srgbClr val="000000"/>
-                </a:solidFill>
-                <a:latin typeface="Frutiger LT Com 45 Light"/>
-                <a:ea typeface="DejaVu Sans"/>
-              </a:rPr>
-              <a:t>Ruler</a:t>
-            </a:r>
-            <a:r>
-              <a:rPr lang="de-DE" sz="2400" b="0" strike="noStrike" spc="-1" dirty="0">
-                <a:solidFill>
-                  <a:srgbClr val="000000"/>
-                </a:solidFill>
-                <a:latin typeface="Frutiger LT Com 45 Light"/>
-                <a:ea typeface="DejaVu Sans"/>
-              </a:rPr>
-              <a:t>, Entity </a:t>
-            </a:r>
-            <a:r>
-              <a:rPr lang="de-DE" sz="2400" b="0" strike="noStrike" spc="-1" dirty="0" err="1">
-                <a:solidFill>
-                  <a:srgbClr val="000000"/>
-                </a:solidFill>
-                <a:latin typeface="Frutiger LT Com 45 Light"/>
-                <a:ea typeface="DejaVu Sans"/>
-              </a:rPr>
-              <a:t>Recognizer</a:t>
-            </a:r>
-            <a:r>
-              <a:rPr lang="de-DE" sz="2400" b="0" strike="noStrike" spc="-1" dirty="0">
-                <a:solidFill>
-                  <a:srgbClr val="000000"/>
-                </a:solidFill>
-                <a:latin typeface="Frutiger LT Com 45 Light"/>
-                <a:ea typeface="DejaVu Sans"/>
-              </a:rPr>
-              <a:t>, Entity Linker)</a:t>
-            </a:r>
-            <a:endParaRPr lang="de-DE" sz="2400" b="0" strike="noStrike" spc="-1" dirty="0">
-              <a:latin typeface="Arial"/>
-            </a:endParaRPr>
-          </a:p>
-          <a:p>
-            <a:pPr marL="285840" indent="-285120">
-              <a:lnSpc>
-                <a:spcPct val="100000"/>
-              </a:lnSpc>
-              <a:spcBef>
-                <a:spcPts val="601"/>
-              </a:spcBef>
-              <a:buClr>
-                <a:srgbClr val="000000"/>
-              </a:buClr>
-              <a:buFont typeface="Arial"/>
-              <a:buChar char="•"/>
-            </a:pPr>
-            <a:r>
-              <a:rPr lang="de-DE" sz="2400" b="0" strike="noStrike" spc="-1" dirty="0">
-                <a:solidFill>
-                  <a:srgbClr val="000000"/>
-                </a:solidFill>
-                <a:latin typeface="Frutiger LT Com 45 Light"/>
-                <a:ea typeface="DejaVu Sans"/>
-              </a:rPr>
-              <a:t>Aus welcher Quelle kann geeignetes medizinisches Fachvokabular bezogen werden, in dem Begriffe kategorisiert (Krankheit, Symptom, Therapie, Medikament, ...) sind.</a:t>
-            </a:r>
-            <a:endParaRPr lang="de-DE" sz="2400" b="0" strike="noStrike" spc="-1" dirty="0">
-              <a:latin typeface="Arial"/>
-            </a:endParaRPr>
-          </a:p>
-        </p:txBody>
-      </p:sp>
-    </p:spTree>
-  </p:cSld>
-  <p:clrMapOvr>
-    <a:masterClrMapping/>
-  </p:clrMapOvr>
-</p:sld>
-</file>
-
 <file path=ppt/slides/slide9.xml><?xml version="1.0" encoding="utf-8"?>
 <p:sld xmlns:a="http://schemas.openxmlformats.org/drawingml/2006/main" xmlns:r="http://schemas.openxmlformats.org/officeDocument/2006/relationships" xmlns:p="http://schemas.openxmlformats.org/presentationml/2006/main">
   <p:cSld>
@@ -31826,7 +32255,7 @@
       </p:grpSpPr>
       <p:sp>
         <p:nvSpPr>
-          <p:cNvPr id="448" name="CustomShape 1"/>
+          <p:cNvPr id="444" name="CustomShape 1"/>
           <p:cNvSpPr/>
           <p:nvPr/>
         </p:nvSpPr>
@@ -31884,7 +32313,7 @@
       </p:sp>
       <p:sp>
         <p:nvSpPr>
-          <p:cNvPr id="449" name="CustomShape 2"/>
+          <p:cNvPr id="445" name="CustomShape 2"/>
           <p:cNvSpPr/>
           <p:nvPr/>
         </p:nvSpPr>
@@ -31924,7 +32353,7 @@
                 <a:spcPct val="100000"/>
               </a:lnSpc>
             </a:pPr>
-            <a:fld id="{FD93D26A-01B4-4121-9D1F-DA4AFBED8BCF}" type="slidenum">
+            <a:fld id="{82BD7B6D-F4B1-4055-8AD9-2F7891E32BA3}" type="slidenum">
               <a:rPr lang="de-DE" sz="900" b="1" strike="noStrike" spc="-1">
                 <a:solidFill>
                   <a:srgbClr val="5073A5"/>
@@ -31942,7 +32371,7 @@
       </p:sp>
       <p:sp>
         <p:nvSpPr>
-          <p:cNvPr id="450" name="CustomShape 3"/>
+          <p:cNvPr id="446" name="CustomShape 3"/>
           <p:cNvSpPr/>
           <p:nvPr/>
         </p:nvSpPr>
@@ -31990,7 +32419,7 @@
                 <a:latin typeface="Frutiger LT Com 45 Light"/>
                 <a:ea typeface="DejaVu Sans"/>
               </a:rPr>
-              <a:t>Lösungsansatz</a:t>
+              <a:t>Probleme</a:t>
             </a:r>
             <a:endParaRPr lang="de-DE" sz="2200" b="0" strike="noStrike" spc="-1">
               <a:latin typeface="Arial"/>
@@ -31998,39 +32427,16 @@
           </a:p>
         </p:txBody>
       </p:sp>
-      <p:pic>
-        <p:nvPicPr>
-          <p:cNvPr id="451" name="Grafik 2"/>
-          <p:cNvPicPr/>
-          <p:nvPr/>
-        </p:nvPicPr>
-        <p:blipFill>
-          <a:blip r:embed="rId2"/>
-          <a:stretch/>
-        </p:blipFill>
-        <p:spPr>
-          <a:xfrm>
-            <a:off x="7239960" y="1269360"/>
-            <a:ext cx="4211640" cy="4808520"/>
-          </a:xfrm>
-          <a:prstGeom prst="rect">
-            <a:avLst/>
-          </a:prstGeom>
-          <a:ln w="0">
-            <a:noFill/>
-          </a:ln>
-        </p:spPr>
-      </p:pic>
-      <p:sp>
-        <p:nvSpPr>
-          <p:cNvPr id="452" name="CustomShape 4"/>
+      <p:sp>
+        <p:nvSpPr>
+          <p:cNvPr id="447" name="CustomShape 4"/>
           <p:cNvSpPr/>
           <p:nvPr/>
         </p:nvSpPr>
         <p:spPr>
           <a:xfrm>
-            <a:off x="720000" y="1269360"/>
-            <a:ext cx="6170400" cy="4815360"/>
+            <a:off x="1907778" y="1459957"/>
+            <a:ext cx="7962087" cy="3938086"/>
           </a:xfrm>
           <a:prstGeom prst="rect">
             <a:avLst/>
@@ -32053,7 +32459,7 @@
           <a:fontRef idx="minor"/>
         </p:style>
         <p:txBody>
-          <a:bodyPr lIns="90000" tIns="45000" rIns="90000" bIns="45000">
+          <a:bodyPr wrap="square" lIns="90000" tIns="45000" rIns="90000" bIns="45000">
             <a:spAutoFit/>
           </a:bodyPr>
           <a:lstStyle/>
@@ -32072,16 +32478,66 @@
               <a:buChar char="•"/>
             </a:pPr>
             <a:r>
-              <a:rPr lang="de-DE" sz="1800" b="0" strike="noStrike" spc="-1">
+              <a:rPr lang="de-DE" sz="2400" b="0" strike="noStrike" spc="-1" dirty="0">
                 <a:solidFill>
                   <a:srgbClr val="000000"/>
                 </a:solidFill>
                 <a:latin typeface="Frutiger LT Com 45 Light"/>
                 <a:ea typeface="DejaVu Sans"/>
               </a:rPr>
-              <a:t>National Library of Medicine (NLM) stellt Named Entity Recognition Tools auf ihrer Webseite zu Verfügung *)</a:t>
-            </a:r>
-            <a:endParaRPr lang="de-DE" sz="1800" b="0" strike="noStrike" spc="-1">
+              <a:t>Standard-</a:t>
+            </a:r>
+            <a:r>
+              <a:rPr lang="de-DE" sz="2400" b="0" i="1" strike="noStrike" spc="-1" dirty="0" err="1">
+                <a:solidFill>
+                  <a:srgbClr val="000000"/>
+                </a:solidFill>
+                <a:latin typeface="Frutiger LT Com 45 Light"/>
+                <a:ea typeface="DejaVu Sans"/>
+              </a:rPr>
+              <a:t>spaCy</a:t>
+            </a:r>
+            <a:r>
+              <a:rPr lang="de-DE" sz="2400" b="0" strike="noStrike" spc="-1" dirty="0">
+                <a:solidFill>
+                  <a:srgbClr val="000000"/>
+                </a:solidFill>
+                <a:latin typeface="Frutiger LT Com 45 Light"/>
+                <a:ea typeface="DejaVu Sans"/>
+              </a:rPr>
+              <a:t> bietet keine auf medizinisches Fachvokabular trainierte </a:t>
+            </a:r>
+            <a:r>
+              <a:rPr lang="de-DE" sz="2400" b="0" i="1" strike="noStrike" spc="-1" dirty="0" err="1">
+                <a:solidFill>
+                  <a:srgbClr val="000000"/>
+                </a:solidFill>
+                <a:latin typeface="Frutiger LT Com 45 Light"/>
+                <a:ea typeface="DejaVu Sans"/>
+              </a:rPr>
+              <a:t>Named</a:t>
+            </a:r>
+            <a:r>
+              <a:rPr lang="de-DE" sz="2400" b="0" i="1" strike="noStrike" spc="-1" dirty="0">
+                <a:solidFill>
+                  <a:srgbClr val="000000"/>
+                </a:solidFill>
+                <a:latin typeface="Frutiger LT Com 45 Light"/>
+                <a:ea typeface="DejaVu Sans"/>
+              </a:rPr>
+              <a:t>-Entity-Recognition</a:t>
+            </a:r>
+            <a:r>
+              <a:rPr lang="de-DE" sz="2400" b="0" strike="noStrike" spc="-1" dirty="0">
+                <a:solidFill>
+                  <a:srgbClr val="000000"/>
+                </a:solidFill>
+                <a:latin typeface="Frutiger LT Com 45 Light"/>
+                <a:ea typeface="DejaVu Sans"/>
+              </a:rPr>
+              <a:t>-Komponente.</a:t>
+            </a:r>
+            <a:endParaRPr lang="de-DE" sz="2400" b="0" strike="noStrike" spc="-1" dirty="0">
               <a:latin typeface="Arial"/>
             </a:endParaRPr>
           </a:p>
@@ -32100,16 +32556,106 @@
               <a:buChar char="•"/>
             </a:pPr>
             <a:r>
-              <a:rPr lang="de-DE" sz="1800" b="0" strike="noStrike" spc="-1">
+              <a:rPr lang="de-DE" sz="2400" b="0" strike="noStrike" spc="-1" dirty="0">
                 <a:solidFill>
                   <a:srgbClr val="000000"/>
                 </a:solidFill>
                 <a:latin typeface="Frutiger LT Com 45 Light"/>
                 <a:ea typeface="DejaVu Sans"/>
               </a:rPr>
-              <a:t>Vokabular: MetaMap bzw. MetaMapLite</a:t>
-            </a:r>
-            <a:endParaRPr lang="de-DE" sz="1800" b="0" strike="noStrike" spc="-1">
+              <a:t>Geeignete </a:t>
+            </a:r>
+            <a:r>
+              <a:rPr lang="de-DE" sz="2400" b="0" i="1" strike="noStrike" spc="-1" dirty="0" err="1">
+                <a:solidFill>
+                  <a:srgbClr val="000000"/>
+                </a:solidFill>
+                <a:latin typeface="Frutiger LT Com 45 Light"/>
+                <a:ea typeface="DejaVu Sans"/>
+              </a:rPr>
+              <a:t>Named</a:t>
+            </a:r>
+            <a:r>
+              <a:rPr lang="de-DE" sz="2400" b="0" i="1" strike="noStrike" spc="-1" dirty="0">
+                <a:solidFill>
+                  <a:srgbClr val="000000"/>
+                </a:solidFill>
+                <a:latin typeface="Frutiger LT Com 45 Light"/>
+                <a:ea typeface="DejaVu Sans"/>
+              </a:rPr>
+              <a:t>-Entity-Recognition-Komponente</a:t>
+            </a:r>
+            <a:r>
+              <a:rPr lang="de-DE" sz="2400" b="0" strike="noStrike" spc="-1" dirty="0">
+                <a:solidFill>
+                  <a:srgbClr val="000000"/>
+                </a:solidFill>
+                <a:latin typeface="Frutiger LT Com 45 Light"/>
+                <a:ea typeface="DejaVu Sans"/>
+              </a:rPr>
+              <a:t> aus der </a:t>
+            </a:r>
+            <a:r>
+              <a:rPr lang="de-DE" sz="2400" b="0" i="1" strike="noStrike" spc="-1" dirty="0" err="1">
+                <a:solidFill>
+                  <a:srgbClr val="000000"/>
+                </a:solidFill>
+                <a:latin typeface="Frutiger LT Com 45 Light"/>
+                <a:ea typeface="DejaVu Sans"/>
+              </a:rPr>
+              <a:t>spaCy</a:t>
+            </a:r>
+            <a:r>
+              <a:rPr lang="de-DE" sz="2400" b="0" strike="noStrike" spc="-1" dirty="0">
+                <a:solidFill>
+                  <a:srgbClr val="000000"/>
+                </a:solidFill>
+                <a:latin typeface="Frutiger LT Com 45 Light"/>
+                <a:ea typeface="DejaVu Sans"/>
+              </a:rPr>
+              <a:t>-Pipeline identifizieren (Entity </a:t>
+            </a:r>
+            <a:r>
+              <a:rPr lang="de-DE" sz="2400" b="0" strike="noStrike" spc="-1" dirty="0" err="1">
+                <a:solidFill>
+                  <a:srgbClr val="000000"/>
+                </a:solidFill>
+                <a:latin typeface="Frutiger LT Com 45 Light"/>
+                <a:ea typeface="DejaVu Sans"/>
+              </a:rPr>
+              <a:t>Ruler</a:t>
+            </a:r>
+            <a:r>
+              <a:rPr lang="de-DE" sz="2400" b="0" strike="noStrike" spc="-1" dirty="0">
+                <a:solidFill>
+                  <a:srgbClr val="000000"/>
+                </a:solidFill>
+                <a:latin typeface="Frutiger LT Com 45 Light"/>
+                <a:ea typeface="DejaVu Sans"/>
+              </a:rPr>
+              <a:t>, Entity </a:t>
+            </a:r>
+            <a:r>
+              <a:rPr lang="de-DE" sz="2400" b="0" strike="noStrike" spc="-1" dirty="0" err="1">
+                <a:solidFill>
+                  <a:srgbClr val="000000"/>
+                </a:solidFill>
+                <a:latin typeface="Frutiger LT Com 45 Light"/>
+                <a:ea typeface="DejaVu Sans"/>
+              </a:rPr>
+              <a:t>Recognizer</a:t>
+            </a:r>
+            <a:r>
+              <a:rPr lang="de-DE" sz="2400" b="0" strike="noStrike" spc="-1" dirty="0">
+                <a:solidFill>
+                  <a:srgbClr val="000000"/>
+                </a:solidFill>
+                <a:latin typeface="Frutiger LT Com 45 Light"/>
+                <a:ea typeface="DejaVu Sans"/>
+              </a:rPr>
+              <a:t>, Entity Linker)</a:t>
+            </a:r>
+            <a:endParaRPr lang="de-DE" sz="2400" b="0" strike="noStrike" spc="-1" dirty="0">
               <a:latin typeface="Arial"/>
             </a:endParaRPr>
           </a:p>
@@ -32128,337 +32674,16 @@
               <a:buChar char="•"/>
             </a:pPr>
             <a:r>
-              <a:rPr lang="de-DE" sz="1800" b="0" strike="noStrike" spc="-1">
+              <a:rPr lang="de-DE" sz="2400" b="0" strike="noStrike" spc="-1" dirty="0">
                 <a:solidFill>
                   <a:srgbClr val="000000"/>
                 </a:solidFill>
                 <a:latin typeface="Frutiger LT Com 45 Light"/>
                 <a:ea typeface="DejaVu Sans"/>
               </a:rPr>
-              <a:t>Für das Training des spaCy Entity Rulers wurde das Vokabular aus dem MetaMapLite-Projekt verwendet.</a:t>
-            </a:r>
-            <a:endParaRPr lang="de-DE" sz="1800" b="0" strike="noStrike" spc="-1">
-              <a:latin typeface="Arial"/>
-            </a:endParaRPr>
-          </a:p>
-          <a:p>
-            <a:pPr marL="285840" indent="-285120">
-              <a:lnSpc>
-                <a:spcPct val="100000"/>
-              </a:lnSpc>
-              <a:spcBef>
-                <a:spcPts val="601"/>
-              </a:spcBef>
-              <a:buClr>
-                <a:srgbClr val="000000"/>
-              </a:buClr>
-              <a:buFont typeface="Arial"/>
-              <a:buChar char="•"/>
-            </a:pPr>
-            <a:r>
-              <a:rPr lang="de-DE" sz="1800" b="0" strike="noStrike" spc="-1">
-                <a:solidFill>
-                  <a:srgbClr val="000000"/>
-                </a:solidFill>
-                <a:latin typeface="Frutiger LT Com 45 Light"/>
-                <a:ea typeface="DejaVu Sans"/>
-              </a:rPr>
-              <a:t>Der Concept Unified Identifier (CUI) ermöglicht die Suche nach Synonymen.</a:t>
-            </a:r>
-            <a:endParaRPr lang="de-DE" sz="1800" b="0" strike="noStrike" spc="-1">
-              <a:latin typeface="Arial"/>
-            </a:endParaRPr>
-          </a:p>
-          <a:p>
-            <a:pPr marL="285840" indent="-285120">
-              <a:lnSpc>
-                <a:spcPct val="100000"/>
-              </a:lnSpc>
-              <a:spcBef>
-                <a:spcPts val="601"/>
-              </a:spcBef>
-              <a:buClr>
-                <a:srgbClr val="000000"/>
-              </a:buClr>
-              <a:buFont typeface="Arial"/>
-              <a:buChar char="•"/>
-            </a:pPr>
-            <a:r>
-              <a:rPr lang="de-DE" sz="1800" b="0" strike="noStrike" spc="-1">
-                <a:solidFill>
-                  <a:srgbClr val="000000"/>
-                </a:solidFill>
-                <a:latin typeface="Frutiger LT Com 45 Light"/>
-                <a:ea typeface="DejaVu Sans"/>
-              </a:rPr>
-              <a:t>Viele Begriffe des Vokabulars enthalten eine Kategorisierung wie </a:t>
-            </a:r>
-            <a:r>
-              <a:rPr lang="de-DE" sz="1800" b="0" i="1" strike="noStrike" spc="-1">
-                <a:solidFill>
-                  <a:srgbClr val="000000"/>
-                </a:solidFill>
-                <a:latin typeface="Frutiger LT Com 45 Light"/>
-                <a:ea typeface="DejaVu Sans"/>
-              </a:rPr>
-              <a:t>disease</a:t>
-            </a:r>
-            <a:r>
-              <a:rPr lang="de-DE" sz="1800" b="0" strike="noStrike" spc="-1">
-                <a:solidFill>
-                  <a:srgbClr val="000000"/>
-                </a:solidFill>
-                <a:latin typeface="Frutiger LT Com 45 Light"/>
-                <a:ea typeface="DejaVu Sans"/>
-              </a:rPr>
-              <a:t>, </a:t>
-            </a:r>
-            <a:r>
-              <a:rPr lang="de-DE" sz="1800" b="0" i="1" strike="noStrike" spc="-1">
-                <a:solidFill>
-                  <a:srgbClr val="000000"/>
-                </a:solidFill>
-                <a:latin typeface="Frutiger LT Com 45 Light"/>
-                <a:ea typeface="DejaVu Sans"/>
-              </a:rPr>
-              <a:t>disorder</a:t>
-            </a:r>
-            <a:r>
-              <a:rPr lang="de-DE" sz="1800" b="0" strike="noStrike" spc="-1">
-                <a:solidFill>
-                  <a:srgbClr val="000000"/>
-                </a:solidFill>
-                <a:latin typeface="Frutiger LT Com 45 Light"/>
-                <a:ea typeface="DejaVu Sans"/>
-              </a:rPr>
-              <a:t>, </a:t>
-            </a:r>
-            <a:r>
-              <a:rPr lang="de-DE" sz="1800" b="0" i="1" strike="noStrike" spc="-1">
-                <a:solidFill>
-                  <a:srgbClr val="000000"/>
-                </a:solidFill>
-                <a:latin typeface="Frutiger LT Com 45 Light"/>
-                <a:ea typeface="DejaVu Sans"/>
-              </a:rPr>
-              <a:t>finding</a:t>
-            </a:r>
-            <a:r>
-              <a:rPr lang="de-DE" sz="1800" b="0" strike="noStrike" spc="-1">
-                <a:solidFill>
-                  <a:srgbClr val="000000"/>
-                </a:solidFill>
-                <a:latin typeface="Frutiger LT Com 45 Light"/>
-                <a:ea typeface="DejaVu Sans"/>
-              </a:rPr>
-              <a:t>, etc.</a:t>
-            </a:r>
-            <a:endParaRPr lang="de-DE" sz="1800" b="0" strike="noStrike" spc="-1">
-              <a:latin typeface="Arial"/>
-            </a:endParaRPr>
-          </a:p>
-          <a:p>
-            <a:pPr marL="285840" indent="-285120">
-              <a:lnSpc>
-                <a:spcPct val="100000"/>
-              </a:lnSpc>
-              <a:spcBef>
-                <a:spcPts val="601"/>
-              </a:spcBef>
-              <a:buClr>
-                <a:srgbClr val="000000"/>
-              </a:buClr>
-              <a:buFont typeface="Arial"/>
-              <a:buChar char="•"/>
-            </a:pPr>
-            <a:r>
-              <a:rPr lang="de-DE" sz="1800" b="0" strike="noStrike" spc="-1">
-                <a:solidFill>
-                  <a:srgbClr val="000000"/>
-                </a:solidFill>
-                <a:latin typeface="Frutiger LT Com 45 Light"/>
-                <a:ea typeface="DejaVu Sans"/>
-              </a:rPr>
-              <a:t>Fehlt eine Kategorisierung, kann über die Synonymen-Suche ein Begriff mit Kategorisierung gesucht werden.</a:t>
-            </a:r>
-            <a:endParaRPr lang="de-DE" sz="1800" b="0" strike="noStrike" spc="-1">
-              <a:latin typeface="Arial"/>
-            </a:endParaRPr>
-          </a:p>
-          <a:p>
-            <a:pPr marL="285840" indent="-285120">
-              <a:lnSpc>
-                <a:spcPct val="100000"/>
-              </a:lnSpc>
-              <a:spcBef>
-                <a:spcPts val="601"/>
-              </a:spcBef>
-              <a:buClr>
-                <a:srgbClr val="000000"/>
-              </a:buClr>
-              <a:buFont typeface="Arial"/>
-              <a:buChar char="•"/>
-            </a:pPr>
-            <a:r>
-              <a:rPr lang="de-DE" sz="1800" b="0" strike="noStrike" spc="-1">
-                <a:solidFill>
-                  <a:srgbClr val="000000"/>
-                </a:solidFill>
-                <a:latin typeface="Frutiger LT Com 45 Light"/>
-                <a:ea typeface="DejaVu Sans"/>
-              </a:rPr>
-              <a:t>Diese Kategorisierung wird für das Training des Entity Rulers übernommen.</a:t>
-            </a:r>
-            <a:endParaRPr lang="de-DE" sz="1800" b="0" strike="noStrike" spc="-1">
-              <a:latin typeface="Arial"/>
-            </a:endParaRPr>
-          </a:p>
-          <a:p>
-            <a:pPr marL="285840" indent="-285120">
-              <a:lnSpc>
-                <a:spcPct val="100000"/>
-              </a:lnSpc>
-              <a:spcBef>
-                <a:spcPts val="601"/>
-              </a:spcBef>
-              <a:buClr>
-                <a:srgbClr val="000000"/>
-              </a:buClr>
-              <a:buFont typeface="Arial"/>
-              <a:buChar char="•"/>
-            </a:pPr>
-            <a:r>
-              <a:rPr lang="de-DE" sz="1800" b="0" strike="noStrike" spc="-1">
-                <a:solidFill>
-                  <a:srgbClr val="000000"/>
-                </a:solidFill>
-                <a:latin typeface="Frutiger LT Com 45 Light"/>
-                <a:ea typeface="DejaVu Sans"/>
-              </a:rPr>
-              <a:t>126.485 </a:t>
-            </a:r>
-            <a:r>
-              <a:rPr lang="de-DE" sz="1800" b="0" i="1" strike="noStrike" spc="-1">
-                <a:solidFill>
-                  <a:srgbClr val="000000"/>
-                </a:solidFill>
-                <a:latin typeface="Frutiger LT Com 45 Light"/>
-                <a:ea typeface="DejaVu Sans"/>
-              </a:rPr>
-              <a:t>diseases</a:t>
-            </a:r>
-            <a:r>
-              <a:rPr lang="de-DE" sz="1800" b="0" strike="noStrike" spc="-1">
-                <a:solidFill>
-                  <a:srgbClr val="000000"/>
-                </a:solidFill>
-                <a:latin typeface="Frutiger LT Com 45 Light"/>
-                <a:ea typeface="DejaVu Sans"/>
-              </a:rPr>
-              <a:t> / </a:t>
-            </a:r>
-            <a:r>
-              <a:rPr lang="de-DE" sz="1800" b="0" i="1" strike="noStrike" spc="-1">
-                <a:solidFill>
-                  <a:srgbClr val="000000"/>
-                </a:solidFill>
-                <a:latin typeface="Frutiger LT Com 45 Light"/>
-                <a:ea typeface="DejaVu Sans"/>
-              </a:rPr>
-              <a:t>disorders</a:t>
-            </a:r>
-            <a:r>
-              <a:rPr lang="de-DE" sz="1800" b="0" strike="noStrike" spc="-1">
-                <a:solidFill>
-                  <a:srgbClr val="000000"/>
-                </a:solidFill>
-                <a:latin typeface="Frutiger LT Com 45 Light"/>
-                <a:ea typeface="DejaVu Sans"/>
-              </a:rPr>
-              <a:t>, 60.423 </a:t>
-            </a:r>
-            <a:r>
-              <a:rPr lang="de-DE" sz="1800" b="0" i="1" strike="noStrike" spc="-1">
-                <a:solidFill>
-                  <a:srgbClr val="000000"/>
-                </a:solidFill>
-                <a:latin typeface="Frutiger LT Com 45 Light"/>
-                <a:ea typeface="DejaVu Sans"/>
-              </a:rPr>
-              <a:t>findings</a:t>
-            </a:r>
-            <a:endParaRPr lang="de-DE" sz="1800" b="0" strike="noStrike" spc="-1">
-              <a:latin typeface="Arial"/>
-            </a:endParaRPr>
-          </a:p>
-          <a:p>
-            <a:pPr>
-              <a:lnSpc>
-                <a:spcPct val="100000"/>
-              </a:lnSpc>
-              <a:spcBef>
-                <a:spcPts val="601"/>
-              </a:spcBef>
-            </a:pPr>
-            <a:endParaRPr lang="de-DE" sz="1800" b="0" strike="noStrike" spc="-1">
-              <a:latin typeface="Arial"/>
-            </a:endParaRPr>
-          </a:p>
-        </p:txBody>
-      </p:sp>
-      <p:sp>
-        <p:nvSpPr>
-          <p:cNvPr id="453" name="CustomShape 5"/>
-          <p:cNvSpPr/>
-          <p:nvPr/>
-        </p:nvSpPr>
-        <p:spPr>
-          <a:xfrm>
-            <a:off x="659880" y="5947920"/>
-            <a:ext cx="4143240" cy="257400"/>
-          </a:xfrm>
-          <a:prstGeom prst="rect">
-            <a:avLst/>
-          </a:prstGeom>
-          <a:noFill/>
-          <a:ln w="0">
-            <a:noFill/>
-          </a:ln>
-        </p:spPr>
-        <p:style>
-          <a:lnRef idx="0">
-            <a:scrgbClr r="0" g="0" b="0"/>
-          </a:lnRef>
-          <a:fillRef idx="0">
-            <a:scrgbClr r="0" g="0" b="0"/>
-          </a:fillRef>
-          <a:effectRef idx="0">
-            <a:scrgbClr r="0" g="0" b="0"/>
-          </a:effectRef>
-          <a:fontRef idx="minor"/>
-        </p:style>
-        <p:txBody>
-          <a:bodyPr wrap="none" lIns="90000" tIns="45000" rIns="90000" bIns="45000">
-            <a:spAutoFit/>
-          </a:bodyPr>
-          <a:lstStyle/>
-          <a:p>
-            <a:pPr>
-              <a:lnSpc>
-                <a:spcPct val="100000"/>
-              </a:lnSpc>
-            </a:pPr>
-            <a:r>
-              <a:rPr lang="de-DE" sz="1100" b="0" strike="noStrike" spc="-1">
-                <a:solidFill>
-                  <a:srgbClr val="000000"/>
-                </a:solidFill>
-                <a:latin typeface="Arial"/>
-                <a:ea typeface="DejaVu Sans"/>
-              </a:rPr>
-              <a:t>*) https://ii.nlm.nih.gov/Interactive/UTS_Required/MetaMap.html</a:t>
-            </a:r>
-            <a:endParaRPr lang="de-DE" sz="1100" b="0" strike="noStrike" spc="-1">
+              <a:t>Aus welcher Quelle kann geeignetes medizinisches Fachvokabular bezogen werden, in dem Begriffe kategorisiert (Krankheit, Symptom, Therapie, Medikament, ...) sind.</a:t>
+            </a:r>
+            <a:endParaRPr lang="de-DE" sz="2400" b="0" strike="noStrike" spc="-1" dirty="0">
               <a:latin typeface="Arial"/>
             </a:endParaRPr>
           </a:p>
